--- a/slides/Cosmos_20171105.pptx
+++ b/slides/Cosmos_20171105.pptx
@@ -1,6 +1,6 @@
 
 <file path=ppt/presentation.xml><?xml version="1.0" encoding="utf-8"?>
-<p:presentation xmlns:a="http://schemas.openxmlformats.org/drawingml/2006/main" xmlns:r="http://schemas.openxmlformats.org/officeDocument/2006/relationships" xmlns:p="http://schemas.openxmlformats.org/presentationml/2006/main" embedTrueTypeFonts="1" saveSubsetFonts="1">
+<p:presentation xmlns:a="http://schemas.openxmlformats.org/drawingml/2006/main" xmlns:r="http://schemas.openxmlformats.org/officeDocument/2006/relationships" xmlns:p="http://schemas.openxmlformats.org/presentationml/2006/main" firstSlideNum="0" showSpecialPlsOnTitleSld="0" embedTrueTypeFonts="1" saveSubsetFonts="1">
   <p:sldMasterIdLst>
     <p:sldMasterId id="2147483658" r:id="rId1"/>
     <p:sldMasterId id="2147483648" r:id="rId2"/>
@@ -34,7 +34,7 @@
     <p:sldId id="263" r:id="rId22"/>
   </p:sldIdLst>
   <p:sldSz cx="12192000" cy="6858000"/>
-  <p:notesSz cx="6858000" cy="9144000"/>
+  <p:notesSz cx="9144000" cy="6858000"/>
   <p:embeddedFontLst>
     <p:embeddedFont>
       <p:font typeface="Continuum Light" panose="00000400000000000000" pitchFamily="2" charset="0"/>
@@ -2090,13 +2090,17 @@
       </dgm:t>
     </dgm:pt>
     <dgm:pt modelId="{28A49F21-9328-4829-BED6-5627F5166CBF}">
-      <dgm:prSet phldrT="[텍스트]" phldr="1" custT="1"/>
+      <dgm:prSet phldrT="[텍스트]" custT="1"/>
       <dgm:spPr/>
       <dgm:t>
         <a:bodyPr/>
         <a:lstStyle/>
         <a:p>
           <a:pPr latinLnBrk="1"/>
+          <a:r>
+            <a:rPr lang="en-US" altLang="ko-KR" sz="2000" dirty="0" smtClean="0"/>
+            <a:t> </a:t>
+          </a:r>
           <a:endParaRPr lang="ko-KR" altLang="en-US" sz="2000" dirty="0"/>
         </a:p>
       </dgm:t>
@@ -2132,7 +2136,7 @@
         <a:bodyPr/>
         <a:lstStyle/>
         <a:p>
-          <a:pPr latinLnBrk="1"/>
+          <a:pPr algn="just" latinLnBrk="1"/>
           <a:r>
             <a:rPr lang="ko-KR" altLang="en-US" sz="2100" dirty="0" smtClean="0">
               <a:solidFill>
@@ -2148,7 +2152,7 @@
               <a:latin typeface="-윤고딕310" panose="02030504000101010101" pitchFamily="18" charset="-127"/>
               <a:ea typeface="-윤고딕310" panose="02030504000101010101" pitchFamily="18" charset="-127"/>
             </a:rPr>
-            <a:t>성간 이동은</a:t>
+            <a:t>성간 이동은 공간이동 기술의 개발로 보편화 되었다</a:t>
           </a:r>
           <a:r>
             <a:rPr lang="en-US" altLang="ko-KR" sz="2100" dirty="0" smtClean="0">
@@ -2165,92 +2169,7 @@
               <a:latin typeface="-윤고딕310" panose="02030504000101010101" pitchFamily="18" charset="-127"/>
               <a:ea typeface="-윤고딕310" panose="02030504000101010101" pitchFamily="18" charset="-127"/>
             </a:rPr>
-            <a:t>‘</a:t>
-          </a:r>
-          <a:r>
-            <a:rPr lang="ko-KR" altLang="en-US" sz="2100" dirty="0" err="1" smtClean="0">
-              <a:solidFill>
-                <a:schemeClr val="tx1"/>
-              </a:solidFill>
-              <a:effectLst>
-                <a:outerShdw blurRad="38100" dist="38100" dir="2700000" algn="tl">
-                  <a:srgbClr val="000000">
-                    <a:alpha val="43137"/>
-                  </a:srgbClr>
-                </a:outerShdw>
-              </a:effectLst>
-              <a:latin typeface="-윤고딕310" panose="02030504000101010101" pitchFamily="18" charset="-127"/>
-              <a:ea typeface="-윤고딕310" panose="02030504000101010101" pitchFamily="18" charset="-127"/>
-            </a:rPr>
-            <a:t>워프</a:t>
-          </a:r>
-          <a:r>
-            <a:rPr lang="en-US" altLang="ko-KR" sz="2100" dirty="0" smtClean="0">
-              <a:solidFill>
-                <a:schemeClr val="tx1"/>
-              </a:solidFill>
-              <a:effectLst>
-                <a:outerShdw blurRad="38100" dist="38100" dir="2700000" algn="tl">
-                  <a:srgbClr val="000000">
-                    <a:alpha val="43137"/>
-                  </a:srgbClr>
-                </a:outerShdw>
-              </a:effectLst>
-              <a:latin typeface="-윤고딕310" panose="02030504000101010101" pitchFamily="18" charset="-127"/>
-              <a:ea typeface="-윤고딕310" panose="02030504000101010101" pitchFamily="18" charset="-127"/>
-            </a:rPr>
-            <a:t>’(</a:t>
-          </a:r>
-          <a:r>
-            <a:rPr lang="ko-KR" altLang="en-US" sz="2100" dirty="0" smtClean="0">
-              <a:solidFill>
-                <a:schemeClr val="tx1"/>
-              </a:solidFill>
-              <a:effectLst>
-                <a:outerShdw blurRad="38100" dist="38100" dir="2700000" algn="tl">
-                  <a:srgbClr val="000000">
-                    <a:alpha val="43137"/>
-                  </a:srgbClr>
-                </a:outerShdw>
-              </a:effectLst>
-              <a:latin typeface="-윤고딕310" panose="02030504000101010101" pitchFamily="18" charset="-127"/>
-              <a:ea typeface="-윤고딕310" panose="02030504000101010101" pitchFamily="18" charset="-127"/>
-            </a:rPr>
-            <a:t>공간이동</a:t>
-          </a:r>
-          <a:r>
-            <a:rPr lang="en-US" altLang="ko-KR" sz="2100" dirty="0" smtClean="0">
-              <a:solidFill>
-                <a:schemeClr val="tx1"/>
-              </a:solidFill>
-              <a:effectLst>
-                <a:outerShdw blurRad="38100" dist="38100" dir="2700000" algn="tl">
-                  <a:srgbClr val="000000">
-                    <a:alpha val="43137"/>
-                  </a:srgbClr>
-                </a:outerShdw>
-              </a:effectLst>
-              <a:latin typeface="-윤고딕310" panose="02030504000101010101" pitchFamily="18" charset="-127"/>
-              <a:ea typeface="-윤고딕310" panose="02030504000101010101" pitchFamily="18" charset="-127"/>
-            </a:rPr>
-            <a:t>) </a:t>
-          </a:r>
-          <a:r>
-            <a:rPr lang="ko-KR" altLang="en-US" sz="2100" dirty="0" smtClean="0">
-              <a:solidFill>
-                <a:schemeClr val="tx1"/>
-              </a:solidFill>
-              <a:effectLst>
-                <a:outerShdw blurRad="38100" dist="38100" dir="2700000" algn="tl">
-                  <a:srgbClr val="000000">
-                    <a:alpha val="43137"/>
-                  </a:srgbClr>
-                </a:outerShdw>
-              </a:effectLst>
-              <a:latin typeface="-윤고딕310" panose="02030504000101010101" pitchFamily="18" charset="-127"/>
-              <a:ea typeface="-윤고딕310" panose="02030504000101010101" pitchFamily="18" charset="-127"/>
-            </a:rPr>
-            <a:t>기술의 개발로 보편화 되었다</a:t>
+            <a:t>.</a:t>
           </a:r>
           <a:endParaRPr lang="ko-KR" altLang="en-US" sz="2100" dirty="0">
             <a:solidFill>
@@ -2285,13 +2204,17 @@
       </dgm:t>
     </dgm:pt>
     <dgm:pt modelId="{FC8A7A94-E4D3-4E94-B4C9-74840618C788}">
-      <dgm:prSet phldrT="[텍스트]" phldr="1" custT="1"/>
+      <dgm:prSet phldrT="[텍스트]" custT="1"/>
       <dgm:spPr/>
       <dgm:t>
         <a:bodyPr/>
         <a:lstStyle/>
         <a:p>
           <a:pPr latinLnBrk="1"/>
+          <a:r>
+            <a:rPr lang="en-US" altLang="ko-KR" sz="2000" dirty="0" smtClean="0"/>
+            <a:t> </a:t>
+          </a:r>
           <a:endParaRPr lang="ko-KR" altLang="en-US" sz="2000" dirty="0"/>
         </a:p>
       </dgm:t>
@@ -2327,7 +2250,7 @@
         <a:bodyPr/>
         <a:lstStyle/>
         <a:p>
-          <a:pPr latinLnBrk="1"/>
+          <a:pPr algn="just" latinLnBrk="1"/>
           <a:r>
             <a:rPr lang="ko-KR" altLang="en-US" sz="2100" dirty="0" smtClean="0">
               <a:solidFill>
@@ -2544,6 +2467,14 @@
     <dgm:pt modelId="{07E1E706-9502-482C-A5C3-740AAD80DFAB}" type="pres">
       <dgm:prSet presAssocID="{FC8A7A94-E4D3-4E94-B4C9-74840618C788}" presName="circle" presStyleLbl="node1" presStyleIdx="1" presStyleCnt="2"/>
       <dgm:spPr/>
+      <dgm:t>
+        <a:bodyPr/>
+        <a:lstStyle/>
+        <a:p>
+          <a:pPr latinLnBrk="1"/>
+          <a:endParaRPr lang="ko-KR" altLang="en-US"/>
+        </a:p>
+      </dgm:t>
     </dgm:pt>
   </dgm:ptLst>
   <dgm:cxnLst>
@@ -3076,7 +3007,7 @@
         </a:bodyPr>
         <a:lstStyle/>
         <a:p>
-          <a:pPr lvl="0" algn="l" defTabSz="933450" latinLnBrk="1">
+          <a:pPr lvl="0" algn="just" defTabSz="933450" latinLnBrk="1">
             <a:lnSpc>
               <a:spcPct val="90000"/>
             </a:lnSpc>
@@ -3102,7 +3033,7 @@
               <a:latin typeface="-윤고딕310" panose="02030504000101010101" pitchFamily="18" charset="-127"/>
               <a:ea typeface="-윤고딕310" panose="02030504000101010101" pitchFamily="18" charset="-127"/>
             </a:rPr>
-            <a:t>성간 이동은</a:t>
+            <a:t>성간 이동은 공간이동 기술의 개발로 보편화 되었다</a:t>
           </a:r>
           <a:r>
             <a:rPr lang="en-US" altLang="ko-KR" sz="2100" kern="1200" dirty="0" smtClean="0">
@@ -3119,92 +3050,7 @@
               <a:latin typeface="-윤고딕310" panose="02030504000101010101" pitchFamily="18" charset="-127"/>
               <a:ea typeface="-윤고딕310" panose="02030504000101010101" pitchFamily="18" charset="-127"/>
             </a:rPr>
-            <a:t>‘</a:t>
-          </a:r>
-          <a:r>
-            <a:rPr lang="ko-KR" altLang="en-US" sz="2100" kern="1200" dirty="0" err="1" smtClean="0">
-              <a:solidFill>
-                <a:schemeClr val="tx1"/>
-              </a:solidFill>
-              <a:effectLst>
-                <a:outerShdw blurRad="38100" dist="38100" dir="2700000" algn="tl">
-                  <a:srgbClr val="000000">
-                    <a:alpha val="43137"/>
-                  </a:srgbClr>
-                </a:outerShdw>
-              </a:effectLst>
-              <a:latin typeface="-윤고딕310" panose="02030504000101010101" pitchFamily="18" charset="-127"/>
-              <a:ea typeface="-윤고딕310" panose="02030504000101010101" pitchFamily="18" charset="-127"/>
-            </a:rPr>
-            <a:t>워프</a:t>
-          </a:r>
-          <a:r>
-            <a:rPr lang="en-US" altLang="ko-KR" sz="2100" kern="1200" dirty="0" smtClean="0">
-              <a:solidFill>
-                <a:schemeClr val="tx1"/>
-              </a:solidFill>
-              <a:effectLst>
-                <a:outerShdw blurRad="38100" dist="38100" dir="2700000" algn="tl">
-                  <a:srgbClr val="000000">
-                    <a:alpha val="43137"/>
-                  </a:srgbClr>
-                </a:outerShdw>
-              </a:effectLst>
-              <a:latin typeface="-윤고딕310" panose="02030504000101010101" pitchFamily="18" charset="-127"/>
-              <a:ea typeface="-윤고딕310" panose="02030504000101010101" pitchFamily="18" charset="-127"/>
-            </a:rPr>
-            <a:t>’(</a:t>
-          </a:r>
-          <a:r>
-            <a:rPr lang="ko-KR" altLang="en-US" sz="2100" kern="1200" dirty="0" smtClean="0">
-              <a:solidFill>
-                <a:schemeClr val="tx1"/>
-              </a:solidFill>
-              <a:effectLst>
-                <a:outerShdw blurRad="38100" dist="38100" dir="2700000" algn="tl">
-                  <a:srgbClr val="000000">
-                    <a:alpha val="43137"/>
-                  </a:srgbClr>
-                </a:outerShdw>
-              </a:effectLst>
-              <a:latin typeface="-윤고딕310" panose="02030504000101010101" pitchFamily="18" charset="-127"/>
-              <a:ea typeface="-윤고딕310" panose="02030504000101010101" pitchFamily="18" charset="-127"/>
-            </a:rPr>
-            <a:t>공간이동</a:t>
-          </a:r>
-          <a:r>
-            <a:rPr lang="en-US" altLang="ko-KR" sz="2100" kern="1200" dirty="0" smtClean="0">
-              <a:solidFill>
-                <a:schemeClr val="tx1"/>
-              </a:solidFill>
-              <a:effectLst>
-                <a:outerShdw blurRad="38100" dist="38100" dir="2700000" algn="tl">
-                  <a:srgbClr val="000000">
-                    <a:alpha val="43137"/>
-                  </a:srgbClr>
-                </a:outerShdw>
-              </a:effectLst>
-              <a:latin typeface="-윤고딕310" panose="02030504000101010101" pitchFamily="18" charset="-127"/>
-              <a:ea typeface="-윤고딕310" panose="02030504000101010101" pitchFamily="18" charset="-127"/>
-            </a:rPr>
-            <a:t>) </a:t>
-          </a:r>
-          <a:r>
-            <a:rPr lang="ko-KR" altLang="en-US" sz="2100" kern="1200" dirty="0" smtClean="0">
-              <a:solidFill>
-                <a:schemeClr val="tx1"/>
-              </a:solidFill>
-              <a:effectLst>
-                <a:outerShdw blurRad="38100" dist="38100" dir="2700000" algn="tl">
-                  <a:srgbClr val="000000">
-                    <a:alpha val="43137"/>
-                  </a:srgbClr>
-                </a:outerShdw>
-              </a:effectLst>
-              <a:latin typeface="-윤고딕310" panose="02030504000101010101" pitchFamily="18" charset="-127"/>
-              <a:ea typeface="-윤고딕310" panose="02030504000101010101" pitchFamily="18" charset="-127"/>
-            </a:rPr>
-            <a:t>기술의 개발로 보편화 되었다</a:t>
+            <a:t>.</a:t>
           </a:r>
           <a:endParaRPr lang="ko-KR" altLang="en-US" sz="2100" kern="1200" dirty="0">
             <a:solidFill>
@@ -3284,6 +3130,10 @@
               <a:spcPct val="35000"/>
             </a:spcAft>
           </a:pPr>
+          <a:r>
+            <a:rPr lang="en-US" altLang="ko-KR" sz="2000" kern="1200" dirty="0" smtClean="0"/>
+            <a:t> </a:t>
+          </a:r>
           <a:endParaRPr lang="ko-KR" altLang="en-US" sz="2000" kern="1200" dirty="0"/>
         </a:p>
       </dsp:txBody>
@@ -3349,7 +3199,7 @@
         </a:bodyPr>
         <a:lstStyle/>
         <a:p>
-          <a:pPr lvl="0" algn="l" defTabSz="933450" latinLnBrk="1">
+          <a:pPr lvl="0" algn="just" defTabSz="933450" latinLnBrk="1">
             <a:lnSpc>
               <a:spcPct val="90000"/>
             </a:lnSpc>
@@ -3506,6 +3356,10 @@
               <a:spcPct val="35000"/>
             </a:spcAft>
           </a:pPr>
+          <a:r>
+            <a:rPr lang="en-US" altLang="ko-KR" sz="2000" kern="1200" dirty="0" smtClean="0"/>
+            <a:t> </a:t>
+          </a:r>
           <a:endParaRPr lang="ko-KR" altLang="en-US" sz="2000" kern="1200" dirty="0"/>
         </a:p>
       </dsp:txBody>
@@ -6200,7 +6054,7 @@
         <p:spPr>
           <a:xfrm>
             <a:off x="0" y="0"/>
-            <a:ext cx="2971800" cy="457200"/>
+            <a:ext cx="3962400" cy="342900"/>
           </a:xfrm>
           <a:prstGeom prst="rect">
             <a:avLst/>
@@ -6230,8 +6084,8 @@
         </p:nvSpPr>
         <p:spPr>
           <a:xfrm>
-            <a:off x="3884613" y="0"/>
-            <a:ext cx="2971800" cy="457200"/>
+            <a:off x="5179484" y="0"/>
+            <a:ext cx="3962400" cy="342900"/>
           </a:xfrm>
           <a:prstGeom prst="rect">
             <a:avLst/>
@@ -6265,8 +6119,8 @@
         </p:nvSpPr>
         <p:spPr>
           <a:xfrm>
-            <a:off x="0" y="8685213"/>
-            <a:ext cx="2971800" cy="457200"/>
+            <a:off x="0" y="6513910"/>
+            <a:ext cx="3962400" cy="342900"/>
           </a:xfrm>
           <a:prstGeom prst="rect">
             <a:avLst/>
@@ -6300,8 +6154,8 @@
         </p:nvSpPr>
         <p:spPr>
           <a:xfrm>
-            <a:off x="3884613" y="8685213"/>
-            <a:ext cx="2971800" cy="457200"/>
+            <a:off x="5179484" y="6513910"/>
+            <a:ext cx="3962400" cy="342900"/>
           </a:xfrm>
           <a:prstGeom prst="rect">
             <a:avLst/>
@@ -6370,7 +6224,7 @@
         <p:spPr>
           <a:xfrm>
             <a:off x="0" y="0"/>
-            <a:ext cx="2971800" cy="457200"/>
+            <a:ext cx="3962400" cy="342900"/>
           </a:xfrm>
           <a:prstGeom prst="rect">
             <a:avLst/>
@@ -6400,8 +6254,8 @@
         </p:nvSpPr>
         <p:spPr>
           <a:xfrm>
-            <a:off x="3884613" y="0"/>
-            <a:ext cx="2971800" cy="457200"/>
+            <a:off x="5179484" y="0"/>
+            <a:ext cx="3962400" cy="342900"/>
           </a:xfrm>
           <a:prstGeom prst="rect">
             <a:avLst/>
@@ -6435,8 +6289,8 @@
         </p:nvSpPr>
         <p:spPr>
           <a:xfrm>
-            <a:off x="381000" y="685800"/>
-            <a:ext cx="6096000" cy="3429000"/>
+            <a:off x="2286000" y="514350"/>
+            <a:ext cx="4572000" cy="2571750"/>
           </a:xfrm>
           <a:prstGeom prst="rect">
             <a:avLst/>
@@ -6468,8 +6322,8 @@
         </p:nvSpPr>
         <p:spPr>
           <a:xfrm>
-            <a:off x="685800" y="4343400"/>
-            <a:ext cx="5486400" cy="4114800"/>
+            <a:off x="914400" y="3257550"/>
+            <a:ext cx="7315200" cy="3086100"/>
           </a:xfrm>
           <a:prstGeom prst="rect">
             <a:avLst/>
@@ -6528,8 +6382,8 @@
         </p:nvSpPr>
         <p:spPr>
           <a:xfrm>
-            <a:off x="0" y="8685213"/>
-            <a:ext cx="2971800" cy="457200"/>
+            <a:off x="0" y="6513910"/>
+            <a:ext cx="3962400" cy="342900"/>
           </a:xfrm>
           <a:prstGeom prst="rect">
             <a:avLst/>
@@ -6563,8 +6417,8 @@
         </p:nvSpPr>
         <p:spPr>
           <a:xfrm>
-            <a:off x="3884613" y="8685213"/>
-            <a:ext cx="2971800" cy="457200"/>
+            <a:off x="5179484" y="6513910"/>
+            <a:ext cx="3962400" cy="342900"/>
           </a:xfrm>
           <a:prstGeom prst="rect">
             <a:avLst/>
@@ -6734,7 +6588,7 @@
           <a:bodyPr/>
           <a:lstStyle/>
           <a:p>
-            <a:endParaRPr lang="ko-KR" altLang="en-US" dirty="0"/>
+            <a:endParaRPr lang="ko-KR" altLang="en-US"/>
           </a:p>
         </p:txBody>
       </p:sp>
@@ -6754,7 +6608,7 @@
           <a:lstStyle/>
           <a:p>
             <a:r>
-              <a:rPr lang="en-US" altLang="ko-KR" dirty="0" smtClean="0"/>
+              <a:rPr lang="en-US" altLang="ko-KR" smtClean="0"/>
               <a:t>Cosmos</a:t>
             </a:r>
             <a:endParaRPr lang="ko-KR" altLang="en-US" dirty="0"/>
@@ -6778,7 +6632,114 @@
           <a:p>
             <a:fld id="{F3E696EC-0AB3-4E76-8D8D-7B3C4DDA3FDD}" type="slidenum">
               <a:rPr lang="ko-KR" altLang="en-US" smtClean="0"/>
-              <a:t>2</a:t>
+              <a:t>0</a:t>
+            </a:fld>
+            <a:endParaRPr lang="ko-KR" altLang="en-US" dirty="0"/>
+          </a:p>
+        </p:txBody>
+      </p:sp>
+    </p:spTree>
+    <p:extLst>
+      <p:ext uri="{BB962C8B-B14F-4D97-AF65-F5344CB8AC3E}">
+        <p14:creationId xmlns:p14="http://schemas.microsoft.com/office/powerpoint/2010/main" val="3383094380"/>
+      </p:ext>
+    </p:extLst>
+  </p:cSld>
+  <p:clrMapOvr>
+    <a:masterClrMapping/>
+  </p:clrMapOvr>
+</p:notes>
+</file>
+
+<file path=ppt/notesSlides/notesSlide2.xml><?xml version="1.0" encoding="utf-8"?>
+<p:notes xmlns:a="http://schemas.openxmlformats.org/drawingml/2006/main" xmlns:r="http://schemas.openxmlformats.org/officeDocument/2006/relationships" xmlns:p="http://schemas.openxmlformats.org/presentationml/2006/main">
+  <p:cSld>
+    <p:spTree>
+      <p:nvGrpSpPr>
+        <p:cNvPr id="1" name=""/>
+        <p:cNvGrpSpPr/>
+        <p:nvPr/>
+      </p:nvGrpSpPr>
+      <p:grpSpPr>
+        <a:xfrm>
+          <a:off x="0" y="0"/>
+          <a:ext cx="0" cy="0"/>
+          <a:chOff x="0" y="0"/>
+          <a:chExt cx="0" cy="0"/>
+        </a:xfrm>
+      </p:grpSpPr>
+      <p:sp>
+        <p:nvSpPr>
+          <p:cNvPr id="2" name="슬라이드 이미지 개체 틀 1"/>
+          <p:cNvSpPr>
+            <a:spLocks noGrp="1" noRot="1" noChangeAspect="1"/>
+          </p:cNvSpPr>
+          <p:nvPr>
+            <p:ph type="sldImg"/>
+          </p:nvPr>
+        </p:nvSpPr>
+        <p:spPr/>
+      </p:sp>
+      <p:sp>
+        <p:nvSpPr>
+          <p:cNvPr id="3" name="슬라이드 노트 개체 틀 2"/>
+          <p:cNvSpPr>
+            <a:spLocks noGrp="1"/>
+          </p:cNvSpPr>
+          <p:nvPr>
+            <p:ph type="body" idx="1"/>
+          </p:nvPr>
+        </p:nvSpPr>
+        <p:spPr/>
+        <p:txBody>
+          <a:bodyPr/>
+          <a:lstStyle/>
+          <a:p>
+            <a:endParaRPr lang="ko-KR" altLang="en-US" dirty="0"/>
+          </a:p>
+        </p:txBody>
+      </p:sp>
+      <p:sp>
+        <p:nvSpPr>
+          <p:cNvPr id="4" name="바닥글 개체 틀 3"/>
+          <p:cNvSpPr>
+            <a:spLocks noGrp="1"/>
+          </p:cNvSpPr>
+          <p:nvPr>
+            <p:ph type="ftr" sz="quarter" idx="10"/>
+          </p:nvPr>
+        </p:nvSpPr>
+        <p:spPr/>
+        <p:txBody>
+          <a:bodyPr/>
+          <a:lstStyle/>
+          <a:p>
+            <a:r>
+              <a:rPr lang="en-US" altLang="ko-KR" dirty="0" smtClean="0"/>
+              <a:t>Cosmos</a:t>
+            </a:r>
+            <a:endParaRPr lang="ko-KR" altLang="en-US" dirty="0"/>
+          </a:p>
+        </p:txBody>
+      </p:sp>
+      <p:sp>
+        <p:nvSpPr>
+          <p:cNvPr id="5" name="슬라이드 번호 개체 틀 4"/>
+          <p:cNvSpPr>
+            <a:spLocks noGrp="1"/>
+          </p:cNvSpPr>
+          <p:nvPr>
+            <p:ph type="sldNum" sz="quarter" idx="11"/>
+          </p:nvPr>
+        </p:nvSpPr>
+        <p:spPr/>
+        <p:txBody>
+          <a:bodyPr/>
+          <a:lstStyle/>
+          <a:p>
+            <a:fld id="{F3E696EC-0AB3-4E76-8D8D-7B3C4DDA3FDD}" type="slidenum">
+              <a:rPr lang="ko-KR" altLang="en-US" smtClean="0"/>
+              <a:t>1</a:t>
             </a:fld>
             <a:endParaRPr lang="ko-KR" altLang="en-US" dirty="0"/>
           </a:p>
@@ -6797,7 +6758,7 @@
 </p:notes>
 </file>
 
-<file path=ppt/notesSlides/notesSlide2.xml><?xml version="1.0" encoding="utf-8"?>
+<file path=ppt/notesSlides/notesSlide3.xml><?xml version="1.0" encoding="utf-8"?>
 <p:notes xmlns:a="http://schemas.openxmlformats.org/drawingml/2006/main" xmlns:r="http://schemas.openxmlformats.org/officeDocument/2006/relationships" xmlns:p="http://schemas.openxmlformats.org/presentationml/2006/main">
   <p:cSld>
     <p:spTree>
@@ -6862,7 +6823,7 @@
           <a:p>
             <a:fld id="{F3E696EC-0AB3-4E76-8D8D-7B3C4DDA3FDD}" type="slidenum">
               <a:rPr lang="ko-KR" altLang="en-US" smtClean="0"/>
-              <a:t>3</a:t>
+              <a:t>2</a:t>
             </a:fld>
             <a:endParaRPr lang="ko-KR" altLang="en-US" dirty="0"/>
           </a:p>
@@ -6895,6 +6856,113 @@
     <p:extLst>
       <p:ext uri="{BB962C8B-B14F-4D97-AF65-F5344CB8AC3E}">
         <p14:creationId xmlns:p14="http://schemas.microsoft.com/office/powerpoint/2010/main" val="1695197640"/>
+      </p:ext>
+    </p:extLst>
+  </p:cSld>
+  <p:clrMapOvr>
+    <a:masterClrMapping/>
+  </p:clrMapOvr>
+</p:notes>
+</file>
+
+<file path=ppt/notesSlides/notesSlide4.xml><?xml version="1.0" encoding="utf-8"?>
+<p:notes xmlns:a="http://schemas.openxmlformats.org/drawingml/2006/main" xmlns:r="http://schemas.openxmlformats.org/officeDocument/2006/relationships" xmlns:p="http://schemas.openxmlformats.org/presentationml/2006/main">
+  <p:cSld>
+    <p:spTree>
+      <p:nvGrpSpPr>
+        <p:cNvPr id="1" name=""/>
+        <p:cNvGrpSpPr/>
+        <p:nvPr/>
+      </p:nvGrpSpPr>
+      <p:grpSpPr>
+        <a:xfrm>
+          <a:off x="0" y="0"/>
+          <a:ext cx="0" cy="0"/>
+          <a:chOff x="0" y="0"/>
+          <a:chExt cx="0" cy="0"/>
+        </a:xfrm>
+      </p:grpSpPr>
+      <p:sp>
+        <p:nvSpPr>
+          <p:cNvPr id="2" name="슬라이드 이미지 개체 틀 1"/>
+          <p:cNvSpPr>
+            <a:spLocks noGrp="1" noRot="1" noChangeAspect="1"/>
+          </p:cNvSpPr>
+          <p:nvPr>
+            <p:ph type="sldImg"/>
+          </p:nvPr>
+        </p:nvSpPr>
+        <p:spPr/>
+      </p:sp>
+      <p:sp>
+        <p:nvSpPr>
+          <p:cNvPr id="3" name="슬라이드 노트 개체 틀 2"/>
+          <p:cNvSpPr>
+            <a:spLocks noGrp="1"/>
+          </p:cNvSpPr>
+          <p:nvPr>
+            <p:ph type="body" idx="1"/>
+          </p:nvPr>
+        </p:nvSpPr>
+        <p:spPr/>
+        <p:txBody>
+          <a:bodyPr/>
+          <a:lstStyle/>
+          <a:p>
+            <a:endParaRPr lang="ko-KR" altLang="en-US"/>
+          </a:p>
+        </p:txBody>
+      </p:sp>
+      <p:sp>
+        <p:nvSpPr>
+          <p:cNvPr id="4" name="바닥글 개체 틀 3"/>
+          <p:cNvSpPr>
+            <a:spLocks noGrp="1"/>
+          </p:cNvSpPr>
+          <p:nvPr>
+            <p:ph type="ftr" sz="quarter" idx="10"/>
+          </p:nvPr>
+        </p:nvSpPr>
+        <p:spPr/>
+        <p:txBody>
+          <a:bodyPr/>
+          <a:lstStyle/>
+          <a:p>
+            <a:r>
+              <a:rPr lang="en-US" altLang="ko-KR" smtClean="0"/>
+              <a:t>Cosmos</a:t>
+            </a:r>
+            <a:endParaRPr lang="ko-KR" altLang="en-US" dirty="0"/>
+          </a:p>
+        </p:txBody>
+      </p:sp>
+      <p:sp>
+        <p:nvSpPr>
+          <p:cNvPr id="5" name="슬라이드 번호 개체 틀 4"/>
+          <p:cNvSpPr>
+            <a:spLocks noGrp="1"/>
+          </p:cNvSpPr>
+          <p:nvPr>
+            <p:ph type="sldNum" sz="quarter" idx="11"/>
+          </p:nvPr>
+        </p:nvSpPr>
+        <p:spPr/>
+        <p:txBody>
+          <a:bodyPr/>
+          <a:lstStyle/>
+          <a:p>
+            <a:fld id="{F3E696EC-0AB3-4E76-8D8D-7B3C4DDA3FDD}" type="slidenum">
+              <a:rPr lang="ko-KR" altLang="en-US" smtClean="0"/>
+              <a:t>7</a:t>
+            </a:fld>
+            <a:endParaRPr lang="ko-KR" altLang="en-US" dirty="0"/>
+          </a:p>
+        </p:txBody>
+      </p:sp>
+    </p:spTree>
+    <p:extLst>
+      <p:ext uri="{BB962C8B-B14F-4D97-AF65-F5344CB8AC3E}">
+        <p14:creationId xmlns:p14="http://schemas.microsoft.com/office/powerpoint/2010/main" val="2826512438"/>
       </p:ext>
     </p:extLst>
   </p:cSld>
@@ -7096,7 +7164,7 @@
   <p:sldLayoutIdLst>
     <p:sldLayoutId id="2147483659" r:id="rId1"/>
   </p:sldLayoutIdLst>
-  <p:hf sldNum="0" hdr="0" dt="0"/>
+  <p:hf hdr="0" dt="0"/>
   <p:txStyles>
     <p:titleStyle>
       <a:lvl1pPr algn="l" defTabSz="914400" rtl="0" eaLnBrk="1" latinLnBrk="1" hangingPunct="1">
@@ -7518,7 +7586,7 @@
   <p:sldLayoutIdLst>
     <p:sldLayoutId id="2147483655" r:id="rId1"/>
   </p:sldLayoutIdLst>
-  <p:hf sldNum="0" hdr="0" dt="0"/>
+  <p:hf hdr="0" dt="0"/>
   <p:txStyles>
     <p:titleStyle>
       <a:lvl1pPr algn="l" defTabSz="914400" rtl="0" eaLnBrk="1" latinLnBrk="1" hangingPunct="1">
@@ -7940,7 +8008,7 @@
   <p:sldLayoutIdLst>
     <p:sldLayoutId id="2147483657" r:id="rId1"/>
   </p:sldLayoutIdLst>
-  <p:hf sldNum="0" hdr="0" dt="0"/>
+  <p:hf hdr="0" dt="0"/>
   <p:txStyles>
     <p:titleStyle>
       <a:lvl1pPr algn="l" defTabSz="914400" rtl="0" eaLnBrk="1" latinLnBrk="1" hangingPunct="1">
@@ -8362,7 +8430,7 @@
   <p:sldLayoutIdLst>
     <p:sldLayoutId id="2147483661" r:id="rId1"/>
   </p:sldLayoutIdLst>
-  <p:hf sldNum="0" hdr="0" dt="0"/>
+  <p:hf hdr="0" dt="0"/>
   <p:txStyles>
     <p:titleStyle>
       <a:lvl1pPr algn="l" defTabSz="914400" rtl="0" eaLnBrk="1" latinLnBrk="1" hangingPunct="1">
@@ -8832,7 +8900,7 @@
   <p:sldLayoutIdLst>
     <p:sldLayoutId id="2147483663" r:id="rId1"/>
   </p:sldLayoutIdLst>
-  <p:hf sldNum="0" hdr="0" dt="0"/>
+  <p:hf hdr="0" dt="0"/>
   <p:txStyles>
     <p:titleStyle>
       <a:lvl1pPr algn="l" defTabSz="914400" rtl="0" eaLnBrk="1" latinLnBrk="1" hangingPunct="1">
@@ -10532,6 +10600,39 @@
           </a:graphicData>
         </a:graphic>
       </p:graphicFrame>
+      <p:sp>
+        <p:nvSpPr>
+          <p:cNvPr id="2" name="TextBox 1"/>
+          <p:cNvSpPr txBox="1"/>
+          <p:nvPr/>
+        </p:nvSpPr>
+        <p:spPr>
+          <a:xfrm>
+            <a:off x="10534650" y="6067425"/>
+            <a:ext cx="1095375" cy="369332"/>
+          </a:xfrm>
+          <a:prstGeom prst="rect">
+            <a:avLst/>
+          </a:prstGeom>
+          <a:noFill/>
+        </p:spPr>
+        <p:txBody>
+          <a:bodyPr wrap="square" rtlCol="0">
+            <a:spAutoFit/>
+          </a:bodyPr>
+          <a:lstStyle/>
+          <a:p>
+            <a:r>
+              <a:rPr lang="en-US" altLang="ko-KR" dirty="0" smtClean="0">
+                <a:solidFill>
+                  <a:schemeClr val="bg1"/>
+                </a:solidFill>
+              </a:rPr>
+              <a:t>&lt;#&gt;</a:t>
+            </a:r>
+          </a:p>
+        </p:txBody>
+      </p:sp>
     </p:spTree>
     <p:extLst>
       <p:ext uri="{BB962C8B-B14F-4D97-AF65-F5344CB8AC3E}">
@@ -12359,21 +12460,21 @@
           <a:lstStyle/>
           <a:p>
             <a:r>
-              <a:rPr lang="en-US" altLang="ko-KR" sz="2800" dirty="0" smtClean="0">
-                <a:solidFill>
-                  <a:schemeClr val="bg1"/>
-                </a:solidFill>
-                <a:effectLst>
-                  <a:outerShdw blurRad="38100" dist="38100" dir="2700000" algn="tl">
-                    <a:srgbClr val="000000">
-                      <a:alpha val="43137"/>
-                    </a:srgbClr>
-                  </a:outerShdw>
-                </a:effectLst>
-                <a:latin typeface="Continuum Light" panose="00000400000000000000" pitchFamily="2" charset="0"/>
-                <a:ea typeface="나눔스퀘어 Light" panose="020B0600000101010101" pitchFamily="50" charset="-127"/>
-              </a:rPr>
-              <a:t>(1)</a:t>
+              <a:rPr lang="en-US" altLang="ko-KR" sz="2800" dirty="0">
+                <a:solidFill>
+                  <a:schemeClr val="bg1"/>
+                </a:solidFill>
+                <a:effectLst>
+                  <a:outerShdw blurRad="38100" dist="38100" dir="2700000" algn="tl">
+                    <a:srgbClr val="000000">
+                      <a:alpha val="43137"/>
+                    </a:srgbClr>
+                  </a:outerShdw>
+                </a:effectLst>
+                <a:latin typeface="-윤고딕320" panose="02030504000101010101" pitchFamily="18" charset="-127"/>
+                <a:ea typeface="-윤고딕320" panose="02030504000101010101" pitchFamily="18" charset="-127"/>
+              </a:rPr>
+              <a:t> </a:t>
             </a:r>
             <a:r>
               <a:rPr lang="en-US" altLang="ko-KR" sz="2800" dirty="0" smtClean="0">
@@ -13394,21 +13495,21 @@
           <a:lstStyle/>
           <a:p>
             <a:r>
-              <a:rPr lang="en-US" altLang="ko-KR" sz="2800" dirty="0" smtClean="0">
-                <a:solidFill>
-                  <a:schemeClr val="bg1"/>
-                </a:solidFill>
-                <a:effectLst>
-                  <a:outerShdw blurRad="38100" dist="38100" dir="2700000" algn="tl">
-                    <a:srgbClr val="000000">
-                      <a:alpha val="43137"/>
-                    </a:srgbClr>
-                  </a:outerShdw>
-                </a:effectLst>
-                <a:latin typeface="Continuum Light" panose="00000400000000000000" pitchFamily="2" charset="0"/>
-                <a:ea typeface="나눔스퀘어 Light" panose="020B0600000101010101" pitchFamily="50" charset="-127"/>
-              </a:rPr>
-              <a:t>(2)</a:t>
+              <a:rPr lang="en-US" altLang="ko-KR" sz="2800" dirty="0">
+                <a:solidFill>
+                  <a:schemeClr val="bg1"/>
+                </a:solidFill>
+                <a:effectLst>
+                  <a:outerShdw blurRad="38100" dist="38100" dir="2700000" algn="tl">
+                    <a:srgbClr val="000000">
+                      <a:alpha val="43137"/>
+                    </a:srgbClr>
+                  </a:outerShdw>
+                </a:effectLst>
+                <a:latin typeface="-윤고딕320" panose="02030504000101010101" pitchFamily="18" charset="-127"/>
+                <a:ea typeface="-윤고딕320" panose="02030504000101010101" pitchFamily="18" charset="-127"/>
+              </a:rPr>
+              <a:t> </a:t>
             </a:r>
             <a:r>
               <a:rPr lang="en-US" altLang="ko-KR" sz="2800" dirty="0" smtClean="0">
@@ -13976,21 +14077,21 @@
           <a:lstStyle/>
           <a:p>
             <a:r>
-              <a:rPr lang="en-US" altLang="ko-KR" sz="2800" dirty="0" smtClean="0">
-                <a:solidFill>
-                  <a:schemeClr val="bg1"/>
-                </a:solidFill>
-                <a:effectLst>
-                  <a:outerShdw blurRad="38100" dist="38100" dir="2700000" algn="tl">
-                    <a:srgbClr val="000000">
-                      <a:alpha val="43137"/>
-                    </a:srgbClr>
-                  </a:outerShdw>
-                </a:effectLst>
-                <a:latin typeface="Continuum Light" panose="00000400000000000000" pitchFamily="2" charset="0"/>
-                <a:ea typeface="나눔스퀘어 Light" panose="020B0600000101010101" pitchFamily="50" charset="-127"/>
-              </a:rPr>
-              <a:t>(3)</a:t>
+              <a:rPr lang="en-US" altLang="ko-KR" sz="2800" dirty="0">
+                <a:solidFill>
+                  <a:schemeClr val="bg1"/>
+                </a:solidFill>
+                <a:effectLst>
+                  <a:outerShdw blurRad="38100" dist="38100" dir="2700000" algn="tl">
+                    <a:srgbClr val="000000">
+                      <a:alpha val="43137"/>
+                    </a:srgbClr>
+                  </a:outerShdw>
+                </a:effectLst>
+                <a:latin typeface="-윤고딕320" panose="02030504000101010101" pitchFamily="18" charset="-127"/>
+                <a:ea typeface="-윤고딕320" panose="02030504000101010101" pitchFamily="18" charset="-127"/>
+              </a:rPr>
+              <a:t> </a:t>
             </a:r>
             <a:r>
               <a:rPr lang="en-US" altLang="ko-KR" sz="2800" dirty="0" smtClean="0">
@@ -14558,24 +14659,7 @@
           <a:lstStyle/>
           <a:p>
             <a:r>
-              <a:rPr lang="en-US" altLang="ko-KR" sz="2800" dirty="0" smtClean="0">
-                <a:solidFill>
-                  <a:schemeClr val="bg1"/>
-                </a:solidFill>
-                <a:effectLst>
-                  <a:outerShdw blurRad="38100" dist="38100" dir="2700000" algn="tl">
-                    <a:srgbClr val="000000">
-                      <a:alpha val="43137"/>
-                    </a:srgbClr>
-                  </a:outerShdw>
-                </a:effectLst>
-                <a:latin typeface="Continuum Light" panose="00000400000000000000" pitchFamily="2" charset="0"/>
-                <a:ea typeface="나눔스퀘어 Light" panose="020B0600000101010101" pitchFamily="50" charset="-127"/>
-              </a:rPr>
-              <a:t>(4)</a:t>
-            </a:r>
-            <a:r>
-              <a:rPr lang="en-US" altLang="ko-KR" sz="2800" dirty="0" smtClean="0">
+              <a:rPr lang="en-US" altLang="ko-KR" sz="2800" dirty="0">
                 <a:solidFill>
                   <a:schemeClr val="bg1"/>
                 </a:solidFill>
@@ -14592,7 +14676,7 @@
               <a:t> </a:t>
             </a:r>
             <a:r>
-              <a:rPr lang="ko-KR" altLang="en-US" sz="2800" dirty="0" smtClean="0">
+              <a:rPr lang="en-US" altLang="ko-KR" sz="2800" dirty="0" smtClean="0">
                 <a:solidFill>
                   <a:schemeClr val="bg1"/>
                 </a:solidFill>
@@ -14606,7 +14690,41 @@
                 <a:latin typeface="-윤고딕320" panose="02030504000101010101" pitchFamily="18" charset="-127"/>
                 <a:ea typeface="-윤고딕320" panose="02030504000101010101" pitchFamily="18" charset="-127"/>
               </a:rPr>
-              <a:t>자료 출처</a:t>
+              <a:t> </a:t>
+            </a:r>
+            <a:r>
+              <a:rPr lang="ko-KR" altLang="en-US" sz="2800" dirty="0" smtClean="0">
+                <a:solidFill>
+                  <a:schemeClr val="bg1"/>
+                </a:solidFill>
+                <a:effectLst>
+                  <a:outerShdw blurRad="38100" dist="38100" dir="2700000" algn="tl">
+                    <a:srgbClr val="000000">
+                      <a:alpha val="43137"/>
+                    </a:srgbClr>
+                  </a:outerShdw>
+                </a:effectLst>
+                <a:latin typeface="-윤고딕320" panose="02030504000101010101" pitchFamily="18" charset="-127"/>
+                <a:ea typeface="-윤고딕320" panose="02030504000101010101" pitchFamily="18" charset="-127"/>
+              </a:rPr>
+              <a:t>자료 </a:t>
+            </a:r>
+            <a:r>
+              <a:rPr lang="ko-KR" altLang="en-US" sz="2800" dirty="0" smtClean="0">
+                <a:solidFill>
+                  <a:schemeClr val="bg1"/>
+                </a:solidFill>
+                <a:effectLst>
+                  <a:outerShdw blurRad="38100" dist="38100" dir="2700000" algn="tl">
+                    <a:srgbClr val="000000">
+                      <a:alpha val="43137"/>
+                    </a:srgbClr>
+                  </a:outerShdw>
+                </a:effectLst>
+                <a:latin typeface="-윤고딕320" panose="02030504000101010101" pitchFamily="18" charset="-127"/>
+                <a:ea typeface="-윤고딕320" panose="02030504000101010101" pitchFamily="18" charset="-127"/>
+              </a:rPr>
+              <a:t>출처</a:t>
             </a:r>
             <a:endParaRPr lang="ko-KR" altLang="en-US" sz="2800" dirty="0">
               <a:solidFill>
@@ -14634,7 +14752,7 @@
         <p:spPr>
           <a:xfrm>
             <a:off x="117687" y="1363131"/>
-            <a:ext cx="11617113" cy="1323439"/>
+            <a:ext cx="11617113" cy="2554545"/>
           </a:xfrm>
           <a:prstGeom prst="rect">
             <a:avLst/>
@@ -14646,37 +14764,6 @@
             <a:spAutoFit/>
           </a:bodyPr>
           <a:lstStyle/>
-          <a:p>
-            <a:pPr marL="342900" indent="-342900">
-              <a:buFont typeface="+mj-lt"/>
-              <a:buAutoNum type="arabicPeriod"/>
-            </a:pPr>
-            <a:r>
-              <a:rPr lang="en-US" altLang="ko-KR" sz="1600" dirty="0">
-                <a:ln>
-                  <a:solidFill>
-                    <a:schemeClr val="accent1">
-                      <a:alpha val="57000"/>
-                    </a:schemeClr>
-                  </a:solidFill>
-                </a:ln>
-                <a:solidFill>
-                  <a:schemeClr val="bg1"/>
-                </a:solidFill>
-                <a:effectLst>
-                  <a:outerShdw blurRad="38100" dist="38100" dir="2700000" algn="tl">
-                    <a:srgbClr val="000000">
-                      <a:alpha val="43137"/>
-                    </a:srgbClr>
-                  </a:outerShdw>
-                </a:effectLst>
-                <a:latin typeface="-윤고딕310" panose="02030504000101010101" pitchFamily="18" charset="-127"/>
-                <a:ea typeface="-윤고딕310" panose="02030504000101010101" pitchFamily="18" charset="-127"/>
-                <a:hlinkClick r:id="rId2"/>
-              </a:rPr>
-              <a:t>https://www.iconfinder.com/icons/118607/share_icon#size=128</a:t>
-            </a:r>
-          </a:p>
           <a:p>
             <a:pPr marL="342900" indent="-342900">
               <a:buFont typeface="+mj-lt"/>
@@ -14731,6 +14818,340 @@
                 <a:latin typeface="-윤고딕310" panose="02030504000101010101" pitchFamily="18" charset="-127"/>
                 <a:ea typeface="-윤고딕310" panose="02030504000101010101" pitchFamily="18" charset="-127"/>
                 <a:hlinkClick r:id="rId2"/>
+              </a:rPr>
+              <a:t>https://</a:t>
+            </a:r>
+            <a:r>
+              <a:rPr lang="en-US" altLang="ko-KR" sz="1600" dirty="0" smtClean="0">
+                <a:ln>
+                  <a:solidFill>
+                    <a:schemeClr val="accent1">
+                      <a:alpha val="57000"/>
+                    </a:schemeClr>
+                  </a:solidFill>
+                </a:ln>
+                <a:solidFill>
+                  <a:schemeClr val="bg1"/>
+                </a:solidFill>
+                <a:effectLst>
+                  <a:outerShdw blurRad="38100" dist="38100" dir="2700000" algn="tl">
+                    <a:srgbClr val="000000">
+                      <a:alpha val="43137"/>
+                    </a:srgbClr>
+                  </a:outerShdw>
+                </a:effectLst>
+                <a:latin typeface="-윤고딕310" panose="02030504000101010101" pitchFamily="18" charset="-127"/>
+                <a:ea typeface="-윤고딕310" panose="02030504000101010101" pitchFamily="18" charset="-127"/>
+                <a:hlinkClick r:id="rId2"/>
+              </a:rPr>
+              <a:t>www.iconfinder.com/icons/782514/astronomy_black_hole_space_spacetime_warp_drive_wormholes_icon#size=128</a:t>
+            </a:r>
+            <a:r>
+              <a:rPr lang="en-US" altLang="ko-KR" sz="1600" dirty="0" smtClean="0">
+                <a:ln>
+                  <a:solidFill>
+                    <a:schemeClr val="accent1">
+                      <a:alpha val="57000"/>
+                    </a:schemeClr>
+                  </a:solidFill>
+                </a:ln>
+                <a:solidFill>
+                  <a:schemeClr val="bg1"/>
+                </a:solidFill>
+                <a:effectLst>
+                  <a:outerShdw blurRad="38100" dist="38100" dir="2700000" algn="tl">
+                    <a:srgbClr val="000000">
+                      <a:alpha val="43137"/>
+                    </a:srgbClr>
+                  </a:outerShdw>
+                </a:effectLst>
+                <a:latin typeface="-윤고딕310" panose="02030504000101010101" pitchFamily="18" charset="-127"/>
+                <a:ea typeface="-윤고딕310" panose="02030504000101010101" pitchFamily="18" charset="-127"/>
+              </a:rPr>
+              <a:t/>
+            </a:r>
+            <a:br>
+              <a:rPr lang="en-US" altLang="ko-KR" sz="1600" dirty="0" smtClean="0">
+                <a:ln>
+                  <a:solidFill>
+                    <a:schemeClr val="accent1">
+                      <a:alpha val="57000"/>
+                    </a:schemeClr>
+                  </a:solidFill>
+                </a:ln>
+                <a:solidFill>
+                  <a:schemeClr val="bg1"/>
+                </a:solidFill>
+                <a:effectLst>
+                  <a:outerShdw blurRad="38100" dist="38100" dir="2700000" algn="tl">
+                    <a:srgbClr val="000000">
+                      <a:alpha val="43137"/>
+                    </a:srgbClr>
+                  </a:outerShdw>
+                </a:effectLst>
+                <a:latin typeface="-윤고딕310" panose="02030504000101010101" pitchFamily="18" charset="-127"/>
+                <a:ea typeface="-윤고딕310" panose="02030504000101010101" pitchFamily="18" charset="-127"/>
+              </a:rPr>
+            </a:br>
+            <a:r>
+              <a:rPr lang="en-US" altLang="ko-KR" sz="1600" dirty="0" smtClean="0">
+                <a:ln>
+                  <a:solidFill>
+                    <a:schemeClr val="accent1">
+                      <a:alpha val="57000"/>
+                    </a:schemeClr>
+                  </a:solidFill>
+                </a:ln>
+                <a:solidFill>
+                  <a:schemeClr val="bg1"/>
+                </a:solidFill>
+                <a:effectLst>
+                  <a:outerShdw blurRad="38100" dist="38100" dir="2700000" algn="tl">
+                    <a:srgbClr val="000000">
+                      <a:alpha val="43137"/>
+                    </a:srgbClr>
+                  </a:outerShdw>
+                </a:effectLst>
+                <a:latin typeface="-윤고딕310" panose="02030504000101010101" pitchFamily="18" charset="-127"/>
+                <a:ea typeface="-윤고딕310" panose="02030504000101010101" pitchFamily="18" charset="-127"/>
+              </a:rPr>
+              <a:t>(</a:t>
+            </a:r>
+            <a:r>
+              <a:rPr lang="ko-KR" altLang="en-US" sz="1600" dirty="0" smtClean="0">
+                <a:ln>
+                  <a:solidFill>
+                    <a:schemeClr val="accent1">
+                      <a:alpha val="57000"/>
+                    </a:schemeClr>
+                  </a:solidFill>
+                </a:ln>
+                <a:solidFill>
+                  <a:schemeClr val="bg1"/>
+                </a:solidFill>
+                <a:effectLst>
+                  <a:outerShdw blurRad="38100" dist="38100" dir="2700000" algn="tl">
+                    <a:srgbClr val="000000">
+                      <a:alpha val="43137"/>
+                    </a:srgbClr>
+                  </a:outerShdw>
+                </a:effectLst>
+                <a:latin typeface="-윤고딕310" panose="02030504000101010101" pitchFamily="18" charset="-127"/>
+                <a:ea typeface="-윤고딕310" panose="02030504000101010101" pitchFamily="18" charset="-127"/>
+              </a:rPr>
+              <a:t>그냥 복사 후 붙여 넣기</a:t>
+            </a:r>
+            <a:r>
+              <a:rPr lang="en-US" altLang="ko-KR" sz="1600" dirty="0" smtClean="0">
+                <a:ln>
+                  <a:solidFill>
+                    <a:schemeClr val="accent1">
+                      <a:alpha val="57000"/>
+                    </a:schemeClr>
+                  </a:solidFill>
+                </a:ln>
+                <a:solidFill>
+                  <a:schemeClr val="bg1"/>
+                </a:solidFill>
+                <a:effectLst>
+                  <a:outerShdw blurRad="38100" dist="38100" dir="2700000" algn="tl">
+                    <a:srgbClr val="000000">
+                      <a:alpha val="43137"/>
+                    </a:srgbClr>
+                  </a:outerShdw>
+                </a:effectLst>
+                <a:latin typeface="-윤고딕310" panose="02030504000101010101" pitchFamily="18" charset="-127"/>
+                <a:ea typeface="-윤고딕310" panose="02030504000101010101" pitchFamily="18" charset="-127"/>
+              </a:rPr>
+              <a:t>)</a:t>
+            </a:r>
+            <a:endParaRPr lang="en-US" altLang="ko-KR" sz="1600" dirty="0" smtClean="0">
+              <a:ln>
+                <a:solidFill>
+                  <a:schemeClr val="accent1">
+                    <a:alpha val="57000"/>
+                  </a:schemeClr>
+                </a:solidFill>
+              </a:ln>
+              <a:solidFill>
+                <a:schemeClr val="bg1"/>
+              </a:solidFill>
+              <a:effectLst>
+                <a:outerShdw blurRad="38100" dist="38100" dir="2700000" algn="tl">
+                  <a:srgbClr val="000000">
+                    <a:alpha val="43137"/>
+                  </a:srgbClr>
+                </a:outerShdw>
+              </a:effectLst>
+              <a:latin typeface="-윤고딕310" panose="02030504000101010101" pitchFamily="18" charset="-127"/>
+              <a:ea typeface="-윤고딕310" panose="02030504000101010101" pitchFamily="18" charset="-127"/>
+              <a:hlinkClick r:id="rId3"/>
+            </a:endParaRPr>
+          </a:p>
+          <a:p>
+            <a:pPr marL="342900" indent="-342900">
+              <a:buFont typeface="+mj-lt"/>
+              <a:buAutoNum type="arabicPeriod"/>
+            </a:pPr>
+            <a:r>
+              <a:rPr lang="en-US" altLang="ko-KR" sz="1600" dirty="0" smtClean="0">
+                <a:ln>
+                  <a:solidFill>
+                    <a:schemeClr val="accent1">
+                      <a:alpha val="57000"/>
+                    </a:schemeClr>
+                  </a:solidFill>
+                </a:ln>
+                <a:solidFill>
+                  <a:schemeClr val="bg1"/>
+                </a:solidFill>
+                <a:effectLst>
+                  <a:outerShdw blurRad="38100" dist="38100" dir="2700000" algn="tl">
+                    <a:srgbClr val="000000">
+                      <a:alpha val="43137"/>
+                    </a:srgbClr>
+                  </a:outerShdw>
+                </a:effectLst>
+                <a:latin typeface="-윤고딕310" panose="02030504000101010101" pitchFamily="18" charset="-127"/>
+                <a:ea typeface="-윤고딕310" panose="02030504000101010101" pitchFamily="18" charset="-127"/>
+                <a:hlinkClick r:id="rId3"/>
+              </a:rPr>
+              <a:t>https</a:t>
+            </a:r>
+            <a:r>
+              <a:rPr lang="en-US" altLang="ko-KR" sz="1600" dirty="0">
+                <a:ln>
+                  <a:solidFill>
+                    <a:schemeClr val="accent1">
+                      <a:alpha val="57000"/>
+                    </a:schemeClr>
+                  </a:solidFill>
+                </a:ln>
+                <a:solidFill>
+                  <a:schemeClr val="bg1"/>
+                </a:solidFill>
+                <a:effectLst>
+                  <a:outerShdw blurRad="38100" dist="38100" dir="2700000" algn="tl">
+                    <a:srgbClr val="000000">
+                      <a:alpha val="43137"/>
+                    </a:srgbClr>
+                  </a:outerShdw>
+                </a:effectLst>
+                <a:latin typeface="-윤고딕310" panose="02030504000101010101" pitchFamily="18" charset="-127"/>
+                <a:ea typeface="-윤고딕310" panose="02030504000101010101" pitchFamily="18" charset="-127"/>
+                <a:hlinkClick r:id="rId3"/>
+              </a:rPr>
+              <a:t>://www.iconfinder.com/icons/118607/share_icon#size=128</a:t>
+            </a:r>
+          </a:p>
+          <a:p>
+            <a:pPr marL="342900" indent="-342900">
+              <a:buFont typeface="+mj-lt"/>
+              <a:buAutoNum type="arabicPeriod"/>
+            </a:pPr>
+            <a:endParaRPr lang="en-US" altLang="ko-KR" sz="1600" dirty="0" smtClean="0">
+              <a:ln>
+                <a:solidFill>
+                  <a:schemeClr val="accent1">
+                    <a:alpha val="57000"/>
+                  </a:schemeClr>
+                </a:solidFill>
+              </a:ln>
+              <a:solidFill>
+                <a:schemeClr val="bg1"/>
+              </a:solidFill>
+              <a:effectLst>
+                <a:outerShdw blurRad="38100" dist="38100" dir="2700000" algn="tl">
+                  <a:srgbClr val="000000">
+                    <a:alpha val="43137"/>
+                  </a:srgbClr>
+                </a:outerShdw>
+              </a:effectLst>
+              <a:latin typeface="-윤고딕310" panose="02030504000101010101" pitchFamily="18" charset="-127"/>
+              <a:ea typeface="-윤고딕310" panose="02030504000101010101" pitchFamily="18" charset="-127"/>
+            </a:endParaRPr>
+          </a:p>
+          <a:p>
+            <a:pPr marL="342900" indent="-342900">
+              <a:buFont typeface="+mj-lt"/>
+              <a:buAutoNum type="arabicPeriod"/>
+            </a:pPr>
+            <a:endParaRPr lang="en-US" altLang="ko-KR" sz="1600" dirty="0">
+              <a:ln>
+                <a:solidFill>
+                  <a:schemeClr val="accent1">
+                    <a:alpha val="57000"/>
+                  </a:schemeClr>
+                </a:solidFill>
+              </a:ln>
+              <a:solidFill>
+                <a:schemeClr val="bg1"/>
+              </a:solidFill>
+              <a:effectLst>
+                <a:outerShdw blurRad="38100" dist="38100" dir="2700000" algn="tl">
+                  <a:srgbClr val="000000">
+                    <a:alpha val="43137"/>
+                  </a:srgbClr>
+                </a:outerShdw>
+              </a:effectLst>
+              <a:latin typeface="-윤고딕310" panose="02030504000101010101" pitchFamily="18" charset="-127"/>
+              <a:ea typeface="-윤고딕310" panose="02030504000101010101" pitchFamily="18" charset="-127"/>
+            </a:endParaRPr>
+          </a:p>
+          <a:p>
+            <a:pPr marL="342900" indent="-342900">
+              <a:buFont typeface="+mj-lt"/>
+              <a:buAutoNum type="arabicPeriod"/>
+            </a:pPr>
+            <a:endParaRPr lang="en-US" altLang="ko-KR" sz="1600" dirty="0" smtClean="0">
+              <a:ln>
+                <a:solidFill>
+                  <a:schemeClr val="accent1">
+                    <a:alpha val="57000"/>
+                  </a:schemeClr>
+                </a:solidFill>
+              </a:ln>
+              <a:solidFill>
+                <a:schemeClr val="bg1"/>
+              </a:solidFill>
+              <a:effectLst>
+                <a:outerShdw blurRad="38100" dist="38100" dir="2700000" algn="tl">
+                  <a:srgbClr val="000000">
+                    <a:alpha val="43137"/>
+                  </a:srgbClr>
+                </a:outerShdw>
+              </a:effectLst>
+              <a:latin typeface="-윤고딕310" panose="02030504000101010101" pitchFamily="18" charset="-127"/>
+              <a:ea typeface="-윤고딕310" panose="02030504000101010101" pitchFamily="18" charset="-127"/>
+            </a:endParaRPr>
+          </a:p>
+          <a:p>
+            <a:pPr marL="342900" indent="-342900">
+              <a:buFont typeface="+mj-lt"/>
+              <a:buAutoNum type="arabicPeriod"/>
+            </a:pPr>
+            <a:r>
+              <a:rPr lang="en-US" altLang="ko-KR" sz="1600" dirty="0">
+                <a:ln>
+                  <a:solidFill>
+                    <a:schemeClr val="accent1">
+                      <a:alpha val="57000"/>
+                    </a:schemeClr>
+                  </a:solidFill>
+                </a:ln>
+                <a:solidFill>
+                  <a:schemeClr val="bg1"/>
+                </a:solidFill>
+                <a:effectLst>
+                  <a:outerShdw blurRad="38100" dist="38100" dir="2700000" algn="tl">
+                    <a:srgbClr val="000000">
+                      <a:alpha val="43137"/>
+                    </a:srgbClr>
+                  </a:outerShdw>
+                </a:effectLst>
+                <a:latin typeface="-윤고딕310" panose="02030504000101010101" pitchFamily="18" charset="-127"/>
+                <a:ea typeface="-윤고딕310" panose="02030504000101010101" pitchFamily="18" charset="-127"/>
+                <a:hlinkClick r:id="rId3"/>
               </a:rPr>
               <a:t>https://www.spriters-resource.com/snes/frontmission/sheet/10673/</a:t>
             </a:r>
@@ -20252,7 +20673,7 @@
         <p:spPr>
           <a:xfrm>
             <a:off x="117687" y="1363131"/>
-            <a:ext cx="11617113" cy="3785652"/>
+            <a:ext cx="11617113" cy="5170646"/>
           </a:xfrm>
           <a:prstGeom prst="rect">
             <a:avLst/>
@@ -20476,7 +20897,7 @@
                 <a:latin typeface="-윤고딕310" panose="02030504000101010101" pitchFamily="18" charset="-127"/>
                 <a:ea typeface="-윤고딕310" panose="02030504000101010101" pitchFamily="18" charset="-127"/>
               </a:rPr>
-              <a:t>그러나 여전히 부의 격차는 남아있다</a:t>
+              <a:t>그러나 여전히 빈부의 격차는 남아있다</a:t>
             </a:r>
             <a:r>
               <a:rPr lang="en-US" altLang="ko-KR" sz="3000" dirty="0" smtClean="0">
@@ -20544,7 +20965,131 @@
                 <a:latin typeface="-윤고딕310" panose="02030504000101010101" pitchFamily="18" charset="-127"/>
                 <a:ea typeface="-윤고딕310" panose="02030504000101010101" pitchFamily="18" charset="-127"/>
               </a:rPr>
-              <a:t>플레이어는 한탕 하겠다는 나름대로의 인원을 모아 끝이 안 보이는 항해를 시작한다</a:t>
+              <a:t>특이점이 올 줄 알았으나 우주의 물질의 수요와 한정된 공급은 기술의 이기로도 극복하지 못했다</a:t>
+            </a:r>
+            <a:r>
+              <a:rPr lang="en-US" altLang="ko-KR" sz="3000" dirty="0" smtClean="0">
+                <a:solidFill>
+                  <a:schemeClr val="bg1"/>
+                </a:solidFill>
+                <a:effectLst>
+                  <a:outerShdw blurRad="38100" dist="38100" dir="2700000" algn="tl">
+                    <a:srgbClr val="000000">
+                      <a:alpha val="43137"/>
+                    </a:srgbClr>
+                  </a:outerShdw>
+                </a:effectLst>
+                <a:latin typeface="-윤고딕310" panose="02030504000101010101" pitchFamily="18" charset="-127"/>
+                <a:ea typeface="-윤고딕310" panose="02030504000101010101" pitchFamily="18" charset="-127"/>
+              </a:rPr>
+              <a:t>.</a:t>
+            </a:r>
+          </a:p>
+          <a:p>
+            <a:endParaRPr lang="en-US" altLang="ko-KR" sz="3000" dirty="0" smtClean="0">
+              <a:solidFill>
+                <a:schemeClr val="bg1"/>
+              </a:solidFill>
+              <a:effectLst>
+                <a:outerShdw blurRad="38100" dist="38100" dir="2700000" algn="tl">
+                  <a:srgbClr val="000000">
+                    <a:alpha val="43137"/>
+                  </a:srgbClr>
+                </a:outerShdw>
+              </a:effectLst>
+              <a:latin typeface="-윤고딕310" panose="02030504000101010101" pitchFamily="18" charset="-127"/>
+              <a:ea typeface="-윤고딕310" panose="02030504000101010101" pitchFamily="18" charset="-127"/>
+            </a:endParaRPr>
+          </a:p>
+          <a:p>
+            <a:pPr marL="457200" indent="-457200">
+              <a:buFont typeface="Arial" panose="020B0604020202020204" pitchFamily="34" charset="0"/>
+              <a:buChar char="•"/>
+            </a:pPr>
+            <a:r>
+              <a:rPr lang="ko-KR" altLang="en-US" sz="3000" dirty="0" smtClean="0">
+                <a:solidFill>
+                  <a:schemeClr val="bg1"/>
+                </a:solidFill>
+                <a:effectLst>
+                  <a:outerShdw blurRad="38100" dist="38100" dir="2700000" algn="tl">
+                    <a:srgbClr val="000000">
+                      <a:alpha val="43137"/>
+                    </a:srgbClr>
+                  </a:outerShdw>
+                </a:effectLst>
+                <a:latin typeface="-윤고딕310" panose="02030504000101010101" pitchFamily="18" charset="-127"/>
+                <a:ea typeface="-윤고딕310" panose="02030504000101010101" pitchFamily="18" charset="-127"/>
+              </a:rPr>
+              <a:t>플레이어는 자산을 탈탈 털어서</a:t>
+            </a:r>
+            <a:r>
+              <a:rPr lang="en-US" altLang="ko-KR" sz="3000" dirty="0" smtClean="0">
+                <a:solidFill>
+                  <a:schemeClr val="bg1"/>
+                </a:solidFill>
+                <a:effectLst>
+                  <a:outerShdw blurRad="38100" dist="38100" dir="2700000" algn="tl">
+                    <a:srgbClr val="000000">
+                      <a:alpha val="43137"/>
+                    </a:srgbClr>
+                  </a:outerShdw>
+                </a:effectLst>
+                <a:latin typeface="-윤고딕310" panose="02030504000101010101" pitchFamily="18" charset="-127"/>
+                <a:ea typeface="-윤고딕310" panose="02030504000101010101" pitchFamily="18" charset="-127"/>
+              </a:rPr>
+              <a:t>,</a:t>
+            </a:r>
+            <a:r>
+              <a:rPr lang="ko-KR" altLang="en-US" sz="3000" dirty="0" smtClean="0">
+                <a:solidFill>
+                  <a:schemeClr val="bg1"/>
+                </a:solidFill>
+                <a:effectLst>
+                  <a:outerShdw blurRad="38100" dist="38100" dir="2700000" algn="tl">
+                    <a:srgbClr val="000000">
+                      <a:alpha val="43137"/>
+                    </a:srgbClr>
+                  </a:outerShdw>
+                </a:effectLst>
+                <a:latin typeface="-윤고딕310" panose="02030504000101010101" pitchFamily="18" charset="-127"/>
+                <a:ea typeface="-윤고딕310" panose="02030504000101010101" pitchFamily="18" charset="-127"/>
+              </a:rPr>
+              <a:t> 한탕 하겠다는 나름대로의 인원을 모아 끝이 안 보이는</a:t>
+            </a:r>
+            <a:r>
+              <a:rPr lang="en-US" altLang="ko-KR" sz="3000" dirty="0" smtClean="0">
+                <a:solidFill>
+                  <a:schemeClr val="bg1"/>
+                </a:solidFill>
+                <a:effectLst>
+                  <a:outerShdw blurRad="38100" dist="38100" dir="2700000" algn="tl">
+                    <a:srgbClr val="000000">
+                      <a:alpha val="43137"/>
+                    </a:srgbClr>
+                  </a:outerShdw>
+                </a:effectLst>
+                <a:latin typeface="-윤고딕310" panose="02030504000101010101" pitchFamily="18" charset="-127"/>
+                <a:ea typeface="-윤고딕310" panose="02030504000101010101" pitchFamily="18" charset="-127"/>
+              </a:rPr>
+              <a:t>,</a:t>
+            </a:r>
+            <a:r>
+              <a:rPr lang="ko-KR" altLang="en-US" sz="3000" dirty="0" smtClean="0">
+                <a:solidFill>
+                  <a:schemeClr val="bg1"/>
+                </a:solidFill>
+                <a:effectLst>
+                  <a:outerShdw blurRad="38100" dist="38100" dir="2700000" algn="tl">
+                    <a:srgbClr val="000000">
+                      <a:alpha val="43137"/>
+                    </a:srgbClr>
+                  </a:outerShdw>
+                </a:effectLst>
+                <a:latin typeface="-윤고딕310" panose="02030504000101010101" pitchFamily="18" charset="-127"/>
+                <a:ea typeface="-윤고딕310" panose="02030504000101010101" pitchFamily="18" charset="-127"/>
+              </a:rPr>
+              <a:t> 마지막이 될 항해를 시작한다</a:t>
             </a:r>
             <a:r>
               <a:rPr lang="en-US" altLang="ko-KR" sz="3000" dirty="0" smtClean="0">
@@ -22122,7 +22667,7 @@
           <p:nvPr>
             <p:extLst>
               <p:ext uri="{D42A27DB-BD31-4B8C-83A1-F6EECF244321}">
-                <p14:modId xmlns:p14="http://schemas.microsoft.com/office/powerpoint/2010/main" val="2501623609"/>
+                <p14:modId xmlns:p14="http://schemas.microsoft.com/office/powerpoint/2010/main" val="736727004"/>
               </p:ext>
             </p:extLst>
           </p:nvPr>
@@ -22137,6 +22682,66 @@
           </a:graphicData>
         </a:graphic>
       </p:graphicFrame>
+      <p:pic>
+        <p:nvPicPr>
+          <p:cNvPr id="8" name="그림 7"/>
+          <p:cNvPicPr>
+            <a:picLocks noChangeAspect="1"/>
+          </p:cNvPicPr>
+          <p:nvPr/>
+        </p:nvPicPr>
+        <p:blipFill>
+          <a:blip r:embed="rId7">
+            <a:extLst>
+              <a:ext uri="{28A0092B-C50C-407E-A947-70E740481C1C}">
+                <a14:useLocalDpi xmlns:a14="http://schemas.microsoft.com/office/drawing/2010/main" val="0"/>
+              </a:ext>
+            </a:extLst>
+          </a:blip>
+          <a:stretch>
+            <a:fillRect/>
+          </a:stretch>
+        </p:blipFill>
+        <p:spPr>
+          <a:xfrm>
+            <a:off x="6563224" y="1679302"/>
+            <a:ext cx="1178247" cy="1178247"/>
+          </a:xfrm>
+          <a:prstGeom prst="rect">
+            <a:avLst/>
+          </a:prstGeom>
+        </p:spPr>
+      </p:pic>
+      <p:pic>
+        <p:nvPicPr>
+          <p:cNvPr id="9" name="그림 8"/>
+          <p:cNvPicPr>
+            <a:picLocks noChangeAspect="1"/>
+          </p:cNvPicPr>
+          <p:nvPr/>
+        </p:nvPicPr>
+        <p:blipFill>
+          <a:blip r:embed="rId8">
+            <a:extLst>
+              <a:ext uri="{28A0092B-C50C-407E-A947-70E740481C1C}">
+                <a14:useLocalDpi xmlns:a14="http://schemas.microsoft.com/office/drawing/2010/main" val="0"/>
+              </a:ext>
+            </a:extLst>
+          </a:blip>
+          <a:stretch>
+            <a:fillRect/>
+          </a:stretch>
+        </p:blipFill>
+        <p:spPr>
+          <a:xfrm>
+            <a:off x="2352675" y="1612627"/>
+            <a:ext cx="1219200" cy="1219200"/>
+          </a:xfrm>
+          <a:prstGeom prst="rect">
+            <a:avLst/>
+          </a:prstGeom>
+        </p:spPr>
+      </p:pic>
     </p:spTree>
     <p:extLst>
       <p:ext uri="{BB962C8B-B14F-4D97-AF65-F5344CB8AC3E}">
@@ -22450,6 +23055,27 @@
           </a:bodyPr>
           <a:lstStyle/>
           <a:p>
+            <a:pPr marL="457200" indent="-457200">
+              <a:buFont typeface="Arial" panose="020B0604020202020204" pitchFamily="34" charset="0"/>
+              <a:buChar char="•"/>
+            </a:pPr>
+            <a:r>
+              <a:rPr lang="en-US" altLang="ko-KR" sz="3000" dirty="0" smtClean="0">
+                <a:solidFill>
+                  <a:schemeClr val="bg1"/>
+                </a:solidFill>
+                <a:effectLst>
+                  <a:outerShdw blurRad="38100" dist="38100" dir="2700000" algn="tl">
+                    <a:srgbClr val="000000">
+                      <a:alpha val="43137"/>
+                    </a:srgbClr>
+                  </a:outerShdw>
+                </a:effectLst>
+                <a:latin typeface="-윤고딕310" panose="02030504000101010101" pitchFamily="18" charset="-127"/>
+                <a:ea typeface="-윤고딕310" panose="02030504000101010101" pitchFamily="18" charset="-127"/>
+              </a:rPr>
+              <a:t>FTL </a:t>
+            </a:r>
             <a:r>
               <a:rPr lang="ko-KR" altLang="en-US" sz="3000" dirty="0" smtClean="0">
                 <a:solidFill>
@@ -22465,7 +23091,24 @@
                 <a:latin typeface="-윤고딕310" panose="02030504000101010101" pitchFamily="18" charset="-127"/>
                 <a:ea typeface="-윤고딕310" panose="02030504000101010101" pitchFamily="18" charset="-127"/>
               </a:rPr>
-              <a:t>텍스트</a:t>
+              <a:t>과 로그라이크 장르의 게임에서 많은 영감</a:t>
+            </a:r>
+            <a:r>
+              <a:rPr lang="en-US" altLang="ko-KR" sz="3000" dirty="0" smtClean="0">
+                <a:solidFill>
+                  <a:schemeClr val="bg1"/>
+                </a:solidFill>
+                <a:effectLst>
+                  <a:outerShdw blurRad="38100" dist="38100" dir="2700000" algn="tl">
+                    <a:srgbClr val="000000">
+                      <a:alpha val="43137"/>
+                    </a:srgbClr>
+                  </a:outerShdw>
+                </a:effectLst>
+                <a:latin typeface="-윤고딕310" panose="02030504000101010101" pitchFamily="18" charset="-127"/>
+                <a:ea typeface="-윤고딕310" panose="02030504000101010101" pitchFamily="18" charset="-127"/>
+              </a:rPr>
+              <a:t>.</a:t>
             </a:r>
             <a:endParaRPr lang="en-US" altLang="ko-KR" sz="3000" dirty="0">
               <a:solidFill>

--- a/slides/Cosmos_20171105.pptx
+++ b/slides/Cosmos_20171105.pptx
@@ -9,10 +9,10 @@
     <p:sldMasterId id="2147483662" r:id="rId5"/>
   </p:sldMasterIdLst>
   <p:notesMasterIdLst>
-    <p:notesMasterId r:id="rId23"/>
+    <p:notesMasterId r:id="rId24"/>
   </p:notesMasterIdLst>
   <p:handoutMasterIdLst>
-    <p:handoutMasterId r:id="rId24"/>
+    <p:handoutMasterId r:id="rId25"/>
   </p:handoutMasterIdLst>
   <p:sldIdLst>
     <p:sldId id="257" r:id="rId6"/>
@@ -22,36 +22,37 @@
     <p:sldId id="274" r:id="rId10"/>
     <p:sldId id="265" r:id="rId11"/>
     <p:sldId id="275" r:id="rId12"/>
-    <p:sldId id="266" r:id="rId13"/>
-    <p:sldId id="267" r:id="rId14"/>
-    <p:sldId id="268" r:id="rId15"/>
-    <p:sldId id="260" r:id="rId16"/>
-    <p:sldId id="261" r:id="rId17"/>
-    <p:sldId id="269" r:id="rId18"/>
-    <p:sldId id="271" r:id="rId19"/>
-    <p:sldId id="272" r:id="rId20"/>
-    <p:sldId id="273" r:id="rId21"/>
-    <p:sldId id="263" r:id="rId22"/>
+    <p:sldId id="276" r:id="rId13"/>
+    <p:sldId id="266" r:id="rId14"/>
+    <p:sldId id="267" r:id="rId15"/>
+    <p:sldId id="268" r:id="rId16"/>
+    <p:sldId id="260" r:id="rId17"/>
+    <p:sldId id="261" r:id="rId18"/>
+    <p:sldId id="269" r:id="rId19"/>
+    <p:sldId id="271" r:id="rId20"/>
+    <p:sldId id="272" r:id="rId21"/>
+    <p:sldId id="273" r:id="rId22"/>
+    <p:sldId id="263" r:id="rId23"/>
   </p:sldIdLst>
   <p:sldSz cx="12192000" cy="6858000"/>
   <p:notesSz cx="9144000" cy="6858000"/>
   <p:embeddedFontLst>
     <p:embeddedFont>
       <p:font typeface="Continuum Light" panose="00000400000000000000" pitchFamily="2" charset="0"/>
-      <p:regular r:id="rId25"/>
+      <p:regular r:id="rId26"/>
     </p:embeddedFont>
     <p:embeddedFont>
       <p:font typeface="-윤고딕310" panose="02030504000101010101" pitchFamily="18" charset="-127"/>
-      <p:regular r:id="rId26"/>
+      <p:regular r:id="rId27"/>
     </p:embeddedFont>
     <p:embeddedFont>
       <p:font typeface="-윤고딕320" panose="02030504000101010101" pitchFamily="18" charset="-127"/>
-      <p:regular r:id="rId27"/>
+      <p:regular r:id="rId28"/>
     </p:embeddedFont>
     <p:embeddedFont>
       <p:font typeface="맑은 고딕" panose="020B0503020000020004" pitchFamily="50" charset="-127"/>
-      <p:regular r:id="rId28"/>
-      <p:bold r:id="rId29"/>
+      <p:regular r:id="rId29"/>
+      <p:bold r:id="rId30"/>
     </p:embeddedFont>
   </p:embeddedFontLst>
   <p:defaultTextStyle>
@@ -2317,6 +2318,40 @@
               <a:latin typeface="-윤고딕310" panose="02030504000101010101" pitchFamily="18" charset="-127"/>
               <a:ea typeface="-윤고딕310" panose="02030504000101010101" pitchFamily="18" charset="-127"/>
             </a:rPr>
+            <a:t>. </a:t>
+          </a:r>
+          <a:r>
+            <a:rPr lang="ko-KR" altLang="en-US" sz="2100" dirty="0" smtClean="0">
+              <a:solidFill>
+                <a:schemeClr val="tx1"/>
+              </a:solidFill>
+              <a:effectLst>
+                <a:outerShdw blurRad="38100" dist="38100" dir="2700000" algn="tl">
+                  <a:srgbClr val="000000">
+                    <a:alpha val="43137"/>
+                  </a:srgbClr>
+                </a:outerShdw>
+              </a:effectLst>
+              <a:latin typeface="-윤고딕310" panose="02030504000101010101" pitchFamily="18" charset="-127"/>
+              <a:ea typeface="-윤고딕310" panose="02030504000101010101" pitchFamily="18" charset="-127"/>
+            </a:rPr>
+            <a:t>이로 인해 분쟁이 자주 일어난다</a:t>
+          </a:r>
+          <a:r>
+            <a:rPr lang="en-US" altLang="ko-KR" sz="2100" dirty="0" smtClean="0">
+              <a:solidFill>
+                <a:schemeClr val="tx1"/>
+              </a:solidFill>
+              <a:effectLst>
+                <a:outerShdw blurRad="38100" dist="38100" dir="2700000" algn="tl">
+                  <a:srgbClr val="000000">
+                    <a:alpha val="43137"/>
+                  </a:srgbClr>
+                </a:outerShdw>
+              </a:effectLst>
+              <a:latin typeface="-윤고딕310" panose="02030504000101010101" pitchFamily="18" charset="-127"/>
+              <a:ea typeface="-윤고딕310" panose="02030504000101010101" pitchFamily="18" charset="-127"/>
+            </a:rPr>
             <a:t>.</a:t>
           </a:r>
           <a:endParaRPr lang="ko-KR" altLang="en-US" sz="2100" dirty="0">
@@ -3276,6 +3311,40 @@
               <a:latin typeface="-윤고딕310" panose="02030504000101010101" pitchFamily="18" charset="-127"/>
               <a:ea typeface="-윤고딕310" panose="02030504000101010101" pitchFamily="18" charset="-127"/>
             </a:rPr>
+            <a:t>. </a:t>
+          </a:r>
+          <a:r>
+            <a:rPr lang="ko-KR" altLang="en-US" sz="2100" kern="1200" dirty="0" smtClean="0">
+              <a:solidFill>
+                <a:schemeClr val="tx1"/>
+              </a:solidFill>
+              <a:effectLst>
+                <a:outerShdw blurRad="38100" dist="38100" dir="2700000" algn="tl">
+                  <a:srgbClr val="000000">
+                    <a:alpha val="43137"/>
+                  </a:srgbClr>
+                </a:outerShdw>
+              </a:effectLst>
+              <a:latin typeface="-윤고딕310" panose="02030504000101010101" pitchFamily="18" charset="-127"/>
+              <a:ea typeface="-윤고딕310" panose="02030504000101010101" pitchFamily="18" charset="-127"/>
+            </a:rPr>
+            <a:t>이로 인해 분쟁이 자주 일어난다</a:t>
+          </a:r>
+          <a:r>
+            <a:rPr lang="en-US" altLang="ko-KR" sz="2100" kern="1200" dirty="0" smtClean="0">
+              <a:solidFill>
+                <a:schemeClr val="tx1"/>
+              </a:solidFill>
+              <a:effectLst>
+                <a:outerShdw blurRad="38100" dist="38100" dir="2700000" algn="tl">
+                  <a:srgbClr val="000000">
+                    <a:alpha val="43137"/>
+                  </a:srgbClr>
+                </a:outerShdw>
+              </a:effectLst>
+              <a:latin typeface="-윤고딕310" panose="02030504000101010101" pitchFamily="18" charset="-127"/>
+              <a:ea typeface="-윤고딕310" panose="02030504000101010101" pitchFamily="18" charset="-127"/>
+            </a:rPr>
             <a:t>.</a:t>
           </a:r>
           <a:endParaRPr lang="ko-KR" altLang="en-US" sz="2100" kern="1200" dirty="0">
@@ -6954,6 +7023,113 @@
             <a:fld id="{F3E696EC-0AB3-4E76-8D8D-7B3C4DDA3FDD}" type="slidenum">
               <a:rPr lang="ko-KR" altLang="en-US" smtClean="0"/>
               <a:t>7</a:t>
+            </a:fld>
+            <a:endParaRPr lang="ko-KR" altLang="en-US" dirty="0"/>
+          </a:p>
+        </p:txBody>
+      </p:sp>
+    </p:spTree>
+    <p:extLst>
+      <p:ext uri="{BB962C8B-B14F-4D97-AF65-F5344CB8AC3E}">
+        <p14:creationId xmlns:p14="http://schemas.microsoft.com/office/powerpoint/2010/main" val="2826512438"/>
+      </p:ext>
+    </p:extLst>
+  </p:cSld>
+  <p:clrMapOvr>
+    <a:masterClrMapping/>
+  </p:clrMapOvr>
+</p:notes>
+</file>
+
+<file path=ppt/notesSlides/notesSlide5.xml><?xml version="1.0" encoding="utf-8"?>
+<p:notes xmlns:a="http://schemas.openxmlformats.org/drawingml/2006/main" xmlns:r="http://schemas.openxmlformats.org/officeDocument/2006/relationships" xmlns:p="http://schemas.openxmlformats.org/presentationml/2006/main">
+  <p:cSld>
+    <p:spTree>
+      <p:nvGrpSpPr>
+        <p:cNvPr id="1" name=""/>
+        <p:cNvGrpSpPr/>
+        <p:nvPr/>
+      </p:nvGrpSpPr>
+      <p:grpSpPr>
+        <a:xfrm>
+          <a:off x="0" y="0"/>
+          <a:ext cx="0" cy="0"/>
+          <a:chOff x="0" y="0"/>
+          <a:chExt cx="0" cy="0"/>
+        </a:xfrm>
+      </p:grpSpPr>
+      <p:sp>
+        <p:nvSpPr>
+          <p:cNvPr id="2" name="슬라이드 이미지 개체 틀 1"/>
+          <p:cNvSpPr>
+            <a:spLocks noGrp="1" noRot="1" noChangeAspect="1"/>
+          </p:cNvSpPr>
+          <p:nvPr>
+            <p:ph type="sldImg"/>
+          </p:nvPr>
+        </p:nvSpPr>
+        <p:spPr/>
+      </p:sp>
+      <p:sp>
+        <p:nvSpPr>
+          <p:cNvPr id="3" name="슬라이드 노트 개체 틀 2"/>
+          <p:cNvSpPr>
+            <a:spLocks noGrp="1"/>
+          </p:cNvSpPr>
+          <p:nvPr>
+            <p:ph type="body" idx="1"/>
+          </p:nvPr>
+        </p:nvSpPr>
+        <p:spPr/>
+        <p:txBody>
+          <a:bodyPr/>
+          <a:lstStyle/>
+          <a:p>
+            <a:endParaRPr lang="ko-KR" altLang="en-US"/>
+          </a:p>
+        </p:txBody>
+      </p:sp>
+      <p:sp>
+        <p:nvSpPr>
+          <p:cNvPr id="4" name="바닥글 개체 틀 3"/>
+          <p:cNvSpPr>
+            <a:spLocks noGrp="1"/>
+          </p:cNvSpPr>
+          <p:nvPr>
+            <p:ph type="ftr" sz="quarter" idx="10"/>
+          </p:nvPr>
+        </p:nvSpPr>
+        <p:spPr/>
+        <p:txBody>
+          <a:bodyPr/>
+          <a:lstStyle/>
+          <a:p>
+            <a:r>
+              <a:rPr lang="en-US" altLang="ko-KR" smtClean="0"/>
+              <a:t>Cosmos</a:t>
+            </a:r>
+            <a:endParaRPr lang="ko-KR" altLang="en-US" dirty="0"/>
+          </a:p>
+        </p:txBody>
+      </p:sp>
+      <p:sp>
+        <p:nvSpPr>
+          <p:cNvPr id="5" name="슬라이드 번호 개체 틀 4"/>
+          <p:cNvSpPr>
+            <a:spLocks noGrp="1"/>
+          </p:cNvSpPr>
+          <p:nvPr>
+            <p:ph type="sldNum" sz="quarter" idx="11"/>
+          </p:nvPr>
+        </p:nvSpPr>
+        <p:spPr/>
+        <p:txBody>
+          <a:bodyPr/>
+          <a:lstStyle/>
+          <a:p>
+            <a:fld id="{F3E696EC-0AB3-4E76-8D8D-7B3C4DDA3FDD}" type="slidenum">
+              <a:rPr lang="ko-KR" altLang="en-US" smtClean="0"/>
+              <a:t>8</a:t>
             </a:fld>
             <a:endParaRPr lang="ko-KR" altLang="en-US" dirty="0"/>
           </a:p>
@@ -10792,6 +10968,840 @@
                 <a:latin typeface="-윤고딕320" panose="02030504000101010101" pitchFamily="18" charset="-127"/>
                 <a:ea typeface="-윤고딕320" panose="02030504000101010101" pitchFamily="18" charset="-127"/>
               </a:rPr>
+              <a:t>진행 및 조작</a:t>
+            </a:r>
+            <a:endParaRPr lang="ko-KR" altLang="en-US" sz="2800" dirty="0">
+              <a:solidFill>
+                <a:schemeClr val="bg1"/>
+              </a:solidFill>
+              <a:effectLst>
+                <a:outerShdw blurRad="38100" dist="38100" dir="2700000" algn="tl">
+                  <a:srgbClr val="000000">
+                    <a:alpha val="43137"/>
+                  </a:srgbClr>
+                </a:outerShdw>
+              </a:effectLst>
+              <a:latin typeface="-윤고딕320" panose="02030504000101010101" pitchFamily="18" charset="-127"/>
+              <a:ea typeface="-윤고딕320" panose="02030504000101010101" pitchFamily="18" charset="-127"/>
+            </a:endParaRPr>
+          </a:p>
+        </p:txBody>
+      </p:sp>
+      <p:cxnSp>
+        <p:nvCxnSpPr>
+          <p:cNvPr id="22" name="직선 연결선 21"/>
+          <p:cNvCxnSpPr/>
+          <p:nvPr/>
+        </p:nvCxnSpPr>
+        <p:spPr>
+          <a:xfrm>
+            <a:off x="5499100" y="6680199"/>
+            <a:ext cx="360000" cy="0"/>
+          </a:xfrm>
+          <a:prstGeom prst="line">
+            <a:avLst/>
+          </a:prstGeom>
+          <a:ln w="44450" cap="rnd">
+            <a:solidFill>
+              <a:schemeClr val="accent1"/>
+            </a:solidFill>
+          </a:ln>
+          <a:effectLst>
+            <a:outerShdw blurRad="50800" dist="38100" dir="2700000" algn="tl" rotWithShape="0">
+              <a:prstClr val="black">
+                <a:alpha val="40000"/>
+              </a:prstClr>
+            </a:outerShdw>
+          </a:effectLst>
+        </p:spPr>
+        <p:style>
+          <a:lnRef idx="1">
+            <a:schemeClr val="accent1"/>
+          </a:lnRef>
+          <a:fillRef idx="0">
+            <a:schemeClr val="accent1"/>
+          </a:fillRef>
+          <a:effectRef idx="0">
+            <a:schemeClr val="accent1"/>
+          </a:effectRef>
+          <a:fontRef idx="minor">
+            <a:schemeClr val="tx1"/>
+          </a:fontRef>
+        </p:style>
+      </p:cxnSp>
+      <p:cxnSp>
+        <p:nvCxnSpPr>
+          <p:cNvPr id="23" name="직선 연결선 22"/>
+          <p:cNvCxnSpPr/>
+          <p:nvPr/>
+        </p:nvCxnSpPr>
+        <p:spPr>
+          <a:xfrm>
+            <a:off x="5905416" y="6680199"/>
+            <a:ext cx="360000" cy="0"/>
+          </a:xfrm>
+          <a:prstGeom prst="line">
+            <a:avLst/>
+          </a:prstGeom>
+          <a:ln w="44450" cap="rnd">
+            <a:solidFill>
+              <a:schemeClr val="accent1">
+                <a:lumMod val="50000"/>
+              </a:schemeClr>
+            </a:solidFill>
+          </a:ln>
+          <a:effectLst>
+            <a:outerShdw blurRad="50800" dist="38100" dir="2700000" algn="tl" rotWithShape="0">
+              <a:prstClr val="black">
+                <a:alpha val="40000"/>
+              </a:prstClr>
+            </a:outerShdw>
+          </a:effectLst>
+        </p:spPr>
+        <p:style>
+          <a:lnRef idx="1">
+            <a:schemeClr val="accent1"/>
+          </a:lnRef>
+          <a:fillRef idx="0">
+            <a:schemeClr val="accent1"/>
+          </a:fillRef>
+          <a:effectRef idx="0">
+            <a:schemeClr val="accent1"/>
+          </a:effectRef>
+          <a:fontRef idx="minor">
+            <a:schemeClr val="tx1"/>
+          </a:fontRef>
+        </p:style>
+      </p:cxnSp>
+      <p:cxnSp>
+        <p:nvCxnSpPr>
+          <p:cNvPr id="24" name="직선 연결선 23"/>
+          <p:cNvCxnSpPr/>
+          <p:nvPr/>
+        </p:nvCxnSpPr>
+        <p:spPr>
+          <a:xfrm>
+            <a:off x="6310622" y="6680199"/>
+            <a:ext cx="360000" cy="0"/>
+          </a:xfrm>
+          <a:prstGeom prst="line">
+            <a:avLst/>
+          </a:prstGeom>
+          <a:ln w="44450" cap="rnd">
+            <a:solidFill>
+              <a:schemeClr val="accent1">
+                <a:lumMod val="50000"/>
+              </a:schemeClr>
+            </a:solidFill>
+          </a:ln>
+          <a:effectLst>
+            <a:outerShdw blurRad="50800" dist="38100" dir="2700000" algn="tl" rotWithShape="0">
+              <a:prstClr val="black">
+                <a:alpha val="40000"/>
+              </a:prstClr>
+            </a:outerShdw>
+          </a:effectLst>
+        </p:spPr>
+        <p:style>
+          <a:lnRef idx="1">
+            <a:schemeClr val="accent1"/>
+          </a:lnRef>
+          <a:fillRef idx="0">
+            <a:schemeClr val="accent1"/>
+          </a:fillRef>
+          <a:effectRef idx="0">
+            <a:schemeClr val="accent1"/>
+          </a:effectRef>
+          <a:fontRef idx="minor">
+            <a:schemeClr val="tx1"/>
+          </a:fontRef>
+        </p:style>
+      </p:cxnSp>
+      <p:sp>
+        <p:nvSpPr>
+          <p:cNvPr id="10" name="TextBox 9"/>
+          <p:cNvSpPr txBox="1"/>
+          <p:nvPr/>
+        </p:nvSpPr>
+        <p:spPr>
+          <a:xfrm>
+            <a:off x="9795933" y="446707"/>
+            <a:ext cx="2159000" cy="1384995"/>
+          </a:xfrm>
+          <a:prstGeom prst="rect">
+            <a:avLst/>
+          </a:prstGeom>
+          <a:solidFill>
+            <a:schemeClr val="accent2">
+              <a:lumMod val="40000"/>
+              <a:lumOff val="60000"/>
+              <a:alpha val="18000"/>
+            </a:schemeClr>
+          </a:solidFill>
+          <a:scene3d>
+            <a:camera prst="orthographicFront"/>
+            <a:lightRig rig="threePt" dir="t"/>
+          </a:scene3d>
+          <a:sp3d extrusionH="31750">
+            <a:bevelT w="25400" h="38100"/>
+          </a:sp3d>
+        </p:spPr>
+        <p:txBody>
+          <a:bodyPr wrap="square" rtlCol="0" anchor="t">
+            <a:spAutoFit/>
+          </a:bodyPr>
+          <a:lstStyle/>
+          <a:p>
+            <a:pPr algn="ctr"/>
+            <a:r>
+              <a:rPr lang="en-US" altLang="ko-KR" sz="1400" dirty="0" smtClean="0">
+                <a:solidFill>
+                  <a:schemeClr val="bg1"/>
+                </a:solidFill>
+                <a:effectLst>
+                  <a:outerShdw blurRad="38100" dist="38100" dir="2700000" algn="tl">
+                    <a:srgbClr val="000000">
+                      <a:alpha val="43137"/>
+                    </a:srgbClr>
+                  </a:outerShdw>
+                </a:effectLst>
+                <a:latin typeface="Continuum Light" panose="00000400000000000000" pitchFamily="2" charset="0"/>
+                <a:ea typeface="-윤고딕320" panose="02030504000101010101" pitchFamily="18" charset="-127"/>
+              </a:rPr>
+              <a:t>01 </a:t>
+            </a:r>
+            <a:r>
+              <a:rPr lang="ko-KR" altLang="en-US" sz="1400" dirty="0" smtClean="0">
+                <a:solidFill>
+                  <a:schemeClr val="bg1"/>
+                </a:solidFill>
+                <a:effectLst>
+                  <a:outerShdw blurRad="38100" dist="38100" dir="2700000" algn="tl">
+                    <a:srgbClr val="000000">
+                      <a:alpha val="43137"/>
+                    </a:srgbClr>
+                  </a:outerShdw>
+                </a:effectLst>
+                <a:latin typeface="Continuum Light" panose="00000400000000000000" pitchFamily="2" charset="0"/>
+                <a:ea typeface="-윤고딕320" panose="02030504000101010101" pitchFamily="18" charset="-127"/>
+              </a:rPr>
+              <a:t>기획</a:t>
+            </a:r>
+            <a:endParaRPr lang="en-US" altLang="ko-KR" sz="1400" dirty="0" smtClean="0">
+              <a:solidFill>
+                <a:schemeClr val="bg1"/>
+              </a:solidFill>
+              <a:effectLst>
+                <a:outerShdw blurRad="38100" dist="38100" dir="2700000" algn="tl">
+                  <a:srgbClr val="000000">
+                    <a:alpha val="43137"/>
+                  </a:srgbClr>
+                </a:outerShdw>
+              </a:effectLst>
+              <a:latin typeface="Continuum Light" panose="00000400000000000000" pitchFamily="2" charset="0"/>
+              <a:ea typeface="-윤고딕320" panose="02030504000101010101" pitchFamily="18" charset="-127"/>
+            </a:endParaRPr>
+          </a:p>
+          <a:p>
+            <a:pPr algn="ctr"/>
+            <a:r>
+              <a:rPr lang="ko-KR" altLang="en-US" sz="1400" dirty="0" smtClean="0">
+                <a:solidFill>
+                  <a:schemeClr val="bg1"/>
+                </a:solidFill>
+                <a:effectLst>
+                  <a:outerShdw blurRad="38100" dist="38100" dir="2700000" algn="tl">
+                    <a:srgbClr val="000000">
+                      <a:alpha val="43137"/>
+                    </a:srgbClr>
+                  </a:outerShdw>
+                </a:effectLst>
+                <a:latin typeface="-윤고딕310" panose="02030504000101010101" pitchFamily="18" charset="-127"/>
+                <a:ea typeface="-윤고딕310" panose="02030504000101010101" pitchFamily="18" charset="-127"/>
+              </a:rPr>
+              <a:t>게임 컨셉트</a:t>
+            </a:r>
+            <a:endParaRPr lang="en-US" altLang="ko-KR" sz="1400" dirty="0" smtClean="0">
+              <a:solidFill>
+                <a:schemeClr val="bg1"/>
+              </a:solidFill>
+              <a:effectLst>
+                <a:outerShdw blurRad="38100" dist="38100" dir="2700000" algn="tl">
+                  <a:srgbClr val="000000">
+                    <a:alpha val="43137"/>
+                  </a:srgbClr>
+                </a:outerShdw>
+              </a:effectLst>
+              <a:latin typeface="-윤고딕310" panose="02030504000101010101" pitchFamily="18" charset="-127"/>
+              <a:ea typeface="-윤고딕310" panose="02030504000101010101" pitchFamily="18" charset="-127"/>
+            </a:endParaRPr>
+          </a:p>
+          <a:p>
+            <a:pPr algn="ctr"/>
+            <a:r>
+              <a:rPr lang="ko-KR" altLang="en-US" sz="1400" dirty="0" smtClean="0">
+                <a:solidFill>
+                  <a:schemeClr val="bg1"/>
+                </a:solidFill>
+                <a:effectLst>
+                  <a:outerShdw blurRad="38100" dist="38100" dir="2700000" algn="tl">
+                    <a:srgbClr val="000000">
+                      <a:alpha val="43137"/>
+                    </a:srgbClr>
+                  </a:outerShdw>
+                </a:effectLst>
+                <a:latin typeface="-윤고딕310" panose="02030504000101010101" pitchFamily="18" charset="-127"/>
+                <a:ea typeface="-윤고딕310" panose="02030504000101010101" pitchFamily="18" charset="-127"/>
+              </a:rPr>
+              <a:t>게임 소개 </a:t>
+            </a:r>
+            <a:r>
+              <a:rPr lang="en-US" altLang="ko-KR" sz="1400" dirty="0" smtClean="0">
+                <a:solidFill>
+                  <a:schemeClr val="bg1"/>
+                </a:solidFill>
+                <a:effectLst>
+                  <a:outerShdw blurRad="38100" dist="38100" dir="2700000" algn="tl">
+                    <a:srgbClr val="000000">
+                      <a:alpha val="43137"/>
+                    </a:srgbClr>
+                  </a:outerShdw>
+                </a:effectLst>
+                <a:latin typeface="-윤고딕310" panose="02030504000101010101" pitchFamily="18" charset="-127"/>
+                <a:ea typeface="-윤고딕310" panose="02030504000101010101" pitchFamily="18" charset="-127"/>
+              </a:rPr>
+              <a:t>(</a:t>
+            </a:r>
+            <a:r>
+              <a:rPr lang="ko-KR" altLang="en-US" sz="1400" dirty="0">
+                <a:solidFill>
+                  <a:schemeClr val="bg1"/>
+                </a:solidFill>
+                <a:effectLst>
+                  <a:outerShdw blurRad="38100" dist="38100" dir="2700000" algn="tl">
+                    <a:srgbClr val="000000">
+                      <a:alpha val="43137"/>
+                    </a:srgbClr>
+                  </a:outerShdw>
+                </a:effectLst>
+                <a:latin typeface="-윤고딕310" panose="02030504000101010101" pitchFamily="18" charset="-127"/>
+                <a:ea typeface="-윤고딕310" panose="02030504000101010101" pitchFamily="18" charset="-127"/>
+              </a:rPr>
+              <a:t>세계관</a:t>
+            </a:r>
+            <a:r>
+              <a:rPr lang="en-US" altLang="ko-KR" sz="1400" dirty="0" smtClean="0">
+                <a:solidFill>
+                  <a:schemeClr val="bg1"/>
+                </a:solidFill>
+                <a:effectLst>
+                  <a:outerShdw blurRad="38100" dist="38100" dir="2700000" algn="tl">
+                    <a:srgbClr val="000000">
+                      <a:alpha val="43137"/>
+                    </a:srgbClr>
+                  </a:outerShdw>
+                </a:effectLst>
+                <a:latin typeface="-윤고딕310" panose="02030504000101010101" pitchFamily="18" charset="-127"/>
+                <a:ea typeface="-윤고딕310" panose="02030504000101010101" pitchFamily="18" charset="-127"/>
+              </a:rPr>
+              <a:t>)</a:t>
+            </a:r>
+            <a:endParaRPr lang="en-US" altLang="ko-KR" sz="1400" dirty="0" smtClean="0">
+              <a:solidFill>
+                <a:schemeClr val="bg1"/>
+              </a:solidFill>
+              <a:effectLst>
+                <a:outerShdw blurRad="38100" dist="38100" dir="2700000" algn="tl">
+                  <a:srgbClr val="000000">
+                    <a:alpha val="43137"/>
+                  </a:srgbClr>
+                </a:outerShdw>
+              </a:effectLst>
+              <a:latin typeface="-윤고딕310" panose="02030504000101010101" pitchFamily="18" charset="-127"/>
+              <a:ea typeface="-윤고딕310" panose="02030504000101010101" pitchFamily="18" charset="-127"/>
+            </a:endParaRPr>
+          </a:p>
+          <a:p>
+            <a:pPr algn="ctr"/>
+            <a:r>
+              <a:rPr lang="ko-KR" altLang="en-US" sz="1400" dirty="0" smtClean="0">
+                <a:solidFill>
+                  <a:schemeClr val="bg1"/>
+                </a:solidFill>
+                <a:effectLst>
+                  <a:outerShdw blurRad="38100" dist="38100" dir="2700000" algn="tl">
+                    <a:srgbClr val="000000">
+                      <a:alpha val="43137"/>
+                    </a:srgbClr>
+                  </a:outerShdw>
+                </a:effectLst>
+                <a:latin typeface="-윤고딕310" panose="02030504000101010101" pitchFamily="18" charset="-127"/>
+                <a:ea typeface="-윤고딕310" panose="02030504000101010101" pitchFamily="18" charset="-127"/>
+              </a:rPr>
+              <a:t>게임 소개 </a:t>
+            </a:r>
+            <a:r>
+              <a:rPr lang="en-US" altLang="ko-KR" sz="1400" dirty="0" smtClean="0">
+                <a:solidFill>
+                  <a:schemeClr val="bg1"/>
+                </a:solidFill>
+                <a:effectLst>
+                  <a:outerShdw blurRad="38100" dist="38100" dir="2700000" algn="tl">
+                    <a:srgbClr val="000000">
+                      <a:alpha val="43137"/>
+                    </a:srgbClr>
+                  </a:outerShdw>
+                </a:effectLst>
+                <a:latin typeface="-윤고딕310" panose="02030504000101010101" pitchFamily="18" charset="-127"/>
+                <a:ea typeface="-윤고딕310" panose="02030504000101010101" pitchFamily="18" charset="-127"/>
+              </a:rPr>
+              <a:t>(</a:t>
+            </a:r>
+            <a:r>
+              <a:rPr lang="ko-KR" altLang="en-US" sz="1400" dirty="0" smtClean="0">
+                <a:solidFill>
+                  <a:schemeClr val="bg1"/>
+                </a:solidFill>
+                <a:effectLst>
+                  <a:outerShdw blurRad="38100" dist="38100" dir="2700000" algn="tl">
+                    <a:srgbClr val="000000">
+                      <a:alpha val="43137"/>
+                    </a:srgbClr>
+                  </a:outerShdw>
+                </a:effectLst>
+                <a:latin typeface="-윤고딕310" panose="02030504000101010101" pitchFamily="18" charset="-127"/>
+                <a:ea typeface="-윤고딕310" panose="02030504000101010101" pitchFamily="18" charset="-127"/>
+              </a:rPr>
+              <a:t>기본 시스템</a:t>
+            </a:r>
+            <a:r>
+              <a:rPr lang="en-US" altLang="ko-KR" sz="1400" dirty="0" smtClean="0">
+                <a:solidFill>
+                  <a:schemeClr val="bg1"/>
+                </a:solidFill>
+                <a:effectLst>
+                  <a:outerShdw blurRad="38100" dist="38100" dir="2700000" algn="tl">
+                    <a:srgbClr val="000000">
+                      <a:alpha val="43137"/>
+                    </a:srgbClr>
+                  </a:outerShdw>
+                </a:effectLst>
+                <a:latin typeface="-윤고딕310" panose="02030504000101010101" pitchFamily="18" charset="-127"/>
+                <a:ea typeface="-윤고딕310" panose="02030504000101010101" pitchFamily="18" charset="-127"/>
+              </a:rPr>
+              <a:t>)</a:t>
+            </a:r>
+          </a:p>
+          <a:p>
+            <a:pPr algn="ctr"/>
+            <a:r>
+              <a:rPr lang="ko-KR" altLang="en-US" sz="1400" dirty="0">
+                <a:solidFill>
+                  <a:schemeClr val="bg1"/>
+                </a:solidFill>
+                <a:effectLst>
+                  <a:glow rad="101600">
+                    <a:schemeClr val="accent2">
+                      <a:satMod val="175000"/>
+                      <a:alpha val="40000"/>
+                    </a:schemeClr>
+                  </a:glow>
+                  <a:outerShdw blurRad="38100" dist="38100" dir="2700000" algn="tl">
+                    <a:srgbClr val="000000">
+                      <a:alpha val="43137"/>
+                    </a:srgbClr>
+                  </a:outerShdw>
+                </a:effectLst>
+                <a:latin typeface="-윤고딕310" panose="02030504000101010101" pitchFamily="18" charset="-127"/>
+                <a:ea typeface="-윤고딕310" panose="02030504000101010101" pitchFamily="18" charset="-127"/>
+              </a:rPr>
+              <a:t>게임 </a:t>
+            </a:r>
+            <a:r>
+              <a:rPr lang="ko-KR" altLang="en-US" sz="1400" dirty="0" smtClean="0">
+                <a:solidFill>
+                  <a:schemeClr val="bg1"/>
+                </a:solidFill>
+                <a:effectLst>
+                  <a:glow rad="101600">
+                    <a:schemeClr val="accent2">
+                      <a:satMod val="175000"/>
+                      <a:alpha val="40000"/>
+                    </a:schemeClr>
+                  </a:glow>
+                  <a:outerShdw blurRad="38100" dist="38100" dir="2700000" algn="tl">
+                    <a:srgbClr val="000000">
+                      <a:alpha val="43137"/>
+                    </a:srgbClr>
+                  </a:outerShdw>
+                </a:effectLst>
+                <a:latin typeface="-윤고딕310" panose="02030504000101010101" pitchFamily="18" charset="-127"/>
+                <a:ea typeface="-윤고딕310" panose="02030504000101010101" pitchFamily="18" charset="-127"/>
+              </a:rPr>
+              <a:t>소개</a:t>
+            </a:r>
+            <a:r>
+              <a:rPr lang="ko-KR" altLang="en-US" sz="1400" dirty="0">
+                <a:solidFill>
+                  <a:schemeClr val="bg1"/>
+                </a:solidFill>
+                <a:effectLst>
+                  <a:glow rad="101600">
+                    <a:schemeClr val="accent2">
+                      <a:satMod val="175000"/>
+                      <a:alpha val="40000"/>
+                    </a:schemeClr>
+                  </a:glow>
+                  <a:outerShdw blurRad="38100" dist="38100" dir="2700000" algn="tl">
+                    <a:srgbClr val="000000">
+                      <a:alpha val="43137"/>
+                    </a:srgbClr>
+                  </a:outerShdw>
+                </a:effectLst>
+                <a:latin typeface="-윤고딕310" panose="02030504000101010101" pitchFamily="18" charset="-127"/>
+                <a:ea typeface="-윤고딕310" panose="02030504000101010101" pitchFamily="18" charset="-127"/>
+              </a:rPr>
+              <a:t> </a:t>
+            </a:r>
+            <a:r>
+              <a:rPr lang="en-US" altLang="ko-KR" sz="1400" dirty="0" smtClean="0">
+                <a:solidFill>
+                  <a:schemeClr val="bg1"/>
+                </a:solidFill>
+                <a:effectLst>
+                  <a:glow rad="101600">
+                    <a:schemeClr val="accent2">
+                      <a:satMod val="175000"/>
+                      <a:alpha val="40000"/>
+                    </a:schemeClr>
+                  </a:glow>
+                  <a:outerShdw blurRad="38100" dist="38100" dir="2700000" algn="tl">
+                    <a:srgbClr val="000000">
+                      <a:alpha val="43137"/>
+                    </a:srgbClr>
+                  </a:outerShdw>
+                </a:effectLst>
+                <a:latin typeface="-윤고딕310" panose="02030504000101010101" pitchFamily="18" charset="-127"/>
+                <a:ea typeface="-윤고딕310" panose="02030504000101010101" pitchFamily="18" charset="-127"/>
+              </a:rPr>
+              <a:t>(</a:t>
+            </a:r>
+            <a:r>
+              <a:rPr lang="ko-KR" altLang="en-US" sz="1400" dirty="0" smtClean="0">
+                <a:solidFill>
+                  <a:schemeClr val="bg1"/>
+                </a:solidFill>
+                <a:effectLst>
+                  <a:glow rad="101600">
+                    <a:schemeClr val="accent2">
+                      <a:satMod val="175000"/>
+                      <a:alpha val="40000"/>
+                    </a:schemeClr>
+                  </a:glow>
+                  <a:outerShdw blurRad="38100" dist="38100" dir="2700000" algn="tl">
+                    <a:srgbClr val="000000">
+                      <a:alpha val="43137"/>
+                    </a:srgbClr>
+                  </a:outerShdw>
+                </a:effectLst>
+                <a:latin typeface="-윤고딕310" panose="02030504000101010101" pitchFamily="18" charset="-127"/>
+                <a:ea typeface="-윤고딕310" panose="02030504000101010101" pitchFamily="18" charset="-127"/>
+              </a:rPr>
+              <a:t>진행 </a:t>
+            </a:r>
+            <a:r>
+              <a:rPr lang="ko-KR" altLang="en-US" sz="1400" dirty="0">
+                <a:solidFill>
+                  <a:schemeClr val="bg1"/>
+                </a:solidFill>
+                <a:effectLst>
+                  <a:glow rad="101600">
+                    <a:schemeClr val="accent2">
+                      <a:satMod val="175000"/>
+                      <a:alpha val="40000"/>
+                    </a:schemeClr>
+                  </a:glow>
+                  <a:outerShdw blurRad="38100" dist="38100" dir="2700000" algn="tl">
+                    <a:srgbClr val="000000">
+                      <a:alpha val="43137"/>
+                    </a:srgbClr>
+                  </a:outerShdw>
+                </a:effectLst>
+                <a:latin typeface="-윤고딕310" panose="02030504000101010101" pitchFamily="18" charset="-127"/>
+                <a:ea typeface="-윤고딕310" panose="02030504000101010101" pitchFamily="18" charset="-127"/>
+              </a:rPr>
+              <a:t>및 조작</a:t>
+            </a:r>
+            <a:r>
+              <a:rPr lang="en-US" altLang="ko-KR" sz="1400" dirty="0" smtClean="0">
+                <a:solidFill>
+                  <a:schemeClr val="bg1"/>
+                </a:solidFill>
+                <a:effectLst>
+                  <a:glow rad="101600">
+                    <a:schemeClr val="accent2">
+                      <a:satMod val="175000"/>
+                      <a:alpha val="40000"/>
+                    </a:schemeClr>
+                  </a:glow>
+                  <a:outerShdw blurRad="38100" dist="38100" dir="2700000" algn="tl">
+                    <a:srgbClr val="000000">
+                      <a:alpha val="43137"/>
+                    </a:srgbClr>
+                  </a:outerShdw>
+                </a:effectLst>
+                <a:latin typeface="-윤고딕310" panose="02030504000101010101" pitchFamily="18" charset="-127"/>
+                <a:ea typeface="-윤고딕310" panose="02030504000101010101" pitchFamily="18" charset="-127"/>
+              </a:rPr>
+              <a:t>)</a:t>
+            </a:r>
+          </a:p>
+          <a:p>
+            <a:pPr algn="ctr"/>
+            <a:r>
+              <a:rPr lang="ko-KR" altLang="en-US" sz="1400" dirty="0" smtClean="0">
+                <a:solidFill>
+                  <a:schemeClr val="bg1"/>
+                </a:solidFill>
+                <a:effectLst>
+                  <a:outerShdw blurRad="38100" dist="38100" dir="2700000" algn="tl">
+                    <a:srgbClr val="000000">
+                      <a:alpha val="43137"/>
+                    </a:srgbClr>
+                  </a:outerShdw>
+                </a:effectLst>
+                <a:latin typeface="-윤고딕310" panose="02030504000101010101" pitchFamily="18" charset="-127"/>
+                <a:ea typeface="-윤고딕310" panose="02030504000101010101" pitchFamily="18" charset="-127"/>
+              </a:rPr>
+              <a:t>게임 소개 </a:t>
+            </a:r>
+            <a:r>
+              <a:rPr lang="en-US" altLang="ko-KR" sz="1400" dirty="0" smtClean="0">
+                <a:solidFill>
+                  <a:schemeClr val="bg1"/>
+                </a:solidFill>
+                <a:effectLst>
+                  <a:outerShdw blurRad="38100" dist="38100" dir="2700000" algn="tl">
+                    <a:srgbClr val="000000">
+                      <a:alpha val="43137"/>
+                    </a:srgbClr>
+                  </a:outerShdw>
+                </a:effectLst>
+                <a:latin typeface="-윤고딕310" panose="02030504000101010101" pitchFamily="18" charset="-127"/>
+                <a:ea typeface="-윤고딕310" panose="02030504000101010101" pitchFamily="18" charset="-127"/>
+              </a:rPr>
+              <a:t>(</a:t>
+            </a:r>
+            <a:r>
+              <a:rPr lang="ko-KR" altLang="en-US" sz="1400" dirty="0" smtClean="0">
+                <a:solidFill>
+                  <a:schemeClr val="bg1"/>
+                </a:solidFill>
+                <a:effectLst>
+                  <a:outerShdw blurRad="38100" dist="38100" dir="2700000" algn="tl">
+                    <a:srgbClr val="000000">
+                      <a:alpha val="43137"/>
+                    </a:srgbClr>
+                  </a:outerShdw>
+                </a:effectLst>
+                <a:latin typeface="-윤고딕310" panose="02030504000101010101" pitchFamily="18" charset="-127"/>
+                <a:ea typeface="-윤고딕310" panose="02030504000101010101" pitchFamily="18" charset="-127"/>
+              </a:rPr>
+              <a:t>전투</a:t>
+            </a:r>
+            <a:r>
+              <a:rPr lang="en-US" altLang="ko-KR" sz="1400" dirty="0" smtClean="0">
+                <a:solidFill>
+                  <a:schemeClr val="bg1"/>
+                </a:solidFill>
+                <a:effectLst>
+                  <a:outerShdw blurRad="38100" dist="38100" dir="2700000" algn="tl">
+                    <a:srgbClr val="000000">
+                      <a:alpha val="43137"/>
+                    </a:srgbClr>
+                  </a:outerShdw>
+                </a:effectLst>
+                <a:latin typeface="-윤고딕310" panose="02030504000101010101" pitchFamily="18" charset="-127"/>
+                <a:ea typeface="-윤고딕310" panose="02030504000101010101" pitchFamily="18" charset="-127"/>
+              </a:rPr>
+              <a:t>)</a:t>
+            </a:r>
+            <a:endParaRPr lang="en-US" altLang="ko-KR" sz="1400" dirty="0">
+              <a:solidFill>
+                <a:schemeClr val="bg1"/>
+              </a:solidFill>
+              <a:effectLst>
+                <a:outerShdw blurRad="38100" dist="38100" dir="2700000" algn="tl">
+                  <a:srgbClr val="000000">
+                    <a:alpha val="43137"/>
+                  </a:srgbClr>
+                </a:outerShdw>
+              </a:effectLst>
+              <a:latin typeface="-윤고딕310" panose="02030504000101010101" pitchFamily="18" charset="-127"/>
+              <a:ea typeface="-윤고딕310" panose="02030504000101010101" pitchFamily="18" charset="-127"/>
+            </a:endParaRPr>
+          </a:p>
+        </p:txBody>
+      </p:sp>
+    </p:spTree>
+    <p:extLst>
+      <p:ext uri="{BB962C8B-B14F-4D97-AF65-F5344CB8AC3E}">
+        <p14:creationId xmlns:p14="http://schemas.microsoft.com/office/powerpoint/2010/main" val="3823852440"/>
+      </p:ext>
+    </p:extLst>
+  </p:cSld>
+  <p:clrMapOvr>
+    <a:masterClrMapping/>
+  </p:clrMapOvr>
+  <p:timing>
+    <p:tnLst>
+      <p:par>
+        <p:cTn id="1" dur="indefinite" restart="never" nodeType="tmRoot"/>
+      </p:par>
+    </p:tnLst>
+  </p:timing>
+</p:sld>
+</file>
+
+<file path=ppt/slides/slide11.xml><?xml version="1.0" encoding="utf-8"?>
+<p:sld xmlns:a="http://schemas.openxmlformats.org/drawingml/2006/main" xmlns:r="http://schemas.openxmlformats.org/officeDocument/2006/relationships" xmlns:p="http://schemas.openxmlformats.org/presentationml/2006/main">
+  <p:cSld>
+    <p:spTree>
+      <p:nvGrpSpPr>
+        <p:cNvPr id="1" name=""/>
+        <p:cNvGrpSpPr/>
+        <p:nvPr/>
+      </p:nvGrpSpPr>
+      <p:grpSpPr>
+        <a:xfrm>
+          <a:off x="0" y="0"/>
+          <a:ext cx="0" cy="0"/>
+          <a:chOff x="0" y="0"/>
+          <a:chExt cx="0" cy="0"/>
+        </a:xfrm>
+      </p:grpSpPr>
+      <p:sp>
+        <p:nvSpPr>
+          <p:cNvPr id="4" name="TextBox 3"/>
+          <p:cNvSpPr txBox="1"/>
+          <p:nvPr/>
+        </p:nvSpPr>
+        <p:spPr>
+          <a:xfrm>
+            <a:off x="117687" y="446707"/>
+            <a:ext cx="5453380" cy="523220"/>
+          </a:xfrm>
+          <a:prstGeom prst="rect">
+            <a:avLst/>
+          </a:prstGeom>
+          <a:noFill/>
+        </p:spPr>
+        <p:txBody>
+          <a:bodyPr wrap="square" rtlCol="0">
+            <a:spAutoFit/>
+          </a:bodyPr>
+          <a:lstStyle/>
+          <a:p>
+            <a:r>
+              <a:rPr lang="en-US" altLang="ko-KR" sz="2800" dirty="0">
+                <a:solidFill>
+                  <a:schemeClr val="bg1"/>
+                </a:solidFill>
+                <a:effectLst>
+                  <a:outerShdw blurRad="38100" dist="38100" dir="2700000" algn="tl">
+                    <a:srgbClr val="000000">
+                      <a:alpha val="43137"/>
+                    </a:srgbClr>
+                  </a:outerShdw>
+                </a:effectLst>
+                <a:latin typeface="-윤고딕320" panose="02030504000101010101" pitchFamily="18" charset="-127"/>
+                <a:ea typeface="-윤고딕320" panose="02030504000101010101" pitchFamily="18" charset="-127"/>
+              </a:rPr>
+              <a:t> </a:t>
+            </a:r>
+            <a:r>
+              <a:rPr lang="en-US" altLang="ko-KR" sz="2800" dirty="0" smtClean="0">
+                <a:solidFill>
+                  <a:schemeClr val="bg1"/>
+                </a:solidFill>
+                <a:effectLst>
+                  <a:outerShdw blurRad="38100" dist="38100" dir="2700000" algn="tl">
+                    <a:srgbClr val="000000">
+                      <a:alpha val="43137"/>
+                    </a:srgbClr>
+                  </a:outerShdw>
+                </a:effectLst>
+                <a:latin typeface="-윤고딕320" panose="02030504000101010101" pitchFamily="18" charset="-127"/>
+                <a:ea typeface="-윤고딕320" panose="02030504000101010101" pitchFamily="18" charset="-127"/>
+              </a:rPr>
+              <a:t> </a:t>
+            </a:r>
+            <a:r>
+              <a:rPr lang="ko-KR" altLang="en-US" sz="2800" dirty="0" smtClean="0">
+                <a:solidFill>
+                  <a:schemeClr val="bg1"/>
+                </a:solidFill>
+                <a:effectLst>
+                  <a:outerShdw blurRad="38100" dist="38100" dir="2700000" algn="tl">
+                    <a:srgbClr val="000000">
+                      <a:alpha val="43137"/>
+                    </a:srgbClr>
+                  </a:outerShdw>
+                </a:effectLst>
+                <a:latin typeface="-윤고딕320" panose="02030504000101010101" pitchFamily="18" charset="-127"/>
+                <a:ea typeface="-윤고딕320" panose="02030504000101010101" pitchFamily="18" charset="-127"/>
+              </a:rPr>
+              <a:t>게임 </a:t>
+            </a:r>
+            <a:r>
+              <a:rPr lang="ko-KR" altLang="en-US" sz="2800" dirty="0" smtClean="0">
+                <a:solidFill>
+                  <a:schemeClr val="bg1"/>
+                </a:solidFill>
+                <a:effectLst>
+                  <a:outerShdw blurRad="38100" dist="38100" dir="2700000" algn="tl">
+                    <a:srgbClr val="000000">
+                      <a:alpha val="43137"/>
+                    </a:srgbClr>
+                  </a:outerShdw>
+                </a:effectLst>
+                <a:latin typeface="-윤고딕320" panose="02030504000101010101" pitchFamily="18" charset="-127"/>
+                <a:ea typeface="-윤고딕320" panose="02030504000101010101" pitchFamily="18" charset="-127"/>
+              </a:rPr>
+              <a:t>소개 </a:t>
+            </a:r>
+            <a:r>
+              <a:rPr lang="en-US" altLang="ko-KR" sz="2800" dirty="0" smtClean="0">
+                <a:solidFill>
+                  <a:schemeClr val="bg1"/>
+                </a:solidFill>
+                <a:effectLst>
+                  <a:outerShdw blurRad="38100" dist="38100" dir="2700000" algn="tl">
+                    <a:srgbClr val="000000">
+                      <a:alpha val="43137"/>
+                    </a:srgbClr>
+                  </a:outerShdw>
+                </a:effectLst>
+                <a:latin typeface="-윤고딕320" panose="02030504000101010101" pitchFamily="18" charset="-127"/>
+                <a:ea typeface="-윤고딕320" panose="02030504000101010101" pitchFamily="18" charset="-127"/>
+              </a:rPr>
+              <a:t>– </a:t>
+            </a:r>
+            <a:r>
+              <a:rPr lang="ko-KR" altLang="en-US" sz="2800" dirty="0" smtClean="0">
+                <a:solidFill>
+                  <a:schemeClr val="bg1"/>
+                </a:solidFill>
+                <a:effectLst>
+                  <a:outerShdw blurRad="38100" dist="38100" dir="2700000" algn="tl">
+                    <a:srgbClr val="000000">
+                      <a:alpha val="43137"/>
+                    </a:srgbClr>
+                  </a:outerShdw>
+                </a:effectLst>
+                <a:latin typeface="-윤고딕320" panose="02030504000101010101" pitchFamily="18" charset="-127"/>
+                <a:ea typeface="-윤고딕320" panose="02030504000101010101" pitchFamily="18" charset="-127"/>
+              </a:rPr>
               <a:t>전투</a:t>
             </a:r>
             <a:endParaRPr lang="ko-KR" altLang="en-US" sz="2800" dirty="0">
@@ -11531,7 +12541,7 @@
 </p:sld>
 </file>
 
-<file path=ppt/slides/slide11.xml><?xml version="1.0" encoding="utf-8"?>
+<file path=ppt/slides/slide12.xml><?xml version="1.0" encoding="utf-8"?>
 <p:sld xmlns:a="http://schemas.openxmlformats.org/drawingml/2006/main" xmlns:r="http://schemas.openxmlformats.org/officeDocument/2006/relationships" xmlns:p="http://schemas.openxmlformats.org/presentationml/2006/main">
   <p:cSld>
     <p:spTree>
@@ -11836,7 +12846,7 @@
         <p:spPr>
           <a:xfrm>
             <a:off x="2011298" y="2154272"/>
-            <a:ext cx="8504301" cy="1569660"/>
+            <a:ext cx="8504301" cy="584775"/>
           </a:xfrm>
           <a:prstGeom prst="rect">
             <a:avLst/>
@@ -11868,81 +12878,24 @@
                 <a:latin typeface="-윤고딕310" panose="02030504000101010101" pitchFamily="18" charset="-127"/>
                 <a:ea typeface="-윤고딕310" panose="02030504000101010101" pitchFamily="18" charset="-127"/>
               </a:rPr>
-              <a:t>개발 요소</a:t>
-            </a:r>
-            <a:endParaRPr lang="en-US" altLang="ko-KR" sz="3200" dirty="0">
-              <a:solidFill>
-                <a:schemeClr val="bg1"/>
-              </a:solidFill>
-              <a:effectLst>
-                <a:outerShdw blurRad="38100" dist="38100" dir="2700000" algn="tl">
-                  <a:srgbClr val="000000">
-                    <a:alpha val="43137"/>
-                  </a:srgbClr>
-                </a:outerShdw>
-              </a:effectLst>
-              <a:latin typeface="-윤고딕310" panose="02030504000101010101" pitchFamily="18" charset="-127"/>
-              <a:ea typeface="-윤고딕310" panose="02030504000101010101" pitchFamily="18" charset="-127"/>
-            </a:endParaRPr>
-          </a:p>
-          <a:p>
-            <a:pPr marL="514350" indent="-514350">
-              <a:buFont typeface="+mj-lt"/>
-              <a:buAutoNum type="arabicPeriod"/>
-            </a:pPr>
-            <a:r>
-              <a:rPr lang="ko-KR" altLang="en-US" sz="3200" dirty="0">
-                <a:solidFill>
-                  <a:schemeClr val="bg1"/>
-                </a:solidFill>
-                <a:effectLst>
-                  <a:outerShdw blurRad="38100" dist="38100" dir="2700000" algn="tl">
-                    <a:srgbClr val="000000">
-                      <a:alpha val="43137"/>
-                    </a:srgbClr>
-                  </a:outerShdw>
-                </a:effectLst>
-                <a:latin typeface="-윤고딕310" panose="02030504000101010101" pitchFamily="18" charset="-127"/>
-                <a:ea typeface="-윤고딕310" panose="02030504000101010101" pitchFamily="18" charset="-127"/>
-              </a:rPr>
-              <a:t>필요한 리소스</a:t>
-            </a:r>
-            <a:endParaRPr lang="en-US" altLang="ko-KR" sz="3200" dirty="0">
-              <a:solidFill>
-                <a:schemeClr val="bg1"/>
-              </a:solidFill>
-              <a:effectLst>
-                <a:outerShdw blurRad="38100" dist="38100" dir="2700000" algn="tl">
-                  <a:srgbClr val="000000">
-                    <a:alpha val="43137"/>
-                  </a:srgbClr>
-                </a:outerShdw>
-              </a:effectLst>
-              <a:latin typeface="-윤고딕310" panose="02030504000101010101" pitchFamily="18" charset="-127"/>
-              <a:ea typeface="-윤고딕310" panose="02030504000101010101" pitchFamily="18" charset="-127"/>
-            </a:endParaRPr>
-          </a:p>
-          <a:p>
-            <a:pPr marL="514350" indent="-514350">
-              <a:buFont typeface="+mj-lt"/>
-              <a:buAutoNum type="arabicPeriod"/>
-            </a:pPr>
-            <a:r>
-              <a:rPr lang="ko-KR" altLang="en-US" sz="3200" dirty="0">
-                <a:solidFill>
-                  <a:schemeClr val="bg1"/>
-                </a:solidFill>
-                <a:effectLst>
-                  <a:outerShdw blurRad="38100" dist="38100" dir="2700000" algn="tl">
-                    <a:srgbClr val="000000">
-                      <a:alpha val="43137"/>
-                    </a:srgbClr>
-                  </a:outerShdw>
-                </a:effectLst>
-                <a:latin typeface="-윤고딕310" panose="02030504000101010101" pitchFamily="18" charset="-127"/>
-                <a:ea typeface="-윤고딕310" panose="02030504000101010101" pitchFamily="18" charset="-127"/>
-              </a:rPr>
-              <a:t>개발 순서와 일정</a:t>
+              <a:t>개발 </a:t>
+            </a:r>
+            <a:r>
+              <a:rPr lang="ko-KR" altLang="en-US" sz="3200" dirty="0" smtClean="0">
+                <a:solidFill>
+                  <a:schemeClr val="bg1"/>
+                </a:solidFill>
+                <a:effectLst>
+                  <a:outerShdw blurRad="38100" dist="38100" dir="2700000" algn="tl">
+                    <a:srgbClr val="000000">
+                      <a:alpha val="43137"/>
+                    </a:srgbClr>
+                  </a:outerShdw>
+                </a:effectLst>
+                <a:latin typeface="-윤고딕310" panose="02030504000101010101" pitchFamily="18" charset="-127"/>
+                <a:ea typeface="-윤고딕310" panose="02030504000101010101" pitchFamily="18" charset="-127"/>
+              </a:rPr>
+              <a:t>요소</a:t>
             </a:r>
           </a:p>
         </p:txBody>
@@ -11967,7 +12920,7 @@
 </p:sld>
 </file>
 
-<file path=ppt/slides/slide12.xml><?xml version="1.0" encoding="utf-8"?>
+<file path=ppt/slides/slide13.xml><?xml version="1.0" encoding="utf-8"?>
 <p:sld xmlns:a="http://schemas.openxmlformats.org/drawingml/2006/main" xmlns:r="http://schemas.openxmlformats.org/officeDocument/2006/relationships" xmlns:p="http://schemas.openxmlformats.org/presentationml/2006/main">
   <p:cSld>
     <p:spTree>
@@ -12420,7 +13373,7 @@
 </p:sld>
 </file>
 
-<file path=ppt/slides/slide13.xml><?xml version="1.0" encoding="utf-8"?>
+<file path=ppt/slides/slide14.xml><?xml version="1.0" encoding="utf-8"?>
 <p:sld xmlns:a="http://schemas.openxmlformats.org/drawingml/2006/main" xmlns:r="http://schemas.openxmlformats.org/officeDocument/2006/relationships" xmlns:p="http://schemas.openxmlformats.org/presentationml/2006/main">
   <p:cSld>
     <p:spTree>
@@ -13455,7 +14408,7 @@
 </p:sld>
 </file>
 
-<file path=ppt/slides/slide14.xml><?xml version="1.0" encoding="utf-8"?>
+<file path=ppt/slides/slide15.xml><?xml version="1.0" encoding="utf-8"?>
 <p:sld xmlns:a="http://schemas.openxmlformats.org/drawingml/2006/main" xmlns:r="http://schemas.openxmlformats.org/officeDocument/2006/relationships" xmlns:p="http://schemas.openxmlformats.org/presentationml/2006/main">
   <p:cSld>
     <p:spTree>
@@ -14037,7 +14990,7 @@
 </p:sld>
 </file>
 
-<file path=ppt/slides/slide15.xml><?xml version="1.0" encoding="utf-8"?>
+<file path=ppt/slides/slide16.xml><?xml version="1.0" encoding="utf-8"?>
 <p:sld xmlns:a="http://schemas.openxmlformats.org/drawingml/2006/main" xmlns:r="http://schemas.openxmlformats.org/officeDocument/2006/relationships" xmlns:p="http://schemas.openxmlformats.org/presentationml/2006/main">
   <p:cSld>
     <p:spTree>
@@ -14619,7 +15572,7 @@
 </p:sld>
 </file>
 
-<file path=ppt/slides/slide16.xml><?xml version="1.0" encoding="utf-8"?>
+<file path=ppt/slides/slide17.xml><?xml version="1.0" encoding="utf-8"?>
 <p:sld xmlns:a="http://schemas.openxmlformats.org/drawingml/2006/main" xmlns:r="http://schemas.openxmlformats.org/officeDocument/2006/relationships" xmlns:p="http://schemas.openxmlformats.org/presentationml/2006/main">
   <p:cSld>
     <p:spTree>
@@ -14752,7 +15705,7 @@
         <p:spPr>
           <a:xfrm>
             <a:off x="117687" y="1363131"/>
-            <a:ext cx="11617113" cy="2554545"/>
+            <a:ext cx="11617113" cy="4031873"/>
           </a:xfrm>
           <a:prstGeom prst="rect">
             <a:avLst/>
@@ -14787,8 +15740,7 @@
                   </a:srgbClr>
                 </a:outerShdw>
               </a:effectLst>
-              <a:latin typeface="-윤고딕310" panose="02030504000101010101" pitchFamily="18" charset="-127"/>
-              <a:ea typeface="-윤고딕310" panose="02030504000101010101" pitchFamily="18" charset="-127"/>
+              <a:latin typeface="Continuum Light" panose="00000400000000000000" pitchFamily="2" charset="0"/>
             </a:endParaRPr>
           </a:p>
           <a:p>
@@ -14796,176 +15748,7 @@
               <a:buFont typeface="+mj-lt"/>
               <a:buAutoNum type="arabicPeriod"/>
             </a:pPr>
-            <a:r>
-              <a:rPr lang="en-US" altLang="ko-KR" sz="1600" dirty="0">
-                <a:ln>
-                  <a:solidFill>
-                    <a:schemeClr val="accent1">
-                      <a:alpha val="57000"/>
-                    </a:schemeClr>
-                  </a:solidFill>
-                </a:ln>
-                <a:solidFill>
-                  <a:schemeClr val="bg1"/>
-                </a:solidFill>
-                <a:effectLst>
-                  <a:outerShdw blurRad="38100" dist="38100" dir="2700000" algn="tl">
-                    <a:srgbClr val="000000">
-                      <a:alpha val="43137"/>
-                    </a:srgbClr>
-                  </a:outerShdw>
-                </a:effectLst>
-                <a:latin typeface="-윤고딕310" panose="02030504000101010101" pitchFamily="18" charset="-127"/>
-                <a:ea typeface="-윤고딕310" panose="02030504000101010101" pitchFamily="18" charset="-127"/>
-                <a:hlinkClick r:id="rId2"/>
-              </a:rPr>
-              <a:t>https://</a:t>
-            </a:r>
-            <a:r>
-              <a:rPr lang="en-US" altLang="ko-KR" sz="1600" dirty="0" smtClean="0">
-                <a:ln>
-                  <a:solidFill>
-                    <a:schemeClr val="accent1">
-                      <a:alpha val="57000"/>
-                    </a:schemeClr>
-                  </a:solidFill>
-                </a:ln>
-                <a:solidFill>
-                  <a:schemeClr val="bg1"/>
-                </a:solidFill>
-                <a:effectLst>
-                  <a:outerShdw blurRad="38100" dist="38100" dir="2700000" algn="tl">
-                    <a:srgbClr val="000000">
-                      <a:alpha val="43137"/>
-                    </a:srgbClr>
-                  </a:outerShdw>
-                </a:effectLst>
-                <a:latin typeface="-윤고딕310" panose="02030504000101010101" pitchFamily="18" charset="-127"/>
-                <a:ea typeface="-윤고딕310" panose="02030504000101010101" pitchFamily="18" charset="-127"/>
-                <a:hlinkClick r:id="rId2"/>
-              </a:rPr>
-              <a:t>www.iconfinder.com/icons/782514/astronomy_black_hole_space_spacetime_warp_drive_wormholes_icon#size=128</a:t>
-            </a:r>
-            <a:r>
-              <a:rPr lang="en-US" altLang="ko-KR" sz="1600" dirty="0" smtClean="0">
-                <a:ln>
-                  <a:solidFill>
-                    <a:schemeClr val="accent1">
-                      <a:alpha val="57000"/>
-                    </a:schemeClr>
-                  </a:solidFill>
-                </a:ln>
-                <a:solidFill>
-                  <a:schemeClr val="bg1"/>
-                </a:solidFill>
-                <a:effectLst>
-                  <a:outerShdw blurRad="38100" dist="38100" dir="2700000" algn="tl">
-                    <a:srgbClr val="000000">
-                      <a:alpha val="43137"/>
-                    </a:srgbClr>
-                  </a:outerShdw>
-                </a:effectLst>
-                <a:latin typeface="-윤고딕310" panose="02030504000101010101" pitchFamily="18" charset="-127"/>
-                <a:ea typeface="-윤고딕310" panose="02030504000101010101" pitchFamily="18" charset="-127"/>
-              </a:rPr>
-              <a:t/>
-            </a:r>
-            <a:br>
-              <a:rPr lang="en-US" altLang="ko-KR" sz="1600" dirty="0" smtClean="0">
-                <a:ln>
-                  <a:solidFill>
-                    <a:schemeClr val="accent1">
-                      <a:alpha val="57000"/>
-                    </a:schemeClr>
-                  </a:solidFill>
-                </a:ln>
-                <a:solidFill>
-                  <a:schemeClr val="bg1"/>
-                </a:solidFill>
-                <a:effectLst>
-                  <a:outerShdw blurRad="38100" dist="38100" dir="2700000" algn="tl">
-                    <a:srgbClr val="000000">
-                      <a:alpha val="43137"/>
-                    </a:srgbClr>
-                  </a:outerShdw>
-                </a:effectLst>
-                <a:latin typeface="-윤고딕310" panose="02030504000101010101" pitchFamily="18" charset="-127"/>
-                <a:ea typeface="-윤고딕310" panose="02030504000101010101" pitchFamily="18" charset="-127"/>
-              </a:rPr>
-            </a:br>
-            <a:r>
-              <a:rPr lang="en-US" altLang="ko-KR" sz="1600" dirty="0" smtClean="0">
-                <a:ln>
-                  <a:solidFill>
-                    <a:schemeClr val="accent1">
-                      <a:alpha val="57000"/>
-                    </a:schemeClr>
-                  </a:solidFill>
-                </a:ln>
-                <a:solidFill>
-                  <a:schemeClr val="bg1"/>
-                </a:solidFill>
-                <a:effectLst>
-                  <a:outerShdw blurRad="38100" dist="38100" dir="2700000" algn="tl">
-                    <a:srgbClr val="000000">
-                      <a:alpha val="43137"/>
-                    </a:srgbClr>
-                  </a:outerShdw>
-                </a:effectLst>
-                <a:latin typeface="-윤고딕310" panose="02030504000101010101" pitchFamily="18" charset="-127"/>
-                <a:ea typeface="-윤고딕310" panose="02030504000101010101" pitchFamily="18" charset="-127"/>
-              </a:rPr>
-              <a:t>(</a:t>
-            </a:r>
-            <a:r>
-              <a:rPr lang="ko-KR" altLang="en-US" sz="1600" dirty="0" smtClean="0">
-                <a:ln>
-                  <a:solidFill>
-                    <a:schemeClr val="accent1">
-                      <a:alpha val="57000"/>
-                    </a:schemeClr>
-                  </a:solidFill>
-                </a:ln>
-                <a:solidFill>
-                  <a:schemeClr val="bg1"/>
-                </a:solidFill>
-                <a:effectLst>
-                  <a:outerShdw blurRad="38100" dist="38100" dir="2700000" algn="tl">
-                    <a:srgbClr val="000000">
-                      <a:alpha val="43137"/>
-                    </a:srgbClr>
-                  </a:outerShdw>
-                </a:effectLst>
-                <a:latin typeface="-윤고딕310" panose="02030504000101010101" pitchFamily="18" charset="-127"/>
-                <a:ea typeface="-윤고딕310" panose="02030504000101010101" pitchFamily="18" charset="-127"/>
-              </a:rPr>
-              <a:t>그냥 복사 후 붙여 넣기</a:t>
-            </a:r>
-            <a:r>
-              <a:rPr lang="en-US" altLang="ko-KR" sz="1600" dirty="0" smtClean="0">
-                <a:ln>
-                  <a:solidFill>
-                    <a:schemeClr val="accent1">
-                      <a:alpha val="57000"/>
-                    </a:schemeClr>
-                  </a:solidFill>
-                </a:ln>
-                <a:solidFill>
-                  <a:schemeClr val="bg1"/>
-                </a:solidFill>
-                <a:effectLst>
-                  <a:outerShdw blurRad="38100" dist="38100" dir="2700000" algn="tl">
-                    <a:srgbClr val="000000">
-                      <a:alpha val="43137"/>
-                    </a:srgbClr>
-                  </a:outerShdw>
-                </a:effectLst>
-                <a:latin typeface="-윤고딕310" panose="02030504000101010101" pitchFamily="18" charset="-127"/>
-                <a:ea typeface="-윤고딕310" panose="02030504000101010101" pitchFamily="18" charset="-127"/>
-              </a:rPr>
-              <a:t>)</a:t>
-            </a:r>
-            <a:endParaRPr lang="en-US" altLang="ko-KR" sz="1600" dirty="0" smtClean="0">
+            <a:endParaRPr lang="en-US" altLang="ko-KR" sz="1600" dirty="0">
               <a:ln>
                 <a:solidFill>
                   <a:schemeClr val="accent1">
@@ -14983,66 +15766,8 @@
                   </a:srgbClr>
                 </a:outerShdw>
               </a:effectLst>
-              <a:latin typeface="-윤고딕310" panose="02030504000101010101" pitchFamily="18" charset="-127"/>
-              <a:ea typeface="-윤고딕310" panose="02030504000101010101" pitchFamily="18" charset="-127"/>
-              <a:hlinkClick r:id="rId3"/>
+              <a:latin typeface="Continuum Light" panose="00000400000000000000" pitchFamily="2" charset="0"/>
             </a:endParaRPr>
-          </a:p>
-          <a:p>
-            <a:pPr marL="342900" indent="-342900">
-              <a:buFont typeface="+mj-lt"/>
-              <a:buAutoNum type="arabicPeriod"/>
-            </a:pPr>
-            <a:r>
-              <a:rPr lang="en-US" altLang="ko-KR" sz="1600" dirty="0" smtClean="0">
-                <a:ln>
-                  <a:solidFill>
-                    <a:schemeClr val="accent1">
-                      <a:alpha val="57000"/>
-                    </a:schemeClr>
-                  </a:solidFill>
-                </a:ln>
-                <a:solidFill>
-                  <a:schemeClr val="bg1"/>
-                </a:solidFill>
-                <a:effectLst>
-                  <a:outerShdw blurRad="38100" dist="38100" dir="2700000" algn="tl">
-                    <a:srgbClr val="000000">
-                      <a:alpha val="43137"/>
-                    </a:srgbClr>
-                  </a:outerShdw>
-                </a:effectLst>
-                <a:latin typeface="-윤고딕310" panose="02030504000101010101" pitchFamily="18" charset="-127"/>
-                <a:ea typeface="-윤고딕310" panose="02030504000101010101" pitchFamily="18" charset="-127"/>
-                <a:hlinkClick r:id="rId3"/>
-              </a:rPr>
-              <a:t>https</a:t>
-            </a:r>
-            <a:r>
-              <a:rPr lang="en-US" altLang="ko-KR" sz="1600" dirty="0">
-                <a:ln>
-                  <a:solidFill>
-                    <a:schemeClr val="accent1">
-                      <a:alpha val="57000"/>
-                    </a:schemeClr>
-                  </a:solidFill>
-                </a:ln>
-                <a:solidFill>
-                  <a:schemeClr val="bg1"/>
-                </a:solidFill>
-                <a:effectLst>
-                  <a:outerShdw blurRad="38100" dist="38100" dir="2700000" algn="tl">
-                    <a:srgbClr val="000000">
-                      <a:alpha val="43137"/>
-                    </a:srgbClr>
-                  </a:outerShdw>
-                </a:effectLst>
-                <a:latin typeface="-윤고딕310" panose="02030504000101010101" pitchFamily="18" charset="-127"/>
-                <a:ea typeface="-윤고딕310" panose="02030504000101010101" pitchFamily="18" charset="-127"/>
-                <a:hlinkClick r:id="rId3"/>
-              </a:rPr>
-              <a:t>://www.iconfinder.com/icons/118607/share_icon#size=128</a:t>
-            </a:r>
           </a:p>
           <a:p>
             <a:pPr marL="342900" indent="-342900">
@@ -15067,8 +15792,7 @@
                   </a:srgbClr>
                 </a:outerShdw>
               </a:effectLst>
-              <a:latin typeface="-윤고딕310" panose="02030504000101010101" pitchFamily="18" charset="-127"/>
-              <a:ea typeface="-윤고딕310" panose="02030504000101010101" pitchFamily="18" charset="-127"/>
+              <a:latin typeface="Continuum Light" panose="00000400000000000000" pitchFamily="2" charset="0"/>
             </a:endParaRPr>
           </a:p>
           <a:p>
@@ -15076,7 +15800,169 @@
               <a:buFont typeface="+mj-lt"/>
               <a:buAutoNum type="arabicPeriod"/>
             </a:pPr>
-            <a:endParaRPr lang="en-US" altLang="ko-KR" sz="1600" dirty="0">
+            <a:r>
+              <a:rPr lang="en-US" altLang="ko-KR" sz="1600" dirty="0">
+                <a:ln>
+                  <a:solidFill>
+                    <a:schemeClr val="accent1">
+                      <a:alpha val="57000"/>
+                    </a:schemeClr>
+                  </a:solidFill>
+                </a:ln>
+                <a:solidFill>
+                  <a:schemeClr val="bg1"/>
+                </a:solidFill>
+                <a:effectLst>
+                  <a:outerShdw blurRad="38100" dist="38100" dir="2700000" algn="tl">
+                    <a:srgbClr val="000000">
+                      <a:alpha val="43137"/>
+                    </a:srgbClr>
+                  </a:outerShdw>
+                </a:effectLst>
+                <a:latin typeface="Continuum Light" panose="00000400000000000000" pitchFamily="2" charset="0"/>
+                <a:hlinkClick r:id="rId2"/>
+              </a:rPr>
+              <a:t>https://</a:t>
+            </a:r>
+            <a:r>
+              <a:rPr lang="en-US" altLang="ko-KR" sz="1600" dirty="0" smtClean="0">
+                <a:ln>
+                  <a:solidFill>
+                    <a:schemeClr val="accent1">
+                      <a:alpha val="57000"/>
+                    </a:schemeClr>
+                  </a:solidFill>
+                </a:ln>
+                <a:solidFill>
+                  <a:schemeClr val="bg1"/>
+                </a:solidFill>
+                <a:effectLst>
+                  <a:outerShdw blurRad="38100" dist="38100" dir="2700000" algn="tl">
+                    <a:srgbClr val="000000">
+                      <a:alpha val="43137"/>
+                    </a:srgbClr>
+                  </a:outerShdw>
+                </a:effectLst>
+                <a:latin typeface="Continuum Light" panose="00000400000000000000" pitchFamily="2" charset="0"/>
+                <a:hlinkClick r:id="rId2"/>
+              </a:rPr>
+              <a:t>www.iconfinder.com/icons/782514/astronomy_black_hole_space_spacetime_warp_drive_wormholes_icon#size=128</a:t>
+            </a:r>
+            <a:r>
+              <a:rPr lang="en-US" altLang="ko-KR" sz="1600" dirty="0" smtClean="0">
+                <a:ln>
+                  <a:solidFill>
+                    <a:schemeClr val="accent1">
+                      <a:alpha val="57000"/>
+                    </a:schemeClr>
+                  </a:solidFill>
+                </a:ln>
+                <a:solidFill>
+                  <a:schemeClr val="bg1"/>
+                </a:solidFill>
+                <a:effectLst>
+                  <a:outerShdw blurRad="38100" dist="38100" dir="2700000" algn="tl">
+                    <a:srgbClr val="000000">
+                      <a:alpha val="43137"/>
+                    </a:srgbClr>
+                  </a:outerShdw>
+                </a:effectLst>
+                <a:latin typeface="Continuum Light" panose="00000400000000000000" pitchFamily="2" charset="0"/>
+              </a:rPr>
+              <a:t/>
+            </a:r>
+            <a:br>
+              <a:rPr lang="en-US" altLang="ko-KR" sz="1600" dirty="0" smtClean="0">
+                <a:ln>
+                  <a:solidFill>
+                    <a:schemeClr val="accent1">
+                      <a:alpha val="57000"/>
+                    </a:schemeClr>
+                  </a:solidFill>
+                </a:ln>
+                <a:solidFill>
+                  <a:schemeClr val="bg1"/>
+                </a:solidFill>
+                <a:effectLst>
+                  <a:outerShdw blurRad="38100" dist="38100" dir="2700000" algn="tl">
+                    <a:srgbClr val="000000">
+                      <a:alpha val="43137"/>
+                    </a:srgbClr>
+                  </a:outerShdw>
+                </a:effectLst>
+                <a:latin typeface="Continuum Light" panose="00000400000000000000" pitchFamily="2" charset="0"/>
+              </a:rPr>
+            </a:br>
+            <a:r>
+              <a:rPr lang="en-US" altLang="ko-KR" sz="1600" dirty="0" smtClean="0">
+                <a:ln>
+                  <a:solidFill>
+                    <a:schemeClr val="accent1">
+                      <a:alpha val="57000"/>
+                    </a:schemeClr>
+                  </a:solidFill>
+                </a:ln>
+                <a:solidFill>
+                  <a:schemeClr val="bg1"/>
+                </a:solidFill>
+                <a:effectLst>
+                  <a:outerShdw blurRad="38100" dist="38100" dir="2700000" algn="tl">
+                    <a:srgbClr val="000000">
+                      <a:alpha val="43137"/>
+                    </a:srgbClr>
+                  </a:outerShdw>
+                </a:effectLst>
+                <a:latin typeface="Continuum Light" panose="00000400000000000000" pitchFamily="2" charset="0"/>
+              </a:rPr>
+              <a:t>(</a:t>
+            </a:r>
+            <a:r>
+              <a:rPr lang="ko-KR" altLang="en-US" sz="1600" dirty="0" smtClean="0">
+                <a:ln>
+                  <a:solidFill>
+                    <a:schemeClr val="accent1">
+                      <a:alpha val="57000"/>
+                    </a:schemeClr>
+                  </a:solidFill>
+                </a:ln>
+                <a:solidFill>
+                  <a:schemeClr val="bg1"/>
+                </a:solidFill>
+                <a:effectLst>
+                  <a:outerShdw blurRad="38100" dist="38100" dir="2700000" algn="tl">
+                    <a:srgbClr val="000000">
+                      <a:alpha val="43137"/>
+                    </a:srgbClr>
+                  </a:outerShdw>
+                </a:effectLst>
+                <a:latin typeface="Continuum Light" panose="00000400000000000000" pitchFamily="2" charset="0"/>
+              </a:rPr>
+              <a:t>그냥 복사 후 붙여 넣기</a:t>
+            </a:r>
+            <a:r>
+              <a:rPr lang="en-US" altLang="ko-KR" sz="1600" dirty="0" smtClean="0">
+                <a:ln>
+                  <a:solidFill>
+                    <a:schemeClr val="accent1">
+                      <a:alpha val="57000"/>
+                    </a:schemeClr>
+                  </a:solidFill>
+                </a:ln>
+                <a:solidFill>
+                  <a:schemeClr val="bg1"/>
+                </a:solidFill>
+                <a:effectLst>
+                  <a:outerShdw blurRad="38100" dist="38100" dir="2700000" algn="tl">
+                    <a:srgbClr val="000000">
+                      <a:alpha val="43137"/>
+                    </a:srgbClr>
+                  </a:outerShdw>
+                </a:effectLst>
+                <a:latin typeface="Continuum Light" panose="00000400000000000000" pitchFamily="2" charset="0"/>
+              </a:rPr>
+              <a:t>)</a:t>
+            </a:r>
+            <a:endParaRPr lang="en-US" altLang="ko-KR" sz="1600" dirty="0" smtClean="0">
               <a:ln>
                 <a:solidFill>
                   <a:schemeClr val="accent1">
@@ -15094,9 +15980,63 @@
                   </a:srgbClr>
                 </a:outerShdw>
               </a:effectLst>
-              <a:latin typeface="-윤고딕310" panose="02030504000101010101" pitchFamily="18" charset="-127"/>
-              <a:ea typeface="-윤고딕310" panose="02030504000101010101" pitchFamily="18" charset="-127"/>
+              <a:latin typeface="Continuum Light" panose="00000400000000000000" pitchFamily="2" charset="0"/>
+              <a:hlinkClick r:id="rId3"/>
             </a:endParaRPr>
+          </a:p>
+          <a:p>
+            <a:pPr marL="342900" indent="-342900">
+              <a:buFont typeface="+mj-lt"/>
+              <a:buAutoNum type="arabicPeriod"/>
+            </a:pPr>
+            <a:r>
+              <a:rPr lang="en-US" altLang="ko-KR" sz="1600" dirty="0" smtClean="0">
+                <a:ln>
+                  <a:solidFill>
+                    <a:schemeClr val="accent1">
+                      <a:alpha val="57000"/>
+                    </a:schemeClr>
+                  </a:solidFill>
+                </a:ln>
+                <a:solidFill>
+                  <a:schemeClr val="bg1"/>
+                </a:solidFill>
+                <a:effectLst>
+                  <a:outerShdw blurRad="38100" dist="38100" dir="2700000" algn="tl">
+                    <a:srgbClr val="000000">
+                      <a:alpha val="43137"/>
+                    </a:srgbClr>
+                  </a:outerShdw>
+                </a:effectLst>
+                <a:latin typeface="Continuum Light" panose="00000400000000000000" pitchFamily="2" charset="0"/>
+                <a:hlinkClick r:id="rId3"/>
+              </a:rPr>
+              <a:t>https</a:t>
+            </a:r>
+            <a:r>
+              <a:rPr lang="en-US" altLang="ko-KR" sz="1600" dirty="0">
+                <a:ln>
+                  <a:solidFill>
+                    <a:schemeClr val="accent1">
+                      <a:alpha val="57000"/>
+                    </a:schemeClr>
+                  </a:solidFill>
+                </a:ln>
+                <a:solidFill>
+                  <a:schemeClr val="bg1"/>
+                </a:solidFill>
+                <a:effectLst>
+                  <a:outerShdw blurRad="38100" dist="38100" dir="2700000" algn="tl">
+                    <a:srgbClr val="000000">
+                      <a:alpha val="43137"/>
+                    </a:srgbClr>
+                  </a:outerShdw>
+                </a:effectLst>
+                <a:latin typeface="Continuum Light" panose="00000400000000000000" pitchFamily="2" charset="0"/>
+                <a:hlinkClick r:id="rId3"/>
+              </a:rPr>
+              <a:t>://www.iconfinder.com/icons/118607/share_icon#size=128</a:t>
+            </a:r>
           </a:p>
           <a:p>
             <a:pPr marL="342900" indent="-342900">
@@ -15121,8 +16061,7 @@
                   </a:srgbClr>
                 </a:outerShdw>
               </a:effectLst>
-              <a:latin typeface="-윤고딕310" panose="02030504000101010101" pitchFamily="18" charset="-127"/>
-              <a:ea typeface="-윤고딕310" panose="02030504000101010101" pitchFamily="18" charset="-127"/>
+              <a:latin typeface="Continuum Light" panose="00000400000000000000" pitchFamily="2" charset="0"/>
             </a:endParaRPr>
           </a:p>
           <a:p>
@@ -15130,32 +16069,7 @@
               <a:buFont typeface="+mj-lt"/>
               <a:buAutoNum type="arabicPeriod"/>
             </a:pPr>
-            <a:r>
-              <a:rPr lang="en-US" altLang="ko-KR" sz="1600" dirty="0">
-                <a:ln>
-                  <a:solidFill>
-                    <a:schemeClr val="accent1">
-                      <a:alpha val="57000"/>
-                    </a:schemeClr>
-                  </a:solidFill>
-                </a:ln>
-                <a:solidFill>
-                  <a:schemeClr val="bg1"/>
-                </a:solidFill>
-                <a:effectLst>
-                  <a:outerShdw blurRad="38100" dist="38100" dir="2700000" algn="tl">
-                    <a:srgbClr val="000000">
-                      <a:alpha val="43137"/>
-                    </a:srgbClr>
-                  </a:outerShdw>
-                </a:effectLst>
-                <a:latin typeface="-윤고딕310" panose="02030504000101010101" pitchFamily="18" charset="-127"/>
-                <a:ea typeface="-윤고딕310" panose="02030504000101010101" pitchFamily="18" charset="-127"/>
-                <a:hlinkClick r:id="rId3"/>
-              </a:rPr>
-              <a:t>https://www.spriters-resource.com/snes/frontmission/sheet/10673/</a:t>
-            </a:r>
-            <a:endParaRPr lang="en-US" altLang="ko-KR" sz="1600" dirty="0">
+            <a:endParaRPr lang="en-US" altLang="ko-KR" sz="1600" dirty="0" smtClean="0">
               <a:ln>
                 <a:solidFill>
                   <a:schemeClr val="accent1">
@@ -15173,8 +16087,7 @@
                   </a:srgbClr>
                 </a:outerShdw>
               </a:effectLst>
-              <a:latin typeface="-윤고딕310" panose="02030504000101010101" pitchFamily="18" charset="-127"/>
-              <a:ea typeface="-윤고딕310" panose="02030504000101010101" pitchFamily="18" charset="-127"/>
+              <a:latin typeface="Continuum Light" panose="00000400000000000000" pitchFamily="2" charset="0"/>
             </a:endParaRPr>
           </a:p>
           <a:p>
@@ -15182,7 +16095,111 @@
               <a:buFont typeface="+mj-lt"/>
               <a:buAutoNum type="arabicPeriod"/>
             </a:pPr>
-            <a:endParaRPr lang="en-US" altLang="ko-KR" sz="1600" dirty="0">
+            <a:r>
+              <a:rPr lang="en-US" altLang="ko-KR" sz="1600" dirty="0">
+                <a:solidFill>
+                  <a:schemeClr val="bg1"/>
+                </a:solidFill>
+                <a:effectLst>
+                  <a:outerShdw blurRad="38100" dist="38100" dir="2700000" algn="tl">
+                    <a:srgbClr val="000000">
+                      <a:alpha val="43137"/>
+                    </a:srgbClr>
+                  </a:outerShdw>
+                </a:effectLst>
+                <a:latin typeface="Continuum Light" panose="00000400000000000000" pitchFamily="2" charset="0"/>
+                <a:hlinkClick r:id="rId4"/>
+              </a:rPr>
+              <a:t>http://</a:t>
+            </a:r>
+            <a:r>
+              <a:rPr lang="en-US" altLang="ko-KR" sz="1600" dirty="0" smtClean="0">
+                <a:solidFill>
+                  <a:schemeClr val="bg1"/>
+                </a:solidFill>
+                <a:effectLst>
+                  <a:outerShdw blurRad="38100" dist="38100" dir="2700000" algn="tl">
+                    <a:srgbClr val="000000">
+                      <a:alpha val="43137"/>
+                    </a:srgbClr>
+                  </a:outerShdw>
+                </a:effectLst>
+                <a:latin typeface="Continuum Light" panose="00000400000000000000" pitchFamily="2" charset="0"/>
+                <a:hlinkClick r:id="rId4"/>
+              </a:rPr>
+              <a:t>blog.naver.com/hellian/220285366209</a:t>
+            </a:r>
+            <a:r>
+              <a:rPr lang="en-US" altLang="ko-KR" sz="1600" dirty="0" smtClean="0">
+                <a:solidFill>
+                  <a:schemeClr val="bg1"/>
+                </a:solidFill>
+                <a:effectLst>
+                  <a:outerShdw blurRad="38100" dist="38100" dir="2700000" algn="tl">
+                    <a:srgbClr val="000000">
+                      <a:alpha val="43137"/>
+                    </a:srgbClr>
+                  </a:outerShdw>
+                </a:effectLst>
+                <a:latin typeface="Continuum Light" panose="00000400000000000000" pitchFamily="2" charset="0"/>
+              </a:rPr>
+              <a:t> </a:t>
+            </a:r>
+          </a:p>
+          <a:p>
+            <a:pPr marL="342900" indent="-342900">
+              <a:buFont typeface="+mj-lt"/>
+              <a:buAutoNum type="arabicPeriod"/>
+            </a:pPr>
+            <a:r>
+              <a:rPr lang="en-US" altLang="ko-KR" sz="1600" dirty="0">
+                <a:ln>
+                  <a:solidFill>
+                    <a:schemeClr val="accent1">
+                      <a:alpha val="57000"/>
+                    </a:schemeClr>
+                  </a:solidFill>
+                </a:ln>
+                <a:solidFill>
+                  <a:schemeClr val="bg1"/>
+                </a:solidFill>
+                <a:effectLst>
+                  <a:outerShdw blurRad="38100" dist="38100" dir="2700000" algn="tl">
+                    <a:srgbClr val="000000">
+                      <a:alpha val="43137"/>
+                    </a:srgbClr>
+                  </a:outerShdw>
+                </a:effectLst>
+                <a:latin typeface="Continuum Light" panose="00000400000000000000" pitchFamily="2" charset="0"/>
+                <a:hlinkClick r:id="rId5"/>
+              </a:rPr>
+              <a:t>https://www.engadget.com/2014/04/28/transfer-your-pc-mac-saves-to-ftl-ios</a:t>
+            </a:r>
+            <a:r>
+              <a:rPr lang="en-US" altLang="ko-KR" sz="1600" dirty="0" smtClean="0">
+                <a:ln>
+                  <a:solidFill>
+                    <a:schemeClr val="accent1">
+                      <a:alpha val="57000"/>
+                    </a:schemeClr>
+                  </a:solidFill>
+                </a:ln>
+                <a:solidFill>
+                  <a:schemeClr val="bg1"/>
+                </a:solidFill>
+                <a:effectLst>
+                  <a:outerShdw blurRad="38100" dist="38100" dir="2700000" algn="tl">
+                    <a:srgbClr val="000000">
+                      <a:alpha val="43137"/>
+                    </a:srgbClr>
+                  </a:outerShdw>
+                </a:effectLst>
+                <a:latin typeface="Continuum Light" panose="00000400000000000000" pitchFamily="2" charset="0"/>
+                <a:hlinkClick r:id="rId5"/>
+              </a:rPr>
+              <a:t>/</a:t>
+            </a:r>
+            <a:endParaRPr lang="en-US" altLang="ko-KR" sz="1600" dirty="0" smtClean="0">
               <a:ln>
                 <a:solidFill>
                   <a:schemeClr val="accent1">
@@ -15200,8 +16217,7 @@
                   </a:srgbClr>
                 </a:outerShdw>
               </a:effectLst>
-              <a:latin typeface="-윤고딕310" panose="02030504000101010101" pitchFamily="18" charset="-127"/>
-              <a:ea typeface="-윤고딕310" panose="02030504000101010101" pitchFamily="18" charset="-127"/>
+              <a:latin typeface="Continuum Light" panose="00000400000000000000" pitchFamily="2" charset="0"/>
             </a:endParaRPr>
           </a:p>
           <a:p>
@@ -15209,7 +16225,7 @@
               <a:buFont typeface="+mj-lt"/>
               <a:buAutoNum type="arabicPeriod"/>
             </a:pPr>
-            <a:endParaRPr lang="en-US" altLang="ko-KR" sz="1600" dirty="0">
+            <a:endParaRPr lang="en-US" altLang="ko-KR" sz="1600" dirty="0" smtClean="0">
               <a:ln>
                 <a:solidFill>
                   <a:schemeClr val="accent1">
@@ -15227,8 +16243,161 @@
                   </a:srgbClr>
                 </a:outerShdw>
               </a:effectLst>
-              <a:latin typeface="-윤고딕310" panose="02030504000101010101" pitchFamily="18" charset="-127"/>
-              <a:ea typeface="-윤고딕310" panose="02030504000101010101" pitchFamily="18" charset="-127"/>
+              <a:latin typeface="Continuum Light" panose="00000400000000000000" pitchFamily="2" charset="0"/>
+            </a:endParaRPr>
+          </a:p>
+          <a:p>
+            <a:pPr marL="342900" indent="-342900">
+              <a:buFont typeface="+mj-lt"/>
+              <a:buAutoNum type="arabicPeriod"/>
+            </a:pPr>
+            <a:endParaRPr lang="en-US" altLang="ko-KR" sz="1600" dirty="0" smtClean="0">
+              <a:ln>
+                <a:solidFill>
+                  <a:schemeClr val="accent1">
+                    <a:alpha val="57000"/>
+                  </a:schemeClr>
+                </a:solidFill>
+              </a:ln>
+              <a:solidFill>
+                <a:schemeClr val="bg1"/>
+              </a:solidFill>
+              <a:effectLst>
+                <a:outerShdw blurRad="38100" dist="38100" dir="2700000" algn="tl">
+                  <a:srgbClr val="000000">
+                    <a:alpha val="43137"/>
+                  </a:srgbClr>
+                </a:outerShdw>
+              </a:effectLst>
+              <a:latin typeface="Continuum Light" panose="00000400000000000000" pitchFamily="2" charset="0"/>
+            </a:endParaRPr>
+          </a:p>
+          <a:p>
+            <a:pPr marL="342900" indent="-342900">
+              <a:buFont typeface="+mj-lt"/>
+              <a:buAutoNum type="arabicPeriod"/>
+            </a:pPr>
+            <a:endParaRPr lang="en-US" altLang="ko-KR" sz="1600" dirty="0" smtClean="0">
+              <a:ln>
+                <a:solidFill>
+                  <a:schemeClr val="accent1">
+                    <a:alpha val="57000"/>
+                  </a:schemeClr>
+                </a:solidFill>
+              </a:ln>
+              <a:solidFill>
+                <a:schemeClr val="bg1"/>
+              </a:solidFill>
+              <a:effectLst>
+                <a:outerShdw blurRad="38100" dist="38100" dir="2700000" algn="tl">
+                  <a:srgbClr val="000000">
+                    <a:alpha val="43137"/>
+                  </a:srgbClr>
+                </a:outerShdw>
+              </a:effectLst>
+              <a:latin typeface="Continuum Light" panose="00000400000000000000" pitchFamily="2" charset="0"/>
+            </a:endParaRPr>
+          </a:p>
+          <a:p>
+            <a:pPr marL="342900" indent="-342900">
+              <a:buFont typeface="+mj-lt"/>
+              <a:buAutoNum type="arabicPeriod"/>
+            </a:pPr>
+            <a:r>
+              <a:rPr lang="en-US" altLang="ko-KR" sz="1600" dirty="0">
+                <a:ln>
+                  <a:solidFill>
+                    <a:schemeClr val="accent1">
+                      <a:alpha val="57000"/>
+                    </a:schemeClr>
+                  </a:solidFill>
+                </a:ln>
+                <a:solidFill>
+                  <a:schemeClr val="bg1"/>
+                </a:solidFill>
+                <a:effectLst>
+                  <a:outerShdw blurRad="38100" dist="38100" dir="2700000" algn="tl">
+                    <a:srgbClr val="000000">
+                      <a:alpha val="43137"/>
+                    </a:srgbClr>
+                  </a:outerShdw>
+                </a:effectLst>
+                <a:latin typeface="Continuum Light" panose="00000400000000000000" pitchFamily="2" charset="0"/>
+                <a:hlinkClick r:id="rId3"/>
+              </a:rPr>
+              <a:t>https://www.spriters-resource.com/snes/frontmission/sheet/10673/</a:t>
+            </a:r>
+            <a:endParaRPr lang="en-US" altLang="ko-KR" sz="1600" dirty="0">
+              <a:ln>
+                <a:solidFill>
+                  <a:schemeClr val="accent1">
+                    <a:alpha val="57000"/>
+                  </a:schemeClr>
+                </a:solidFill>
+              </a:ln>
+              <a:solidFill>
+                <a:schemeClr val="bg1"/>
+              </a:solidFill>
+              <a:effectLst>
+                <a:outerShdw blurRad="38100" dist="38100" dir="2700000" algn="tl">
+                  <a:srgbClr val="000000">
+                    <a:alpha val="43137"/>
+                  </a:srgbClr>
+                </a:outerShdw>
+              </a:effectLst>
+              <a:latin typeface="Continuum Light" panose="00000400000000000000" pitchFamily="2" charset="0"/>
+            </a:endParaRPr>
+          </a:p>
+          <a:p>
+            <a:pPr marL="342900" indent="-342900">
+              <a:buFont typeface="+mj-lt"/>
+              <a:buAutoNum type="arabicPeriod"/>
+            </a:pPr>
+            <a:endParaRPr lang="en-US" altLang="ko-KR" sz="1600" dirty="0">
+              <a:ln>
+                <a:solidFill>
+                  <a:schemeClr val="accent1">
+                    <a:alpha val="57000"/>
+                  </a:schemeClr>
+                </a:solidFill>
+              </a:ln>
+              <a:solidFill>
+                <a:schemeClr val="bg1"/>
+              </a:solidFill>
+              <a:effectLst>
+                <a:outerShdw blurRad="38100" dist="38100" dir="2700000" algn="tl">
+                  <a:srgbClr val="000000">
+                    <a:alpha val="43137"/>
+                  </a:srgbClr>
+                </a:outerShdw>
+              </a:effectLst>
+              <a:latin typeface="Continuum Light" panose="00000400000000000000" pitchFamily="2" charset="0"/>
+            </a:endParaRPr>
+          </a:p>
+          <a:p>
+            <a:pPr marL="342900" indent="-342900">
+              <a:buFont typeface="+mj-lt"/>
+              <a:buAutoNum type="arabicPeriod"/>
+            </a:pPr>
+            <a:endParaRPr lang="en-US" altLang="ko-KR" sz="1600" dirty="0">
+              <a:ln>
+                <a:solidFill>
+                  <a:schemeClr val="accent1">
+                    <a:alpha val="57000"/>
+                  </a:schemeClr>
+                </a:solidFill>
+              </a:ln>
+              <a:solidFill>
+                <a:schemeClr val="bg1"/>
+              </a:solidFill>
+              <a:effectLst>
+                <a:outerShdw blurRad="38100" dist="38100" dir="2700000" algn="tl">
+                  <a:srgbClr val="000000">
+                    <a:alpha val="43137"/>
+                  </a:srgbClr>
+                </a:outerShdw>
+              </a:effectLst>
+              <a:latin typeface="Continuum Light" panose="00000400000000000000" pitchFamily="2" charset="0"/>
             </a:endParaRPr>
           </a:p>
         </p:txBody>
@@ -15652,7 +16821,7 @@
 </p:sld>
 </file>
 
-<file path=ppt/slides/slide17.xml><?xml version="1.0" encoding="utf-8"?>
+<file path=ppt/slides/slide18.xml><?xml version="1.0" encoding="utf-8"?>
 <p:sld xmlns:a="http://schemas.openxmlformats.org/drawingml/2006/main" xmlns:r="http://schemas.openxmlformats.org/officeDocument/2006/relationships" xmlns:p="http://schemas.openxmlformats.org/presentationml/2006/main">
   <p:cSld>
     <p:spTree>
@@ -20931,7 +22100,7 @@
                 <a:latin typeface="-윤고딕310" panose="02030504000101010101" pitchFamily="18" charset="-127"/>
                 <a:ea typeface="-윤고딕310" panose="02030504000101010101" pitchFamily="18" charset="-127"/>
               </a:rPr>
-              <a:t>수많은 외계 종족들도 비슷한 처지에 있다</a:t>
+              <a:t>수많은 외계 종족들도 비슷한 연유로 빈곤한 처지에 있다</a:t>
             </a:r>
             <a:r>
               <a:rPr lang="en-US" altLang="ko-KR" sz="3000" dirty="0" smtClean="0">
@@ -20965,7 +22134,7 @@
                 <a:latin typeface="-윤고딕310" panose="02030504000101010101" pitchFamily="18" charset="-127"/>
                 <a:ea typeface="-윤고딕310" panose="02030504000101010101" pitchFamily="18" charset="-127"/>
               </a:rPr>
-              <a:t>특이점이 올 줄 알았으나 우주의 물질의 수요와 한정된 공급은 기술의 이기로도 극복하지 못했다</a:t>
+              <a:t>그럼에도 커뮤니케이션의 부재는 화합하는 우주의 실현을 막고 있다</a:t>
             </a:r>
             <a:r>
               <a:rPr lang="en-US" altLang="ko-KR" sz="3000" dirty="0" smtClean="0">
@@ -20986,6 +22155,10 @@
             </a:r>
           </a:p>
           <a:p>
+            <a:pPr marL="457200" indent="-457200">
+              <a:buFont typeface="Arial" panose="020B0604020202020204" pitchFamily="34" charset="0"/>
+              <a:buChar char="•"/>
+            </a:pPr>
             <a:endParaRPr lang="en-US" altLang="ko-KR" sz="3000" dirty="0" smtClean="0">
               <a:solidFill>
                 <a:schemeClr val="bg1"/>
@@ -21024,21 +22197,21 @@
               <a:t>플레이어는 자산을 탈탈 털어서</a:t>
             </a:r>
             <a:r>
-              <a:rPr lang="en-US" altLang="ko-KR" sz="3000" dirty="0" smtClean="0">
-                <a:solidFill>
-                  <a:schemeClr val="bg1"/>
-                </a:solidFill>
-                <a:effectLst>
-                  <a:outerShdw blurRad="38100" dist="38100" dir="2700000" algn="tl">
-                    <a:srgbClr val="000000">
-                      <a:alpha val="43137"/>
-                    </a:srgbClr>
-                  </a:outerShdw>
-                </a:effectLst>
-                <a:latin typeface="-윤고딕310" panose="02030504000101010101" pitchFamily="18" charset="-127"/>
-                <a:ea typeface="-윤고딕310" panose="02030504000101010101" pitchFamily="18" charset="-127"/>
-              </a:rPr>
-              <a:t>,</a:t>
+              <a:rPr lang="en-US" altLang="ko-KR" sz="3000" dirty="0">
+                <a:solidFill>
+                  <a:schemeClr val="bg1"/>
+                </a:solidFill>
+                <a:effectLst>
+                  <a:outerShdw blurRad="38100" dist="38100" dir="2700000" algn="tl">
+                    <a:srgbClr val="000000">
+                      <a:alpha val="43137"/>
+                    </a:srgbClr>
+                  </a:outerShdw>
+                </a:effectLst>
+                <a:latin typeface="-윤고딕310" panose="02030504000101010101" pitchFamily="18" charset="-127"/>
+                <a:ea typeface="-윤고딕310" panose="02030504000101010101" pitchFamily="18" charset="-127"/>
+              </a:rPr>
+              <a:t> </a:t>
             </a:r>
             <a:r>
               <a:rPr lang="ko-KR" altLang="en-US" sz="3000" dirty="0" smtClean="0">
@@ -21055,7 +22228,7 @@
                 <a:latin typeface="-윤고딕310" panose="02030504000101010101" pitchFamily="18" charset="-127"/>
                 <a:ea typeface="-윤고딕310" panose="02030504000101010101" pitchFamily="18" charset="-127"/>
               </a:rPr>
-              <a:t> 한탕 하겠다는 나름대로의 인원을 모아 끝이 안 보이는</a:t>
+              <a:t>나름대로의 인원을 모아 끝이 안 보이는</a:t>
             </a:r>
             <a:r>
               <a:rPr lang="en-US" altLang="ko-KR" sz="3000" dirty="0" smtClean="0">
@@ -22667,7 +23840,7 @@
           <p:nvPr>
             <p:extLst>
               <p:ext uri="{D42A27DB-BD31-4B8C-83A1-F6EECF244321}">
-                <p14:modId xmlns:p14="http://schemas.microsoft.com/office/powerpoint/2010/main" val="736727004"/>
+                <p14:modId xmlns:p14="http://schemas.microsoft.com/office/powerpoint/2010/main" val="1789184890"/>
               </p:ext>
             </p:extLst>
           </p:nvPr>
@@ -23042,7 +24215,7 @@
         <p:spPr>
           <a:xfrm>
             <a:off x="117687" y="1363131"/>
-            <a:ext cx="11617113" cy="553998"/>
+            <a:ext cx="11617113" cy="707886"/>
           </a:xfrm>
           <a:prstGeom prst="rect">
             <a:avLst/>
@@ -23060,7 +24233,7 @@
               <a:buChar char="•"/>
             </a:pPr>
             <a:r>
-              <a:rPr lang="en-US" altLang="ko-KR" sz="3000" dirty="0" smtClean="0">
+              <a:rPr lang="en-US" altLang="ko-KR" sz="2000" dirty="0">
                 <a:solidFill>
                   <a:schemeClr val="bg1"/>
                 </a:solidFill>
@@ -23077,24 +24250,75 @@
               <a:t>FTL </a:t>
             </a:r>
             <a:r>
-              <a:rPr lang="ko-KR" altLang="en-US" sz="3000" dirty="0" smtClean="0">
-                <a:solidFill>
-                  <a:schemeClr val="bg1"/>
-                </a:solidFill>
-                <a:effectLst>
-                  <a:outerShdw blurRad="38100" dist="38100" dir="2700000" algn="tl">
-                    <a:srgbClr val="000000">
-                      <a:alpha val="43137"/>
-                    </a:srgbClr>
-                  </a:outerShdw>
-                </a:effectLst>
-                <a:latin typeface="-윤고딕310" panose="02030504000101010101" pitchFamily="18" charset="-127"/>
-                <a:ea typeface="-윤고딕310" panose="02030504000101010101" pitchFamily="18" charset="-127"/>
-              </a:rPr>
-              <a:t>과 로그라이크 장르의 게임에서 많은 영감</a:t>
-            </a:r>
-            <a:r>
-              <a:rPr lang="en-US" altLang="ko-KR" sz="3000" dirty="0" smtClean="0">
+              <a:rPr lang="ko-KR" altLang="en-US" sz="2000" dirty="0">
+                <a:solidFill>
+                  <a:schemeClr val="bg1"/>
+                </a:solidFill>
+                <a:effectLst>
+                  <a:outerShdw blurRad="38100" dist="38100" dir="2700000" algn="tl">
+                    <a:srgbClr val="000000">
+                      <a:alpha val="43137"/>
+                    </a:srgbClr>
+                  </a:outerShdw>
+                </a:effectLst>
+                <a:latin typeface="-윤고딕310" panose="02030504000101010101" pitchFamily="18" charset="-127"/>
+                <a:ea typeface="-윤고딕310" panose="02030504000101010101" pitchFamily="18" charset="-127"/>
+              </a:rPr>
+              <a:t>과</a:t>
+            </a:r>
+            <a:r>
+              <a:rPr lang="en-US" altLang="ko-KR" sz="2000" dirty="0">
+                <a:solidFill>
+                  <a:schemeClr val="bg1"/>
+                </a:solidFill>
+                <a:effectLst>
+                  <a:outerShdw blurRad="38100" dist="38100" dir="2700000" algn="tl">
+                    <a:srgbClr val="000000">
+                      <a:alpha val="43137"/>
+                    </a:srgbClr>
+                  </a:outerShdw>
+                </a:effectLst>
+                <a:latin typeface="-윤고딕310" panose="02030504000101010101" pitchFamily="18" charset="-127"/>
+                <a:ea typeface="-윤고딕310" panose="02030504000101010101" pitchFamily="18" charset="-127"/>
+              </a:rPr>
+              <a:t> </a:t>
+            </a:r>
+            <a:r>
+              <a:rPr lang="ko-KR" altLang="en-US" sz="2000" dirty="0">
+                <a:solidFill>
+                  <a:schemeClr val="bg1"/>
+                </a:solidFill>
+                <a:effectLst>
+                  <a:outerShdw blurRad="38100" dist="38100" dir="2700000" algn="tl">
+                    <a:srgbClr val="000000">
+                      <a:alpha val="43137"/>
+                    </a:srgbClr>
+                  </a:outerShdw>
+                </a:effectLst>
+                <a:latin typeface="-윤고딕310" panose="02030504000101010101" pitchFamily="18" charset="-127"/>
+                <a:ea typeface="-윤고딕310" panose="02030504000101010101" pitchFamily="18" charset="-127"/>
+              </a:rPr>
+              <a:t>스타바운드에서 많은 </a:t>
+            </a:r>
+            <a:r>
+              <a:rPr lang="ko-KR" altLang="en-US" sz="2000" dirty="0" smtClean="0">
+                <a:solidFill>
+                  <a:schemeClr val="bg1"/>
+                </a:solidFill>
+                <a:effectLst>
+                  <a:outerShdw blurRad="38100" dist="38100" dir="2700000" algn="tl">
+                    <a:srgbClr val="000000">
+                      <a:alpha val="43137"/>
+                    </a:srgbClr>
+                  </a:outerShdw>
+                </a:effectLst>
+                <a:latin typeface="-윤고딕310" panose="02030504000101010101" pitchFamily="18" charset="-127"/>
+                <a:ea typeface="-윤고딕310" panose="02030504000101010101" pitchFamily="18" charset="-127"/>
+              </a:rPr>
+              <a:t>영향</a:t>
+            </a:r>
+            <a:r>
+              <a:rPr lang="en-US" altLang="ko-KR" sz="2000" dirty="0" smtClean="0">
                 <a:solidFill>
                   <a:schemeClr val="bg1"/>
                 </a:solidFill>
@@ -23110,7 +24334,81 @@
               </a:rPr>
               <a:t>.</a:t>
             </a:r>
-            <a:endParaRPr lang="en-US" altLang="ko-KR" sz="3000" dirty="0">
+          </a:p>
+          <a:p>
+            <a:pPr marL="457200" indent="-457200">
+              <a:buFont typeface="Arial" panose="020B0604020202020204" pitchFamily="34" charset="0"/>
+              <a:buChar char="•"/>
+            </a:pPr>
+            <a:r>
+              <a:rPr lang="ko-KR" altLang="en-US" sz="2000" dirty="0" smtClean="0">
+                <a:solidFill>
+                  <a:schemeClr val="bg1"/>
+                </a:solidFill>
+                <a:effectLst>
+                  <a:outerShdw blurRad="38100" dist="38100" dir="2700000" algn="tl">
+                    <a:srgbClr val="000000">
+                      <a:alpha val="43137"/>
+                    </a:srgbClr>
+                  </a:outerShdw>
+                </a:effectLst>
+                <a:latin typeface="-윤고딕310" panose="02030504000101010101" pitchFamily="18" charset="-127"/>
+                <a:ea typeface="-윤고딕310" panose="02030504000101010101" pitchFamily="18" charset="-127"/>
+              </a:rPr>
+              <a:t>그래픽 인터페이스와 전체적 방식은 </a:t>
+            </a:r>
+            <a:r>
+              <a:rPr lang="en-US" altLang="ko-KR" sz="2000" dirty="0" smtClean="0">
+                <a:solidFill>
+                  <a:schemeClr val="bg1"/>
+                </a:solidFill>
+                <a:effectLst>
+                  <a:outerShdw blurRad="38100" dist="38100" dir="2700000" algn="tl">
+                    <a:srgbClr val="000000">
+                      <a:alpha val="43137"/>
+                    </a:srgbClr>
+                  </a:outerShdw>
+                </a:effectLst>
+                <a:latin typeface="-윤고딕310" panose="02030504000101010101" pitchFamily="18" charset="-127"/>
+                <a:ea typeface="-윤고딕310" panose="02030504000101010101" pitchFamily="18" charset="-127"/>
+              </a:rPr>
+              <a:t>FTL </a:t>
+            </a:r>
+            <a:r>
+              <a:rPr lang="ko-KR" altLang="en-US" sz="2000" dirty="0" smtClean="0">
+                <a:solidFill>
+                  <a:schemeClr val="bg1"/>
+                </a:solidFill>
+                <a:effectLst>
+                  <a:outerShdw blurRad="38100" dist="38100" dir="2700000" algn="tl">
+                    <a:srgbClr val="000000">
+                      <a:alpha val="43137"/>
+                    </a:srgbClr>
+                  </a:outerShdw>
+                </a:effectLst>
+                <a:latin typeface="-윤고딕310" panose="02030504000101010101" pitchFamily="18" charset="-127"/>
+                <a:ea typeface="-윤고딕310" panose="02030504000101010101" pitchFamily="18" charset="-127"/>
+              </a:rPr>
+              <a:t>의 것을 따라간다</a:t>
+            </a:r>
+            <a:r>
+              <a:rPr lang="en-US" altLang="ko-KR" sz="2000" dirty="0" smtClean="0">
+                <a:solidFill>
+                  <a:schemeClr val="bg1"/>
+                </a:solidFill>
+                <a:effectLst>
+                  <a:outerShdw blurRad="38100" dist="38100" dir="2700000" algn="tl">
+                    <a:srgbClr val="000000">
+                      <a:alpha val="43137"/>
+                    </a:srgbClr>
+                  </a:outerShdw>
+                </a:effectLst>
+                <a:latin typeface="-윤고딕310" panose="02030504000101010101" pitchFamily="18" charset="-127"/>
+                <a:ea typeface="-윤고딕310" panose="02030504000101010101" pitchFamily="18" charset="-127"/>
+              </a:rPr>
+              <a:t>.</a:t>
+            </a:r>
+            <a:endParaRPr lang="en-US" altLang="ko-KR" sz="2000" dirty="0">
               <a:solidFill>
                 <a:schemeClr val="bg1"/>
               </a:solidFill>
@@ -23635,10 +24933,189 @@
           </a:p>
         </p:txBody>
       </p:sp>
+      <p:sp>
+        <p:nvSpPr>
+          <p:cNvPr id="28" name="TextBox 27"/>
+          <p:cNvSpPr txBox="1"/>
+          <p:nvPr/>
+        </p:nvSpPr>
+        <p:spPr>
+          <a:xfrm>
+            <a:off x="4152900" y="5972175"/>
+            <a:ext cx="3886200" cy="369332"/>
+          </a:xfrm>
+          <a:prstGeom prst="rect">
+            <a:avLst/>
+          </a:prstGeom>
+          <a:noFill/>
+        </p:spPr>
+        <p:txBody>
+          <a:bodyPr wrap="square" rtlCol="0" anchor="ctr">
+            <a:spAutoFit/>
+          </a:bodyPr>
+          <a:lstStyle/>
+          <a:p>
+            <a:pPr algn="ctr"/>
+            <a:r>
+              <a:rPr lang="ko-KR" altLang="en-US" dirty="0" smtClean="0">
+                <a:solidFill>
+                  <a:schemeClr val="bg1"/>
+                </a:solidFill>
+                <a:effectLst>
+                  <a:outerShdw blurRad="38100" dist="38100" dir="2700000" algn="tl">
+                    <a:srgbClr val="000000">
+                      <a:alpha val="43137"/>
+                    </a:srgbClr>
+                  </a:outerShdw>
+                </a:effectLst>
+                <a:latin typeface="+mn-ea"/>
+              </a:rPr>
+              <a:t>예시</a:t>
+            </a:r>
+            <a:r>
+              <a:rPr lang="en-US" altLang="ko-KR" dirty="0" smtClean="0">
+                <a:solidFill>
+                  <a:schemeClr val="bg1"/>
+                </a:solidFill>
+                <a:effectLst>
+                  <a:outerShdw blurRad="38100" dist="38100" dir="2700000" algn="tl">
+                    <a:srgbClr val="000000">
+                      <a:alpha val="43137"/>
+                    </a:srgbClr>
+                  </a:outerShdw>
+                </a:effectLst>
+                <a:latin typeface="+mn-ea"/>
+              </a:rPr>
+              <a:t>: FTL</a:t>
+            </a:r>
+            <a:r>
+              <a:rPr lang="ko-KR" altLang="en-US" dirty="0" smtClean="0">
+                <a:solidFill>
+                  <a:schemeClr val="bg1"/>
+                </a:solidFill>
+                <a:effectLst>
+                  <a:outerShdw blurRad="38100" dist="38100" dir="2700000" algn="tl">
+                    <a:srgbClr val="000000">
+                      <a:alpha val="43137"/>
+                    </a:srgbClr>
+                  </a:outerShdw>
+                </a:effectLst>
+                <a:latin typeface="+mn-ea"/>
+              </a:rPr>
+              <a:t>의 전투 사진</a:t>
+            </a:r>
+            <a:endParaRPr lang="ko-KR" altLang="en-US" dirty="0">
+              <a:solidFill>
+                <a:schemeClr val="bg1"/>
+              </a:solidFill>
+              <a:effectLst>
+                <a:outerShdw blurRad="38100" dist="38100" dir="2700000" algn="tl">
+                  <a:srgbClr val="000000">
+                    <a:alpha val="43137"/>
+                  </a:srgbClr>
+                </a:outerShdw>
+              </a:effectLst>
+              <a:latin typeface="+mn-ea"/>
+            </a:endParaRPr>
+          </a:p>
+        </p:txBody>
+      </p:sp>
+      <p:pic>
+        <p:nvPicPr>
+          <p:cNvPr id="5" name="그림 4"/>
+          <p:cNvPicPr>
+            <a:picLocks noChangeAspect="1"/>
+          </p:cNvPicPr>
+          <p:nvPr/>
+        </p:nvPicPr>
+        <p:blipFill>
+          <a:blip r:embed="rId3">
+            <a:extLst>
+              <a:ext uri="{28A0092B-C50C-407E-A947-70E740481C1C}">
+                <a14:useLocalDpi xmlns:a14="http://schemas.microsoft.com/office/drawing/2010/main" val="0"/>
+              </a:ext>
+            </a:extLst>
+          </a:blip>
+          <a:stretch>
+            <a:fillRect/>
+          </a:stretch>
+        </p:blipFill>
+        <p:spPr>
+          <a:xfrm>
+            <a:off x="3171825" y="2495550"/>
+            <a:ext cx="5848350" cy="3476625"/>
+          </a:xfrm>
+          <a:prstGeom prst="rect">
+            <a:avLst/>
+          </a:prstGeom>
+        </p:spPr>
+      </p:pic>
+      <p:sp>
+        <p:nvSpPr>
+          <p:cNvPr id="29" name="TextBox 28"/>
+          <p:cNvSpPr txBox="1"/>
+          <p:nvPr/>
+        </p:nvSpPr>
+        <p:spPr>
+          <a:xfrm>
+            <a:off x="6265416" y="2128357"/>
+            <a:ext cx="4069209" cy="369332"/>
+          </a:xfrm>
+          <a:prstGeom prst="rect">
+            <a:avLst/>
+          </a:prstGeom>
+          <a:noFill/>
+        </p:spPr>
+        <p:txBody>
+          <a:bodyPr wrap="square" rtlCol="0">
+            <a:spAutoFit/>
+          </a:bodyPr>
+          <a:lstStyle/>
+          <a:p>
+            <a:r>
+              <a:rPr lang="en-US" altLang="ko-KR" dirty="0" smtClean="0">
+                <a:solidFill>
+                  <a:schemeClr val="bg1"/>
+                </a:solidFill>
+              </a:rPr>
+              <a:t>(</a:t>
+            </a:r>
+            <a:r>
+              <a:rPr lang="ko-KR" altLang="en-US" dirty="0" smtClean="0">
+                <a:solidFill>
+                  <a:schemeClr val="bg1"/>
+                </a:solidFill>
+              </a:rPr>
+              <a:t>분리된</a:t>
+            </a:r>
+            <a:r>
+              <a:rPr lang="en-US" altLang="ko-KR" dirty="0" smtClean="0">
+                <a:solidFill>
+                  <a:schemeClr val="bg1"/>
+                </a:solidFill>
+              </a:rPr>
+              <a:t>) </a:t>
+            </a:r>
+            <a:r>
+              <a:rPr lang="ko-KR" altLang="en-US" dirty="0" smtClean="0">
+                <a:solidFill>
+                  <a:schemeClr val="bg1"/>
+                </a:solidFill>
+              </a:rPr>
+              <a:t>전지적 시점에서 게임이 진행</a:t>
+            </a:r>
+            <a:endParaRPr lang="ko-KR" altLang="en-US" dirty="0">
+              <a:solidFill>
+                <a:schemeClr val="bg1"/>
+              </a:solidFill>
+            </a:endParaRPr>
+          </a:p>
+        </p:txBody>
+      </p:sp>
     </p:spTree>
     <p:extLst>
       <p:ext uri="{BB962C8B-B14F-4D97-AF65-F5344CB8AC3E}">
-        <p14:creationId xmlns:p14="http://schemas.microsoft.com/office/powerpoint/2010/main" val="567477829"/>
+        <p14:creationId xmlns:p14="http://schemas.microsoft.com/office/powerpoint/2010/main" val="3370512736"/>
       </p:ext>
     </p:extLst>
   </p:cSld>
@@ -23689,13 +25166,13 @@
           <a:noFill/>
         </p:spPr>
         <p:txBody>
-          <a:bodyPr wrap="square" rtlCol="0">
+          <a:bodyPr wrap="square" rtlCol="0" anchor="ctr">
             <a:spAutoFit/>
           </a:bodyPr>
           <a:lstStyle/>
           <a:p>
             <a:r>
-              <a:rPr lang="en-US" altLang="ko-KR" sz="2800" dirty="0">
+              <a:rPr lang="en-US" altLang="ko-KR" sz="2800" dirty="0" smtClean="0">
                 <a:solidFill>
                   <a:schemeClr val="bg1"/>
                 </a:solidFill>
@@ -23709,10 +25186,10 @@
                 <a:latin typeface="-윤고딕320" panose="02030504000101010101" pitchFamily="18" charset="-127"/>
                 <a:ea typeface="-윤고딕320" panose="02030504000101010101" pitchFamily="18" charset="-127"/>
               </a:rPr>
-              <a:t> </a:t>
-            </a:r>
-            <a:r>
-              <a:rPr lang="en-US" altLang="ko-KR" sz="2800" dirty="0" smtClean="0">
+              <a:t>  </a:t>
+            </a:r>
+            <a:r>
+              <a:rPr lang="ko-KR" altLang="en-US" sz="2800" dirty="0" smtClean="0">
                 <a:solidFill>
                   <a:schemeClr val="bg1"/>
                 </a:solidFill>
@@ -23726,7 +25203,7 @@
                 <a:latin typeface="-윤고딕320" panose="02030504000101010101" pitchFamily="18" charset="-127"/>
                 <a:ea typeface="-윤고딕320" panose="02030504000101010101" pitchFamily="18" charset="-127"/>
               </a:rPr>
-              <a:t> </a:t>
+              <a:t>게임 </a:t>
             </a:r>
             <a:r>
               <a:rPr lang="ko-KR" altLang="en-US" sz="2800" dirty="0" smtClean="0">
@@ -23743,10 +25220,10 @@
                 <a:latin typeface="-윤고딕320" panose="02030504000101010101" pitchFamily="18" charset="-127"/>
                 <a:ea typeface="-윤고딕320" panose="02030504000101010101" pitchFamily="18" charset="-127"/>
               </a:rPr>
-              <a:t>게임 </a:t>
-            </a:r>
-            <a:r>
-              <a:rPr lang="ko-KR" altLang="en-US" sz="2800" dirty="0" smtClean="0">
+              <a:t>소개 </a:t>
+            </a:r>
+            <a:r>
+              <a:rPr lang="en-US" altLang="ko-KR" sz="2800" dirty="0" smtClean="0">
                 <a:solidFill>
                   <a:schemeClr val="bg1"/>
                 </a:solidFill>
@@ -23760,10 +25237,10 @@
                 <a:latin typeface="-윤고딕320" panose="02030504000101010101" pitchFamily="18" charset="-127"/>
                 <a:ea typeface="-윤고딕320" panose="02030504000101010101" pitchFamily="18" charset="-127"/>
               </a:rPr>
-              <a:t>소개 </a:t>
-            </a:r>
-            <a:r>
-              <a:rPr lang="en-US" altLang="ko-KR" sz="2800" dirty="0" smtClean="0">
+              <a:t>– </a:t>
+            </a:r>
+            <a:r>
+              <a:rPr lang="ko-KR" altLang="en-US" sz="2800" dirty="0" smtClean="0">
                 <a:solidFill>
                   <a:schemeClr val="bg1"/>
                 </a:solidFill>
@@ -23777,24 +25254,7 @@
                 <a:latin typeface="-윤고딕320" panose="02030504000101010101" pitchFamily="18" charset="-127"/>
                 <a:ea typeface="-윤고딕320" panose="02030504000101010101" pitchFamily="18" charset="-127"/>
               </a:rPr>
-              <a:t>– </a:t>
-            </a:r>
-            <a:r>
-              <a:rPr lang="ko-KR" altLang="en-US" sz="2800" dirty="0" smtClean="0">
-                <a:solidFill>
-                  <a:schemeClr val="bg1"/>
-                </a:solidFill>
-                <a:effectLst>
-                  <a:outerShdw blurRad="38100" dist="38100" dir="2700000" algn="tl">
-                    <a:srgbClr val="000000">
-                      <a:alpha val="43137"/>
-                    </a:srgbClr>
-                  </a:outerShdw>
-                </a:effectLst>
-                <a:latin typeface="-윤고딕320" panose="02030504000101010101" pitchFamily="18" charset="-127"/>
-                <a:ea typeface="-윤고딕320" panose="02030504000101010101" pitchFamily="18" charset="-127"/>
-              </a:rPr>
-              <a:t>진행 및 조작</a:t>
+              <a:t>기본 시스템</a:t>
             </a:r>
             <a:endParaRPr lang="ko-KR" altLang="en-US" sz="2800" dirty="0">
               <a:solidFill>
@@ -23945,6 +25405,66 @@
       </p:cxnSp>
       <p:sp>
         <p:nvSpPr>
+          <p:cNvPr id="7" name="TextBox 6"/>
+          <p:cNvSpPr txBox="1"/>
+          <p:nvPr/>
+        </p:nvSpPr>
+        <p:spPr>
+          <a:xfrm>
+            <a:off x="117687" y="1363131"/>
+            <a:ext cx="11617113" cy="400110"/>
+          </a:xfrm>
+          <a:prstGeom prst="rect">
+            <a:avLst/>
+          </a:prstGeom>
+          <a:noFill/>
+        </p:spPr>
+        <p:txBody>
+          <a:bodyPr wrap="square" rtlCol="0" anchor="t">
+            <a:spAutoFit/>
+          </a:bodyPr>
+          <a:lstStyle/>
+          <a:p>
+            <a:pPr marL="457200" indent="-457200">
+              <a:buFont typeface="Arial" panose="020B0604020202020204" pitchFamily="34" charset="0"/>
+              <a:buChar char="•"/>
+            </a:pPr>
+            <a:r>
+              <a:rPr lang="ko-KR" altLang="en-US" sz="2000" dirty="0" smtClean="0">
+                <a:solidFill>
+                  <a:schemeClr val="bg1"/>
+                </a:solidFill>
+                <a:effectLst>
+                  <a:outerShdw blurRad="38100" dist="38100" dir="2700000" algn="tl">
+                    <a:srgbClr val="000000">
+                      <a:alpha val="43137"/>
+                    </a:srgbClr>
+                  </a:outerShdw>
+                </a:effectLst>
+                <a:latin typeface="-윤고딕310" panose="02030504000101010101" pitchFamily="18" charset="-127"/>
+                <a:ea typeface="-윤고딕310" panose="02030504000101010101" pitchFamily="18" charset="-127"/>
+              </a:rPr>
+              <a:t>그러나 시점과 </a:t>
+            </a:r>
+            <a:endParaRPr lang="en-US" altLang="ko-KR" sz="2000" dirty="0">
+              <a:solidFill>
+                <a:schemeClr val="bg1"/>
+              </a:solidFill>
+              <a:effectLst>
+                <a:outerShdw blurRad="38100" dist="38100" dir="2700000" algn="tl">
+                  <a:srgbClr val="000000">
+                    <a:alpha val="43137"/>
+                  </a:srgbClr>
+                </a:outerShdw>
+              </a:effectLst>
+              <a:latin typeface="-윤고딕310" panose="02030504000101010101" pitchFamily="18" charset="-127"/>
+              <a:ea typeface="-윤고딕310" panose="02030504000101010101" pitchFamily="18" charset="-127"/>
+            </a:endParaRPr>
+          </a:p>
+        </p:txBody>
+      </p:sp>
+      <p:sp>
+        <p:nvSpPr>
           <p:cNvPr id="10" name="TextBox 9"/>
           <p:cNvSpPr txBox="1"/>
           <p:nvPr/>
@@ -24155,77 +25675,6 @@
                   <a:schemeClr val="bg1"/>
                 </a:solidFill>
                 <a:effectLst>
-                  <a:outerShdw blurRad="38100" dist="38100" dir="2700000" algn="tl">
-                    <a:srgbClr val="000000">
-                      <a:alpha val="43137"/>
-                    </a:srgbClr>
-                  </a:outerShdw>
-                </a:effectLst>
-                <a:latin typeface="-윤고딕310" panose="02030504000101010101" pitchFamily="18" charset="-127"/>
-                <a:ea typeface="-윤고딕310" panose="02030504000101010101" pitchFamily="18" charset="-127"/>
-              </a:rPr>
-              <a:t>게임 소개 </a:t>
-            </a:r>
-            <a:r>
-              <a:rPr lang="en-US" altLang="ko-KR" sz="1400" dirty="0" smtClean="0">
-                <a:solidFill>
-                  <a:schemeClr val="bg1"/>
-                </a:solidFill>
-                <a:effectLst>
-                  <a:outerShdw blurRad="38100" dist="38100" dir="2700000" algn="tl">
-                    <a:srgbClr val="000000">
-                      <a:alpha val="43137"/>
-                    </a:srgbClr>
-                  </a:outerShdw>
-                </a:effectLst>
-                <a:latin typeface="-윤고딕310" panose="02030504000101010101" pitchFamily="18" charset="-127"/>
-                <a:ea typeface="-윤고딕310" panose="02030504000101010101" pitchFamily="18" charset="-127"/>
-              </a:rPr>
-              <a:t>(</a:t>
-            </a:r>
-            <a:r>
-              <a:rPr lang="ko-KR" altLang="en-US" sz="1400" dirty="0" smtClean="0">
-                <a:solidFill>
-                  <a:schemeClr val="bg1"/>
-                </a:solidFill>
-                <a:effectLst>
-                  <a:outerShdw blurRad="38100" dist="38100" dir="2700000" algn="tl">
-                    <a:srgbClr val="000000">
-                      <a:alpha val="43137"/>
-                    </a:srgbClr>
-                  </a:outerShdw>
-                </a:effectLst>
-                <a:latin typeface="-윤고딕310" panose="02030504000101010101" pitchFamily="18" charset="-127"/>
-                <a:ea typeface="-윤고딕310" panose="02030504000101010101" pitchFamily="18" charset="-127"/>
-              </a:rPr>
-              <a:t>기본 시스템</a:t>
-            </a:r>
-            <a:r>
-              <a:rPr lang="en-US" altLang="ko-KR" sz="1400" dirty="0" smtClean="0">
-                <a:solidFill>
-                  <a:schemeClr val="bg1"/>
-                </a:solidFill>
-                <a:effectLst>
-                  <a:outerShdw blurRad="38100" dist="38100" dir="2700000" algn="tl">
-                    <a:srgbClr val="000000">
-                      <a:alpha val="43137"/>
-                    </a:srgbClr>
-                  </a:outerShdw>
-                </a:effectLst>
-                <a:latin typeface="-윤고딕310" panose="02030504000101010101" pitchFamily="18" charset="-127"/>
-                <a:ea typeface="-윤고딕310" panose="02030504000101010101" pitchFamily="18" charset="-127"/>
-              </a:rPr>
-              <a:t>)</a:t>
-            </a:r>
-          </a:p>
-          <a:p>
-            <a:pPr algn="ctr"/>
-            <a:r>
-              <a:rPr lang="ko-KR" altLang="en-US" sz="1400" dirty="0">
-                <a:solidFill>
-                  <a:schemeClr val="bg1"/>
-                </a:solidFill>
-                <a:effectLst>
                   <a:glow rad="101600">
                     <a:schemeClr val="accent2">
                       <a:satMod val="175000"/>
@@ -24241,10 +25690,10 @@
                 <a:latin typeface="-윤고딕310" panose="02030504000101010101" pitchFamily="18" charset="-127"/>
                 <a:ea typeface="-윤고딕310" panose="02030504000101010101" pitchFamily="18" charset="-127"/>
               </a:rPr>
-              <a:t>게임 </a:t>
-            </a:r>
-            <a:r>
-              <a:rPr lang="ko-KR" altLang="en-US" sz="1400" dirty="0" smtClean="0">
+              <a:t>게임 소개 </a:t>
+            </a:r>
+            <a:r>
+              <a:rPr lang="en-US" altLang="ko-KR" sz="1400" dirty="0" smtClean="0">
                 <a:solidFill>
                   <a:schemeClr val="bg1"/>
                 </a:solidFill>
@@ -24264,10 +25713,10 @@
                 <a:latin typeface="-윤고딕310" panose="02030504000101010101" pitchFamily="18" charset="-127"/>
                 <a:ea typeface="-윤고딕310" panose="02030504000101010101" pitchFamily="18" charset="-127"/>
               </a:rPr>
-              <a:t>소개</a:t>
-            </a:r>
-            <a:r>
-              <a:rPr lang="ko-KR" altLang="en-US" sz="1400" dirty="0">
+              <a:t>(</a:t>
+            </a:r>
+            <a:r>
+              <a:rPr lang="ko-KR" altLang="en-US" sz="1400" dirty="0" smtClean="0">
                 <a:solidFill>
                   <a:schemeClr val="bg1"/>
                 </a:solidFill>
@@ -24287,7 +25736,7 @@
                 <a:latin typeface="-윤고딕310" panose="02030504000101010101" pitchFamily="18" charset="-127"/>
                 <a:ea typeface="-윤고딕310" panose="02030504000101010101" pitchFamily="18" charset="-127"/>
               </a:rPr>
-              <a:t> </a:t>
+              <a:t>기본 시스템</a:t>
             </a:r>
             <a:r>
               <a:rPr lang="en-US" altLang="ko-KR" sz="1400" dirty="0" smtClean="0">
@@ -24310,6 +25759,77 @@
                 <a:latin typeface="-윤고딕310" panose="02030504000101010101" pitchFamily="18" charset="-127"/>
                 <a:ea typeface="-윤고딕310" panose="02030504000101010101" pitchFamily="18" charset="-127"/>
               </a:rPr>
+              <a:t>)</a:t>
+            </a:r>
+          </a:p>
+          <a:p>
+            <a:pPr algn="ctr"/>
+            <a:r>
+              <a:rPr lang="ko-KR" altLang="en-US" sz="1400" dirty="0">
+                <a:solidFill>
+                  <a:schemeClr val="bg1"/>
+                </a:solidFill>
+                <a:effectLst>
+                  <a:outerShdw blurRad="38100" dist="38100" dir="2700000" algn="tl">
+                    <a:srgbClr val="000000">
+                      <a:alpha val="43137"/>
+                    </a:srgbClr>
+                  </a:outerShdw>
+                </a:effectLst>
+                <a:latin typeface="-윤고딕310" panose="02030504000101010101" pitchFamily="18" charset="-127"/>
+                <a:ea typeface="-윤고딕310" panose="02030504000101010101" pitchFamily="18" charset="-127"/>
+              </a:rPr>
+              <a:t>게임 </a:t>
+            </a:r>
+            <a:r>
+              <a:rPr lang="ko-KR" altLang="en-US" sz="1400" dirty="0" smtClean="0">
+                <a:solidFill>
+                  <a:schemeClr val="bg1"/>
+                </a:solidFill>
+                <a:effectLst>
+                  <a:outerShdw blurRad="38100" dist="38100" dir="2700000" algn="tl">
+                    <a:srgbClr val="000000">
+                      <a:alpha val="43137"/>
+                    </a:srgbClr>
+                  </a:outerShdw>
+                </a:effectLst>
+                <a:latin typeface="-윤고딕310" panose="02030504000101010101" pitchFamily="18" charset="-127"/>
+                <a:ea typeface="-윤고딕310" panose="02030504000101010101" pitchFamily="18" charset="-127"/>
+              </a:rPr>
+              <a:t>소개</a:t>
+            </a:r>
+            <a:r>
+              <a:rPr lang="ko-KR" altLang="en-US" sz="1400" dirty="0">
+                <a:solidFill>
+                  <a:schemeClr val="bg1"/>
+                </a:solidFill>
+                <a:effectLst>
+                  <a:outerShdw blurRad="38100" dist="38100" dir="2700000" algn="tl">
+                    <a:srgbClr val="000000">
+                      <a:alpha val="43137"/>
+                    </a:srgbClr>
+                  </a:outerShdw>
+                </a:effectLst>
+                <a:latin typeface="-윤고딕310" panose="02030504000101010101" pitchFamily="18" charset="-127"/>
+                <a:ea typeface="-윤고딕310" panose="02030504000101010101" pitchFamily="18" charset="-127"/>
+              </a:rPr>
+              <a:t> </a:t>
+            </a:r>
+            <a:r>
+              <a:rPr lang="en-US" altLang="ko-KR" sz="1400" dirty="0" smtClean="0">
+                <a:solidFill>
+                  <a:schemeClr val="bg1"/>
+                </a:solidFill>
+                <a:effectLst>
+                  <a:outerShdw blurRad="38100" dist="38100" dir="2700000" algn="tl">
+                    <a:srgbClr val="000000">
+                      <a:alpha val="43137"/>
+                    </a:srgbClr>
+                  </a:outerShdw>
+                </a:effectLst>
+                <a:latin typeface="-윤고딕310" panose="02030504000101010101" pitchFamily="18" charset="-127"/>
+                <a:ea typeface="-윤고딕310" panose="02030504000101010101" pitchFamily="18" charset="-127"/>
+              </a:rPr>
               <a:t>(</a:t>
             </a:r>
             <a:r>
@@ -24318,12 +25838,6 @@
                   <a:schemeClr val="bg1"/>
                 </a:solidFill>
                 <a:effectLst>
-                  <a:glow rad="101600">
-                    <a:schemeClr val="accent2">
-                      <a:satMod val="175000"/>
-                      <a:alpha val="40000"/>
-                    </a:schemeClr>
-                  </a:glow>
                   <a:outerShdw blurRad="38100" dist="38100" dir="2700000" algn="tl">
                     <a:srgbClr val="000000">
                       <a:alpha val="43137"/>
@@ -24341,12 +25855,6 @@
                   <a:schemeClr val="bg1"/>
                 </a:solidFill>
                 <a:effectLst>
-                  <a:glow rad="101600">
-                    <a:schemeClr val="accent2">
-                      <a:satMod val="175000"/>
-                      <a:alpha val="40000"/>
-                    </a:schemeClr>
-                  </a:glow>
                   <a:outerShdw blurRad="38100" dist="38100" dir="2700000" algn="tl">
                     <a:srgbClr val="000000">
                       <a:alpha val="43137"/>
@@ -24364,12 +25872,6 @@
                   <a:schemeClr val="bg1"/>
                 </a:solidFill>
                 <a:effectLst>
-                  <a:glow rad="101600">
-                    <a:schemeClr val="accent2">
-                      <a:satMod val="175000"/>
-                      <a:alpha val="40000"/>
-                    </a:schemeClr>
-                  </a:glow>
                   <a:outerShdw blurRad="38100" dist="38100" dir="2700000" algn="tl">
                     <a:srgbClr val="000000">
                       <a:alpha val="43137"/>
@@ -24469,10 +25971,845 @@
           </a:p>
         </p:txBody>
       </p:sp>
+      <p:grpSp>
+        <p:nvGrpSpPr>
+          <p:cNvPr id="39" name="그룹 38"/>
+          <p:cNvGrpSpPr/>
+          <p:nvPr/>
+        </p:nvGrpSpPr>
+        <p:grpSpPr>
+          <a:xfrm>
+            <a:off x="2561166" y="1917129"/>
+            <a:ext cx="8116359" cy="4424378"/>
+            <a:chOff x="2561166" y="1917129"/>
+            <a:chExt cx="8116359" cy="4424378"/>
+          </a:xfrm>
+        </p:grpSpPr>
+        <p:sp>
+          <p:nvSpPr>
+            <p:cNvPr id="28" name="TextBox 27"/>
+            <p:cNvSpPr txBox="1"/>
+            <p:nvPr/>
+          </p:nvSpPr>
+          <p:spPr>
+            <a:xfrm>
+              <a:off x="4152900" y="5972175"/>
+              <a:ext cx="3886200" cy="369332"/>
+            </a:xfrm>
+            <a:prstGeom prst="rect">
+              <a:avLst/>
+            </a:prstGeom>
+            <a:noFill/>
+          </p:spPr>
+          <p:txBody>
+            <a:bodyPr wrap="square" rtlCol="0" anchor="ctr">
+              <a:spAutoFit/>
+            </a:bodyPr>
+            <a:lstStyle/>
+            <a:p>
+              <a:pPr algn="ctr"/>
+              <a:r>
+                <a:rPr lang="ko-KR" altLang="en-US" dirty="0" smtClean="0">
+                  <a:solidFill>
+                    <a:schemeClr val="bg1"/>
+                  </a:solidFill>
+                  <a:effectLst>
+                    <a:outerShdw blurRad="38100" dist="38100" dir="2700000" algn="tl">
+                      <a:srgbClr val="000000">
+                        <a:alpha val="43137"/>
+                      </a:srgbClr>
+                    </a:outerShdw>
+                  </a:effectLst>
+                  <a:latin typeface="+mn-ea"/>
+                </a:rPr>
+                <a:t>예시</a:t>
+              </a:r>
+              <a:r>
+                <a:rPr lang="en-US" altLang="ko-KR" dirty="0" smtClean="0">
+                  <a:solidFill>
+                    <a:schemeClr val="bg1"/>
+                  </a:solidFill>
+                  <a:effectLst>
+                    <a:outerShdw blurRad="38100" dist="38100" dir="2700000" algn="tl">
+                      <a:srgbClr val="000000">
+                        <a:alpha val="43137"/>
+                      </a:srgbClr>
+                    </a:outerShdw>
+                  </a:effectLst>
+                  <a:latin typeface="+mn-ea"/>
+                </a:rPr>
+                <a:t>: </a:t>
+              </a:r>
+              <a:r>
+                <a:rPr lang="ko-KR" altLang="en-US" dirty="0" smtClean="0">
+                  <a:solidFill>
+                    <a:schemeClr val="bg1"/>
+                  </a:solidFill>
+                  <a:effectLst>
+                    <a:outerShdw blurRad="38100" dist="38100" dir="2700000" algn="tl">
+                      <a:srgbClr val="000000">
+                        <a:alpha val="43137"/>
+                      </a:srgbClr>
+                    </a:outerShdw>
+                  </a:effectLst>
+                  <a:latin typeface="+mn-ea"/>
+                </a:rPr>
+                <a:t>스타바운드의 우주선 사진</a:t>
+              </a:r>
+              <a:endParaRPr lang="ko-KR" altLang="en-US" dirty="0">
+                <a:solidFill>
+                  <a:schemeClr val="bg1"/>
+                </a:solidFill>
+                <a:effectLst>
+                  <a:outerShdw blurRad="38100" dist="38100" dir="2700000" algn="tl">
+                    <a:srgbClr val="000000">
+                      <a:alpha val="43137"/>
+                    </a:srgbClr>
+                  </a:outerShdw>
+                </a:effectLst>
+                <a:latin typeface="+mn-ea"/>
+              </a:endParaRPr>
+            </a:p>
+          </p:txBody>
+        </p:sp>
+        <p:grpSp>
+          <p:nvGrpSpPr>
+            <p:cNvPr id="38" name="그룹 37"/>
+            <p:cNvGrpSpPr/>
+            <p:nvPr/>
+          </p:nvGrpSpPr>
+          <p:grpSpPr>
+            <a:xfrm>
+              <a:off x="2561166" y="1917129"/>
+              <a:ext cx="8116359" cy="3876676"/>
+              <a:chOff x="2561166" y="1917129"/>
+              <a:chExt cx="8116359" cy="3876676"/>
+            </a:xfrm>
+          </p:grpSpPr>
+          <p:grpSp>
+            <p:nvGrpSpPr>
+              <p:cNvPr id="35" name="그룹 34"/>
+              <p:cNvGrpSpPr/>
+              <p:nvPr/>
+            </p:nvGrpSpPr>
+            <p:grpSpPr>
+              <a:xfrm>
+                <a:off x="2561166" y="1917129"/>
+                <a:ext cx="7048500" cy="3876676"/>
+                <a:chOff x="2561166" y="1917129"/>
+                <a:chExt cx="7048500" cy="3876676"/>
+              </a:xfrm>
+            </p:grpSpPr>
+            <p:grpSp>
+              <p:nvGrpSpPr>
+                <p:cNvPr id="31" name="그룹 30"/>
+                <p:cNvGrpSpPr/>
+                <p:nvPr/>
+              </p:nvGrpSpPr>
+              <p:grpSpPr>
+                <a:xfrm>
+                  <a:off x="2561166" y="1917129"/>
+                  <a:ext cx="7048500" cy="3876676"/>
+                  <a:chOff x="2561166" y="1917129"/>
+                  <a:chExt cx="7048500" cy="3876676"/>
+                </a:xfrm>
+              </p:grpSpPr>
+              <p:grpSp>
+                <p:nvGrpSpPr>
+                  <p:cNvPr id="27" name="그룹 26"/>
+                  <p:cNvGrpSpPr/>
+                  <p:nvPr/>
+                </p:nvGrpSpPr>
+                <p:grpSpPr>
+                  <a:xfrm>
+                    <a:off x="2561166" y="1917129"/>
+                    <a:ext cx="7048500" cy="3876676"/>
+                    <a:chOff x="2561166" y="2031429"/>
+                    <a:chExt cx="7048500" cy="3876676"/>
+                  </a:xfrm>
+                </p:grpSpPr>
+                <p:pic>
+                  <p:nvPicPr>
+                    <p:cNvPr id="2050" name="Picture 2" descr="관련 이미지"/>
+                    <p:cNvPicPr>
+                      <a:picLocks noChangeAspect="1" noChangeArrowheads="1"/>
+                    </p:cNvPicPr>
+                    <p:nvPr/>
+                  </p:nvPicPr>
+                  <p:blipFill>
+                    <a:blip r:embed="rId3">
+                      <a:extLst>
+                        <a:ext uri="{28A0092B-C50C-407E-A947-70E740481C1C}">
+                          <a14:useLocalDpi xmlns:a14="http://schemas.microsoft.com/office/drawing/2010/main" val="0"/>
+                        </a:ext>
+                      </a:extLst>
+                    </a:blip>
+                    <a:srcRect/>
+                    <a:stretch>
+                      <a:fillRect/>
+                    </a:stretch>
+                  </p:blipFill>
+                  <p:spPr bwMode="auto">
+                    <a:xfrm>
+                      <a:off x="2561166" y="2031429"/>
+                      <a:ext cx="7048500" cy="3876676"/>
+                    </a:xfrm>
+                    <a:prstGeom prst="rect">
+                      <a:avLst/>
+                    </a:prstGeom>
+                    <a:noFill/>
+                    <a:extLst>
+                      <a:ext uri="{909E8E84-426E-40DD-AFC4-6F175D3DCCD1}">
+                        <a14:hiddenFill xmlns:a14="http://schemas.microsoft.com/office/drawing/2010/main">
+                          <a:solidFill>
+                            <a:srgbClr val="FFFFFF"/>
+                          </a:solidFill>
+                        </a14:hiddenFill>
+                      </a:ext>
+                    </a:extLst>
+                  </p:spPr>
+                </p:pic>
+                <p:grpSp>
+                  <p:nvGrpSpPr>
+                    <p:cNvPr id="21" name="그룹 20"/>
+                    <p:cNvGrpSpPr/>
+                    <p:nvPr/>
+                  </p:nvGrpSpPr>
+                  <p:grpSpPr>
+                    <a:xfrm>
+                      <a:off x="3238500" y="3267074"/>
+                      <a:ext cx="4543424" cy="966786"/>
+                      <a:chOff x="3238500" y="3267074"/>
+                      <a:chExt cx="4543424" cy="966786"/>
+                    </a:xfrm>
+                  </p:grpSpPr>
+                  <p:grpSp>
+                    <p:nvGrpSpPr>
+                      <p:cNvPr id="20" name="그룹 19"/>
+                      <p:cNvGrpSpPr/>
+                      <p:nvPr/>
+                    </p:nvGrpSpPr>
+                    <p:grpSpPr>
+                      <a:xfrm>
+                        <a:off x="3238500" y="3267074"/>
+                        <a:ext cx="4543424" cy="966786"/>
+                        <a:chOff x="3238500" y="3267074"/>
+                        <a:chExt cx="4543424" cy="966786"/>
+                      </a:xfrm>
+                    </p:grpSpPr>
+                    <p:grpSp>
+                      <p:nvGrpSpPr>
+                        <p:cNvPr id="19" name="그룹 18"/>
+                        <p:cNvGrpSpPr/>
+                        <p:nvPr/>
+                      </p:nvGrpSpPr>
+                      <p:grpSpPr>
+                        <a:xfrm>
+                          <a:off x="3238500" y="3267074"/>
+                          <a:ext cx="4543424" cy="966786"/>
+                          <a:chOff x="3238500" y="3267074"/>
+                          <a:chExt cx="4543424" cy="966786"/>
+                        </a:xfrm>
+                      </p:grpSpPr>
+                      <p:grpSp>
+                        <p:nvGrpSpPr>
+                          <p:cNvPr id="8" name="그룹 7"/>
+                          <p:cNvGrpSpPr/>
+                          <p:nvPr/>
+                        </p:nvGrpSpPr>
+                        <p:grpSpPr>
+                          <a:xfrm>
+                            <a:off x="3238500" y="3267074"/>
+                            <a:ext cx="3524249" cy="966786"/>
+                            <a:chOff x="3238500" y="3267074"/>
+                            <a:chExt cx="3524249" cy="966786"/>
+                          </a:xfrm>
+                        </p:grpSpPr>
+                        <p:sp>
+                          <p:nvSpPr>
+                            <p:cNvPr id="6" name="직사각형 5"/>
+                            <p:cNvSpPr/>
+                            <p:nvPr/>
+                          </p:nvSpPr>
+                          <p:spPr>
+                            <a:xfrm>
+                              <a:off x="3238500" y="3267074"/>
+                              <a:ext cx="781050" cy="962025"/>
+                            </a:xfrm>
+                            <a:prstGeom prst="rect">
+                              <a:avLst/>
+                            </a:prstGeom>
+                            <a:solidFill>
+                              <a:schemeClr val="bg1">
+                                <a:alpha val="15000"/>
+                              </a:schemeClr>
+                            </a:solidFill>
+                            <a:ln w="19050">
+                              <a:solidFill>
+                                <a:schemeClr val="accent4"/>
+                              </a:solidFill>
+                            </a:ln>
+                          </p:spPr>
+                          <p:style>
+                            <a:lnRef idx="2">
+                              <a:schemeClr val="accent1">
+                                <a:shade val="50000"/>
+                              </a:schemeClr>
+                            </a:lnRef>
+                            <a:fillRef idx="1">
+                              <a:schemeClr val="accent1"/>
+                            </a:fillRef>
+                            <a:effectRef idx="0">
+                              <a:schemeClr val="accent1"/>
+                            </a:effectRef>
+                            <a:fontRef idx="minor">
+                              <a:schemeClr val="lt1"/>
+                            </a:fontRef>
+                          </p:style>
+                          <p:txBody>
+                            <a:bodyPr rtlCol="0" anchor="ctr"/>
+                            <a:lstStyle/>
+                            <a:p>
+                              <a:pPr algn="ctr"/>
+                              <a:endParaRPr lang="ko-KR" altLang="en-US"/>
+                            </a:p>
+                          </p:txBody>
+                        </p:sp>
+                        <p:sp>
+                          <p:nvSpPr>
+                            <p:cNvPr id="13" name="직사각형 12"/>
+                            <p:cNvSpPr/>
+                            <p:nvPr/>
+                          </p:nvSpPr>
+                          <p:spPr>
+                            <a:xfrm>
+                              <a:off x="4105274" y="3271835"/>
+                              <a:ext cx="2657475" cy="962025"/>
+                            </a:xfrm>
+                            <a:prstGeom prst="rect">
+                              <a:avLst/>
+                            </a:prstGeom>
+                            <a:solidFill>
+                              <a:schemeClr val="bg1">
+                                <a:alpha val="15000"/>
+                              </a:schemeClr>
+                            </a:solidFill>
+                            <a:ln w="19050">
+                              <a:solidFill>
+                                <a:schemeClr val="accent4"/>
+                              </a:solidFill>
+                            </a:ln>
+                          </p:spPr>
+                          <p:style>
+                            <a:lnRef idx="2">
+                              <a:schemeClr val="accent1">
+                                <a:shade val="50000"/>
+                              </a:schemeClr>
+                            </a:lnRef>
+                            <a:fillRef idx="1">
+                              <a:schemeClr val="accent1"/>
+                            </a:fillRef>
+                            <a:effectRef idx="0">
+                              <a:schemeClr val="accent1"/>
+                            </a:effectRef>
+                            <a:fontRef idx="minor">
+                              <a:schemeClr val="lt1"/>
+                            </a:fontRef>
+                          </p:style>
+                          <p:txBody>
+                            <a:bodyPr rtlCol="0" anchor="ctr"/>
+                            <a:lstStyle/>
+                            <a:p>
+                              <a:pPr algn="ctr"/>
+                              <a:endParaRPr lang="ko-KR" altLang="en-US"/>
+                            </a:p>
+                          </p:txBody>
+                        </p:sp>
+                      </p:grpSp>
+                      <p:sp>
+                        <p:nvSpPr>
+                          <p:cNvPr id="25" name="직사각형 24"/>
+                          <p:cNvSpPr/>
+                          <p:nvPr/>
+                        </p:nvSpPr>
+                        <p:spPr>
+                          <a:xfrm>
+                            <a:off x="6857999" y="3900485"/>
+                            <a:ext cx="923925" cy="328613"/>
+                          </a:xfrm>
+                          <a:prstGeom prst="rect">
+                            <a:avLst/>
+                          </a:prstGeom>
+                          <a:solidFill>
+                            <a:schemeClr val="bg1">
+                              <a:alpha val="15000"/>
+                            </a:schemeClr>
+                          </a:solidFill>
+                          <a:ln w="19050">
+                            <a:solidFill>
+                              <a:schemeClr val="accent4"/>
+                            </a:solidFill>
+                          </a:ln>
+                        </p:spPr>
+                        <p:style>
+                          <a:lnRef idx="2">
+                            <a:schemeClr val="accent1">
+                              <a:shade val="50000"/>
+                            </a:schemeClr>
+                          </a:lnRef>
+                          <a:fillRef idx="1">
+                            <a:schemeClr val="accent1"/>
+                          </a:fillRef>
+                          <a:effectRef idx="0">
+                            <a:schemeClr val="accent1"/>
+                          </a:effectRef>
+                          <a:fontRef idx="minor">
+                            <a:schemeClr val="lt1"/>
+                          </a:fontRef>
+                        </p:style>
+                        <p:txBody>
+                          <a:bodyPr rtlCol="0" anchor="ctr"/>
+                          <a:lstStyle/>
+                          <a:p>
+                            <a:pPr algn="ctr"/>
+                            <a:endParaRPr lang="ko-KR" altLang="en-US"/>
+                          </a:p>
+                        </p:txBody>
+                      </p:sp>
+                    </p:grpSp>
+                    <p:cxnSp>
+                      <p:nvCxnSpPr>
+                        <p:cNvPr id="14" name="직선 화살표 연결선 13"/>
+                        <p:cNvCxnSpPr/>
+                        <p:nvPr/>
+                      </p:nvCxnSpPr>
+                      <p:spPr>
+                        <a:xfrm flipV="1">
+                          <a:off x="3629025" y="4064790"/>
+                          <a:ext cx="971550" cy="1"/>
+                        </a:xfrm>
+                        <a:prstGeom prst="straightConnector1">
+                          <a:avLst/>
+                        </a:prstGeom>
+                        <a:ln w="22225">
+                          <a:solidFill>
+                            <a:schemeClr val="tx1"/>
+                          </a:solidFill>
+                          <a:headEnd type="arrow"/>
+                          <a:tailEnd type="arrow"/>
+                        </a:ln>
+                      </p:spPr>
+                      <p:style>
+                        <a:lnRef idx="1">
+                          <a:schemeClr val="accent1"/>
+                        </a:lnRef>
+                        <a:fillRef idx="0">
+                          <a:schemeClr val="accent1"/>
+                        </a:fillRef>
+                        <a:effectRef idx="0">
+                          <a:schemeClr val="accent1"/>
+                        </a:effectRef>
+                        <a:fontRef idx="minor">
+                          <a:schemeClr val="tx1"/>
+                        </a:fontRef>
+                      </p:style>
+                    </p:cxnSp>
+                  </p:grpSp>
+                  <p:cxnSp>
+                    <p:nvCxnSpPr>
+                      <p:cNvPr id="26" name="직선 화살표 연결선 25"/>
+                      <p:cNvCxnSpPr/>
+                      <p:nvPr/>
+                    </p:nvCxnSpPr>
+                    <p:spPr>
+                      <a:xfrm flipV="1">
+                        <a:off x="6329671" y="4064791"/>
+                        <a:ext cx="971550" cy="1"/>
+                      </a:xfrm>
+                      <a:prstGeom prst="straightConnector1">
+                        <a:avLst/>
+                      </a:prstGeom>
+                      <a:ln w="22225">
+                        <a:solidFill>
+                          <a:schemeClr val="tx1"/>
+                        </a:solidFill>
+                        <a:headEnd type="arrow"/>
+                        <a:tailEnd type="arrow"/>
+                      </a:ln>
+                    </p:spPr>
+                    <p:style>
+                      <a:lnRef idx="1">
+                        <a:schemeClr val="accent1"/>
+                      </a:lnRef>
+                      <a:fillRef idx="0">
+                        <a:schemeClr val="accent1"/>
+                      </a:fillRef>
+                      <a:effectRef idx="0">
+                        <a:schemeClr val="accent1"/>
+                      </a:effectRef>
+                      <a:fontRef idx="minor">
+                        <a:schemeClr val="tx1"/>
+                      </a:fontRef>
+                    </p:style>
+                  </p:cxnSp>
+                </p:grpSp>
+              </p:grpSp>
+              <p:sp>
+                <p:nvSpPr>
+                  <p:cNvPr id="30" name="직사각형 29"/>
+                  <p:cNvSpPr/>
+                  <p:nvPr/>
+                </p:nvSpPr>
+                <p:spPr>
+                  <a:xfrm>
+                    <a:off x="3222709" y="3145628"/>
+                    <a:ext cx="406316" cy="464344"/>
+                  </a:xfrm>
+                  <a:prstGeom prst="rect">
+                    <a:avLst/>
+                  </a:prstGeom>
+                  <a:solidFill>
+                    <a:schemeClr val="bg1">
+                      <a:alpha val="35000"/>
+                    </a:schemeClr>
+                  </a:solidFill>
+                </p:spPr>
+                <p:style>
+                  <a:lnRef idx="2">
+                    <a:schemeClr val="accent1">
+                      <a:shade val="50000"/>
+                    </a:schemeClr>
+                  </a:lnRef>
+                  <a:fillRef idx="1">
+                    <a:schemeClr val="accent1"/>
+                  </a:fillRef>
+                  <a:effectRef idx="0">
+                    <a:schemeClr val="accent1"/>
+                  </a:effectRef>
+                  <a:fontRef idx="minor">
+                    <a:schemeClr val="lt1"/>
+                  </a:fontRef>
+                </p:style>
+                <p:txBody>
+                  <a:bodyPr rtlCol="0" anchor="ctr"/>
+                  <a:lstStyle/>
+                  <a:p>
+                    <a:pPr algn="ctr"/>
+                    <a:endParaRPr lang="ko-KR" altLang="en-US"/>
+                  </a:p>
+                </p:txBody>
+              </p:sp>
+              <p:sp>
+                <p:nvSpPr>
+                  <p:cNvPr id="32" name="직사각형 31"/>
+                  <p:cNvSpPr/>
+                  <p:nvPr/>
+                </p:nvSpPr>
+                <p:spPr>
+                  <a:xfrm>
+                    <a:off x="3222709" y="3633786"/>
+                    <a:ext cx="406316" cy="464344"/>
+                  </a:xfrm>
+                  <a:prstGeom prst="rect">
+                    <a:avLst/>
+                  </a:prstGeom>
+                  <a:solidFill>
+                    <a:schemeClr val="bg1">
+                      <a:alpha val="35000"/>
+                    </a:schemeClr>
+                  </a:solidFill>
+                </p:spPr>
+                <p:style>
+                  <a:lnRef idx="2">
+                    <a:schemeClr val="accent1">
+                      <a:shade val="50000"/>
+                    </a:schemeClr>
+                  </a:lnRef>
+                  <a:fillRef idx="1">
+                    <a:schemeClr val="accent1"/>
+                  </a:fillRef>
+                  <a:effectRef idx="0">
+                    <a:schemeClr val="accent1"/>
+                  </a:effectRef>
+                  <a:fontRef idx="minor">
+                    <a:schemeClr val="lt1"/>
+                  </a:fontRef>
+                </p:style>
+                <p:txBody>
+                  <a:bodyPr rtlCol="0" anchor="ctr"/>
+                  <a:lstStyle/>
+                  <a:p>
+                    <a:pPr algn="ctr"/>
+                    <a:endParaRPr lang="ko-KR" altLang="en-US"/>
+                  </a:p>
+                </p:txBody>
+              </p:sp>
+              <p:sp>
+                <p:nvSpPr>
+                  <p:cNvPr id="33" name="직사각형 32"/>
+                  <p:cNvSpPr/>
+                  <p:nvPr/>
+                </p:nvSpPr>
+                <p:spPr>
+                  <a:xfrm>
+                    <a:off x="3648075" y="3638547"/>
+                    <a:ext cx="406316" cy="464344"/>
+                  </a:xfrm>
+                  <a:prstGeom prst="rect">
+                    <a:avLst/>
+                  </a:prstGeom>
+                  <a:solidFill>
+                    <a:schemeClr val="bg1">
+                      <a:alpha val="35000"/>
+                    </a:schemeClr>
+                  </a:solidFill>
+                </p:spPr>
+                <p:style>
+                  <a:lnRef idx="2">
+                    <a:schemeClr val="accent1">
+                      <a:shade val="50000"/>
+                    </a:schemeClr>
+                  </a:lnRef>
+                  <a:fillRef idx="1">
+                    <a:schemeClr val="accent1"/>
+                  </a:fillRef>
+                  <a:effectRef idx="0">
+                    <a:schemeClr val="accent1"/>
+                  </a:effectRef>
+                  <a:fontRef idx="minor">
+                    <a:schemeClr val="lt1"/>
+                  </a:fontRef>
+                </p:style>
+                <p:txBody>
+                  <a:bodyPr rtlCol="0" anchor="ctr"/>
+                  <a:lstStyle/>
+                  <a:p>
+                    <a:pPr algn="ctr"/>
+                    <a:endParaRPr lang="ko-KR" altLang="en-US"/>
+                  </a:p>
+                </p:txBody>
+              </p:sp>
+              <p:sp>
+                <p:nvSpPr>
+                  <p:cNvPr id="34" name="직사각형 33"/>
+                  <p:cNvSpPr/>
+                  <p:nvPr/>
+                </p:nvSpPr>
+                <p:spPr>
+                  <a:xfrm>
+                    <a:off x="3648075" y="3145627"/>
+                    <a:ext cx="406316" cy="464344"/>
+                  </a:xfrm>
+                  <a:prstGeom prst="rect">
+                    <a:avLst/>
+                  </a:prstGeom>
+                  <a:solidFill>
+                    <a:schemeClr val="bg1">
+                      <a:alpha val="35000"/>
+                    </a:schemeClr>
+                  </a:solidFill>
+                </p:spPr>
+                <p:style>
+                  <a:lnRef idx="2">
+                    <a:schemeClr val="accent1">
+                      <a:shade val="50000"/>
+                    </a:schemeClr>
+                  </a:lnRef>
+                  <a:fillRef idx="1">
+                    <a:schemeClr val="accent1"/>
+                  </a:fillRef>
+                  <a:effectRef idx="0">
+                    <a:schemeClr val="accent1"/>
+                  </a:effectRef>
+                  <a:fontRef idx="minor">
+                    <a:schemeClr val="lt1"/>
+                  </a:fontRef>
+                </p:style>
+                <p:txBody>
+                  <a:bodyPr rtlCol="0" anchor="ctr"/>
+                  <a:lstStyle/>
+                  <a:p>
+                    <a:pPr algn="ctr"/>
+                    <a:endParaRPr lang="ko-KR" altLang="en-US"/>
+                  </a:p>
+                </p:txBody>
+              </p:sp>
+            </p:grpSp>
+            <p:sp>
+              <p:nvSpPr>
+                <p:cNvPr id="36" name="직사각형 35"/>
+                <p:cNvSpPr/>
+                <p:nvPr/>
+              </p:nvSpPr>
+              <p:spPr>
+                <a:xfrm>
+                  <a:off x="5859100" y="3609971"/>
+                  <a:ext cx="406316" cy="464344"/>
+                </a:xfrm>
+                <a:prstGeom prst="rect">
+                  <a:avLst/>
+                </a:prstGeom>
+                <a:solidFill>
+                  <a:schemeClr val="bg1">
+                    <a:alpha val="35000"/>
+                  </a:schemeClr>
+                </a:solidFill>
+              </p:spPr>
+              <p:style>
+                <a:lnRef idx="2">
+                  <a:schemeClr val="accent1">
+                    <a:shade val="50000"/>
+                  </a:schemeClr>
+                </a:lnRef>
+                <a:fillRef idx="1">
+                  <a:schemeClr val="accent1"/>
+                </a:fillRef>
+                <a:effectRef idx="0">
+                  <a:schemeClr val="accent1"/>
+                </a:effectRef>
+                <a:fontRef idx="minor">
+                  <a:schemeClr val="lt1"/>
+                </a:fontRef>
+              </p:style>
+              <p:txBody>
+                <a:bodyPr rtlCol="0" anchor="ctr"/>
+                <a:lstStyle/>
+                <a:p>
+                  <a:pPr algn="ctr"/>
+                  <a:endParaRPr lang="ko-KR" altLang="en-US"/>
+                </a:p>
+              </p:txBody>
+            </p:sp>
+          </p:grpSp>
+          <p:sp>
+            <p:nvSpPr>
+              <p:cNvPr id="29" name="TextBox 28"/>
+              <p:cNvSpPr txBox="1"/>
+              <p:nvPr/>
+            </p:nvSpPr>
+            <p:spPr>
+              <a:xfrm>
+                <a:off x="7458074" y="3240639"/>
+                <a:ext cx="3219451" cy="369332"/>
+              </a:xfrm>
+              <a:prstGeom prst="rect">
+                <a:avLst/>
+              </a:prstGeom>
+              <a:noFill/>
+            </p:spPr>
+            <p:txBody>
+              <a:bodyPr wrap="square" rtlCol="0">
+                <a:spAutoFit/>
+              </a:bodyPr>
+              <a:lstStyle/>
+              <a:p>
+                <a:r>
+                  <a:rPr lang="ko-KR" altLang="en-US" dirty="0" smtClean="0">
+                    <a:solidFill>
+                      <a:schemeClr val="bg1"/>
+                    </a:solidFill>
+                  </a:rPr>
+                  <a:t>측면 시점에서 게임이 진행</a:t>
+                </a:r>
+                <a:endParaRPr lang="ko-KR" altLang="en-US" dirty="0">
+                  <a:solidFill>
+                    <a:schemeClr val="bg1"/>
+                  </a:solidFill>
+                </a:endParaRPr>
+              </a:p>
+            </p:txBody>
+          </p:sp>
+        </p:grpSp>
+      </p:grpSp>
+      <p:sp>
+        <p:nvSpPr>
+          <p:cNvPr id="37" name="TextBox 36"/>
+          <p:cNvSpPr txBox="1"/>
+          <p:nvPr/>
+        </p:nvSpPr>
+        <p:spPr>
+          <a:xfrm>
+            <a:off x="2561166" y="2298581"/>
+            <a:ext cx="6201834" cy="646331"/>
+          </a:xfrm>
+          <a:prstGeom prst="rect">
+            <a:avLst/>
+          </a:prstGeom>
+          <a:noFill/>
+        </p:spPr>
+        <p:txBody>
+          <a:bodyPr wrap="square" rtlCol="0">
+            <a:spAutoFit/>
+          </a:bodyPr>
+          <a:lstStyle/>
+          <a:p>
+            <a:pPr marL="285750" indent="-285750">
+              <a:buFont typeface="Arial" panose="020B0604020202020204" pitchFamily="34" charset="0"/>
+              <a:buChar char="•"/>
+            </a:pPr>
+            <a:r>
+              <a:rPr lang="ko-KR" altLang="en-US" dirty="0" smtClean="0">
+                <a:solidFill>
+                  <a:schemeClr val="bg1"/>
+                </a:solidFill>
+              </a:rPr>
+              <a:t>작은 방의 경우 플레이어의 </a:t>
+            </a:r>
+            <a:r>
+              <a:rPr lang="en-US" altLang="ko-KR" dirty="0" smtClean="0">
+                <a:solidFill>
+                  <a:schemeClr val="bg1"/>
+                </a:solidFill>
+              </a:rPr>
+              <a:t>4x4 </a:t>
+            </a:r>
+            <a:r>
+              <a:rPr lang="ko-KR" altLang="en-US" dirty="0" smtClean="0">
+                <a:solidFill>
+                  <a:schemeClr val="bg1"/>
+                </a:solidFill>
+              </a:rPr>
+              <a:t>크기</a:t>
+            </a:r>
+            <a:endParaRPr lang="en-US" altLang="ko-KR" dirty="0" smtClean="0">
+              <a:solidFill>
+                <a:schemeClr val="bg1"/>
+              </a:solidFill>
+            </a:endParaRPr>
+          </a:p>
+          <a:p>
+            <a:pPr marL="285750" indent="-285750">
+              <a:buFont typeface="Arial" panose="020B0604020202020204" pitchFamily="34" charset="0"/>
+              <a:buChar char="•"/>
+            </a:pPr>
+            <a:r>
+              <a:rPr lang="ko-KR" altLang="en-US" dirty="0" smtClean="0">
+                <a:solidFill>
+                  <a:schemeClr val="bg1"/>
+                </a:solidFill>
+              </a:rPr>
+              <a:t>플레이어의 활동 영역은 우주선에 한정되어 있다</a:t>
+            </a:r>
+            <a:r>
+              <a:rPr lang="en-US" altLang="ko-KR" dirty="0" smtClean="0">
+                <a:solidFill>
+                  <a:schemeClr val="bg1"/>
+                </a:solidFill>
+              </a:rPr>
+              <a:t>. </a:t>
+            </a:r>
+            <a:endParaRPr lang="ko-KR" altLang="en-US" dirty="0">
+              <a:solidFill>
+                <a:schemeClr val="bg1"/>
+              </a:solidFill>
+            </a:endParaRPr>
+          </a:p>
+        </p:txBody>
+      </p:sp>
     </p:spTree>
     <p:extLst>
       <p:ext uri="{BB962C8B-B14F-4D97-AF65-F5344CB8AC3E}">
-        <p14:creationId xmlns:p14="http://schemas.microsoft.com/office/powerpoint/2010/main" val="3823852440"/>
+        <p14:creationId xmlns:p14="http://schemas.microsoft.com/office/powerpoint/2010/main" val="567477829"/>
       </p:ext>
     </p:extLst>
   </p:cSld>
@@ -25052,76 +27389,16 @@
         <a:srgbClr val="954F72"/>
       </a:folHlink>
     </a:clrScheme>
-    <a:fontScheme name="Office">
+    <a:fontScheme name="윤고딕">
       <a:majorFont>
-        <a:latin typeface="맑은 고딕" panose="020F0302020204030204"/>
-        <a:ea typeface=""/>
+        <a:latin typeface="-윤고딕320"/>
+        <a:ea typeface="-윤고딕320"/>
         <a:cs typeface=""/>
-        <a:font script="Jpan" typeface="游ゴシック Light"/>
-        <a:font script="Hang" typeface="맑은 고딕"/>
-        <a:font script="Hans" typeface="等线 Light"/>
-        <a:font script="Hant" typeface="新細明體"/>
-        <a:font script="Arab" typeface="Times New Roman"/>
-        <a:font script="Hebr" typeface="Times New Roman"/>
-        <a:font script="Thai" typeface="Angsana New"/>
-        <a:font script="Ethi" typeface="Nyala"/>
-        <a:font script="Beng" typeface="Vrinda"/>
-        <a:font script="Gujr" typeface="Shruti"/>
-        <a:font script="Khmr" typeface="MoolBoran"/>
-        <a:font script="Knda" typeface="Tunga"/>
-        <a:font script="Guru" typeface="Raavi"/>
-        <a:font script="Cans" typeface="Euphemia"/>
-        <a:font script="Cher" typeface="Plantagenet Cherokee"/>
-        <a:font script="Yiii" typeface="Microsoft Yi Baiti"/>
-        <a:font script="Tibt" typeface="Microsoft Himalaya"/>
-        <a:font script="Thaa" typeface="MV Boli"/>
-        <a:font script="Deva" typeface="Mangal"/>
-        <a:font script="Telu" typeface="Gautami"/>
-        <a:font script="Taml" typeface="Latha"/>
-        <a:font script="Syrc" typeface="Estrangelo Edessa"/>
-        <a:font script="Orya" typeface="Kalinga"/>
-        <a:font script="Mlym" typeface="Kartika"/>
-        <a:font script="Laoo" typeface="DokChampa"/>
-        <a:font script="Sinh" typeface="Iskoola Pota"/>
-        <a:font script="Mong" typeface="Mongolian Baiti"/>
-        <a:font script="Viet" typeface="Times New Roman"/>
-        <a:font script="Uigh" typeface="Microsoft Uighur"/>
-        <a:font script="Geor" typeface="Sylfaen"/>
       </a:majorFont>
       <a:minorFont>
-        <a:latin typeface="맑은 고딕" panose="020F0502020204030204"/>
-        <a:ea typeface=""/>
+        <a:latin typeface="-윤고딕310"/>
+        <a:ea typeface="-윤고딕310"/>
         <a:cs typeface=""/>
-        <a:font script="Jpan" typeface="游ゴシック"/>
-        <a:font script="Hang" typeface="맑은 고딕"/>
-        <a:font script="Hans" typeface="等线"/>
-        <a:font script="Hant" typeface="新細明體"/>
-        <a:font script="Arab" typeface="Arial"/>
-        <a:font script="Hebr" typeface="Arial"/>
-        <a:font script="Thai" typeface="Cordia New"/>
-        <a:font script="Ethi" typeface="Nyala"/>
-        <a:font script="Beng" typeface="Vrinda"/>
-        <a:font script="Gujr" typeface="Shruti"/>
-        <a:font script="Khmr" typeface="DaunPenh"/>
-        <a:font script="Knda" typeface="Tunga"/>
-        <a:font script="Guru" typeface="Raavi"/>
-        <a:font script="Cans" typeface="Euphemia"/>
-        <a:font script="Cher" typeface="Plantagenet Cherokee"/>
-        <a:font script="Yiii" typeface="Microsoft Yi Baiti"/>
-        <a:font script="Tibt" typeface="Microsoft Himalaya"/>
-        <a:font script="Thaa" typeface="MV Boli"/>
-        <a:font script="Deva" typeface="Mangal"/>
-        <a:font script="Telu" typeface="Gautami"/>
-        <a:font script="Taml" typeface="Latha"/>
-        <a:font script="Syrc" typeface="Estrangelo Edessa"/>
-        <a:font script="Orya" typeface="Kalinga"/>
-        <a:font script="Mlym" typeface="Kartika"/>
-        <a:font script="Laoo" typeface="DokChampa"/>
-        <a:font script="Sinh" typeface="Iskoola Pota"/>
-        <a:font script="Mong" typeface="Mongolian Baiti"/>
-        <a:font script="Viet" typeface="Arial"/>
-        <a:font script="Uigh" typeface="Microsoft Uighur"/>
-        <a:font script="Geor" typeface="Sylfaen"/>
       </a:minorFont>
     </a:fontScheme>
     <a:fmtScheme name="Office">

--- a/slides/Cosmos_20171105.pptx
+++ b/slides/Cosmos_20171105.pptx
@@ -1761,7 +1761,23 @@
                 <a:schemeClr val="tx1"/>
               </a:solidFill>
             </a:rPr>
-            <a:t>항상 새로운 무작위 인카운터</a:t>
+            <a:t>항상 새로운 무작위 </a:t>
+          </a:r>
+          <a:r>
+            <a:rPr lang="en-US" altLang="ko-KR" sz="2000" dirty="0" smtClean="0">
+              <a:solidFill>
+                <a:schemeClr val="tx1"/>
+              </a:solidFill>
+            </a:rPr>
+            <a:t>*</a:t>
+          </a:r>
+          <a:r>
+            <a:rPr lang="ko-KR" altLang="en-US" sz="2000" dirty="0" smtClean="0">
+              <a:solidFill>
+                <a:schemeClr val="tx1"/>
+              </a:solidFill>
+            </a:rPr>
+            <a:t>인카운터</a:t>
           </a:r>
           <a:r>
             <a:rPr lang="en-US" altLang="ko-KR" sz="2000" dirty="0" smtClean="0">
@@ -2808,7 +2824,23 @@
                 <a:schemeClr val="tx1"/>
               </a:solidFill>
             </a:rPr>
-            <a:t>항상 새로운 무작위 인카운터</a:t>
+            <a:t>항상 새로운 무작위 </a:t>
+          </a:r>
+          <a:r>
+            <a:rPr lang="en-US" altLang="ko-KR" sz="2000" kern="1200" dirty="0" smtClean="0">
+              <a:solidFill>
+                <a:schemeClr val="tx1"/>
+              </a:solidFill>
+            </a:rPr>
+            <a:t>*</a:t>
+          </a:r>
+          <a:r>
+            <a:rPr lang="ko-KR" altLang="en-US" sz="2000" kern="1200" dirty="0" smtClean="0">
+              <a:solidFill>
+                <a:schemeClr val="tx1"/>
+              </a:solidFill>
+            </a:rPr>
+            <a:t>인카운터</a:t>
           </a:r>
           <a:r>
             <a:rPr lang="en-US" altLang="ko-KR" sz="2000" kern="1200" dirty="0" smtClean="0">
@@ -9586,7 +9618,7 @@
           <p:nvPr>
             <p:extLst>
               <p:ext uri="{D42A27DB-BD31-4B8C-83A1-F6EECF244321}">
-                <p14:modId xmlns:p14="http://schemas.microsoft.com/office/powerpoint/2010/main" val="2333275351"/>
+                <p14:modId xmlns:p14="http://schemas.microsoft.com/office/powerpoint/2010/main" val="2788509245"/>
               </p:ext>
             </p:extLst>
           </p:nvPr>
@@ -9703,7 +9735,7 @@
                     </a:lnBlToTr>
                     <a:solidFill>
                       <a:srgbClr val="729CE0">
-                        <a:alpha val="40000"/>
+                        <a:alpha val="71000"/>
                       </a:srgbClr>
                     </a:solidFill>
                   </a:tcPr>
@@ -9782,7 +9814,7 @@
                     </a:lnBlToTr>
                     <a:solidFill>
                       <a:srgbClr val="729CE0">
-                        <a:alpha val="40000"/>
+                        <a:alpha val="71000"/>
                       </a:srgbClr>
                     </a:solidFill>
                   </a:tcPr>
@@ -9859,7 +9891,7 @@
                     </a:lnBlToTr>
                     <a:solidFill>
                       <a:srgbClr val="729CE0">
-                        <a:alpha val="40000"/>
+                        <a:alpha val="71000"/>
                       </a:srgbClr>
                     </a:solidFill>
                   </a:tcPr>
@@ -9936,7 +9968,7 @@
                     </a:lnBlToTr>
                     <a:solidFill>
                       <a:srgbClr val="729CE0">
-                        <a:alpha val="40000"/>
+                        <a:alpha val="71000"/>
                       </a:srgbClr>
                     </a:solidFill>
                   </a:tcPr>
@@ -10013,7 +10045,7 @@
                     </a:lnBlToTr>
                     <a:solidFill>
                       <a:srgbClr val="729CE0">
-                        <a:alpha val="40000"/>
+                        <a:alpha val="71000"/>
                       </a:srgbClr>
                     </a:solidFill>
                   </a:tcPr>
@@ -10090,7 +10122,7 @@
                     </a:lnBlToTr>
                     <a:solidFill>
                       <a:srgbClr val="729CE0">
-                        <a:alpha val="40000"/>
+                        <a:alpha val="71000"/>
                       </a:srgbClr>
                     </a:solidFill>
                   </a:tcPr>
@@ -10169,7 +10201,7 @@
                     </a:lnBlToTr>
                     <a:solidFill>
                       <a:srgbClr val="729CE0">
-                        <a:alpha val="40000"/>
+                        <a:alpha val="71000"/>
                       </a:srgbClr>
                     </a:solidFill>
                   </a:tcPr>
@@ -10275,7 +10307,7 @@
                     </a:lnBlToTr>
                     <a:solidFill>
                       <a:srgbClr val="729CE0">
-                        <a:alpha val="40000"/>
+                        <a:alpha val="71000"/>
                       </a:srgbClr>
                     </a:solidFill>
                   </a:tcPr>
@@ -10366,7 +10398,7 @@
                     </a:lnBlToTr>
                     <a:solidFill>
                       <a:srgbClr val="729CE0">
-                        <a:alpha val="40000"/>
+                        <a:alpha val="71000"/>
                       </a:srgbClr>
                     </a:solidFill>
                   </a:tcPr>
@@ -10457,7 +10489,7 @@
                     </a:lnBlToTr>
                     <a:solidFill>
                       <a:srgbClr val="729CE0">
-                        <a:alpha val="40000"/>
+                        <a:alpha val="71000"/>
                       </a:srgbClr>
                     </a:solidFill>
                   </a:tcPr>
@@ -10582,7 +10614,7 @@
                     </a:lnBlToTr>
                     <a:solidFill>
                       <a:srgbClr val="729CE0">
-                        <a:alpha val="40000"/>
+                        <a:alpha val="71000"/>
                       </a:srgbClr>
                     </a:solidFill>
                   </a:tcPr>
@@ -10673,7 +10705,7 @@
                     </a:lnBlToTr>
                     <a:solidFill>
                       <a:srgbClr val="729CE0">
-                        <a:alpha val="40000"/>
+                        <a:alpha val="71000"/>
                       </a:srgbClr>
                     </a:solidFill>
                   </a:tcPr>
@@ -10766,7 +10798,7 @@
                     </a:lnBlToTr>
                     <a:solidFill>
                       <a:srgbClr val="729CE0">
-                        <a:alpha val="40000"/>
+                        <a:alpha val="71000"/>
                       </a:srgbClr>
                     </a:solidFill>
                   </a:tcPr>
@@ -10776,39 +10808,6 @@
           </a:graphicData>
         </a:graphic>
       </p:graphicFrame>
-      <p:sp>
-        <p:nvSpPr>
-          <p:cNvPr id="2" name="TextBox 1"/>
-          <p:cNvSpPr txBox="1"/>
-          <p:nvPr/>
-        </p:nvSpPr>
-        <p:spPr>
-          <a:xfrm>
-            <a:off x="10534650" y="6067425"/>
-            <a:ext cx="1095375" cy="369332"/>
-          </a:xfrm>
-          <a:prstGeom prst="rect">
-            <a:avLst/>
-          </a:prstGeom>
-          <a:noFill/>
-        </p:spPr>
-        <p:txBody>
-          <a:bodyPr wrap="square" rtlCol="0">
-            <a:spAutoFit/>
-          </a:bodyPr>
-          <a:lstStyle/>
-          <a:p>
-            <a:r>
-              <a:rPr lang="en-US" altLang="ko-KR" dirty="0" smtClean="0">
-                <a:solidFill>
-                  <a:schemeClr val="bg1"/>
-                </a:solidFill>
-              </a:rPr>
-              <a:t>&lt;#&gt;</a:t>
-            </a:r>
-          </a:p>
-        </p:txBody>
-      </p:sp>
     </p:spTree>
     <p:extLst>
       <p:ext uri="{BB962C8B-B14F-4D97-AF65-F5344CB8AC3E}">
@@ -11973,6 +11972,10 @@
           </a:bodyPr>
           <a:lstStyle/>
           <a:p>
+            <a:pPr marL="457200" indent="-457200">
+              <a:buFont typeface="Arial" panose="020B0604020202020204" pitchFamily="34" charset="0"/>
+              <a:buChar char="•"/>
+            </a:pPr>
             <a:r>
               <a:rPr lang="ko-KR" altLang="en-US" sz="3200" dirty="0" smtClean="0">
                 <a:solidFill>
@@ -11988,7 +11991,24 @@
                 <a:latin typeface="-윤고딕310" panose="02030504000101010101" pitchFamily="18" charset="-127"/>
                 <a:ea typeface="-윤고딕310" panose="02030504000101010101" pitchFamily="18" charset="-127"/>
               </a:rPr>
-              <a:t>텍스트</a:t>
+              <a:t>항해 중 무작위로 전투 이벤트가 발생한다</a:t>
+            </a:r>
+            <a:r>
+              <a:rPr lang="en-US" altLang="ko-KR" sz="3200" dirty="0" smtClean="0">
+                <a:solidFill>
+                  <a:schemeClr val="bg1"/>
+                </a:solidFill>
+                <a:effectLst>
+                  <a:outerShdw blurRad="38100" dist="38100" dir="2700000" algn="tl">
+                    <a:srgbClr val="000000">
+                      <a:alpha val="43137"/>
+                    </a:srgbClr>
+                  </a:outerShdw>
+                </a:effectLst>
+                <a:latin typeface="-윤고딕310" panose="02030504000101010101" pitchFamily="18" charset="-127"/>
+                <a:ea typeface="-윤고딕310" panose="02030504000101010101" pitchFamily="18" charset="-127"/>
+              </a:rPr>
+              <a:t>.</a:t>
             </a:r>
             <a:endParaRPr lang="en-US" altLang="ko-KR" sz="3200" dirty="0">
               <a:solidFill>
@@ -12521,6 +12541,519 @@
           </a:p>
         </p:txBody>
       </p:sp>
+      <p:grpSp>
+        <p:nvGrpSpPr>
+          <p:cNvPr id="2" name="그룹 1"/>
+          <p:cNvGrpSpPr/>
+          <p:nvPr/>
+        </p:nvGrpSpPr>
+        <p:grpSpPr>
+          <a:xfrm>
+            <a:off x="197992" y="2128357"/>
+            <a:ext cx="12146408" cy="4490147"/>
+            <a:chOff x="197992" y="2128357"/>
+            <a:chExt cx="12146408" cy="4490147"/>
+          </a:xfrm>
+        </p:grpSpPr>
+        <p:sp>
+          <p:nvSpPr>
+            <p:cNvPr id="8" name="TextBox 7"/>
+            <p:cNvSpPr txBox="1"/>
+            <p:nvPr/>
+          </p:nvSpPr>
+          <p:spPr>
+            <a:xfrm>
+              <a:off x="4152900" y="6018341"/>
+              <a:ext cx="3886200" cy="276999"/>
+            </a:xfrm>
+            <a:prstGeom prst="rect">
+              <a:avLst/>
+            </a:prstGeom>
+            <a:noFill/>
+          </p:spPr>
+          <p:txBody>
+            <a:bodyPr wrap="square" rtlCol="0" anchor="ctr">
+              <a:spAutoFit/>
+            </a:bodyPr>
+            <a:lstStyle/>
+            <a:p>
+              <a:pPr algn="ctr"/>
+              <a:r>
+                <a:rPr lang="ko-KR" altLang="en-US" sz="1200" dirty="0" smtClean="0">
+                  <a:solidFill>
+                    <a:schemeClr val="bg1"/>
+                  </a:solidFill>
+                  <a:effectLst>
+                    <a:outerShdw blurRad="38100" dist="38100" dir="2700000" algn="tl">
+                      <a:srgbClr val="000000">
+                        <a:alpha val="43137"/>
+                      </a:srgbClr>
+                    </a:outerShdw>
+                  </a:effectLst>
+                  <a:latin typeface="+mn-ea"/>
+                </a:rPr>
+                <a:t>예시</a:t>
+              </a:r>
+              <a:r>
+                <a:rPr lang="en-US" altLang="ko-KR" sz="1200" dirty="0" smtClean="0">
+                  <a:solidFill>
+                    <a:schemeClr val="bg1"/>
+                  </a:solidFill>
+                  <a:effectLst>
+                    <a:outerShdw blurRad="38100" dist="38100" dir="2700000" algn="tl">
+                      <a:srgbClr val="000000">
+                        <a:alpha val="43137"/>
+                      </a:srgbClr>
+                    </a:outerShdw>
+                  </a:effectLst>
+                  <a:latin typeface="+mn-ea"/>
+                </a:rPr>
+                <a:t>: FTL</a:t>
+              </a:r>
+              <a:r>
+                <a:rPr lang="ko-KR" altLang="en-US" sz="1200" dirty="0" smtClean="0">
+                  <a:solidFill>
+                    <a:schemeClr val="bg1"/>
+                  </a:solidFill>
+                  <a:effectLst>
+                    <a:outerShdw blurRad="38100" dist="38100" dir="2700000" algn="tl">
+                      <a:srgbClr val="000000">
+                        <a:alpha val="43137"/>
+                      </a:srgbClr>
+                    </a:outerShdw>
+                  </a:effectLst>
+                  <a:latin typeface="+mn-ea"/>
+                </a:rPr>
+                <a:t>의 전투 사진</a:t>
+              </a:r>
+              <a:endParaRPr lang="ko-KR" altLang="en-US" sz="1200" dirty="0">
+                <a:solidFill>
+                  <a:schemeClr val="bg1"/>
+                </a:solidFill>
+                <a:effectLst>
+                  <a:outerShdw blurRad="38100" dist="38100" dir="2700000" algn="tl">
+                    <a:srgbClr val="000000">
+                      <a:alpha val="43137"/>
+                    </a:srgbClr>
+                  </a:outerShdw>
+                </a:effectLst>
+                <a:latin typeface="+mn-ea"/>
+              </a:endParaRPr>
+            </a:p>
+          </p:txBody>
+        </p:sp>
+        <p:pic>
+          <p:nvPicPr>
+            <p:cNvPr id="9" name="그림 8"/>
+            <p:cNvPicPr>
+              <a:picLocks noChangeAspect="1"/>
+            </p:cNvPicPr>
+            <p:nvPr/>
+          </p:nvPicPr>
+          <p:blipFill>
+            <a:blip r:embed="rId2">
+              <a:extLst>
+                <a:ext uri="{28A0092B-C50C-407E-A947-70E740481C1C}">
+                  <a14:useLocalDpi xmlns:a14="http://schemas.microsoft.com/office/drawing/2010/main" val="0"/>
+                </a:ext>
+              </a:extLst>
+            </a:blip>
+            <a:stretch>
+              <a:fillRect/>
+            </a:stretch>
+          </p:blipFill>
+          <p:spPr>
+            <a:xfrm>
+              <a:off x="3171825" y="2495550"/>
+              <a:ext cx="5848350" cy="3476625"/>
+            </a:xfrm>
+            <a:prstGeom prst="rect">
+              <a:avLst/>
+            </a:prstGeom>
+          </p:spPr>
+        </p:pic>
+        <p:sp>
+          <p:nvSpPr>
+            <p:cNvPr id="12" name="TextBox 11"/>
+            <p:cNvSpPr txBox="1"/>
+            <p:nvPr/>
+          </p:nvSpPr>
+          <p:spPr>
+            <a:xfrm>
+              <a:off x="7543800" y="2128357"/>
+              <a:ext cx="4800600" cy="369332"/>
+            </a:xfrm>
+            <a:prstGeom prst="rect">
+              <a:avLst/>
+            </a:prstGeom>
+            <a:noFill/>
+          </p:spPr>
+          <p:txBody>
+            <a:bodyPr wrap="square" rtlCol="0">
+              <a:spAutoFit/>
+            </a:bodyPr>
+            <a:lstStyle/>
+            <a:p>
+              <a:r>
+                <a:rPr lang="ko-KR" altLang="en-US" dirty="0" smtClean="0">
+                  <a:solidFill>
+                    <a:schemeClr val="bg1"/>
+                  </a:solidFill>
+                  <a:effectLst>
+                    <a:outerShdw blurRad="38100" dist="38100" dir="2700000" algn="tl">
+                      <a:srgbClr val="000000">
+                        <a:alpha val="43137"/>
+                      </a:srgbClr>
+                    </a:outerShdw>
+                  </a:effectLst>
+                </a:rPr>
+                <a:t>전투 이벤트 중에는 전투</a:t>
+              </a:r>
+              <a:r>
+                <a:rPr lang="en-US" altLang="ko-KR" dirty="0" smtClean="0">
+                  <a:solidFill>
+                    <a:schemeClr val="bg1"/>
+                  </a:solidFill>
+                  <a:effectLst>
+                    <a:outerShdw blurRad="38100" dist="38100" dir="2700000" algn="tl">
+                      <a:srgbClr val="000000">
+                        <a:alpha val="43137"/>
+                      </a:srgbClr>
+                    </a:outerShdw>
+                  </a:effectLst>
+                </a:rPr>
+                <a:t>, </a:t>
+              </a:r>
+              <a:r>
+                <a:rPr lang="ko-KR" altLang="en-US" dirty="0" smtClean="0">
+                  <a:solidFill>
+                    <a:schemeClr val="bg1"/>
+                  </a:solidFill>
+                  <a:effectLst>
+                    <a:outerShdw blurRad="38100" dist="38100" dir="2700000" algn="tl">
+                      <a:srgbClr val="000000">
+                        <a:alpha val="43137"/>
+                      </a:srgbClr>
+                    </a:outerShdw>
+                  </a:effectLst>
+                </a:rPr>
+                <a:t>도주만이 가능하다</a:t>
+              </a:r>
+              <a:r>
+                <a:rPr lang="en-US" altLang="ko-KR" dirty="0" smtClean="0">
+                  <a:solidFill>
+                    <a:schemeClr val="bg1"/>
+                  </a:solidFill>
+                  <a:effectLst>
+                    <a:outerShdw blurRad="38100" dist="38100" dir="2700000" algn="tl">
+                      <a:srgbClr val="000000">
+                        <a:alpha val="43137"/>
+                      </a:srgbClr>
+                    </a:outerShdw>
+                  </a:effectLst>
+                </a:rPr>
+                <a:t>.</a:t>
+              </a:r>
+              <a:endParaRPr lang="ko-KR" altLang="en-US" dirty="0">
+                <a:solidFill>
+                  <a:schemeClr val="bg1"/>
+                </a:solidFill>
+                <a:effectLst>
+                  <a:outerShdw blurRad="38100" dist="38100" dir="2700000" algn="tl">
+                    <a:srgbClr val="000000">
+                      <a:alpha val="43137"/>
+                    </a:srgbClr>
+                  </a:outerShdw>
+                </a:effectLst>
+              </a:endParaRPr>
+            </a:p>
+          </p:txBody>
+        </p:sp>
+        <p:sp>
+          <p:nvSpPr>
+            <p:cNvPr id="13" name="TextBox 12"/>
+            <p:cNvSpPr txBox="1"/>
+            <p:nvPr/>
+          </p:nvSpPr>
+          <p:spPr>
+            <a:xfrm>
+              <a:off x="7477124" y="5972174"/>
+              <a:ext cx="4562475" cy="369332"/>
+            </a:xfrm>
+            <a:prstGeom prst="rect">
+              <a:avLst/>
+            </a:prstGeom>
+            <a:noFill/>
+          </p:spPr>
+          <p:txBody>
+            <a:bodyPr wrap="square" rtlCol="0">
+              <a:spAutoFit/>
+            </a:bodyPr>
+            <a:lstStyle/>
+            <a:p>
+              <a:r>
+                <a:rPr lang="ko-KR" altLang="en-US" dirty="0" smtClean="0">
+                  <a:solidFill>
+                    <a:schemeClr val="bg1"/>
+                  </a:solidFill>
+                  <a:effectLst>
+                    <a:outerShdw blurRad="38100" dist="38100" dir="2700000" algn="tl">
+                      <a:srgbClr val="000000">
+                        <a:alpha val="43137"/>
+                      </a:srgbClr>
+                    </a:outerShdw>
+                  </a:effectLst>
+                </a:rPr>
+                <a:t>적에 대한</a:t>
+              </a:r>
+              <a:r>
+                <a:rPr lang="en-US" altLang="ko-KR" dirty="0" smtClean="0">
+                  <a:solidFill>
+                    <a:schemeClr val="bg1"/>
+                  </a:solidFill>
+                  <a:effectLst>
+                    <a:outerShdw blurRad="38100" dist="38100" dir="2700000" algn="tl">
+                      <a:srgbClr val="000000">
+                        <a:alpha val="43137"/>
+                      </a:srgbClr>
+                    </a:outerShdw>
+                  </a:effectLst>
+                </a:rPr>
+                <a:t>.</a:t>
+              </a:r>
+              <a:endParaRPr lang="ko-KR" altLang="en-US" dirty="0">
+                <a:solidFill>
+                  <a:schemeClr val="bg1"/>
+                </a:solidFill>
+                <a:effectLst>
+                  <a:outerShdw blurRad="38100" dist="38100" dir="2700000" algn="tl">
+                    <a:srgbClr val="000000">
+                      <a:alpha val="43137"/>
+                    </a:srgbClr>
+                  </a:outerShdw>
+                </a:effectLst>
+              </a:endParaRPr>
+            </a:p>
+          </p:txBody>
+        </p:sp>
+        <p:sp>
+          <p:nvSpPr>
+            <p:cNvPr id="14" name="TextBox 13"/>
+            <p:cNvSpPr txBox="1"/>
+            <p:nvPr/>
+          </p:nvSpPr>
+          <p:spPr>
+            <a:xfrm>
+              <a:off x="197992" y="5972173"/>
+              <a:ext cx="4288284" cy="646331"/>
+            </a:xfrm>
+            <a:prstGeom prst="rect">
+              <a:avLst/>
+            </a:prstGeom>
+            <a:noFill/>
+          </p:spPr>
+          <p:txBody>
+            <a:bodyPr wrap="square" rtlCol="0">
+              <a:spAutoFit/>
+            </a:bodyPr>
+            <a:lstStyle/>
+            <a:p>
+              <a:pPr algn="r"/>
+              <a:r>
+                <a:rPr lang="ko-KR" altLang="en-US" dirty="0" smtClean="0">
+                  <a:solidFill>
+                    <a:schemeClr val="bg1"/>
+                  </a:solidFill>
+                  <a:effectLst>
+                    <a:outerShdw blurRad="38100" dist="38100" dir="2700000" algn="tl">
+                      <a:srgbClr val="000000">
+                        <a:alpha val="43137"/>
+                      </a:srgbClr>
+                    </a:outerShdw>
+                  </a:effectLst>
+                </a:rPr>
+                <a:t>함선마다 다양한 기능을 달고 있다</a:t>
+              </a:r>
+              <a:r>
+                <a:rPr lang="en-US" altLang="ko-KR" dirty="0" smtClean="0">
+                  <a:solidFill>
+                    <a:schemeClr val="bg1"/>
+                  </a:solidFill>
+                  <a:effectLst>
+                    <a:outerShdw blurRad="38100" dist="38100" dir="2700000" algn="tl">
+                      <a:srgbClr val="000000">
+                        <a:alpha val="43137"/>
+                      </a:srgbClr>
+                    </a:outerShdw>
+                  </a:effectLst>
+                </a:rPr>
+                <a:t>.</a:t>
+              </a:r>
+            </a:p>
+            <a:p>
+              <a:pPr algn="r"/>
+              <a:r>
+                <a:rPr lang="ko-KR" altLang="en-US" dirty="0" smtClean="0">
+                  <a:solidFill>
+                    <a:schemeClr val="bg1"/>
+                  </a:solidFill>
+                  <a:effectLst>
+                    <a:outerShdw blurRad="38100" dist="38100" dir="2700000" algn="tl">
+                      <a:srgbClr val="000000">
+                        <a:alpha val="43137"/>
+                      </a:srgbClr>
+                    </a:outerShdw>
+                  </a:effectLst>
+                </a:rPr>
+                <a:t>각 기능들은 강화</a:t>
+              </a:r>
+              <a:r>
+                <a:rPr lang="en-US" altLang="ko-KR" dirty="0" smtClean="0">
+                  <a:solidFill>
+                    <a:schemeClr val="bg1"/>
+                  </a:solidFill>
+                  <a:effectLst>
+                    <a:outerShdw blurRad="38100" dist="38100" dir="2700000" algn="tl">
+                      <a:srgbClr val="000000">
+                        <a:alpha val="43137"/>
+                      </a:srgbClr>
+                    </a:outerShdw>
+                  </a:effectLst>
+                </a:rPr>
+                <a:t>, </a:t>
+              </a:r>
+              <a:r>
+                <a:rPr lang="ko-KR" altLang="en-US" dirty="0" smtClean="0">
+                  <a:solidFill>
+                    <a:schemeClr val="bg1"/>
+                  </a:solidFill>
+                  <a:effectLst>
+                    <a:outerShdw blurRad="38100" dist="38100" dir="2700000" algn="tl">
+                      <a:srgbClr val="000000">
+                        <a:alpha val="43137"/>
+                      </a:srgbClr>
+                    </a:outerShdw>
+                  </a:effectLst>
+                </a:rPr>
+                <a:t>추가가 가능하다</a:t>
+              </a:r>
+              <a:r>
+                <a:rPr lang="en-US" altLang="ko-KR" dirty="0" smtClean="0">
+                  <a:solidFill>
+                    <a:schemeClr val="bg1"/>
+                  </a:solidFill>
+                  <a:effectLst>
+                    <a:outerShdw blurRad="38100" dist="38100" dir="2700000" algn="tl">
+                      <a:srgbClr val="000000">
+                        <a:alpha val="43137"/>
+                      </a:srgbClr>
+                    </a:outerShdw>
+                  </a:effectLst>
+                </a:rPr>
+                <a:t>.</a:t>
+              </a:r>
+            </a:p>
+          </p:txBody>
+        </p:sp>
+        <p:sp>
+          <p:nvSpPr>
+            <p:cNvPr id="15" name="TextBox 14"/>
+            <p:cNvSpPr txBox="1"/>
+            <p:nvPr/>
+          </p:nvSpPr>
+          <p:spPr>
+            <a:xfrm>
+              <a:off x="578992" y="2132639"/>
+              <a:ext cx="3907284" cy="369332"/>
+            </a:xfrm>
+            <a:prstGeom prst="rect">
+              <a:avLst/>
+            </a:prstGeom>
+            <a:noFill/>
+          </p:spPr>
+          <p:txBody>
+            <a:bodyPr wrap="square" rtlCol="0">
+              <a:spAutoFit/>
+            </a:bodyPr>
+            <a:lstStyle/>
+            <a:p>
+              <a:pPr algn="r"/>
+              <a:r>
+                <a:rPr lang="ko-KR" altLang="en-US" dirty="0" smtClean="0">
+                  <a:solidFill>
+                    <a:schemeClr val="bg1"/>
+                  </a:solidFill>
+                  <a:effectLst>
+                    <a:outerShdw blurRad="38100" dist="38100" dir="2700000" algn="tl">
+                      <a:srgbClr val="000000">
+                        <a:alpha val="43137"/>
+                      </a:srgbClr>
+                    </a:outerShdw>
+                  </a:effectLst>
+                </a:rPr>
+                <a:t>선체 내구도가 </a:t>
+              </a:r>
+              <a:r>
+                <a:rPr lang="en-US" altLang="ko-KR" dirty="0" smtClean="0">
+                  <a:solidFill>
+                    <a:schemeClr val="bg1"/>
+                  </a:solidFill>
+                  <a:effectLst>
+                    <a:outerShdw blurRad="38100" dist="38100" dir="2700000" algn="tl">
+                      <a:srgbClr val="000000">
+                        <a:alpha val="43137"/>
+                      </a:srgbClr>
+                    </a:outerShdw>
+                  </a:effectLst>
+                </a:rPr>
+                <a:t>0</a:t>
+              </a:r>
+              <a:r>
+                <a:rPr lang="ko-KR" altLang="en-US" dirty="0" smtClean="0">
+                  <a:solidFill>
+                    <a:schemeClr val="bg1"/>
+                  </a:solidFill>
+                  <a:effectLst>
+                    <a:outerShdw blurRad="38100" dist="38100" dir="2700000" algn="tl">
+                      <a:srgbClr val="000000">
+                        <a:alpha val="43137"/>
+                      </a:srgbClr>
+                    </a:outerShdw>
+                  </a:effectLst>
+                </a:rPr>
+                <a:t>이 되면 패배한다</a:t>
+              </a:r>
+              <a:r>
+                <a:rPr lang="en-US" altLang="ko-KR" dirty="0" smtClean="0">
+                  <a:solidFill>
+                    <a:schemeClr val="bg1"/>
+                  </a:solidFill>
+                  <a:effectLst>
+                    <a:outerShdw blurRad="38100" dist="38100" dir="2700000" algn="tl">
+                      <a:srgbClr val="000000">
+                        <a:alpha val="43137"/>
+                      </a:srgbClr>
+                    </a:outerShdw>
+                  </a:effectLst>
+                </a:rPr>
+                <a:t>.</a:t>
+              </a:r>
+              <a:endParaRPr lang="ko-KR" altLang="en-US" dirty="0">
+                <a:solidFill>
+                  <a:schemeClr val="bg1"/>
+                </a:solidFill>
+                <a:effectLst>
+                  <a:outerShdw blurRad="38100" dist="38100" dir="2700000" algn="tl">
+                    <a:srgbClr val="000000">
+                      <a:alpha val="43137"/>
+                    </a:srgbClr>
+                  </a:outerShdw>
+                </a:effectLst>
+              </a:endParaRPr>
+            </a:p>
+          </p:txBody>
+        </p:sp>
+      </p:grpSp>
     </p:spTree>
     <p:extLst>
       <p:ext uri="{BB962C8B-B14F-4D97-AF65-F5344CB8AC3E}">
@@ -16225,6 +16758,29 @@
               <a:buFont typeface="+mj-lt"/>
               <a:buAutoNum type="arabicPeriod"/>
             </a:pPr>
+            <a:r>
+              <a:rPr lang="en-US" altLang="ko-KR" sz="1600" dirty="0">
+                <a:ln>
+                  <a:solidFill>
+                    <a:schemeClr val="accent1">
+                      <a:alpha val="57000"/>
+                    </a:schemeClr>
+                  </a:solidFill>
+                </a:ln>
+                <a:solidFill>
+                  <a:schemeClr val="bg1"/>
+                </a:solidFill>
+                <a:effectLst>
+                  <a:outerShdw blurRad="38100" dist="38100" dir="2700000" algn="tl">
+                    <a:srgbClr val="000000">
+                      <a:alpha val="43137"/>
+                    </a:srgbClr>
+                  </a:outerShdw>
+                </a:effectLst>
+                <a:latin typeface="Continuum Light" panose="00000400000000000000" pitchFamily="2" charset="0"/>
+              </a:rPr>
+              <a:t>https://octopusoverlords.com/forum/viewtopic.php?f=2&amp;t=80866</a:t>
+            </a:r>
             <a:endParaRPr lang="en-US" altLang="ko-KR" sz="1600" dirty="0" smtClean="0">
               <a:ln>
                 <a:solidFill>
@@ -19176,7 +19732,7 @@
         <p:spPr>
           <a:xfrm>
             <a:off x="117687" y="1363131"/>
-            <a:ext cx="11617113" cy="3785652"/>
+            <a:ext cx="11617113" cy="3323987"/>
           </a:xfrm>
           <a:prstGeom prst="rect">
             <a:avLst/>
@@ -19228,7 +19784,7 @@
                 <a:latin typeface="-윤고딕310" panose="02030504000101010101" pitchFamily="18" charset="-127"/>
                 <a:ea typeface="-윤고딕310" panose="02030504000101010101" pitchFamily="18" charset="-127"/>
               </a:rPr>
-              <a:t>플레이어는 우주 최고로 성공하겠다는 일념으로</a:t>
+              <a:t>플레이어는</a:t>
             </a:r>
             <a:r>
               <a:rPr lang="en-US" altLang="ko-KR" sz="3000" dirty="0" smtClean="0">
@@ -19245,7 +19801,7 @@
                 <a:latin typeface="-윤고딕310" panose="02030504000101010101" pitchFamily="18" charset="-127"/>
                 <a:ea typeface="-윤고딕310" panose="02030504000101010101" pitchFamily="18" charset="-127"/>
               </a:rPr>
-              <a:t>, </a:t>
+              <a:t> </a:t>
             </a:r>
             <a:r>
               <a:rPr lang="ko-KR" altLang="en-US" sz="3000" dirty="0" smtClean="0">
@@ -20009,7 +20565,7 @@
           <p:nvPr>
             <p:extLst>
               <p:ext uri="{D42A27DB-BD31-4B8C-83A1-F6EECF244321}">
-                <p14:modId xmlns:p14="http://schemas.microsoft.com/office/powerpoint/2010/main" val="892070917"/>
+                <p14:modId xmlns:p14="http://schemas.microsoft.com/office/powerpoint/2010/main" val="2128096772"/>
               </p:ext>
             </p:extLst>
           </p:nvPr>
@@ -21842,7 +22398,7 @@
         <p:spPr>
           <a:xfrm>
             <a:off x="117687" y="1363131"/>
-            <a:ext cx="11617113" cy="5170646"/>
+            <a:ext cx="11617113" cy="4247317"/>
           </a:xfrm>
           <a:prstGeom prst="rect">
             <a:avLst/>
@@ -21855,30 +22411,6 @@
           </a:bodyPr>
           <a:lstStyle/>
           <a:p>
-            <a:pPr marL="457200" indent="-457200">
-              <a:buFont typeface="Arial" panose="020B0604020202020204" pitchFamily="34" charset="0"/>
-              <a:buChar char="•"/>
-            </a:pPr>
-            <a:endParaRPr lang="en-US" altLang="ko-KR" sz="3000" dirty="0" smtClean="0">
-              <a:solidFill>
-                <a:schemeClr val="bg1"/>
-              </a:solidFill>
-              <a:effectLst>
-                <a:outerShdw blurRad="38100" dist="38100" dir="2700000" algn="tl">
-                  <a:srgbClr val="000000">
-                    <a:alpha val="43137"/>
-                  </a:srgbClr>
-                </a:outerShdw>
-              </a:effectLst>
-              <a:latin typeface="-윤고딕310" panose="02030504000101010101" pitchFamily="18" charset="-127"/>
-              <a:ea typeface="-윤고딕310" panose="02030504000101010101" pitchFamily="18" charset="-127"/>
-            </a:endParaRPr>
-          </a:p>
-          <a:p>
-            <a:pPr marL="457200" indent="-457200">
-              <a:buFont typeface="Arial" panose="020B0604020202020204" pitchFamily="34" charset="0"/>
-              <a:buChar char="•"/>
-            </a:pPr>
             <a:endParaRPr lang="en-US" altLang="ko-KR" sz="3000" dirty="0">
               <a:solidFill>
                 <a:schemeClr val="bg1"/>
@@ -22066,41 +22598,7 @@
                 <a:latin typeface="-윤고딕310" panose="02030504000101010101" pitchFamily="18" charset="-127"/>
                 <a:ea typeface="-윤고딕310" panose="02030504000101010101" pitchFamily="18" charset="-127"/>
               </a:rPr>
-              <a:t>그러나 여전히 빈부의 격차는 남아있다</a:t>
-            </a:r>
-            <a:r>
-              <a:rPr lang="en-US" altLang="ko-KR" sz="3000" dirty="0" smtClean="0">
-                <a:solidFill>
-                  <a:schemeClr val="bg1"/>
-                </a:solidFill>
-                <a:effectLst>
-                  <a:outerShdw blurRad="38100" dist="38100" dir="2700000" algn="tl">
-                    <a:srgbClr val="000000">
-                      <a:alpha val="43137"/>
-                    </a:srgbClr>
-                  </a:outerShdw>
-                </a:effectLst>
-                <a:latin typeface="-윤고딕310" panose="02030504000101010101" pitchFamily="18" charset="-127"/>
-                <a:ea typeface="-윤고딕310" panose="02030504000101010101" pitchFamily="18" charset="-127"/>
-              </a:rPr>
-              <a:t>. </a:t>
-            </a:r>
-            <a:r>
-              <a:rPr lang="ko-KR" altLang="en-US" sz="3000" dirty="0" smtClean="0">
-                <a:solidFill>
-                  <a:schemeClr val="bg1"/>
-                </a:solidFill>
-                <a:effectLst>
-                  <a:outerShdw blurRad="38100" dist="38100" dir="2700000" algn="tl">
-                    <a:srgbClr val="000000">
-                      <a:alpha val="43137"/>
-                    </a:srgbClr>
-                  </a:outerShdw>
-                </a:effectLst>
-                <a:latin typeface="-윤고딕310" panose="02030504000101010101" pitchFamily="18" charset="-127"/>
-                <a:ea typeface="-윤고딕310" panose="02030504000101010101" pitchFamily="18" charset="-127"/>
-              </a:rPr>
-              <a:t>수많은 외계 종족들도 비슷한 연유로 빈곤한 처지에 있다</a:t>
+              <a:t>수많은 외계 종족들은 빈부의 격차로 빈곤한 처지에 있다</a:t>
             </a:r>
             <a:r>
               <a:rPr lang="en-US" altLang="ko-KR" sz="3000" dirty="0" smtClean="0">
@@ -24933,31 +25431,122 @@
           </a:p>
         </p:txBody>
       </p:sp>
-      <p:sp>
-        <p:nvSpPr>
-          <p:cNvPr id="28" name="TextBox 27"/>
-          <p:cNvSpPr txBox="1"/>
+      <p:grpSp>
+        <p:nvGrpSpPr>
+          <p:cNvPr id="16" name="그룹 15"/>
+          <p:cNvGrpSpPr/>
           <p:nvPr/>
-        </p:nvSpPr>
-        <p:spPr>
+        </p:nvGrpSpPr>
+        <p:grpSpPr>
           <a:xfrm>
-            <a:off x="4152900" y="5972175"/>
-            <a:ext cx="3886200" cy="369332"/>
+            <a:off x="197992" y="2128357"/>
+            <a:ext cx="11841607" cy="4490148"/>
+            <a:chOff x="197992" y="2128357"/>
+            <a:chExt cx="11841607" cy="4490148"/>
           </a:xfrm>
-          <a:prstGeom prst="rect">
-            <a:avLst/>
-          </a:prstGeom>
-          <a:noFill/>
-        </p:spPr>
-        <p:txBody>
-          <a:bodyPr wrap="square" rtlCol="0" anchor="ctr">
-            <a:spAutoFit/>
-          </a:bodyPr>
-          <a:lstStyle/>
-          <a:p>
-            <a:pPr algn="ctr"/>
-            <a:r>
-              <a:rPr lang="ko-KR" altLang="en-US" dirty="0" smtClean="0">
+        </p:grpSpPr>
+        <p:pic>
+          <p:nvPicPr>
+            <p:cNvPr id="15" name="그림 14"/>
+            <p:cNvPicPr>
+              <a:picLocks noChangeAspect="1"/>
+            </p:cNvPicPr>
+            <p:nvPr/>
+          </p:nvPicPr>
+          <p:blipFill>
+            <a:blip r:embed="rId3">
+              <a:extLst>
+                <a:ext uri="{28A0092B-C50C-407E-A947-70E740481C1C}">
+                  <a14:useLocalDpi xmlns:a14="http://schemas.microsoft.com/office/drawing/2010/main" val="0"/>
+                </a:ext>
+              </a:extLst>
+            </a:blip>
+            <a:stretch>
+              <a:fillRect/>
+            </a:stretch>
+          </p:blipFill>
+          <p:spPr>
+            <a:xfrm>
+              <a:off x="2994215" y="2497689"/>
+              <a:ext cx="6182401" cy="3477600"/>
+            </a:xfrm>
+            <a:prstGeom prst="rect">
+              <a:avLst/>
+            </a:prstGeom>
+          </p:spPr>
+        </p:pic>
+        <p:sp>
+          <p:nvSpPr>
+            <p:cNvPr id="28" name="TextBox 27"/>
+            <p:cNvSpPr txBox="1"/>
+            <p:nvPr/>
+          </p:nvSpPr>
+          <p:spPr>
+            <a:xfrm>
+              <a:off x="4152900" y="6018341"/>
+              <a:ext cx="3886200" cy="276999"/>
+            </a:xfrm>
+            <a:prstGeom prst="rect">
+              <a:avLst/>
+            </a:prstGeom>
+            <a:noFill/>
+          </p:spPr>
+          <p:txBody>
+            <a:bodyPr wrap="square" rtlCol="0" anchor="ctr">
+              <a:spAutoFit/>
+            </a:bodyPr>
+            <a:lstStyle/>
+            <a:p>
+              <a:pPr algn="ctr"/>
+              <a:r>
+                <a:rPr lang="ko-KR" altLang="en-US" sz="1200" dirty="0" smtClean="0">
+                  <a:solidFill>
+                    <a:schemeClr val="bg1"/>
+                  </a:solidFill>
+                  <a:effectLst>
+                    <a:outerShdw blurRad="38100" dist="38100" dir="2700000" algn="tl">
+                      <a:srgbClr val="000000">
+                        <a:alpha val="43137"/>
+                      </a:srgbClr>
+                    </a:outerShdw>
+                  </a:effectLst>
+                  <a:latin typeface="+mn-ea"/>
+                </a:rPr>
+                <a:t>예시</a:t>
+              </a:r>
+              <a:r>
+                <a:rPr lang="en-US" altLang="ko-KR" sz="1200" dirty="0" smtClean="0">
+                  <a:solidFill>
+                    <a:schemeClr val="bg1"/>
+                  </a:solidFill>
+                  <a:effectLst>
+                    <a:outerShdw blurRad="38100" dist="38100" dir="2700000" algn="tl">
+                      <a:srgbClr val="000000">
+                        <a:alpha val="43137"/>
+                      </a:srgbClr>
+                    </a:outerShdw>
+                  </a:effectLst>
+                  <a:latin typeface="+mn-ea"/>
+                </a:rPr>
+                <a:t>: FTL</a:t>
+              </a:r>
+              <a:r>
+                <a:rPr lang="ko-KR" altLang="en-US" sz="1200" dirty="0" smtClean="0">
+                  <a:solidFill>
+                    <a:schemeClr val="bg1"/>
+                  </a:solidFill>
+                  <a:effectLst>
+                    <a:outerShdw blurRad="38100" dist="38100" dir="2700000" algn="tl">
+                      <a:srgbClr val="000000">
+                        <a:alpha val="43137"/>
+                      </a:srgbClr>
+                    </a:outerShdw>
+                  </a:effectLst>
+                  <a:latin typeface="+mn-ea"/>
+                </a:rPr>
+                <a:t>의 전투 사진</a:t>
+              </a:r>
+              <a:endParaRPr lang="ko-KR" altLang="en-US" sz="1200" dirty="0">
                 <a:solidFill>
                   <a:schemeClr val="bg1"/>
                 </a:solidFill>
@@ -24969,149 +25558,424 @@
                   </a:outerShdw>
                 </a:effectLst>
                 <a:latin typeface="+mn-ea"/>
-              </a:rPr>
-              <a:t>예시</a:t>
-            </a:r>
-            <a:r>
-              <a:rPr lang="en-US" altLang="ko-KR" dirty="0" smtClean="0">
-                <a:solidFill>
-                  <a:schemeClr val="bg1"/>
-                </a:solidFill>
-                <a:effectLst>
-                  <a:outerShdw blurRad="38100" dist="38100" dir="2700000" algn="tl">
-                    <a:srgbClr val="000000">
-                      <a:alpha val="43137"/>
-                    </a:srgbClr>
-                  </a:outerShdw>
-                </a:effectLst>
-                <a:latin typeface="+mn-ea"/>
-              </a:rPr>
-              <a:t>: FTL</a:t>
-            </a:r>
-            <a:r>
-              <a:rPr lang="ko-KR" altLang="en-US" dirty="0" smtClean="0">
-                <a:solidFill>
-                  <a:schemeClr val="bg1"/>
-                </a:solidFill>
-                <a:effectLst>
-                  <a:outerShdw blurRad="38100" dist="38100" dir="2700000" algn="tl">
-                    <a:srgbClr val="000000">
-                      <a:alpha val="43137"/>
-                    </a:srgbClr>
-                  </a:outerShdw>
-                </a:effectLst>
-                <a:latin typeface="+mn-ea"/>
-              </a:rPr>
-              <a:t>의 전투 사진</a:t>
-            </a:r>
-            <a:endParaRPr lang="ko-KR" altLang="en-US" dirty="0">
-              <a:solidFill>
-                <a:schemeClr val="bg1"/>
-              </a:solidFill>
-              <a:effectLst>
-                <a:outerShdw blurRad="38100" dist="38100" dir="2700000" algn="tl">
-                  <a:srgbClr val="000000">
-                    <a:alpha val="43137"/>
-                  </a:srgbClr>
-                </a:outerShdw>
-              </a:effectLst>
-              <a:latin typeface="+mn-ea"/>
-            </a:endParaRPr>
-          </a:p>
-        </p:txBody>
-      </p:sp>
-      <p:pic>
-        <p:nvPicPr>
-          <p:cNvPr id="5" name="그림 4"/>
-          <p:cNvPicPr>
-            <a:picLocks noChangeAspect="1"/>
-          </p:cNvPicPr>
-          <p:nvPr/>
-        </p:nvPicPr>
-        <p:blipFill>
-          <a:blip r:embed="rId3">
-            <a:extLst>
-              <a:ext uri="{28A0092B-C50C-407E-A947-70E740481C1C}">
-                <a14:useLocalDpi xmlns:a14="http://schemas.microsoft.com/office/drawing/2010/main" val="0"/>
-              </a:ext>
-            </a:extLst>
-          </a:blip>
-          <a:stretch>
-            <a:fillRect/>
-          </a:stretch>
-        </p:blipFill>
-        <p:spPr>
-          <a:xfrm>
-            <a:off x="3171825" y="2495550"/>
-            <a:ext cx="5848350" cy="3476625"/>
-          </a:xfrm>
-          <a:prstGeom prst="rect">
-            <a:avLst/>
-          </a:prstGeom>
-        </p:spPr>
-      </p:pic>
-      <p:sp>
-        <p:nvSpPr>
-          <p:cNvPr id="29" name="TextBox 28"/>
-          <p:cNvSpPr txBox="1"/>
-          <p:nvPr/>
-        </p:nvSpPr>
-        <p:spPr>
-          <a:xfrm>
-            <a:off x="6265416" y="2128357"/>
-            <a:ext cx="4069209" cy="369332"/>
-          </a:xfrm>
-          <a:prstGeom prst="rect">
-            <a:avLst/>
-          </a:prstGeom>
-          <a:noFill/>
-        </p:spPr>
-        <p:txBody>
-          <a:bodyPr wrap="square" rtlCol="0">
-            <a:spAutoFit/>
-          </a:bodyPr>
-          <a:lstStyle/>
-          <a:p>
-            <a:r>
-              <a:rPr lang="en-US" altLang="ko-KR" dirty="0" smtClean="0">
-                <a:solidFill>
-                  <a:schemeClr val="bg1"/>
-                </a:solidFill>
-              </a:rPr>
-              <a:t>(</a:t>
-            </a:r>
-            <a:r>
-              <a:rPr lang="ko-KR" altLang="en-US" dirty="0" smtClean="0">
-                <a:solidFill>
-                  <a:schemeClr val="bg1"/>
-                </a:solidFill>
-              </a:rPr>
-              <a:t>분리된</a:t>
-            </a:r>
-            <a:r>
-              <a:rPr lang="en-US" altLang="ko-KR" dirty="0" smtClean="0">
-                <a:solidFill>
-                  <a:schemeClr val="bg1"/>
-                </a:solidFill>
-              </a:rPr>
-              <a:t>) </a:t>
-            </a:r>
-            <a:r>
-              <a:rPr lang="ko-KR" altLang="en-US" dirty="0" smtClean="0">
-                <a:solidFill>
-                  <a:schemeClr val="bg1"/>
-                </a:solidFill>
-              </a:rPr>
-              <a:t>전지적 시점에서 게임이 진행</a:t>
-            </a:r>
-            <a:endParaRPr lang="ko-KR" altLang="en-US" dirty="0">
-              <a:solidFill>
-                <a:schemeClr val="bg1"/>
-              </a:solidFill>
-            </a:endParaRPr>
-          </a:p>
-        </p:txBody>
-      </p:sp>
+              </a:endParaRPr>
+            </a:p>
+          </p:txBody>
+        </p:sp>
+        <p:sp>
+          <p:nvSpPr>
+            <p:cNvPr id="29" name="TextBox 28"/>
+            <p:cNvSpPr txBox="1"/>
+            <p:nvPr/>
+          </p:nvSpPr>
+          <p:spPr>
+            <a:xfrm>
+              <a:off x="7543800" y="2128357"/>
+              <a:ext cx="4069209" cy="369332"/>
+            </a:xfrm>
+            <a:prstGeom prst="rect">
+              <a:avLst/>
+            </a:prstGeom>
+            <a:noFill/>
+          </p:spPr>
+          <p:txBody>
+            <a:bodyPr wrap="square" rtlCol="0">
+              <a:spAutoFit/>
+            </a:bodyPr>
+            <a:lstStyle/>
+            <a:p>
+              <a:r>
+                <a:rPr lang="en-US" altLang="ko-KR" dirty="0" smtClean="0">
+                  <a:solidFill>
+                    <a:schemeClr val="bg1"/>
+                  </a:solidFill>
+                  <a:effectLst>
+                    <a:outerShdw blurRad="38100" dist="38100" dir="2700000" algn="tl">
+                      <a:srgbClr val="000000">
+                        <a:alpha val="43137"/>
+                      </a:srgbClr>
+                    </a:outerShdw>
+                  </a:effectLst>
+                </a:rPr>
+                <a:t>(</a:t>
+              </a:r>
+              <a:r>
+                <a:rPr lang="ko-KR" altLang="en-US" dirty="0" smtClean="0">
+                  <a:solidFill>
+                    <a:schemeClr val="bg1"/>
+                  </a:solidFill>
+                  <a:effectLst>
+                    <a:outerShdw blurRad="38100" dist="38100" dir="2700000" algn="tl">
+                      <a:srgbClr val="000000">
+                        <a:alpha val="43137"/>
+                      </a:srgbClr>
+                    </a:outerShdw>
+                  </a:effectLst>
+                </a:rPr>
+                <a:t>분리된</a:t>
+              </a:r>
+              <a:r>
+                <a:rPr lang="en-US" altLang="ko-KR" dirty="0" smtClean="0">
+                  <a:solidFill>
+                    <a:schemeClr val="bg1"/>
+                  </a:solidFill>
+                  <a:effectLst>
+                    <a:outerShdw blurRad="38100" dist="38100" dir="2700000" algn="tl">
+                      <a:srgbClr val="000000">
+                        <a:alpha val="43137"/>
+                      </a:srgbClr>
+                    </a:outerShdw>
+                  </a:effectLst>
+                </a:rPr>
+                <a:t>) </a:t>
+              </a:r>
+              <a:r>
+                <a:rPr lang="ko-KR" altLang="en-US" dirty="0" smtClean="0">
+                  <a:solidFill>
+                    <a:schemeClr val="bg1"/>
+                  </a:solidFill>
+                  <a:effectLst>
+                    <a:outerShdw blurRad="38100" dist="38100" dir="2700000" algn="tl">
+                      <a:srgbClr val="000000">
+                        <a:alpha val="43137"/>
+                      </a:srgbClr>
+                    </a:outerShdw>
+                  </a:effectLst>
+                </a:rPr>
+                <a:t>전지적 시점에서 게임이 진행</a:t>
+              </a:r>
+              <a:r>
+                <a:rPr lang="en-US" altLang="ko-KR" dirty="0" smtClean="0">
+                  <a:solidFill>
+                    <a:schemeClr val="bg1"/>
+                  </a:solidFill>
+                  <a:effectLst>
+                    <a:outerShdw blurRad="38100" dist="38100" dir="2700000" algn="tl">
+                      <a:srgbClr val="000000">
+                        <a:alpha val="43137"/>
+                      </a:srgbClr>
+                    </a:outerShdw>
+                  </a:effectLst>
+                </a:rPr>
+                <a:t>.</a:t>
+              </a:r>
+              <a:endParaRPr lang="ko-KR" altLang="en-US" dirty="0">
+                <a:solidFill>
+                  <a:schemeClr val="bg1"/>
+                </a:solidFill>
+                <a:effectLst>
+                  <a:outerShdw blurRad="38100" dist="38100" dir="2700000" algn="tl">
+                    <a:srgbClr val="000000">
+                      <a:alpha val="43137"/>
+                    </a:srgbClr>
+                  </a:outerShdw>
+                </a:effectLst>
+              </a:endParaRPr>
+            </a:p>
+          </p:txBody>
+        </p:sp>
+        <p:sp>
+          <p:nvSpPr>
+            <p:cNvPr id="35" name="TextBox 34"/>
+            <p:cNvSpPr txBox="1"/>
+            <p:nvPr/>
+          </p:nvSpPr>
+          <p:spPr>
+            <a:xfrm>
+              <a:off x="7477124" y="5972174"/>
+              <a:ext cx="4562475" cy="646331"/>
+            </a:xfrm>
+            <a:prstGeom prst="rect">
+              <a:avLst/>
+            </a:prstGeom>
+            <a:noFill/>
+          </p:spPr>
+          <p:txBody>
+            <a:bodyPr wrap="square" rtlCol="0">
+              <a:spAutoFit/>
+            </a:bodyPr>
+            <a:lstStyle/>
+            <a:p>
+              <a:r>
+                <a:rPr lang="ko-KR" altLang="en-US" dirty="0" smtClean="0">
+                  <a:solidFill>
+                    <a:schemeClr val="bg1"/>
+                  </a:solidFill>
+                  <a:effectLst>
+                    <a:outerShdw blurRad="38100" dist="38100" dir="2700000" algn="tl">
+                      <a:srgbClr val="000000">
+                        <a:alpha val="43137"/>
+                      </a:srgbClr>
+                    </a:outerShdw>
+                  </a:effectLst>
+                </a:rPr>
+                <a:t>적과 자기 함선이 분리된 영역에 표시된다</a:t>
+              </a:r>
+              <a:r>
+                <a:rPr lang="en-US" altLang="ko-KR" dirty="0" smtClean="0">
+                  <a:solidFill>
+                    <a:schemeClr val="bg1"/>
+                  </a:solidFill>
+                  <a:effectLst>
+                    <a:outerShdw blurRad="38100" dist="38100" dir="2700000" algn="tl">
+                      <a:srgbClr val="000000">
+                        <a:alpha val="43137"/>
+                      </a:srgbClr>
+                    </a:outerShdw>
+                  </a:effectLst>
+                </a:rPr>
+                <a:t>.</a:t>
+              </a:r>
+            </a:p>
+            <a:p>
+              <a:r>
+                <a:rPr lang="ko-KR" altLang="en-US" smtClean="0">
+                  <a:solidFill>
+                    <a:schemeClr val="bg1"/>
+                  </a:solidFill>
+                  <a:effectLst>
+                    <a:outerShdw blurRad="38100" dist="38100" dir="2700000" algn="tl">
+                      <a:srgbClr val="000000">
+                        <a:alpha val="43137"/>
+                      </a:srgbClr>
+                    </a:outerShdw>
+                  </a:effectLst>
+                </a:rPr>
+                <a:t>추가 메뉴 </a:t>
+              </a:r>
+              <a:r>
+                <a:rPr lang="ko-KR" altLang="en-US" dirty="0" smtClean="0">
+                  <a:solidFill>
+                    <a:schemeClr val="bg1"/>
+                  </a:solidFill>
+                  <a:effectLst>
+                    <a:outerShdw blurRad="38100" dist="38100" dir="2700000" algn="tl">
+                      <a:srgbClr val="000000">
+                        <a:alpha val="43137"/>
+                      </a:srgbClr>
+                    </a:outerShdw>
+                  </a:effectLst>
+                </a:rPr>
+                <a:t>역시 함선의 우측에 표시된다</a:t>
+              </a:r>
+              <a:r>
+                <a:rPr lang="en-US" altLang="ko-KR" dirty="0" smtClean="0">
+                  <a:solidFill>
+                    <a:schemeClr val="bg1"/>
+                  </a:solidFill>
+                  <a:effectLst>
+                    <a:outerShdw blurRad="38100" dist="38100" dir="2700000" algn="tl">
+                      <a:srgbClr val="000000">
+                        <a:alpha val="43137"/>
+                      </a:srgbClr>
+                    </a:outerShdw>
+                  </a:effectLst>
+                </a:rPr>
+                <a:t>.</a:t>
+              </a:r>
+              <a:endParaRPr lang="ko-KR" altLang="en-US" dirty="0">
+                <a:solidFill>
+                  <a:schemeClr val="bg1"/>
+                </a:solidFill>
+                <a:effectLst>
+                  <a:outerShdw blurRad="38100" dist="38100" dir="2700000" algn="tl">
+                    <a:srgbClr val="000000">
+                      <a:alpha val="43137"/>
+                    </a:srgbClr>
+                  </a:outerShdw>
+                </a:effectLst>
+              </a:endParaRPr>
+            </a:p>
+          </p:txBody>
+        </p:sp>
+        <p:sp>
+          <p:nvSpPr>
+            <p:cNvPr id="38" name="TextBox 37"/>
+            <p:cNvSpPr txBox="1"/>
+            <p:nvPr/>
+          </p:nvSpPr>
+          <p:spPr>
+            <a:xfrm>
+              <a:off x="197992" y="5972173"/>
+              <a:ext cx="4288284" cy="646331"/>
+            </a:xfrm>
+            <a:prstGeom prst="rect">
+              <a:avLst/>
+            </a:prstGeom>
+            <a:noFill/>
+          </p:spPr>
+          <p:txBody>
+            <a:bodyPr wrap="square" rtlCol="0">
+              <a:spAutoFit/>
+            </a:bodyPr>
+            <a:lstStyle/>
+            <a:p>
+              <a:pPr algn="r"/>
+              <a:r>
+                <a:rPr lang="ko-KR" altLang="en-US" dirty="0" smtClean="0">
+                  <a:solidFill>
+                    <a:schemeClr val="bg1"/>
+                  </a:solidFill>
+                  <a:effectLst>
+                    <a:outerShdw blurRad="38100" dist="38100" dir="2700000" algn="tl">
+                      <a:srgbClr val="000000">
+                        <a:alpha val="43137"/>
+                      </a:srgbClr>
+                    </a:outerShdw>
+                  </a:effectLst>
+                </a:rPr>
+                <a:t>함선마다 다양한 기능을 달고 있다</a:t>
+              </a:r>
+              <a:r>
+                <a:rPr lang="en-US" altLang="ko-KR" dirty="0" smtClean="0">
+                  <a:solidFill>
+                    <a:schemeClr val="bg1"/>
+                  </a:solidFill>
+                  <a:effectLst>
+                    <a:outerShdw blurRad="38100" dist="38100" dir="2700000" algn="tl">
+                      <a:srgbClr val="000000">
+                        <a:alpha val="43137"/>
+                      </a:srgbClr>
+                    </a:outerShdw>
+                  </a:effectLst>
+                </a:rPr>
+                <a:t>.</a:t>
+              </a:r>
+            </a:p>
+            <a:p>
+              <a:pPr algn="r"/>
+              <a:r>
+                <a:rPr lang="ko-KR" altLang="en-US" dirty="0" smtClean="0">
+                  <a:solidFill>
+                    <a:schemeClr val="bg1"/>
+                  </a:solidFill>
+                  <a:effectLst>
+                    <a:outerShdw blurRad="38100" dist="38100" dir="2700000" algn="tl">
+                      <a:srgbClr val="000000">
+                        <a:alpha val="43137"/>
+                      </a:srgbClr>
+                    </a:outerShdw>
+                  </a:effectLst>
+                </a:rPr>
+                <a:t>각 기능들은 강화</a:t>
+              </a:r>
+              <a:r>
+                <a:rPr lang="en-US" altLang="ko-KR" dirty="0" smtClean="0">
+                  <a:solidFill>
+                    <a:schemeClr val="bg1"/>
+                  </a:solidFill>
+                  <a:effectLst>
+                    <a:outerShdw blurRad="38100" dist="38100" dir="2700000" algn="tl">
+                      <a:srgbClr val="000000">
+                        <a:alpha val="43137"/>
+                      </a:srgbClr>
+                    </a:outerShdw>
+                  </a:effectLst>
+                </a:rPr>
+                <a:t>, </a:t>
+              </a:r>
+              <a:r>
+                <a:rPr lang="ko-KR" altLang="en-US" dirty="0" smtClean="0">
+                  <a:solidFill>
+                    <a:schemeClr val="bg1"/>
+                  </a:solidFill>
+                  <a:effectLst>
+                    <a:outerShdw blurRad="38100" dist="38100" dir="2700000" algn="tl">
+                      <a:srgbClr val="000000">
+                        <a:alpha val="43137"/>
+                      </a:srgbClr>
+                    </a:outerShdw>
+                  </a:effectLst>
+                </a:rPr>
+                <a:t>추가가 가능하다</a:t>
+              </a:r>
+              <a:r>
+                <a:rPr lang="en-US" altLang="ko-KR" dirty="0" smtClean="0">
+                  <a:solidFill>
+                    <a:schemeClr val="bg1"/>
+                  </a:solidFill>
+                  <a:effectLst>
+                    <a:outerShdw blurRad="38100" dist="38100" dir="2700000" algn="tl">
+                      <a:srgbClr val="000000">
+                        <a:alpha val="43137"/>
+                      </a:srgbClr>
+                    </a:outerShdw>
+                  </a:effectLst>
+                </a:rPr>
+                <a:t>.</a:t>
+              </a:r>
+            </a:p>
+          </p:txBody>
+        </p:sp>
+        <p:sp>
+          <p:nvSpPr>
+            <p:cNvPr id="39" name="TextBox 38"/>
+            <p:cNvSpPr txBox="1"/>
+            <p:nvPr/>
+          </p:nvSpPr>
+          <p:spPr>
+            <a:xfrm>
+              <a:off x="578992" y="2132639"/>
+              <a:ext cx="3907284" cy="369332"/>
+            </a:xfrm>
+            <a:prstGeom prst="rect">
+              <a:avLst/>
+            </a:prstGeom>
+            <a:noFill/>
+          </p:spPr>
+          <p:txBody>
+            <a:bodyPr wrap="square" rtlCol="0">
+              <a:spAutoFit/>
+            </a:bodyPr>
+            <a:lstStyle/>
+            <a:p>
+              <a:pPr algn="r"/>
+              <a:r>
+                <a:rPr lang="ko-KR" altLang="en-US" dirty="0" smtClean="0">
+                  <a:solidFill>
+                    <a:schemeClr val="bg1"/>
+                  </a:solidFill>
+                  <a:effectLst>
+                    <a:outerShdw blurRad="38100" dist="38100" dir="2700000" algn="tl">
+                      <a:srgbClr val="000000">
+                        <a:alpha val="43137"/>
+                      </a:srgbClr>
+                    </a:outerShdw>
+                  </a:effectLst>
+                </a:rPr>
+                <a:t>함선들은 방과 문으로 분리되어 있다</a:t>
+              </a:r>
+              <a:r>
+                <a:rPr lang="en-US" altLang="ko-KR" dirty="0" smtClean="0">
+                  <a:solidFill>
+                    <a:schemeClr val="bg1"/>
+                  </a:solidFill>
+                  <a:effectLst>
+                    <a:outerShdw blurRad="38100" dist="38100" dir="2700000" algn="tl">
+                      <a:srgbClr val="000000">
+                        <a:alpha val="43137"/>
+                      </a:srgbClr>
+                    </a:outerShdw>
+                  </a:effectLst>
+                </a:rPr>
+                <a:t>.</a:t>
+              </a:r>
+              <a:endParaRPr lang="ko-KR" altLang="en-US" dirty="0">
+                <a:solidFill>
+                  <a:schemeClr val="bg1"/>
+                </a:solidFill>
+                <a:effectLst>
+                  <a:outerShdw blurRad="38100" dist="38100" dir="2700000" algn="tl">
+                    <a:srgbClr val="000000">
+                      <a:alpha val="43137"/>
+                    </a:srgbClr>
+                  </a:outerShdw>
+                </a:effectLst>
+              </a:endParaRPr>
+            </a:p>
+          </p:txBody>
+        </p:sp>
+      </p:grpSp>
     </p:spTree>
     <p:extLst>
       <p:ext uri="{BB962C8B-B14F-4D97-AF65-F5344CB8AC3E}">
@@ -25444,7 +26308,24 @@
                 <a:latin typeface="-윤고딕310" panose="02030504000101010101" pitchFamily="18" charset="-127"/>
                 <a:ea typeface="-윤고딕310" panose="02030504000101010101" pitchFamily="18" charset="-127"/>
               </a:rPr>
-              <a:t>그러나 시점과 </a:t>
+              <a:t>그러나 시점에서는 스타바운드를 닮았으며 전투 의외의 시스템은 둘 다와 판이하다 </a:t>
+            </a:r>
+            <a:r>
+              <a:rPr lang="en-US" altLang="ko-KR" sz="2000" dirty="0" smtClean="0">
+                <a:solidFill>
+                  <a:schemeClr val="bg1"/>
+                </a:solidFill>
+                <a:effectLst>
+                  <a:outerShdw blurRad="38100" dist="38100" dir="2700000" algn="tl">
+                    <a:srgbClr val="000000">
+                      <a:alpha val="43137"/>
+                    </a:srgbClr>
+                  </a:outerShdw>
+                </a:effectLst>
+                <a:latin typeface="-윤고딕310" panose="02030504000101010101" pitchFamily="18" charset="-127"/>
+                <a:ea typeface="-윤고딕310" panose="02030504000101010101" pitchFamily="18" charset="-127"/>
+              </a:rPr>
+              <a:t>.</a:t>
             </a:r>
             <a:endParaRPr lang="en-US" altLang="ko-KR" sz="2000" dirty="0">
               <a:solidFill>
@@ -25973,16 +26854,16 @@
       </p:sp>
       <p:grpSp>
         <p:nvGrpSpPr>
-          <p:cNvPr id="39" name="그룹 38"/>
+          <p:cNvPr id="41" name="그룹 40"/>
           <p:cNvGrpSpPr/>
           <p:nvPr/>
         </p:nvGrpSpPr>
         <p:grpSpPr>
           <a:xfrm>
-            <a:off x="2561166" y="1917129"/>
-            <a:ext cx="8116359" cy="4424378"/>
-            <a:chOff x="2561166" y="1917129"/>
-            <a:chExt cx="8116359" cy="4424378"/>
+            <a:off x="2561166" y="2141665"/>
+            <a:ext cx="8116359" cy="4153675"/>
+            <a:chOff x="2561166" y="2141665"/>
+            <a:chExt cx="8116359" cy="4153675"/>
           </a:xfrm>
         </p:grpSpPr>
         <p:sp>
@@ -25993,8 +26874,8 @@
           </p:nvSpPr>
           <p:spPr>
             <a:xfrm>
-              <a:off x="4152900" y="5972175"/>
-              <a:ext cx="3886200" cy="369332"/>
+              <a:off x="4152900" y="6018341"/>
+              <a:ext cx="3886200" cy="276999"/>
             </a:xfrm>
             <a:prstGeom prst="rect">
               <a:avLst/>
@@ -26009,7 +26890,7 @@
             <a:p>
               <a:pPr algn="ctr"/>
               <a:r>
-                <a:rPr lang="ko-KR" altLang="en-US" dirty="0" smtClean="0">
+                <a:rPr lang="ko-KR" altLang="en-US" sz="1200" dirty="0" smtClean="0">
                   <a:solidFill>
                     <a:schemeClr val="bg1"/>
                   </a:solidFill>
@@ -26025,7 +26906,7 @@
                 <a:t>예시</a:t>
               </a:r>
               <a:r>
-                <a:rPr lang="en-US" altLang="ko-KR" dirty="0" smtClean="0">
+                <a:rPr lang="en-US" altLang="ko-KR" sz="1200" dirty="0" smtClean="0">
                   <a:solidFill>
                     <a:schemeClr val="bg1"/>
                   </a:solidFill>
@@ -26041,7 +26922,7 @@
                 <a:t>: </a:t>
               </a:r>
               <a:r>
-                <a:rPr lang="ko-KR" altLang="en-US" dirty="0" smtClean="0">
+                <a:rPr lang="ko-KR" altLang="en-US" sz="1200" dirty="0" smtClean="0">
                   <a:solidFill>
                     <a:schemeClr val="bg1"/>
                   </a:solidFill>
@@ -26056,7 +26937,7 @@
                 </a:rPr>
                 <a:t>스타바운드의 우주선 사진</a:t>
               </a:r>
-              <a:endParaRPr lang="ko-KR" altLang="en-US" dirty="0">
+              <a:endParaRPr lang="ko-KR" altLang="en-US" sz="1200" dirty="0">
                 <a:solidFill>
                   <a:schemeClr val="bg1"/>
                 </a:solidFill>
@@ -26080,9 +26961,9 @@
           </p:nvGrpSpPr>
           <p:grpSpPr>
             <a:xfrm>
-              <a:off x="2561166" y="1917129"/>
+              <a:off x="2561166" y="2141665"/>
               <a:ext cx="8116359" cy="3876676"/>
-              <a:chOff x="2561166" y="1917129"/>
+              <a:chOff x="2561166" y="2046642"/>
               <a:chExt cx="8116359" cy="3876676"/>
             </a:xfrm>
           </p:grpSpPr>
@@ -26094,9 +26975,9 @@
             </p:nvGrpSpPr>
             <p:grpSpPr>
               <a:xfrm>
-                <a:off x="2561166" y="1917129"/>
+                <a:off x="2561166" y="2046642"/>
                 <a:ext cx="7048500" cy="3876676"/>
-                <a:chOff x="2561166" y="1917129"/>
+                <a:chOff x="2561166" y="2046642"/>
                 <a:chExt cx="7048500" cy="3876676"/>
               </a:xfrm>
             </p:grpSpPr>
@@ -26108,9 +26989,9 @@
               </p:nvGrpSpPr>
               <p:grpSpPr>
                 <a:xfrm>
-                  <a:off x="2561166" y="1917129"/>
+                  <a:off x="2561166" y="2046642"/>
                   <a:ext cx="7048500" cy="3876676"/>
-                  <a:chOff x="2561166" y="1917129"/>
+                  <a:chOff x="2561166" y="2046642"/>
                   <a:chExt cx="7048500" cy="3876676"/>
                 </a:xfrm>
               </p:grpSpPr>
@@ -26122,9 +27003,9 @@
                 </p:nvGrpSpPr>
                 <p:grpSpPr>
                   <a:xfrm>
-                    <a:off x="2561166" y="1917129"/>
+                    <a:off x="2561166" y="2046642"/>
                     <a:ext cx="7048500" cy="3876676"/>
-                    <a:chOff x="2561166" y="2031429"/>
+                    <a:chOff x="2561166" y="2160942"/>
                     <a:chExt cx="7048500" cy="3876676"/>
                   </a:xfrm>
                 </p:grpSpPr>
@@ -26151,7 +27032,7 @@
                   </p:blipFill>
                   <p:spPr bwMode="auto">
                     <a:xfrm>
-                      <a:off x="2561166" y="2031429"/>
+                      <a:off x="2561166" y="2160942"/>
                       <a:ext cx="7048500" cy="3876676"/>
                     </a:xfrm>
                     <a:prstGeom prst="rect">
@@ -26271,7 +27152,15 @@
                             <a:lstStyle/>
                             <a:p>
                               <a:pPr algn="ctr"/>
-                              <a:endParaRPr lang="ko-KR" altLang="en-US"/>
+                              <a:endParaRPr lang="ko-KR" altLang="en-US">
+                                <a:effectLst>
+                                  <a:outerShdw blurRad="38100" dist="38100" dir="2700000" algn="tl">
+                                    <a:srgbClr val="000000">
+                                      <a:alpha val="43137"/>
+                                    </a:srgbClr>
+                                  </a:outerShdw>
+                                </a:effectLst>
+                              </a:endParaRPr>
                             </a:p>
                           </p:txBody>
                         </p:sp>
@@ -26321,7 +27210,15 @@
                             <a:lstStyle/>
                             <a:p>
                               <a:pPr algn="ctr"/>
-                              <a:endParaRPr lang="ko-KR" altLang="en-US"/>
+                              <a:endParaRPr lang="ko-KR" altLang="en-US">
+                                <a:effectLst>
+                                  <a:outerShdw blurRad="38100" dist="38100" dir="2700000" algn="tl">
+                                    <a:srgbClr val="000000">
+                                      <a:alpha val="43137"/>
+                                    </a:srgbClr>
+                                  </a:outerShdw>
+                                </a:effectLst>
+                              </a:endParaRPr>
                             </a:p>
                           </p:txBody>
                         </p:sp>
@@ -26372,7 +27269,15 @@
                           <a:lstStyle/>
                           <a:p>
                             <a:pPr algn="ctr"/>
-                            <a:endParaRPr lang="ko-KR" altLang="en-US"/>
+                            <a:endParaRPr lang="ko-KR" altLang="en-US">
+                              <a:effectLst>
+                                <a:outerShdw blurRad="38100" dist="38100" dir="2700000" algn="tl">
+                                  <a:srgbClr val="000000">
+                                    <a:alpha val="43137"/>
+                                  </a:srgbClr>
+                                </a:outerShdw>
+                              </a:effectLst>
+                            </a:endParaRPr>
                           </a:p>
                         </p:txBody>
                       </p:sp>
@@ -26495,7 +27400,15 @@
                   <a:lstStyle/>
                   <a:p>
                     <a:pPr algn="ctr"/>
-                    <a:endParaRPr lang="ko-KR" altLang="en-US"/>
+                    <a:endParaRPr lang="ko-KR" altLang="en-US">
+                      <a:effectLst>
+                        <a:outerShdw blurRad="38100" dist="38100" dir="2700000" algn="tl">
+                          <a:srgbClr val="000000">
+                            <a:alpha val="43137"/>
+                          </a:srgbClr>
+                        </a:outerShdw>
+                      </a:effectLst>
+                    </a:endParaRPr>
                   </a:p>
                 </p:txBody>
               </p:sp>
@@ -26540,7 +27453,15 @@
                   <a:lstStyle/>
                   <a:p>
                     <a:pPr algn="ctr"/>
-                    <a:endParaRPr lang="ko-KR" altLang="en-US"/>
+                    <a:endParaRPr lang="ko-KR" altLang="en-US">
+                      <a:effectLst>
+                        <a:outerShdw blurRad="38100" dist="38100" dir="2700000" algn="tl">
+                          <a:srgbClr val="000000">
+                            <a:alpha val="43137"/>
+                          </a:srgbClr>
+                        </a:outerShdw>
+                      </a:effectLst>
+                    </a:endParaRPr>
                   </a:p>
                 </p:txBody>
               </p:sp>
@@ -26585,7 +27506,15 @@
                   <a:lstStyle/>
                   <a:p>
                     <a:pPr algn="ctr"/>
-                    <a:endParaRPr lang="ko-KR" altLang="en-US"/>
+                    <a:endParaRPr lang="ko-KR" altLang="en-US">
+                      <a:effectLst>
+                        <a:outerShdw blurRad="38100" dist="38100" dir="2700000" algn="tl">
+                          <a:srgbClr val="000000">
+                            <a:alpha val="43137"/>
+                          </a:srgbClr>
+                        </a:outerShdw>
+                      </a:effectLst>
+                    </a:endParaRPr>
                   </a:p>
                 </p:txBody>
               </p:sp>
@@ -26630,7 +27559,15 @@
                   <a:lstStyle/>
                   <a:p>
                     <a:pPr algn="ctr"/>
-                    <a:endParaRPr lang="ko-KR" altLang="en-US"/>
+                    <a:endParaRPr lang="ko-KR" altLang="en-US">
+                      <a:effectLst>
+                        <a:outerShdw blurRad="38100" dist="38100" dir="2700000" algn="tl">
+                          <a:srgbClr val="000000">
+                            <a:alpha val="43137"/>
+                          </a:srgbClr>
+                        </a:outerShdw>
+                      </a:effectLst>
+                    </a:endParaRPr>
                   </a:p>
                 </p:txBody>
               </p:sp>
@@ -26676,7 +27613,15 @@
                 <a:lstStyle/>
                 <a:p>
                   <a:pPr algn="ctr"/>
-                  <a:endParaRPr lang="ko-KR" altLang="en-US"/>
+                  <a:endParaRPr lang="ko-KR" altLang="en-US">
+                    <a:effectLst>
+                      <a:outerShdw blurRad="38100" dist="38100" dir="2700000" algn="tl">
+                        <a:srgbClr val="000000">
+                          <a:alpha val="43137"/>
+                        </a:srgbClr>
+                      </a:outerShdw>
+                    </a:effectLst>
+                  </a:endParaRPr>
                 </a:p>
               </p:txBody>
             </p:sp>
@@ -26689,7 +27634,7 @@
             </p:nvSpPr>
             <p:spPr>
               <a:xfrm>
-                <a:off x="7458074" y="3240639"/>
+                <a:off x="7458074" y="3370152"/>
                 <a:ext cx="3219451" cy="369332"/>
               </a:xfrm>
               <a:prstGeom prst="rect">
@@ -26708,6 +27653,13 @@
                     <a:solidFill>
                       <a:schemeClr val="bg1"/>
                     </a:solidFill>
+                    <a:effectLst>
+                      <a:outerShdw blurRad="38100" dist="38100" dir="2700000" algn="tl">
+                        <a:srgbClr val="000000">
+                          <a:alpha val="43137"/>
+                        </a:srgbClr>
+                      </a:outerShdw>
+                    </a:effectLst>
                   </a:rPr>
                   <a:t>측면 시점에서 게임이 진행</a:t>
                 </a:r>
@@ -26715,6 +27667,13 @@
                   <a:solidFill>
                     <a:schemeClr val="bg1"/>
                   </a:solidFill>
+                  <a:effectLst>
+                    <a:outerShdw blurRad="38100" dist="38100" dir="2700000" algn="tl">
+                      <a:srgbClr val="000000">
+                        <a:alpha val="43137"/>
+                      </a:srgbClr>
+                    </a:outerShdw>
+                  </a:effectLst>
                 </a:endParaRPr>
               </a:p>
             </p:txBody>
@@ -26729,7 +27688,7 @@
         </p:nvSpPr>
         <p:spPr>
           <a:xfrm>
-            <a:off x="2561166" y="2298581"/>
+            <a:off x="2561166" y="2393604"/>
             <a:ext cx="6201834" cy="646331"/>
           </a:xfrm>
           <a:prstGeom prst="rect">
@@ -26752,6 +27711,13 @@
                 <a:solidFill>
                   <a:schemeClr val="bg1"/>
                 </a:solidFill>
+                <a:effectLst>
+                  <a:outerShdw blurRad="38100" dist="38100" dir="2700000" algn="tl">
+                    <a:srgbClr val="000000">
+                      <a:alpha val="43137"/>
+                    </a:srgbClr>
+                  </a:outerShdw>
+                </a:effectLst>
               </a:rPr>
               <a:t>작은 방의 경우 플레이어의 </a:t>
             </a:r>
@@ -26760,6 +27726,13 @@
                 <a:solidFill>
                   <a:schemeClr val="bg1"/>
                 </a:solidFill>
+                <a:effectLst>
+                  <a:outerShdw blurRad="38100" dist="38100" dir="2700000" algn="tl">
+                    <a:srgbClr val="000000">
+                      <a:alpha val="43137"/>
+                    </a:srgbClr>
+                  </a:outerShdw>
+                </a:effectLst>
               </a:rPr>
               <a:t>4x4 </a:t>
             </a:r>
@@ -26768,6 +27741,13 @@
                 <a:solidFill>
                   <a:schemeClr val="bg1"/>
                 </a:solidFill>
+                <a:effectLst>
+                  <a:outerShdw blurRad="38100" dist="38100" dir="2700000" algn="tl">
+                    <a:srgbClr val="000000">
+                      <a:alpha val="43137"/>
+                    </a:srgbClr>
+                  </a:outerShdw>
+                </a:effectLst>
               </a:rPr>
               <a:t>크기</a:t>
             </a:r>
@@ -26775,6 +27755,13 @@
               <a:solidFill>
                 <a:schemeClr val="bg1"/>
               </a:solidFill>
+              <a:effectLst>
+                <a:outerShdw blurRad="38100" dist="38100" dir="2700000" algn="tl">
+                  <a:srgbClr val="000000">
+                    <a:alpha val="43137"/>
+                  </a:srgbClr>
+                </a:outerShdw>
+              </a:effectLst>
             </a:endParaRPr>
           </a:p>
           <a:p>
@@ -26787,6 +27774,13 @@
                 <a:solidFill>
                   <a:schemeClr val="bg1"/>
                 </a:solidFill>
+                <a:effectLst>
+                  <a:outerShdw blurRad="38100" dist="38100" dir="2700000" algn="tl">
+                    <a:srgbClr val="000000">
+                      <a:alpha val="43137"/>
+                    </a:srgbClr>
+                  </a:outerShdw>
+                </a:effectLst>
               </a:rPr>
               <a:t>플레이어의 활동 영역은 우주선에 한정되어 있다</a:t>
             </a:r>
@@ -26795,6 +27789,13 @@
                 <a:solidFill>
                   <a:schemeClr val="bg1"/>
                 </a:solidFill>
+                <a:effectLst>
+                  <a:outerShdw blurRad="38100" dist="38100" dir="2700000" algn="tl">
+                    <a:srgbClr val="000000">
+                      <a:alpha val="43137"/>
+                    </a:srgbClr>
+                  </a:outerShdw>
+                </a:effectLst>
               </a:rPr>
               <a:t>. </a:t>
             </a:r>
@@ -26802,6 +27803,13 @@
               <a:solidFill>
                 <a:schemeClr val="bg1"/>
               </a:solidFill>
+              <a:effectLst>
+                <a:outerShdw blurRad="38100" dist="38100" dir="2700000" algn="tl">
+                  <a:srgbClr val="000000">
+                    <a:alpha val="43137"/>
+                  </a:srgbClr>
+                </a:outerShdw>
+              </a:effectLst>
             </a:endParaRPr>
           </a:p>
         </p:txBody>

--- a/slides/Cosmos_20171105.pptx
+++ b/slides/Cosmos_20171105.pptx
@@ -9,10 +9,10 @@
     <p:sldMasterId id="2147483662" r:id="rId5"/>
   </p:sldMasterIdLst>
   <p:notesMasterIdLst>
-    <p:notesMasterId r:id="rId24"/>
+    <p:notesMasterId r:id="rId25"/>
   </p:notesMasterIdLst>
   <p:handoutMasterIdLst>
-    <p:handoutMasterId r:id="rId25"/>
+    <p:handoutMasterId r:id="rId26"/>
   </p:handoutMasterIdLst>
   <p:sldIdLst>
     <p:sldId id="257" r:id="rId6"/>
@@ -24,35 +24,36 @@
     <p:sldId id="275" r:id="rId12"/>
     <p:sldId id="276" r:id="rId13"/>
     <p:sldId id="266" r:id="rId14"/>
-    <p:sldId id="267" r:id="rId15"/>
-    <p:sldId id="268" r:id="rId16"/>
-    <p:sldId id="260" r:id="rId17"/>
-    <p:sldId id="261" r:id="rId18"/>
-    <p:sldId id="269" r:id="rId19"/>
-    <p:sldId id="271" r:id="rId20"/>
-    <p:sldId id="272" r:id="rId21"/>
-    <p:sldId id="273" r:id="rId22"/>
-    <p:sldId id="263" r:id="rId23"/>
+    <p:sldId id="277" r:id="rId15"/>
+    <p:sldId id="267" r:id="rId16"/>
+    <p:sldId id="268" r:id="rId17"/>
+    <p:sldId id="260" r:id="rId18"/>
+    <p:sldId id="261" r:id="rId19"/>
+    <p:sldId id="269" r:id="rId20"/>
+    <p:sldId id="271" r:id="rId21"/>
+    <p:sldId id="272" r:id="rId22"/>
+    <p:sldId id="273" r:id="rId23"/>
+    <p:sldId id="263" r:id="rId24"/>
   </p:sldIdLst>
   <p:sldSz cx="12192000" cy="6858000"/>
   <p:notesSz cx="9144000" cy="6858000"/>
   <p:embeddedFontLst>
     <p:embeddedFont>
       <p:font typeface="Continuum Light" panose="00000400000000000000" pitchFamily="2" charset="0"/>
-      <p:regular r:id="rId26"/>
+      <p:regular r:id="rId27"/>
     </p:embeddedFont>
     <p:embeddedFont>
       <p:font typeface="-윤고딕310" panose="02030504000101010101" pitchFamily="18" charset="-127"/>
-      <p:regular r:id="rId27"/>
+      <p:regular r:id="rId28"/>
     </p:embeddedFont>
     <p:embeddedFont>
       <p:font typeface="-윤고딕320" panose="02030504000101010101" pitchFamily="18" charset="-127"/>
-      <p:regular r:id="rId28"/>
+      <p:regular r:id="rId29"/>
     </p:embeddedFont>
     <p:embeddedFont>
       <p:font typeface="맑은 고딕" panose="020B0503020000020004" pitchFamily="50" charset="-127"/>
-      <p:regular r:id="rId29"/>
-      <p:bold r:id="rId30"/>
+      <p:regular r:id="rId30"/>
+      <p:bold r:id="rId31"/>
     </p:embeddedFont>
   </p:embeddedFontLst>
   <p:defaultTextStyle>
@@ -7180,6 +7181,113 @@
 </p:notes>
 </file>
 
+<file path=ppt/notesSlides/notesSlide6.xml><?xml version="1.0" encoding="utf-8"?>
+<p:notes xmlns:a="http://schemas.openxmlformats.org/drawingml/2006/main" xmlns:r="http://schemas.openxmlformats.org/officeDocument/2006/relationships" xmlns:p="http://schemas.openxmlformats.org/presentationml/2006/main">
+  <p:cSld>
+    <p:spTree>
+      <p:nvGrpSpPr>
+        <p:cNvPr id="1" name=""/>
+        <p:cNvGrpSpPr/>
+        <p:nvPr/>
+      </p:nvGrpSpPr>
+      <p:grpSpPr>
+        <a:xfrm>
+          <a:off x="0" y="0"/>
+          <a:ext cx="0" cy="0"/>
+          <a:chOff x="0" y="0"/>
+          <a:chExt cx="0" cy="0"/>
+        </a:xfrm>
+      </p:grpSpPr>
+      <p:sp>
+        <p:nvSpPr>
+          <p:cNvPr id="2" name="슬라이드 이미지 개체 틀 1"/>
+          <p:cNvSpPr>
+            <a:spLocks noGrp="1" noRot="1" noChangeAspect="1"/>
+          </p:cNvSpPr>
+          <p:nvPr>
+            <p:ph type="sldImg"/>
+          </p:nvPr>
+        </p:nvSpPr>
+        <p:spPr/>
+      </p:sp>
+      <p:sp>
+        <p:nvSpPr>
+          <p:cNvPr id="3" name="슬라이드 노트 개체 틀 2"/>
+          <p:cNvSpPr>
+            <a:spLocks noGrp="1"/>
+          </p:cNvSpPr>
+          <p:nvPr>
+            <p:ph type="body" idx="1"/>
+          </p:nvPr>
+        </p:nvSpPr>
+        <p:spPr/>
+        <p:txBody>
+          <a:bodyPr/>
+          <a:lstStyle/>
+          <a:p>
+            <a:endParaRPr lang="ko-KR" altLang="en-US"/>
+          </a:p>
+        </p:txBody>
+      </p:sp>
+      <p:sp>
+        <p:nvSpPr>
+          <p:cNvPr id="4" name="바닥글 개체 틀 3"/>
+          <p:cNvSpPr>
+            <a:spLocks noGrp="1"/>
+          </p:cNvSpPr>
+          <p:nvPr>
+            <p:ph type="ftr" sz="quarter" idx="10"/>
+          </p:nvPr>
+        </p:nvSpPr>
+        <p:spPr/>
+        <p:txBody>
+          <a:bodyPr/>
+          <a:lstStyle/>
+          <a:p>
+            <a:r>
+              <a:rPr lang="en-US" altLang="ko-KR" smtClean="0"/>
+              <a:t>Cosmos</a:t>
+            </a:r>
+            <a:endParaRPr lang="ko-KR" altLang="en-US" dirty="0"/>
+          </a:p>
+        </p:txBody>
+      </p:sp>
+      <p:sp>
+        <p:nvSpPr>
+          <p:cNvPr id="5" name="슬라이드 번호 개체 틀 4"/>
+          <p:cNvSpPr>
+            <a:spLocks noGrp="1"/>
+          </p:cNvSpPr>
+          <p:nvPr>
+            <p:ph type="sldNum" sz="quarter" idx="11"/>
+          </p:nvPr>
+        </p:nvSpPr>
+        <p:spPr/>
+        <p:txBody>
+          <a:bodyPr/>
+          <a:lstStyle/>
+          <a:p>
+            <a:fld id="{F3E696EC-0AB3-4E76-8D8D-7B3C4DDA3FDD}" type="slidenum">
+              <a:rPr lang="ko-KR" altLang="en-US" smtClean="0"/>
+              <a:t>9</a:t>
+            </a:fld>
+            <a:endParaRPr lang="ko-KR" altLang="en-US" dirty="0"/>
+          </a:p>
+        </p:txBody>
+      </p:sp>
+    </p:spTree>
+    <p:extLst>
+      <p:ext uri="{BB962C8B-B14F-4D97-AF65-F5344CB8AC3E}">
+        <p14:creationId xmlns:p14="http://schemas.microsoft.com/office/powerpoint/2010/main" val="2826512438"/>
+      </p:ext>
+    </p:extLst>
+  </p:cSld>
+  <p:clrMapOvr>
+    <a:masterClrMapping/>
+  </p:clrMapOvr>
+</p:notes>
+</file>
+
 <file path=ppt/slideLayouts/slideLayout1.xml><?xml version="1.0" encoding="utf-8"?>
 <p:sldLayout xmlns:a="http://schemas.openxmlformats.org/drawingml/2006/main" xmlns:r="http://schemas.openxmlformats.org/officeDocument/2006/relationships" xmlns:p="http://schemas.openxmlformats.org/presentationml/2006/main" type="blank" preserve="1">
   <p:cSld name="빈 화면">
@@ -10862,6 +10970,2948 @@
           <a:noFill/>
         </p:spPr>
         <p:txBody>
+          <a:bodyPr wrap="square" rtlCol="0" anchor="ctr">
+            <a:spAutoFit/>
+          </a:bodyPr>
+          <a:lstStyle/>
+          <a:p>
+            <a:r>
+              <a:rPr lang="en-US" altLang="ko-KR" sz="2800" dirty="0" smtClean="0">
+                <a:solidFill>
+                  <a:schemeClr val="bg1"/>
+                </a:solidFill>
+                <a:effectLst>
+                  <a:outerShdw blurRad="38100" dist="38100" dir="2700000" algn="tl">
+                    <a:srgbClr val="000000">
+                      <a:alpha val="43137"/>
+                    </a:srgbClr>
+                  </a:outerShdw>
+                </a:effectLst>
+                <a:latin typeface="-윤고딕320" panose="02030504000101010101" pitchFamily="18" charset="-127"/>
+                <a:ea typeface="-윤고딕320" panose="02030504000101010101" pitchFamily="18" charset="-127"/>
+              </a:rPr>
+              <a:t>  </a:t>
+            </a:r>
+            <a:r>
+              <a:rPr lang="ko-KR" altLang="en-US" sz="2800" dirty="0" smtClean="0">
+                <a:solidFill>
+                  <a:schemeClr val="bg1"/>
+                </a:solidFill>
+                <a:effectLst>
+                  <a:outerShdw blurRad="38100" dist="38100" dir="2700000" algn="tl">
+                    <a:srgbClr val="000000">
+                      <a:alpha val="43137"/>
+                    </a:srgbClr>
+                  </a:outerShdw>
+                </a:effectLst>
+                <a:latin typeface="-윤고딕320" panose="02030504000101010101" pitchFamily="18" charset="-127"/>
+                <a:ea typeface="-윤고딕320" panose="02030504000101010101" pitchFamily="18" charset="-127"/>
+              </a:rPr>
+              <a:t>게임 </a:t>
+            </a:r>
+            <a:r>
+              <a:rPr lang="ko-KR" altLang="en-US" sz="2800" dirty="0" smtClean="0">
+                <a:solidFill>
+                  <a:schemeClr val="bg1"/>
+                </a:solidFill>
+                <a:effectLst>
+                  <a:outerShdw blurRad="38100" dist="38100" dir="2700000" algn="tl">
+                    <a:srgbClr val="000000">
+                      <a:alpha val="43137"/>
+                    </a:srgbClr>
+                  </a:outerShdw>
+                </a:effectLst>
+                <a:latin typeface="-윤고딕320" panose="02030504000101010101" pitchFamily="18" charset="-127"/>
+                <a:ea typeface="-윤고딕320" panose="02030504000101010101" pitchFamily="18" charset="-127"/>
+              </a:rPr>
+              <a:t>소개 </a:t>
+            </a:r>
+            <a:r>
+              <a:rPr lang="en-US" altLang="ko-KR" sz="2800" dirty="0" smtClean="0">
+                <a:solidFill>
+                  <a:schemeClr val="bg1"/>
+                </a:solidFill>
+                <a:effectLst>
+                  <a:outerShdw blurRad="38100" dist="38100" dir="2700000" algn="tl">
+                    <a:srgbClr val="000000">
+                      <a:alpha val="43137"/>
+                    </a:srgbClr>
+                  </a:outerShdw>
+                </a:effectLst>
+                <a:latin typeface="-윤고딕320" panose="02030504000101010101" pitchFamily="18" charset="-127"/>
+                <a:ea typeface="-윤고딕320" panose="02030504000101010101" pitchFamily="18" charset="-127"/>
+              </a:rPr>
+              <a:t>– </a:t>
+            </a:r>
+            <a:r>
+              <a:rPr lang="ko-KR" altLang="en-US" sz="2800" dirty="0" smtClean="0">
+                <a:solidFill>
+                  <a:schemeClr val="bg1"/>
+                </a:solidFill>
+                <a:effectLst>
+                  <a:outerShdw blurRad="38100" dist="38100" dir="2700000" algn="tl">
+                    <a:srgbClr val="000000">
+                      <a:alpha val="43137"/>
+                    </a:srgbClr>
+                  </a:outerShdw>
+                </a:effectLst>
+                <a:latin typeface="-윤고딕320" panose="02030504000101010101" pitchFamily="18" charset="-127"/>
+                <a:ea typeface="-윤고딕320" panose="02030504000101010101" pitchFamily="18" charset="-127"/>
+              </a:rPr>
+              <a:t>기본 시스템</a:t>
+            </a:r>
+            <a:endParaRPr lang="ko-KR" altLang="en-US" sz="2800" dirty="0">
+              <a:solidFill>
+                <a:schemeClr val="bg1"/>
+              </a:solidFill>
+              <a:effectLst>
+                <a:outerShdw blurRad="38100" dist="38100" dir="2700000" algn="tl">
+                  <a:srgbClr val="000000">
+                    <a:alpha val="43137"/>
+                  </a:srgbClr>
+                </a:outerShdw>
+              </a:effectLst>
+              <a:latin typeface="-윤고딕320" panose="02030504000101010101" pitchFamily="18" charset="-127"/>
+              <a:ea typeface="-윤고딕320" panose="02030504000101010101" pitchFamily="18" charset="-127"/>
+            </a:endParaRPr>
+          </a:p>
+        </p:txBody>
+      </p:sp>
+      <p:cxnSp>
+        <p:nvCxnSpPr>
+          <p:cNvPr id="22" name="직선 연결선 21"/>
+          <p:cNvCxnSpPr/>
+          <p:nvPr/>
+        </p:nvCxnSpPr>
+        <p:spPr>
+          <a:xfrm>
+            <a:off x="5499100" y="6680199"/>
+            <a:ext cx="360000" cy="0"/>
+          </a:xfrm>
+          <a:prstGeom prst="line">
+            <a:avLst/>
+          </a:prstGeom>
+          <a:ln w="44450" cap="rnd">
+            <a:solidFill>
+              <a:schemeClr val="accent1"/>
+            </a:solidFill>
+          </a:ln>
+          <a:effectLst>
+            <a:outerShdw blurRad="50800" dist="38100" dir="2700000" algn="tl" rotWithShape="0">
+              <a:prstClr val="black">
+                <a:alpha val="40000"/>
+              </a:prstClr>
+            </a:outerShdw>
+          </a:effectLst>
+        </p:spPr>
+        <p:style>
+          <a:lnRef idx="1">
+            <a:schemeClr val="accent1"/>
+          </a:lnRef>
+          <a:fillRef idx="0">
+            <a:schemeClr val="accent1"/>
+          </a:fillRef>
+          <a:effectRef idx="0">
+            <a:schemeClr val="accent1"/>
+          </a:effectRef>
+          <a:fontRef idx="minor">
+            <a:schemeClr val="tx1"/>
+          </a:fontRef>
+        </p:style>
+      </p:cxnSp>
+      <p:cxnSp>
+        <p:nvCxnSpPr>
+          <p:cNvPr id="23" name="직선 연결선 22"/>
+          <p:cNvCxnSpPr/>
+          <p:nvPr/>
+        </p:nvCxnSpPr>
+        <p:spPr>
+          <a:xfrm>
+            <a:off x="5905416" y="6680199"/>
+            <a:ext cx="360000" cy="0"/>
+          </a:xfrm>
+          <a:prstGeom prst="line">
+            <a:avLst/>
+          </a:prstGeom>
+          <a:ln w="44450" cap="rnd">
+            <a:solidFill>
+              <a:schemeClr val="accent1">
+                <a:lumMod val="50000"/>
+              </a:schemeClr>
+            </a:solidFill>
+          </a:ln>
+          <a:effectLst>
+            <a:outerShdw blurRad="50800" dist="38100" dir="2700000" algn="tl" rotWithShape="0">
+              <a:prstClr val="black">
+                <a:alpha val="40000"/>
+              </a:prstClr>
+            </a:outerShdw>
+          </a:effectLst>
+        </p:spPr>
+        <p:style>
+          <a:lnRef idx="1">
+            <a:schemeClr val="accent1"/>
+          </a:lnRef>
+          <a:fillRef idx="0">
+            <a:schemeClr val="accent1"/>
+          </a:fillRef>
+          <a:effectRef idx="0">
+            <a:schemeClr val="accent1"/>
+          </a:effectRef>
+          <a:fontRef idx="minor">
+            <a:schemeClr val="tx1"/>
+          </a:fontRef>
+        </p:style>
+      </p:cxnSp>
+      <p:cxnSp>
+        <p:nvCxnSpPr>
+          <p:cNvPr id="24" name="직선 연결선 23"/>
+          <p:cNvCxnSpPr/>
+          <p:nvPr/>
+        </p:nvCxnSpPr>
+        <p:spPr>
+          <a:xfrm>
+            <a:off x="6310622" y="6680199"/>
+            <a:ext cx="360000" cy="0"/>
+          </a:xfrm>
+          <a:prstGeom prst="line">
+            <a:avLst/>
+          </a:prstGeom>
+          <a:ln w="44450" cap="rnd">
+            <a:solidFill>
+              <a:schemeClr val="accent1">
+                <a:lumMod val="50000"/>
+              </a:schemeClr>
+            </a:solidFill>
+          </a:ln>
+          <a:effectLst>
+            <a:outerShdw blurRad="50800" dist="38100" dir="2700000" algn="tl" rotWithShape="0">
+              <a:prstClr val="black">
+                <a:alpha val="40000"/>
+              </a:prstClr>
+            </a:outerShdw>
+          </a:effectLst>
+        </p:spPr>
+        <p:style>
+          <a:lnRef idx="1">
+            <a:schemeClr val="accent1"/>
+          </a:lnRef>
+          <a:fillRef idx="0">
+            <a:schemeClr val="accent1"/>
+          </a:fillRef>
+          <a:effectRef idx="0">
+            <a:schemeClr val="accent1"/>
+          </a:effectRef>
+          <a:fontRef idx="minor">
+            <a:schemeClr val="tx1"/>
+          </a:fontRef>
+        </p:style>
+      </p:cxnSp>
+      <p:sp>
+        <p:nvSpPr>
+          <p:cNvPr id="7" name="TextBox 6"/>
+          <p:cNvSpPr txBox="1"/>
+          <p:nvPr/>
+        </p:nvSpPr>
+        <p:spPr>
+          <a:xfrm>
+            <a:off x="117687" y="1363131"/>
+            <a:ext cx="11617113" cy="400110"/>
+          </a:xfrm>
+          <a:prstGeom prst="rect">
+            <a:avLst/>
+          </a:prstGeom>
+          <a:noFill/>
+        </p:spPr>
+        <p:txBody>
+          <a:bodyPr wrap="square" rtlCol="0" anchor="t">
+            <a:spAutoFit/>
+          </a:bodyPr>
+          <a:lstStyle/>
+          <a:p>
+            <a:pPr marL="457200" indent="-457200">
+              <a:buFont typeface="Arial" panose="020B0604020202020204" pitchFamily="34" charset="0"/>
+              <a:buChar char="•"/>
+            </a:pPr>
+            <a:r>
+              <a:rPr lang="ko-KR" altLang="en-US" sz="2000" dirty="0" smtClean="0">
+                <a:solidFill>
+                  <a:schemeClr val="bg1"/>
+                </a:solidFill>
+                <a:effectLst>
+                  <a:outerShdw blurRad="38100" dist="38100" dir="2700000" algn="tl">
+                    <a:srgbClr val="000000">
+                      <a:alpha val="43137"/>
+                    </a:srgbClr>
+                  </a:outerShdw>
+                </a:effectLst>
+                <a:latin typeface="-윤고딕310" panose="02030504000101010101" pitchFamily="18" charset="-127"/>
+                <a:ea typeface="-윤고딕310" panose="02030504000101010101" pitchFamily="18" charset="-127"/>
+              </a:rPr>
+              <a:t>요약하자면 기본적인 기능과 인터페이스는 다음과 같다</a:t>
+            </a:r>
+            <a:r>
+              <a:rPr lang="en-US" altLang="ko-KR" sz="2000" dirty="0" smtClean="0">
+                <a:solidFill>
+                  <a:schemeClr val="bg1"/>
+                </a:solidFill>
+                <a:effectLst>
+                  <a:outerShdw blurRad="38100" dist="38100" dir="2700000" algn="tl">
+                    <a:srgbClr val="000000">
+                      <a:alpha val="43137"/>
+                    </a:srgbClr>
+                  </a:outerShdw>
+                </a:effectLst>
+                <a:latin typeface="-윤고딕310" panose="02030504000101010101" pitchFamily="18" charset="-127"/>
+                <a:ea typeface="-윤고딕310" panose="02030504000101010101" pitchFamily="18" charset="-127"/>
+              </a:rPr>
+              <a:t>:</a:t>
+            </a:r>
+            <a:endParaRPr lang="en-US" altLang="ko-KR" sz="2000" dirty="0">
+              <a:solidFill>
+                <a:schemeClr val="bg1"/>
+              </a:solidFill>
+              <a:effectLst>
+                <a:outerShdw blurRad="38100" dist="38100" dir="2700000" algn="tl">
+                  <a:srgbClr val="000000">
+                    <a:alpha val="43137"/>
+                  </a:srgbClr>
+                </a:outerShdw>
+              </a:effectLst>
+              <a:latin typeface="-윤고딕310" panose="02030504000101010101" pitchFamily="18" charset="-127"/>
+              <a:ea typeface="-윤고딕310" panose="02030504000101010101" pitchFamily="18" charset="-127"/>
+            </a:endParaRPr>
+          </a:p>
+        </p:txBody>
+      </p:sp>
+      <p:sp>
+        <p:nvSpPr>
+          <p:cNvPr id="10" name="TextBox 9"/>
+          <p:cNvSpPr txBox="1"/>
+          <p:nvPr/>
+        </p:nvSpPr>
+        <p:spPr>
+          <a:xfrm>
+            <a:off x="9795933" y="446707"/>
+            <a:ext cx="2159000" cy="1384995"/>
+          </a:xfrm>
+          <a:prstGeom prst="rect">
+            <a:avLst/>
+          </a:prstGeom>
+          <a:solidFill>
+            <a:schemeClr val="accent2">
+              <a:lumMod val="40000"/>
+              <a:lumOff val="60000"/>
+              <a:alpha val="18000"/>
+            </a:schemeClr>
+          </a:solidFill>
+          <a:scene3d>
+            <a:camera prst="orthographicFront"/>
+            <a:lightRig rig="threePt" dir="t"/>
+          </a:scene3d>
+          <a:sp3d extrusionH="31750">
+            <a:bevelT w="25400" h="38100"/>
+          </a:sp3d>
+        </p:spPr>
+        <p:txBody>
+          <a:bodyPr wrap="square" rtlCol="0" anchor="t">
+            <a:spAutoFit/>
+          </a:bodyPr>
+          <a:lstStyle/>
+          <a:p>
+            <a:pPr algn="ctr"/>
+            <a:r>
+              <a:rPr lang="en-US" altLang="ko-KR" sz="1400" dirty="0" smtClean="0">
+                <a:solidFill>
+                  <a:schemeClr val="bg1"/>
+                </a:solidFill>
+                <a:effectLst>
+                  <a:outerShdw blurRad="38100" dist="38100" dir="2700000" algn="tl">
+                    <a:srgbClr val="000000">
+                      <a:alpha val="43137"/>
+                    </a:srgbClr>
+                  </a:outerShdw>
+                </a:effectLst>
+                <a:latin typeface="Continuum Light" panose="00000400000000000000" pitchFamily="2" charset="0"/>
+                <a:ea typeface="-윤고딕320" panose="02030504000101010101" pitchFamily="18" charset="-127"/>
+              </a:rPr>
+              <a:t>01 </a:t>
+            </a:r>
+            <a:r>
+              <a:rPr lang="ko-KR" altLang="en-US" sz="1400" dirty="0" smtClean="0">
+                <a:solidFill>
+                  <a:schemeClr val="bg1"/>
+                </a:solidFill>
+                <a:effectLst>
+                  <a:outerShdw blurRad="38100" dist="38100" dir="2700000" algn="tl">
+                    <a:srgbClr val="000000">
+                      <a:alpha val="43137"/>
+                    </a:srgbClr>
+                  </a:outerShdw>
+                </a:effectLst>
+                <a:latin typeface="Continuum Light" panose="00000400000000000000" pitchFamily="2" charset="0"/>
+                <a:ea typeface="-윤고딕320" panose="02030504000101010101" pitchFamily="18" charset="-127"/>
+              </a:rPr>
+              <a:t>기획</a:t>
+            </a:r>
+            <a:endParaRPr lang="en-US" altLang="ko-KR" sz="1400" dirty="0" smtClean="0">
+              <a:solidFill>
+                <a:schemeClr val="bg1"/>
+              </a:solidFill>
+              <a:effectLst>
+                <a:outerShdw blurRad="38100" dist="38100" dir="2700000" algn="tl">
+                  <a:srgbClr val="000000">
+                    <a:alpha val="43137"/>
+                  </a:srgbClr>
+                </a:outerShdw>
+              </a:effectLst>
+              <a:latin typeface="Continuum Light" panose="00000400000000000000" pitchFamily="2" charset="0"/>
+              <a:ea typeface="-윤고딕320" panose="02030504000101010101" pitchFamily="18" charset="-127"/>
+            </a:endParaRPr>
+          </a:p>
+          <a:p>
+            <a:pPr algn="ctr"/>
+            <a:r>
+              <a:rPr lang="ko-KR" altLang="en-US" sz="1400" dirty="0" smtClean="0">
+                <a:solidFill>
+                  <a:schemeClr val="bg1"/>
+                </a:solidFill>
+                <a:effectLst>
+                  <a:outerShdw blurRad="38100" dist="38100" dir="2700000" algn="tl">
+                    <a:srgbClr val="000000">
+                      <a:alpha val="43137"/>
+                    </a:srgbClr>
+                  </a:outerShdw>
+                </a:effectLst>
+                <a:latin typeface="-윤고딕310" panose="02030504000101010101" pitchFamily="18" charset="-127"/>
+                <a:ea typeface="-윤고딕310" panose="02030504000101010101" pitchFamily="18" charset="-127"/>
+              </a:rPr>
+              <a:t>게임 컨셉트</a:t>
+            </a:r>
+            <a:endParaRPr lang="en-US" altLang="ko-KR" sz="1400" dirty="0" smtClean="0">
+              <a:solidFill>
+                <a:schemeClr val="bg1"/>
+              </a:solidFill>
+              <a:effectLst>
+                <a:outerShdw blurRad="38100" dist="38100" dir="2700000" algn="tl">
+                  <a:srgbClr val="000000">
+                    <a:alpha val="43137"/>
+                  </a:srgbClr>
+                </a:outerShdw>
+              </a:effectLst>
+              <a:latin typeface="-윤고딕310" panose="02030504000101010101" pitchFamily="18" charset="-127"/>
+              <a:ea typeface="-윤고딕310" panose="02030504000101010101" pitchFamily="18" charset="-127"/>
+            </a:endParaRPr>
+          </a:p>
+          <a:p>
+            <a:pPr algn="ctr"/>
+            <a:r>
+              <a:rPr lang="ko-KR" altLang="en-US" sz="1400" dirty="0" smtClean="0">
+                <a:solidFill>
+                  <a:schemeClr val="bg1"/>
+                </a:solidFill>
+                <a:effectLst>
+                  <a:outerShdw blurRad="38100" dist="38100" dir="2700000" algn="tl">
+                    <a:srgbClr val="000000">
+                      <a:alpha val="43137"/>
+                    </a:srgbClr>
+                  </a:outerShdw>
+                </a:effectLst>
+                <a:latin typeface="-윤고딕310" panose="02030504000101010101" pitchFamily="18" charset="-127"/>
+                <a:ea typeface="-윤고딕310" panose="02030504000101010101" pitchFamily="18" charset="-127"/>
+              </a:rPr>
+              <a:t>게임 소개 </a:t>
+            </a:r>
+            <a:r>
+              <a:rPr lang="en-US" altLang="ko-KR" sz="1400" dirty="0" smtClean="0">
+                <a:solidFill>
+                  <a:schemeClr val="bg1"/>
+                </a:solidFill>
+                <a:effectLst>
+                  <a:outerShdw blurRad="38100" dist="38100" dir="2700000" algn="tl">
+                    <a:srgbClr val="000000">
+                      <a:alpha val="43137"/>
+                    </a:srgbClr>
+                  </a:outerShdw>
+                </a:effectLst>
+                <a:latin typeface="-윤고딕310" panose="02030504000101010101" pitchFamily="18" charset="-127"/>
+                <a:ea typeface="-윤고딕310" panose="02030504000101010101" pitchFamily="18" charset="-127"/>
+              </a:rPr>
+              <a:t>(</a:t>
+            </a:r>
+            <a:r>
+              <a:rPr lang="ko-KR" altLang="en-US" sz="1400" dirty="0">
+                <a:solidFill>
+                  <a:schemeClr val="bg1"/>
+                </a:solidFill>
+                <a:effectLst>
+                  <a:outerShdw blurRad="38100" dist="38100" dir="2700000" algn="tl">
+                    <a:srgbClr val="000000">
+                      <a:alpha val="43137"/>
+                    </a:srgbClr>
+                  </a:outerShdw>
+                </a:effectLst>
+                <a:latin typeface="-윤고딕310" panose="02030504000101010101" pitchFamily="18" charset="-127"/>
+                <a:ea typeface="-윤고딕310" panose="02030504000101010101" pitchFamily="18" charset="-127"/>
+              </a:rPr>
+              <a:t>세계관</a:t>
+            </a:r>
+            <a:r>
+              <a:rPr lang="en-US" altLang="ko-KR" sz="1400" dirty="0" smtClean="0">
+                <a:solidFill>
+                  <a:schemeClr val="bg1"/>
+                </a:solidFill>
+                <a:effectLst>
+                  <a:outerShdw blurRad="38100" dist="38100" dir="2700000" algn="tl">
+                    <a:srgbClr val="000000">
+                      <a:alpha val="43137"/>
+                    </a:srgbClr>
+                  </a:outerShdw>
+                </a:effectLst>
+                <a:latin typeface="-윤고딕310" panose="02030504000101010101" pitchFamily="18" charset="-127"/>
+                <a:ea typeface="-윤고딕310" panose="02030504000101010101" pitchFamily="18" charset="-127"/>
+              </a:rPr>
+              <a:t>)</a:t>
+            </a:r>
+            <a:endParaRPr lang="en-US" altLang="ko-KR" sz="1400" dirty="0" smtClean="0">
+              <a:solidFill>
+                <a:schemeClr val="bg1"/>
+              </a:solidFill>
+              <a:effectLst>
+                <a:outerShdw blurRad="38100" dist="38100" dir="2700000" algn="tl">
+                  <a:srgbClr val="000000">
+                    <a:alpha val="43137"/>
+                  </a:srgbClr>
+                </a:outerShdw>
+              </a:effectLst>
+              <a:latin typeface="-윤고딕310" panose="02030504000101010101" pitchFamily="18" charset="-127"/>
+              <a:ea typeface="-윤고딕310" panose="02030504000101010101" pitchFamily="18" charset="-127"/>
+            </a:endParaRPr>
+          </a:p>
+          <a:p>
+            <a:pPr algn="ctr"/>
+            <a:r>
+              <a:rPr lang="ko-KR" altLang="en-US" sz="1400" dirty="0" smtClean="0">
+                <a:solidFill>
+                  <a:schemeClr val="bg1"/>
+                </a:solidFill>
+                <a:effectLst>
+                  <a:glow rad="101600">
+                    <a:schemeClr val="accent2">
+                      <a:satMod val="175000"/>
+                      <a:alpha val="40000"/>
+                    </a:schemeClr>
+                  </a:glow>
+                  <a:outerShdw blurRad="38100" dist="38100" dir="2700000" algn="tl">
+                    <a:srgbClr val="000000">
+                      <a:alpha val="43137"/>
+                    </a:srgbClr>
+                  </a:outerShdw>
+                </a:effectLst>
+                <a:latin typeface="-윤고딕310" panose="02030504000101010101" pitchFamily="18" charset="-127"/>
+                <a:ea typeface="-윤고딕310" panose="02030504000101010101" pitchFamily="18" charset="-127"/>
+              </a:rPr>
+              <a:t>게임 소개 </a:t>
+            </a:r>
+            <a:r>
+              <a:rPr lang="en-US" altLang="ko-KR" sz="1400" dirty="0" smtClean="0">
+                <a:solidFill>
+                  <a:schemeClr val="bg1"/>
+                </a:solidFill>
+                <a:effectLst>
+                  <a:glow rad="101600">
+                    <a:schemeClr val="accent2">
+                      <a:satMod val="175000"/>
+                      <a:alpha val="40000"/>
+                    </a:schemeClr>
+                  </a:glow>
+                  <a:outerShdw blurRad="38100" dist="38100" dir="2700000" algn="tl">
+                    <a:srgbClr val="000000">
+                      <a:alpha val="43137"/>
+                    </a:srgbClr>
+                  </a:outerShdw>
+                </a:effectLst>
+                <a:latin typeface="-윤고딕310" panose="02030504000101010101" pitchFamily="18" charset="-127"/>
+                <a:ea typeface="-윤고딕310" panose="02030504000101010101" pitchFamily="18" charset="-127"/>
+              </a:rPr>
+              <a:t>(</a:t>
+            </a:r>
+            <a:r>
+              <a:rPr lang="ko-KR" altLang="en-US" sz="1400" dirty="0" smtClean="0">
+                <a:solidFill>
+                  <a:schemeClr val="bg1"/>
+                </a:solidFill>
+                <a:effectLst>
+                  <a:glow rad="101600">
+                    <a:schemeClr val="accent2">
+                      <a:satMod val="175000"/>
+                      <a:alpha val="40000"/>
+                    </a:schemeClr>
+                  </a:glow>
+                  <a:outerShdw blurRad="38100" dist="38100" dir="2700000" algn="tl">
+                    <a:srgbClr val="000000">
+                      <a:alpha val="43137"/>
+                    </a:srgbClr>
+                  </a:outerShdw>
+                </a:effectLst>
+                <a:latin typeface="-윤고딕310" panose="02030504000101010101" pitchFamily="18" charset="-127"/>
+                <a:ea typeface="-윤고딕310" panose="02030504000101010101" pitchFamily="18" charset="-127"/>
+              </a:rPr>
+              <a:t>기본 시스템</a:t>
+            </a:r>
+            <a:r>
+              <a:rPr lang="en-US" altLang="ko-KR" sz="1400" dirty="0" smtClean="0">
+                <a:solidFill>
+                  <a:schemeClr val="bg1"/>
+                </a:solidFill>
+                <a:effectLst>
+                  <a:glow rad="101600">
+                    <a:schemeClr val="accent2">
+                      <a:satMod val="175000"/>
+                      <a:alpha val="40000"/>
+                    </a:schemeClr>
+                  </a:glow>
+                  <a:outerShdw blurRad="38100" dist="38100" dir="2700000" algn="tl">
+                    <a:srgbClr val="000000">
+                      <a:alpha val="43137"/>
+                    </a:srgbClr>
+                  </a:outerShdw>
+                </a:effectLst>
+                <a:latin typeface="-윤고딕310" panose="02030504000101010101" pitchFamily="18" charset="-127"/>
+                <a:ea typeface="-윤고딕310" panose="02030504000101010101" pitchFamily="18" charset="-127"/>
+              </a:rPr>
+              <a:t>)</a:t>
+            </a:r>
+          </a:p>
+          <a:p>
+            <a:pPr algn="ctr"/>
+            <a:r>
+              <a:rPr lang="ko-KR" altLang="en-US" sz="1400" dirty="0">
+                <a:solidFill>
+                  <a:schemeClr val="bg1"/>
+                </a:solidFill>
+                <a:effectLst>
+                  <a:outerShdw blurRad="38100" dist="38100" dir="2700000" algn="tl">
+                    <a:srgbClr val="000000">
+                      <a:alpha val="43137"/>
+                    </a:srgbClr>
+                  </a:outerShdw>
+                </a:effectLst>
+                <a:latin typeface="-윤고딕310" panose="02030504000101010101" pitchFamily="18" charset="-127"/>
+                <a:ea typeface="-윤고딕310" panose="02030504000101010101" pitchFamily="18" charset="-127"/>
+              </a:rPr>
+              <a:t>게임 </a:t>
+            </a:r>
+            <a:r>
+              <a:rPr lang="ko-KR" altLang="en-US" sz="1400" dirty="0" smtClean="0">
+                <a:solidFill>
+                  <a:schemeClr val="bg1"/>
+                </a:solidFill>
+                <a:effectLst>
+                  <a:outerShdw blurRad="38100" dist="38100" dir="2700000" algn="tl">
+                    <a:srgbClr val="000000">
+                      <a:alpha val="43137"/>
+                    </a:srgbClr>
+                  </a:outerShdw>
+                </a:effectLst>
+                <a:latin typeface="-윤고딕310" panose="02030504000101010101" pitchFamily="18" charset="-127"/>
+                <a:ea typeface="-윤고딕310" panose="02030504000101010101" pitchFamily="18" charset="-127"/>
+              </a:rPr>
+              <a:t>소개</a:t>
+            </a:r>
+            <a:r>
+              <a:rPr lang="ko-KR" altLang="en-US" sz="1400" dirty="0">
+                <a:solidFill>
+                  <a:schemeClr val="bg1"/>
+                </a:solidFill>
+                <a:effectLst>
+                  <a:outerShdw blurRad="38100" dist="38100" dir="2700000" algn="tl">
+                    <a:srgbClr val="000000">
+                      <a:alpha val="43137"/>
+                    </a:srgbClr>
+                  </a:outerShdw>
+                </a:effectLst>
+                <a:latin typeface="-윤고딕310" panose="02030504000101010101" pitchFamily="18" charset="-127"/>
+                <a:ea typeface="-윤고딕310" panose="02030504000101010101" pitchFamily="18" charset="-127"/>
+              </a:rPr>
+              <a:t> </a:t>
+            </a:r>
+            <a:r>
+              <a:rPr lang="en-US" altLang="ko-KR" sz="1400" dirty="0" smtClean="0">
+                <a:solidFill>
+                  <a:schemeClr val="bg1"/>
+                </a:solidFill>
+                <a:effectLst>
+                  <a:outerShdw blurRad="38100" dist="38100" dir="2700000" algn="tl">
+                    <a:srgbClr val="000000">
+                      <a:alpha val="43137"/>
+                    </a:srgbClr>
+                  </a:outerShdw>
+                </a:effectLst>
+                <a:latin typeface="-윤고딕310" panose="02030504000101010101" pitchFamily="18" charset="-127"/>
+                <a:ea typeface="-윤고딕310" panose="02030504000101010101" pitchFamily="18" charset="-127"/>
+              </a:rPr>
+              <a:t>(</a:t>
+            </a:r>
+            <a:r>
+              <a:rPr lang="ko-KR" altLang="en-US" sz="1400" dirty="0" smtClean="0">
+                <a:solidFill>
+                  <a:schemeClr val="bg1"/>
+                </a:solidFill>
+                <a:effectLst>
+                  <a:outerShdw blurRad="38100" dist="38100" dir="2700000" algn="tl">
+                    <a:srgbClr val="000000">
+                      <a:alpha val="43137"/>
+                    </a:srgbClr>
+                  </a:outerShdw>
+                </a:effectLst>
+                <a:latin typeface="-윤고딕310" panose="02030504000101010101" pitchFamily="18" charset="-127"/>
+                <a:ea typeface="-윤고딕310" panose="02030504000101010101" pitchFamily="18" charset="-127"/>
+              </a:rPr>
+              <a:t>진행 </a:t>
+            </a:r>
+            <a:r>
+              <a:rPr lang="ko-KR" altLang="en-US" sz="1400" dirty="0">
+                <a:solidFill>
+                  <a:schemeClr val="bg1"/>
+                </a:solidFill>
+                <a:effectLst>
+                  <a:outerShdw blurRad="38100" dist="38100" dir="2700000" algn="tl">
+                    <a:srgbClr val="000000">
+                      <a:alpha val="43137"/>
+                    </a:srgbClr>
+                  </a:outerShdw>
+                </a:effectLst>
+                <a:latin typeface="-윤고딕310" panose="02030504000101010101" pitchFamily="18" charset="-127"/>
+                <a:ea typeface="-윤고딕310" panose="02030504000101010101" pitchFamily="18" charset="-127"/>
+              </a:rPr>
+              <a:t>및 조작</a:t>
+            </a:r>
+            <a:r>
+              <a:rPr lang="en-US" altLang="ko-KR" sz="1400" dirty="0" smtClean="0">
+                <a:solidFill>
+                  <a:schemeClr val="bg1"/>
+                </a:solidFill>
+                <a:effectLst>
+                  <a:outerShdw blurRad="38100" dist="38100" dir="2700000" algn="tl">
+                    <a:srgbClr val="000000">
+                      <a:alpha val="43137"/>
+                    </a:srgbClr>
+                  </a:outerShdw>
+                </a:effectLst>
+                <a:latin typeface="-윤고딕310" panose="02030504000101010101" pitchFamily="18" charset="-127"/>
+                <a:ea typeface="-윤고딕310" panose="02030504000101010101" pitchFamily="18" charset="-127"/>
+              </a:rPr>
+              <a:t>)</a:t>
+            </a:r>
+          </a:p>
+          <a:p>
+            <a:pPr algn="ctr"/>
+            <a:r>
+              <a:rPr lang="ko-KR" altLang="en-US" sz="1400" dirty="0" smtClean="0">
+                <a:solidFill>
+                  <a:schemeClr val="bg1"/>
+                </a:solidFill>
+                <a:effectLst>
+                  <a:outerShdw blurRad="38100" dist="38100" dir="2700000" algn="tl">
+                    <a:srgbClr val="000000">
+                      <a:alpha val="43137"/>
+                    </a:srgbClr>
+                  </a:outerShdw>
+                </a:effectLst>
+                <a:latin typeface="-윤고딕310" panose="02030504000101010101" pitchFamily="18" charset="-127"/>
+                <a:ea typeface="-윤고딕310" panose="02030504000101010101" pitchFamily="18" charset="-127"/>
+              </a:rPr>
+              <a:t>게임 소개 </a:t>
+            </a:r>
+            <a:r>
+              <a:rPr lang="en-US" altLang="ko-KR" sz="1400" dirty="0" smtClean="0">
+                <a:solidFill>
+                  <a:schemeClr val="bg1"/>
+                </a:solidFill>
+                <a:effectLst>
+                  <a:outerShdw blurRad="38100" dist="38100" dir="2700000" algn="tl">
+                    <a:srgbClr val="000000">
+                      <a:alpha val="43137"/>
+                    </a:srgbClr>
+                  </a:outerShdw>
+                </a:effectLst>
+                <a:latin typeface="-윤고딕310" panose="02030504000101010101" pitchFamily="18" charset="-127"/>
+                <a:ea typeface="-윤고딕310" panose="02030504000101010101" pitchFamily="18" charset="-127"/>
+              </a:rPr>
+              <a:t>(</a:t>
+            </a:r>
+            <a:r>
+              <a:rPr lang="ko-KR" altLang="en-US" sz="1400" dirty="0" smtClean="0">
+                <a:solidFill>
+                  <a:schemeClr val="bg1"/>
+                </a:solidFill>
+                <a:effectLst>
+                  <a:outerShdw blurRad="38100" dist="38100" dir="2700000" algn="tl">
+                    <a:srgbClr val="000000">
+                      <a:alpha val="43137"/>
+                    </a:srgbClr>
+                  </a:outerShdw>
+                </a:effectLst>
+                <a:latin typeface="-윤고딕310" panose="02030504000101010101" pitchFamily="18" charset="-127"/>
+                <a:ea typeface="-윤고딕310" panose="02030504000101010101" pitchFamily="18" charset="-127"/>
+              </a:rPr>
+              <a:t>전투</a:t>
+            </a:r>
+            <a:r>
+              <a:rPr lang="en-US" altLang="ko-KR" sz="1400" dirty="0" smtClean="0">
+                <a:solidFill>
+                  <a:schemeClr val="bg1"/>
+                </a:solidFill>
+                <a:effectLst>
+                  <a:outerShdw blurRad="38100" dist="38100" dir="2700000" algn="tl">
+                    <a:srgbClr val="000000">
+                      <a:alpha val="43137"/>
+                    </a:srgbClr>
+                  </a:outerShdw>
+                </a:effectLst>
+                <a:latin typeface="-윤고딕310" panose="02030504000101010101" pitchFamily="18" charset="-127"/>
+                <a:ea typeface="-윤고딕310" panose="02030504000101010101" pitchFamily="18" charset="-127"/>
+              </a:rPr>
+              <a:t>)</a:t>
+            </a:r>
+            <a:endParaRPr lang="en-US" altLang="ko-KR" sz="1400" dirty="0">
+              <a:solidFill>
+                <a:schemeClr val="bg1"/>
+              </a:solidFill>
+              <a:effectLst>
+                <a:outerShdw blurRad="38100" dist="38100" dir="2700000" algn="tl">
+                  <a:srgbClr val="000000">
+                    <a:alpha val="43137"/>
+                  </a:srgbClr>
+                </a:outerShdw>
+              </a:effectLst>
+              <a:latin typeface="-윤고딕310" panose="02030504000101010101" pitchFamily="18" charset="-127"/>
+              <a:ea typeface="-윤고딕310" panose="02030504000101010101" pitchFamily="18" charset="-127"/>
+            </a:endParaRPr>
+          </a:p>
+        </p:txBody>
+      </p:sp>
+      <p:sp>
+        <p:nvSpPr>
+          <p:cNvPr id="3" name="TextBox 2"/>
+          <p:cNvSpPr txBox="1"/>
+          <p:nvPr/>
+        </p:nvSpPr>
+        <p:spPr>
+          <a:xfrm>
+            <a:off x="4085695" y="1952625"/>
+            <a:ext cx="3999441" cy="369332"/>
+          </a:xfrm>
+          <a:prstGeom prst="rect">
+            <a:avLst/>
+          </a:prstGeom>
+          <a:noFill/>
+          <a:ln w="25400">
+            <a:solidFill>
+              <a:schemeClr val="bg1"/>
+            </a:solidFill>
+            <a:prstDash val="dash"/>
+          </a:ln>
+        </p:spPr>
+        <p:txBody>
+          <a:bodyPr wrap="square" rtlCol="0">
+            <a:spAutoFit/>
+          </a:bodyPr>
+          <a:lstStyle/>
+          <a:p>
+            <a:pPr algn="ctr"/>
+            <a:r>
+              <a:rPr lang="en-US" altLang="ko-KR" dirty="0" smtClean="0">
+                <a:solidFill>
+                  <a:schemeClr val="bg1"/>
+                </a:solidFill>
+                <a:effectLst>
+                  <a:outerShdw blurRad="38100" dist="38100" dir="2700000" algn="tl">
+                    <a:srgbClr val="000000">
+                      <a:alpha val="43137"/>
+                    </a:srgbClr>
+                  </a:outerShdw>
+                </a:effectLst>
+              </a:rPr>
+              <a:t>[</a:t>
+            </a:r>
+            <a:r>
+              <a:rPr lang="ko-KR" altLang="en-US" dirty="0" smtClean="0">
+                <a:solidFill>
+                  <a:schemeClr val="bg1"/>
+                </a:solidFill>
+                <a:effectLst>
+                  <a:outerShdw blurRad="38100" dist="38100" dir="2700000" algn="tl">
+                    <a:srgbClr val="000000">
+                      <a:alpha val="43137"/>
+                    </a:srgbClr>
+                  </a:outerShdw>
+                </a:effectLst>
+              </a:rPr>
+              <a:t>우주의 다른 구역으로 이동하는 버튼</a:t>
+            </a:r>
+            <a:r>
+              <a:rPr lang="en-US" altLang="ko-KR" dirty="0" smtClean="0">
+                <a:solidFill>
+                  <a:schemeClr val="bg1"/>
+                </a:solidFill>
+                <a:effectLst>
+                  <a:outerShdw blurRad="38100" dist="38100" dir="2700000" algn="tl">
+                    <a:srgbClr val="000000">
+                      <a:alpha val="43137"/>
+                    </a:srgbClr>
+                  </a:outerShdw>
+                </a:effectLst>
+              </a:rPr>
+              <a:t>]</a:t>
+            </a:r>
+            <a:r>
+              <a:rPr lang="ko-KR" altLang="en-US" dirty="0" smtClean="0">
+                <a:solidFill>
+                  <a:schemeClr val="bg1"/>
+                </a:solidFill>
+                <a:effectLst>
+                  <a:outerShdw blurRad="38100" dist="38100" dir="2700000" algn="tl">
+                    <a:srgbClr val="000000">
+                      <a:alpha val="43137"/>
+                    </a:srgbClr>
+                  </a:outerShdw>
+                </a:effectLst>
+              </a:rPr>
+              <a:t> </a:t>
+            </a:r>
+            <a:endParaRPr lang="ko-KR" altLang="en-US" dirty="0">
+              <a:solidFill>
+                <a:schemeClr val="bg1"/>
+              </a:solidFill>
+              <a:effectLst>
+                <a:outerShdw blurRad="38100" dist="38100" dir="2700000" algn="tl">
+                  <a:srgbClr val="000000">
+                    <a:alpha val="43137"/>
+                  </a:srgbClr>
+                </a:outerShdw>
+              </a:effectLst>
+            </a:endParaRPr>
+          </a:p>
+        </p:txBody>
+      </p:sp>
+      <p:grpSp>
+        <p:nvGrpSpPr>
+          <p:cNvPr id="15" name="그룹 14"/>
+          <p:cNvGrpSpPr/>
+          <p:nvPr/>
+        </p:nvGrpSpPr>
+        <p:grpSpPr>
+          <a:xfrm>
+            <a:off x="1796627" y="2766745"/>
+            <a:ext cx="4049762" cy="3514933"/>
+            <a:chOff x="2844377" y="2766745"/>
+            <a:chExt cx="4049762" cy="3514933"/>
+          </a:xfrm>
+        </p:grpSpPr>
+        <p:pic>
+          <p:nvPicPr>
+            <p:cNvPr id="2" name="그림 1"/>
+            <p:cNvPicPr>
+              <a:picLocks noChangeAspect="1"/>
+            </p:cNvPicPr>
+            <p:nvPr/>
+          </p:nvPicPr>
+          <p:blipFill>
+            <a:blip r:embed="rId3">
+              <a:extLst>
+                <a:ext uri="{28A0092B-C50C-407E-A947-70E740481C1C}">
+                  <a14:useLocalDpi xmlns:a14="http://schemas.microsoft.com/office/drawing/2010/main" val="0"/>
+                </a:ext>
+              </a:extLst>
+            </a:blip>
+            <a:stretch>
+              <a:fillRect/>
+            </a:stretch>
+          </p:blipFill>
+          <p:spPr>
+            <a:xfrm>
+              <a:off x="2844377" y="2766745"/>
+              <a:ext cx="4049762" cy="1324510"/>
+            </a:xfrm>
+            <a:prstGeom prst="rect">
+              <a:avLst/>
+            </a:prstGeom>
+          </p:spPr>
+        </p:pic>
+        <p:sp>
+          <p:nvSpPr>
+            <p:cNvPr id="39" name="TextBox 38"/>
+            <p:cNvSpPr txBox="1"/>
+            <p:nvPr/>
+          </p:nvSpPr>
+          <p:spPr>
+            <a:xfrm>
+              <a:off x="2844377" y="4219575"/>
+              <a:ext cx="4049762" cy="2062103"/>
+            </a:xfrm>
+            <a:prstGeom prst="rect">
+              <a:avLst/>
+            </a:prstGeom>
+            <a:noFill/>
+          </p:spPr>
+          <p:txBody>
+            <a:bodyPr wrap="square" rtlCol="0">
+              <a:spAutoFit/>
+            </a:bodyPr>
+            <a:lstStyle/>
+            <a:p>
+              <a:pPr marL="342900" indent="-342900">
+                <a:buFont typeface="+mj-lt"/>
+                <a:buAutoNum type="arabicPeriod"/>
+              </a:pPr>
+              <a:r>
+                <a:rPr lang="ko-KR" altLang="en-US" sz="1600" dirty="0" smtClean="0">
+                  <a:solidFill>
+                    <a:schemeClr val="bg1"/>
+                  </a:solidFill>
+                  <a:effectLst>
+                    <a:outerShdw blurRad="38100" dist="38100" dir="2700000" algn="tl">
+                      <a:srgbClr val="000000">
+                        <a:alpha val="43137"/>
+                      </a:srgbClr>
+                    </a:outerShdw>
+                  </a:effectLst>
+                  <a:latin typeface="+mn-ea"/>
+                </a:rPr>
+                <a:t>함선의 내부는 방으로 구분된다</a:t>
+              </a:r>
+              <a:r>
+                <a:rPr lang="en-US" altLang="ko-KR" sz="1600" dirty="0" smtClean="0">
+                  <a:solidFill>
+                    <a:schemeClr val="bg1"/>
+                  </a:solidFill>
+                  <a:effectLst>
+                    <a:outerShdw blurRad="38100" dist="38100" dir="2700000" algn="tl">
+                      <a:srgbClr val="000000">
+                        <a:alpha val="43137"/>
+                      </a:srgbClr>
+                    </a:outerShdw>
+                  </a:effectLst>
+                  <a:latin typeface="+mn-ea"/>
+                </a:rPr>
+                <a:t>.</a:t>
+              </a:r>
+            </a:p>
+            <a:p>
+              <a:pPr marL="342900" indent="-342900">
+                <a:buFont typeface="+mj-lt"/>
+                <a:buAutoNum type="arabicPeriod"/>
+              </a:pPr>
+              <a:r>
+                <a:rPr lang="ko-KR" altLang="en-US" sz="1600" dirty="0" smtClean="0">
+                  <a:solidFill>
+                    <a:schemeClr val="bg1"/>
+                  </a:solidFill>
+                  <a:effectLst>
+                    <a:outerShdw blurRad="38100" dist="38100" dir="2700000" algn="tl">
+                      <a:srgbClr val="000000">
+                        <a:alpha val="43137"/>
+                      </a:srgbClr>
+                    </a:outerShdw>
+                  </a:effectLst>
+                  <a:latin typeface="+mn-ea"/>
+                </a:rPr>
+                <a:t>일부 방에는 시설이 설치되며 이 시설들은 강화</a:t>
+              </a:r>
+              <a:r>
+                <a:rPr lang="en-US" altLang="ko-KR" sz="1600" dirty="0" smtClean="0">
+                  <a:solidFill>
+                    <a:schemeClr val="bg1"/>
+                  </a:solidFill>
+                  <a:effectLst>
+                    <a:outerShdw blurRad="38100" dist="38100" dir="2700000" algn="tl">
+                      <a:srgbClr val="000000">
+                        <a:alpha val="43137"/>
+                      </a:srgbClr>
+                    </a:outerShdw>
+                  </a:effectLst>
+                  <a:latin typeface="+mn-ea"/>
+                </a:rPr>
+                <a:t>, </a:t>
+              </a:r>
+              <a:r>
+                <a:rPr lang="ko-KR" altLang="en-US" sz="1600" dirty="0" smtClean="0">
+                  <a:solidFill>
+                    <a:schemeClr val="bg1"/>
+                  </a:solidFill>
+                  <a:effectLst>
+                    <a:outerShdw blurRad="38100" dist="38100" dir="2700000" algn="tl">
+                      <a:srgbClr val="000000">
+                        <a:alpha val="43137"/>
+                      </a:srgbClr>
+                    </a:outerShdw>
+                  </a:effectLst>
+                  <a:latin typeface="+mn-ea"/>
+                </a:rPr>
+                <a:t>구매</a:t>
+              </a:r>
+              <a:r>
+                <a:rPr lang="en-US" altLang="ko-KR" sz="1600" dirty="0" smtClean="0">
+                  <a:solidFill>
+                    <a:schemeClr val="bg1"/>
+                  </a:solidFill>
+                  <a:effectLst>
+                    <a:outerShdw blurRad="38100" dist="38100" dir="2700000" algn="tl">
+                      <a:srgbClr val="000000">
+                        <a:alpha val="43137"/>
+                      </a:srgbClr>
+                    </a:outerShdw>
+                  </a:effectLst>
+                  <a:latin typeface="+mn-ea"/>
+                </a:rPr>
+                <a:t>, </a:t>
+              </a:r>
+              <a:r>
+                <a:rPr lang="ko-KR" altLang="en-US" sz="1600" dirty="0" smtClean="0">
+                  <a:solidFill>
+                    <a:schemeClr val="bg1"/>
+                  </a:solidFill>
+                  <a:effectLst>
+                    <a:outerShdw blurRad="38100" dist="38100" dir="2700000" algn="tl">
+                      <a:srgbClr val="000000">
+                        <a:alpha val="43137"/>
+                      </a:srgbClr>
+                    </a:outerShdw>
+                  </a:effectLst>
+                  <a:latin typeface="+mn-ea"/>
+                </a:rPr>
+                <a:t>판매가 가능하다</a:t>
+              </a:r>
+              <a:r>
+                <a:rPr lang="en-US" altLang="ko-KR" sz="1600" dirty="0" smtClean="0">
+                  <a:solidFill>
+                    <a:schemeClr val="bg1"/>
+                  </a:solidFill>
+                  <a:effectLst>
+                    <a:outerShdw blurRad="38100" dist="38100" dir="2700000" algn="tl">
+                      <a:srgbClr val="000000">
+                        <a:alpha val="43137"/>
+                      </a:srgbClr>
+                    </a:outerShdw>
+                  </a:effectLst>
+                  <a:latin typeface="+mn-ea"/>
+                </a:rPr>
+                <a:t>.</a:t>
+              </a:r>
+            </a:p>
+            <a:p>
+              <a:pPr marL="342900" indent="-342900">
+                <a:buFont typeface="+mj-lt"/>
+                <a:buAutoNum type="arabicPeriod"/>
+              </a:pPr>
+              <a:r>
+                <a:rPr lang="ko-KR" altLang="en-US" sz="1600" dirty="0" smtClean="0">
+                  <a:solidFill>
+                    <a:schemeClr val="bg1"/>
+                  </a:solidFill>
+                  <a:effectLst>
+                    <a:outerShdw blurRad="38100" dist="38100" dir="2700000" algn="tl">
+                      <a:srgbClr val="000000">
+                        <a:alpha val="43137"/>
+                      </a:srgbClr>
+                    </a:outerShdw>
+                  </a:effectLst>
+                  <a:latin typeface="+mn-ea"/>
+                </a:rPr>
+                <a:t>시설의 종류는 엔진</a:t>
+              </a:r>
+              <a:r>
+                <a:rPr lang="en-US" altLang="ko-KR" sz="1600" dirty="0" smtClean="0">
+                  <a:solidFill>
+                    <a:schemeClr val="bg1"/>
+                  </a:solidFill>
+                  <a:effectLst>
+                    <a:outerShdw blurRad="38100" dist="38100" dir="2700000" algn="tl">
+                      <a:srgbClr val="000000">
+                        <a:alpha val="43137"/>
+                      </a:srgbClr>
+                    </a:outerShdw>
+                  </a:effectLst>
+                  <a:latin typeface="+mn-ea"/>
+                </a:rPr>
+                <a:t>, </a:t>
+              </a:r>
+              <a:r>
+                <a:rPr lang="ko-KR" altLang="en-US" sz="1600" dirty="0" smtClean="0">
+                  <a:solidFill>
+                    <a:schemeClr val="bg1"/>
+                  </a:solidFill>
+                  <a:effectLst>
+                    <a:outerShdw blurRad="38100" dist="38100" dir="2700000" algn="tl">
+                      <a:srgbClr val="000000">
+                        <a:alpha val="43137"/>
+                      </a:srgbClr>
+                    </a:outerShdw>
+                  </a:effectLst>
+                  <a:latin typeface="+mn-ea"/>
+                </a:rPr>
+                <a:t>조타실</a:t>
+              </a:r>
+              <a:r>
+                <a:rPr lang="en-US" altLang="ko-KR" sz="1600" dirty="0" smtClean="0">
+                  <a:solidFill>
+                    <a:schemeClr val="bg1"/>
+                  </a:solidFill>
+                  <a:effectLst>
+                    <a:outerShdw blurRad="38100" dist="38100" dir="2700000" algn="tl">
+                      <a:srgbClr val="000000">
+                        <a:alpha val="43137"/>
+                      </a:srgbClr>
+                    </a:outerShdw>
+                  </a:effectLst>
+                  <a:latin typeface="+mn-ea"/>
+                </a:rPr>
+                <a:t>, </a:t>
+              </a:r>
+              <a:r>
+                <a:rPr lang="ko-KR" altLang="en-US" sz="1600" dirty="0" smtClean="0">
+                  <a:solidFill>
+                    <a:schemeClr val="bg1"/>
+                  </a:solidFill>
+                  <a:effectLst>
+                    <a:outerShdw blurRad="38100" dist="38100" dir="2700000" algn="tl">
+                      <a:srgbClr val="000000">
+                        <a:alpha val="43137"/>
+                      </a:srgbClr>
+                    </a:outerShdw>
+                  </a:effectLst>
+                  <a:latin typeface="+mn-ea"/>
+                </a:rPr>
+                <a:t>무기실</a:t>
+              </a:r>
+              <a:r>
+                <a:rPr lang="en-US" altLang="ko-KR" sz="1600" dirty="0" smtClean="0">
+                  <a:solidFill>
+                    <a:schemeClr val="bg1"/>
+                  </a:solidFill>
+                  <a:effectLst>
+                    <a:outerShdw blurRad="38100" dist="38100" dir="2700000" algn="tl">
+                      <a:srgbClr val="000000">
+                        <a:alpha val="43137"/>
+                      </a:srgbClr>
+                    </a:outerShdw>
+                  </a:effectLst>
+                  <a:latin typeface="+mn-ea"/>
+                </a:rPr>
+                <a:t>, </a:t>
+              </a:r>
+              <a:r>
+                <a:rPr lang="ko-KR" altLang="en-US" sz="1600" dirty="0" smtClean="0">
+                  <a:solidFill>
+                    <a:schemeClr val="bg1"/>
+                  </a:solidFill>
+                  <a:effectLst>
+                    <a:outerShdw blurRad="38100" dist="38100" dir="2700000" algn="tl">
+                      <a:srgbClr val="000000">
+                        <a:alpha val="43137"/>
+                      </a:srgbClr>
+                    </a:outerShdw>
+                  </a:effectLst>
+                  <a:latin typeface="+mn-ea"/>
+                </a:rPr>
+                <a:t>의료실</a:t>
+              </a:r>
+              <a:r>
+                <a:rPr lang="en-US" altLang="ko-KR" sz="1600" dirty="0" smtClean="0">
+                  <a:solidFill>
+                    <a:schemeClr val="bg1"/>
+                  </a:solidFill>
+                  <a:effectLst>
+                    <a:outerShdw blurRad="38100" dist="38100" dir="2700000" algn="tl">
+                      <a:srgbClr val="000000">
+                        <a:alpha val="43137"/>
+                      </a:srgbClr>
+                    </a:outerShdw>
+                  </a:effectLst>
+                  <a:latin typeface="+mn-ea"/>
+                </a:rPr>
+                <a:t>, </a:t>
+              </a:r>
+              <a:r>
+                <a:rPr lang="ko-KR" altLang="en-US" sz="1600" dirty="0" smtClean="0">
+                  <a:solidFill>
+                    <a:schemeClr val="bg1"/>
+                  </a:solidFill>
+                  <a:effectLst>
+                    <a:outerShdw blurRad="38100" dist="38100" dir="2700000" algn="tl">
+                      <a:srgbClr val="000000">
+                        <a:alpha val="43137"/>
+                      </a:srgbClr>
+                    </a:outerShdw>
+                  </a:effectLst>
+                  <a:latin typeface="+mn-ea"/>
+                </a:rPr>
+                <a:t>보호막 관제소</a:t>
+              </a:r>
+              <a:r>
+                <a:rPr lang="en-US" altLang="ko-KR" sz="1600" dirty="0" smtClean="0">
+                  <a:solidFill>
+                    <a:schemeClr val="bg1"/>
+                  </a:solidFill>
+                  <a:effectLst>
+                    <a:outerShdw blurRad="38100" dist="38100" dir="2700000" algn="tl">
+                      <a:srgbClr val="000000">
+                        <a:alpha val="43137"/>
+                      </a:srgbClr>
+                    </a:outerShdw>
+                  </a:effectLst>
+                  <a:latin typeface="+mn-ea"/>
+                </a:rPr>
+                <a:t>, </a:t>
+              </a:r>
+              <a:r>
+                <a:rPr lang="ko-KR" altLang="en-US" sz="1600" dirty="0" err="1" smtClean="0">
+                  <a:solidFill>
+                    <a:schemeClr val="bg1"/>
+                  </a:solidFill>
+                  <a:effectLst>
+                    <a:outerShdw blurRad="38100" dist="38100" dir="2700000" algn="tl">
+                      <a:srgbClr val="000000">
+                        <a:alpha val="43137"/>
+                      </a:srgbClr>
+                    </a:outerShdw>
+                  </a:effectLst>
+                  <a:latin typeface="+mn-ea"/>
+                </a:rPr>
+                <a:t>식량고</a:t>
+              </a:r>
+              <a:r>
+                <a:rPr lang="ko-KR" altLang="en-US" sz="1600" dirty="0" smtClean="0">
+                  <a:solidFill>
+                    <a:schemeClr val="bg1"/>
+                  </a:solidFill>
+                  <a:effectLst>
+                    <a:outerShdw blurRad="38100" dist="38100" dir="2700000" algn="tl">
+                      <a:srgbClr val="000000">
+                        <a:alpha val="43137"/>
+                      </a:srgbClr>
+                    </a:outerShdw>
+                  </a:effectLst>
+                  <a:latin typeface="+mn-ea"/>
+                </a:rPr>
+                <a:t> 등이 있다</a:t>
+              </a:r>
+              <a:r>
+                <a:rPr lang="en-US" altLang="ko-KR" sz="1600" dirty="0" smtClean="0">
+                  <a:solidFill>
+                    <a:schemeClr val="bg1"/>
+                  </a:solidFill>
+                  <a:effectLst>
+                    <a:outerShdw blurRad="38100" dist="38100" dir="2700000" algn="tl">
+                      <a:srgbClr val="000000">
+                        <a:alpha val="43137"/>
+                      </a:srgbClr>
+                    </a:outerShdw>
+                  </a:effectLst>
+                  <a:latin typeface="+mn-ea"/>
+                </a:rPr>
+                <a:t>.</a:t>
+              </a:r>
+            </a:p>
+            <a:p>
+              <a:pPr marL="342900" indent="-342900">
+                <a:buFont typeface="+mj-lt"/>
+                <a:buAutoNum type="arabicPeriod"/>
+              </a:pPr>
+              <a:endParaRPr lang="en-US" altLang="ko-KR" sz="1600" dirty="0">
+                <a:solidFill>
+                  <a:schemeClr val="bg1"/>
+                </a:solidFill>
+                <a:effectLst>
+                  <a:outerShdw blurRad="38100" dist="38100" dir="2700000" algn="tl">
+                    <a:srgbClr val="000000">
+                      <a:alpha val="43137"/>
+                    </a:srgbClr>
+                  </a:outerShdw>
+                </a:effectLst>
+                <a:latin typeface="+mn-ea"/>
+              </a:endParaRPr>
+            </a:p>
+            <a:p>
+              <a:pPr marL="342900" indent="-342900">
+                <a:buFont typeface="+mj-lt"/>
+                <a:buAutoNum type="arabicPeriod"/>
+              </a:pPr>
+              <a:r>
+                <a:rPr lang="ko-KR" altLang="en-US" sz="1600" dirty="0" smtClean="0">
+                  <a:solidFill>
+                    <a:schemeClr val="bg1"/>
+                  </a:solidFill>
+                  <a:effectLst>
+                    <a:outerShdw blurRad="38100" dist="38100" dir="2700000" algn="tl">
+                      <a:srgbClr val="000000">
+                        <a:alpha val="43137"/>
+                      </a:srgbClr>
+                    </a:outerShdw>
+                  </a:effectLst>
+                  <a:latin typeface="+mn-ea"/>
+                </a:rPr>
+                <a:t>함선 자체도 판매 </a:t>
+              </a:r>
+              <a:r>
+                <a:rPr lang="en-US" altLang="ko-KR" sz="1600" dirty="0" smtClean="0">
+                  <a:solidFill>
+                    <a:schemeClr val="bg1"/>
+                  </a:solidFill>
+                  <a:effectLst>
+                    <a:outerShdw blurRad="38100" dist="38100" dir="2700000" algn="tl">
+                      <a:srgbClr val="000000">
+                        <a:alpha val="43137"/>
+                      </a:srgbClr>
+                    </a:outerShdw>
+                  </a:effectLst>
+                  <a:latin typeface="+mn-ea"/>
+                </a:rPr>
+                <a:t>/ </a:t>
+              </a:r>
+              <a:r>
+                <a:rPr lang="ko-KR" altLang="en-US" sz="1600" dirty="0" smtClean="0">
+                  <a:solidFill>
+                    <a:schemeClr val="bg1"/>
+                  </a:solidFill>
+                  <a:effectLst>
+                    <a:outerShdw blurRad="38100" dist="38100" dir="2700000" algn="tl">
+                      <a:srgbClr val="000000">
+                        <a:alpha val="43137"/>
+                      </a:srgbClr>
+                    </a:outerShdw>
+                  </a:effectLst>
+                  <a:latin typeface="+mn-ea"/>
+                </a:rPr>
+                <a:t>구매가 가능하며 이는 그 함선의 설비에 따라 값이 정해진다</a:t>
+              </a:r>
+              <a:r>
+                <a:rPr lang="en-US" altLang="ko-KR" sz="1600" dirty="0" smtClean="0">
+                  <a:solidFill>
+                    <a:schemeClr val="bg1"/>
+                  </a:solidFill>
+                  <a:effectLst>
+                    <a:outerShdw blurRad="38100" dist="38100" dir="2700000" algn="tl">
+                      <a:srgbClr val="000000">
+                        <a:alpha val="43137"/>
+                      </a:srgbClr>
+                    </a:outerShdw>
+                  </a:effectLst>
+                  <a:latin typeface="+mn-ea"/>
+                </a:rPr>
+                <a:t>.</a:t>
+              </a:r>
+              <a:endParaRPr lang="ko-KR" altLang="en-US" sz="1600" dirty="0">
+                <a:solidFill>
+                  <a:schemeClr val="bg1"/>
+                </a:solidFill>
+                <a:effectLst>
+                  <a:outerShdw blurRad="38100" dist="38100" dir="2700000" algn="tl">
+                    <a:srgbClr val="000000">
+                      <a:alpha val="43137"/>
+                    </a:srgbClr>
+                  </a:outerShdw>
+                </a:effectLst>
+                <a:latin typeface="+mn-ea"/>
+              </a:endParaRPr>
+            </a:p>
+          </p:txBody>
+        </p:sp>
+      </p:grpSp>
+      <p:sp>
+        <p:nvSpPr>
+          <p:cNvPr id="5" name="평행 사변형 4"/>
+          <p:cNvSpPr/>
+          <p:nvPr/>
+        </p:nvSpPr>
+        <p:spPr>
+          <a:xfrm>
+            <a:off x="117687" y="1952625"/>
+            <a:ext cx="2983653" cy="369332"/>
+          </a:xfrm>
+          <a:prstGeom prst="parallelogram">
+            <a:avLst>
+              <a:gd name="adj" fmla="val 26720"/>
+            </a:avLst>
+          </a:prstGeom>
+          <a:noFill/>
+          <a:ln w="25400">
+            <a:solidFill>
+              <a:schemeClr val="bg1"/>
+            </a:solidFill>
+          </a:ln>
+        </p:spPr>
+        <p:style>
+          <a:lnRef idx="2">
+            <a:schemeClr val="accent1">
+              <a:shade val="50000"/>
+            </a:schemeClr>
+          </a:lnRef>
+          <a:fillRef idx="1">
+            <a:schemeClr val="accent1"/>
+          </a:fillRef>
+          <a:effectRef idx="0">
+            <a:schemeClr val="accent1"/>
+          </a:effectRef>
+          <a:fontRef idx="minor">
+            <a:schemeClr val="lt1"/>
+          </a:fontRef>
+        </p:style>
+        <p:txBody>
+          <a:bodyPr rtlCol="0" anchor="ctr"/>
+          <a:lstStyle/>
+          <a:p>
+            <a:pPr algn="ctr"/>
+            <a:endParaRPr lang="ko-KR" altLang="en-US"/>
+          </a:p>
+        </p:txBody>
+      </p:sp>
+      <p:sp>
+        <p:nvSpPr>
+          <p:cNvPr id="9" name="평행 사변형 8"/>
+          <p:cNvSpPr/>
+          <p:nvPr/>
+        </p:nvSpPr>
+        <p:spPr>
+          <a:xfrm>
+            <a:off x="174836" y="2001600"/>
+            <a:ext cx="339513" cy="284400"/>
+          </a:xfrm>
+          <a:prstGeom prst="parallelogram">
+            <a:avLst>
+              <a:gd name="adj" fmla="val 30334"/>
+            </a:avLst>
+          </a:prstGeom>
+          <a:solidFill>
+            <a:schemeClr val="bg1"/>
+          </a:solidFill>
+          <a:ln>
+            <a:noFill/>
+          </a:ln>
+        </p:spPr>
+        <p:style>
+          <a:lnRef idx="2">
+            <a:schemeClr val="accent1">
+              <a:shade val="50000"/>
+            </a:schemeClr>
+          </a:lnRef>
+          <a:fillRef idx="1">
+            <a:schemeClr val="accent1"/>
+          </a:fillRef>
+          <a:effectRef idx="0">
+            <a:schemeClr val="accent1"/>
+          </a:effectRef>
+          <a:fontRef idx="minor">
+            <a:schemeClr val="lt1"/>
+          </a:fontRef>
+        </p:style>
+        <p:txBody>
+          <a:bodyPr rtlCol="0" anchor="ctr"/>
+          <a:lstStyle/>
+          <a:p>
+            <a:pPr algn="ctr"/>
+            <a:endParaRPr lang="ko-KR" altLang="en-US"/>
+          </a:p>
+        </p:txBody>
+      </p:sp>
+      <p:sp>
+        <p:nvSpPr>
+          <p:cNvPr id="40" name="평행 사변형 39"/>
+          <p:cNvSpPr/>
+          <p:nvPr/>
+        </p:nvSpPr>
+        <p:spPr>
+          <a:xfrm>
+            <a:off x="458019" y="2001600"/>
+            <a:ext cx="339513" cy="284400"/>
+          </a:xfrm>
+          <a:prstGeom prst="parallelogram">
+            <a:avLst>
+              <a:gd name="adj" fmla="val 30334"/>
+            </a:avLst>
+          </a:prstGeom>
+          <a:solidFill>
+            <a:schemeClr val="bg1"/>
+          </a:solidFill>
+          <a:ln>
+            <a:noFill/>
+          </a:ln>
+        </p:spPr>
+        <p:style>
+          <a:lnRef idx="2">
+            <a:schemeClr val="accent1">
+              <a:shade val="50000"/>
+            </a:schemeClr>
+          </a:lnRef>
+          <a:fillRef idx="1">
+            <a:schemeClr val="accent1"/>
+          </a:fillRef>
+          <a:effectRef idx="0">
+            <a:schemeClr val="accent1"/>
+          </a:effectRef>
+          <a:fontRef idx="minor">
+            <a:schemeClr val="lt1"/>
+          </a:fontRef>
+        </p:style>
+        <p:txBody>
+          <a:bodyPr rtlCol="0" anchor="ctr"/>
+          <a:lstStyle/>
+          <a:p>
+            <a:pPr algn="ctr"/>
+            <a:endParaRPr lang="ko-KR" altLang="en-US"/>
+          </a:p>
+        </p:txBody>
+      </p:sp>
+      <p:sp>
+        <p:nvSpPr>
+          <p:cNvPr id="42" name="평행 사변형 41"/>
+          <p:cNvSpPr/>
+          <p:nvPr/>
+        </p:nvSpPr>
+        <p:spPr>
+          <a:xfrm>
+            <a:off x="740581" y="2001600"/>
+            <a:ext cx="339513" cy="284400"/>
+          </a:xfrm>
+          <a:prstGeom prst="parallelogram">
+            <a:avLst>
+              <a:gd name="adj" fmla="val 30334"/>
+            </a:avLst>
+          </a:prstGeom>
+          <a:solidFill>
+            <a:schemeClr val="bg1"/>
+          </a:solidFill>
+          <a:ln>
+            <a:noFill/>
+          </a:ln>
+        </p:spPr>
+        <p:style>
+          <a:lnRef idx="2">
+            <a:schemeClr val="accent1">
+              <a:shade val="50000"/>
+            </a:schemeClr>
+          </a:lnRef>
+          <a:fillRef idx="1">
+            <a:schemeClr val="accent1"/>
+          </a:fillRef>
+          <a:effectRef idx="0">
+            <a:schemeClr val="accent1"/>
+          </a:effectRef>
+          <a:fontRef idx="minor">
+            <a:schemeClr val="lt1"/>
+          </a:fontRef>
+        </p:style>
+        <p:txBody>
+          <a:bodyPr rtlCol="0" anchor="ctr"/>
+          <a:lstStyle/>
+          <a:p>
+            <a:pPr algn="ctr"/>
+            <a:endParaRPr lang="ko-KR" altLang="en-US"/>
+          </a:p>
+        </p:txBody>
+      </p:sp>
+      <p:sp>
+        <p:nvSpPr>
+          <p:cNvPr id="43" name="평행 사변형 42"/>
+          <p:cNvSpPr/>
+          <p:nvPr/>
+        </p:nvSpPr>
+        <p:spPr>
+          <a:xfrm>
+            <a:off x="1018709" y="2001600"/>
+            <a:ext cx="339513" cy="284400"/>
+          </a:xfrm>
+          <a:prstGeom prst="parallelogram">
+            <a:avLst>
+              <a:gd name="adj" fmla="val 30334"/>
+            </a:avLst>
+          </a:prstGeom>
+          <a:solidFill>
+            <a:schemeClr val="bg1"/>
+          </a:solidFill>
+          <a:ln>
+            <a:noFill/>
+          </a:ln>
+        </p:spPr>
+        <p:style>
+          <a:lnRef idx="2">
+            <a:schemeClr val="accent1">
+              <a:shade val="50000"/>
+            </a:schemeClr>
+          </a:lnRef>
+          <a:fillRef idx="1">
+            <a:schemeClr val="accent1"/>
+          </a:fillRef>
+          <a:effectRef idx="0">
+            <a:schemeClr val="accent1"/>
+          </a:effectRef>
+          <a:fontRef idx="minor">
+            <a:schemeClr val="lt1"/>
+          </a:fontRef>
+        </p:style>
+        <p:txBody>
+          <a:bodyPr rtlCol="0" anchor="ctr"/>
+          <a:lstStyle/>
+          <a:p>
+            <a:pPr algn="ctr"/>
+            <a:endParaRPr lang="ko-KR" altLang="en-US"/>
+          </a:p>
+        </p:txBody>
+      </p:sp>
+      <p:sp>
+        <p:nvSpPr>
+          <p:cNvPr id="44" name="평행 사변형 43"/>
+          <p:cNvSpPr/>
+          <p:nvPr/>
+        </p:nvSpPr>
+        <p:spPr>
+          <a:xfrm>
+            <a:off x="1297728" y="2001600"/>
+            <a:ext cx="339513" cy="284400"/>
+          </a:xfrm>
+          <a:prstGeom prst="parallelogram">
+            <a:avLst>
+              <a:gd name="adj" fmla="val 30334"/>
+            </a:avLst>
+          </a:prstGeom>
+          <a:solidFill>
+            <a:schemeClr val="bg1"/>
+          </a:solidFill>
+          <a:ln>
+            <a:noFill/>
+          </a:ln>
+        </p:spPr>
+        <p:style>
+          <a:lnRef idx="2">
+            <a:schemeClr val="accent1">
+              <a:shade val="50000"/>
+            </a:schemeClr>
+          </a:lnRef>
+          <a:fillRef idx="1">
+            <a:schemeClr val="accent1"/>
+          </a:fillRef>
+          <a:effectRef idx="0">
+            <a:schemeClr val="accent1"/>
+          </a:effectRef>
+          <a:fontRef idx="minor">
+            <a:schemeClr val="lt1"/>
+          </a:fontRef>
+        </p:style>
+        <p:txBody>
+          <a:bodyPr rtlCol="0" anchor="ctr"/>
+          <a:lstStyle/>
+          <a:p>
+            <a:pPr algn="ctr"/>
+            <a:endParaRPr lang="ko-KR" altLang="en-US"/>
+          </a:p>
+        </p:txBody>
+      </p:sp>
+      <p:sp>
+        <p:nvSpPr>
+          <p:cNvPr id="45" name="평행 사변형 44"/>
+          <p:cNvSpPr/>
+          <p:nvPr/>
+        </p:nvSpPr>
+        <p:spPr>
+          <a:xfrm>
+            <a:off x="1578794" y="2001600"/>
+            <a:ext cx="339513" cy="284400"/>
+          </a:xfrm>
+          <a:prstGeom prst="parallelogram">
+            <a:avLst>
+              <a:gd name="adj" fmla="val 30334"/>
+            </a:avLst>
+          </a:prstGeom>
+          <a:solidFill>
+            <a:schemeClr val="bg1"/>
+          </a:solidFill>
+          <a:ln>
+            <a:noFill/>
+          </a:ln>
+        </p:spPr>
+        <p:style>
+          <a:lnRef idx="2">
+            <a:schemeClr val="accent1">
+              <a:shade val="50000"/>
+            </a:schemeClr>
+          </a:lnRef>
+          <a:fillRef idx="1">
+            <a:schemeClr val="accent1"/>
+          </a:fillRef>
+          <a:effectRef idx="0">
+            <a:schemeClr val="accent1"/>
+          </a:effectRef>
+          <a:fontRef idx="minor">
+            <a:schemeClr val="lt1"/>
+          </a:fontRef>
+        </p:style>
+        <p:txBody>
+          <a:bodyPr rtlCol="0" anchor="ctr"/>
+          <a:lstStyle/>
+          <a:p>
+            <a:pPr algn="ctr"/>
+            <a:endParaRPr lang="ko-KR" altLang="en-US"/>
+          </a:p>
+        </p:txBody>
+      </p:sp>
+      <p:sp>
+        <p:nvSpPr>
+          <p:cNvPr id="46" name="평행 사변형 45"/>
+          <p:cNvSpPr/>
+          <p:nvPr/>
+        </p:nvSpPr>
+        <p:spPr>
+          <a:xfrm>
+            <a:off x="1858181" y="2001600"/>
+            <a:ext cx="339513" cy="284400"/>
+          </a:xfrm>
+          <a:prstGeom prst="parallelogram">
+            <a:avLst>
+              <a:gd name="adj" fmla="val 30334"/>
+            </a:avLst>
+          </a:prstGeom>
+          <a:solidFill>
+            <a:schemeClr val="bg1"/>
+          </a:solidFill>
+          <a:ln>
+            <a:noFill/>
+          </a:ln>
+        </p:spPr>
+        <p:style>
+          <a:lnRef idx="2">
+            <a:schemeClr val="accent1">
+              <a:shade val="50000"/>
+            </a:schemeClr>
+          </a:lnRef>
+          <a:fillRef idx="1">
+            <a:schemeClr val="accent1"/>
+          </a:fillRef>
+          <a:effectRef idx="0">
+            <a:schemeClr val="accent1"/>
+          </a:effectRef>
+          <a:fontRef idx="minor">
+            <a:schemeClr val="lt1"/>
+          </a:fontRef>
+        </p:style>
+        <p:txBody>
+          <a:bodyPr rtlCol="0" anchor="ctr"/>
+          <a:lstStyle/>
+          <a:p>
+            <a:pPr algn="ctr"/>
+            <a:endParaRPr lang="ko-KR" altLang="en-US"/>
+          </a:p>
+        </p:txBody>
+      </p:sp>
+      <p:sp>
+        <p:nvSpPr>
+          <p:cNvPr id="47" name="평행 사변형 46"/>
+          <p:cNvSpPr/>
+          <p:nvPr/>
+        </p:nvSpPr>
+        <p:spPr>
+          <a:xfrm>
+            <a:off x="2136309" y="2001600"/>
+            <a:ext cx="339513" cy="284400"/>
+          </a:xfrm>
+          <a:prstGeom prst="parallelogram">
+            <a:avLst>
+              <a:gd name="adj" fmla="val 30334"/>
+            </a:avLst>
+          </a:prstGeom>
+          <a:solidFill>
+            <a:schemeClr val="bg1"/>
+          </a:solidFill>
+          <a:ln>
+            <a:noFill/>
+          </a:ln>
+        </p:spPr>
+        <p:style>
+          <a:lnRef idx="2">
+            <a:schemeClr val="accent1">
+              <a:shade val="50000"/>
+            </a:schemeClr>
+          </a:lnRef>
+          <a:fillRef idx="1">
+            <a:schemeClr val="accent1"/>
+          </a:fillRef>
+          <a:effectRef idx="0">
+            <a:schemeClr val="accent1"/>
+          </a:effectRef>
+          <a:fontRef idx="minor">
+            <a:schemeClr val="lt1"/>
+          </a:fontRef>
+        </p:style>
+        <p:txBody>
+          <a:bodyPr rtlCol="0" anchor="ctr"/>
+          <a:lstStyle/>
+          <a:p>
+            <a:pPr algn="ctr"/>
+            <a:endParaRPr lang="ko-KR" altLang="en-US"/>
+          </a:p>
+        </p:txBody>
+      </p:sp>
+      <p:sp>
+        <p:nvSpPr>
+          <p:cNvPr id="16" name="TextBox 15"/>
+          <p:cNvSpPr txBox="1"/>
+          <p:nvPr/>
+        </p:nvSpPr>
+        <p:spPr>
+          <a:xfrm>
+            <a:off x="6096000" y="2505075"/>
+            <a:ext cx="5644311" cy="3693319"/>
+          </a:xfrm>
+          <a:prstGeom prst="rect">
+            <a:avLst/>
+          </a:prstGeom>
+          <a:solidFill>
+            <a:schemeClr val="tx1">
+              <a:lumMod val="85000"/>
+              <a:lumOff val="15000"/>
+            </a:schemeClr>
+          </a:solidFill>
+          <a:scene3d>
+            <a:camera prst="orthographicFront"/>
+            <a:lightRig rig="threePt" dir="t">
+              <a:rot lat="0" lon="0" rev="1800000"/>
+            </a:lightRig>
+          </a:scene3d>
+          <a:sp3d extrusionH="120650" contourW="25400">
+            <a:bevelT w="127000" h="88900" prst="coolSlant"/>
+            <a:bevelB w="19050" h="50800"/>
+            <a:extrusionClr>
+              <a:schemeClr val="tx1"/>
+            </a:extrusionClr>
+          </a:sp3d>
+        </p:spPr>
+        <p:txBody>
+          <a:bodyPr wrap="square" rtlCol="0">
+            <a:spAutoFit/>
+          </a:bodyPr>
+          <a:lstStyle/>
+          <a:p>
+            <a:r>
+              <a:rPr lang="ko-KR" altLang="en-US" dirty="0" smtClean="0">
+                <a:solidFill>
+                  <a:schemeClr val="bg1"/>
+                </a:solidFill>
+                <a:effectLst>
+                  <a:outerShdw blurRad="38100" dist="38100" dir="2700000" algn="tl">
+                    <a:srgbClr val="000000">
+                      <a:alpha val="43137"/>
+                    </a:srgbClr>
+                  </a:outerShdw>
+                </a:effectLst>
+              </a:rPr>
+              <a:t>이벤트 시에는 우측에 다음과 같은 정보들이 표시된다</a:t>
+            </a:r>
+            <a:r>
+              <a:rPr lang="en-US" altLang="ko-KR" dirty="0" smtClean="0">
+                <a:solidFill>
+                  <a:schemeClr val="bg1"/>
+                </a:solidFill>
+                <a:effectLst>
+                  <a:outerShdw blurRad="38100" dist="38100" dir="2700000" algn="tl">
+                    <a:srgbClr val="000000">
+                      <a:alpha val="43137"/>
+                    </a:srgbClr>
+                  </a:outerShdw>
+                </a:effectLst>
+              </a:rPr>
+              <a:t>.</a:t>
+            </a:r>
+          </a:p>
+          <a:p>
+            <a:endParaRPr lang="en-US" altLang="ko-KR" dirty="0">
+              <a:solidFill>
+                <a:schemeClr val="bg1"/>
+              </a:solidFill>
+              <a:effectLst>
+                <a:outerShdw blurRad="38100" dist="38100" dir="2700000" algn="tl">
+                  <a:srgbClr val="000000">
+                    <a:alpha val="43137"/>
+                  </a:srgbClr>
+                </a:outerShdw>
+              </a:effectLst>
+            </a:endParaRPr>
+          </a:p>
+          <a:p>
+            <a:endParaRPr lang="en-US" altLang="ko-KR" dirty="0" smtClean="0">
+              <a:solidFill>
+                <a:schemeClr val="bg1"/>
+              </a:solidFill>
+              <a:effectLst>
+                <a:outerShdw blurRad="38100" dist="38100" dir="2700000" algn="tl">
+                  <a:srgbClr val="000000">
+                    <a:alpha val="43137"/>
+                  </a:srgbClr>
+                </a:outerShdw>
+              </a:effectLst>
+            </a:endParaRPr>
+          </a:p>
+          <a:p>
+            <a:endParaRPr lang="en-US" altLang="ko-KR" dirty="0">
+              <a:solidFill>
+                <a:schemeClr val="bg1"/>
+              </a:solidFill>
+              <a:effectLst>
+                <a:outerShdw blurRad="38100" dist="38100" dir="2700000" algn="tl">
+                  <a:srgbClr val="000000">
+                    <a:alpha val="43137"/>
+                  </a:srgbClr>
+                </a:outerShdw>
+              </a:effectLst>
+            </a:endParaRPr>
+          </a:p>
+          <a:p>
+            <a:endParaRPr lang="en-US" altLang="ko-KR" dirty="0" smtClean="0">
+              <a:solidFill>
+                <a:schemeClr val="bg1"/>
+              </a:solidFill>
+              <a:effectLst>
+                <a:outerShdw blurRad="38100" dist="38100" dir="2700000" algn="tl">
+                  <a:srgbClr val="000000">
+                    <a:alpha val="43137"/>
+                  </a:srgbClr>
+                </a:outerShdw>
+              </a:effectLst>
+            </a:endParaRPr>
+          </a:p>
+          <a:p>
+            <a:endParaRPr lang="en-US" altLang="ko-KR" dirty="0">
+              <a:solidFill>
+                <a:schemeClr val="bg1"/>
+              </a:solidFill>
+              <a:effectLst>
+                <a:outerShdw blurRad="38100" dist="38100" dir="2700000" algn="tl">
+                  <a:srgbClr val="000000">
+                    <a:alpha val="43137"/>
+                  </a:srgbClr>
+                </a:outerShdw>
+              </a:effectLst>
+            </a:endParaRPr>
+          </a:p>
+          <a:p>
+            <a:endParaRPr lang="en-US" altLang="ko-KR" dirty="0" smtClean="0">
+              <a:solidFill>
+                <a:schemeClr val="bg1"/>
+              </a:solidFill>
+              <a:effectLst>
+                <a:outerShdw blurRad="38100" dist="38100" dir="2700000" algn="tl">
+                  <a:srgbClr val="000000">
+                    <a:alpha val="43137"/>
+                  </a:srgbClr>
+                </a:outerShdw>
+              </a:effectLst>
+            </a:endParaRPr>
+          </a:p>
+          <a:p>
+            <a:endParaRPr lang="en-US" altLang="ko-KR" dirty="0">
+              <a:solidFill>
+                <a:schemeClr val="bg1"/>
+              </a:solidFill>
+              <a:effectLst>
+                <a:outerShdw blurRad="38100" dist="38100" dir="2700000" algn="tl">
+                  <a:srgbClr val="000000">
+                    <a:alpha val="43137"/>
+                  </a:srgbClr>
+                </a:outerShdw>
+              </a:effectLst>
+            </a:endParaRPr>
+          </a:p>
+          <a:p>
+            <a:endParaRPr lang="en-US" altLang="ko-KR" dirty="0" smtClean="0">
+              <a:solidFill>
+                <a:schemeClr val="bg1"/>
+              </a:solidFill>
+              <a:effectLst>
+                <a:outerShdw blurRad="38100" dist="38100" dir="2700000" algn="tl">
+                  <a:srgbClr val="000000">
+                    <a:alpha val="43137"/>
+                  </a:srgbClr>
+                </a:outerShdw>
+              </a:effectLst>
+            </a:endParaRPr>
+          </a:p>
+          <a:p>
+            <a:endParaRPr lang="en-US" altLang="ko-KR" dirty="0">
+              <a:solidFill>
+                <a:schemeClr val="bg1"/>
+              </a:solidFill>
+              <a:effectLst>
+                <a:outerShdw blurRad="38100" dist="38100" dir="2700000" algn="tl">
+                  <a:srgbClr val="000000">
+                    <a:alpha val="43137"/>
+                  </a:srgbClr>
+                </a:outerShdw>
+              </a:effectLst>
+            </a:endParaRPr>
+          </a:p>
+          <a:p>
+            <a:endParaRPr lang="en-US" altLang="ko-KR" dirty="0" smtClean="0">
+              <a:solidFill>
+                <a:schemeClr val="bg1"/>
+              </a:solidFill>
+              <a:effectLst>
+                <a:outerShdw blurRad="38100" dist="38100" dir="2700000" algn="tl">
+                  <a:srgbClr val="000000">
+                    <a:alpha val="43137"/>
+                  </a:srgbClr>
+                </a:outerShdw>
+              </a:effectLst>
+            </a:endParaRPr>
+          </a:p>
+          <a:p>
+            <a:endParaRPr lang="en-US" altLang="ko-KR" dirty="0">
+              <a:solidFill>
+                <a:schemeClr val="bg1"/>
+              </a:solidFill>
+              <a:effectLst>
+                <a:outerShdw blurRad="38100" dist="38100" dir="2700000" algn="tl">
+                  <a:srgbClr val="000000">
+                    <a:alpha val="43137"/>
+                  </a:srgbClr>
+                </a:outerShdw>
+              </a:effectLst>
+            </a:endParaRPr>
+          </a:p>
+          <a:p>
+            <a:endParaRPr lang="ko-KR" altLang="en-US" dirty="0">
+              <a:solidFill>
+                <a:schemeClr val="bg1"/>
+              </a:solidFill>
+              <a:effectLst>
+                <a:outerShdw blurRad="38100" dist="38100" dir="2700000" algn="tl">
+                  <a:srgbClr val="000000">
+                    <a:alpha val="43137"/>
+                  </a:srgbClr>
+                </a:outerShdw>
+              </a:effectLst>
+            </a:endParaRPr>
+          </a:p>
+        </p:txBody>
+      </p:sp>
+      <p:sp>
+        <p:nvSpPr>
+          <p:cNvPr id="48" name="TextBox 47"/>
+          <p:cNvSpPr txBox="1"/>
+          <p:nvPr/>
+        </p:nvSpPr>
+        <p:spPr>
+          <a:xfrm>
+            <a:off x="8246687" y="1952625"/>
+            <a:ext cx="1772180" cy="369332"/>
+          </a:xfrm>
+          <a:prstGeom prst="rect">
+            <a:avLst/>
+          </a:prstGeom>
+          <a:noFill/>
+          <a:ln w="25400">
+            <a:solidFill>
+              <a:schemeClr val="bg1"/>
+            </a:solidFill>
+          </a:ln>
+        </p:spPr>
+        <p:txBody>
+          <a:bodyPr wrap="square" rtlCol="0">
+            <a:spAutoFit/>
+          </a:bodyPr>
+          <a:lstStyle/>
+          <a:p>
+            <a:pPr algn="ctr"/>
+            <a:r>
+              <a:rPr lang="ko-KR" altLang="en-US" dirty="0" smtClean="0">
+                <a:solidFill>
+                  <a:schemeClr val="bg1"/>
+                </a:solidFill>
+                <a:effectLst>
+                  <a:outerShdw blurRad="38100" dist="38100" dir="2700000" algn="tl">
+                    <a:srgbClr val="000000">
+                      <a:alpha val="43137"/>
+                    </a:srgbClr>
+                  </a:outerShdw>
+                </a:effectLst>
+              </a:rPr>
+              <a:t>소지 금액</a:t>
+            </a:r>
+            <a:endParaRPr lang="ko-KR" altLang="en-US" dirty="0">
+              <a:solidFill>
+                <a:schemeClr val="bg1"/>
+              </a:solidFill>
+              <a:effectLst>
+                <a:outerShdw blurRad="38100" dist="38100" dir="2700000" algn="tl">
+                  <a:srgbClr val="000000">
+                    <a:alpha val="43137"/>
+                  </a:srgbClr>
+                </a:outerShdw>
+              </a:effectLst>
+            </a:endParaRPr>
+          </a:p>
+        </p:txBody>
+      </p:sp>
+      <p:grpSp>
+        <p:nvGrpSpPr>
+          <p:cNvPr id="61" name="그룹 60"/>
+          <p:cNvGrpSpPr/>
+          <p:nvPr/>
+        </p:nvGrpSpPr>
+        <p:grpSpPr>
+          <a:xfrm>
+            <a:off x="117685" y="2766746"/>
+            <a:ext cx="1734023" cy="1130097"/>
+            <a:chOff x="117685" y="2766746"/>
+            <a:chExt cx="1734023" cy="1130097"/>
+          </a:xfrm>
+        </p:grpSpPr>
+        <p:grpSp>
+          <p:nvGrpSpPr>
+            <p:cNvPr id="60" name="그룹 59"/>
+            <p:cNvGrpSpPr/>
+            <p:nvPr/>
+          </p:nvGrpSpPr>
+          <p:grpSpPr>
+            <a:xfrm>
+              <a:off x="117685" y="2766746"/>
+              <a:ext cx="1734023" cy="662254"/>
+              <a:chOff x="117685" y="2766746"/>
+              <a:chExt cx="1734023" cy="662254"/>
+            </a:xfrm>
+          </p:grpSpPr>
+          <p:grpSp>
+            <p:nvGrpSpPr>
+              <p:cNvPr id="18" name="그룹 17"/>
+              <p:cNvGrpSpPr/>
+              <p:nvPr/>
+            </p:nvGrpSpPr>
+            <p:grpSpPr>
+              <a:xfrm>
+                <a:off x="117685" y="2766746"/>
+                <a:ext cx="674117" cy="662254"/>
+                <a:chOff x="117685" y="2766746"/>
+                <a:chExt cx="674117" cy="662254"/>
+              </a:xfrm>
+            </p:grpSpPr>
+            <p:sp>
+              <p:nvSpPr>
+                <p:cNvPr id="17" name="타원 16"/>
+                <p:cNvSpPr/>
+                <p:nvPr/>
+              </p:nvSpPr>
+              <p:spPr>
+                <a:xfrm>
+                  <a:off x="117685" y="2766746"/>
+                  <a:ext cx="674117" cy="662254"/>
+                </a:xfrm>
+                <a:prstGeom prst="ellipse">
+                  <a:avLst/>
+                </a:prstGeom>
+                <a:noFill/>
+                <a:ln w="25400">
+                  <a:solidFill>
+                    <a:schemeClr val="bg1"/>
+                  </a:solidFill>
+                </a:ln>
+              </p:spPr>
+              <p:style>
+                <a:lnRef idx="2">
+                  <a:schemeClr val="accent1">
+                    <a:shade val="50000"/>
+                  </a:schemeClr>
+                </a:lnRef>
+                <a:fillRef idx="1">
+                  <a:schemeClr val="accent1"/>
+                </a:fillRef>
+                <a:effectRef idx="0">
+                  <a:schemeClr val="accent1"/>
+                </a:effectRef>
+                <a:fontRef idx="minor">
+                  <a:schemeClr val="lt1"/>
+                </a:fontRef>
+              </p:style>
+              <p:txBody>
+                <a:bodyPr rtlCol="0" anchor="ctr"/>
+                <a:lstStyle/>
+                <a:p>
+                  <a:pPr algn="ctr"/>
+                  <a:endParaRPr lang="ko-KR" altLang="en-US"/>
+                </a:p>
+              </p:txBody>
+            </p:sp>
+            <p:sp>
+              <p:nvSpPr>
+                <p:cNvPr id="50" name="타원 49"/>
+                <p:cNvSpPr/>
+                <p:nvPr/>
+              </p:nvSpPr>
+              <p:spPr>
+                <a:xfrm>
+                  <a:off x="252241" y="2898935"/>
+                  <a:ext cx="405003" cy="397876"/>
+                </a:xfrm>
+                <a:prstGeom prst="ellipse">
+                  <a:avLst/>
+                </a:prstGeom>
+                <a:solidFill>
+                  <a:schemeClr val="bg1"/>
+                </a:solidFill>
+                <a:ln w="25400">
+                  <a:noFill/>
+                </a:ln>
+              </p:spPr>
+              <p:style>
+                <a:lnRef idx="2">
+                  <a:schemeClr val="accent1">
+                    <a:shade val="50000"/>
+                  </a:schemeClr>
+                </a:lnRef>
+                <a:fillRef idx="1">
+                  <a:schemeClr val="accent1"/>
+                </a:fillRef>
+                <a:effectRef idx="0">
+                  <a:schemeClr val="accent1"/>
+                </a:effectRef>
+                <a:fontRef idx="minor">
+                  <a:schemeClr val="lt1"/>
+                </a:fontRef>
+              </p:style>
+              <p:txBody>
+                <a:bodyPr rtlCol="0" anchor="ctr"/>
+                <a:lstStyle/>
+                <a:p>
+                  <a:pPr algn="ctr"/>
+                  <a:endParaRPr lang="ko-KR" altLang="en-US"/>
+                </a:p>
+              </p:txBody>
+            </p:sp>
+          </p:grpSp>
+          <p:sp>
+            <p:nvSpPr>
+              <p:cNvPr id="52" name="TextBox 51"/>
+              <p:cNvSpPr txBox="1"/>
+              <p:nvPr/>
+            </p:nvSpPr>
+            <p:spPr>
+              <a:xfrm>
+                <a:off x="791802" y="2766746"/>
+                <a:ext cx="1059906" cy="246221"/>
+              </a:xfrm>
+              <a:prstGeom prst="rect">
+                <a:avLst/>
+              </a:prstGeom>
+              <a:noFill/>
+            </p:spPr>
+            <p:txBody>
+              <a:bodyPr wrap="none" rtlCol="0">
+                <a:spAutoFit/>
+              </a:bodyPr>
+              <a:lstStyle/>
+              <a:p>
+                <a:r>
+                  <a:rPr lang="ko-KR" altLang="en-US" sz="1000" dirty="0" smtClean="0">
+                    <a:solidFill>
+                      <a:schemeClr val="bg1"/>
+                    </a:solidFill>
+                    <a:effectLst>
+                      <a:outerShdw blurRad="38100" dist="38100" dir="2700000" algn="tl">
+                        <a:srgbClr val="000000">
+                          <a:alpha val="43137"/>
+                        </a:srgbClr>
+                      </a:outerShdw>
+                    </a:effectLst>
+                  </a:rPr>
+                  <a:t>업그레이드 이름</a:t>
+                </a:r>
+                <a:endParaRPr lang="ko-KR" altLang="en-US" sz="1000" dirty="0">
+                  <a:solidFill>
+                    <a:schemeClr val="bg1"/>
+                  </a:solidFill>
+                  <a:effectLst>
+                    <a:outerShdw blurRad="38100" dist="38100" dir="2700000" algn="tl">
+                      <a:srgbClr val="000000">
+                        <a:alpha val="43137"/>
+                      </a:srgbClr>
+                    </a:outerShdw>
+                  </a:effectLst>
+                </a:endParaRPr>
+              </a:p>
+            </p:txBody>
+          </p:sp>
+          <p:sp>
+            <p:nvSpPr>
+              <p:cNvPr id="53" name="직사각형 52"/>
+              <p:cNvSpPr/>
+              <p:nvPr/>
+            </p:nvSpPr>
+            <p:spPr>
+              <a:xfrm>
+                <a:off x="910337" y="3012967"/>
+                <a:ext cx="668457" cy="283844"/>
+              </a:xfrm>
+              <a:prstGeom prst="rect">
+                <a:avLst/>
+              </a:prstGeom>
+              <a:solidFill>
+                <a:schemeClr val="tx1"/>
+              </a:solidFill>
+              <a:ln w="25400">
+                <a:solidFill>
+                  <a:schemeClr val="bg1"/>
+                </a:solidFill>
+              </a:ln>
+            </p:spPr>
+            <p:style>
+              <a:lnRef idx="2">
+                <a:schemeClr val="accent1">
+                  <a:shade val="50000"/>
+                </a:schemeClr>
+              </a:lnRef>
+              <a:fillRef idx="1">
+                <a:schemeClr val="accent1"/>
+              </a:fillRef>
+              <a:effectRef idx="0">
+                <a:schemeClr val="accent1"/>
+              </a:effectRef>
+              <a:fontRef idx="minor">
+                <a:schemeClr val="lt1"/>
+              </a:fontRef>
+            </p:style>
+            <p:txBody>
+              <a:bodyPr rtlCol="0" anchor="ctr"/>
+              <a:lstStyle/>
+              <a:p>
+                <a:pPr algn="ctr"/>
+                <a:endParaRPr lang="ko-KR" altLang="en-US"/>
+              </a:p>
+            </p:txBody>
+          </p:sp>
+          <p:sp>
+            <p:nvSpPr>
+              <p:cNvPr id="55" name="직사각형 54"/>
+              <p:cNvSpPr/>
+              <p:nvPr/>
+            </p:nvSpPr>
+            <p:spPr>
+              <a:xfrm>
+                <a:off x="954615" y="3045961"/>
+                <a:ext cx="86319" cy="217939"/>
+              </a:xfrm>
+              <a:prstGeom prst="rect">
+                <a:avLst/>
+              </a:prstGeom>
+              <a:solidFill>
+                <a:schemeClr val="bg1"/>
+              </a:solidFill>
+              <a:ln w="25400">
+                <a:noFill/>
+              </a:ln>
+            </p:spPr>
+            <p:style>
+              <a:lnRef idx="2">
+                <a:schemeClr val="accent1">
+                  <a:shade val="50000"/>
+                </a:schemeClr>
+              </a:lnRef>
+              <a:fillRef idx="1">
+                <a:schemeClr val="accent1"/>
+              </a:fillRef>
+              <a:effectRef idx="0">
+                <a:schemeClr val="accent1"/>
+              </a:effectRef>
+              <a:fontRef idx="minor">
+                <a:schemeClr val="lt1"/>
+              </a:fontRef>
+            </p:style>
+            <p:txBody>
+              <a:bodyPr rtlCol="0" anchor="ctr"/>
+              <a:lstStyle/>
+              <a:p>
+                <a:pPr algn="ctr"/>
+                <a:endParaRPr lang="ko-KR" altLang="en-US"/>
+              </a:p>
+            </p:txBody>
+          </p:sp>
+          <p:sp>
+            <p:nvSpPr>
+              <p:cNvPr id="56" name="직사각형 55"/>
+              <p:cNvSpPr/>
+              <p:nvPr/>
+            </p:nvSpPr>
+            <p:spPr>
+              <a:xfrm>
+                <a:off x="1080048" y="3045961"/>
+                <a:ext cx="86319" cy="217939"/>
+              </a:xfrm>
+              <a:prstGeom prst="rect">
+                <a:avLst/>
+              </a:prstGeom>
+              <a:solidFill>
+                <a:schemeClr val="bg1"/>
+              </a:solidFill>
+              <a:ln w="25400">
+                <a:noFill/>
+              </a:ln>
+            </p:spPr>
+            <p:style>
+              <a:lnRef idx="2">
+                <a:schemeClr val="accent1">
+                  <a:shade val="50000"/>
+                </a:schemeClr>
+              </a:lnRef>
+              <a:fillRef idx="1">
+                <a:schemeClr val="accent1"/>
+              </a:fillRef>
+              <a:effectRef idx="0">
+                <a:schemeClr val="accent1"/>
+              </a:effectRef>
+              <a:fontRef idx="minor">
+                <a:schemeClr val="lt1"/>
+              </a:fontRef>
+            </p:style>
+            <p:txBody>
+              <a:bodyPr rtlCol="0" anchor="ctr"/>
+              <a:lstStyle/>
+              <a:p>
+                <a:pPr algn="ctr"/>
+                <a:endParaRPr lang="ko-KR" altLang="en-US"/>
+              </a:p>
+            </p:txBody>
+          </p:sp>
+          <p:sp>
+            <p:nvSpPr>
+              <p:cNvPr id="57" name="직사각형 56"/>
+              <p:cNvSpPr/>
+              <p:nvPr/>
+            </p:nvSpPr>
+            <p:spPr>
+              <a:xfrm>
+                <a:off x="1201405" y="3045961"/>
+                <a:ext cx="86319" cy="217939"/>
+              </a:xfrm>
+              <a:prstGeom prst="rect">
+                <a:avLst/>
+              </a:prstGeom>
+              <a:solidFill>
+                <a:schemeClr val="bg1"/>
+              </a:solidFill>
+              <a:ln w="25400">
+                <a:noFill/>
+              </a:ln>
+            </p:spPr>
+            <p:style>
+              <a:lnRef idx="2">
+                <a:schemeClr val="accent1">
+                  <a:shade val="50000"/>
+                </a:schemeClr>
+              </a:lnRef>
+              <a:fillRef idx="1">
+                <a:schemeClr val="accent1"/>
+              </a:fillRef>
+              <a:effectRef idx="0">
+                <a:schemeClr val="accent1"/>
+              </a:effectRef>
+              <a:fontRef idx="minor">
+                <a:schemeClr val="lt1"/>
+              </a:fontRef>
+            </p:style>
+            <p:txBody>
+              <a:bodyPr rtlCol="0" anchor="ctr"/>
+              <a:lstStyle/>
+              <a:p>
+                <a:pPr algn="ctr"/>
+                <a:endParaRPr lang="ko-KR" altLang="en-US"/>
+              </a:p>
+            </p:txBody>
+          </p:sp>
+          <p:sp>
+            <p:nvSpPr>
+              <p:cNvPr id="58" name="직사각형 57"/>
+              <p:cNvSpPr/>
+              <p:nvPr/>
+            </p:nvSpPr>
+            <p:spPr>
+              <a:xfrm>
+                <a:off x="1324930" y="3045961"/>
+                <a:ext cx="86319" cy="217939"/>
+              </a:xfrm>
+              <a:prstGeom prst="rect">
+                <a:avLst/>
+              </a:prstGeom>
+              <a:solidFill>
+                <a:schemeClr val="bg1"/>
+              </a:solidFill>
+              <a:ln w="25400">
+                <a:noFill/>
+              </a:ln>
+            </p:spPr>
+            <p:style>
+              <a:lnRef idx="2">
+                <a:schemeClr val="accent1">
+                  <a:shade val="50000"/>
+                </a:schemeClr>
+              </a:lnRef>
+              <a:fillRef idx="1">
+                <a:schemeClr val="accent1"/>
+              </a:fillRef>
+              <a:effectRef idx="0">
+                <a:schemeClr val="accent1"/>
+              </a:effectRef>
+              <a:fontRef idx="minor">
+                <a:schemeClr val="lt1"/>
+              </a:fontRef>
+            </p:style>
+            <p:txBody>
+              <a:bodyPr rtlCol="0" anchor="ctr"/>
+              <a:lstStyle/>
+              <a:p>
+                <a:pPr algn="ctr"/>
+                <a:endParaRPr lang="ko-KR" altLang="en-US"/>
+              </a:p>
+            </p:txBody>
+          </p:sp>
+          <p:sp>
+            <p:nvSpPr>
+              <p:cNvPr id="59" name="직사각형 58"/>
+              <p:cNvSpPr/>
+              <p:nvPr/>
+            </p:nvSpPr>
+            <p:spPr>
+              <a:xfrm>
+                <a:off x="1447182" y="3045919"/>
+                <a:ext cx="86319" cy="217939"/>
+              </a:xfrm>
+              <a:prstGeom prst="rect">
+                <a:avLst/>
+              </a:prstGeom>
+              <a:solidFill>
+                <a:schemeClr val="bg1"/>
+              </a:solidFill>
+              <a:ln w="25400">
+                <a:noFill/>
+              </a:ln>
+            </p:spPr>
+            <p:style>
+              <a:lnRef idx="2">
+                <a:schemeClr val="accent1">
+                  <a:shade val="50000"/>
+                </a:schemeClr>
+              </a:lnRef>
+              <a:fillRef idx="1">
+                <a:schemeClr val="accent1"/>
+              </a:fillRef>
+              <a:effectRef idx="0">
+                <a:schemeClr val="accent1"/>
+              </a:effectRef>
+              <a:fontRef idx="minor">
+                <a:schemeClr val="lt1"/>
+              </a:fontRef>
+            </p:style>
+            <p:txBody>
+              <a:bodyPr rtlCol="0" anchor="ctr"/>
+              <a:lstStyle/>
+              <a:p>
+                <a:pPr algn="ctr"/>
+                <a:endParaRPr lang="ko-KR" altLang="en-US"/>
+              </a:p>
+            </p:txBody>
+          </p:sp>
+        </p:grpSp>
+        <p:sp>
+          <p:nvSpPr>
+            <p:cNvPr id="54" name="TextBox 53"/>
+            <p:cNvSpPr txBox="1"/>
+            <p:nvPr/>
+          </p:nvSpPr>
+          <p:spPr>
+            <a:xfrm>
+              <a:off x="174836" y="3496733"/>
+              <a:ext cx="1621791" cy="400110"/>
+            </a:xfrm>
+            <a:prstGeom prst="rect">
+              <a:avLst/>
+            </a:prstGeom>
+            <a:noFill/>
+          </p:spPr>
+          <p:txBody>
+            <a:bodyPr wrap="square" rtlCol="0">
+              <a:spAutoFit/>
+            </a:bodyPr>
+            <a:lstStyle/>
+            <a:p>
+              <a:r>
+                <a:rPr lang="ko-KR" altLang="en-US" sz="1000" dirty="0" smtClean="0">
+                  <a:solidFill>
+                    <a:schemeClr val="bg1"/>
+                  </a:solidFill>
+                  <a:effectLst>
+                    <a:outerShdw blurRad="38100" dist="38100" dir="2700000" algn="tl">
+                      <a:srgbClr val="000000">
+                        <a:alpha val="43137"/>
+                      </a:srgbClr>
+                    </a:outerShdw>
+                  </a:effectLst>
+                </a:rPr>
+                <a:t>업그레이드는 한번에 한 개</a:t>
+              </a:r>
+              <a:r>
+                <a:rPr lang="en-US" altLang="ko-KR" sz="1000" dirty="0" smtClean="0">
+                  <a:solidFill>
+                    <a:schemeClr val="bg1"/>
+                  </a:solidFill>
+                  <a:effectLst>
+                    <a:outerShdw blurRad="38100" dist="38100" dir="2700000" algn="tl">
+                      <a:srgbClr val="000000">
+                        <a:alpha val="43137"/>
+                      </a:srgbClr>
+                    </a:outerShdw>
+                  </a:effectLst>
+                </a:rPr>
+                <a:t>.</a:t>
+              </a:r>
+            </a:p>
+            <a:p>
+              <a:r>
+                <a:rPr lang="ko-KR" altLang="en-US" sz="1000" dirty="0" smtClean="0">
+                  <a:solidFill>
+                    <a:schemeClr val="bg1"/>
+                  </a:solidFill>
+                  <a:effectLst>
+                    <a:outerShdw blurRad="38100" dist="38100" dir="2700000" algn="tl">
+                      <a:srgbClr val="000000">
+                        <a:alpha val="43137"/>
+                      </a:srgbClr>
+                    </a:outerShdw>
+                  </a:effectLst>
+                </a:rPr>
+                <a:t>이벤트 시엔 표시되지 않음</a:t>
+              </a:r>
+              <a:r>
+                <a:rPr lang="en-US" altLang="ko-KR" sz="1000" dirty="0" smtClean="0">
+                  <a:solidFill>
+                    <a:schemeClr val="bg1"/>
+                  </a:solidFill>
+                  <a:effectLst>
+                    <a:outerShdw blurRad="38100" dist="38100" dir="2700000" algn="tl">
+                      <a:srgbClr val="000000">
+                        <a:alpha val="43137"/>
+                      </a:srgbClr>
+                    </a:outerShdw>
+                  </a:effectLst>
+                </a:rPr>
+                <a:t>.</a:t>
+              </a:r>
+              <a:endParaRPr lang="ko-KR" altLang="en-US" sz="1000" dirty="0">
+                <a:solidFill>
+                  <a:schemeClr val="bg1"/>
+                </a:solidFill>
+                <a:effectLst>
+                  <a:outerShdw blurRad="38100" dist="38100" dir="2700000" algn="tl">
+                    <a:srgbClr val="000000">
+                      <a:alpha val="43137"/>
+                    </a:srgbClr>
+                  </a:outerShdw>
+                </a:effectLst>
+              </a:endParaRPr>
+            </a:p>
+          </p:txBody>
+        </p:sp>
+      </p:grpSp>
+      <p:sp>
+        <p:nvSpPr>
+          <p:cNvPr id="62" name="평행 사변형 61"/>
+          <p:cNvSpPr/>
+          <p:nvPr/>
+        </p:nvSpPr>
+        <p:spPr>
+          <a:xfrm flipH="1">
+            <a:off x="-1570008" y="6189768"/>
+            <a:ext cx="3691139" cy="349055"/>
+          </a:xfrm>
+          <a:prstGeom prst="parallelogram">
+            <a:avLst>
+              <a:gd name="adj" fmla="val 452505"/>
+            </a:avLst>
+          </a:prstGeom>
+          <a:solidFill>
+            <a:schemeClr val="bg1"/>
+          </a:solidFill>
+          <a:ln>
+            <a:noFill/>
+          </a:ln>
+        </p:spPr>
+        <p:style>
+          <a:lnRef idx="2">
+            <a:schemeClr val="accent1">
+              <a:shade val="50000"/>
+            </a:schemeClr>
+          </a:lnRef>
+          <a:fillRef idx="1">
+            <a:schemeClr val="accent1"/>
+          </a:fillRef>
+          <a:effectRef idx="0">
+            <a:schemeClr val="accent1"/>
+          </a:effectRef>
+          <a:fontRef idx="minor">
+            <a:schemeClr val="lt1"/>
+          </a:fontRef>
+        </p:style>
+        <p:txBody>
+          <a:bodyPr rtlCol="0" anchor="ctr"/>
+          <a:lstStyle/>
+          <a:p>
+            <a:pPr algn="ctr"/>
+            <a:endParaRPr lang="ko-KR" altLang="en-US"/>
+          </a:p>
+        </p:txBody>
+      </p:sp>
+      <p:sp>
+        <p:nvSpPr>
+          <p:cNvPr id="63" name="직사각형 62"/>
+          <p:cNvSpPr/>
+          <p:nvPr/>
+        </p:nvSpPr>
+        <p:spPr>
+          <a:xfrm flipV="1">
+            <a:off x="129009" y="2398054"/>
+            <a:ext cx="2926504" cy="181244"/>
+          </a:xfrm>
+          <a:prstGeom prst="rect">
+            <a:avLst/>
+          </a:prstGeom>
+          <a:noFill/>
+          <a:ln w="34925" cmpd="dbl">
+            <a:solidFill>
+              <a:schemeClr val="bg1"/>
+            </a:solidFill>
+            <a:prstDash val="lgDash"/>
+          </a:ln>
+        </p:spPr>
+        <p:style>
+          <a:lnRef idx="2">
+            <a:schemeClr val="accent1">
+              <a:shade val="50000"/>
+            </a:schemeClr>
+          </a:lnRef>
+          <a:fillRef idx="1">
+            <a:schemeClr val="accent1"/>
+          </a:fillRef>
+          <a:effectRef idx="0">
+            <a:schemeClr val="accent1"/>
+          </a:effectRef>
+          <a:fontRef idx="minor">
+            <a:schemeClr val="lt1"/>
+          </a:fontRef>
+        </p:style>
+        <p:txBody>
+          <a:bodyPr rtlCol="0" anchor="ctr"/>
+          <a:lstStyle/>
+          <a:p>
+            <a:pPr algn="ctr"/>
+            <a:endParaRPr lang="ko-KR" altLang="en-US"/>
+          </a:p>
+        </p:txBody>
+      </p:sp>
+      <p:sp>
+        <p:nvSpPr>
+          <p:cNvPr id="2048" name="모서리가 둥근 직사각형 2047"/>
+          <p:cNvSpPr/>
+          <p:nvPr/>
+        </p:nvSpPr>
+        <p:spPr>
+          <a:xfrm>
+            <a:off x="174836" y="2488676"/>
+            <a:ext cx="339513" cy="45719"/>
+          </a:xfrm>
+          <a:prstGeom prst="roundRect">
+            <a:avLst/>
+          </a:prstGeom>
+          <a:solidFill>
+            <a:srgbClr val="C00000"/>
+          </a:solidFill>
+          <a:ln>
+            <a:noFill/>
+          </a:ln>
+        </p:spPr>
+        <p:style>
+          <a:lnRef idx="2">
+            <a:schemeClr val="accent1">
+              <a:shade val="50000"/>
+            </a:schemeClr>
+          </a:lnRef>
+          <a:fillRef idx="1">
+            <a:schemeClr val="accent1"/>
+          </a:fillRef>
+          <a:effectRef idx="0">
+            <a:schemeClr val="accent1"/>
+          </a:effectRef>
+          <a:fontRef idx="minor">
+            <a:schemeClr val="lt1"/>
+          </a:fontRef>
+        </p:style>
+        <p:txBody>
+          <a:bodyPr rtlCol="0" anchor="ctr"/>
+          <a:lstStyle/>
+          <a:p>
+            <a:pPr algn="ctr"/>
+            <a:endParaRPr lang="ko-KR" altLang="en-US"/>
+          </a:p>
+        </p:txBody>
+      </p:sp>
+    </p:spTree>
+    <p:extLst>
+      <p:ext uri="{BB962C8B-B14F-4D97-AF65-F5344CB8AC3E}">
+        <p14:creationId xmlns:p14="http://schemas.microsoft.com/office/powerpoint/2010/main" val="2278135314"/>
+      </p:ext>
+    </p:extLst>
+  </p:cSld>
+  <p:clrMapOvr>
+    <a:masterClrMapping/>
+  </p:clrMapOvr>
+  <p:timing>
+    <p:tnLst>
+      <p:par>
+        <p:cTn id="1" dur="indefinite" restart="never" nodeType="tmRoot"/>
+      </p:par>
+    </p:tnLst>
+  </p:timing>
+</p:sld>
+</file>
+
+<file path=ppt/slides/slide11.xml><?xml version="1.0" encoding="utf-8"?>
+<p:sld xmlns:a="http://schemas.openxmlformats.org/drawingml/2006/main" xmlns:r="http://schemas.openxmlformats.org/officeDocument/2006/relationships" xmlns:p="http://schemas.openxmlformats.org/presentationml/2006/main">
+  <p:cSld>
+    <p:spTree>
+      <p:nvGrpSpPr>
+        <p:cNvPr id="1" name=""/>
+        <p:cNvGrpSpPr/>
+        <p:nvPr/>
+      </p:nvGrpSpPr>
+      <p:grpSpPr>
+        <a:xfrm>
+          <a:off x="0" y="0"/>
+          <a:ext cx="0" cy="0"/>
+          <a:chOff x="0" y="0"/>
+          <a:chExt cx="0" cy="0"/>
+        </a:xfrm>
+      </p:grpSpPr>
+      <p:sp>
+        <p:nvSpPr>
+          <p:cNvPr id="4" name="TextBox 3"/>
+          <p:cNvSpPr txBox="1"/>
+          <p:nvPr/>
+        </p:nvSpPr>
+        <p:spPr>
+          <a:xfrm>
+            <a:off x="117687" y="446707"/>
+            <a:ext cx="5453380" cy="523220"/>
+          </a:xfrm>
+          <a:prstGeom prst="rect">
+            <a:avLst/>
+          </a:prstGeom>
+          <a:noFill/>
+        </p:spPr>
+        <p:txBody>
           <a:bodyPr wrap="square" rtlCol="0">
             <a:spAutoFit/>
           </a:bodyPr>
@@ -11662,7 +14712,7 @@
 </p:sld>
 </file>
 
-<file path=ppt/slides/slide11.xml><?xml version="1.0" encoding="utf-8"?>
+<file path=ppt/slides/slide12.xml><?xml version="1.0" encoding="utf-8"?>
 <p:sld xmlns:a="http://schemas.openxmlformats.org/drawingml/2006/main" xmlns:r="http://schemas.openxmlformats.org/officeDocument/2006/relationships" xmlns:p="http://schemas.openxmlformats.org/presentationml/2006/main">
   <p:cSld>
     <p:spTree>
@@ -12549,10 +15599,10 @@
         </p:nvGrpSpPr>
         <p:grpSpPr>
           <a:xfrm>
-            <a:off x="197992" y="2128357"/>
-            <a:ext cx="12146408" cy="4490147"/>
-            <a:chOff x="197992" y="2128357"/>
-            <a:chExt cx="12146408" cy="4490147"/>
+            <a:off x="197992" y="2174524"/>
+            <a:ext cx="12146408" cy="4558905"/>
+            <a:chOff x="197992" y="2174524"/>
+            <a:chExt cx="12146408" cy="4558905"/>
           </a:xfrm>
         </p:grpSpPr>
         <p:sp>
@@ -12680,13 +15730,17 @@
           </p:nvSpPr>
           <p:spPr>
             <a:xfrm>
-              <a:off x="7543800" y="2128357"/>
-              <a:ext cx="4800600" cy="369332"/>
+              <a:off x="7543800" y="2174524"/>
+              <a:ext cx="4800600" cy="408623"/>
             </a:xfrm>
-            <a:prstGeom prst="rect">
+            <a:prstGeom prst="roundRect">
               <a:avLst/>
             </a:prstGeom>
-            <a:noFill/>
+            <a:solidFill>
+              <a:srgbClr val="729CE0">
+                <a:alpha val="40000"/>
+              </a:srgbClr>
+            </a:solidFill>
           </p:spPr>
           <p:txBody>
             <a:bodyPr wrap="square" rtlCol="0">
@@ -12778,12 +15832,16 @@
           <p:spPr>
             <a:xfrm>
               <a:off x="7477124" y="5972174"/>
-              <a:ext cx="4562475" cy="369332"/>
+              <a:ext cx="4562475" cy="408623"/>
             </a:xfrm>
-            <a:prstGeom prst="rect">
+            <a:prstGeom prst="roundRect">
               <a:avLst/>
             </a:prstGeom>
-            <a:noFill/>
+            <a:solidFill>
+              <a:srgbClr val="729CE0">
+                <a:alpha val="40000"/>
+              </a:srgbClr>
+            </a:solidFill>
           </p:spPr>
           <p:txBody>
             <a:bodyPr wrap="square" rtlCol="0">
@@ -12804,7 +15862,7 @@
                     </a:outerShdw>
                   </a:effectLst>
                 </a:rPr>
-                <a:t>적에 대한</a:t>
+                <a:t>적에 대한 정보 표시</a:t>
               </a:r>
               <a:r>
                 <a:rPr lang="en-US" altLang="ko-KR" dirty="0" smtClean="0">
@@ -12844,13 +15902,17 @@
           </p:nvSpPr>
           <p:spPr>
             <a:xfrm>
-              <a:off x="197992" y="5972173"/>
-              <a:ext cx="4288284" cy="646331"/>
+              <a:off x="197992" y="6018340"/>
+              <a:ext cx="4288284" cy="715089"/>
             </a:xfrm>
-            <a:prstGeom prst="rect">
+            <a:prstGeom prst="roundRect">
               <a:avLst/>
             </a:prstGeom>
-            <a:noFill/>
+            <a:solidFill>
+              <a:srgbClr val="729CE0">
+                <a:alpha val="40000"/>
+              </a:srgbClr>
+            </a:solidFill>
           </p:spPr>
           <p:txBody>
             <a:bodyPr wrap="square" rtlCol="0">
@@ -12872,7 +15934,7 @@
                     </a:outerShdw>
                   </a:effectLst>
                 </a:rPr>
-                <a:t>함선마다 다양한 기능을 달고 있다</a:t>
+                <a:t>함선의 무기들은 장착된 기능의 개념이다</a:t>
               </a:r>
               <a:r>
                 <a:rPr lang="en-US" altLang="ko-KR" dirty="0" smtClean="0">
@@ -12892,66 +15954,18 @@
             </a:p>
             <a:p>
               <a:pPr algn="r"/>
-              <a:r>
-                <a:rPr lang="ko-KR" altLang="en-US" dirty="0" smtClean="0">
-                  <a:solidFill>
-                    <a:schemeClr val="bg1"/>
-                  </a:solidFill>
-                  <a:effectLst>
-                    <a:outerShdw blurRad="38100" dist="38100" dir="2700000" algn="tl">
-                      <a:srgbClr val="000000">
-                        <a:alpha val="43137"/>
-                      </a:srgbClr>
-                    </a:outerShdw>
-                  </a:effectLst>
-                </a:rPr>
-                <a:t>각 기능들은 강화</a:t>
-              </a:r>
-              <a:r>
-                <a:rPr lang="en-US" altLang="ko-KR" dirty="0" smtClean="0">
-                  <a:solidFill>
-                    <a:schemeClr val="bg1"/>
-                  </a:solidFill>
-                  <a:effectLst>
-                    <a:outerShdw blurRad="38100" dist="38100" dir="2700000" algn="tl">
-                      <a:srgbClr val="000000">
-                        <a:alpha val="43137"/>
-                      </a:srgbClr>
-                    </a:outerShdw>
-                  </a:effectLst>
-                </a:rPr>
-                <a:t>, </a:t>
-              </a:r>
-              <a:r>
-                <a:rPr lang="ko-KR" altLang="en-US" dirty="0" smtClean="0">
-                  <a:solidFill>
-                    <a:schemeClr val="bg1"/>
-                  </a:solidFill>
-                  <a:effectLst>
-                    <a:outerShdw blurRad="38100" dist="38100" dir="2700000" algn="tl">
-                      <a:srgbClr val="000000">
-                        <a:alpha val="43137"/>
-                      </a:srgbClr>
-                    </a:outerShdw>
-                  </a:effectLst>
-                </a:rPr>
-                <a:t>추가가 가능하다</a:t>
-              </a:r>
-              <a:r>
-                <a:rPr lang="en-US" altLang="ko-KR" dirty="0" smtClean="0">
-                  <a:solidFill>
-                    <a:schemeClr val="bg1"/>
-                  </a:solidFill>
-                  <a:effectLst>
-                    <a:outerShdw blurRad="38100" dist="38100" dir="2700000" algn="tl">
-                      <a:srgbClr val="000000">
-                        <a:alpha val="43137"/>
-                      </a:srgbClr>
-                    </a:outerShdw>
-                  </a:effectLst>
-                </a:rPr>
-                <a:t>.</a:t>
-              </a:r>
+              <a:endParaRPr lang="en-US" altLang="ko-KR" dirty="0" smtClean="0">
+                <a:solidFill>
+                  <a:schemeClr val="bg1"/>
+                </a:solidFill>
+                <a:effectLst>
+                  <a:outerShdw blurRad="38100" dist="38100" dir="2700000" algn="tl">
+                    <a:srgbClr val="000000">
+                      <a:alpha val="43137"/>
+                    </a:srgbClr>
+                  </a:outerShdw>
+                </a:effectLst>
+              </a:endParaRPr>
             </a:p>
           </p:txBody>
         </p:sp>
@@ -12963,13 +15977,17 @@
           </p:nvSpPr>
           <p:spPr>
             <a:xfrm>
-              <a:off x="578992" y="2132639"/>
-              <a:ext cx="3907284" cy="369332"/>
+              <a:off x="578992" y="2178806"/>
+              <a:ext cx="3907284" cy="408623"/>
             </a:xfrm>
-            <a:prstGeom prst="rect">
+            <a:prstGeom prst="roundRect">
               <a:avLst/>
             </a:prstGeom>
-            <a:noFill/>
+            <a:solidFill>
+              <a:srgbClr val="729CE0">
+                <a:alpha val="40000"/>
+              </a:srgbClr>
+            </a:solidFill>
           </p:spPr>
           <p:txBody>
             <a:bodyPr wrap="square" rtlCol="0">
@@ -13074,7 +16092,7 @@
 </p:sld>
 </file>
 
-<file path=ppt/slides/slide12.xml><?xml version="1.0" encoding="utf-8"?>
+<file path=ppt/slides/slide13.xml><?xml version="1.0" encoding="utf-8"?>
 <p:sld xmlns:a="http://schemas.openxmlformats.org/drawingml/2006/main" xmlns:r="http://schemas.openxmlformats.org/officeDocument/2006/relationships" xmlns:p="http://schemas.openxmlformats.org/presentationml/2006/main">
   <p:cSld>
     <p:spTree>
@@ -13453,7 +16471,7 @@
 </p:sld>
 </file>
 
-<file path=ppt/slides/slide13.xml><?xml version="1.0" encoding="utf-8"?>
+<file path=ppt/slides/slide14.xml><?xml version="1.0" encoding="utf-8"?>
 <p:sld xmlns:a="http://schemas.openxmlformats.org/drawingml/2006/main" xmlns:r="http://schemas.openxmlformats.org/officeDocument/2006/relationships" xmlns:p="http://schemas.openxmlformats.org/presentationml/2006/main">
   <p:cSld>
     <p:spTree>
@@ -13906,7 +16924,7 @@
 </p:sld>
 </file>
 
-<file path=ppt/slides/slide14.xml><?xml version="1.0" encoding="utf-8"?>
+<file path=ppt/slides/slide15.xml><?xml version="1.0" encoding="utf-8"?>
 <p:sld xmlns:a="http://schemas.openxmlformats.org/drawingml/2006/main" xmlns:r="http://schemas.openxmlformats.org/officeDocument/2006/relationships" xmlns:p="http://schemas.openxmlformats.org/presentationml/2006/main">
   <p:cSld>
     <p:spTree>
@@ -14185,7 +17203,7 @@
                 <a:latin typeface="-윤고딕320" panose="02030504000101010101" pitchFamily="18" charset="-127"/>
                 <a:ea typeface="-윤고딕320" panose="02030504000101010101" pitchFamily="18" charset="-127"/>
               </a:rPr>
-              <a:t>: </a:t>
+              <a:t>:	</a:t>
             </a:r>
             <a:r>
               <a:rPr lang="ko-KR" altLang="en-US" sz="3200" dirty="0" smtClean="0">
@@ -14289,46 +17307,56 @@
               </a:rPr>
               <a:t>디자인</a:t>
             </a:r>
-            <a:endParaRPr lang="en-US" altLang="ko-KR" sz="3200" dirty="0" smtClean="0">
-              <a:solidFill>
-                <a:schemeClr val="bg1"/>
-              </a:solidFill>
-              <a:effectLst>
-                <a:outerShdw blurRad="38100" dist="38100" dir="2700000" algn="tl">
-                  <a:srgbClr val="000000">
-                    <a:alpha val="43137"/>
-                  </a:srgbClr>
-                </a:outerShdw>
-              </a:effectLst>
-              <a:latin typeface="-윤고딕310" panose="02030504000101010101" pitchFamily="18" charset="-127"/>
-              <a:ea typeface="-윤고딕310" panose="02030504000101010101" pitchFamily="18" charset="-127"/>
-            </a:endParaRPr>
-          </a:p>
-          <a:p>
-            <a:pPr marL="457200" indent="-457200">
-              <a:buFont typeface="Arial" panose="020B0604020202020204" pitchFamily="34" charset="0"/>
-              <a:buChar char="•"/>
-            </a:pPr>
-            <a:endParaRPr lang="en-US" altLang="ko-KR" sz="3200" dirty="0">
-              <a:solidFill>
-                <a:schemeClr val="bg1"/>
-              </a:solidFill>
-              <a:effectLst>
-                <a:outerShdw blurRad="38100" dist="38100" dir="2700000" algn="tl">
-                  <a:srgbClr val="000000">
-                    <a:alpha val="43137"/>
-                  </a:srgbClr>
-                </a:outerShdw>
-              </a:effectLst>
-              <a:latin typeface="-윤고딕310" panose="02030504000101010101" pitchFamily="18" charset="-127"/>
-              <a:ea typeface="-윤고딕310" panose="02030504000101010101" pitchFamily="18" charset="-127"/>
-            </a:endParaRPr>
-          </a:p>
-          <a:p>
-            <a:pPr marL="457200" indent="-457200">
-              <a:buFont typeface="Arial" panose="020B0604020202020204" pitchFamily="34" charset="0"/>
-              <a:buChar char="•"/>
-            </a:pPr>
+            <a:r>
+              <a:rPr lang="en-US" altLang="ko-KR" sz="3200" dirty="0">
+                <a:solidFill>
+                  <a:schemeClr val="bg1"/>
+                </a:solidFill>
+                <a:effectLst>
+                  <a:outerShdw blurRad="38100" dist="38100" dir="2700000" algn="tl">
+                    <a:srgbClr val="000000">
+                      <a:alpha val="43137"/>
+                    </a:srgbClr>
+                  </a:outerShdw>
+                </a:effectLst>
+                <a:latin typeface="-윤고딕310" panose="02030504000101010101" pitchFamily="18" charset="-127"/>
+                <a:ea typeface="-윤고딕310" panose="02030504000101010101" pitchFamily="18" charset="-127"/>
+              </a:rPr>
+              <a:t/>
+            </a:r>
+            <a:br>
+              <a:rPr lang="en-US" altLang="ko-KR" sz="3200" dirty="0">
+                <a:solidFill>
+                  <a:schemeClr val="bg1"/>
+                </a:solidFill>
+                <a:effectLst>
+                  <a:outerShdw blurRad="38100" dist="38100" dir="2700000" algn="tl">
+                    <a:srgbClr val="000000">
+                      <a:alpha val="43137"/>
+                    </a:srgbClr>
+                  </a:outerShdw>
+                </a:effectLst>
+                <a:latin typeface="-윤고딕310" panose="02030504000101010101" pitchFamily="18" charset="-127"/>
+                <a:ea typeface="-윤고딕310" panose="02030504000101010101" pitchFamily="18" charset="-127"/>
+              </a:rPr>
+            </a:br>
+            <a:r>
+              <a:rPr lang="en-US" altLang="ko-KR" sz="3200" dirty="0" smtClean="0">
+                <a:solidFill>
+                  <a:schemeClr val="bg1"/>
+                </a:solidFill>
+                <a:effectLst>
+                  <a:outerShdw blurRad="38100" dist="38100" dir="2700000" algn="tl">
+                    <a:srgbClr val="000000">
+                      <a:alpha val="43137"/>
+                    </a:srgbClr>
+                  </a:outerShdw>
+                </a:effectLst>
+                <a:latin typeface="-윤고딕310" panose="02030504000101010101" pitchFamily="18" charset="-127"/>
+                <a:ea typeface="-윤고딕310" panose="02030504000101010101" pitchFamily="18" charset="-127"/>
+              </a:rPr>
+              <a:t>			</a:t>
+            </a:r>
             <a:r>
               <a:rPr lang="ko-KR" altLang="en-US" sz="3200" dirty="0" smtClean="0">
                 <a:solidFill>
@@ -14341,10 +17369,10 @@
                     </a:srgbClr>
                   </a:outerShdw>
                 </a:effectLst>
-                <a:latin typeface="-윤고딕320" panose="02030504000101010101" pitchFamily="18" charset="-127"/>
-                <a:ea typeface="-윤고딕320" panose="02030504000101010101" pitchFamily="18" charset="-127"/>
-              </a:rPr>
-              <a:t>레벨 디자인</a:t>
+                <a:latin typeface="-윤고딕310" panose="02030504000101010101" pitchFamily="18" charset="-127"/>
+                <a:ea typeface="-윤고딕310" panose="02030504000101010101" pitchFamily="18" charset="-127"/>
+              </a:rPr>
+              <a:t>게임 진행의 명확한 목표 제시</a:t>
             </a:r>
             <a:r>
               <a:rPr lang="en-US" altLang="ko-KR" sz="3200" dirty="0" smtClean="0">
@@ -14358,10 +17386,43 @@
                     </a:srgbClr>
                   </a:outerShdw>
                 </a:effectLst>
-                <a:latin typeface="-윤고딕320" panose="02030504000101010101" pitchFamily="18" charset="-127"/>
-                <a:ea typeface="-윤고딕320" panose="02030504000101010101" pitchFamily="18" charset="-127"/>
-              </a:rPr>
-              <a:t>: </a:t>
+                <a:latin typeface="-윤고딕310" panose="02030504000101010101" pitchFamily="18" charset="-127"/>
+                <a:ea typeface="-윤고딕310" panose="02030504000101010101" pitchFamily="18" charset="-127"/>
+              </a:rPr>
+              <a:t/>
+            </a:r>
+            <a:br>
+              <a:rPr lang="en-US" altLang="ko-KR" sz="3200" dirty="0" smtClean="0">
+                <a:solidFill>
+                  <a:schemeClr val="bg1"/>
+                </a:solidFill>
+                <a:effectLst>
+                  <a:outerShdw blurRad="38100" dist="38100" dir="2700000" algn="tl">
+                    <a:srgbClr val="000000">
+                      <a:alpha val="43137"/>
+                    </a:srgbClr>
+                  </a:outerShdw>
+                </a:effectLst>
+                <a:latin typeface="-윤고딕310" panose="02030504000101010101" pitchFamily="18" charset="-127"/>
+                <a:ea typeface="-윤고딕310" panose="02030504000101010101" pitchFamily="18" charset="-127"/>
+              </a:rPr>
+            </a:br>
+            <a:r>
+              <a:rPr lang="en-US" altLang="ko-KR" sz="3200" dirty="0" smtClean="0">
+                <a:solidFill>
+                  <a:schemeClr val="bg1"/>
+                </a:solidFill>
+                <a:effectLst>
+                  <a:outerShdw blurRad="38100" dist="38100" dir="2700000" algn="tl">
+                    <a:srgbClr val="000000">
+                      <a:alpha val="43137"/>
+                    </a:srgbClr>
+                  </a:outerShdw>
+                </a:effectLst>
+                <a:latin typeface="-윤고딕310" panose="02030504000101010101" pitchFamily="18" charset="-127"/>
+                <a:ea typeface="-윤고딕310" panose="02030504000101010101" pitchFamily="18" charset="-127"/>
+              </a:rPr>
+              <a:t>			</a:t>
             </a:r>
             <a:r>
               <a:rPr lang="ko-KR" altLang="en-US" sz="3200" dirty="0" smtClean="0">
@@ -14378,7 +17439,7 @@
                 <a:latin typeface="-윤고딕310" panose="02030504000101010101" pitchFamily="18" charset="-127"/>
                 <a:ea typeface="-윤고딕310" panose="02030504000101010101" pitchFamily="18" charset="-127"/>
               </a:rPr>
-              <a:t>게임 진행의 명확한 목표 제시</a:t>
+              <a:t>나타날 수 있는 인카운터와 적 종류의 확정</a:t>
             </a:r>
             <a:endParaRPr lang="en-US" altLang="ko-KR" sz="3200" dirty="0" smtClean="0">
               <a:solidFill>
@@ -14941,7 +18002,7 @@
 </p:sld>
 </file>
 
-<file path=ppt/slides/slide15.xml><?xml version="1.0" encoding="utf-8"?>
+<file path=ppt/slides/slide16.xml><?xml version="1.0" encoding="utf-8"?>
 <p:sld xmlns:a="http://schemas.openxmlformats.org/drawingml/2006/main" xmlns:r="http://schemas.openxmlformats.org/officeDocument/2006/relationships" xmlns:p="http://schemas.openxmlformats.org/presentationml/2006/main">
   <p:cSld>
     <p:spTree>
@@ -15057,7 +18118,7 @@
         <p:spPr>
           <a:xfrm>
             <a:off x="117687" y="1363131"/>
-            <a:ext cx="11617113" cy="584775"/>
+            <a:ext cx="11617113" cy="4339650"/>
           </a:xfrm>
           <a:prstGeom prst="rect">
             <a:avLst/>
@@ -15087,7 +18148,271 @@
               </a:rPr>
               <a:t>텍스트</a:t>
             </a:r>
+            <a:endParaRPr lang="en-US" altLang="ko-KR" sz="3200" dirty="0" smtClean="0">
+              <a:solidFill>
+                <a:schemeClr val="bg1"/>
+              </a:solidFill>
+              <a:effectLst>
+                <a:outerShdw blurRad="38100" dist="38100" dir="2700000" algn="tl">
+                  <a:srgbClr val="000000">
+                    <a:alpha val="43137"/>
+                  </a:srgbClr>
+                </a:outerShdw>
+              </a:effectLst>
+              <a:latin typeface="-윤고딕310" panose="02030504000101010101" pitchFamily="18" charset="-127"/>
+              <a:ea typeface="-윤고딕310" panose="02030504000101010101" pitchFamily="18" charset="-127"/>
+            </a:endParaRPr>
+          </a:p>
+          <a:p>
             <a:endParaRPr lang="en-US" altLang="ko-KR" sz="3200" dirty="0">
+              <a:solidFill>
+                <a:schemeClr val="bg1"/>
+              </a:solidFill>
+              <a:effectLst>
+                <a:outerShdw blurRad="38100" dist="38100" dir="2700000" algn="tl">
+                  <a:srgbClr val="000000">
+                    <a:alpha val="43137"/>
+                  </a:srgbClr>
+                </a:outerShdw>
+              </a:effectLst>
+              <a:latin typeface="-윤고딕310" panose="02030504000101010101" pitchFamily="18" charset="-127"/>
+              <a:ea typeface="-윤고딕310" panose="02030504000101010101" pitchFamily="18" charset="-127"/>
+            </a:endParaRPr>
+          </a:p>
+          <a:p>
+            <a:endParaRPr lang="en-US" altLang="ko-KR" sz="3200" dirty="0" smtClean="0">
+              <a:solidFill>
+                <a:schemeClr val="bg1"/>
+              </a:solidFill>
+              <a:effectLst>
+                <a:outerShdw blurRad="38100" dist="38100" dir="2700000" algn="tl">
+                  <a:srgbClr val="000000">
+                    <a:alpha val="43137"/>
+                  </a:srgbClr>
+                </a:outerShdw>
+              </a:effectLst>
+              <a:latin typeface="-윤고딕310" panose="02030504000101010101" pitchFamily="18" charset="-127"/>
+              <a:ea typeface="-윤고딕310" panose="02030504000101010101" pitchFamily="18" charset="-127"/>
+            </a:endParaRPr>
+          </a:p>
+          <a:p>
+            <a:endParaRPr lang="en-US" altLang="ko-KR" sz="3200" dirty="0">
+              <a:solidFill>
+                <a:schemeClr val="bg1"/>
+              </a:solidFill>
+              <a:effectLst>
+                <a:outerShdw blurRad="38100" dist="38100" dir="2700000" algn="tl">
+                  <a:srgbClr val="000000">
+                    <a:alpha val="43137"/>
+                  </a:srgbClr>
+                </a:outerShdw>
+              </a:effectLst>
+              <a:latin typeface="-윤고딕310" panose="02030504000101010101" pitchFamily="18" charset="-127"/>
+              <a:ea typeface="-윤고딕310" panose="02030504000101010101" pitchFamily="18" charset="-127"/>
+            </a:endParaRPr>
+          </a:p>
+          <a:p>
+            <a:endParaRPr lang="en-US" altLang="ko-KR" sz="3200" dirty="0" smtClean="0">
+              <a:solidFill>
+                <a:schemeClr val="bg1"/>
+              </a:solidFill>
+              <a:effectLst>
+                <a:outerShdw blurRad="38100" dist="38100" dir="2700000" algn="tl">
+                  <a:srgbClr val="000000">
+                    <a:alpha val="43137"/>
+                  </a:srgbClr>
+                </a:outerShdw>
+              </a:effectLst>
+              <a:latin typeface="-윤고딕310" panose="02030504000101010101" pitchFamily="18" charset="-127"/>
+              <a:ea typeface="-윤고딕310" panose="02030504000101010101" pitchFamily="18" charset="-127"/>
+            </a:endParaRPr>
+          </a:p>
+          <a:p>
+            <a:endParaRPr lang="en-US" altLang="ko-KR" sz="3200" dirty="0">
+              <a:solidFill>
+                <a:schemeClr val="bg1"/>
+              </a:solidFill>
+              <a:effectLst>
+                <a:outerShdw blurRad="38100" dist="38100" dir="2700000" algn="tl">
+                  <a:srgbClr val="000000">
+                    <a:alpha val="43137"/>
+                  </a:srgbClr>
+                </a:outerShdw>
+              </a:effectLst>
+              <a:latin typeface="-윤고딕310" panose="02030504000101010101" pitchFamily="18" charset="-127"/>
+              <a:ea typeface="-윤고딕310" panose="02030504000101010101" pitchFamily="18" charset="-127"/>
+            </a:endParaRPr>
+          </a:p>
+          <a:p>
+            <a:endParaRPr lang="en-US" altLang="ko-KR" sz="3200" dirty="0" smtClean="0">
+              <a:solidFill>
+                <a:schemeClr val="bg1"/>
+              </a:solidFill>
+              <a:effectLst>
+                <a:outerShdw blurRad="38100" dist="38100" dir="2700000" algn="tl">
+                  <a:srgbClr val="000000">
+                    <a:alpha val="43137"/>
+                  </a:srgbClr>
+                </a:outerShdw>
+              </a:effectLst>
+              <a:latin typeface="-윤고딕310" panose="02030504000101010101" pitchFamily="18" charset="-127"/>
+              <a:ea typeface="-윤고딕310" panose="02030504000101010101" pitchFamily="18" charset="-127"/>
+            </a:endParaRPr>
+          </a:p>
+          <a:p>
+            <a:endParaRPr lang="en-US" altLang="ko-KR" sz="3200" dirty="0" smtClean="0">
+              <a:solidFill>
+                <a:schemeClr val="bg1"/>
+              </a:solidFill>
+              <a:effectLst>
+                <a:outerShdw blurRad="38100" dist="38100" dir="2700000" algn="tl">
+                  <a:srgbClr val="000000">
+                    <a:alpha val="43137"/>
+                  </a:srgbClr>
+                </a:outerShdw>
+              </a:effectLst>
+              <a:latin typeface="-윤고딕310" panose="02030504000101010101" pitchFamily="18" charset="-127"/>
+              <a:ea typeface="-윤고딕310" panose="02030504000101010101" pitchFamily="18" charset="-127"/>
+            </a:endParaRPr>
+          </a:p>
+          <a:p>
+            <a:r>
+              <a:rPr lang="en-US" altLang="ko-KR" sz="2000" dirty="0" smtClean="0">
+                <a:solidFill>
+                  <a:schemeClr val="bg1"/>
+                </a:solidFill>
+                <a:effectLst>
+                  <a:outerShdw blurRad="38100" dist="38100" dir="2700000" algn="tl">
+                    <a:srgbClr val="000000">
+                      <a:alpha val="43137"/>
+                    </a:srgbClr>
+                  </a:outerShdw>
+                </a:effectLst>
+                <a:latin typeface="-윤고딕310" panose="02030504000101010101" pitchFamily="18" charset="-127"/>
+                <a:ea typeface="-윤고딕310" panose="02030504000101010101" pitchFamily="18" charset="-127"/>
+              </a:rPr>
+              <a:t>*</a:t>
+            </a:r>
+            <a:r>
+              <a:rPr lang="ko-KR" altLang="en-US" sz="2000" dirty="0" smtClean="0">
+                <a:solidFill>
+                  <a:schemeClr val="bg1"/>
+                </a:solidFill>
+                <a:effectLst>
+                  <a:outerShdw blurRad="38100" dist="38100" dir="2700000" algn="tl">
+                    <a:srgbClr val="000000">
+                      <a:alpha val="43137"/>
+                    </a:srgbClr>
+                  </a:outerShdw>
+                </a:effectLst>
+                <a:latin typeface="-윤고딕310" panose="02030504000101010101" pitchFamily="18" charset="-127"/>
+                <a:ea typeface="-윤고딕310" panose="02030504000101010101" pitchFamily="18" charset="-127"/>
+              </a:rPr>
+              <a:t>인카운터</a:t>
+            </a:r>
+            <a:r>
+              <a:rPr lang="en-US" altLang="ko-KR" sz="2000" dirty="0" smtClean="0">
+                <a:solidFill>
+                  <a:schemeClr val="bg1"/>
+                </a:solidFill>
+                <a:effectLst>
+                  <a:outerShdw blurRad="38100" dist="38100" dir="2700000" algn="tl">
+                    <a:srgbClr val="000000">
+                      <a:alpha val="43137"/>
+                    </a:srgbClr>
+                  </a:outerShdw>
+                </a:effectLst>
+                <a:latin typeface="-윤고딕310" panose="02030504000101010101" pitchFamily="18" charset="-127"/>
+                <a:ea typeface="-윤고딕310" panose="02030504000101010101" pitchFamily="18" charset="-127"/>
+              </a:rPr>
+              <a:t>: </a:t>
+            </a:r>
+            <a:r>
+              <a:rPr lang="ko-KR" altLang="en-US" sz="2000" dirty="0" smtClean="0">
+                <a:solidFill>
+                  <a:schemeClr val="bg1"/>
+                </a:solidFill>
+                <a:effectLst>
+                  <a:outerShdw blurRad="38100" dist="38100" dir="2700000" algn="tl">
+                    <a:srgbClr val="000000">
+                      <a:alpha val="43137"/>
+                    </a:srgbClr>
+                  </a:outerShdw>
+                </a:effectLst>
+                <a:latin typeface="-윤고딕310" panose="02030504000101010101" pitchFamily="18" charset="-127"/>
+                <a:ea typeface="-윤고딕310" panose="02030504000101010101" pitchFamily="18" charset="-127"/>
+              </a:rPr>
+              <a:t>로그라이크 장르에서 흔히 쓰이는</a:t>
+            </a:r>
+            <a:r>
+              <a:rPr lang="en-US" altLang="ko-KR" sz="2000" dirty="0" smtClean="0">
+                <a:solidFill>
+                  <a:schemeClr val="bg1"/>
+                </a:solidFill>
+                <a:effectLst>
+                  <a:outerShdw blurRad="38100" dist="38100" dir="2700000" algn="tl">
+                    <a:srgbClr val="000000">
+                      <a:alpha val="43137"/>
+                    </a:srgbClr>
+                  </a:outerShdw>
+                </a:effectLst>
+                <a:latin typeface="-윤고딕310" panose="02030504000101010101" pitchFamily="18" charset="-127"/>
+                <a:ea typeface="-윤고딕310" panose="02030504000101010101" pitchFamily="18" charset="-127"/>
+              </a:rPr>
+              <a:t>, </a:t>
+            </a:r>
+            <a:r>
+              <a:rPr lang="ko-KR" altLang="en-US" sz="2000" dirty="0" smtClean="0">
+                <a:solidFill>
+                  <a:schemeClr val="bg1"/>
+                </a:solidFill>
+                <a:effectLst>
+                  <a:outerShdw blurRad="38100" dist="38100" dir="2700000" algn="tl">
+                    <a:srgbClr val="000000">
+                      <a:alpha val="43137"/>
+                    </a:srgbClr>
+                  </a:outerShdw>
+                </a:effectLst>
+                <a:latin typeface="-윤고딕310" panose="02030504000101010101" pitchFamily="18" charset="-127"/>
+                <a:ea typeface="-윤고딕310" panose="02030504000101010101" pitchFamily="18" charset="-127"/>
+              </a:rPr>
+              <a:t>플레이 중에 만나는 이벤트를 의미하는 단어입니다</a:t>
+            </a:r>
+            <a:r>
+              <a:rPr lang="en-US" altLang="ko-KR" sz="2000" dirty="0" smtClean="0">
+                <a:solidFill>
+                  <a:schemeClr val="bg1"/>
+                </a:solidFill>
+                <a:effectLst>
+                  <a:outerShdw blurRad="38100" dist="38100" dir="2700000" algn="tl">
+                    <a:srgbClr val="000000">
+                      <a:alpha val="43137"/>
+                    </a:srgbClr>
+                  </a:outerShdw>
+                </a:effectLst>
+                <a:latin typeface="-윤고딕310" panose="02030504000101010101" pitchFamily="18" charset="-127"/>
+                <a:ea typeface="-윤고딕310" panose="02030504000101010101" pitchFamily="18" charset="-127"/>
+              </a:rPr>
+              <a:t>.</a:t>
+            </a:r>
+            <a:r>
+              <a:rPr lang="ko-KR" altLang="en-US" sz="2000" dirty="0" smtClean="0">
+                <a:solidFill>
+                  <a:schemeClr val="bg1"/>
+                </a:solidFill>
+                <a:effectLst>
+                  <a:outerShdw blurRad="38100" dist="38100" dir="2700000" algn="tl">
+                    <a:srgbClr val="000000">
+                      <a:alpha val="43137"/>
+                    </a:srgbClr>
+                  </a:outerShdw>
+                </a:effectLst>
+                <a:latin typeface="-윤고딕310" panose="02030504000101010101" pitchFamily="18" charset="-127"/>
+                <a:ea typeface="-윤고딕310" panose="02030504000101010101" pitchFamily="18" charset="-127"/>
+              </a:rPr>
+              <a:t> </a:t>
+            </a:r>
+            <a:endParaRPr lang="en-US" altLang="ko-KR" sz="2000" dirty="0">
               <a:solidFill>
                 <a:schemeClr val="bg1"/>
               </a:solidFill>
@@ -15523,7 +18848,7 @@
 </p:sld>
 </file>
 
-<file path=ppt/slides/slide16.xml><?xml version="1.0" encoding="utf-8"?>
+<file path=ppt/slides/slide17.xml><?xml version="1.0" encoding="utf-8"?>
 <p:sld xmlns:a="http://schemas.openxmlformats.org/drawingml/2006/main" xmlns:r="http://schemas.openxmlformats.org/officeDocument/2006/relationships" xmlns:p="http://schemas.openxmlformats.org/presentationml/2006/main">
   <p:cSld>
     <p:spTree>
@@ -16105,7 +19430,7 @@
 </p:sld>
 </file>
 
-<file path=ppt/slides/slide17.xml><?xml version="1.0" encoding="utf-8"?>
+<file path=ppt/slides/slide18.xml><?xml version="1.0" encoding="utf-8"?>
 <p:sld xmlns:a="http://schemas.openxmlformats.org/drawingml/2006/main" xmlns:r="http://schemas.openxmlformats.org/officeDocument/2006/relationships" xmlns:p="http://schemas.openxmlformats.org/presentationml/2006/main">
   <p:cSld>
     <p:spTree>
@@ -17377,7 +20702,7 @@
 </p:sld>
 </file>
 
-<file path=ppt/slides/slide18.xml><?xml version="1.0" encoding="utf-8"?>
+<file path=ppt/slides/slide19.xml><?xml version="1.0" encoding="utf-8"?>
 <p:sld xmlns:a="http://schemas.openxmlformats.org/drawingml/2006/main" xmlns:r="http://schemas.openxmlformats.org/officeDocument/2006/relationships" xmlns:p="http://schemas.openxmlformats.org/presentationml/2006/main">
   <p:cSld>
     <p:spTree>
@@ -24726,10 +28051,6 @@
           </a:bodyPr>
           <a:lstStyle/>
           <a:p>
-            <a:pPr marL="457200" indent="-457200">
-              <a:buFont typeface="Arial" panose="020B0604020202020204" pitchFamily="34" charset="0"/>
-              <a:buChar char="•"/>
-            </a:pPr>
             <a:r>
               <a:rPr lang="en-US" altLang="ko-KR" sz="2000" dirty="0">
                 <a:solidFill>
@@ -24834,10 +28155,6 @@
             </a:r>
           </a:p>
           <a:p>
-            <a:pPr marL="457200" indent="-457200">
-              <a:buFont typeface="Arial" panose="020B0604020202020204" pitchFamily="34" charset="0"/>
-              <a:buChar char="•"/>
-            </a:pPr>
             <a:r>
               <a:rPr lang="ko-KR" altLang="en-US" sz="2000" dirty="0" smtClean="0">
                 <a:solidFill>
@@ -24853,7 +28170,7 @@
                 <a:latin typeface="-윤고딕310" panose="02030504000101010101" pitchFamily="18" charset="-127"/>
                 <a:ea typeface="-윤고딕310" panose="02030504000101010101" pitchFamily="18" charset="-127"/>
               </a:rPr>
-              <a:t>그래픽 인터페이스와 전체적 방식은 </a:t>
+              <a:t>그래픽 유저 인터페이스와 전체적 진행 방식은 </a:t>
             </a:r>
             <a:r>
               <a:rPr lang="en-US" altLang="ko-KR" sz="2000" dirty="0" smtClean="0">
@@ -25440,9 +28757,9 @@
         <p:grpSpPr>
           <a:xfrm>
             <a:off x="197992" y="2128357"/>
-            <a:ext cx="11841607" cy="4490148"/>
+            <a:ext cx="11841607" cy="4558906"/>
             <a:chOff x="197992" y="2128357"/>
-            <a:chExt cx="11841607" cy="4490148"/>
+            <a:chExt cx="11841607" cy="4558906"/>
           </a:xfrm>
         </p:grpSpPr>
         <p:pic>
@@ -25544,7 +28861,7 @@
                   </a:effectLst>
                   <a:latin typeface="+mn-ea"/>
                 </a:rPr>
-                <a:t>의 전투 사진</a:t>
+                <a:t>의 사진</a:t>
               </a:r>
               <a:endParaRPr lang="ko-KR" altLang="en-US" sz="1200" dirty="0">
                 <a:solidFill>
@@ -25571,13 +28888,34 @@
           <p:spPr>
             <a:xfrm>
               <a:off x="7543800" y="2128357"/>
-              <a:ext cx="4069209" cy="369332"/>
+              <a:ext cx="4069209" cy="408623"/>
             </a:xfrm>
-            <a:prstGeom prst="rect">
+            <a:prstGeom prst="roundRect">
               <a:avLst/>
             </a:prstGeom>
-            <a:noFill/>
+            <a:solidFill>
+              <a:srgbClr val="729CE0">
+                <a:alpha val="40000"/>
+              </a:srgbClr>
+            </a:solidFill>
+            <a:ln>
+              <a:noFill/>
+            </a:ln>
           </p:spPr>
+          <p:style>
+            <a:lnRef idx="1">
+              <a:schemeClr val="dk1"/>
+            </a:lnRef>
+            <a:fillRef idx="3">
+              <a:schemeClr val="dk1"/>
+            </a:fillRef>
+            <a:effectRef idx="2">
+              <a:schemeClr val="dk1"/>
+            </a:effectRef>
+            <a:fontRef idx="minor">
+              <a:schemeClr val="lt1"/>
+            </a:fontRef>
+          </p:style>
           <p:txBody>
             <a:bodyPr wrap="square" rtlCol="0">
               <a:spAutoFit/>
@@ -25683,13 +29021,34 @@
           <p:spPr>
             <a:xfrm>
               <a:off x="7477124" y="5972174"/>
-              <a:ext cx="4562475" cy="646331"/>
+              <a:ext cx="4562475" cy="715089"/>
             </a:xfrm>
-            <a:prstGeom prst="rect">
+            <a:prstGeom prst="roundRect">
               <a:avLst/>
             </a:prstGeom>
-            <a:noFill/>
+            <a:solidFill>
+              <a:srgbClr val="729CE0">
+                <a:alpha val="40000"/>
+              </a:srgbClr>
+            </a:solidFill>
+            <a:ln>
+              <a:noFill/>
+            </a:ln>
           </p:spPr>
+          <p:style>
+            <a:lnRef idx="1">
+              <a:schemeClr val="dk1"/>
+            </a:lnRef>
+            <a:fillRef idx="3">
+              <a:schemeClr val="dk1"/>
+            </a:fillRef>
+            <a:effectRef idx="2">
+              <a:schemeClr val="dk1"/>
+            </a:effectRef>
+            <a:fontRef idx="minor">
+              <a:schemeClr val="lt1"/>
+            </a:fontRef>
+          </p:style>
           <p:txBody>
             <a:bodyPr wrap="square" rtlCol="0">
               <a:spAutoFit/>
@@ -25729,21 +29088,6 @@
             </a:p>
             <a:p>
               <a:r>
-                <a:rPr lang="ko-KR" altLang="en-US" smtClean="0">
-                  <a:solidFill>
-                    <a:schemeClr val="bg1"/>
-                  </a:solidFill>
-                  <a:effectLst>
-                    <a:outerShdw blurRad="38100" dist="38100" dir="2700000" algn="tl">
-                      <a:srgbClr val="000000">
-                        <a:alpha val="43137"/>
-                      </a:srgbClr>
-                    </a:outerShdw>
-                  </a:effectLst>
-                </a:rPr>
-                <a:t>추가 메뉴 </a:t>
-              </a:r>
-              <a:r>
                 <a:rPr lang="ko-KR" altLang="en-US" dirty="0" smtClean="0">
                   <a:solidFill>
                     <a:schemeClr val="bg1"/>
@@ -25756,7 +29100,7 @@
                     </a:outerShdw>
                   </a:effectLst>
                 </a:rPr>
-                <a:t>역시 함선의 우측에 표시된다</a:t>
+                <a:t>추가 메뉴 역시 함선의 우측에 표시된다</a:t>
               </a:r>
               <a:r>
                 <a:rPr lang="en-US" altLang="ko-KR" dirty="0" smtClean="0">
@@ -25797,13 +29141,34 @@
           <p:spPr>
             <a:xfrm>
               <a:off x="197992" y="5972173"/>
-              <a:ext cx="4288284" cy="646331"/>
+              <a:ext cx="4288284" cy="715089"/>
             </a:xfrm>
-            <a:prstGeom prst="rect">
+            <a:prstGeom prst="roundRect">
               <a:avLst/>
             </a:prstGeom>
-            <a:noFill/>
+            <a:solidFill>
+              <a:srgbClr val="729CE0">
+                <a:alpha val="40000"/>
+              </a:srgbClr>
+            </a:solidFill>
+            <a:ln>
+              <a:noFill/>
+            </a:ln>
           </p:spPr>
+          <p:style>
+            <a:lnRef idx="1">
+              <a:schemeClr val="dk1"/>
+            </a:lnRef>
+            <a:fillRef idx="3">
+              <a:schemeClr val="dk1"/>
+            </a:fillRef>
+            <a:effectRef idx="2">
+              <a:schemeClr val="dk1"/>
+            </a:effectRef>
+            <a:fontRef idx="minor">
+              <a:schemeClr val="lt1"/>
+            </a:fontRef>
+          </p:style>
           <p:txBody>
             <a:bodyPr wrap="square" rtlCol="0">
               <a:spAutoFit/>
@@ -25916,13 +29281,34 @@
           <p:spPr>
             <a:xfrm>
               <a:off x="578992" y="2132639"/>
-              <a:ext cx="3907284" cy="369332"/>
+              <a:ext cx="3907284" cy="408623"/>
             </a:xfrm>
-            <a:prstGeom prst="rect">
+            <a:prstGeom prst="roundRect">
               <a:avLst/>
             </a:prstGeom>
-            <a:noFill/>
+            <a:solidFill>
+              <a:srgbClr val="729CE0">
+                <a:alpha val="40000"/>
+              </a:srgbClr>
+            </a:solidFill>
+            <a:ln>
+              <a:noFill/>
+            </a:ln>
           </p:spPr>
+          <p:style>
+            <a:lnRef idx="1">
+              <a:schemeClr val="dk1"/>
+            </a:lnRef>
+            <a:fillRef idx="3">
+              <a:schemeClr val="dk1"/>
+            </a:fillRef>
+            <a:effectRef idx="2">
+              <a:schemeClr val="dk1"/>
+            </a:effectRef>
+            <a:fontRef idx="minor">
+              <a:schemeClr val="lt1"/>
+            </a:fontRef>
+          </p:style>
           <p:txBody>
             <a:bodyPr wrap="square" rtlCol="0">
               <a:spAutoFit/>
@@ -26276,7 +29662,7 @@
         <p:spPr>
           <a:xfrm>
             <a:off x="117687" y="1363131"/>
-            <a:ext cx="11617113" cy="400110"/>
+            <a:ext cx="11617113" cy="707886"/>
           </a:xfrm>
           <a:prstGeom prst="rect">
             <a:avLst/>
@@ -26289,10 +29675,6 @@
           </a:bodyPr>
           <a:lstStyle/>
           <a:p>
-            <a:pPr marL="457200" indent="-457200">
-              <a:buFont typeface="Arial" panose="020B0604020202020204" pitchFamily="34" charset="0"/>
-              <a:buChar char="•"/>
-            </a:pPr>
             <a:r>
               <a:rPr lang="ko-KR" altLang="en-US" sz="2000" dirty="0" smtClean="0">
                 <a:solidFill>
@@ -26309,6 +29691,42 @@
                 <a:ea typeface="-윤고딕310" panose="02030504000101010101" pitchFamily="18" charset="-127"/>
               </a:rPr>
               <a:t>그러나 시점에서는 스타바운드를 닮았으며 전투 의외의 시스템은 둘 다와 판이하다 </a:t>
+            </a:r>
+            <a:r>
+              <a:rPr lang="en-US" altLang="ko-KR" sz="2000" dirty="0" smtClean="0">
+                <a:solidFill>
+                  <a:schemeClr val="bg1"/>
+                </a:solidFill>
+                <a:effectLst>
+                  <a:outerShdw blurRad="38100" dist="38100" dir="2700000" algn="tl">
+                    <a:srgbClr val="000000">
+                      <a:alpha val="43137"/>
+                    </a:srgbClr>
+                  </a:outerShdw>
+                </a:effectLst>
+                <a:latin typeface="-윤고딕310" panose="02030504000101010101" pitchFamily="18" charset="-127"/>
+                <a:ea typeface="-윤고딕310" panose="02030504000101010101" pitchFamily="18" charset="-127"/>
+              </a:rPr>
+              <a:t>.</a:t>
+            </a:r>
+          </a:p>
+          <a:p>
+            <a:r>
+              <a:rPr lang="ko-KR" altLang="en-US" sz="2000" dirty="0" smtClean="0">
+                <a:solidFill>
+                  <a:schemeClr val="bg1"/>
+                </a:solidFill>
+                <a:effectLst>
+                  <a:outerShdw blurRad="38100" dist="38100" dir="2700000" algn="tl">
+                    <a:srgbClr val="000000">
+                      <a:alpha val="43137"/>
+                    </a:srgbClr>
+                  </a:outerShdw>
+                </a:effectLst>
+                <a:latin typeface="-윤고딕310" panose="02030504000101010101" pitchFamily="18" charset="-127"/>
+                <a:ea typeface="-윤고딕310" panose="02030504000101010101" pitchFamily="18" charset="-127"/>
+              </a:rPr>
+              <a:t>플레이어는 돈으로 함선의 장비를 업그레이드 하거나 선원 고용 등 다양한 일을 할 수 있다</a:t>
             </a:r>
             <a:r>
               <a:rPr lang="en-US" altLang="ko-KR" sz="2000" dirty="0" smtClean="0">
@@ -26854,7 +30272,7 @@
       </p:sp>
       <p:grpSp>
         <p:nvGrpSpPr>
-          <p:cNvPr id="41" name="그룹 40"/>
+          <p:cNvPr id="42" name="그룹 41"/>
           <p:cNvGrpSpPr/>
           <p:nvPr/>
         </p:nvGrpSpPr>
@@ -26866,31 +30284,92 @@
             <a:chExt cx="8116359" cy="4153675"/>
           </a:xfrm>
         </p:grpSpPr>
-        <p:sp>
-          <p:nvSpPr>
-            <p:cNvPr id="28" name="TextBox 27"/>
-            <p:cNvSpPr txBox="1"/>
+        <p:grpSp>
+          <p:nvGrpSpPr>
+            <p:cNvPr id="41" name="그룹 40"/>
+            <p:cNvGrpSpPr/>
             <p:nvPr/>
-          </p:nvSpPr>
-          <p:spPr>
+          </p:nvGrpSpPr>
+          <p:grpSpPr>
             <a:xfrm>
-              <a:off x="4152900" y="6018341"/>
-              <a:ext cx="3886200" cy="276999"/>
+              <a:off x="2561166" y="2141665"/>
+              <a:ext cx="8116359" cy="4153675"/>
+              <a:chOff x="2561166" y="2141665"/>
+              <a:chExt cx="8116359" cy="4153675"/>
             </a:xfrm>
-            <a:prstGeom prst="rect">
-              <a:avLst/>
-            </a:prstGeom>
-            <a:noFill/>
-          </p:spPr>
-          <p:txBody>
-            <a:bodyPr wrap="square" rtlCol="0" anchor="ctr">
-              <a:spAutoFit/>
-            </a:bodyPr>
-            <a:lstStyle/>
-            <a:p>
-              <a:pPr algn="ctr"/>
-              <a:r>
-                <a:rPr lang="ko-KR" altLang="en-US" sz="1200" dirty="0" smtClean="0">
+          </p:grpSpPr>
+          <p:sp>
+            <p:nvSpPr>
+              <p:cNvPr id="28" name="TextBox 27"/>
+              <p:cNvSpPr txBox="1"/>
+              <p:nvPr/>
+            </p:nvSpPr>
+            <p:spPr>
+              <a:xfrm>
+                <a:off x="4152900" y="6018341"/>
+                <a:ext cx="3886200" cy="276999"/>
+              </a:xfrm>
+              <a:prstGeom prst="rect">
+                <a:avLst/>
+              </a:prstGeom>
+              <a:noFill/>
+            </p:spPr>
+            <p:txBody>
+              <a:bodyPr wrap="square" rtlCol="0" anchor="ctr">
+                <a:spAutoFit/>
+              </a:bodyPr>
+              <a:lstStyle/>
+              <a:p>
+                <a:pPr algn="ctr"/>
+                <a:r>
+                  <a:rPr lang="ko-KR" altLang="en-US" sz="1200" dirty="0" smtClean="0">
+                    <a:solidFill>
+                      <a:schemeClr val="bg1"/>
+                    </a:solidFill>
+                    <a:effectLst>
+                      <a:outerShdw blurRad="38100" dist="38100" dir="2700000" algn="tl">
+                        <a:srgbClr val="000000">
+                          <a:alpha val="43137"/>
+                        </a:srgbClr>
+                      </a:outerShdw>
+                    </a:effectLst>
+                    <a:latin typeface="+mn-ea"/>
+                  </a:rPr>
+                  <a:t>예시</a:t>
+                </a:r>
+                <a:r>
+                  <a:rPr lang="en-US" altLang="ko-KR" sz="1200" dirty="0" smtClean="0">
+                    <a:solidFill>
+                      <a:schemeClr val="bg1"/>
+                    </a:solidFill>
+                    <a:effectLst>
+                      <a:outerShdw blurRad="38100" dist="38100" dir="2700000" algn="tl">
+                        <a:srgbClr val="000000">
+                          <a:alpha val="43137"/>
+                        </a:srgbClr>
+                      </a:outerShdw>
+                    </a:effectLst>
+                    <a:latin typeface="+mn-ea"/>
+                  </a:rPr>
+                  <a:t>: </a:t>
+                </a:r>
+                <a:r>
+                  <a:rPr lang="ko-KR" altLang="en-US" sz="1200" dirty="0" smtClean="0">
+                    <a:solidFill>
+                      <a:schemeClr val="bg1"/>
+                    </a:solidFill>
+                    <a:effectLst>
+                      <a:outerShdw blurRad="38100" dist="38100" dir="2700000" algn="tl">
+                        <a:srgbClr val="000000">
+                          <a:alpha val="43137"/>
+                        </a:srgbClr>
+                      </a:outerShdw>
+                    </a:effectLst>
+                    <a:latin typeface="+mn-ea"/>
+                  </a:rPr>
+                  <a:t>스타바운드의 우주선 사진</a:t>
+                </a:r>
+                <a:endParaRPr lang="ko-KR" altLang="en-US" sz="1200" dirty="0">
                   <a:solidFill>
                     <a:schemeClr val="bg1"/>
                   </a:solidFill>
@@ -26902,88 +30381,27 @@
                     </a:outerShdw>
                   </a:effectLst>
                   <a:latin typeface="+mn-ea"/>
-                </a:rPr>
-                <a:t>예시</a:t>
-              </a:r>
-              <a:r>
-                <a:rPr lang="en-US" altLang="ko-KR" sz="1200" dirty="0" smtClean="0">
-                  <a:solidFill>
-                    <a:schemeClr val="bg1"/>
-                  </a:solidFill>
-                  <a:effectLst>
-                    <a:outerShdw blurRad="38100" dist="38100" dir="2700000" algn="tl">
-                      <a:srgbClr val="000000">
-                        <a:alpha val="43137"/>
-                      </a:srgbClr>
-                    </a:outerShdw>
-                  </a:effectLst>
-                  <a:latin typeface="+mn-ea"/>
-                </a:rPr>
-                <a:t>: </a:t>
-              </a:r>
-              <a:r>
-                <a:rPr lang="ko-KR" altLang="en-US" sz="1200" dirty="0" smtClean="0">
-                  <a:solidFill>
-                    <a:schemeClr val="bg1"/>
-                  </a:solidFill>
-                  <a:effectLst>
-                    <a:outerShdw blurRad="38100" dist="38100" dir="2700000" algn="tl">
-                      <a:srgbClr val="000000">
-                        <a:alpha val="43137"/>
-                      </a:srgbClr>
-                    </a:outerShdw>
-                  </a:effectLst>
-                  <a:latin typeface="+mn-ea"/>
-                </a:rPr>
-                <a:t>스타바운드의 우주선 사진</a:t>
-              </a:r>
-              <a:endParaRPr lang="ko-KR" altLang="en-US" sz="1200" dirty="0">
-                <a:solidFill>
-                  <a:schemeClr val="bg1"/>
-                </a:solidFill>
-                <a:effectLst>
-                  <a:outerShdw blurRad="38100" dist="38100" dir="2700000" algn="tl">
-                    <a:srgbClr val="000000">
-                      <a:alpha val="43137"/>
-                    </a:srgbClr>
-                  </a:outerShdw>
-                </a:effectLst>
-                <a:latin typeface="+mn-ea"/>
-              </a:endParaRPr>
-            </a:p>
-          </p:txBody>
-        </p:sp>
-        <p:grpSp>
-          <p:nvGrpSpPr>
-            <p:cNvPr id="38" name="그룹 37"/>
-            <p:cNvGrpSpPr/>
-            <p:nvPr/>
-          </p:nvGrpSpPr>
-          <p:grpSpPr>
-            <a:xfrm>
-              <a:off x="2561166" y="2141665"/>
-              <a:ext cx="8116359" cy="3876676"/>
-              <a:chOff x="2561166" y="2046642"/>
-              <a:chExt cx="8116359" cy="3876676"/>
-            </a:xfrm>
-          </p:grpSpPr>
+                </a:endParaRPr>
+              </a:p>
+            </p:txBody>
+          </p:sp>
           <p:grpSp>
             <p:nvGrpSpPr>
-              <p:cNvPr id="35" name="그룹 34"/>
+              <p:cNvPr id="38" name="그룹 37"/>
               <p:cNvGrpSpPr/>
               <p:nvPr/>
             </p:nvGrpSpPr>
             <p:grpSpPr>
               <a:xfrm>
-                <a:off x="2561166" y="2046642"/>
-                <a:ext cx="7048500" cy="3876676"/>
+                <a:off x="2561166" y="2141665"/>
+                <a:ext cx="8116359" cy="3876676"/>
                 <a:chOff x="2561166" y="2046642"/>
-                <a:chExt cx="7048500" cy="3876676"/>
+                <a:chExt cx="8116359" cy="3876676"/>
               </a:xfrm>
             </p:grpSpPr>
             <p:grpSp>
               <p:nvGrpSpPr>
-                <p:cNvPr id="31" name="그룹 30"/>
+                <p:cNvPr id="35" name="그룹 34"/>
                 <p:cNvGrpSpPr/>
                 <p:nvPr/>
               </p:nvGrpSpPr>
@@ -26997,7 +30415,7 @@
               </p:grpSpPr>
               <p:grpSp>
                 <p:nvGrpSpPr>
-                  <p:cNvPr id="27" name="그룹 26"/>
+                  <p:cNvPr id="31" name="그룹 30"/>
                   <p:cNvGrpSpPr/>
                   <p:nvPr/>
                 </p:nvGrpSpPr>
@@ -27005,68 +30423,68 @@
                   <a:xfrm>
                     <a:off x="2561166" y="2046642"/>
                     <a:ext cx="7048500" cy="3876676"/>
-                    <a:chOff x="2561166" y="2160942"/>
+                    <a:chOff x="2561166" y="2046642"/>
                     <a:chExt cx="7048500" cy="3876676"/>
                   </a:xfrm>
                 </p:grpSpPr>
-                <p:pic>
-                  <p:nvPicPr>
-                    <p:cNvPr id="2050" name="Picture 2" descr="관련 이미지"/>
-                    <p:cNvPicPr>
-                      <a:picLocks noChangeAspect="1" noChangeArrowheads="1"/>
-                    </p:cNvPicPr>
-                    <p:nvPr/>
-                  </p:nvPicPr>
-                  <p:blipFill>
-                    <a:blip r:embed="rId3">
-                      <a:extLst>
-                        <a:ext uri="{28A0092B-C50C-407E-A947-70E740481C1C}">
-                          <a14:useLocalDpi xmlns:a14="http://schemas.microsoft.com/office/drawing/2010/main" val="0"/>
-                        </a:ext>
-                      </a:extLst>
-                    </a:blip>
-                    <a:srcRect/>
-                    <a:stretch>
-                      <a:fillRect/>
-                    </a:stretch>
-                  </p:blipFill>
-                  <p:spPr bwMode="auto">
-                    <a:xfrm>
-                      <a:off x="2561166" y="2160942"/>
-                      <a:ext cx="7048500" cy="3876676"/>
-                    </a:xfrm>
-                    <a:prstGeom prst="rect">
-                      <a:avLst/>
-                    </a:prstGeom>
-                    <a:noFill/>
-                    <a:extLst>
-                      <a:ext uri="{909E8E84-426E-40DD-AFC4-6F175D3DCCD1}">
-                        <a14:hiddenFill xmlns:a14="http://schemas.microsoft.com/office/drawing/2010/main">
-                          <a:solidFill>
-                            <a:srgbClr val="FFFFFF"/>
-                          </a:solidFill>
-                        </a14:hiddenFill>
-                      </a:ext>
-                    </a:extLst>
-                  </p:spPr>
-                </p:pic>
                 <p:grpSp>
                   <p:nvGrpSpPr>
-                    <p:cNvPr id="21" name="그룹 20"/>
+                    <p:cNvPr id="27" name="그룹 26"/>
                     <p:cNvGrpSpPr/>
                     <p:nvPr/>
                   </p:nvGrpSpPr>
                   <p:grpSpPr>
                     <a:xfrm>
-                      <a:off x="3238500" y="3267074"/>
-                      <a:ext cx="4543424" cy="966786"/>
-                      <a:chOff x="3238500" y="3267074"/>
-                      <a:chExt cx="4543424" cy="966786"/>
+                      <a:off x="2561166" y="2046642"/>
+                      <a:ext cx="7048500" cy="3876676"/>
+                      <a:chOff x="2561166" y="2160942"/>
+                      <a:chExt cx="7048500" cy="3876676"/>
                     </a:xfrm>
                   </p:grpSpPr>
+                  <p:pic>
+                    <p:nvPicPr>
+                      <p:cNvPr id="2050" name="Picture 2" descr="관련 이미지"/>
+                      <p:cNvPicPr>
+                        <a:picLocks noChangeAspect="1" noChangeArrowheads="1"/>
+                      </p:cNvPicPr>
+                      <p:nvPr/>
+                    </p:nvPicPr>
+                    <p:blipFill>
+                      <a:blip r:embed="rId3">
+                        <a:extLst>
+                          <a:ext uri="{28A0092B-C50C-407E-A947-70E740481C1C}">
+                            <a14:useLocalDpi xmlns:a14="http://schemas.microsoft.com/office/drawing/2010/main" val="0"/>
+                          </a:ext>
+                        </a:extLst>
+                      </a:blip>
+                      <a:srcRect/>
+                      <a:stretch>
+                        <a:fillRect/>
+                      </a:stretch>
+                    </p:blipFill>
+                    <p:spPr bwMode="auto">
+                      <a:xfrm>
+                        <a:off x="2561166" y="2160942"/>
+                        <a:ext cx="7048500" cy="3876676"/>
+                      </a:xfrm>
+                      <a:prstGeom prst="rect">
+                        <a:avLst/>
+                      </a:prstGeom>
+                      <a:noFill/>
+                      <a:extLst>
+                        <a:ext uri="{909E8E84-426E-40DD-AFC4-6F175D3DCCD1}">
+                          <a14:hiddenFill xmlns:a14="http://schemas.microsoft.com/office/drawing/2010/main">
+                            <a:solidFill>
+                              <a:srgbClr val="FFFFFF"/>
+                            </a:solidFill>
+                          </a14:hiddenFill>
+                        </a:ext>
+                      </a:extLst>
+                    </p:spPr>
+                  </p:pic>
                   <p:grpSp>
                     <p:nvGrpSpPr>
-                      <p:cNvPr id="20" name="그룹 19"/>
+                      <p:cNvPr id="21" name="그룹 20"/>
                       <p:cNvGrpSpPr/>
                       <p:nvPr/>
                     </p:nvGrpSpPr>
@@ -27080,7 +30498,7 @@
                     </p:grpSpPr>
                     <p:grpSp>
                       <p:nvGrpSpPr>
-                        <p:cNvPr id="19" name="그룹 18"/>
+                        <p:cNvPr id="20" name="그룹 19"/>
                         <p:cNvGrpSpPr/>
                         <p:nvPr/>
                       </p:nvGrpSpPr>
@@ -27094,86 +30512,159 @@
                       </p:grpSpPr>
                       <p:grpSp>
                         <p:nvGrpSpPr>
-                          <p:cNvPr id="8" name="그룹 7"/>
+                          <p:cNvPr id="19" name="그룹 18"/>
                           <p:cNvGrpSpPr/>
                           <p:nvPr/>
                         </p:nvGrpSpPr>
                         <p:grpSpPr>
                           <a:xfrm>
                             <a:off x="3238500" y="3267074"/>
-                            <a:ext cx="3524249" cy="966786"/>
+                            <a:ext cx="4543424" cy="966786"/>
                             <a:chOff x="3238500" y="3267074"/>
-                            <a:chExt cx="3524249" cy="966786"/>
+                            <a:chExt cx="4543424" cy="966786"/>
                           </a:xfrm>
                         </p:grpSpPr>
+                        <p:grpSp>
+                          <p:nvGrpSpPr>
+                            <p:cNvPr id="8" name="그룹 7"/>
+                            <p:cNvGrpSpPr/>
+                            <p:nvPr/>
+                          </p:nvGrpSpPr>
+                          <p:grpSpPr>
+                            <a:xfrm>
+                              <a:off x="3238500" y="3267074"/>
+                              <a:ext cx="3524249" cy="966786"/>
+                              <a:chOff x="3238500" y="3267074"/>
+                              <a:chExt cx="3524249" cy="966786"/>
+                            </a:xfrm>
+                          </p:grpSpPr>
+                          <p:sp>
+                            <p:nvSpPr>
+                              <p:cNvPr id="6" name="직사각형 5"/>
+                              <p:cNvSpPr/>
+                              <p:nvPr/>
+                            </p:nvSpPr>
+                            <p:spPr>
+                              <a:xfrm>
+                                <a:off x="3238500" y="3267074"/>
+                                <a:ext cx="781050" cy="962025"/>
+                              </a:xfrm>
+                              <a:prstGeom prst="rect">
+                                <a:avLst/>
+                              </a:prstGeom>
+                              <a:solidFill>
+                                <a:schemeClr val="bg1">
+                                  <a:alpha val="15000"/>
+                                </a:schemeClr>
+                              </a:solidFill>
+                              <a:ln w="19050">
+                                <a:solidFill>
+                                  <a:schemeClr val="accent4"/>
+                                </a:solidFill>
+                              </a:ln>
+                            </p:spPr>
+                            <p:style>
+                              <a:lnRef idx="2">
+                                <a:schemeClr val="accent1">
+                                  <a:shade val="50000"/>
+                                </a:schemeClr>
+                              </a:lnRef>
+                              <a:fillRef idx="1">
+                                <a:schemeClr val="accent1"/>
+                              </a:fillRef>
+                              <a:effectRef idx="0">
+                                <a:schemeClr val="accent1"/>
+                              </a:effectRef>
+                              <a:fontRef idx="minor">
+                                <a:schemeClr val="lt1"/>
+                              </a:fontRef>
+                            </p:style>
+                            <p:txBody>
+                              <a:bodyPr rtlCol="0" anchor="ctr"/>
+                              <a:lstStyle/>
+                              <a:p>
+                                <a:pPr algn="ctr"/>
+                                <a:endParaRPr lang="ko-KR" altLang="en-US">
+                                  <a:effectLst>
+                                    <a:outerShdw blurRad="38100" dist="38100" dir="2700000" algn="tl">
+                                      <a:srgbClr val="000000">
+                                        <a:alpha val="43137"/>
+                                      </a:srgbClr>
+                                    </a:outerShdw>
+                                  </a:effectLst>
+                                </a:endParaRPr>
+                              </a:p>
+                            </p:txBody>
+                          </p:sp>
+                          <p:sp>
+                            <p:nvSpPr>
+                              <p:cNvPr id="13" name="직사각형 12"/>
+                              <p:cNvSpPr/>
+                              <p:nvPr/>
+                            </p:nvSpPr>
+                            <p:spPr>
+                              <a:xfrm>
+                                <a:off x="4105274" y="3271835"/>
+                                <a:ext cx="2657475" cy="962025"/>
+                              </a:xfrm>
+                              <a:prstGeom prst="rect">
+                                <a:avLst/>
+                              </a:prstGeom>
+                              <a:solidFill>
+                                <a:schemeClr val="bg1">
+                                  <a:alpha val="15000"/>
+                                </a:schemeClr>
+                              </a:solidFill>
+                              <a:ln w="19050">
+                                <a:solidFill>
+                                  <a:schemeClr val="accent4"/>
+                                </a:solidFill>
+                              </a:ln>
+                            </p:spPr>
+                            <p:style>
+                              <a:lnRef idx="2">
+                                <a:schemeClr val="accent1">
+                                  <a:shade val="50000"/>
+                                </a:schemeClr>
+                              </a:lnRef>
+                              <a:fillRef idx="1">
+                                <a:schemeClr val="accent1"/>
+                              </a:fillRef>
+                              <a:effectRef idx="0">
+                                <a:schemeClr val="accent1"/>
+                              </a:effectRef>
+                              <a:fontRef idx="minor">
+                                <a:schemeClr val="lt1"/>
+                              </a:fontRef>
+                            </p:style>
+                            <p:txBody>
+                              <a:bodyPr rtlCol="0" anchor="ctr"/>
+                              <a:lstStyle/>
+                              <a:p>
+                                <a:pPr algn="ctr"/>
+                                <a:endParaRPr lang="ko-KR" altLang="en-US">
+                                  <a:effectLst>
+                                    <a:outerShdw blurRad="38100" dist="38100" dir="2700000" algn="tl">
+                                      <a:srgbClr val="000000">
+                                        <a:alpha val="43137"/>
+                                      </a:srgbClr>
+                                    </a:outerShdw>
+                                  </a:effectLst>
+                                </a:endParaRPr>
+                              </a:p>
+                            </p:txBody>
+                          </p:sp>
+                        </p:grpSp>
                         <p:sp>
                           <p:nvSpPr>
-                            <p:cNvPr id="6" name="직사각형 5"/>
+                            <p:cNvPr id="25" name="직사각형 24"/>
                             <p:cNvSpPr/>
                             <p:nvPr/>
                           </p:nvSpPr>
                           <p:spPr>
                             <a:xfrm>
-                              <a:off x="3238500" y="3267074"/>
-                              <a:ext cx="781050" cy="962025"/>
-                            </a:xfrm>
-                            <a:prstGeom prst="rect">
-                              <a:avLst/>
-                            </a:prstGeom>
-                            <a:solidFill>
-                              <a:schemeClr val="bg1">
-                                <a:alpha val="15000"/>
-                              </a:schemeClr>
-                            </a:solidFill>
-                            <a:ln w="19050">
-                              <a:solidFill>
-                                <a:schemeClr val="accent4"/>
-                              </a:solidFill>
-                            </a:ln>
-                          </p:spPr>
-                          <p:style>
-                            <a:lnRef idx="2">
-                              <a:schemeClr val="accent1">
-                                <a:shade val="50000"/>
-                              </a:schemeClr>
-                            </a:lnRef>
-                            <a:fillRef idx="1">
-                              <a:schemeClr val="accent1"/>
-                            </a:fillRef>
-                            <a:effectRef idx="0">
-                              <a:schemeClr val="accent1"/>
-                            </a:effectRef>
-                            <a:fontRef idx="minor">
-                              <a:schemeClr val="lt1"/>
-                            </a:fontRef>
-                          </p:style>
-                          <p:txBody>
-                            <a:bodyPr rtlCol="0" anchor="ctr"/>
-                            <a:lstStyle/>
-                            <a:p>
-                              <a:pPr algn="ctr"/>
-                              <a:endParaRPr lang="ko-KR" altLang="en-US">
-                                <a:effectLst>
-                                  <a:outerShdw blurRad="38100" dist="38100" dir="2700000" algn="tl">
-                                    <a:srgbClr val="000000">
-                                      <a:alpha val="43137"/>
-                                    </a:srgbClr>
-                                  </a:outerShdw>
-                                </a:effectLst>
-                              </a:endParaRPr>
-                            </a:p>
-                          </p:txBody>
-                        </p:sp>
-                        <p:sp>
-                          <p:nvSpPr>
-                            <p:cNvPr id="13" name="직사각형 12"/>
-                            <p:cNvSpPr/>
-                            <p:nvPr/>
-                          </p:nvSpPr>
-                          <p:spPr>
-                            <a:xfrm>
-                              <a:off x="4105274" y="3271835"/>
-                              <a:ext cx="2657475" cy="962025"/>
+                              <a:off x="6857999" y="3900485"/>
+                              <a:ext cx="923925" cy="328613"/>
                             </a:xfrm>
                             <a:prstGeom prst="rect">
                               <a:avLst/>
@@ -27223,74 +30714,53 @@
                           </p:txBody>
                         </p:sp>
                       </p:grpSp>
-                      <p:sp>
-                        <p:nvSpPr>
-                          <p:cNvPr id="25" name="직사각형 24"/>
-                          <p:cNvSpPr/>
+                      <p:cxnSp>
+                        <p:nvCxnSpPr>
+                          <p:cNvPr id="14" name="직선 화살표 연결선 13"/>
+                          <p:cNvCxnSpPr/>
                           <p:nvPr/>
-                        </p:nvSpPr>
+                        </p:nvCxnSpPr>
                         <p:spPr>
-                          <a:xfrm>
-                            <a:off x="6857999" y="3900485"/>
-                            <a:ext cx="923925" cy="328613"/>
+                          <a:xfrm flipV="1">
+                            <a:off x="3629025" y="4064790"/>
+                            <a:ext cx="971550" cy="1"/>
                           </a:xfrm>
-                          <a:prstGeom prst="rect">
+                          <a:prstGeom prst="straightConnector1">
                             <a:avLst/>
                           </a:prstGeom>
-                          <a:solidFill>
-                            <a:schemeClr val="bg1">
-                              <a:alpha val="15000"/>
-                            </a:schemeClr>
-                          </a:solidFill>
-                          <a:ln w="19050">
+                          <a:ln w="22225">
                             <a:solidFill>
-                              <a:schemeClr val="accent4"/>
+                              <a:schemeClr val="tx1"/>
                             </a:solidFill>
+                            <a:headEnd type="arrow"/>
+                            <a:tailEnd type="arrow"/>
                           </a:ln>
                         </p:spPr>
                         <p:style>
-                          <a:lnRef idx="2">
-                            <a:schemeClr val="accent1">
-                              <a:shade val="50000"/>
-                            </a:schemeClr>
+                          <a:lnRef idx="1">
+                            <a:schemeClr val="accent1"/>
                           </a:lnRef>
-                          <a:fillRef idx="1">
+                          <a:fillRef idx="0">
                             <a:schemeClr val="accent1"/>
                           </a:fillRef>
                           <a:effectRef idx="0">
                             <a:schemeClr val="accent1"/>
                           </a:effectRef>
                           <a:fontRef idx="minor">
-                            <a:schemeClr val="lt1"/>
+                            <a:schemeClr val="tx1"/>
                           </a:fontRef>
                         </p:style>
-                        <p:txBody>
-                          <a:bodyPr rtlCol="0" anchor="ctr"/>
-                          <a:lstStyle/>
-                          <a:p>
-                            <a:pPr algn="ctr"/>
-                            <a:endParaRPr lang="ko-KR" altLang="en-US">
-                              <a:effectLst>
-                                <a:outerShdw blurRad="38100" dist="38100" dir="2700000" algn="tl">
-                                  <a:srgbClr val="000000">
-                                    <a:alpha val="43137"/>
-                                  </a:srgbClr>
-                                </a:outerShdw>
-                              </a:effectLst>
-                            </a:endParaRPr>
-                          </a:p>
-                        </p:txBody>
-                      </p:sp>
+                      </p:cxnSp>
                     </p:grpSp>
                     <p:cxnSp>
                       <p:nvCxnSpPr>
-                        <p:cNvPr id="14" name="직선 화살표 연결선 13"/>
+                        <p:cNvPr id="26" name="직선 화살표 연결선 25"/>
                         <p:cNvCxnSpPr/>
                         <p:nvPr/>
                       </p:nvCxnSpPr>
                       <p:spPr>
                         <a:xfrm flipV="1">
-                          <a:off x="3629025" y="4064790"/>
+                          <a:off x="6329671" y="4064791"/>
                           <a:ext cx="971550" cy="1"/>
                         </a:xfrm>
                         <a:prstGeom prst="straightConnector1">
@@ -27320,213 +30790,229 @@
                       </p:style>
                     </p:cxnSp>
                   </p:grpSp>
-                  <p:cxnSp>
-                    <p:nvCxnSpPr>
-                      <p:cNvPr id="26" name="직선 화살표 연결선 25"/>
-                      <p:cNvCxnSpPr/>
-                      <p:nvPr/>
-                    </p:nvCxnSpPr>
-                    <p:spPr>
-                      <a:xfrm flipV="1">
-                        <a:off x="6329671" y="4064791"/>
-                        <a:ext cx="971550" cy="1"/>
-                      </a:xfrm>
-                      <a:prstGeom prst="straightConnector1">
-                        <a:avLst/>
-                      </a:prstGeom>
-                      <a:ln w="22225">
-                        <a:solidFill>
-                          <a:schemeClr val="tx1"/>
-                        </a:solidFill>
-                        <a:headEnd type="arrow"/>
-                        <a:tailEnd type="arrow"/>
-                      </a:ln>
-                    </p:spPr>
-                    <p:style>
-                      <a:lnRef idx="1">
-                        <a:schemeClr val="accent1"/>
-                      </a:lnRef>
-                      <a:fillRef idx="0">
-                        <a:schemeClr val="accent1"/>
-                      </a:fillRef>
-                      <a:effectRef idx="0">
-                        <a:schemeClr val="accent1"/>
-                      </a:effectRef>
-                      <a:fontRef idx="minor">
-                        <a:schemeClr val="tx1"/>
-                      </a:fontRef>
-                    </p:style>
-                  </p:cxnSp>
                 </p:grpSp>
+                <p:sp>
+                  <p:nvSpPr>
+                    <p:cNvPr id="30" name="직사각형 29"/>
+                    <p:cNvSpPr/>
+                    <p:nvPr/>
+                  </p:nvSpPr>
+                  <p:spPr>
+                    <a:xfrm>
+                      <a:off x="3222709" y="3145628"/>
+                      <a:ext cx="406316" cy="464344"/>
+                    </a:xfrm>
+                    <a:prstGeom prst="rect">
+                      <a:avLst/>
+                    </a:prstGeom>
+                    <a:solidFill>
+                      <a:schemeClr val="bg1">
+                        <a:alpha val="35000"/>
+                      </a:schemeClr>
+                    </a:solidFill>
+                  </p:spPr>
+                  <p:style>
+                    <a:lnRef idx="2">
+                      <a:schemeClr val="accent1">
+                        <a:shade val="50000"/>
+                      </a:schemeClr>
+                    </a:lnRef>
+                    <a:fillRef idx="1">
+                      <a:schemeClr val="accent1"/>
+                    </a:fillRef>
+                    <a:effectRef idx="0">
+                      <a:schemeClr val="accent1"/>
+                    </a:effectRef>
+                    <a:fontRef idx="minor">
+                      <a:schemeClr val="lt1"/>
+                    </a:fontRef>
+                  </p:style>
+                  <p:txBody>
+                    <a:bodyPr rtlCol="0" anchor="ctr"/>
+                    <a:lstStyle/>
+                    <a:p>
+                      <a:pPr algn="ctr"/>
+                      <a:endParaRPr lang="ko-KR" altLang="en-US">
+                        <a:effectLst>
+                          <a:outerShdw blurRad="38100" dist="38100" dir="2700000" algn="tl">
+                            <a:srgbClr val="000000">
+                              <a:alpha val="43137"/>
+                            </a:srgbClr>
+                          </a:outerShdw>
+                        </a:effectLst>
+                      </a:endParaRPr>
+                    </a:p>
+                  </p:txBody>
+                </p:sp>
+                <p:sp>
+                  <p:nvSpPr>
+                    <p:cNvPr id="32" name="직사각형 31"/>
+                    <p:cNvSpPr/>
+                    <p:nvPr/>
+                  </p:nvSpPr>
+                  <p:spPr>
+                    <a:xfrm>
+                      <a:off x="3222709" y="3633786"/>
+                      <a:ext cx="406316" cy="464344"/>
+                    </a:xfrm>
+                    <a:prstGeom prst="rect">
+                      <a:avLst/>
+                    </a:prstGeom>
+                    <a:solidFill>
+                      <a:schemeClr val="bg1">
+                        <a:alpha val="35000"/>
+                      </a:schemeClr>
+                    </a:solidFill>
+                  </p:spPr>
+                  <p:style>
+                    <a:lnRef idx="2">
+                      <a:schemeClr val="accent1">
+                        <a:shade val="50000"/>
+                      </a:schemeClr>
+                    </a:lnRef>
+                    <a:fillRef idx="1">
+                      <a:schemeClr val="accent1"/>
+                    </a:fillRef>
+                    <a:effectRef idx="0">
+                      <a:schemeClr val="accent1"/>
+                    </a:effectRef>
+                    <a:fontRef idx="minor">
+                      <a:schemeClr val="lt1"/>
+                    </a:fontRef>
+                  </p:style>
+                  <p:txBody>
+                    <a:bodyPr rtlCol="0" anchor="ctr"/>
+                    <a:lstStyle/>
+                    <a:p>
+                      <a:pPr algn="ctr"/>
+                      <a:endParaRPr lang="ko-KR" altLang="en-US">
+                        <a:effectLst>
+                          <a:outerShdw blurRad="38100" dist="38100" dir="2700000" algn="tl">
+                            <a:srgbClr val="000000">
+                              <a:alpha val="43137"/>
+                            </a:srgbClr>
+                          </a:outerShdw>
+                        </a:effectLst>
+                      </a:endParaRPr>
+                    </a:p>
+                  </p:txBody>
+                </p:sp>
+                <p:sp>
+                  <p:nvSpPr>
+                    <p:cNvPr id="33" name="직사각형 32"/>
+                    <p:cNvSpPr/>
+                    <p:nvPr/>
+                  </p:nvSpPr>
+                  <p:spPr>
+                    <a:xfrm>
+                      <a:off x="3648075" y="3638547"/>
+                      <a:ext cx="406316" cy="464344"/>
+                    </a:xfrm>
+                    <a:prstGeom prst="rect">
+                      <a:avLst/>
+                    </a:prstGeom>
+                    <a:solidFill>
+                      <a:schemeClr val="bg1">
+                        <a:alpha val="35000"/>
+                      </a:schemeClr>
+                    </a:solidFill>
+                  </p:spPr>
+                  <p:style>
+                    <a:lnRef idx="2">
+                      <a:schemeClr val="accent1">
+                        <a:shade val="50000"/>
+                      </a:schemeClr>
+                    </a:lnRef>
+                    <a:fillRef idx="1">
+                      <a:schemeClr val="accent1"/>
+                    </a:fillRef>
+                    <a:effectRef idx="0">
+                      <a:schemeClr val="accent1"/>
+                    </a:effectRef>
+                    <a:fontRef idx="minor">
+                      <a:schemeClr val="lt1"/>
+                    </a:fontRef>
+                  </p:style>
+                  <p:txBody>
+                    <a:bodyPr rtlCol="0" anchor="ctr"/>
+                    <a:lstStyle/>
+                    <a:p>
+                      <a:pPr algn="ctr"/>
+                      <a:endParaRPr lang="ko-KR" altLang="en-US">
+                        <a:effectLst>
+                          <a:outerShdw blurRad="38100" dist="38100" dir="2700000" algn="tl">
+                            <a:srgbClr val="000000">
+                              <a:alpha val="43137"/>
+                            </a:srgbClr>
+                          </a:outerShdw>
+                        </a:effectLst>
+                      </a:endParaRPr>
+                    </a:p>
+                  </p:txBody>
+                </p:sp>
+                <p:sp>
+                  <p:nvSpPr>
+                    <p:cNvPr id="34" name="직사각형 33"/>
+                    <p:cNvSpPr/>
+                    <p:nvPr/>
+                  </p:nvSpPr>
+                  <p:spPr>
+                    <a:xfrm>
+                      <a:off x="3648075" y="3145627"/>
+                      <a:ext cx="406316" cy="464344"/>
+                    </a:xfrm>
+                    <a:prstGeom prst="rect">
+                      <a:avLst/>
+                    </a:prstGeom>
+                    <a:solidFill>
+                      <a:schemeClr val="bg1">
+                        <a:alpha val="35000"/>
+                      </a:schemeClr>
+                    </a:solidFill>
+                  </p:spPr>
+                  <p:style>
+                    <a:lnRef idx="2">
+                      <a:schemeClr val="accent1">
+                        <a:shade val="50000"/>
+                      </a:schemeClr>
+                    </a:lnRef>
+                    <a:fillRef idx="1">
+                      <a:schemeClr val="accent1"/>
+                    </a:fillRef>
+                    <a:effectRef idx="0">
+                      <a:schemeClr val="accent1"/>
+                    </a:effectRef>
+                    <a:fontRef idx="minor">
+                      <a:schemeClr val="lt1"/>
+                    </a:fontRef>
+                  </p:style>
+                  <p:txBody>
+                    <a:bodyPr rtlCol="0" anchor="ctr"/>
+                    <a:lstStyle/>
+                    <a:p>
+                      <a:pPr algn="ctr"/>
+                      <a:endParaRPr lang="ko-KR" altLang="en-US">
+                        <a:effectLst>
+                          <a:outerShdw blurRad="38100" dist="38100" dir="2700000" algn="tl">
+                            <a:srgbClr val="000000">
+                              <a:alpha val="43137"/>
+                            </a:srgbClr>
+                          </a:outerShdw>
+                        </a:effectLst>
+                      </a:endParaRPr>
+                    </a:p>
+                  </p:txBody>
+                </p:sp>
               </p:grpSp>
               <p:sp>
                 <p:nvSpPr>
-                  <p:cNvPr id="30" name="직사각형 29"/>
+                  <p:cNvPr id="36" name="직사각형 35"/>
                   <p:cNvSpPr/>
                   <p:nvPr/>
                 </p:nvSpPr>
                 <p:spPr>
                   <a:xfrm>
-                    <a:off x="3222709" y="3145628"/>
-                    <a:ext cx="406316" cy="464344"/>
-                  </a:xfrm>
-                  <a:prstGeom prst="rect">
-                    <a:avLst/>
-                  </a:prstGeom>
-                  <a:solidFill>
-                    <a:schemeClr val="bg1">
-                      <a:alpha val="35000"/>
-                    </a:schemeClr>
-                  </a:solidFill>
-                </p:spPr>
-                <p:style>
-                  <a:lnRef idx="2">
-                    <a:schemeClr val="accent1">
-                      <a:shade val="50000"/>
-                    </a:schemeClr>
-                  </a:lnRef>
-                  <a:fillRef idx="1">
-                    <a:schemeClr val="accent1"/>
-                  </a:fillRef>
-                  <a:effectRef idx="0">
-                    <a:schemeClr val="accent1"/>
-                  </a:effectRef>
-                  <a:fontRef idx="minor">
-                    <a:schemeClr val="lt1"/>
-                  </a:fontRef>
-                </p:style>
-                <p:txBody>
-                  <a:bodyPr rtlCol="0" anchor="ctr"/>
-                  <a:lstStyle/>
-                  <a:p>
-                    <a:pPr algn="ctr"/>
-                    <a:endParaRPr lang="ko-KR" altLang="en-US">
-                      <a:effectLst>
-                        <a:outerShdw blurRad="38100" dist="38100" dir="2700000" algn="tl">
-                          <a:srgbClr val="000000">
-                            <a:alpha val="43137"/>
-                          </a:srgbClr>
-                        </a:outerShdw>
-                      </a:effectLst>
-                    </a:endParaRPr>
-                  </a:p>
-                </p:txBody>
-              </p:sp>
-              <p:sp>
-                <p:nvSpPr>
-                  <p:cNvPr id="32" name="직사각형 31"/>
-                  <p:cNvSpPr/>
-                  <p:nvPr/>
-                </p:nvSpPr>
-                <p:spPr>
-                  <a:xfrm>
-                    <a:off x="3222709" y="3633786"/>
-                    <a:ext cx="406316" cy="464344"/>
-                  </a:xfrm>
-                  <a:prstGeom prst="rect">
-                    <a:avLst/>
-                  </a:prstGeom>
-                  <a:solidFill>
-                    <a:schemeClr val="bg1">
-                      <a:alpha val="35000"/>
-                    </a:schemeClr>
-                  </a:solidFill>
-                </p:spPr>
-                <p:style>
-                  <a:lnRef idx="2">
-                    <a:schemeClr val="accent1">
-                      <a:shade val="50000"/>
-                    </a:schemeClr>
-                  </a:lnRef>
-                  <a:fillRef idx="1">
-                    <a:schemeClr val="accent1"/>
-                  </a:fillRef>
-                  <a:effectRef idx="0">
-                    <a:schemeClr val="accent1"/>
-                  </a:effectRef>
-                  <a:fontRef idx="minor">
-                    <a:schemeClr val="lt1"/>
-                  </a:fontRef>
-                </p:style>
-                <p:txBody>
-                  <a:bodyPr rtlCol="0" anchor="ctr"/>
-                  <a:lstStyle/>
-                  <a:p>
-                    <a:pPr algn="ctr"/>
-                    <a:endParaRPr lang="ko-KR" altLang="en-US">
-                      <a:effectLst>
-                        <a:outerShdw blurRad="38100" dist="38100" dir="2700000" algn="tl">
-                          <a:srgbClr val="000000">
-                            <a:alpha val="43137"/>
-                          </a:srgbClr>
-                        </a:outerShdw>
-                      </a:effectLst>
-                    </a:endParaRPr>
-                  </a:p>
-                </p:txBody>
-              </p:sp>
-              <p:sp>
-                <p:nvSpPr>
-                  <p:cNvPr id="33" name="직사각형 32"/>
-                  <p:cNvSpPr/>
-                  <p:nvPr/>
-                </p:nvSpPr>
-                <p:spPr>
-                  <a:xfrm>
-                    <a:off x="3648075" y="3638547"/>
-                    <a:ext cx="406316" cy="464344"/>
-                  </a:xfrm>
-                  <a:prstGeom prst="rect">
-                    <a:avLst/>
-                  </a:prstGeom>
-                  <a:solidFill>
-                    <a:schemeClr val="bg1">
-                      <a:alpha val="35000"/>
-                    </a:schemeClr>
-                  </a:solidFill>
-                </p:spPr>
-                <p:style>
-                  <a:lnRef idx="2">
-                    <a:schemeClr val="accent1">
-                      <a:shade val="50000"/>
-                    </a:schemeClr>
-                  </a:lnRef>
-                  <a:fillRef idx="1">
-                    <a:schemeClr val="accent1"/>
-                  </a:fillRef>
-                  <a:effectRef idx="0">
-                    <a:schemeClr val="accent1"/>
-                  </a:effectRef>
-                  <a:fontRef idx="minor">
-                    <a:schemeClr val="lt1"/>
-                  </a:fontRef>
-                </p:style>
-                <p:txBody>
-                  <a:bodyPr rtlCol="0" anchor="ctr"/>
-                  <a:lstStyle/>
-                  <a:p>
-                    <a:pPr algn="ctr"/>
-                    <a:endParaRPr lang="ko-KR" altLang="en-US">
-                      <a:effectLst>
-                        <a:outerShdw blurRad="38100" dist="38100" dir="2700000" algn="tl">
-                          <a:srgbClr val="000000">
-                            <a:alpha val="43137"/>
-                          </a:srgbClr>
-                        </a:outerShdw>
-                      </a:effectLst>
-                    </a:endParaRPr>
-                  </a:p>
-                </p:txBody>
-              </p:sp>
-              <p:sp>
-                <p:nvSpPr>
-                  <p:cNvPr id="34" name="직사각형 33"/>
-                  <p:cNvSpPr/>
-                  <p:nvPr/>
-                </p:nvSpPr>
-                <p:spPr>
-                  <a:xfrm>
-                    <a:off x="3648075" y="3145627"/>
+                    <a:off x="5859100" y="3609971"/>
                     <a:ext cx="406316" cy="464344"/>
                   </a:xfrm>
                   <a:prstGeom prst="rect">
@@ -27574,46 +31060,45 @@
             </p:grpSp>
             <p:sp>
               <p:nvSpPr>
-                <p:cNvPr id="36" name="직사각형 35"/>
-                <p:cNvSpPr/>
+                <p:cNvPr id="29" name="TextBox 28"/>
+                <p:cNvSpPr txBox="1"/>
                 <p:nvPr/>
               </p:nvSpPr>
               <p:spPr>
                 <a:xfrm>
-                  <a:off x="5859100" y="3609971"/>
-                  <a:ext cx="406316" cy="464344"/>
+                  <a:off x="7458074" y="3370152"/>
+                  <a:ext cx="3219451" cy="369332"/>
                 </a:xfrm>
                 <a:prstGeom prst="rect">
                   <a:avLst/>
                 </a:prstGeom>
-                <a:solidFill>
-                  <a:schemeClr val="bg1">
-                    <a:alpha val="35000"/>
-                  </a:schemeClr>
-                </a:solidFill>
+                <a:noFill/>
               </p:spPr>
-              <p:style>
-                <a:lnRef idx="2">
-                  <a:schemeClr val="accent1">
-                    <a:shade val="50000"/>
-                  </a:schemeClr>
-                </a:lnRef>
-                <a:fillRef idx="1">
-                  <a:schemeClr val="accent1"/>
-                </a:fillRef>
-                <a:effectRef idx="0">
-                  <a:schemeClr val="accent1"/>
-                </a:effectRef>
-                <a:fontRef idx="minor">
-                  <a:schemeClr val="lt1"/>
-                </a:fontRef>
-              </p:style>
               <p:txBody>
-                <a:bodyPr rtlCol="0" anchor="ctr"/>
+                <a:bodyPr wrap="square" rtlCol="0">
+                  <a:spAutoFit/>
+                </a:bodyPr>
                 <a:lstStyle/>
                 <a:p>
-                  <a:pPr algn="ctr"/>
-                  <a:endParaRPr lang="ko-KR" altLang="en-US">
+                  <a:r>
+                    <a:rPr lang="ko-KR" altLang="en-US" dirty="0" smtClean="0">
+                      <a:solidFill>
+                        <a:schemeClr val="bg1"/>
+                      </a:solidFill>
+                      <a:effectLst>
+                        <a:outerShdw blurRad="38100" dist="38100" dir="2700000" algn="tl">
+                          <a:srgbClr val="000000">
+                            <a:alpha val="43137"/>
+                          </a:srgbClr>
+                        </a:outerShdw>
+                      </a:effectLst>
+                    </a:rPr>
+                    <a:t>측면 시점에서 게임이 진행</a:t>
+                  </a:r>
+                  <a:endParaRPr lang="ko-KR" altLang="en-US" dirty="0">
+                    <a:solidFill>
+                      <a:schemeClr val="bg1"/>
+                    </a:solidFill>
                     <a:effectLst>
                       <a:outerShdw blurRad="38100" dist="38100" dir="2700000" algn="tl">
                         <a:srgbClr val="000000">
@@ -27626,44 +31111,35 @@
               </p:txBody>
             </p:sp>
           </p:grpSp>
-          <p:sp>
-            <p:nvSpPr>
-              <p:cNvPr id="29" name="TextBox 28"/>
-              <p:cNvSpPr txBox="1"/>
-              <p:nvPr/>
-            </p:nvSpPr>
-            <p:spPr>
-              <a:xfrm>
-                <a:off x="7458074" y="3370152"/>
-                <a:ext cx="3219451" cy="369332"/>
-              </a:xfrm>
-              <a:prstGeom prst="rect">
-                <a:avLst/>
-              </a:prstGeom>
-              <a:noFill/>
-            </p:spPr>
-            <p:txBody>
-              <a:bodyPr wrap="square" rtlCol="0">
-                <a:spAutoFit/>
-              </a:bodyPr>
-              <a:lstStyle/>
-              <a:p>
-                <a:r>
-                  <a:rPr lang="ko-KR" altLang="en-US" dirty="0" smtClean="0">
-                    <a:solidFill>
-                      <a:schemeClr val="bg1"/>
-                    </a:solidFill>
-                    <a:effectLst>
-                      <a:outerShdw blurRad="38100" dist="38100" dir="2700000" algn="tl">
-                        <a:srgbClr val="000000">
-                          <a:alpha val="43137"/>
-                        </a:srgbClr>
-                      </a:outerShdw>
-                    </a:effectLst>
-                  </a:rPr>
-                  <a:t>측면 시점에서 게임이 진행</a:t>
-                </a:r>
-                <a:endParaRPr lang="ko-KR" altLang="en-US" dirty="0">
+        </p:grpSp>
+        <p:sp>
+          <p:nvSpPr>
+            <p:cNvPr id="37" name="TextBox 36"/>
+            <p:cNvSpPr txBox="1"/>
+            <p:nvPr/>
+          </p:nvSpPr>
+          <p:spPr>
+            <a:xfrm>
+              <a:off x="2561166" y="2393604"/>
+              <a:ext cx="6201834" cy="646331"/>
+            </a:xfrm>
+            <a:prstGeom prst="rect">
+              <a:avLst/>
+            </a:prstGeom>
+            <a:noFill/>
+          </p:spPr>
+          <p:txBody>
+            <a:bodyPr wrap="square" rtlCol="0">
+              <a:spAutoFit/>
+            </a:bodyPr>
+            <a:lstStyle/>
+            <a:p>
+              <a:pPr marL="285750" indent="-285750">
+                <a:buFont typeface="Arial" panose="020B0604020202020204" pitchFamily="34" charset="0"/>
+                <a:buChar char="•"/>
+              </a:pPr>
+              <a:r>
+                <a:rPr lang="ko-KR" altLang="en-US" dirty="0" smtClean="0">
                   <a:solidFill>
                     <a:schemeClr val="bg1"/>
                   </a:solidFill>
@@ -27674,146 +31150,103 @@
                       </a:srgbClr>
                     </a:outerShdw>
                   </a:effectLst>
-                </a:endParaRPr>
-              </a:p>
-            </p:txBody>
-          </p:sp>
-        </p:grpSp>
+                </a:rPr>
+                <a:t>작은 방의 경우 플레이어의 </a:t>
+              </a:r>
+              <a:r>
+                <a:rPr lang="en-US" altLang="ko-KR" dirty="0" smtClean="0">
+                  <a:solidFill>
+                    <a:schemeClr val="bg1"/>
+                  </a:solidFill>
+                  <a:effectLst>
+                    <a:outerShdw blurRad="38100" dist="38100" dir="2700000" algn="tl">
+                      <a:srgbClr val="000000">
+                        <a:alpha val="43137"/>
+                      </a:srgbClr>
+                    </a:outerShdw>
+                  </a:effectLst>
+                </a:rPr>
+                <a:t>4x4 </a:t>
+              </a:r>
+              <a:r>
+                <a:rPr lang="ko-KR" altLang="en-US" dirty="0" smtClean="0">
+                  <a:solidFill>
+                    <a:schemeClr val="bg1"/>
+                  </a:solidFill>
+                  <a:effectLst>
+                    <a:outerShdw blurRad="38100" dist="38100" dir="2700000" algn="tl">
+                      <a:srgbClr val="000000">
+                        <a:alpha val="43137"/>
+                      </a:srgbClr>
+                    </a:outerShdw>
+                  </a:effectLst>
+                </a:rPr>
+                <a:t>크기</a:t>
+              </a:r>
+              <a:endParaRPr lang="en-US" altLang="ko-KR" dirty="0" smtClean="0">
+                <a:solidFill>
+                  <a:schemeClr val="bg1"/>
+                </a:solidFill>
+                <a:effectLst>
+                  <a:outerShdw blurRad="38100" dist="38100" dir="2700000" algn="tl">
+                    <a:srgbClr val="000000">
+                      <a:alpha val="43137"/>
+                    </a:srgbClr>
+                  </a:outerShdw>
+                </a:effectLst>
+              </a:endParaRPr>
+            </a:p>
+            <a:p>
+              <a:pPr marL="285750" indent="-285750">
+                <a:buFont typeface="Arial" panose="020B0604020202020204" pitchFamily="34" charset="0"/>
+                <a:buChar char="•"/>
+              </a:pPr>
+              <a:r>
+                <a:rPr lang="ko-KR" altLang="en-US" dirty="0" smtClean="0">
+                  <a:solidFill>
+                    <a:schemeClr val="bg1"/>
+                  </a:solidFill>
+                  <a:effectLst>
+                    <a:outerShdw blurRad="38100" dist="38100" dir="2700000" algn="tl">
+                      <a:srgbClr val="000000">
+                        <a:alpha val="43137"/>
+                      </a:srgbClr>
+                    </a:outerShdw>
+                  </a:effectLst>
+                </a:rPr>
+                <a:t>플레이어의 활동 영역은 우주선에 한정되어 있다</a:t>
+              </a:r>
+              <a:r>
+                <a:rPr lang="en-US" altLang="ko-KR" dirty="0" smtClean="0">
+                  <a:solidFill>
+                    <a:schemeClr val="bg1"/>
+                  </a:solidFill>
+                  <a:effectLst>
+                    <a:outerShdw blurRad="38100" dist="38100" dir="2700000" algn="tl">
+                      <a:srgbClr val="000000">
+                        <a:alpha val="43137"/>
+                      </a:srgbClr>
+                    </a:outerShdw>
+                  </a:effectLst>
+                </a:rPr>
+                <a:t>. </a:t>
+              </a:r>
+              <a:endParaRPr lang="ko-KR" altLang="en-US" dirty="0">
+                <a:solidFill>
+                  <a:schemeClr val="bg1"/>
+                </a:solidFill>
+                <a:effectLst>
+                  <a:outerShdw blurRad="38100" dist="38100" dir="2700000" algn="tl">
+                    <a:srgbClr val="000000">
+                      <a:alpha val="43137"/>
+                    </a:srgbClr>
+                  </a:outerShdw>
+                </a:effectLst>
+              </a:endParaRPr>
+            </a:p>
+          </p:txBody>
+        </p:sp>
       </p:grpSp>
-      <p:sp>
-        <p:nvSpPr>
-          <p:cNvPr id="37" name="TextBox 36"/>
-          <p:cNvSpPr txBox="1"/>
-          <p:nvPr/>
-        </p:nvSpPr>
-        <p:spPr>
-          <a:xfrm>
-            <a:off x="2561166" y="2393604"/>
-            <a:ext cx="6201834" cy="646331"/>
-          </a:xfrm>
-          <a:prstGeom prst="rect">
-            <a:avLst/>
-          </a:prstGeom>
-          <a:noFill/>
-        </p:spPr>
-        <p:txBody>
-          <a:bodyPr wrap="square" rtlCol="0">
-            <a:spAutoFit/>
-          </a:bodyPr>
-          <a:lstStyle/>
-          <a:p>
-            <a:pPr marL="285750" indent="-285750">
-              <a:buFont typeface="Arial" panose="020B0604020202020204" pitchFamily="34" charset="0"/>
-              <a:buChar char="•"/>
-            </a:pPr>
-            <a:r>
-              <a:rPr lang="ko-KR" altLang="en-US" dirty="0" smtClean="0">
-                <a:solidFill>
-                  <a:schemeClr val="bg1"/>
-                </a:solidFill>
-                <a:effectLst>
-                  <a:outerShdw blurRad="38100" dist="38100" dir="2700000" algn="tl">
-                    <a:srgbClr val="000000">
-                      <a:alpha val="43137"/>
-                    </a:srgbClr>
-                  </a:outerShdw>
-                </a:effectLst>
-              </a:rPr>
-              <a:t>작은 방의 경우 플레이어의 </a:t>
-            </a:r>
-            <a:r>
-              <a:rPr lang="en-US" altLang="ko-KR" dirty="0" smtClean="0">
-                <a:solidFill>
-                  <a:schemeClr val="bg1"/>
-                </a:solidFill>
-                <a:effectLst>
-                  <a:outerShdw blurRad="38100" dist="38100" dir="2700000" algn="tl">
-                    <a:srgbClr val="000000">
-                      <a:alpha val="43137"/>
-                    </a:srgbClr>
-                  </a:outerShdw>
-                </a:effectLst>
-              </a:rPr>
-              <a:t>4x4 </a:t>
-            </a:r>
-            <a:r>
-              <a:rPr lang="ko-KR" altLang="en-US" dirty="0" smtClean="0">
-                <a:solidFill>
-                  <a:schemeClr val="bg1"/>
-                </a:solidFill>
-                <a:effectLst>
-                  <a:outerShdw blurRad="38100" dist="38100" dir="2700000" algn="tl">
-                    <a:srgbClr val="000000">
-                      <a:alpha val="43137"/>
-                    </a:srgbClr>
-                  </a:outerShdw>
-                </a:effectLst>
-              </a:rPr>
-              <a:t>크기</a:t>
-            </a:r>
-            <a:endParaRPr lang="en-US" altLang="ko-KR" dirty="0" smtClean="0">
-              <a:solidFill>
-                <a:schemeClr val="bg1"/>
-              </a:solidFill>
-              <a:effectLst>
-                <a:outerShdw blurRad="38100" dist="38100" dir="2700000" algn="tl">
-                  <a:srgbClr val="000000">
-                    <a:alpha val="43137"/>
-                  </a:srgbClr>
-                </a:outerShdw>
-              </a:effectLst>
-            </a:endParaRPr>
-          </a:p>
-          <a:p>
-            <a:pPr marL="285750" indent="-285750">
-              <a:buFont typeface="Arial" panose="020B0604020202020204" pitchFamily="34" charset="0"/>
-              <a:buChar char="•"/>
-            </a:pPr>
-            <a:r>
-              <a:rPr lang="ko-KR" altLang="en-US" dirty="0" smtClean="0">
-                <a:solidFill>
-                  <a:schemeClr val="bg1"/>
-                </a:solidFill>
-                <a:effectLst>
-                  <a:outerShdw blurRad="38100" dist="38100" dir="2700000" algn="tl">
-                    <a:srgbClr val="000000">
-                      <a:alpha val="43137"/>
-                    </a:srgbClr>
-                  </a:outerShdw>
-                </a:effectLst>
-              </a:rPr>
-              <a:t>플레이어의 활동 영역은 우주선에 한정되어 있다</a:t>
-            </a:r>
-            <a:r>
-              <a:rPr lang="en-US" altLang="ko-KR" dirty="0" smtClean="0">
-                <a:solidFill>
-                  <a:schemeClr val="bg1"/>
-                </a:solidFill>
-                <a:effectLst>
-                  <a:outerShdw blurRad="38100" dist="38100" dir="2700000" algn="tl">
-                    <a:srgbClr val="000000">
-                      <a:alpha val="43137"/>
-                    </a:srgbClr>
-                  </a:outerShdw>
-                </a:effectLst>
-              </a:rPr>
-              <a:t>. </a:t>
-            </a:r>
-            <a:endParaRPr lang="ko-KR" altLang="en-US" dirty="0">
-              <a:solidFill>
-                <a:schemeClr val="bg1"/>
-              </a:solidFill>
-              <a:effectLst>
-                <a:outerShdw blurRad="38100" dist="38100" dir="2700000" algn="tl">
-                  <a:srgbClr val="000000">
-                    <a:alpha val="43137"/>
-                  </a:srgbClr>
-                </a:outerShdw>
-              </a:effectLst>
-            </a:endParaRPr>
-          </a:p>
-        </p:txBody>
-      </p:sp>
     </p:spTree>
     <p:extLst>
       <p:ext uri="{BB962C8B-B14F-4D97-AF65-F5344CB8AC3E}">

--- a/slides/Cosmos_20171105.pptx
+++ b/slides/Cosmos_20171105.pptx
@@ -39,21 +39,21 @@
   <p:notesSz cx="9144000" cy="6858000"/>
   <p:embeddedFontLst>
     <p:embeddedFont>
+      <p:font typeface="맑은 고딕" panose="020B0503020000020004" pitchFamily="50" charset="-127"/>
+      <p:regular r:id="rId27"/>
+      <p:bold r:id="rId28"/>
+    </p:embeddedFont>
+    <p:embeddedFont>
       <p:font typeface="Continuum Light" panose="00000400000000000000" pitchFamily="2" charset="0"/>
-      <p:regular r:id="rId27"/>
+      <p:regular r:id="rId29"/>
     </p:embeddedFont>
     <p:embeddedFont>
       <p:font typeface="-윤고딕310" panose="02030504000101010101" pitchFamily="18" charset="-127"/>
-      <p:regular r:id="rId28"/>
+      <p:regular r:id="rId30"/>
     </p:embeddedFont>
     <p:embeddedFont>
       <p:font typeface="-윤고딕320" panose="02030504000101010101" pitchFamily="18" charset="-127"/>
-      <p:regular r:id="rId29"/>
-    </p:embeddedFont>
-    <p:embeddedFont>
-      <p:font typeface="맑은 고딕" panose="020B0503020000020004" pitchFamily="50" charset="-127"/>
-      <p:regular r:id="rId30"/>
-      <p:bold r:id="rId31"/>
+      <p:regular r:id="rId31"/>
     </p:embeddedFont>
   </p:embeddedFontLst>
   <p:defaultTextStyle>
@@ -153,7 +153,7 @@
   </p:defaultTextStyle>
   <p:extLst>
     <p:ext uri="{EFAFB233-063F-42B5-8137-9DF3F51BA10A}">
-      <p15:sldGuideLst xmlns="" xmlns:p15="http://schemas.microsoft.com/office/powerpoint/2012/main"/>
+      <p15:sldGuideLst xmlns:p15="http://schemas.microsoft.com/office/powerpoint/2012/main" xmlns=""/>
     </p:ext>
   </p:extLst>
 </p:presentation>
@@ -1653,6 +1653,753 @@
 </dgm:colorsDef>
 </file>
 
+<file path=ppt/diagrams/colors3.xml><?xml version="1.0" encoding="utf-8"?>
+<dgm:colorsDef xmlns:dgm="http://schemas.openxmlformats.org/drawingml/2006/diagram" xmlns:a="http://schemas.openxmlformats.org/drawingml/2006/main" uniqueId="urn:microsoft.com/office/officeart/2005/8/colors/accent1_2">
+  <dgm:title val=""/>
+  <dgm:desc val=""/>
+  <dgm:catLst>
+    <dgm:cat type="accent1" pri="11200"/>
+  </dgm:catLst>
+  <dgm:styleLbl name="node0">
+    <dgm:fillClrLst meth="repeat">
+      <a:schemeClr val="accent1"/>
+    </dgm:fillClrLst>
+    <dgm:linClrLst meth="repeat">
+      <a:schemeClr val="lt1"/>
+    </dgm:linClrLst>
+    <dgm:effectClrLst/>
+    <dgm:txLinClrLst/>
+    <dgm:txFillClrLst/>
+    <dgm:txEffectClrLst/>
+  </dgm:styleLbl>
+  <dgm:styleLbl name="alignNode1">
+    <dgm:fillClrLst meth="repeat">
+      <a:schemeClr val="accent1"/>
+    </dgm:fillClrLst>
+    <dgm:linClrLst meth="repeat">
+      <a:schemeClr val="accent1"/>
+    </dgm:linClrLst>
+    <dgm:effectClrLst/>
+    <dgm:txLinClrLst/>
+    <dgm:txFillClrLst/>
+    <dgm:txEffectClrLst/>
+  </dgm:styleLbl>
+  <dgm:styleLbl name="node1">
+    <dgm:fillClrLst meth="repeat">
+      <a:schemeClr val="accent1"/>
+    </dgm:fillClrLst>
+    <dgm:linClrLst meth="repeat">
+      <a:schemeClr val="lt1"/>
+    </dgm:linClrLst>
+    <dgm:effectClrLst/>
+    <dgm:txLinClrLst/>
+    <dgm:txFillClrLst/>
+    <dgm:txEffectClrLst/>
+  </dgm:styleLbl>
+  <dgm:styleLbl name="lnNode1">
+    <dgm:fillClrLst meth="repeat">
+      <a:schemeClr val="accent1"/>
+    </dgm:fillClrLst>
+    <dgm:linClrLst meth="repeat">
+      <a:schemeClr val="lt1"/>
+    </dgm:linClrLst>
+    <dgm:effectClrLst/>
+    <dgm:txLinClrLst/>
+    <dgm:txFillClrLst/>
+    <dgm:txEffectClrLst/>
+  </dgm:styleLbl>
+  <dgm:styleLbl name="vennNode1">
+    <dgm:fillClrLst meth="repeat">
+      <a:schemeClr val="accent1">
+        <a:alpha val="50000"/>
+      </a:schemeClr>
+    </dgm:fillClrLst>
+    <dgm:linClrLst meth="repeat">
+      <a:schemeClr val="lt1"/>
+    </dgm:linClrLst>
+    <dgm:effectClrLst/>
+    <dgm:txLinClrLst/>
+    <dgm:txFillClrLst/>
+    <dgm:txEffectClrLst/>
+  </dgm:styleLbl>
+  <dgm:styleLbl name="node2">
+    <dgm:fillClrLst meth="repeat">
+      <a:schemeClr val="accent1"/>
+    </dgm:fillClrLst>
+    <dgm:linClrLst meth="repeat">
+      <a:schemeClr val="lt1"/>
+    </dgm:linClrLst>
+    <dgm:effectClrLst/>
+    <dgm:txLinClrLst/>
+    <dgm:txFillClrLst/>
+    <dgm:txEffectClrLst/>
+  </dgm:styleLbl>
+  <dgm:styleLbl name="node3">
+    <dgm:fillClrLst meth="repeat">
+      <a:schemeClr val="accent1"/>
+    </dgm:fillClrLst>
+    <dgm:linClrLst meth="repeat">
+      <a:schemeClr val="lt1"/>
+    </dgm:linClrLst>
+    <dgm:effectClrLst/>
+    <dgm:txLinClrLst/>
+    <dgm:txFillClrLst/>
+    <dgm:txEffectClrLst/>
+  </dgm:styleLbl>
+  <dgm:styleLbl name="node4">
+    <dgm:fillClrLst meth="repeat">
+      <a:schemeClr val="accent1"/>
+    </dgm:fillClrLst>
+    <dgm:linClrLst meth="repeat">
+      <a:schemeClr val="lt1"/>
+    </dgm:linClrLst>
+    <dgm:effectClrLst/>
+    <dgm:txLinClrLst/>
+    <dgm:txFillClrLst/>
+    <dgm:txEffectClrLst/>
+  </dgm:styleLbl>
+  <dgm:styleLbl name="fgImgPlace1">
+    <dgm:fillClrLst meth="repeat">
+      <a:schemeClr val="accent1">
+        <a:tint val="50000"/>
+      </a:schemeClr>
+    </dgm:fillClrLst>
+    <dgm:linClrLst meth="repeat">
+      <a:schemeClr val="lt1"/>
+    </dgm:linClrLst>
+    <dgm:effectClrLst/>
+    <dgm:txLinClrLst/>
+    <dgm:txFillClrLst meth="repeat">
+      <a:schemeClr val="lt1"/>
+    </dgm:txFillClrLst>
+    <dgm:txEffectClrLst/>
+  </dgm:styleLbl>
+  <dgm:styleLbl name="alignImgPlace1">
+    <dgm:fillClrLst meth="repeat">
+      <a:schemeClr val="accent1">
+        <a:tint val="50000"/>
+      </a:schemeClr>
+    </dgm:fillClrLst>
+    <dgm:linClrLst meth="repeat">
+      <a:schemeClr val="lt1"/>
+    </dgm:linClrLst>
+    <dgm:effectClrLst/>
+    <dgm:txLinClrLst/>
+    <dgm:txFillClrLst meth="repeat">
+      <a:schemeClr val="lt1"/>
+    </dgm:txFillClrLst>
+    <dgm:txEffectClrLst/>
+  </dgm:styleLbl>
+  <dgm:styleLbl name="bgImgPlace1">
+    <dgm:fillClrLst meth="repeat">
+      <a:schemeClr val="accent1">
+        <a:tint val="50000"/>
+      </a:schemeClr>
+    </dgm:fillClrLst>
+    <dgm:linClrLst meth="repeat">
+      <a:schemeClr val="lt1"/>
+    </dgm:linClrLst>
+    <dgm:effectClrLst/>
+    <dgm:txLinClrLst/>
+    <dgm:txFillClrLst meth="repeat">
+      <a:schemeClr val="lt1"/>
+    </dgm:txFillClrLst>
+    <dgm:txEffectClrLst/>
+  </dgm:styleLbl>
+  <dgm:styleLbl name="sibTrans2D1">
+    <dgm:fillClrLst meth="repeat">
+      <a:schemeClr val="accent1">
+        <a:tint val="60000"/>
+      </a:schemeClr>
+    </dgm:fillClrLst>
+    <dgm:linClrLst meth="repeat">
+      <a:schemeClr val="accent1">
+        <a:tint val="60000"/>
+      </a:schemeClr>
+    </dgm:linClrLst>
+    <dgm:effectClrLst/>
+    <dgm:txLinClrLst/>
+    <dgm:txFillClrLst/>
+    <dgm:txEffectClrLst/>
+  </dgm:styleLbl>
+  <dgm:styleLbl name="fgSibTrans2D1">
+    <dgm:fillClrLst meth="repeat">
+      <a:schemeClr val="accent1">
+        <a:tint val="60000"/>
+      </a:schemeClr>
+    </dgm:fillClrLst>
+    <dgm:linClrLst meth="repeat">
+      <a:schemeClr val="accent1">
+        <a:tint val="60000"/>
+      </a:schemeClr>
+    </dgm:linClrLst>
+    <dgm:effectClrLst/>
+    <dgm:txLinClrLst/>
+    <dgm:txFillClrLst/>
+    <dgm:txEffectClrLst/>
+  </dgm:styleLbl>
+  <dgm:styleLbl name="bgSibTrans2D1">
+    <dgm:fillClrLst meth="repeat">
+      <a:schemeClr val="accent1">
+        <a:tint val="60000"/>
+      </a:schemeClr>
+    </dgm:fillClrLst>
+    <dgm:linClrLst meth="repeat">
+      <a:schemeClr val="accent1">
+        <a:tint val="60000"/>
+      </a:schemeClr>
+    </dgm:linClrLst>
+    <dgm:effectClrLst/>
+    <dgm:txLinClrLst/>
+    <dgm:txFillClrLst/>
+    <dgm:txEffectClrLst/>
+  </dgm:styleLbl>
+  <dgm:styleLbl name="sibTrans1D1">
+    <dgm:fillClrLst meth="repeat">
+      <a:schemeClr val="accent1"/>
+    </dgm:fillClrLst>
+    <dgm:linClrLst meth="repeat">
+      <a:schemeClr val="accent1"/>
+    </dgm:linClrLst>
+    <dgm:effectClrLst/>
+    <dgm:txLinClrLst/>
+    <dgm:txFillClrLst meth="repeat">
+      <a:schemeClr val="tx1"/>
+    </dgm:txFillClrLst>
+    <dgm:txEffectClrLst/>
+  </dgm:styleLbl>
+  <dgm:styleLbl name="callout">
+    <dgm:fillClrLst meth="repeat">
+      <a:schemeClr val="accent1"/>
+    </dgm:fillClrLst>
+    <dgm:linClrLst meth="repeat">
+      <a:schemeClr val="accent1">
+        <a:tint val="50000"/>
+      </a:schemeClr>
+    </dgm:linClrLst>
+    <dgm:effectClrLst/>
+    <dgm:txLinClrLst/>
+    <dgm:txFillClrLst meth="repeat">
+      <a:schemeClr val="tx1"/>
+    </dgm:txFillClrLst>
+    <dgm:txEffectClrLst/>
+  </dgm:styleLbl>
+  <dgm:styleLbl name="asst0">
+    <dgm:fillClrLst meth="repeat">
+      <a:schemeClr val="accent1"/>
+    </dgm:fillClrLst>
+    <dgm:linClrLst meth="repeat">
+      <a:schemeClr val="lt1"/>
+    </dgm:linClrLst>
+    <dgm:effectClrLst/>
+    <dgm:txLinClrLst/>
+    <dgm:txFillClrLst/>
+    <dgm:txEffectClrLst/>
+  </dgm:styleLbl>
+  <dgm:styleLbl name="asst1">
+    <dgm:fillClrLst meth="repeat">
+      <a:schemeClr val="accent1"/>
+    </dgm:fillClrLst>
+    <dgm:linClrLst meth="repeat">
+      <a:schemeClr val="lt1"/>
+    </dgm:linClrLst>
+    <dgm:effectClrLst/>
+    <dgm:txLinClrLst/>
+    <dgm:txFillClrLst/>
+    <dgm:txEffectClrLst/>
+  </dgm:styleLbl>
+  <dgm:styleLbl name="asst2">
+    <dgm:fillClrLst meth="repeat">
+      <a:schemeClr val="accent1"/>
+    </dgm:fillClrLst>
+    <dgm:linClrLst meth="repeat">
+      <a:schemeClr val="lt1"/>
+    </dgm:linClrLst>
+    <dgm:effectClrLst/>
+    <dgm:txLinClrLst/>
+    <dgm:txFillClrLst/>
+    <dgm:txEffectClrLst/>
+  </dgm:styleLbl>
+  <dgm:styleLbl name="asst3">
+    <dgm:fillClrLst meth="repeat">
+      <a:schemeClr val="accent1"/>
+    </dgm:fillClrLst>
+    <dgm:linClrLst meth="repeat">
+      <a:schemeClr val="lt1"/>
+    </dgm:linClrLst>
+    <dgm:effectClrLst/>
+    <dgm:txLinClrLst/>
+    <dgm:txFillClrLst/>
+    <dgm:txEffectClrLst/>
+  </dgm:styleLbl>
+  <dgm:styleLbl name="asst4">
+    <dgm:fillClrLst meth="repeat">
+      <a:schemeClr val="accent1"/>
+    </dgm:fillClrLst>
+    <dgm:linClrLst meth="repeat">
+      <a:schemeClr val="lt1"/>
+    </dgm:linClrLst>
+    <dgm:effectClrLst/>
+    <dgm:txLinClrLst/>
+    <dgm:txFillClrLst/>
+    <dgm:txEffectClrLst/>
+  </dgm:styleLbl>
+  <dgm:styleLbl name="parChTrans2D1">
+    <dgm:fillClrLst meth="repeat">
+      <a:schemeClr val="accent1">
+        <a:tint val="60000"/>
+      </a:schemeClr>
+    </dgm:fillClrLst>
+    <dgm:linClrLst meth="repeat">
+      <a:schemeClr val="accent1">
+        <a:tint val="60000"/>
+      </a:schemeClr>
+    </dgm:linClrLst>
+    <dgm:effectClrLst/>
+    <dgm:txLinClrLst/>
+    <dgm:txFillClrLst meth="repeat">
+      <a:schemeClr val="lt1"/>
+    </dgm:txFillClrLst>
+    <dgm:txEffectClrLst/>
+  </dgm:styleLbl>
+  <dgm:styleLbl name="parChTrans2D2">
+    <dgm:fillClrLst meth="repeat">
+      <a:schemeClr val="accent1"/>
+    </dgm:fillClrLst>
+    <dgm:linClrLst meth="repeat">
+      <a:schemeClr val="accent1"/>
+    </dgm:linClrLst>
+    <dgm:effectClrLst/>
+    <dgm:txLinClrLst/>
+    <dgm:txFillClrLst meth="repeat">
+      <a:schemeClr val="lt1"/>
+    </dgm:txFillClrLst>
+    <dgm:txEffectClrLst/>
+  </dgm:styleLbl>
+  <dgm:styleLbl name="parChTrans2D3">
+    <dgm:fillClrLst meth="repeat">
+      <a:schemeClr val="accent1"/>
+    </dgm:fillClrLst>
+    <dgm:linClrLst meth="repeat">
+      <a:schemeClr val="accent1"/>
+    </dgm:linClrLst>
+    <dgm:effectClrLst/>
+    <dgm:txLinClrLst/>
+    <dgm:txFillClrLst meth="repeat">
+      <a:schemeClr val="lt1"/>
+    </dgm:txFillClrLst>
+    <dgm:txEffectClrLst/>
+  </dgm:styleLbl>
+  <dgm:styleLbl name="parChTrans2D4">
+    <dgm:fillClrLst meth="repeat">
+      <a:schemeClr val="accent1"/>
+    </dgm:fillClrLst>
+    <dgm:linClrLst meth="repeat">
+      <a:schemeClr val="accent1"/>
+    </dgm:linClrLst>
+    <dgm:effectClrLst/>
+    <dgm:txLinClrLst/>
+    <dgm:txFillClrLst meth="repeat">
+      <a:schemeClr val="lt1"/>
+    </dgm:txFillClrLst>
+    <dgm:txEffectClrLst/>
+  </dgm:styleLbl>
+  <dgm:styleLbl name="parChTrans1D1">
+    <dgm:fillClrLst meth="repeat">
+      <a:schemeClr val="accent1"/>
+    </dgm:fillClrLst>
+    <dgm:linClrLst meth="repeat">
+      <a:schemeClr val="accent1">
+        <a:shade val="60000"/>
+      </a:schemeClr>
+    </dgm:linClrLst>
+    <dgm:effectClrLst/>
+    <dgm:txLinClrLst/>
+    <dgm:txFillClrLst meth="repeat">
+      <a:schemeClr val="tx1"/>
+    </dgm:txFillClrLst>
+    <dgm:txEffectClrLst/>
+  </dgm:styleLbl>
+  <dgm:styleLbl name="parChTrans1D2">
+    <dgm:fillClrLst meth="repeat">
+      <a:schemeClr val="accent1"/>
+    </dgm:fillClrLst>
+    <dgm:linClrLst meth="repeat">
+      <a:schemeClr val="accent1">
+        <a:shade val="60000"/>
+      </a:schemeClr>
+    </dgm:linClrLst>
+    <dgm:effectClrLst/>
+    <dgm:txLinClrLst/>
+    <dgm:txFillClrLst meth="repeat">
+      <a:schemeClr val="tx1"/>
+    </dgm:txFillClrLst>
+    <dgm:txEffectClrLst/>
+  </dgm:styleLbl>
+  <dgm:styleLbl name="parChTrans1D3">
+    <dgm:fillClrLst meth="repeat">
+      <a:schemeClr val="accent1"/>
+    </dgm:fillClrLst>
+    <dgm:linClrLst meth="repeat">
+      <a:schemeClr val="accent1">
+        <a:shade val="80000"/>
+      </a:schemeClr>
+    </dgm:linClrLst>
+    <dgm:effectClrLst/>
+    <dgm:txLinClrLst/>
+    <dgm:txFillClrLst meth="repeat">
+      <a:schemeClr val="tx1"/>
+    </dgm:txFillClrLst>
+    <dgm:txEffectClrLst/>
+  </dgm:styleLbl>
+  <dgm:styleLbl name="parChTrans1D4">
+    <dgm:fillClrLst meth="repeat">
+      <a:schemeClr val="accent1"/>
+    </dgm:fillClrLst>
+    <dgm:linClrLst meth="repeat">
+      <a:schemeClr val="accent1">
+        <a:shade val="80000"/>
+      </a:schemeClr>
+    </dgm:linClrLst>
+    <dgm:effectClrLst/>
+    <dgm:txLinClrLst/>
+    <dgm:txFillClrLst meth="repeat">
+      <a:schemeClr val="tx1"/>
+    </dgm:txFillClrLst>
+    <dgm:txEffectClrLst/>
+  </dgm:styleLbl>
+  <dgm:styleLbl name="fgAcc1">
+    <dgm:fillClrLst meth="repeat">
+      <a:schemeClr val="lt1">
+        <a:alpha val="90000"/>
+      </a:schemeClr>
+    </dgm:fillClrLst>
+    <dgm:linClrLst meth="repeat">
+      <a:schemeClr val="accent1"/>
+    </dgm:linClrLst>
+    <dgm:effectClrLst/>
+    <dgm:txLinClrLst/>
+    <dgm:txFillClrLst meth="repeat">
+      <a:schemeClr val="dk1"/>
+    </dgm:txFillClrLst>
+    <dgm:txEffectClrLst/>
+  </dgm:styleLbl>
+  <dgm:styleLbl name="conFgAcc1">
+    <dgm:fillClrLst meth="repeat">
+      <a:schemeClr val="lt1">
+        <a:alpha val="90000"/>
+      </a:schemeClr>
+    </dgm:fillClrLst>
+    <dgm:linClrLst meth="repeat">
+      <a:schemeClr val="accent1"/>
+    </dgm:linClrLst>
+    <dgm:effectClrLst/>
+    <dgm:txLinClrLst/>
+    <dgm:txFillClrLst meth="repeat">
+      <a:schemeClr val="dk1"/>
+    </dgm:txFillClrLst>
+    <dgm:txEffectClrLst/>
+  </dgm:styleLbl>
+  <dgm:styleLbl name="alignAcc1">
+    <dgm:fillClrLst meth="repeat">
+      <a:schemeClr val="lt1">
+        <a:alpha val="90000"/>
+      </a:schemeClr>
+    </dgm:fillClrLst>
+    <dgm:linClrLst meth="repeat">
+      <a:schemeClr val="accent1"/>
+    </dgm:linClrLst>
+    <dgm:effectClrLst/>
+    <dgm:txLinClrLst/>
+    <dgm:txFillClrLst meth="repeat">
+      <a:schemeClr val="dk1"/>
+    </dgm:txFillClrLst>
+    <dgm:txEffectClrLst/>
+  </dgm:styleLbl>
+  <dgm:styleLbl name="trAlignAcc1">
+    <dgm:fillClrLst meth="repeat">
+      <a:schemeClr val="lt1">
+        <a:alpha val="40000"/>
+      </a:schemeClr>
+    </dgm:fillClrLst>
+    <dgm:linClrLst meth="repeat">
+      <a:schemeClr val="accent1"/>
+    </dgm:linClrLst>
+    <dgm:effectClrLst/>
+    <dgm:txLinClrLst/>
+    <dgm:txFillClrLst meth="repeat">
+      <a:schemeClr val="dk1"/>
+    </dgm:txFillClrLst>
+    <dgm:txEffectClrLst/>
+  </dgm:styleLbl>
+  <dgm:styleLbl name="bgAcc1">
+    <dgm:fillClrLst meth="repeat">
+      <a:schemeClr val="lt1">
+        <a:alpha val="90000"/>
+      </a:schemeClr>
+    </dgm:fillClrLst>
+    <dgm:linClrLst meth="repeat">
+      <a:schemeClr val="accent1"/>
+    </dgm:linClrLst>
+    <dgm:effectClrLst/>
+    <dgm:txLinClrLst/>
+    <dgm:txFillClrLst meth="repeat">
+      <a:schemeClr val="dk1"/>
+    </dgm:txFillClrLst>
+    <dgm:txEffectClrLst/>
+  </dgm:styleLbl>
+  <dgm:styleLbl name="solidFgAcc1">
+    <dgm:fillClrLst meth="repeat">
+      <a:schemeClr val="lt1"/>
+    </dgm:fillClrLst>
+    <dgm:linClrLst meth="repeat">
+      <a:schemeClr val="accent1"/>
+    </dgm:linClrLst>
+    <dgm:effectClrLst/>
+    <dgm:txLinClrLst/>
+    <dgm:txFillClrLst meth="repeat">
+      <a:schemeClr val="dk1"/>
+    </dgm:txFillClrLst>
+    <dgm:txEffectClrLst/>
+  </dgm:styleLbl>
+  <dgm:styleLbl name="solidAlignAcc1">
+    <dgm:fillClrLst meth="repeat">
+      <a:schemeClr val="lt1"/>
+    </dgm:fillClrLst>
+    <dgm:linClrLst meth="repeat">
+      <a:schemeClr val="accent1"/>
+    </dgm:linClrLst>
+    <dgm:effectClrLst/>
+    <dgm:txLinClrLst/>
+    <dgm:txFillClrLst meth="repeat">
+      <a:schemeClr val="dk1"/>
+    </dgm:txFillClrLst>
+    <dgm:txEffectClrLst/>
+  </dgm:styleLbl>
+  <dgm:styleLbl name="solidBgAcc1">
+    <dgm:fillClrLst meth="repeat">
+      <a:schemeClr val="lt1"/>
+    </dgm:fillClrLst>
+    <dgm:linClrLst meth="repeat">
+      <a:schemeClr val="accent1"/>
+    </dgm:linClrLst>
+    <dgm:effectClrLst/>
+    <dgm:txLinClrLst/>
+    <dgm:txFillClrLst meth="repeat">
+      <a:schemeClr val="dk1"/>
+    </dgm:txFillClrLst>
+    <dgm:txEffectClrLst/>
+  </dgm:styleLbl>
+  <dgm:styleLbl name="fgAccFollowNode1">
+    <dgm:fillClrLst meth="repeat">
+      <a:schemeClr val="accent1">
+        <a:alpha val="90000"/>
+        <a:tint val="40000"/>
+      </a:schemeClr>
+    </dgm:fillClrLst>
+    <dgm:linClrLst meth="repeat">
+      <a:schemeClr val="accent1">
+        <a:alpha val="90000"/>
+        <a:tint val="40000"/>
+      </a:schemeClr>
+    </dgm:linClrLst>
+    <dgm:effectClrLst/>
+    <dgm:txLinClrLst/>
+    <dgm:txFillClrLst meth="repeat">
+      <a:schemeClr val="dk1"/>
+    </dgm:txFillClrLst>
+    <dgm:txEffectClrLst/>
+  </dgm:styleLbl>
+  <dgm:styleLbl name="alignAccFollowNode1">
+    <dgm:fillClrLst meth="repeat">
+      <a:schemeClr val="accent1">
+        <a:alpha val="90000"/>
+        <a:tint val="40000"/>
+      </a:schemeClr>
+    </dgm:fillClrLst>
+    <dgm:linClrLst meth="repeat">
+      <a:schemeClr val="accent1">
+        <a:alpha val="90000"/>
+        <a:tint val="40000"/>
+      </a:schemeClr>
+    </dgm:linClrLst>
+    <dgm:effectClrLst/>
+    <dgm:txLinClrLst/>
+    <dgm:txFillClrLst meth="repeat">
+      <a:schemeClr val="dk1"/>
+    </dgm:txFillClrLst>
+    <dgm:txEffectClrLst/>
+  </dgm:styleLbl>
+  <dgm:styleLbl name="bgAccFollowNode1">
+    <dgm:fillClrLst meth="repeat">
+      <a:schemeClr val="accent1">
+        <a:alpha val="90000"/>
+        <a:tint val="40000"/>
+      </a:schemeClr>
+    </dgm:fillClrLst>
+    <dgm:linClrLst meth="repeat">
+      <a:schemeClr val="accent1">
+        <a:alpha val="90000"/>
+        <a:tint val="40000"/>
+      </a:schemeClr>
+    </dgm:linClrLst>
+    <dgm:effectClrLst/>
+    <dgm:txLinClrLst/>
+    <dgm:txFillClrLst meth="repeat">
+      <a:schemeClr val="dk1"/>
+    </dgm:txFillClrLst>
+    <dgm:txEffectClrLst/>
+  </dgm:styleLbl>
+  <dgm:styleLbl name="fgAcc0">
+    <dgm:fillClrLst meth="repeat">
+      <a:schemeClr val="lt1">
+        <a:alpha val="90000"/>
+      </a:schemeClr>
+    </dgm:fillClrLst>
+    <dgm:linClrLst meth="repeat">
+      <a:schemeClr val="accent1"/>
+    </dgm:linClrLst>
+    <dgm:effectClrLst/>
+    <dgm:txLinClrLst/>
+    <dgm:txFillClrLst meth="repeat">
+      <a:schemeClr val="dk1"/>
+    </dgm:txFillClrLst>
+    <dgm:txEffectClrLst/>
+  </dgm:styleLbl>
+  <dgm:styleLbl name="fgAcc2">
+    <dgm:fillClrLst meth="repeat">
+      <a:schemeClr val="lt1">
+        <a:alpha val="90000"/>
+      </a:schemeClr>
+    </dgm:fillClrLst>
+    <dgm:linClrLst meth="repeat">
+      <a:schemeClr val="accent1"/>
+    </dgm:linClrLst>
+    <dgm:effectClrLst/>
+    <dgm:txLinClrLst/>
+    <dgm:txFillClrLst meth="repeat">
+      <a:schemeClr val="dk1"/>
+    </dgm:txFillClrLst>
+    <dgm:txEffectClrLst/>
+  </dgm:styleLbl>
+  <dgm:styleLbl name="fgAcc3">
+    <dgm:fillClrLst meth="repeat">
+      <a:schemeClr val="lt1">
+        <a:alpha val="90000"/>
+      </a:schemeClr>
+    </dgm:fillClrLst>
+    <dgm:linClrLst meth="repeat">
+      <a:schemeClr val="accent1"/>
+    </dgm:linClrLst>
+    <dgm:effectClrLst/>
+    <dgm:txLinClrLst/>
+    <dgm:txFillClrLst meth="repeat">
+      <a:schemeClr val="dk1"/>
+    </dgm:txFillClrLst>
+    <dgm:txEffectClrLst/>
+  </dgm:styleLbl>
+  <dgm:styleLbl name="fgAcc4">
+    <dgm:fillClrLst meth="repeat">
+      <a:schemeClr val="lt1">
+        <a:alpha val="90000"/>
+      </a:schemeClr>
+    </dgm:fillClrLst>
+    <dgm:linClrLst meth="repeat">
+      <a:schemeClr val="accent1"/>
+    </dgm:linClrLst>
+    <dgm:effectClrLst/>
+    <dgm:txLinClrLst/>
+    <dgm:txFillClrLst meth="repeat">
+      <a:schemeClr val="dk1"/>
+    </dgm:txFillClrLst>
+    <dgm:txEffectClrLst/>
+  </dgm:styleLbl>
+  <dgm:styleLbl name="bgShp">
+    <dgm:fillClrLst meth="repeat">
+      <a:schemeClr val="accent1">
+        <a:tint val="40000"/>
+      </a:schemeClr>
+    </dgm:fillClrLst>
+    <dgm:linClrLst meth="repeat">
+      <a:schemeClr val="accent1"/>
+    </dgm:linClrLst>
+    <dgm:effectClrLst/>
+    <dgm:txLinClrLst/>
+    <dgm:txFillClrLst meth="repeat">
+      <a:schemeClr val="dk1"/>
+    </dgm:txFillClrLst>
+    <dgm:txEffectClrLst/>
+  </dgm:styleLbl>
+  <dgm:styleLbl name="dkBgShp">
+    <dgm:fillClrLst meth="repeat">
+      <a:schemeClr val="accent1">
+        <a:shade val="80000"/>
+      </a:schemeClr>
+    </dgm:fillClrLst>
+    <dgm:linClrLst meth="repeat">
+      <a:schemeClr val="accent1"/>
+    </dgm:linClrLst>
+    <dgm:effectClrLst/>
+    <dgm:txLinClrLst/>
+    <dgm:txFillClrLst meth="repeat">
+      <a:schemeClr val="lt1"/>
+    </dgm:txFillClrLst>
+    <dgm:txEffectClrLst/>
+  </dgm:styleLbl>
+  <dgm:styleLbl name="trBgShp">
+    <dgm:fillClrLst meth="repeat">
+      <a:schemeClr val="accent1">
+        <a:tint val="50000"/>
+        <a:alpha val="40000"/>
+      </a:schemeClr>
+    </dgm:fillClrLst>
+    <dgm:linClrLst meth="repeat">
+      <a:schemeClr val="accent1"/>
+    </dgm:linClrLst>
+    <dgm:effectClrLst/>
+    <dgm:txLinClrLst/>
+    <dgm:txFillClrLst meth="repeat">
+      <a:schemeClr val="lt1"/>
+    </dgm:txFillClrLst>
+    <dgm:txEffectClrLst/>
+  </dgm:styleLbl>
+  <dgm:styleLbl name="fgShp">
+    <dgm:fillClrLst meth="repeat">
+      <a:schemeClr val="accent1">
+        <a:tint val="60000"/>
+      </a:schemeClr>
+    </dgm:fillClrLst>
+    <dgm:linClrLst meth="repeat">
+      <a:schemeClr val="lt1"/>
+    </dgm:linClrLst>
+    <dgm:effectClrLst/>
+    <dgm:txLinClrLst/>
+    <dgm:txFillClrLst meth="repeat">
+      <a:schemeClr val="dk1"/>
+    </dgm:txFillClrLst>
+    <dgm:txEffectClrLst/>
+  </dgm:styleLbl>
+  <dgm:styleLbl name="revTx">
+    <dgm:fillClrLst meth="repeat">
+      <a:schemeClr val="lt1">
+        <a:alpha val="0"/>
+      </a:schemeClr>
+    </dgm:fillClrLst>
+    <dgm:linClrLst meth="repeat">
+      <a:schemeClr val="dk1">
+        <a:alpha val="0"/>
+      </a:schemeClr>
+    </dgm:linClrLst>
+    <dgm:effectClrLst/>
+    <dgm:txLinClrLst/>
+    <dgm:txFillClrLst meth="repeat">
+      <a:schemeClr val="tx1"/>
+    </dgm:txFillClrLst>
+    <dgm:txEffectClrLst/>
+  </dgm:styleLbl>
+</dgm:colorsDef>
+</file>
+
 <file path=ppt/diagrams/data1.xml><?xml version="1.0" encoding="utf-8"?>
 <dgm:dataModel xmlns:dgm="http://schemas.openxmlformats.org/drawingml/2006/diagram" xmlns:a="http://schemas.openxmlformats.org/drawingml/2006/main">
   <dgm:ptLst>
@@ -1905,6 +2652,14 @@
         </dgm:presLayoutVars>
       </dgm:prSet>
       <dgm:spPr/>
+      <dgm:t>
+        <a:bodyPr/>
+        <a:lstStyle/>
+        <a:p>
+          <a:pPr latinLnBrk="1"/>
+          <a:endParaRPr lang="ko-KR" altLang="en-US"/>
+        </a:p>
+      </dgm:t>
     </dgm:pt>
     <dgm:pt modelId="{3FFEEC2A-BBCB-4DB1-95EB-A064D37F4BD9}" type="pres">
       <dgm:prSet presAssocID="{0D16256D-CF02-4A50-BBAE-76A6A6687D76}" presName="parentLin" presStyleCnt="0"/>
@@ -1913,6 +2668,14 @@
     <dgm:pt modelId="{C86A610C-20E5-4A00-BD4A-0D8A6572AE5B}" type="pres">
       <dgm:prSet presAssocID="{0D16256D-CF02-4A50-BBAE-76A6A6687D76}" presName="parentLeftMargin" presStyleLbl="node1" presStyleIdx="0" presStyleCnt="3"/>
       <dgm:spPr/>
+      <dgm:t>
+        <a:bodyPr/>
+        <a:lstStyle/>
+        <a:p>
+          <a:pPr latinLnBrk="1"/>
+          <a:endParaRPr lang="ko-KR" altLang="en-US"/>
+        </a:p>
+      </dgm:t>
     </dgm:pt>
     <dgm:pt modelId="{5687112A-585B-4E06-AF7B-1A0038DBC098}" type="pres">
       <dgm:prSet presAssocID="{0D16256D-CF02-4A50-BBAE-76A6A6687D76}" presName="parentText" presStyleLbl="node1" presStyleIdx="0" presStyleCnt="3" custScaleX="111978">
@@ -1963,6 +2726,14 @@
     <dgm:pt modelId="{140F8532-D7CB-4016-A093-9C3F02381260}" type="pres">
       <dgm:prSet presAssocID="{7A3A85A4-CA97-4ED4-B7BC-BE2C3FF6805C}" presName="parentLeftMargin" presStyleLbl="node1" presStyleIdx="0" presStyleCnt="3"/>
       <dgm:spPr/>
+      <dgm:t>
+        <a:bodyPr/>
+        <a:lstStyle/>
+        <a:p>
+          <a:pPr latinLnBrk="1"/>
+          <a:endParaRPr lang="ko-KR" altLang="en-US"/>
+        </a:p>
+      </dgm:t>
     </dgm:pt>
     <dgm:pt modelId="{0F048644-D757-4D7F-AADB-3C32D9423858}" type="pres">
       <dgm:prSet presAssocID="{7A3A85A4-CA97-4ED4-B7BC-BE2C3FF6805C}" presName="parentText" presStyleLbl="node1" presStyleIdx="1" presStyleCnt="3" custScaleX="111978">
@@ -2013,6 +2784,14 @@
     <dgm:pt modelId="{22E5E435-B76A-42F6-B7D6-1D3CBC9AE4AE}" type="pres">
       <dgm:prSet presAssocID="{048980D6-F44C-4F61-9164-222D2EB1179B}" presName="parentLeftMargin" presStyleLbl="node1" presStyleIdx="1" presStyleCnt="3"/>
       <dgm:spPr/>
+      <dgm:t>
+        <a:bodyPr/>
+        <a:lstStyle/>
+        <a:p>
+          <a:pPr latinLnBrk="1"/>
+          <a:endParaRPr lang="ko-KR" altLang="en-US"/>
+        </a:p>
+      </dgm:t>
     </dgm:pt>
     <dgm:pt modelId="{659B9985-2787-4B09-ABB2-03668CC0BA1C}" type="pres">
       <dgm:prSet presAssocID="{048980D6-F44C-4F61-9164-222D2EB1179B}" presName="parentText" presStyleLbl="node1" presStyleIdx="2" presStyleCnt="3" custScaleX="111978">
@@ -2058,8 +2837,8 @@
     <dgm:cxn modelId="{4322FF13-DD4A-4F19-ACB2-DAA06282A738}" srcId="{C1E20C49-CB67-4ACE-BE20-E5D423DC16C4}" destId="{048980D6-F44C-4F61-9164-222D2EB1179B}" srcOrd="2" destOrd="0" parTransId="{0565100A-7407-46AD-AF16-E8EF56856EAF}" sibTransId="{5F4943E1-EC99-44A3-A23F-2D6B5E6EA20A}"/>
     <dgm:cxn modelId="{70956EEA-1145-4820-B387-C1A660CE4D70}" type="presOf" srcId="{0D16256D-CF02-4A50-BBAE-76A6A6687D76}" destId="{5687112A-585B-4E06-AF7B-1A0038DBC098}" srcOrd="1" destOrd="0" presId="urn:microsoft.com/office/officeart/2005/8/layout/list1"/>
     <dgm:cxn modelId="{D6870DB7-A8F5-497C-AEB9-6DF3ECEAF5E2}" type="presOf" srcId="{0D16256D-CF02-4A50-BBAE-76A6A6687D76}" destId="{C86A610C-20E5-4A00-BD4A-0D8A6572AE5B}" srcOrd="0" destOrd="0" presId="urn:microsoft.com/office/officeart/2005/8/layout/list1"/>
+    <dgm:cxn modelId="{CEE784ED-B52C-46FB-BCFA-AEA77567D5A0}" srcId="{C1E20C49-CB67-4ACE-BE20-E5D423DC16C4}" destId="{0D16256D-CF02-4A50-BBAE-76A6A6687D76}" srcOrd="0" destOrd="0" parTransId="{C912B243-FD7B-4FF8-9B4F-09C4A502A0A4}" sibTransId="{76D8B6AF-8011-4500-B598-3E5E431AFF77}"/>
     <dgm:cxn modelId="{19E31B0E-AA31-4BFE-9994-A1D43EB6249C}" srcId="{C1E20C49-CB67-4ACE-BE20-E5D423DC16C4}" destId="{7A3A85A4-CA97-4ED4-B7BC-BE2C3FF6805C}" srcOrd="1" destOrd="0" parTransId="{84C035D0-3255-4719-9B35-912D862936BE}" sibTransId="{5A410A65-A251-4308-AEF0-15B7F438A067}"/>
-    <dgm:cxn modelId="{CEE784ED-B52C-46FB-BCFA-AEA77567D5A0}" srcId="{C1E20C49-CB67-4ACE-BE20-E5D423DC16C4}" destId="{0D16256D-CF02-4A50-BBAE-76A6A6687D76}" srcOrd="0" destOrd="0" parTransId="{C912B243-FD7B-4FF8-9B4F-09C4A502A0A4}" sibTransId="{76D8B6AF-8011-4500-B598-3E5E431AFF77}"/>
     <dgm:cxn modelId="{0BFA34FA-7542-4A8F-A658-69F61D2DA37C}" type="presOf" srcId="{048980D6-F44C-4F61-9164-222D2EB1179B}" destId="{659B9985-2787-4B09-ABB2-03668CC0BA1C}" srcOrd="1" destOrd="0" presId="urn:microsoft.com/office/officeart/2005/8/layout/list1"/>
     <dgm:cxn modelId="{DE249540-B3E0-475A-8E0D-17FDF60E4FD9}" type="presOf" srcId="{C1E20C49-CB67-4ACE-BE20-E5D423DC16C4}" destId="{1DB33A81-B640-4550-88E9-F1A535C0E042}" srcOrd="0" destOrd="0" presId="urn:microsoft.com/office/officeart/2005/8/layout/list1"/>
     <dgm:cxn modelId="{D5D882BF-579D-4D81-BF8B-7E16AD1F2321}" type="presOf" srcId="{048980D6-F44C-4F61-9164-222D2EB1179B}" destId="{22E5E435-B76A-42F6-B7D6-1D3CBC9AE4AE}" srcOrd="0" destOrd="0" presId="urn:microsoft.com/office/officeart/2005/8/layout/list1"/>
@@ -2284,7 +3063,24 @@
               <a:latin typeface="-윤고딕310" panose="02030504000101010101" pitchFamily="18" charset="-127"/>
               <a:ea typeface="-윤고딕310" panose="02030504000101010101" pitchFamily="18" charset="-127"/>
             </a:rPr>
-            <a:t>별의 개수만큼 생명체가 있으며</a:t>
+            <a:t>엄청 많은 생명체가 </a:t>
+          </a:r>
+          <a:r>
+            <a:rPr lang="ko-KR" altLang="en-US" sz="2100" dirty="0" smtClean="0">
+              <a:solidFill>
+                <a:schemeClr val="tx1"/>
+              </a:solidFill>
+              <a:effectLst>
+                <a:outerShdw blurRad="38100" dist="38100" dir="2700000" algn="tl">
+                  <a:srgbClr val="000000">
+                    <a:alpha val="43137"/>
+                  </a:srgbClr>
+                </a:outerShdw>
+              </a:effectLst>
+              <a:latin typeface="-윤고딕310" panose="02030504000101010101" pitchFamily="18" charset="-127"/>
+              <a:ea typeface="-윤고딕310" panose="02030504000101010101" pitchFamily="18" charset="-127"/>
+            </a:rPr>
+            <a:t>있으며</a:t>
           </a:r>
           <a:r>
             <a:rPr lang="en-US" altLang="ko-KR" sz="2100" dirty="0" smtClean="0">
@@ -2411,6 +3207,14 @@
         </dgm:presLayoutVars>
       </dgm:prSet>
       <dgm:spPr/>
+      <dgm:t>
+        <a:bodyPr/>
+        <a:lstStyle/>
+        <a:p>
+          <a:pPr latinLnBrk="1"/>
+          <a:endParaRPr lang="ko-KR" altLang="en-US"/>
+        </a:p>
+      </dgm:t>
     </dgm:pt>
     <dgm:pt modelId="{902BD24D-D692-46B0-A63C-8DCD8B402338}" type="pres">
       <dgm:prSet presAssocID="{28A49F21-9328-4829-BED6-5627F5166CBF}" presName="posSpace" presStyleCnt="0"/>
@@ -2463,6 +3267,14 @@
     <dgm:pt modelId="{C96210B0-E238-467F-819F-5FAB5077576E}" type="pres">
       <dgm:prSet presAssocID="{28A49F21-9328-4829-BED6-5627F5166CBF}" presName="circle" presStyleLbl="node1" presStyleIdx="0" presStyleCnt="2"/>
       <dgm:spPr/>
+      <dgm:t>
+        <a:bodyPr/>
+        <a:lstStyle/>
+        <a:p>
+          <a:pPr latinLnBrk="1"/>
+          <a:endParaRPr lang="ko-KR" altLang="en-US"/>
+        </a:p>
+      </dgm:t>
     </dgm:pt>
     <dgm:pt modelId="{2B4ED2C8-80C0-4882-8DA2-99D5C8E9DE53}" type="pres">
       <dgm:prSet presAssocID="{EA5BC597-3045-45E3-9CE9-6C52793FD62E}" presName="transSpace" presStyleCnt="0"/>
@@ -2558,6 +3370,551 @@
     <dgm:cxn modelId="{1B2F5FFB-33D1-4BB0-9DF8-573E4C376AD9}" type="presParOf" srcId="{B46CD685-CD05-428B-9F24-50E6408B5425}" destId="{DFF4252E-0DE1-4281-888B-A2B654B8058A}" srcOrd="1" destOrd="0" presId="urn:microsoft.com/office/officeart/2005/8/layout/hList9"/>
     <dgm:cxn modelId="{744D8D6B-0ACE-4C5A-8333-6E41905202A5}" type="presParOf" srcId="{59BBFAFB-A989-46FF-89F6-A36D742639C9}" destId="{C5FD6F40-D976-4B89-A417-283A4F41F930}" srcOrd="7" destOrd="0" presId="urn:microsoft.com/office/officeart/2005/8/layout/hList9"/>
     <dgm:cxn modelId="{2CE214AA-99C8-4FC3-860F-8CCAE0DA9410}" type="presParOf" srcId="{59BBFAFB-A989-46FF-89F6-A36D742639C9}" destId="{07E1E706-9502-482C-A5C3-740AAD80DFAB}" srcOrd="8" destOrd="0" presId="urn:microsoft.com/office/officeart/2005/8/layout/hList9"/>
+  </dgm:cxnLst>
+  <dgm:bg/>
+  <dgm:whole/>
+  <dgm:extLst>
+    <a:ext uri="http://schemas.microsoft.com/office/drawing/2008/diagram">
+      <dsp:dataModelExt xmlns:dsp="http://schemas.microsoft.com/office/drawing/2008/diagram" relId="rId6" minVer="http://schemas.openxmlformats.org/drawingml/2006/diagram"/>
+    </a:ext>
+  </dgm:extLst>
+</dgm:dataModel>
+</file>
+
+<file path=ppt/diagrams/data3.xml><?xml version="1.0" encoding="utf-8"?>
+<dgm:dataModel xmlns:dgm="http://schemas.openxmlformats.org/drawingml/2006/diagram" xmlns:a="http://schemas.openxmlformats.org/drawingml/2006/main">
+  <dgm:ptLst>
+    <dgm:pt modelId="{C5E7BBCF-84F3-46E3-A41C-E3B0A36EC42D}" type="doc">
+      <dgm:prSet loTypeId="urn:microsoft.com/office/officeart/2005/8/layout/cycle2" loCatId="cycle" qsTypeId="urn:microsoft.com/office/officeart/2005/8/quickstyle/simple1" qsCatId="simple" csTypeId="urn:microsoft.com/office/officeart/2005/8/colors/accent1_2" csCatId="accent1" phldr="1"/>
+      <dgm:spPr/>
+      <dgm:t>
+        <a:bodyPr/>
+        <a:lstStyle/>
+        <a:p>
+          <a:pPr latinLnBrk="1"/>
+          <a:endParaRPr lang="ko-KR" altLang="en-US"/>
+        </a:p>
+      </dgm:t>
+    </dgm:pt>
+    <dgm:pt modelId="{830B3C85-D607-4E64-A7CB-5E5A29456749}">
+      <dgm:prSet phldrT="[텍스트]" custT="1"/>
+      <dgm:spPr>
+        <a:solidFill>
+          <a:schemeClr val="accent1">
+            <a:lumMod val="50000"/>
+          </a:schemeClr>
+        </a:solidFill>
+        <a:ln w="25400">
+          <a:solidFill>
+            <a:schemeClr val="bg1"/>
+          </a:solidFill>
+          <a:prstDash val="sysDash"/>
+        </a:ln>
+      </dgm:spPr>
+      <dgm:t>
+        <a:bodyPr/>
+        <a:lstStyle/>
+        <a:p>
+          <a:pPr latinLnBrk="1"/>
+          <a:r>
+            <a:rPr lang="ko-KR" altLang="en-US" sz="1600" smtClean="0">
+              <a:effectLst>
+                <a:outerShdw blurRad="38100" dist="38100" dir="2700000" algn="tl">
+                  <a:srgbClr val="000000">
+                    <a:alpha val="43137"/>
+                  </a:srgbClr>
+                </a:outerShdw>
+              </a:effectLst>
+            </a:rPr>
+            <a:t>이벤트 발생</a:t>
+          </a:r>
+          <a:endParaRPr lang="ko-KR" altLang="en-US" sz="1600" dirty="0">
+            <a:effectLst>
+              <a:outerShdw blurRad="38100" dist="38100" dir="2700000" algn="tl">
+                <a:srgbClr val="000000">
+                  <a:alpha val="43137"/>
+                </a:srgbClr>
+              </a:outerShdw>
+            </a:effectLst>
+          </a:endParaRPr>
+        </a:p>
+      </dgm:t>
+    </dgm:pt>
+    <dgm:pt modelId="{FAF47EF9-67D9-4DB5-9CCA-D640036D7ED8}" type="parTrans" cxnId="{3D81BD6B-79E0-4ABC-8013-28E2AFFCC553}">
+      <dgm:prSet/>
+      <dgm:spPr/>
+      <dgm:t>
+        <a:bodyPr/>
+        <a:lstStyle/>
+        <a:p>
+          <a:pPr latinLnBrk="1"/>
+          <a:endParaRPr lang="ko-KR" altLang="en-US"/>
+        </a:p>
+      </dgm:t>
+    </dgm:pt>
+    <dgm:pt modelId="{E5771AC1-49F0-41C8-9A8A-D50E2D04513A}" type="sibTrans" cxnId="{3D81BD6B-79E0-4ABC-8013-28E2AFFCC553}">
+      <dgm:prSet/>
+      <dgm:spPr/>
+      <dgm:t>
+        <a:bodyPr/>
+        <a:lstStyle/>
+        <a:p>
+          <a:pPr latinLnBrk="1"/>
+          <a:endParaRPr lang="ko-KR" altLang="en-US"/>
+        </a:p>
+      </dgm:t>
+    </dgm:pt>
+    <dgm:pt modelId="{85A5CBF4-9201-4690-9774-AC6344A8AC49}">
+      <dgm:prSet phldrT="[텍스트]" custT="1"/>
+      <dgm:spPr>
+        <a:solidFill>
+          <a:schemeClr val="accent1">
+            <a:lumMod val="50000"/>
+          </a:schemeClr>
+        </a:solidFill>
+        <a:ln w="25400">
+          <a:solidFill>
+            <a:schemeClr val="bg1"/>
+          </a:solidFill>
+          <a:prstDash val="sysDash"/>
+        </a:ln>
+      </dgm:spPr>
+      <dgm:t>
+        <a:bodyPr/>
+        <a:lstStyle/>
+        <a:p>
+          <a:pPr latinLnBrk="1"/>
+          <a:r>
+            <a:rPr lang="ko-KR" altLang="en-US" sz="1600" dirty="0" err="1" smtClean="0">
+              <a:effectLst>
+                <a:outerShdw blurRad="38100" dist="38100" dir="2700000" algn="tl">
+                  <a:srgbClr val="000000">
+                    <a:alpha val="43137"/>
+                  </a:srgbClr>
+                </a:outerShdw>
+              </a:effectLst>
+            </a:rPr>
+            <a:t>퀘스트</a:t>
+          </a:r>
+          <a:r>
+            <a:rPr lang="ko-KR" altLang="en-US" sz="1600" dirty="0" smtClean="0">
+              <a:effectLst>
+                <a:outerShdw blurRad="38100" dist="38100" dir="2700000" algn="tl">
+                  <a:srgbClr val="000000">
+                    <a:alpha val="43137"/>
+                  </a:srgbClr>
+                </a:outerShdw>
+              </a:effectLst>
+            </a:rPr>
+            <a:t> 수행</a:t>
+          </a:r>
+          <a:endParaRPr lang="ko-KR" altLang="en-US" sz="1600" dirty="0">
+            <a:effectLst>
+              <a:outerShdw blurRad="38100" dist="38100" dir="2700000" algn="tl">
+                <a:srgbClr val="000000">
+                  <a:alpha val="43137"/>
+                </a:srgbClr>
+              </a:outerShdw>
+            </a:effectLst>
+          </a:endParaRPr>
+        </a:p>
+      </dgm:t>
+    </dgm:pt>
+    <dgm:pt modelId="{6FA2376F-86BE-46BC-8E35-6567B33B97AC}" type="parTrans" cxnId="{14049FDF-0C9A-412A-BC4C-8AF619F50E95}">
+      <dgm:prSet/>
+      <dgm:spPr/>
+      <dgm:t>
+        <a:bodyPr/>
+        <a:lstStyle/>
+        <a:p>
+          <a:pPr latinLnBrk="1"/>
+          <a:endParaRPr lang="ko-KR" altLang="en-US"/>
+        </a:p>
+      </dgm:t>
+    </dgm:pt>
+    <dgm:pt modelId="{7A6747FD-359E-4829-8783-0F79E5F16435}" type="sibTrans" cxnId="{14049FDF-0C9A-412A-BC4C-8AF619F50E95}">
+      <dgm:prSet/>
+      <dgm:spPr/>
+      <dgm:t>
+        <a:bodyPr/>
+        <a:lstStyle/>
+        <a:p>
+          <a:pPr latinLnBrk="1"/>
+          <a:endParaRPr lang="ko-KR" altLang="en-US"/>
+        </a:p>
+      </dgm:t>
+    </dgm:pt>
+    <dgm:pt modelId="{72DA1464-D24F-4640-9C4B-C8CF893A3DF1}">
+      <dgm:prSet phldrT="[텍스트]" custT="1"/>
+      <dgm:spPr>
+        <a:solidFill>
+          <a:schemeClr val="accent1">
+            <a:lumMod val="50000"/>
+          </a:schemeClr>
+        </a:solidFill>
+        <a:ln w="25400">
+          <a:solidFill>
+            <a:schemeClr val="bg1"/>
+          </a:solidFill>
+          <a:prstDash val="sysDash"/>
+        </a:ln>
+      </dgm:spPr>
+      <dgm:t>
+        <a:bodyPr/>
+        <a:lstStyle/>
+        <a:p>
+          <a:pPr latinLnBrk="1"/>
+          <a:r>
+            <a:rPr lang="ko-KR" altLang="en-US" sz="1400" dirty="0" smtClean="0">
+              <a:effectLst>
+                <a:outerShdw blurRad="38100" dist="38100" dir="2700000" algn="tl">
+                  <a:srgbClr val="000000">
+                    <a:alpha val="43137"/>
+                  </a:srgbClr>
+                </a:outerShdw>
+              </a:effectLst>
+            </a:rPr>
+            <a:t>자금 벌이</a:t>
+          </a:r>
+          <a:endParaRPr lang="ko-KR" altLang="en-US" sz="1400" dirty="0">
+            <a:effectLst>
+              <a:outerShdw blurRad="38100" dist="38100" dir="2700000" algn="tl">
+                <a:srgbClr val="000000">
+                  <a:alpha val="43137"/>
+                </a:srgbClr>
+              </a:outerShdw>
+            </a:effectLst>
+          </a:endParaRPr>
+        </a:p>
+      </dgm:t>
+    </dgm:pt>
+    <dgm:pt modelId="{5F1962B4-8A92-4204-A4D8-89F511DE899B}" type="parTrans" cxnId="{CAE70965-75B6-4E09-8114-9B16174986D9}">
+      <dgm:prSet/>
+      <dgm:spPr/>
+      <dgm:t>
+        <a:bodyPr/>
+        <a:lstStyle/>
+        <a:p>
+          <a:pPr latinLnBrk="1"/>
+          <a:endParaRPr lang="ko-KR" altLang="en-US"/>
+        </a:p>
+      </dgm:t>
+    </dgm:pt>
+    <dgm:pt modelId="{66333656-91F6-41AB-97FD-D0AA542A9211}" type="sibTrans" cxnId="{CAE70965-75B6-4E09-8114-9B16174986D9}">
+      <dgm:prSet/>
+      <dgm:spPr/>
+      <dgm:t>
+        <a:bodyPr/>
+        <a:lstStyle/>
+        <a:p>
+          <a:pPr latinLnBrk="1"/>
+          <a:endParaRPr lang="ko-KR" altLang="en-US"/>
+        </a:p>
+      </dgm:t>
+    </dgm:pt>
+    <dgm:pt modelId="{F0EFC95B-5BA4-408C-8949-A0E394BA654B}">
+      <dgm:prSet phldrT="[텍스트]" custT="1"/>
+      <dgm:spPr>
+        <a:solidFill>
+          <a:schemeClr val="accent1">
+            <a:lumMod val="50000"/>
+          </a:schemeClr>
+        </a:solidFill>
+        <a:ln w="25400">
+          <a:solidFill>
+            <a:schemeClr val="bg1"/>
+          </a:solidFill>
+          <a:prstDash val="sysDash"/>
+        </a:ln>
+      </dgm:spPr>
+      <dgm:t>
+        <a:bodyPr/>
+        <a:lstStyle/>
+        <a:p>
+          <a:pPr latinLnBrk="1"/>
+          <a:r>
+            <a:rPr lang="ko-KR" altLang="en-US" sz="1500" dirty="0" smtClean="0">
+              <a:effectLst>
+                <a:outerShdw blurRad="38100" dist="38100" dir="2700000" algn="tl">
+                  <a:srgbClr val="000000">
+                    <a:alpha val="43137"/>
+                  </a:srgbClr>
+                </a:outerShdw>
+              </a:effectLst>
+            </a:rPr>
+            <a:t>우주 항해</a:t>
+          </a:r>
+          <a:endParaRPr lang="ko-KR" altLang="en-US" sz="1500" dirty="0">
+            <a:effectLst>
+              <a:outerShdw blurRad="38100" dist="38100" dir="2700000" algn="tl">
+                <a:srgbClr val="000000">
+                  <a:alpha val="43137"/>
+                </a:srgbClr>
+              </a:outerShdw>
+            </a:effectLst>
+          </a:endParaRPr>
+        </a:p>
+      </dgm:t>
+    </dgm:pt>
+    <dgm:pt modelId="{661C3D37-DD0E-4219-9E4E-7F09977B59A6}" type="parTrans" cxnId="{B9960DFC-D8B3-48D6-B13B-B2A8299D30E5}">
+      <dgm:prSet/>
+      <dgm:spPr/>
+      <dgm:t>
+        <a:bodyPr/>
+        <a:lstStyle/>
+        <a:p>
+          <a:pPr latinLnBrk="1"/>
+          <a:endParaRPr lang="ko-KR" altLang="en-US"/>
+        </a:p>
+      </dgm:t>
+    </dgm:pt>
+    <dgm:pt modelId="{1F576465-B446-4D5B-AC13-21B254F0ADCA}" type="sibTrans" cxnId="{B9960DFC-D8B3-48D6-B13B-B2A8299D30E5}">
+      <dgm:prSet/>
+      <dgm:spPr/>
+      <dgm:t>
+        <a:bodyPr/>
+        <a:lstStyle/>
+        <a:p>
+          <a:pPr latinLnBrk="1"/>
+          <a:endParaRPr lang="ko-KR" altLang="en-US"/>
+        </a:p>
+      </dgm:t>
+    </dgm:pt>
+    <dgm:pt modelId="{C24A731D-6F4A-4E28-BEAE-0908FB21A6DC}">
+      <dgm:prSet phldrT="[텍스트]" custT="1"/>
+      <dgm:spPr>
+        <a:solidFill>
+          <a:schemeClr val="accent1">
+            <a:lumMod val="50000"/>
+          </a:schemeClr>
+        </a:solidFill>
+        <a:ln w="25400">
+          <a:solidFill>
+            <a:schemeClr val="bg1"/>
+          </a:solidFill>
+          <a:prstDash val="sysDash"/>
+        </a:ln>
+      </dgm:spPr>
+      <dgm:t>
+        <a:bodyPr/>
+        <a:lstStyle/>
+        <a:p>
+          <a:pPr latinLnBrk="1"/>
+          <a:r>
+            <a:rPr lang="ko-KR" altLang="en-US" sz="1500" dirty="0" smtClean="0">
+              <a:effectLst>
+                <a:outerShdw blurRad="38100" dist="38100" dir="2700000" algn="tl">
+                  <a:srgbClr val="000000">
+                    <a:alpha val="43137"/>
+                  </a:srgbClr>
+                </a:outerShdw>
+              </a:effectLst>
+            </a:rPr>
+            <a:t>도착 지역 탐사</a:t>
+          </a:r>
+          <a:endParaRPr lang="ko-KR" altLang="en-US" sz="1500" dirty="0">
+            <a:effectLst>
+              <a:outerShdw blurRad="38100" dist="38100" dir="2700000" algn="tl">
+                <a:srgbClr val="000000">
+                  <a:alpha val="43137"/>
+                </a:srgbClr>
+              </a:outerShdw>
+            </a:effectLst>
+          </a:endParaRPr>
+        </a:p>
+      </dgm:t>
+    </dgm:pt>
+    <dgm:pt modelId="{F52CFCC5-40C2-4C8B-B167-9D35B5787457}" type="parTrans" cxnId="{C7273B54-7F0F-4CD9-B301-4A1B8F145A5B}">
+      <dgm:prSet/>
+      <dgm:spPr/>
+      <dgm:t>
+        <a:bodyPr/>
+        <a:lstStyle/>
+        <a:p>
+          <a:pPr latinLnBrk="1"/>
+          <a:endParaRPr lang="ko-KR" altLang="en-US"/>
+        </a:p>
+      </dgm:t>
+    </dgm:pt>
+    <dgm:pt modelId="{07FB4231-9488-4922-A339-E0CEBBF56F2C}" type="sibTrans" cxnId="{C7273B54-7F0F-4CD9-B301-4A1B8F145A5B}">
+      <dgm:prSet/>
+      <dgm:spPr/>
+      <dgm:t>
+        <a:bodyPr/>
+        <a:lstStyle/>
+        <a:p>
+          <a:pPr latinLnBrk="1"/>
+          <a:endParaRPr lang="ko-KR" altLang="en-US"/>
+        </a:p>
+      </dgm:t>
+    </dgm:pt>
+    <dgm:pt modelId="{C1F2EC43-3EDC-488D-BACD-A1373A34E3A8}" type="pres">
+      <dgm:prSet presAssocID="{C5E7BBCF-84F3-46E3-A41C-E3B0A36EC42D}" presName="cycle" presStyleCnt="0">
+        <dgm:presLayoutVars>
+          <dgm:dir/>
+          <dgm:resizeHandles val="exact"/>
+        </dgm:presLayoutVars>
+      </dgm:prSet>
+      <dgm:spPr/>
+    </dgm:pt>
+    <dgm:pt modelId="{924A6E9F-0A5B-4FC4-8370-B723765D25B0}" type="pres">
+      <dgm:prSet presAssocID="{830B3C85-D607-4E64-A7CB-5E5A29456749}" presName="node" presStyleLbl="node1" presStyleIdx="0" presStyleCnt="5">
+        <dgm:presLayoutVars>
+          <dgm:bulletEnabled val="1"/>
+        </dgm:presLayoutVars>
+      </dgm:prSet>
+      <dgm:spPr/>
+      <dgm:t>
+        <a:bodyPr/>
+        <a:lstStyle/>
+        <a:p>
+          <a:pPr latinLnBrk="1"/>
+          <a:endParaRPr lang="ko-KR" altLang="en-US"/>
+        </a:p>
+      </dgm:t>
+    </dgm:pt>
+    <dgm:pt modelId="{9D1F87A7-AB30-49D9-A1D9-8603EC90F44A}" type="pres">
+      <dgm:prSet presAssocID="{E5771AC1-49F0-41C8-9A8A-D50E2D04513A}" presName="sibTrans" presStyleLbl="sibTrans2D1" presStyleIdx="0" presStyleCnt="5"/>
+      <dgm:spPr/>
+    </dgm:pt>
+    <dgm:pt modelId="{AFF25E04-D1CF-45E3-84F4-726BEFD3031A}" type="pres">
+      <dgm:prSet presAssocID="{E5771AC1-49F0-41C8-9A8A-D50E2D04513A}" presName="connectorText" presStyleLbl="sibTrans2D1" presStyleIdx="0" presStyleCnt="5"/>
+      <dgm:spPr/>
+    </dgm:pt>
+    <dgm:pt modelId="{7B234AC2-AF95-4D76-BD79-4F81E815A0F2}" type="pres">
+      <dgm:prSet presAssocID="{85A5CBF4-9201-4690-9774-AC6344A8AC49}" presName="node" presStyleLbl="node1" presStyleIdx="1" presStyleCnt="5">
+        <dgm:presLayoutVars>
+          <dgm:bulletEnabled val="1"/>
+        </dgm:presLayoutVars>
+      </dgm:prSet>
+      <dgm:spPr/>
+      <dgm:t>
+        <a:bodyPr/>
+        <a:lstStyle/>
+        <a:p>
+          <a:pPr latinLnBrk="1"/>
+          <a:endParaRPr lang="ko-KR" altLang="en-US"/>
+        </a:p>
+      </dgm:t>
+    </dgm:pt>
+    <dgm:pt modelId="{6603362B-BDE3-4D72-9F43-8AC23BF06CB5}" type="pres">
+      <dgm:prSet presAssocID="{7A6747FD-359E-4829-8783-0F79E5F16435}" presName="sibTrans" presStyleLbl="sibTrans2D1" presStyleIdx="1" presStyleCnt="5"/>
+      <dgm:spPr/>
+    </dgm:pt>
+    <dgm:pt modelId="{C884BED9-1E33-4727-A52D-3769F7A70465}" type="pres">
+      <dgm:prSet presAssocID="{7A6747FD-359E-4829-8783-0F79E5F16435}" presName="connectorText" presStyleLbl="sibTrans2D1" presStyleIdx="1" presStyleCnt="5"/>
+      <dgm:spPr/>
+    </dgm:pt>
+    <dgm:pt modelId="{DF8138CB-610B-4B23-A274-E0029084F38A}" type="pres">
+      <dgm:prSet presAssocID="{72DA1464-D24F-4640-9C4B-C8CF893A3DF1}" presName="node" presStyleLbl="node1" presStyleIdx="2" presStyleCnt="5">
+        <dgm:presLayoutVars>
+          <dgm:bulletEnabled val="1"/>
+        </dgm:presLayoutVars>
+      </dgm:prSet>
+      <dgm:spPr/>
+      <dgm:t>
+        <a:bodyPr/>
+        <a:lstStyle/>
+        <a:p>
+          <a:pPr latinLnBrk="1"/>
+          <a:endParaRPr lang="ko-KR" altLang="en-US"/>
+        </a:p>
+      </dgm:t>
+    </dgm:pt>
+    <dgm:pt modelId="{9CC71756-28B0-4E8B-9DA8-C3B2D7F9303B}" type="pres">
+      <dgm:prSet presAssocID="{66333656-91F6-41AB-97FD-D0AA542A9211}" presName="sibTrans" presStyleLbl="sibTrans2D1" presStyleIdx="2" presStyleCnt="5"/>
+      <dgm:spPr/>
+    </dgm:pt>
+    <dgm:pt modelId="{20264942-478E-4BA6-AE76-5BAE9C208836}" type="pres">
+      <dgm:prSet presAssocID="{66333656-91F6-41AB-97FD-D0AA542A9211}" presName="connectorText" presStyleLbl="sibTrans2D1" presStyleIdx="2" presStyleCnt="5"/>
+      <dgm:spPr/>
+    </dgm:pt>
+    <dgm:pt modelId="{F63E6AA8-0F9E-4DA2-A47B-5598781FEC4A}" type="pres">
+      <dgm:prSet presAssocID="{F0EFC95B-5BA4-408C-8949-A0E394BA654B}" presName="node" presStyleLbl="node1" presStyleIdx="3" presStyleCnt="5">
+        <dgm:presLayoutVars>
+          <dgm:bulletEnabled val="1"/>
+        </dgm:presLayoutVars>
+      </dgm:prSet>
+      <dgm:spPr/>
+      <dgm:t>
+        <a:bodyPr/>
+        <a:lstStyle/>
+        <a:p>
+          <a:pPr latinLnBrk="1"/>
+          <a:endParaRPr lang="ko-KR" altLang="en-US"/>
+        </a:p>
+      </dgm:t>
+    </dgm:pt>
+    <dgm:pt modelId="{215EB662-AAD1-4B18-9E18-A67EB6786438}" type="pres">
+      <dgm:prSet presAssocID="{1F576465-B446-4D5B-AC13-21B254F0ADCA}" presName="sibTrans" presStyleLbl="sibTrans2D1" presStyleIdx="3" presStyleCnt="5"/>
+      <dgm:spPr/>
+    </dgm:pt>
+    <dgm:pt modelId="{73AC8E6B-64F6-4594-BE30-01455FB91F08}" type="pres">
+      <dgm:prSet presAssocID="{1F576465-B446-4D5B-AC13-21B254F0ADCA}" presName="connectorText" presStyleLbl="sibTrans2D1" presStyleIdx="3" presStyleCnt="5"/>
+      <dgm:spPr/>
+    </dgm:pt>
+    <dgm:pt modelId="{DDE82D76-42CE-4387-9C86-E10644068192}" type="pres">
+      <dgm:prSet presAssocID="{C24A731D-6F4A-4E28-BEAE-0908FB21A6DC}" presName="node" presStyleLbl="node1" presStyleIdx="4" presStyleCnt="5">
+        <dgm:presLayoutVars>
+          <dgm:bulletEnabled val="1"/>
+        </dgm:presLayoutVars>
+      </dgm:prSet>
+      <dgm:spPr/>
+      <dgm:t>
+        <a:bodyPr/>
+        <a:lstStyle/>
+        <a:p>
+          <a:pPr latinLnBrk="1"/>
+          <a:endParaRPr lang="ko-KR" altLang="en-US"/>
+        </a:p>
+      </dgm:t>
+    </dgm:pt>
+    <dgm:pt modelId="{BA7097EA-0F1D-486F-82C8-C6A2EF83F2E4}" type="pres">
+      <dgm:prSet presAssocID="{07FB4231-9488-4922-A339-E0CEBBF56F2C}" presName="sibTrans" presStyleLbl="sibTrans2D1" presStyleIdx="4" presStyleCnt="5"/>
+      <dgm:spPr/>
+    </dgm:pt>
+    <dgm:pt modelId="{42F7B4FD-00A3-42D7-9A7F-0C0938E14ADC}" type="pres">
+      <dgm:prSet presAssocID="{07FB4231-9488-4922-A339-E0CEBBF56F2C}" presName="connectorText" presStyleLbl="sibTrans2D1" presStyleIdx="4" presStyleCnt="5"/>
+      <dgm:spPr/>
+    </dgm:pt>
+  </dgm:ptLst>
+  <dgm:cxnLst>
+    <dgm:cxn modelId="{F1F239FD-EAC7-4855-931C-8FDD24ED6AB7}" type="presOf" srcId="{7A6747FD-359E-4829-8783-0F79E5F16435}" destId="{6603362B-BDE3-4D72-9F43-8AC23BF06CB5}" srcOrd="0" destOrd="0" presId="urn:microsoft.com/office/officeart/2005/8/layout/cycle2"/>
+    <dgm:cxn modelId="{055737FA-AE9C-4E15-95AD-3C647C90C4CE}" type="presOf" srcId="{7A6747FD-359E-4829-8783-0F79E5F16435}" destId="{C884BED9-1E33-4727-A52D-3769F7A70465}" srcOrd="1" destOrd="0" presId="urn:microsoft.com/office/officeart/2005/8/layout/cycle2"/>
+    <dgm:cxn modelId="{8AD1B05B-BD87-4A9E-8AB7-7E0449F4C71A}" type="presOf" srcId="{F0EFC95B-5BA4-408C-8949-A0E394BA654B}" destId="{F63E6AA8-0F9E-4DA2-A47B-5598781FEC4A}" srcOrd="0" destOrd="0" presId="urn:microsoft.com/office/officeart/2005/8/layout/cycle2"/>
+    <dgm:cxn modelId="{4B24972D-E68A-4DBB-BC13-7F68CE38B5E2}" type="presOf" srcId="{1F576465-B446-4D5B-AC13-21B254F0ADCA}" destId="{215EB662-AAD1-4B18-9E18-A67EB6786438}" srcOrd="0" destOrd="0" presId="urn:microsoft.com/office/officeart/2005/8/layout/cycle2"/>
+    <dgm:cxn modelId="{B0EE153D-E45D-439D-A31E-9965115A5556}" type="presOf" srcId="{66333656-91F6-41AB-97FD-D0AA542A9211}" destId="{20264942-478E-4BA6-AE76-5BAE9C208836}" srcOrd="1" destOrd="0" presId="urn:microsoft.com/office/officeart/2005/8/layout/cycle2"/>
+    <dgm:cxn modelId="{C7273B54-7F0F-4CD9-B301-4A1B8F145A5B}" srcId="{C5E7BBCF-84F3-46E3-A41C-E3B0A36EC42D}" destId="{C24A731D-6F4A-4E28-BEAE-0908FB21A6DC}" srcOrd="4" destOrd="0" parTransId="{F52CFCC5-40C2-4C8B-B167-9D35B5787457}" sibTransId="{07FB4231-9488-4922-A339-E0CEBBF56F2C}"/>
+    <dgm:cxn modelId="{CAE70965-75B6-4E09-8114-9B16174986D9}" srcId="{C5E7BBCF-84F3-46E3-A41C-E3B0A36EC42D}" destId="{72DA1464-D24F-4640-9C4B-C8CF893A3DF1}" srcOrd="2" destOrd="0" parTransId="{5F1962B4-8A92-4204-A4D8-89F511DE899B}" sibTransId="{66333656-91F6-41AB-97FD-D0AA542A9211}"/>
+    <dgm:cxn modelId="{822457E1-8E42-47DC-A64A-3D247FFF939C}" type="presOf" srcId="{85A5CBF4-9201-4690-9774-AC6344A8AC49}" destId="{7B234AC2-AF95-4D76-BD79-4F81E815A0F2}" srcOrd="0" destOrd="0" presId="urn:microsoft.com/office/officeart/2005/8/layout/cycle2"/>
+    <dgm:cxn modelId="{70A599C2-DE9D-4725-99C6-3EBE32864E98}" type="presOf" srcId="{E5771AC1-49F0-41C8-9A8A-D50E2D04513A}" destId="{AFF25E04-D1CF-45E3-84F4-726BEFD3031A}" srcOrd="1" destOrd="0" presId="urn:microsoft.com/office/officeart/2005/8/layout/cycle2"/>
+    <dgm:cxn modelId="{3D81BD6B-79E0-4ABC-8013-28E2AFFCC553}" srcId="{C5E7BBCF-84F3-46E3-A41C-E3B0A36EC42D}" destId="{830B3C85-D607-4E64-A7CB-5E5A29456749}" srcOrd="0" destOrd="0" parTransId="{FAF47EF9-67D9-4DB5-9CCA-D640036D7ED8}" sibTransId="{E5771AC1-49F0-41C8-9A8A-D50E2D04513A}"/>
+    <dgm:cxn modelId="{1EA3950C-9B3F-49D2-BC56-A5F7513E265C}" type="presOf" srcId="{66333656-91F6-41AB-97FD-D0AA542A9211}" destId="{9CC71756-28B0-4E8B-9DA8-C3B2D7F9303B}" srcOrd="0" destOrd="0" presId="urn:microsoft.com/office/officeart/2005/8/layout/cycle2"/>
+    <dgm:cxn modelId="{280C9148-3183-4AE6-B529-98A4009DB105}" type="presOf" srcId="{E5771AC1-49F0-41C8-9A8A-D50E2D04513A}" destId="{9D1F87A7-AB30-49D9-A1D9-8603EC90F44A}" srcOrd="0" destOrd="0" presId="urn:microsoft.com/office/officeart/2005/8/layout/cycle2"/>
+    <dgm:cxn modelId="{4DCF2D74-DE6E-44CA-B091-BE3EDFFAD75F}" type="presOf" srcId="{07FB4231-9488-4922-A339-E0CEBBF56F2C}" destId="{BA7097EA-0F1D-486F-82C8-C6A2EF83F2E4}" srcOrd="0" destOrd="0" presId="urn:microsoft.com/office/officeart/2005/8/layout/cycle2"/>
+    <dgm:cxn modelId="{E206B89B-2C2F-4FC9-B01A-7E925D0B8CBD}" type="presOf" srcId="{C24A731D-6F4A-4E28-BEAE-0908FB21A6DC}" destId="{DDE82D76-42CE-4387-9C86-E10644068192}" srcOrd="0" destOrd="0" presId="urn:microsoft.com/office/officeart/2005/8/layout/cycle2"/>
+    <dgm:cxn modelId="{E1504250-B631-47C3-8BE6-6296783F257F}" type="presOf" srcId="{C5E7BBCF-84F3-46E3-A41C-E3B0A36EC42D}" destId="{C1F2EC43-3EDC-488D-BACD-A1373A34E3A8}" srcOrd="0" destOrd="0" presId="urn:microsoft.com/office/officeart/2005/8/layout/cycle2"/>
+    <dgm:cxn modelId="{E4AFF4D2-55C1-4285-8EED-1B54CED24C19}" type="presOf" srcId="{07FB4231-9488-4922-A339-E0CEBBF56F2C}" destId="{42F7B4FD-00A3-42D7-9A7F-0C0938E14ADC}" srcOrd="1" destOrd="0" presId="urn:microsoft.com/office/officeart/2005/8/layout/cycle2"/>
+    <dgm:cxn modelId="{EA9CDE4D-A747-4DE4-9FDD-6FD0E45AA5C8}" type="presOf" srcId="{1F576465-B446-4D5B-AC13-21B254F0ADCA}" destId="{73AC8E6B-64F6-4594-BE30-01455FB91F08}" srcOrd="1" destOrd="0" presId="urn:microsoft.com/office/officeart/2005/8/layout/cycle2"/>
+    <dgm:cxn modelId="{14049FDF-0C9A-412A-BC4C-8AF619F50E95}" srcId="{C5E7BBCF-84F3-46E3-A41C-E3B0A36EC42D}" destId="{85A5CBF4-9201-4690-9774-AC6344A8AC49}" srcOrd="1" destOrd="0" parTransId="{6FA2376F-86BE-46BC-8E35-6567B33B97AC}" sibTransId="{7A6747FD-359E-4829-8783-0F79E5F16435}"/>
+    <dgm:cxn modelId="{E1339CAD-9B8A-45AE-B2EC-2A1FB1C8CA49}" type="presOf" srcId="{72DA1464-D24F-4640-9C4B-C8CF893A3DF1}" destId="{DF8138CB-610B-4B23-A274-E0029084F38A}" srcOrd="0" destOrd="0" presId="urn:microsoft.com/office/officeart/2005/8/layout/cycle2"/>
+    <dgm:cxn modelId="{ADBF323A-B53F-480F-BEE8-91FD0B120568}" type="presOf" srcId="{830B3C85-D607-4E64-A7CB-5E5A29456749}" destId="{924A6E9F-0A5B-4FC4-8370-B723765D25B0}" srcOrd="0" destOrd="0" presId="urn:microsoft.com/office/officeart/2005/8/layout/cycle2"/>
+    <dgm:cxn modelId="{B9960DFC-D8B3-48D6-B13B-B2A8299D30E5}" srcId="{C5E7BBCF-84F3-46E3-A41C-E3B0A36EC42D}" destId="{F0EFC95B-5BA4-408C-8949-A0E394BA654B}" srcOrd="3" destOrd="0" parTransId="{661C3D37-DD0E-4219-9E4E-7F09977B59A6}" sibTransId="{1F576465-B446-4D5B-AC13-21B254F0ADCA}"/>
+    <dgm:cxn modelId="{8FF11ABF-D4BC-4193-9500-A55AEA37FEB0}" type="presParOf" srcId="{C1F2EC43-3EDC-488D-BACD-A1373A34E3A8}" destId="{924A6E9F-0A5B-4FC4-8370-B723765D25B0}" srcOrd="0" destOrd="0" presId="urn:microsoft.com/office/officeart/2005/8/layout/cycle2"/>
+    <dgm:cxn modelId="{83865769-83BA-493B-A19F-EEF2CED44CC7}" type="presParOf" srcId="{C1F2EC43-3EDC-488D-BACD-A1373A34E3A8}" destId="{9D1F87A7-AB30-49D9-A1D9-8603EC90F44A}" srcOrd="1" destOrd="0" presId="urn:microsoft.com/office/officeart/2005/8/layout/cycle2"/>
+    <dgm:cxn modelId="{6F171451-1B42-4762-B79C-CA7BECCD6C70}" type="presParOf" srcId="{9D1F87A7-AB30-49D9-A1D9-8603EC90F44A}" destId="{AFF25E04-D1CF-45E3-84F4-726BEFD3031A}" srcOrd="0" destOrd="0" presId="urn:microsoft.com/office/officeart/2005/8/layout/cycle2"/>
+    <dgm:cxn modelId="{78F6615F-60AC-4B2E-AE69-0E71D34B2CC9}" type="presParOf" srcId="{C1F2EC43-3EDC-488D-BACD-A1373A34E3A8}" destId="{7B234AC2-AF95-4D76-BD79-4F81E815A0F2}" srcOrd="2" destOrd="0" presId="urn:microsoft.com/office/officeart/2005/8/layout/cycle2"/>
+    <dgm:cxn modelId="{3C25572E-F88C-4A97-A753-276ECEB97948}" type="presParOf" srcId="{C1F2EC43-3EDC-488D-BACD-A1373A34E3A8}" destId="{6603362B-BDE3-4D72-9F43-8AC23BF06CB5}" srcOrd="3" destOrd="0" presId="urn:microsoft.com/office/officeart/2005/8/layout/cycle2"/>
+    <dgm:cxn modelId="{E84CEEAD-CFCB-41B1-9806-6FC5B4B3B7FF}" type="presParOf" srcId="{6603362B-BDE3-4D72-9F43-8AC23BF06CB5}" destId="{C884BED9-1E33-4727-A52D-3769F7A70465}" srcOrd="0" destOrd="0" presId="urn:microsoft.com/office/officeart/2005/8/layout/cycle2"/>
+    <dgm:cxn modelId="{AD357013-B726-4BDB-8D0A-E4E963BA35B5}" type="presParOf" srcId="{C1F2EC43-3EDC-488D-BACD-A1373A34E3A8}" destId="{DF8138CB-610B-4B23-A274-E0029084F38A}" srcOrd="4" destOrd="0" presId="urn:microsoft.com/office/officeart/2005/8/layout/cycle2"/>
+    <dgm:cxn modelId="{CC4FEBAB-E112-4203-A3C9-E73B690CB23E}" type="presParOf" srcId="{C1F2EC43-3EDC-488D-BACD-A1373A34E3A8}" destId="{9CC71756-28B0-4E8B-9DA8-C3B2D7F9303B}" srcOrd="5" destOrd="0" presId="urn:microsoft.com/office/officeart/2005/8/layout/cycle2"/>
+    <dgm:cxn modelId="{1D6EB132-D12B-492E-B27F-1803642A00C4}" type="presParOf" srcId="{9CC71756-28B0-4E8B-9DA8-C3B2D7F9303B}" destId="{20264942-478E-4BA6-AE76-5BAE9C208836}" srcOrd="0" destOrd="0" presId="urn:microsoft.com/office/officeart/2005/8/layout/cycle2"/>
+    <dgm:cxn modelId="{F6D9F24D-8110-48EE-B591-CB603B85E04D}" type="presParOf" srcId="{C1F2EC43-3EDC-488D-BACD-A1373A34E3A8}" destId="{F63E6AA8-0F9E-4DA2-A47B-5598781FEC4A}" srcOrd="6" destOrd="0" presId="urn:microsoft.com/office/officeart/2005/8/layout/cycle2"/>
+    <dgm:cxn modelId="{534F1CEE-59AB-4B3A-B26F-65C28EE219A7}" type="presParOf" srcId="{C1F2EC43-3EDC-488D-BACD-A1373A34E3A8}" destId="{215EB662-AAD1-4B18-9E18-A67EB6786438}" srcOrd="7" destOrd="0" presId="urn:microsoft.com/office/officeart/2005/8/layout/cycle2"/>
+    <dgm:cxn modelId="{5AF377A9-D722-493A-BDDC-11D5EAC4A1DA}" type="presParOf" srcId="{215EB662-AAD1-4B18-9E18-A67EB6786438}" destId="{73AC8E6B-64F6-4594-BE30-01455FB91F08}" srcOrd="0" destOrd="0" presId="urn:microsoft.com/office/officeart/2005/8/layout/cycle2"/>
+    <dgm:cxn modelId="{9EEDE463-4FC8-47AC-ADA3-CF45A11C89F1}" type="presParOf" srcId="{C1F2EC43-3EDC-488D-BACD-A1373A34E3A8}" destId="{DDE82D76-42CE-4387-9C86-E10644068192}" srcOrd="8" destOrd="0" presId="urn:microsoft.com/office/officeart/2005/8/layout/cycle2"/>
+    <dgm:cxn modelId="{30292C0B-CC59-4511-B5D4-0A9AD252F149}" type="presParOf" srcId="{C1F2EC43-3EDC-488D-BACD-A1373A34E3A8}" destId="{BA7097EA-0F1D-486F-82C8-C6A2EF83F2E4}" srcOrd="9" destOrd="0" presId="urn:microsoft.com/office/officeart/2005/8/layout/cycle2"/>
+    <dgm:cxn modelId="{C2EB66F2-0C79-4A74-A8E8-188DA75215DF}" type="presParOf" srcId="{BA7097EA-0F1D-486F-82C8-C6A2EF83F2E4}" destId="{42F7B4FD-00A3-42D7-9A7F-0C0938E14ADC}" srcOrd="0" destOrd="0" presId="urn:microsoft.com/office/officeart/2005/8/layout/cycle2"/>
   </dgm:cxnLst>
   <dgm:bg/>
   <dgm:whole/>
@@ -3293,7 +4650,24 @@
               <a:latin typeface="-윤고딕310" panose="02030504000101010101" pitchFamily="18" charset="-127"/>
               <a:ea typeface="-윤고딕310" panose="02030504000101010101" pitchFamily="18" charset="-127"/>
             </a:rPr>
-            <a:t>별의 개수만큼 생명체가 있으며</a:t>
+            <a:t>엄청 많은 생명체가 </a:t>
+          </a:r>
+          <a:r>
+            <a:rPr lang="ko-KR" altLang="en-US" sz="2100" kern="1200" dirty="0" smtClean="0">
+              <a:solidFill>
+                <a:schemeClr val="tx1"/>
+              </a:solidFill>
+              <a:effectLst>
+                <a:outerShdw blurRad="38100" dist="38100" dir="2700000" algn="tl">
+                  <a:srgbClr val="000000">
+                    <a:alpha val="43137"/>
+                  </a:srgbClr>
+                </a:outerShdw>
+              </a:effectLst>
+              <a:latin typeface="-윤고딕310" panose="02030504000101010101" pitchFamily="18" charset="-127"/>
+              <a:ea typeface="-윤고딕310" panose="02030504000101010101" pitchFamily="18" charset="-127"/>
+            </a:rPr>
+            <a:t>있으며</a:t>
           </a:r>
           <a:r>
             <a:rPr lang="en-US" altLang="ko-KR" sz="2100" kern="1200" dirty="0" smtClean="0">
@@ -3468,6 +4842,805 @@
       <dsp:txXfrm>
         <a:off x="4481153" y="870186"/>
         <a:ext cx="1196899" cy="1196899"/>
+      </dsp:txXfrm>
+    </dsp:sp>
+  </dsp:spTree>
+</dsp:drawing>
+</file>
+
+<file path=ppt/diagrams/drawing3.xml><?xml version="1.0" encoding="utf-8"?>
+<dsp:drawing xmlns:dgm="http://schemas.openxmlformats.org/drawingml/2006/diagram" xmlns:dsp="http://schemas.microsoft.com/office/drawing/2008/diagram" xmlns:a="http://schemas.openxmlformats.org/drawingml/2006/main">
+  <dsp:spTree>
+    <dsp:nvGrpSpPr>
+      <dsp:cNvPr id="0" name=""/>
+      <dsp:cNvGrpSpPr/>
+    </dsp:nvGrpSpPr>
+    <dsp:grpSpPr/>
+    <dsp:sp modelId="{924A6E9F-0A5B-4FC4-8370-B723765D25B0}">
+      <dsp:nvSpPr>
+        <dsp:cNvPr id="0" name=""/>
+        <dsp:cNvSpPr/>
+      </dsp:nvSpPr>
+      <dsp:spPr>
+        <a:xfrm>
+          <a:off x="2267520" y="1067"/>
+          <a:ext cx="1157734" cy="1157734"/>
+        </a:xfrm>
+        <a:prstGeom prst="ellipse">
+          <a:avLst/>
+        </a:prstGeom>
+        <a:solidFill>
+          <a:schemeClr val="accent1">
+            <a:lumMod val="50000"/>
+          </a:schemeClr>
+        </a:solidFill>
+        <a:ln w="25400" cap="flat" cmpd="sng" algn="ctr">
+          <a:solidFill>
+            <a:schemeClr val="bg1"/>
+          </a:solidFill>
+          <a:prstDash val="sysDash"/>
+          <a:miter lim="800000"/>
+        </a:ln>
+        <a:effectLst/>
+      </dsp:spPr>
+      <dsp:style>
+        <a:lnRef idx="2">
+          <a:scrgbClr r="0" g="0" b="0"/>
+        </a:lnRef>
+        <a:fillRef idx="1">
+          <a:scrgbClr r="0" g="0" b="0"/>
+        </a:fillRef>
+        <a:effectRef idx="0">
+          <a:scrgbClr r="0" g="0" b="0"/>
+        </a:effectRef>
+        <a:fontRef idx="minor">
+          <a:schemeClr val="lt1"/>
+        </a:fontRef>
+      </dsp:style>
+      <dsp:txBody>
+        <a:bodyPr spcFirstLastPara="0" vert="horz" wrap="square" lIns="20320" tIns="20320" rIns="20320" bIns="20320" numCol="1" spcCol="1270" anchor="ctr" anchorCtr="0">
+          <a:noAutofit/>
+        </a:bodyPr>
+        <a:lstStyle/>
+        <a:p>
+          <a:pPr lvl="0" algn="ctr" defTabSz="711200" latinLnBrk="1">
+            <a:lnSpc>
+              <a:spcPct val="90000"/>
+            </a:lnSpc>
+            <a:spcBef>
+              <a:spcPct val="0"/>
+            </a:spcBef>
+            <a:spcAft>
+              <a:spcPct val="35000"/>
+            </a:spcAft>
+          </a:pPr>
+          <a:r>
+            <a:rPr lang="ko-KR" altLang="en-US" sz="1600" kern="1200" smtClean="0">
+              <a:effectLst>
+                <a:outerShdw blurRad="38100" dist="38100" dir="2700000" algn="tl">
+                  <a:srgbClr val="000000">
+                    <a:alpha val="43137"/>
+                  </a:srgbClr>
+                </a:outerShdw>
+              </a:effectLst>
+            </a:rPr>
+            <a:t>이벤트 발생</a:t>
+          </a:r>
+          <a:endParaRPr lang="ko-KR" altLang="en-US" sz="1600" kern="1200" dirty="0">
+            <a:effectLst>
+              <a:outerShdw blurRad="38100" dist="38100" dir="2700000" algn="tl">
+                <a:srgbClr val="000000">
+                  <a:alpha val="43137"/>
+                </a:srgbClr>
+              </a:outerShdw>
+            </a:effectLst>
+          </a:endParaRPr>
+        </a:p>
+      </dsp:txBody>
+      <dsp:txXfrm>
+        <a:off x="2437066" y="170613"/>
+        <a:ext cx="818642" cy="818642"/>
+      </dsp:txXfrm>
+    </dsp:sp>
+    <dsp:sp modelId="{9D1F87A7-AB30-49D9-A1D9-8603EC90F44A}">
+      <dsp:nvSpPr>
+        <dsp:cNvPr id="0" name=""/>
+        <dsp:cNvSpPr/>
+      </dsp:nvSpPr>
+      <dsp:spPr>
+        <a:xfrm rot="2160000">
+          <a:off x="3388541" y="890081"/>
+          <a:ext cx="307251" cy="390735"/>
+        </a:xfrm>
+        <a:prstGeom prst="rightArrow">
+          <a:avLst>
+            <a:gd name="adj1" fmla="val 60000"/>
+            <a:gd name="adj2" fmla="val 50000"/>
+          </a:avLst>
+        </a:prstGeom>
+        <a:solidFill>
+          <a:schemeClr val="accent1">
+            <a:tint val="60000"/>
+            <a:hueOff val="0"/>
+            <a:satOff val="0"/>
+            <a:lumOff val="0"/>
+            <a:alphaOff val="0"/>
+          </a:schemeClr>
+        </a:solidFill>
+        <a:ln>
+          <a:noFill/>
+        </a:ln>
+        <a:effectLst/>
+      </dsp:spPr>
+      <dsp:style>
+        <a:lnRef idx="0">
+          <a:scrgbClr r="0" g="0" b="0"/>
+        </a:lnRef>
+        <a:fillRef idx="1">
+          <a:scrgbClr r="0" g="0" b="0"/>
+        </a:fillRef>
+        <a:effectRef idx="0">
+          <a:scrgbClr r="0" g="0" b="0"/>
+        </a:effectRef>
+        <a:fontRef idx="minor">
+          <a:schemeClr val="lt1"/>
+        </a:fontRef>
+      </dsp:style>
+      <dsp:txBody>
+        <a:bodyPr spcFirstLastPara="0" vert="horz" wrap="square" lIns="0" tIns="0" rIns="0" bIns="0" numCol="1" spcCol="1270" anchor="ctr" anchorCtr="0">
+          <a:noAutofit/>
+        </a:bodyPr>
+        <a:lstStyle/>
+        <a:p>
+          <a:pPr lvl="0" algn="ctr" defTabSz="577850" latinLnBrk="1">
+            <a:lnSpc>
+              <a:spcPct val="90000"/>
+            </a:lnSpc>
+            <a:spcBef>
+              <a:spcPct val="0"/>
+            </a:spcBef>
+            <a:spcAft>
+              <a:spcPct val="35000"/>
+            </a:spcAft>
+          </a:pPr>
+          <a:endParaRPr lang="ko-KR" altLang="en-US" sz="1300" kern="1200"/>
+        </a:p>
+      </dsp:txBody>
+      <dsp:txXfrm>
+        <a:off x="3397343" y="941138"/>
+        <a:ext cx="215076" cy="234441"/>
+      </dsp:txXfrm>
+    </dsp:sp>
+    <dsp:sp modelId="{7B234AC2-AF95-4D76-BD79-4F81E815A0F2}">
+      <dsp:nvSpPr>
+        <dsp:cNvPr id="0" name=""/>
+        <dsp:cNvSpPr/>
+      </dsp:nvSpPr>
+      <dsp:spPr>
+        <a:xfrm>
+          <a:off x="3673149" y="1022317"/>
+          <a:ext cx="1157734" cy="1157734"/>
+        </a:xfrm>
+        <a:prstGeom prst="ellipse">
+          <a:avLst/>
+        </a:prstGeom>
+        <a:solidFill>
+          <a:schemeClr val="accent1">
+            <a:lumMod val="50000"/>
+          </a:schemeClr>
+        </a:solidFill>
+        <a:ln w="25400" cap="flat" cmpd="sng" algn="ctr">
+          <a:solidFill>
+            <a:schemeClr val="bg1"/>
+          </a:solidFill>
+          <a:prstDash val="sysDash"/>
+          <a:miter lim="800000"/>
+        </a:ln>
+        <a:effectLst/>
+      </dsp:spPr>
+      <dsp:style>
+        <a:lnRef idx="2">
+          <a:scrgbClr r="0" g="0" b="0"/>
+        </a:lnRef>
+        <a:fillRef idx="1">
+          <a:scrgbClr r="0" g="0" b="0"/>
+        </a:fillRef>
+        <a:effectRef idx="0">
+          <a:scrgbClr r="0" g="0" b="0"/>
+        </a:effectRef>
+        <a:fontRef idx="minor">
+          <a:schemeClr val="lt1"/>
+        </a:fontRef>
+      </dsp:style>
+      <dsp:txBody>
+        <a:bodyPr spcFirstLastPara="0" vert="horz" wrap="square" lIns="20320" tIns="20320" rIns="20320" bIns="20320" numCol="1" spcCol="1270" anchor="ctr" anchorCtr="0">
+          <a:noAutofit/>
+        </a:bodyPr>
+        <a:lstStyle/>
+        <a:p>
+          <a:pPr lvl="0" algn="ctr" defTabSz="711200" latinLnBrk="1">
+            <a:lnSpc>
+              <a:spcPct val="90000"/>
+            </a:lnSpc>
+            <a:spcBef>
+              <a:spcPct val="0"/>
+            </a:spcBef>
+            <a:spcAft>
+              <a:spcPct val="35000"/>
+            </a:spcAft>
+          </a:pPr>
+          <a:r>
+            <a:rPr lang="ko-KR" altLang="en-US" sz="1600" kern="1200" dirty="0" err="1" smtClean="0">
+              <a:effectLst>
+                <a:outerShdw blurRad="38100" dist="38100" dir="2700000" algn="tl">
+                  <a:srgbClr val="000000">
+                    <a:alpha val="43137"/>
+                  </a:srgbClr>
+                </a:outerShdw>
+              </a:effectLst>
+            </a:rPr>
+            <a:t>퀘스트</a:t>
+          </a:r>
+          <a:r>
+            <a:rPr lang="ko-KR" altLang="en-US" sz="1600" kern="1200" dirty="0" smtClean="0">
+              <a:effectLst>
+                <a:outerShdw blurRad="38100" dist="38100" dir="2700000" algn="tl">
+                  <a:srgbClr val="000000">
+                    <a:alpha val="43137"/>
+                  </a:srgbClr>
+                </a:outerShdw>
+              </a:effectLst>
+            </a:rPr>
+            <a:t> 수행</a:t>
+          </a:r>
+          <a:endParaRPr lang="ko-KR" altLang="en-US" sz="1600" kern="1200" dirty="0">
+            <a:effectLst>
+              <a:outerShdw blurRad="38100" dist="38100" dir="2700000" algn="tl">
+                <a:srgbClr val="000000">
+                  <a:alpha val="43137"/>
+                </a:srgbClr>
+              </a:outerShdw>
+            </a:effectLst>
+          </a:endParaRPr>
+        </a:p>
+      </dsp:txBody>
+      <dsp:txXfrm>
+        <a:off x="3842695" y="1191863"/>
+        <a:ext cx="818642" cy="818642"/>
+      </dsp:txXfrm>
+    </dsp:sp>
+    <dsp:sp modelId="{6603362B-BDE3-4D72-9F43-8AC23BF06CB5}">
+      <dsp:nvSpPr>
+        <dsp:cNvPr id="0" name=""/>
+        <dsp:cNvSpPr/>
+      </dsp:nvSpPr>
+      <dsp:spPr>
+        <a:xfrm rot="6480000">
+          <a:off x="3832627" y="2223755"/>
+          <a:ext cx="307251" cy="390735"/>
+        </a:xfrm>
+        <a:prstGeom prst="rightArrow">
+          <a:avLst>
+            <a:gd name="adj1" fmla="val 60000"/>
+            <a:gd name="adj2" fmla="val 50000"/>
+          </a:avLst>
+        </a:prstGeom>
+        <a:solidFill>
+          <a:schemeClr val="accent1">
+            <a:tint val="60000"/>
+            <a:hueOff val="0"/>
+            <a:satOff val="0"/>
+            <a:lumOff val="0"/>
+            <a:alphaOff val="0"/>
+          </a:schemeClr>
+        </a:solidFill>
+        <a:ln>
+          <a:noFill/>
+        </a:ln>
+        <a:effectLst/>
+      </dsp:spPr>
+      <dsp:style>
+        <a:lnRef idx="0">
+          <a:scrgbClr r="0" g="0" b="0"/>
+        </a:lnRef>
+        <a:fillRef idx="1">
+          <a:scrgbClr r="0" g="0" b="0"/>
+        </a:fillRef>
+        <a:effectRef idx="0">
+          <a:scrgbClr r="0" g="0" b="0"/>
+        </a:effectRef>
+        <a:fontRef idx="minor">
+          <a:schemeClr val="lt1"/>
+        </a:fontRef>
+      </dsp:style>
+      <dsp:txBody>
+        <a:bodyPr spcFirstLastPara="0" vert="horz" wrap="square" lIns="0" tIns="0" rIns="0" bIns="0" numCol="1" spcCol="1270" anchor="ctr" anchorCtr="0">
+          <a:noAutofit/>
+        </a:bodyPr>
+        <a:lstStyle/>
+        <a:p>
+          <a:pPr lvl="0" algn="ctr" defTabSz="577850" latinLnBrk="1">
+            <a:lnSpc>
+              <a:spcPct val="90000"/>
+            </a:lnSpc>
+            <a:spcBef>
+              <a:spcPct val="0"/>
+            </a:spcBef>
+            <a:spcAft>
+              <a:spcPct val="35000"/>
+            </a:spcAft>
+          </a:pPr>
+          <a:endParaRPr lang="ko-KR" altLang="en-US" sz="1300" kern="1200"/>
+        </a:p>
+      </dsp:txBody>
+      <dsp:txXfrm rot="10800000">
+        <a:off x="3892956" y="2258070"/>
+        <a:ext cx="215076" cy="234441"/>
+      </dsp:txXfrm>
+    </dsp:sp>
+    <dsp:sp modelId="{DF8138CB-610B-4B23-A274-E0029084F38A}">
+      <dsp:nvSpPr>
+        <dsp:cNvPr id="0" name=""/>
+        <dsp:cNvSpPr/>
+      </dsp:nvSpPr>
+      <dsp:spPr>
+        <a:xfrm>
+          <a:off x="3136247" y="2674734"/>
+          <a:ext cx="1157734" cy="1157734"/>
+        </a:xfrm>
+        <a:prstGeom prst="ellipse">
+          <a:avLst/>
+        </a:prstGeom>
+        <a:solidFill>
+          <a:schemeClr val="accent1">
+            <a:lumMod val="50000"/>
+          </a:schemeClr>
+        </a:solidFill>
+        <a:ln w="25400" cap="flat" cmpd="sng" algn="ctr">
+          <a:solidFill>
+            <a:schemeClr val="bg1"/>
+          </a:solidFill>
+          <a:prstDash val="sysDash"/>
+          <a:miter lim="800000"/>
+        </a:ln>
+        <a:effectLst/>
+      </dsp:spPr>
+      <dsp:style>
+        <a:lnRef idx="2">
+          <a:scrgbClr r="0" g="0" b="0"/>
+        </a:lnRef>
+        <a:fillRef idx="1">
+          <a:scrgbClr r="0" g="0" b="0"/>
+        </a:fillRef>
+        <a:effectRef idx="0">
+          <a:scrgbClr r="0" g="0" b="0"/>
+        </a:effectRef>
+        <a:fontRef idx="minor">
+          <a:schemeClr val="lt1"/>
+        </a:fontRef>
+      </dsp:style>
+      <dsp:txBody>
+        <a:bodyPr spcFirstLastPara="0" vert="horz" wrap="square" lIns="17780" tIns="17780" rIns="17780" bIns="17780" numCol="1" spcCol="1270" anchor="ctr" anchorCtr="0">
+          <a:noAutofit/>
+        </a:bodyPr>
+        <a:lstStyle/>
+        <a:p>
+          <a:pPr lvl="0" algn="ctr" defTabSz="622300" latinLnBrk="1">
+            <a:lnSpc>
+              <a:spcPct val="90000"/>
+            </a:lnSpc>
+            <a:spcBef>
+              <a:spcPct val="0"/>
+            </a:spcBef>
+            <a:spcAft>
+              <a:spcPct val="35000"/>
+            </a:spcAft>
+          </a:pPr>
+          <a:r>
+            <a:rPr lang="ko-KR" altLang="en-US" sz="1400" kern="1200" dirty="0" smtClean="0">
+              <a:effectLst>
+                <a:outerShdw blurRad="38100" dist="38100" dir="2700000" algn="tl">
+                  <a:srgbClr val="000000">
+                    <a:alpha val="43137"/>
+                  </a:srgbClr>
+                </a:outerShdw>
+              </a:effectLst>
+            </a:rPr>
+            <a:t>자금 벌이</a:t>
+          </a:r>
+          <a:endParaRPr lang="ko-KR" altLang="en-US" sz="1400" kern="1200" dirty="0">
+            <a:effectLst>
+              <a:outerShdw blurRad="38100" dist="38100" dir="2700000" algn="tl">
+                <a:srgbClr val="000000">
+                  <a:alpha val="43137"/>
+                </a:srgbClr>
+              </a:outerShdw>
+            </a:effectLst>
+          </a:endParaRPr>
+        </a:p>
+      </dsp:txBody>
+      <dsp:txXfrm>
+        <a:off x="3305793" y="2844280"/>
+        <a:ext cx="818642" cy="818642"/>
+      </dsp:txXfrm>
+    </dsp:sp>
+    <dsp:sp modelId="{9CC71756-28B0-4E8B-9DA8-C3B2D7F9303B}">
+      <dsp:nvSpPr>
+        <dsp:cNvPr id="0" name=""/>
+        <dsp:cNvSpPr/>
+      </dsp:nvSpPr>
+      <dsp:spPr>
+        <a:xfrm rot="10800000">
+          <a:off x="2701457" y="3058234"/>
+          <a:ext cx="307251" cy="390735"/>
+        </a:xfrm>
+        <a:prstGeom prst="rightArrow">
+          <a:avLst>
+            <a:gd name="adj1" fmla="val 60000"/>
+            <a:gd name="adj2" fmla="val 50000"/>
+          </a:avLst>
+        </a:prstGeom>
+        <a:solidFill>
+          <a:schemeClr val="accent1">
+            <a:tint val="60000"/>
+            <a:hueOff val="0"/>
+            <a:satOff val="0"/>
+            <a:lumOff val="0"/>
+            <a:alphaOff val="0"/>
+          </a:schemeClr>
+        </a:solidFill>
+        <a:ln>
+          <a:noFill/>
+        </a:ln>
+        <a:effectLst/>
+      </dsp:spPr>
+      <dsp:style>
+        <a:lnRef idx="0">
+          <a:scrgbClr r="0" g="0" b="0"/>
+        </a:lnRef>
+        <a:fillRef idx="1">
+          <a:scrgbClr r="0" g="0" b="0"/>
+        </a:fillRef>
+        <a:effectRef idx="0">
+          <a:scrgbClr r="0" g="0" b="0"/>
+        </a:effectRef>
+        <a:fontRef idx="minor">
+          <a:schemeClr val="lt1"/>
+        </a:fontRef>
+      </dsp:style>
+      <dsp:txBody>
+        <a:bodyPr spcFirstLastPara="0" vert="horz" wrap="square" lIns="0" tIns="0" rIns="0" bIns="0" numCol="1" spcCol="1270" anchor="ctr" anchorCtr="0">
+          <a:noAutofit/>
+        </a:bodyPr>
+        <a:lstStyle/>
+        <a:p>
+          <a:pPr lvl="0" algn="ctr" defTabSz="577850" latinLnBrk="1">
+            <a:lnSpc>
+              <a:spcPct val="90000"/>
+            </a:lnSpc>
+            <a:spcBef>
+              <a:spcPct val="0"/>
+            </a:spcBef>
+            <a:spcAft>
+              <a:spcPct val="35000"/>
+            </a:spcAft>
+          </a:pPr>
+          <a:endParaRPr lang="ko-KR" altLang="en-US" sz="1300" kern="1200"/>
+        </a:p>
+      </dsp:txBody>
+      <dsp:txXfrm rot="10800000">
+        <a:off x="2793632" y="3136381"/>
+        <a:ext cx="215076" cy="234441"/>
+      </dsp:txXfrm>
+    </dsp:sp>
+    <dsp:sp modelId="{F63E6AA8-0F9E-4DA2-A47B-5598781FEC4A}">
+      <dsp:nvSpPr>
+        <dsp:cNvPr id="0" name=""/>
+        <dsp:cNvSpPr/>
+      </dsp:nvSpPr>
+      <dsp:spPr>
+        <a:xfrm>
+          <a:off x="1398793" y="2674734"/>
+          <a:ext cx="1157734" cy="1157734"/>
+        </a:xfrm>
+        <a:prstGeom prst="ellipse">
+          <a:avLst/>
+        </a:prstGeom>
+        <a:solidFill>
+          <a:schemeClr val="accent1">
+            <a:lumMod val="50000"/>
+          </a:schemeClr>
+        </a:solidFill>
+        <a:ln w="25400" cap="flat" cmpd="sng" algn="ctr">
+          <a:solidFill>
+            <a:schemeClr val="bg1"/>
+          </a:solidFill>
+          <a:prstDash val="sysDash"/>
+          <a:miter lim="800000"/>
+        </a:ln>
+        <a:effectLst/>
+      </dsp:spPr>
+      <dsp:style>
+        <a:lnRef idx="2">
+          <a:scrgbClr r="0" g="0" b="0"/>
+        </a:lnRef>
+        <a:fillRef idx="1">
+          <a:scrgbClr r="0" g="0" b="0"/>
+        </a:fillRef>
+        <a:effectRef idx="0">
+          <a:scrgbClr r="0" g="0" b="0"/>
+        </a:effectRef>
+        <a:fontRef idx="minor">
+          <a:schemeClr val="lt1"/>
+        </a:fontRef>
+      </dsp:style>
+      <dsp:txBody>
+        <a:bodyPr spcFirstLastPara="0" vert="horz" wrap="square" lIns="19050" tIns="19050" rIns="19050" bIns="19050" numCol="1" spcCol="1270" anchor="ctr" anchorCtr="0">
+          <a:noAutofit/>
+        </a:bodyPr>
+        <a:lstStyle/>
+        <a:p>
+          <a:pPr lvl="0" algn="ctr" defTabSz="666750" latinLnBrk="1">
+            <a:lnSpc>
+              <a:spcPct val="90000"/>
+            </a:lnSpc>
+            <a:spcBef>
+              <a:spcPct val="0"/>
+            </a:spcBef>
+            <a:spcAft>
+              <a:spcPct val="35000"/>
+            </a:spcAft>
+          </a:pPr>
+          <a:r>
+            <a:rPr lang="ko-KR" altLang="en-US" sz="1500" kern="1200" dirty="0" smtClean="0">
+              <a:effectLst>
+                <a:outerShdw blurRad="38100" dist="38100" dir="2700000" algn="tl">
+                  <a:srgbClr val="000000">
+                    <a:alpha val="43137"/>
+                  </a:srgbClr>
+                </a:outerShdw>
+              </a:effectLst>
+            </a:rPr>
+            <a:t>우주 항해</a:t>
+          </a:r>
+          <a:endParaRPr lang="ko-KR" altLang="en-US" sz="1500" kern="1200" dirty="0">
+            <a:effectLst>
+              <a:outerShdw blurRad="38100" dist="38100" dir="2700000" algn="tl">
+                <a:srgbClr val="000000">
+                  <a:alpha val="43137"/>
+                </a:srgbClr>
+              </a:outerShdw>
+            </a:effectLst>
+          </a:endParaRPr>
+        </a:p>
+      </dsp:txBody>
+      <dsp:txXfrm>
+        <a:off x="1568339" y="2844280"/>
+        <a:ext cx="818642" cy="818642"/>
+      </dsp:txXfrm>
+    </dsp:sp>
+    <dsp:sp modelId="{215EB662-AAD1-4B18-9E18-A67EB6786438}">
+      <dsp:nvSpPr>
+        <dsp:cNvPr id="0" name=""/>
+        <dsp:cNvSpPr/>
+      </dsp:nvSpPr>
+      <dsp:spPr>
+        <a:xfrm rot="15120000">
+          <a:off x="1558270" y="2240295"/>
+          <a:ext cx="307251" cy="390735"/>
+        </a:xfrm>
+        <a:prstGeom prst="rightArrow">
+          <a:avLst>
+            <a:gd name="adj1" fmla="val 60000"/>
+            <a:gd name="adj2" fmla="val 50000"/>
+          </a:avLst>
+        </a:prstGeom>
+        <a:solidFill>
+          <a:schemeClr val="accent1">
+            <a:tint val="60000"/>
+            <a:hueOff val="0"/>
+            <a:satOff val="0"/>
+            <a:lumOff val="0"/>
+            <a:alphaOff val="0"/>
+          </a:schemeClr>
+        </a:solidFill>
+        <a:ln>
+          <a:noFill/>
+        </a:ln>
+        <a:effectLst/>
+      </dsp:spPr>
+      <dsp:style>
+        <a:lnRef idx="0">
+          <a:scrgbClr r="0" g="0" b="0"/>
+        </a:lnRef>
+        <a:fillRef idx="1">
+          <a:scrgbClr r="0" g="0" b="0"/>
+        </a:fillRef>
+        <a:effectRef idx="0">
+          <a:scrgbClr r="0" g="0" b="0"/>
+        </a:effectRef>
+        <a:fontRef idx="minor">
+          <a:schemeClr val="lt1"/>
+        </a:fontRef>
+      </dsp:style>
+      <dsp:txBody>
+        <a:bodyPr spcFirstLastPara="0" vert="horz" wrap="square" lIns="0" tIns="0" rIns="0" bIns="0" numCol="1" spcCol="1270" anchor="ctr" anchorCtr="0">
+          <a:noAutofit/>
+        </a:bodyPr>
+        <a:lstStyle/>
+        <a:p>
+          <a:pPr lvl="0" algn="ctr" defTabSz="577850" latinLnBrk="1">
+            <a:lnSpc>
+              <a:spcPct val="90000"/>
+            </a:lnSpc>
+            <a:spcBef>
+              <a:spcPct val="0"/>
+            </a:spcBef>
+            <a:spcAft>
+              <a:spcPct val="35000"/>
+            </a:spcAft>
+          </a:pPr>
+          <a:endParaRPr lang="ko-KR" altLang="en-US" sz="1300" kern="1200"/>
+        </a:p>
+      </dsp:txBody>
+      <dsp:txXfrm rot="10800000">
+        <a:off x="1618599" y="2362274"/>
+        <a:ext cx="215076" cy="234441"/>
+      </dsp:txXfrm>
+    </dsp:sp>
+    <dsp:sp modelId="{DDE82D76-42CE-4387-9C86-E10644068192}">
+      <dsp:nvSpPr>
+        <dsp:cNvPr id="0" name=""/>
+        <dsp:cNvSpPr/>
+      </dsp:nvSpPr>
+      <dsp:spPr>
+        <a:xfrm>
+          <a:off x="861890" y="1022317"/>
+          <a:ext cx="1157734" cy="1157734"/>
+        </a:xfrm>
+        <a:prstGeom prst="ellipse">
+          <a:avLst/>
+        </a:prstGeom>
+        <a:solidFill>
+          <a:schemeClr val="accent1">
+            <a:lumMod val="50000"/>
+          </a:schemeClr>
+        </a:solidFill>
+        <a:ln w="25400" cap="flat" cmpd="sng" algn="ctr">
+          <a:solidFill>
+            <a:schemeClr val="bg1"/>
+          </a:solidFill>
+          <a:prstDash val="sysDash"/>
+          <a:miter lim="800000"/>
+        </a:ln>
+        <a:effectLst/>
+      </dsp:spPr>
+      <dsp:style>
+        <a:lnRef idx="2">
+          <a:scrgbClr r="0" g="0" b="0"/>
+        </a:lnRef>
+        <a:fillRef idx="1">
+          <a:scrgbClr r="0" g="0" b="0"/>
+        </a:fillRef>
+        <a:effectRef idx="0">
+          <a:scrgbClr r="0" g="0" b="0"/>
+        </a:effectRef>
+        <a:fontRef idx="minor">
+          <a:schemeClr val="lt1"/>
+        </a:fontRef>
+      </dsp:style>
+      <dsp:txBody>
+        <a:bodyPr spcFirstLastPara="0" vert="horz" wrap="square" lIns="19050" tIns="19050" rIns="19050" bIns="19050" numCol="1" spcCol="1270" anchor="ctr" anchorCtr="0">
+          <a:noAutofit/>
+        </a:bodyPr>
+        <a:lstStyle/>
+        <a:p>
+          <a:pPr lvl="0" algn="ctr" defTabSz="666750" latinLnBrk="1">
+            <a:lnSpc>
+              <a:spcPct val="90000"/>
+            </a:lnSpc>
+            <a:spcBef>
+              <a:spcPct val="0"/>
+            </a:spcBef>
+            <a:spcAft>
+              <a:spcPct val="35000"/>
+            </a:spcAft>
+          </a:pPr>
+          <a:r>
+            <a:rPr lang="ko-KR" altLang="en-US" sz="1500" kern="1200" dirty="0" smtClean="0">
+              <a:effectLst>
+                <a:outerShdw blurRad="38100" dist="38100" dir="2700000" algn="tl">
+                  <a:srgbClr val="000000">
+                    <a:alpha val="43137"/>
+                  </a:srgbClr>
+                </a:outerShdw>
+              </a:effectLst>
+            </a:rPr>
+            <a:t>도착 지역 탐사</a:t>
+          </a:r>
+          <a:endParaRPr lang="ko-KR" altLang="en-US" sz="1500" kern="1200" dirty="0">
+            <a:effectLst>
+              <a:outerShdw blurRad="38100" dist="38100" dir="2700000" algn="tl">
+                <a:srgbClr val="000000">
+                  <a:alpha val="43137"/>
+                </a:srgbClr>
+              </a:outerShdw>
+            </a:effectLst>
+          </a:endParaRPr>
+        </a:p>
+      </dsp:txBody>
+      <dsp:txXfrm>
+        <a:off x="1031436" y="1191863"/>
+        <a:ext cx="818642" cy="818642"/>
+      </dsp:txXfrm>
+    </dsp:sp>
+    <dsp:sp modelId="{BA7097EA-0F1D-486F-82C8-C6A2EF83F2E4}">
+      <dsp:nvSpPr>
+        <dsp:cNvPr id="0" name=""/>
+        <dsp:cNvSpPr/>
+      </dsp:nvSpPr>
+      <dsp:spPr>
+        <a:xfrm rot="19440000">
+          <a:off x="1982912" y="900303"/>
+          <a:ext cx="307251" cy="390735"/>
+        </a:xfrm>
+        <a:prstGeom prst="rightArrow">
+          <a:avLst>
+            <a:gd name="adj1" fmla="val 60000"/>
+            <a:gd name="adj2" fmla="val 50000"/>
+          </a:avLst>
+        </a:prstGeom>
+        <a:solidFill>
+          <a:schemeClr val="accent1">
+            <a:tint val="60000"/>
+            <a:hueOff val="0"/>
+            <a:satOff val="0"/>
+            <a:lumOff val="0"/>
+            <a:alphaOff val="0"/>
+          </a:schemeClr>
+        </a:solidFill>
+        <a:ln>
+          <a:noFill/>
+        </a:ln>
+        <a:effectLst/>
+      </dsp:spPr>
+      <dsp:style>
+        <a:lnRef idx="0">
+          <a:scrgbClr r="0" g="0" b="0"/>
+        </a:lnRef>
+        <a:fillRef idx="1">
+          <a:scrgbClr r="0" g="0" b="0"/>
+        </a:fillRef>
+        <a:effectRef idx="0">
+          <a:scrgbClr r="0" g="0" b="0"/>
+        </a:effectRef>
+        <a:fontRef idx="minor">
+          <a:schemeClr val="lt1"/>
+        </a:fontRef>
+      </dsp:style>
+      <dsp:txBody>
+        <a:bodyPr spcFirstLastPara="0" vert="horz" wrap="square" lIns="0" tIns="0" rIns="0" bIns="0" numCol="1" spcCol="1270" anchor="ctr" anchorCtr="0">
+          <a:noAutofit/>
+        </a:bodyPr>
+        <a:lstStyle/>
+        <a:p>
+          <a:pPr lvl="0" algn="ctr" defTabSz="577850" latinLnBrk="1">
+            <a:lnSpc>
+              <a:spcPct val="90000"/>
+            </a:lnSpc>
+            <a:spcBef>
+              <a:spcPct val="0"/>
+            </a:spcBef>
+            <a:spcAft>
+              <a:spcPct val="35000"/>
+            </a:spcAft>
+          </a:pPr>
+          <a:endParaRPr lang="ko-KR" altLang="en-US" sz="1300" kern="1200"/>
+        </a:p>
+      </dsp:txBody>
+      <dsp:txXfrm>
+        <a:off x="1991714" y="1005540"/>
+        <a:ext cx="215076" cy="234441"/>
       </dsp:txXfrm>
     </dsp:sp>
   </dsp:spTree>
@@ -4053,6 +6226,217 @@
 </dgm:layoutDef>
 </file>
 
+<file path=ppt/diagrams/layout3.xml><?xml version="1.0" encoding="utf-8"?>
+<dgm:layoutDef xmlns:dgm="http://schemas.openxmlformats.org/drawingml/2006/diagram" xmlns:a="http://schemas.openxmlformats.org/drawingml/2006/main" uniqueId="urn:microsoft.com/office/officeart/2005/8/layout/cycle2">
+  <dgm:title val=""/>
+  <dgm:desc val=""/>
+  <dgm:catLst>
+    <dgm:cat type="cycle" pri="1000"/>
+    <dgm:cat type="convert" pri="10000"/>
+  </dgm:catLst>
+  <dgm:sampData>
+    <dgm:dataModel>
+      <dgm:ptLst>
+        <dgm:pt modelId="0" type="doc"/>
+        <dgm:pt modelId="1">
+          <dgm:prSet phldr="1"/>
+        </dgm:pt>
+        <dgm:pt modelId="2">
+          <dgm:prSet phldr="1"/>
+        </dgm:pt>
+        <dgm:pt modelId="3">
+          <dgm:prSet phldr="1"/>
+        </dgm:pt>
+        <dgm:pt modelId="4">
+          <dgm:prSet phldr="1"/>
+        </dgm:pt>
+        <dgm:pt modelId="5">
+          <dgm:prSet phldr="1"/>
+        </dgm:pt>
+      </dgm:ptLst>
+      <dgm:cxnLst>
+        <dgm:cxn modelId="6" srcId="0" destId="1" srcOrd="0" destOrd="0"/>
+        <dgm:cxn modelId="7" srcId="0" destId="2" srcOrd="1" destOrd="0"/>
+        <dgm:cxn modelId="8" srcId="0" destId="3" srcOrd="2" destOrd="0"/>
+        <dgm:cxn modelId="9" srcId="0" destId="4" srcOrd="3" destOrd="0"/>
+        <dgm:cxn modelId="10" srcId="0" destId="5" srcOrd="4" destOrd="0"/>
+      </dgm:cxnLst>
+      <dgm:bg/>
+      <dgm:whole/>
+    </dgm:dataModel>
+  </dgm:sampData>
+  <dgm:styleData>
+    <dgm:dataModel>
+      <dgm:ptLst>
+        <dgm:pt modelId="0" type="doc"/>
+        <dgm:pt modelId="1"/>
+        <dgm:pt modelId="2"/>
+        <dgm:pt modelId="3"/>
+      </dgm:ptLst>
+      <dgm:cxnLst>
+        <dgm:cxn modelId="4" srcId="0" destId="1" srcOrd="0" destOrd="0"/>
+        <dgm:cxn modelId="5" srcId="0" destId="2" srcOrd="1" destOrd="0"/>
+        <dgm:cxn modelId="6" srcId="0" destId="3" srcOrd="2" destOrd="0"/>
+      </dgm:cxnLst>
+      <dgm:bg/>
+      <dgm:whole/>
+    </dgm:dataModel>
+  </dgm:styleData>
+  <dgm:clrData>
+    <dgm:dataModel>
+      <dgm:ptLst>
+        <dgm:pt modelId="0" type="doc"/>
+        <dgm:pt modelId="1"/>
+        <dgm:pt modelId="2"/>
+        <dgm:pt modelId="3"/>
+        <dgm:pt modelId="4"/>
+        <dgm:pt modelId="5"/>
+        <dgm:pt modelId="6"/>
+      </dgm:ptLst>
+      <dgm:cxnLst>
+        <dgm:cxn modelId="7" srcId="0" destId="1" srcOrd="0" destOrd="0"/>
+        <dgm:cxn modelId="8" srcId="0" destId="2" srcOrd="1" destOrd="0"/>
+        <dgm:cxn modelId="9" srcId="0" destId="3" srcOrd="2" destOrd="0"/>
+        <dgm:cxn modelId="10" srcId="0" destId="4" srcOrd="3" destOrd="0"/>
+        <dgm:cxn modelId="11" srcId="0" destId="5" srcOrd="4" destOrd="0"/>
+        <dgm:cxn modelId="12" srcId="0" destId="6" srcOrd="5" destOrd="0"/>
+      </dgm:cxnLst>
+      <dgm:bg/>
+      <dgm:whole/>
+    </dgm:dataModel>
+  </dgm:clrData>
+  <dgm:layoutNode name="cycle">
+    <dgm:varLst>
+      <dgm:dir/>
+      <dgm:resizeHandles val="exact"/>
+    </dgm:varLst>
+    <dgm:choose name="Name0">
+      <dgm:if name="Name1" func="var" arg="dir" op="equ" val="norm">
+        <dgm:choose name="Name2">
+          <dgm:if name="Name3" axis="ch" ptType="node" func="cnt" op="gt" val="2">
+            <dgm:alg type="cycle">
+              <dgm:param type="stAng" val="0"/>
+              <dgm:param type="spanAng" val="360"/>
+            </dgm:alg>
+          </dgm:if>
+          <dgm:else name="Name4">
+            <dgm:alg type="cycle">
+              <dgm:param type="stAng" val="-90"/>
+              <dgm:param type="spanAng" val="360"/>
+            </dgm:alg>
+          </dgm:else>
+        </dgm:choose>
+      </dgm:if>
+      <dgm:else name="Name5">
+        <dgm:choose name="Name6">
+          <dgm:if name="Name7" axis="ch" ptType="node" func="cnt" op="gt" val="2">
+            <dgm:alg type="cycle">
+              <dgm:param type="stAng" val="0"/>
+              <dgm:param type="spanAng" val="-360"/>
+            </dgm:alg>
+          </dgm:if>
+          <dgm:else name="Name8">
+            <dgm:alg type="cycle">
+              <dgm:param type="stAng" val="90"/>
+              <dgm:param type="spanAng" val="-360"/>
+            </dgm:alg>
+          </dgm:else>
+        </dgm:choose>
+      </dgm:else>
+    </dgm:choose>
+    <dgm:shape xmlns:r="http://schemas.openxmlformats.org/officeDocument/2006/relationships" r:blip="">
+      <dgm:adjLst/>
+    </dgm:shape>
+    <dgm:presOf/>
+    <dgm:constrLst>
+      <dgm:constr type="w" for="ch" ptType="node" refType="w"/>
+      <dgm:constr type="w" for="ch" ptType="sibTrans" refType="w" refFor="ch" refPtType="node" op="equ" fact="0.25"/>
+      <dgm:constr type="sibSp" refType="w" refFor="ch" refPtType="node" fact="0.5"/>
+      <dgm:constr type="primFontSz" for="ch" ptType="node" op="equ" val="65"/>
+      <dgm:constr type="primFontSz" for="des" forName="connectorText" op="equ" val="55"/>
+      <dgm:constr type="primFontSz" for="des" forName="connectorText" refType="primFontSz" refFor="ch" refPtType="node" op="lte" fact="0.8"/>
+    </dgm:constrLst>
+    <dgm:ruleLst/>
+    <dgm:forEach name="nodesForEach" axis="ch" ptType="node">
+      <dgm:layoutNode name="node">
+        <dgm:varLst>
+          <dgm:bulletEnabled val="1"/>
+        </dgm:varLst>
+        <dgm:alg type="tx">
+          <dgm:param type="txAnchorVertCh" val="mid"/>
+        </dgm:alg>
+        <dgm:shape xmlns:r="http://schemas.openxmlformats.org/officeDocument/2006/relationships" type="ellipse" r:blip="">
+          <dgm:adjLst/>
+        </dgm:shape>
+        <dgm:presOf axis="desOrSelf" ptType="node"/>
+        <dgm:constrLst>
+          <dgm:constr type="h" refType="w"/>
+          <dgm:constr type="lMarg" refType="primFontSz" fact="0.1"/>
+          <dgm:constr type="rMarg" refType="primFontSz" fact="0.1"/>
+          <dgm:constr type="tMarg" refType="primFontSz" fact="0.1"/>
+          <dgm:constr type="bMarg" refType="primFontSz" fact="0.1"/>
+        </dgm:constrLst>
+        <dgm:ruleLst>
+          <dgm:rule type="primFontSz" val="5" fact="NaN" max="NaN"/>
+        </dgm:ruleLst>
+      </dgm:layoutNode>
+      <dgm:choose name="Name9">
+        <dgm:if name="Name10" axis="par ch" ptType="doc node" func="cnt" op="gt" val="1">
+          <dgm:forEach name="sibTransForEach" axis="followSib" ptType="sibTrans" hideLastTrans="0" cnt="1">
+            <dgm:layoutNode name="sibTrans">
+              <dgm:choose name="Name11">
+                <dgm:if name="Name12" axis="par ch" ptType="doc node" func="cnt" op="lt" val="3">
+                  <dgm:alg type="conn">
+                    <dgm:param type="begPts" val="radial"/>
+                    <dgm:param type="endPts" val="radial"/>
+                  </dgm:alg>
+                </dgm:if>
+                <dgm:else name="Name13">
+                  <dgm:alg type="conn">
+                    <dgm:param type="begPts" val="auto"/>
+                    <dgm:param type="endPts" val="auto"/>
+                  </dgm:alg>
+                </dgm:else>
+              </dgm:choose>
+              <dgm:shape xmlns:r="http://schemas.openxmlformats.org/officeDocument/2006/relationships" type="conn" r:blip="">
+                <dgm:adjLst/>
+              </dgm:shape>
+              <dgm:presOf axis="self"/>
+              <dgm:constrLst>
+                <dgm:constr type="h" refType="w" fact="1.35"/>
+                <dgm:constr type="connDist"/>
+                <dgm:constr type="w" for="ch" refType="connDist" fact="0.45"/>
+                <dgm:constr type="h" for="ch" refType="h"/>
+              </dgm:constrLst>
+              <dgm:ruleLst/>
+              <dgm:layoutNode name="connectorText">
+                <dgm:alg type="tx">
+                  <dgm:param type="autoTxRot" val="grav"/>
+                </dgm:alg>
+                <dgm:shape xmlns:r="http://schemas.openxmlformats.org/officeDocument/2006/relationships" type="conn" r:blip="" hideGeom="1">
+                  <dgm:adjLst/>
+                </dgm:shape>
+                <dgm:presOf axis="self"/>
+                <dgm:constrLst>
+                  <dgm:constr type="lMarg"/>
+                  <dgm:constr type="rMarg"/>
+                  <dgm:constr type="tMarg"/>
+                  <dgm:constr type="bMarg"/>
+                </dgm:constrLst>
+                <dgm:ruleLst>
+                  <dgm:rule type="primFontSz" val="5" fact="NaN" max="NaN"/>
+                </dgm:ruleLst>
+              </dgm:layoutNode>
+            </dgm:layoutNode>
+          </dgm:forEach>
+        </dgm:if>
+        <dgm:else name="Name14"/>
+      </dgm:choose>
+    </dgm:forEach>
+  </dgm:layoutNode>
+</dgm:layoutDef>
+</file>
+
 <file path=ppt/diagrams/quickStyle1.xml><?xml version="1.0" encoding="utf-8"?>
 <dgm:styleDef xmlns:dgm="http://schemas.openxmlformats.org/drawingml/2006/diagram" xmlns:a="http://schemas.openxmlformats.org/drawingml/2006/main" uniqueId="urn:microsoft.com/office/officeart/2005/8/quickstyle/simple1">
   <dgm:title val=""/>
@@ -5088,6 +7472,1040 @@
 </file>
 
 <file path=ppt/diagrams/quickStyle2.xml><?xml version="1.0" encoding="utf-8"?>
+<dgm:styleDef xmlns:dgm="http://schemas.openxmlformats.org/drawingml/2006/diagram" xmlns:a="http://schemas.openxmlformats.org/drawingml/2006/main" uniqueId="urn:microsoft.com/office/officeart/2005/8/quickstyle/simple1">
+  <dgm:title val=""/>
+  <dgm:desc val=""/>
+  <dgm:catLst>
+    <dgm:cat type="simple" pri="10100"/>
+  </dgm:catLst>
+  <dgm:scene3d>
+    <a:camera prst="orthographicFront"/>
+    <a:lightRig rig="threePt" dir="t"/>
+  </dgm:scene3d>
+  <dgm:styleLbl name="node0">
+    <dgm:scene3d>
+      <a:camera prst="orthographicFront"/>
+      <a:lightRig rig="threePt" dir="t"/>
+    </dgm:scene3d>
+    <dgm:sp3d/>
+    <dgm:txPr/>
+    <dgm:style>
+      <a:lnRef idx="2">
+        <a:scrgbClr r="0" g="0" b="0"/>
+      </a:lnRef>
+      <a:fillRef idx="1">
+        <a:scrgbClr r="0" g="0" b="0"/>
+      </a:fillRef>
+      <a:effectRef idx="0">
+        <a:scrgbClr r="0" g="0" b="0"/>
+      </a:effectRef>
+      <a:fontRef idx="minor">
+        <a:schemeClr val="lt1"/>
+      </a:fontRef>
+    </dgm:style>
+  </dgm:styleLbl>
+  <dgm:styleLbl name="lnNode1">
+    <dgm:scene3d>
+      <a:camera prst="orthographicFront"/>
+      <a:lightRig rig="threePt" dir="t"/>
+    </dgm:scene3d>
+    <dgm:sp3d/>
+    <dgm:txPr/>
+    <dgm:style>
+      <a:lnRef idx="2">
+        <a:scrgbClr r="0" g="0" b="0"/>
+      </a:lnRef>
+      <a:fillRef idx="1">
+        <a:scrgbClr r="0" g="0" b="0"/>
+      </a:fillRef>
+      <a:effectRef idx="0">
+        <a:scrgbClr r="0" g="0" b="0"/>
+      </a:effectRef>
+      <a:fontRef idx="minor">
+        <a:schemeClr val="lt1"/>
+      </a:fontRef>
+    </dgm:style>
+  </dgm:styleLbl>
+  <dgm:styleLbl name="vennNode1">
+    <dgm:scene3d>
+      <a:camera prst="orthographicFront"/>
+      <a:lightRig rig="threePt" dir="t"/>
+    </dgm:scene3d>
+    <dgm:sp3d/>
+    <dgm:txPr/>
+    <dgm:style>
+      <a:lnRef idx="2">
+        <a:scrgbClr r="0" g="0" b="0"/>
+      </a:lnRef>
+      <a:fillRef idx="1">
+        <a:scrgbClr r="0" g="0" b="0"/>
+      </a:fillRef>
+      <a:effectRef idx="0">
+        <a:scrgbClr r="0" g="0" b="0"/>
+      </a:effectRef>
+      <a:fontRef idx="minor">
+        <a:schemeClr val="tx1"/>
+      </a:fontRef>
+    </dgm:style>
+  </dgm:styleLbl>
+  <dgm:styleLbl name="alignNode1">
+    <dgm:scene3d>
+      <a:camera prst="orthographicFront"/>
+      <a:lightRig rig="threePt" dir="t"/>
+    </dgm:scene3d>
+    <dgm:sp3d/>
+    <dgm:txPr/>
+    <dgm:style>
+      <a:lnRef idx="2">
+        <a:scrgbClr r="0" g="0" b="0"/>
+      </a:lnRef>
+      <a:fillRef idx="1">
+        <a:scrgbClr r="0" g="0" b="0"/>
+      </a:fillRef>
+      <a:effectRef idx="0">
+        <a:scrgbClr r="0" g="0" b="0"/>
+      </a:effectRef>
+      <a:fontRef idx="minor">
+        <a:schemeClr val="lt1"/>
+      </a:fontRef>
+    </dgm:style>
+  </dgm:styleLbl>
+  <dgm:styleLbl name="node1">
+    <dgm:scene3d>
+      <a:camera prst="orthographicFront"/>
+      <a:lightRig rig="threePt" dir="t"/>
+    </dgm:scene3d>
+    <dgm:sp3d/>
+    <dgm:txPr/>
+    <dgm:style>
+      <a:lnRef idx="2">
+        <a:scrgbClr r="0" g="0" b="0"/>
+      </a:lnRef>
+      <a:fillRef idx="1">
+        <a:scrgbClr r="0" g="0" b="0"/>
+      </a:fillRef>
+      <a:effectRef idx="0">
+        <a:scrgbClr r="0" g="0" b="0"/>
+      </a:effectRef>
+      <a:fontRef idx="minor">
+        <a:schemeClr val="lt1"/>
+      </a:fontRef>
+    </dgm:style>
+  </dgm:styleLbl>
+  <dgm:styleLbl name="node2">
+    <dgm:scene3d>
+      <a:camera prst="orthographicFront"/>
+      <a:lightRig rig="threePt" dir="t"/>
+    </dgm:scene3d>
+    <dgm:sp3d/>
+    <dgm:txPr/>
+    <dgm:style>
+      <a:lnRef idx="2">
+        <a:scrgbClr r="0" g="0" b="0"/>
+      </a:lnRef>
+      <a:fillRef idx="1">
+        <a:scrgbClr r="0" g="0" b="0"/>
+      </a:fillRef>
+      <a:effectRef idx="0">
+        <a:scrgbClr r="0" g="0" b="0"/>
+      </a:effectRef>
+      <a:fontRef idx="minor">
+        <a:schemeClr val="lt1"/>
+      </a:fontRef>
+    </dgm:style>
+  </dgm:styleLbl>
+  <dgm:styleLbl name="node3">
+    <dgm:scene3d>
+      <a:camera prst="orthographicFront"/>
+      <a:lightRig rig="threePt" dir="t"/>
+    </dgm:scene3d>
+    <dgm:sp3d/>
+    <dgm:txPr/>
+    <dgm:style>
+      <a:lnRef idx="2">
+        <a:scrgbClr r="0" g="0" b="0"/>
+      </a:lnRef>
+      <a:fillRef idx="1">
+        <a:scrgbClr r="0" g="0" b="0"/>
+      </a:fillRef>
+      <a:effectRef idx="0">
+        <a:scrgbClr r="0" g="0" b="0"/>
+      </a:effectRef>
+      <a:fontRef idx="minor">
+        <a:schemeClr val="lt1"/>
+      </a:fontRef>
+    </dgm:style>
+  </dgm:styleLbl>
+  <dgm:styleLbl name="node4">
+    <dgm:scene3d>
+      <a:camera prst="orthographicFront"/>
+      <a:lightRig rig="threePt" dir="t"/>
+    </dgm:scene3d>
+    <dgm:sp3d/>
+    <dgm:txPr/>
+    <dgm:style>
+      <a:lnRef idx="2">
+        <a:scrgbClr r="0" g="0" b="0"/>
+      </a:lnRef>
+      <a:fillRef idx="1">
+        <a:scrgbClr r="0" g="0" b="0"/>
+      </a:fillRef>
+      <a:effectRef idx="0">
+        <a:scrgbClr r="0" g="0" b="0"/>
+      </a:effectRef>
+      <a:fontRef idx="minor">
+        <a:schemeClr val="lt1"/>
+      </a:fontRef>
+    </dgm:style>
+  </dgm:styleLbl>
+  <dgm:styleLbl name="fgImgPlace1">
+    <dgm:scene3d>
+      <a:camera prst="orthographicFront"/>
+      <a:lightRig rig="threePt" dir="t"/>
+    </dgm:scene3d>
+    <dgm:sp3d/>
+    <dgm:txPr/>
+    <dgm:style>
+      <a:lnRef idx="2">
+        <a:scrgbClr r="0" g="0" b="0"/>
+      </a:lnRef>
+      <a:fillRef idx="1">
+        <a:scrgbClr r="0" g="0" b="0"/>
+      </a:fillRef>
+      <a:effectRef idx="0">
+        <a:scrgbClr r="0" g="0" b="0"/>
+      </a:effectRef>
+      <a:fontRef idx="minor"/>
+    </dgm:style>
+  </dgm:styleLbl>
+  <dgm:styleLbl name="alignImgPlace1">
+    <dgm:scene3d>
+      <a:camera prst="orthographicFront"/>
+      <a:lightRig rig="threePt" dir="t"/>
+    </dgm:scene3d>
+    <dgm:sp3d/>
+    <dgm:txPr/>
+    <dgm:style>
+      <a:lnRef idx="2">
+        <a:scrgbClr r="0" g="0" b="0"/>
+      </a:lnRef>
+      <a:fillRef idx="1">
+        <a:scrgbClr r="0" g="0" b="0"/>
+      </a:fillRef>
+      <a:effectRef idx="0">
+        <a:scrgbClr r="0" g="0" b="0"/>
+      </a:effectRef>
+      <a:fontRef idx="minor"/>
+    </dgm:style>
+  </dgm:styleLbl>
+  <dgm:styleLbl name="bgImgPlace1">
+    <dgm:scene3d>
+      <a:camera prst="orthographicFront"/>
+      <a:lightRig rig="threePt" dir="t"/>
+    </dgm:scene3d>
+    <dgm:sp3d/>
+    <dgm:txPr/>
+    <dgm:style>
+      <a:lnRef idx="2">
+        <a:scrgbClr r="0" g="0" b="0"/>
+      </a:lnRef>
+      <a:fillRef idx="1">
+        <a:scrgbClr r="0" g="0" b="0"/>
+      </a:fillRef>
+      <a:effectRef idx="0">
+        <a:scrgbClr r="0" g="0" b="0"/>
+      </a:effectRef>
+      <a:fontRef idx="minor"/>
+    </dgm:style>
+  </dgm:styleLbl>
+  <dgm:styleLbl name="sibTrans2D1">
+    <dgm:scene3d>
+      <a:camera prst="orthographicFront"/>
+      <a:lightRig rig="threePt" dir="t"/>
+    </dgm:scene3d>
+    <dgm:sp3d/>
+    <dgm:txPr/>
+    <dgm:style>
+      <a:lnRef idx="0">
+        <a:scrgbClr r="0" g="0" b="0"/>
+      </a:lnRef>
+      <a:fillRef idx="1">
+        <a:scrgbClr r="0" g="0" b="0"/>
+      </a:fillRef>
+      <a:effectRef idx="0">
+        <a:scrgbClr r="0" g="0" b="0"/>
+      </a:effectRef>
+      <a:fontRef idx="minor">
+        <a:schemeClr val="lt1"/>
+      </a:fontRef>
+    </dgm:style>
+  </dgm:styleLbl>
+  <dgm:styleLbl name="fgSibTrans2D1">
+    <dgm:scene3d>
+      <a:camera prst="orthographicFront"/>
+      <a:lightRig rig="threePt" dir="t"/>
+    </dgm:scene3d>
+    <dgm:sp3d/>
+    <dgm:txPr/>
+    <dgm:style>
+      <a:lnRef idx="0">
+        <a:scrgbClr r="0" g="0" b="0"/>
+      </a:lnRef>
+      <a:fillRef idx="1">
+        <a:scrgbClr r="0" g="0" b="0"/>
+      </a:fillRef>
+      <a:effectRef idx="0">
+        <a:scrgbClr r="0" g="0" b="0"/>
+      </a:effectRef>
+      <a:fontRef idx="minor">
+        <a:schemeClr val="lt1"/>
+      </a:fontRef>
+    </dgm:style>
+  </dgm:styleLbl>
+  <dgm:styleLbl name="bgSibTrans2D1">
+    <dgm:scene3d>
+      <a:camera prst="orthographicFront"/>
+      <a:lightRig rig="threePt" dir="t"/>
+    </dgm:scene3d>
+    <dgm:sp3d/>
+    <dgm:txPr/>
+    <dgm:style>
+      <a:lnRef idx="0">
+        <a:scrgbClr r="0" g="0" b="0"/>
+      </a:lnRef>
+      <a:fillRef idx="1">
+        <a:scrgbClr r="0" g="0" b="0"/>
+      </a:fillRef>
+      <a:effectRef idx="0">
+        <a:scrgbClr r="0" g="0" b="0"/>
+      </a:effectRef>
+      <a:fontRef idx="minor">
+        <a:schemeClr val="lt1"/>
+      </a:fontRef>
+    </dgm:style>
+  </dgm:styleLbl>
+  <dgm:styleLbl name="sibTrans1D1">
+    <dgm:scene3d>
+      <a:camera prst="orthographicFront"/>
+      <a:lightRig rig="threePt" dir="t"/>
+    </dgm:scene3d>
+    <dgm:sp3d/>
+    <dgm:txPr/>
+    <dgm:style>
+      <a:lnRef idx="1">
+        <a:scrgbClr r="0" g="0" b="0"/>
+      </a:lnRef>
+      <a:fillRef idx="0">
+        <a:scrgbClr r="0" g="0" b="0"/>
+      </a:fillRef>
+      <a:effectRef idx="0">
+        <a:scrgbClr r="0" g="0" b="0"/>
+      </a:effectRef>
+      <a:fontRef idx="minor"/>
+    </dgm:style>
+  </dgm:styleLbl>
+  <dgm:styleLbl name="callout">
+    <dgm:scene3d>
+      <a:camera prst="orthographicFront"/>
+      <a:lightRig rig="threePt" dir="t"/>
+    </dgm:scene3d>
+    <dgm:sp3d/>
+    <dgm:txPr/>
+    <dgm:style>
+      <a:lnRef idx="2">
+        <a:scrgbClr r="0" g="0" b="0"/>
+      </a:lnRef>
+      <a:fillRef idx="1">
+        <a:scrgbClr r="0" g="0" b="0"/>
+      </a:fillRef>
+      <a:effectRef idx="0">
+        <a:scrgbClr r="0" g="0" b="0"/>
+      </a:effectRef>
+      <a:fontRef idx="minor"/>
+    </dgm:style>
+  </dgm:styleLbl>
+  <dgm:styleLbl name="asst0">
+    <dgm:scene3d>
+      <a:camera prst="orthographicFront"/>
+      <a:lightRig rig="threePt" dir="t"/>
+    </dgm:scene3d>
+    <dgm:sp3d/>
+    <dgm:txPr/>
+    <dgm:style>
+      <a:lnRef idx="2">
+        <a:scrgbClr r="0" g="0" b="0"/>
+      </a:lnRef>
+      <a:fillRef idx="1">
+        <a:scrgbClr r="0" g="0" b="0"/>
+      </a:fillRef>
+      <a:effectRef idx="0">
+        <a:scrgbClr r="0" g="0" b="0"/>
+      </a:effectRef>
+      <a:fontRef idx="minor">
+        <a:schemeClr val="lt1"/>
+      </a:fontRef>
+    </dgm:style>
+  </dgm:styleLbl>
+  <dgm:styleLbl name="asst1">
+    <dgm:scene3d>
+      <a:camera prst="orthographicFront"/>
+      <a:lightRig rig="threePt" dir="t"/>
+    </dgm:scene3d>
+    <dgm:sp3d/>
+    <dgm:txPr/>
+    <dgm:style>
+      <a:lnRef idx="2">
+        <a:scrgbClr r="0" g="0" b="0"/>
+      </a:lnRef>
+      <a:fillRef idx="1">
+        <a:scrgbClr r="0" g="0" b="0"/>
+      </a:fillRef>
+      <a:effectRef idx="0">
+        <a:scrgbClr r="0" g="0" b="0"/>
+      </a:effectRef>
+      <a:fontRef idx="minor">
+        <a:schemeClr val="lt1"/>
+      </a:fontRef>
+    </dgm:style>
+  </dgm:styleLbl>
+  <dgm:styleLbl name="asst2">
+    <dgm:scene3d>
+      <a:camera prst="orthographicFront"/>
+      <a:lightRig rig="threePt" dir="t"/>
+    </dgm:scene3d>
+    <dgm:sp3d/>
+    <dgm:txPr/>
+    <dgm:style>
+      <a:lnRef idx="2">
+        <a:scrgbClr r="0" g="0" b="0"/>
+      </a:lnRef>
+      <a:fillRef idx="1">
+        <a:scrgbClr r="0" g="0" b="0"/>
+      </a:fillRef>
+      <a:effectRef idx="0">
+        <a:scrgbClr r="0" g="0" b="0"/>
+      </a:effectRef>
+      <a:fontRef idx="minor">
+        <a:schemeClr val="lt1"/>
+      </a:fontRef>
+    </dgm:style>
+  </dgm:styleLbl>
+  <dgm:styleLbl name="asst3">
+    <dgm:scene3d>
+      <a:camera prst="orthographicFront"/>
+      <a:lightRig rig="threePt" dir="t"/>
+    </dgm:scene3d>
+    <dgm:sp3d/>
+    <dgm:txPr/>
+    <dgm:style>
+      <a:lnRef idx="2">
+        <a:scrgbClr r="0" g="0" b="0"/>
+      </a:lnRef>
+      <a:fillRef idx="1">
+        <a:scrgbClr r="0" g="0" b="0"/>
+      </a:fillRef>
+      <a:effectRef idx="0">
+        <a:scrgbClr r="0" g="0" b="0"/>
+      </a:effectRef>
+      <a:fontRef idx="minor">
+        <a:schemeClr val="lt1"/>
+      </a:fontRef>
+    </dgm:style>
+  </dgm:styleLbl>
+  <dgm:styleLbl name="asst4">
+    <dgm:scene3d>
+      <a:camera prst="orthographicFront"/>
+      <a:lightRig rig="threePt" dir="t"/>
+    </dgm:scene3d>
+    <dgm:sp3d/>
+    <dgm:txPr/>
+    <dgm:style>
+      <a:lnRef idx="2">
+        <a:scrgbClr r="0" g="0" b="0"/>
+      </a:lnRef>
+      <a:fillRef idx="1">
+        <a:scrgbClr r="0" g="0" b="0"/>
+      </a:fillRef>
+      <a:effectRef idx="0">
+        <a:scrgbClr r="0" g="0" b="0"/>
+      </a:effectRef>
+      <a:fontRef idx="minor">
+        <a:schemeClr val="lt1"/>
+      </a:fontRef>
+    </dgm:style>
+  </dgm:styleLbl>
+  <dgm:styleLbl name="parChTrans2D1">
+    <dgm:scene3d>
+      <a:camera prst="orthographicFront"/>
+      <a:lightRig rig="threePt" dir="t"/>
+    </dgm:scene3d>
+    <dgm:sp3d/>
+    <dgm:txPr/>
+    <dgm:style>
+      <a:lnRef idx="2">
+        <a:scrgbClr r="0" g="0" b="0"/>
+      </a:lnRef>
+      <a:fillRef idx="1">
+        <a:scrgbClr r="0" g="0" b="0"/>
+      </a:fillRef>
+      <a:effectRef idx="0">
+        <a:scrgbClr r="0" g="0" b="0"/>
+      </a:effectRef>
+      <a:fontRef idx="minor">
+        <a:schemeClr val="lt1"/>
+      </a:fontRef>
+    </dgm:style>
+  </dgm:styleLbl>
+  <dgm:styleLbl name="parChTrans2D2">
+    <dgm:scene3d>
+      <a:camera prst="orthographicFront"/>
+      <a:lightRig rig="threePt" dir="t"/>
+    </dgm:scene3d>
+    <dgm:sp3d/>
+    <dgm:txPr/>
+    <dgm:style>
+      <a:lnRef idx="2">
+        <a:scrgbClr r="0" g="0" b="0"/>
+      </a:lnRef>
+      <a:fillRef idx="1">
+        <a:scrgbClr r="0" g="0" b="0"/>
+      </a:fillRef>
+      <a:effectRef idx="0">
+        <a:scrgbClr r="0" g="0" b="0"/>
+      </a:effectRef>
+      <a:fontRef idx="minor">
+        <a:schemeClr val="lt1"/>
+      </a:fontRef>
+    </dgm:style>
+  </dgm:styleLbl>
+  <dgm:styleLbl name="parChTrans2D3">
+    <dgm:scene3d>
+      <a:camera prst="orthographicFront"/>
+      <a:lightRig rig="threePt" dir="t"/>
+    </dgm:scene3d>
+    <dgm:sp3d/>
+    <dgm:txPr/>
+    <dgm:style>
+      <a:lnRef idx="2">
+        <a:scrgbClr r="0" g="0" b="0"/>
+      </a:lnRef>
+      <a:fillRef idx="1">
+        <a:scrgbClr r="0" g="0" b="0"/>
+      </a:fillRef>
+      <a:effectRef idx="0">
+        <a:scrgbClr r="0" g="0" b="0"/>
+      </a:effectRef>
+      <a:fontRef idx="minor">
+        <a:schemeClr val="lt1"/>
+      </a:fontRef>
+    </dgm:style>
+  </dgm:styleLbl>
+  <dgm:styleLbl name="parChTrans2D4">
+    <dgm:scene3d>
+      <a:camera prst="orthographicFront"/>
+      <a:lightRig rig="threePt" dir="t"/>
+    </dgm:scene3d>
+    <dgm:sp3d/>
+    <dgm:txPr/>
+    <dgm:style>
+      <a:lnRef idx="2">
+        <a:scrgbClr r="0" g="0" b="0"/>
+      </a:lnRef>
+      <a:fillRef idx="1">
+        <a:scrgbClr r="0" g="0" b="0"/>
+      </a:fillRef>
+      <a:effectRef idx="0">
+        <a:scrgbClr r="0" g="0" b="0"/>
+      </a:effectRef>
+      <a:fontRef idx="minor">
+        <a:schemeClr val="lt1"/>
+      </a:fontRef>
+    </dgm:style>
+  </dgm:styleLbl>
+  <dgm:styleLbl name="parChTrans1D1">
+    <dgm:scene3d>
+      <a:camera prst="orthographicFront"/>
+      <a:lightRig rig="threePt" dir="t"/>
+    </dgm:scene3d>
+    <dgm:sp3d/>
+    <dgm:txPr/>
+    <dgm:style>
+      <a:lnRef idx="2">
+        <a:scrgbClr r="0" g="0" b="0"/>
+      </a:lnRef>
+      <a:fillRef idx="0">
+        <a:scrgbClr r="0" g="0" b="0"/>
+      </a:fillRef>
+      <a:effectRef idx="0">
+        <a:scrgbClr r="0" g="0" b="0"/>
+      </a:effectRef>
+      <a:fontRef idx="minor"/>
+    </dgm:style>
+  </dgm:styleLbl>
+  <dgm:styleLbl name="parChTrans1D2">
+    <dgm:scene3d>
+      <a:camera prst="orthographicFront"/>
+      <a:lightRig rig="threePt" dir="t"/>
+    </dgm:scene3d>
+    <dgm:sp3d/>
+    <dgm:txPr/>
+    <dgm:style>
+      <a:lnRef idx="2">
+        <a:scrgbClr r="0" g="0" b="0"/>
+      </a:lnRef>
+      <a:fillRef idx="0">
+        <a:scrgbClr r="0" g="0" b="0"/>
+      </a:fillRef>
+      <a:effectRef idx="0">
+        <a:scrgbClr r="0" g="0" b="0"/>
+      </a:effectRef>
+      <a:fontRef idx="minor"/>
+    </dgm:style>
+  </dgm:styleLbl>
+  <dgm:styleLbl name="parChTrans1D3">
+    <dgm:scene3d>
+      <a:camera prst="orthographicFront"/>
+      <a:lightRig rig="threePt" dir="t"/>
+    </dgm:scene3d>
+    <dgm:sp3d/>
+    <dgm:txPr/>
+    <dgm:style>
+      <a:lnRef idx="2">
+        <a:scrgbClr r="0" g="0" b="0"/>
+      </a:lnRef>
+      <a:fillRef idx="0">
+        <a:scrgbClr r="0" g="0" b="0"/>
+      </a:fillRef>
+      <a:effectRef idx="0">
+        <a:scrgbClr r="0" g="0" b="0"/>
+      </a:effectRef>
+      <a:fontRef idx="minor"/>
+    </dgm:style>
+  </dgm:styleLbl>
+  <dgm:styleLbl name="parChTrans1D4">
+    <dgm:scene3d>
+      <a:camera prst="orthographicFront"/>
+      <a:lightRig rig="threePt" dir="t"/>
+    </dgm:scene3d>
+    <dgm:sp3d/>
+    <dgm:txPr/>
+    <dgm:style>
+      <a:lnRef idx="2">
+        <a:scrgbClr r="0" g="0" b="0"/>
+      </a:lnRef>
+      <a:fillRef idx="0">
+        <a:scrgbClr r="0" g="0" b="0"/>
+      </a:fillRef>
+      <a:effectRef idx="0">
+        <a:scrgbClr r="0" g="0" b="0"/>
+      </a:effectRef>
+      <a:fontRef idx="minor"/>
+    </dgm:style>
+  </dgm:styleLbl>
+  <dgm:styleLbl name="fgAcc1">
+    <dgm:scene3d>
+      <a:camera prst="orthographicFront"/>
+      <a:lightRig rig="threePt" dir="t"/>
+    </dgm:scene3d>
+    <dgm:sp3d/>
+    <dgm:txPr/>
+    <dgm:style>
+      <a:lnRef idx="2">
+        <a:scrgbClr r="0" g="0" b="0"/>
+      </a:lnRef>
+      <a:fillRef idx="1">
+        <a:scrgbClr r="0" g="0" b="0"/>
+      </a:fillRef>
+      <a:effectRef idx="0">
+        <a:scrgbClr r="0" g="0" b="0"/>
+      </a:effectRef>
+      <a:fontRef idx="minor"/>
+    </dgm:style>
+  </dgm:styleLbl>
+  <dgm:styleLbl name="conFgAcc1">
+    <dgm:scene3d>
+      <a:camera prst="orthographicFront"/>
+      <a:lightRig rig="threePt" dir="t"/>
+    </dgm:scene3d>
+    <dgm:sp3d/>
+    <dgm:txPr/>
+    <dgm:style>
+      <a:lnRef idx="2">
+        <a:scrgbClr r="0" g="0" b="0"/>
+      </a:lnRef>
+      <a:fillRef idx="1">
+        <a:scrgbClr r="0" g="0" b="0"/>
+      </a:fillRef>
+      <a:effectRef idx="0">
+        <a:scrgbClr r="0" g="0" b="0"/>
+      </a:effectRef>
+      <a:fontRef idx="minor"/>
+    </dgm:style>
+  </dgm:styleLbl>
+  <dgm:styleLbl name="alignAcc1">
+    <dgm:scene3d>
+      <a:camera prst="orthographicFront"/>
+      <a:lightRig rig="threePt" dir="t"/>
+    </dgm:scene3d>
+    <dgm:sp3d/>
+    <dgm:txPr/>
+    <dgm:style>
+      <a:lnRef idx="2">
+        <a:scrgbClr r="0" g="0" b="0"/>
+      </a:lnRef>
+      <a:fillRef idx="1">
+        <a:scrgbClr r="0" g="0" b="0"/>
+      </a:fillRef>
+      <a:effectRef idx="0">
+        <a:scrgbClr r="0" g="0" b="0"/>
+      </a:effectRef>
+      <a:fontRef idx="minor"/>
+    </dgm:style>
+  </dgm:styleLbl>
+  <dgm:styleLbl name="trAlignAcc1">
+    <dgm:scene3d>
+      <a:camera prst="orthographicFront"/>
+      <a:lightRig rig="threePt" dir="t"/>
+    </dgm:scene3d>
+    <dgm:sp3d/>
+    <dgm:txPr/>
+    <dgm:style>
+      <a:lnRef idx="1">
+        <a:scrgbClr r="0" g="0" b="0"/>
+      </a:lnRef>
+      <a:fillRef idx="1">
+        <a:scrgbClr r="0" g="0" b="0"/>
+      </a:fillRef>
+      <a:effectRef idx="0">
+        <a:scrgbClr r="0" g="0" b="0"/>
+      </a:effectRef>
+      <a:fontRef idx="minor"/>
+    </dgm:style>
+  </dgm:styleLbl>
+  <dgm:styleLbl name="bgAcc1">
+    <dgm:scene3d>
+      <a:camera prst="orthographicFront"/>
+      <a:lightRig rig="threePt" dir="t"/>
+    </dgm:scene3d>
+    <dgm:sp3d/>
+    <dgm:txPr/>
+    <dgm:style>
+      <a:lnRef idx="2">
+        <a:scrgbClr r="0" g="0" b="0"/>
+      </a:lnRef>
+      <a:fillRef idx="1">
+        <a:scrgbClr r="0" g="0" b="0"/>
+      </a:fillRef>
+      <a:effectRef idx="0">
+        <a:scrgbClr r="0" g="0" b="0"/>
+      </a:effectRef>
+      <a:fontRef idx="minor"/>
+    </dgm:style>
+  </dgm:styleLbl>
+  <dgm:styleLbl name="solidFgAcc1">
+    <dgm:scene3d>
+      <a:camera prst="orthographicFront"/>
+      <a:lightRig rig="threePt" dir="t"/>
+    </dgm:scene3d>
+    <dgm:sp3d/>
+    <dgm:txPr/>
+    <dgm:style>
+      <a:lnRef idx="2">
+        <a:scrgbClr r="0" g="0" b="0"/>
+      </a:lnRef>
+      <a:fillRef idx="1">
+        <a:scrgbClr r="0" g="0" b="0"/>
+      </a:fillRef>
+      <a:effectRef idx="0">
+        <a:scrgbClr r="0" g="0" b="0"/>
+      </a:effectRef>
+      <a:fontRef idx="minor"/>
+    </dgm:style>
+  </dgm:styleLbl>
+  <dgm:styleLbl name="solidAlignAcc1">
+    <dgm:scene3d>
+      <a:camera prst="orthographicFront"/>
+      <a:lightRig rig="threePt" dir="t"/>
+    </dgm:scene3d>
+    <dgm:sp3d/>
+    <dgm:txPr/>
+    <dgm:style>
+      <a:lnRef idx="2">
+        <a:scrgbClr r="0" g="0" b="0"/>
+      </a:lnRef>
+      <a:fillRef idx="1">
+        <a:scrgbClr r="0" g="0" b="0"/>
+      </a:fillRef>
+      <a:effectRef idx="0">
+        <a:scrgbClr r="0" g="0" b="0"/>
+      </a:effectRef>
+      <a:fontRef idx="minor"/>
+    </dgm:style>
+  </dgm:styleLbl>
+  <dgm:styleLbl name="solidBgAcc1">
+    <dgm:scene3d>
+      <a:camera prst="orthographicFront"/>
+      <a:lightRig rig="threePt" dir="t"/>
+    </dgm:scene3d>
+    <dgm:sp3d/>
+    <dgm:txPr/>
+    <dgm:style>
+      <a:lnRef idx="2">
+        <a:scrgbClr r="0" g="0" b="0"/>
+      </a:lnRef>
+      <a:fillRef idx="1">
+        <a:scrgbClr r="0" g="0" b="0"/>
+      </a:fillRef>
+      <a:effectRef idx="0">
+        <a:scrgbClr r="0" g="0" b="0"/>
+      </a:effectRef>
+      <a:fontRef idx="minor"/>
+    </dgm:style>
+  </dgm:styleLbl>
+  <dgm:styleLbl name="fgAccFollowNode1">
+    <dgm:scene3d>
+      <a:camera prst="orthographicFront"/>
+      <a:lightRig rig="threePt" dir="t"/>
+    </dgm:scene3d>
+    <dgm:sp3d/>
+    <dgm:txPr/>
+    <dgm:style>
+      <a:lnRef idx="2">
+        <a:scrgbClr r="0" g="0" b="0"/>
+      </a:lnRef>
+      <a:fillRef idx="1">
+        <a:scrgbClr r="0" g="0" b="0"/>
+      </a:fillRef>
+      <a:effectRef idx="0">
+        <a:scrgbClr r="0" g="0" b="0"/>
+      </a:effectRef>
+      <a:fontRef idx="minor"/>
+    </dgm:style>
+  </dgm:styleLbl>
+  <dgm:styleLbl name="alignAccFollowNode1">
+    <dgm:scene3d>
+      <a:camera prst="orthographicFront"/>
+      <a:lightRig rig="threePt" dir="t"/>
+    </dgm:scene3d>
+    <dgm:sp3d/>
+    <dgm:txPr/>
+    <dgm:style>
+      <a:lnRef idx="2">
+        <a:scrgbClr r="0" g="0" b="0"/>
+      </a:lnRef>
+      <a:fillRef idx="1">
+        <a:scrgbClr r="0" g="0" b="0"/>
+      </a:fillRef>
+      <a:effectRef idx="0">
+        <a:scrgbClr r="0" g="0" b="0"/>
+      </a:effectRef>
+      <a:fontRef idx="minor"/>
+    </dgm:style>
+  </dgm:styleLbl>
+  <dgm:styleLbl name="bgAccFollowNode1">
+    <dgm:scene3d>
+      <a:camera prst="orthographicFront"/>
+      <a:lightRig rig="threePt" dir="t"/>
+    </dgm:scene3d>
+    <dgm:sp3d/>
+    <dgm:txPr/>
+    <dgm:style>
+      <a:lnRef idx="2">
+        <a:scrgbClr r="0" g="0" b="0"/>
+      </a:lnRef>
+      <a:fillRef idx="1">
+        <a:scrgbClr r="0" g="0" b="0"/>
+      </a:fillRef>
+      <a:effectRef idx="0">
+        <a:scrgbClr r="0" g="0" b="0"/>
+      </a:effectRef>
+      <a:fontRef idx="minor"/>
+    </dgm:style>
+  </dgm:styleLbl>
+  <dgm:styleLbl name="fgAcc0">
+    <dgm:scene3d>
+      <a:camera prst="orthographicFront"/>
+      <a:lightRig rig="threePt" dir="t"/>
+    </dgm:scene3d>
+    <dgm:sp3d/>
+    <dgm:txPr/>
+    <dgm:style>
+      <a:lnRef idx="2">
+        <a:scrgbClr r="0" g="0" b="0"/>
+      </a:lnRef>
+      <a:fillRef idx="1">
+        <a:scrgbClr r="0" g="0" b="0"/>
+      </a:fillRef>
+      <a:effectRef idx="0">
+        <a:scrgbClr r="0" g="0" b="0"/>
+      </a:effectRef>
+      <a:fontRef idx="minor"/>
+    </dgm:style>
+  </dgm:styleLbl>
+  <dgm:styleLbl name="fgAcc2">
+    <dgm:scene3d>
+      <a:camera prst="orthographicFront"/>
+      <a:lightRig rig="threePt" dir="t"/>
+    </dgm:scene3d>
+    <dgm:sp3d/>
+    <dgm:txPr/>
+    <dgm:style>
+      <a:lnRef idx="2">
+        <a:scrgbClr r="0" g="0" b="0"/>
+      </a:lnRef>
+      <a:fillRef idx="1">
+        <a:scrgbClr r="0" g="0" b="0"/>
+      </a:fillRef>
+      <a:effectRef idx="0">
+        <a:scrgbClr r="0" g="0" b="0"/>
+      </a:effectRef>
+      <a:fontRef idx="minor"/>
+    </dgm:style>
+  </dgm:styleLbl>
+  <dgm:styleLbl name="fgAcc3">
+    <dgm:scene3d>
+      <a:camera prst="orthographicFront"/>
+      <a:lightRig rig="threePt" dir="t"/>
+    </dgm:scene3d>
+    <dgm:sp3d/>
+    <dgm:txPr/>
+    <dgm:style>
+      <a:lnRef idx="2">
+        <a:scrgbClr r="0" g="0" b="0"/>
+      </a:lnRef>
+      <a:fillRef idx="1">
+        <a:scrgbClr r="0" g="0" b="0"/>
+      </a:fillRef>
+      <a:effectRef idx="0">
+        <a:scrgbClr r="0" g="0" b="0"/>
+      </a:effectRef>
+      <a:fontRef idx="minor"/>
+    </dgm:style>
+  </dgm:styleLbl>
+  <dgm:styleLbl name="fgAcc4">
+    <dgm:scene3d>
+      <a:camera prst="orthographicFront"/>
+      <a:lightRig rig="threePt" dir="t"/>
+    </dgm:scene3d>
+    <dgm:sp3d/>
+    <dgm:txPr/>
+    <dgm:style>
+      <a:lnRef idx="2">
+        <a:scrgbClr r="0" g="0" b="0"/>
+      </a:lnRef>
+      <a:fillRef idx="1">
+        <a:scrgbClr r="0" g="0" b="0"/>
+      </a:fillRef>
+      <a:effectRef idx="0">
+        <a:scrgbClr r="0" g="0" b="0"/>
+      </a:effectRef>
+      <a:fontRef idx="minor"/>
+    </dgm:style>
+  </dgm:styleLbl>
+  <dgm:styleLbl name="bgShp">
+    <dgm:scene3d>
+      <a:camera prst="orthographicFront"/>
+      <a:lightRig rig="threePt" dir="t"/>
+    </dgm:scene3d>
+    <dgm:sp3d/>
+    <dgm:txPr/>
+    <dgm:style>
+      <a:lnRef idx="0">
+        <a:scrgbClr r="0" g="0" b="0"/>
+      </a:lnRef>
+      <a:fillRef idx="1">
+        <a:scrgbClr r="0" g="0" b="0"/>
+      </a:fillRef>
+      <a:effectRef idx="0">
+        <a:scrgbClr r="0" g="0" b="0"/>
+      </a:effectRef>
+      <a:fontRef idx="minor"/>
+    </dgm:style>
+  </dgm:styleLbl>
+  <dgm:styleLbl name="dkBgShp">
+    <dgm:scene3d>
+      <a:camera prst="orthographicFront"/>
+      <a:lightRig rig="threePt" dir="t"/>
+    </dgm:scene3d>
+    <dgm:sp3d/>
+    <dgm:txPr/>
+    <dgm:style>
+      <a:lnRef idx="0">
+        <a:scrgbClr r="0" g="0" b="0"/>
+      </a:lnRef>
+      <a:fillRef idx="1">
+        <a:scrgbClr r="0" g="0" b="0"/>
+      </a:fillRef>
+      <a:effectRef idx="0">
+        <a:scrgbClr r="0" g="0" b="0"/>
+      </a:effectRef>
+      <a:fontRef idx="minor"/>
+    </dgm:style>
+  </dgm:styleLbl>
+  <dgm:styleLbl name="trBgShp">
+    <dgm:scene3d>
+      <a:camera prst="orthographicFront"/>
+      <a:lightRig rig="threePt" dir="t"/>
+    </dgm:scene3d>
+    <dgm:sp3d/>
+    <dgm:txPr/>
+    <dgm:style>
+      <a:lnRef idx="0">
+        <a:scrgbClr r="0" g="0" b="0"/>
+      </a:lnRef>
+      <a:fillRef idx="1">
+        <a:scrgbClr r="0" g="0" b="0"/>
+      </a:fillRef>
+      <a:effectRef idx="0">
+        <a:scrgbClr r="0" g="0" b="0"/>
+      </a:effectRef>
+      <a:fontRef idx="minor"/>
+    </dgm:style>
+  </dgm:styleLbl>
+  <dgm:styleLbl name="fgShp">
+    <dgm:scene3d>
+      <a:camera prst="orthographicFront"/>
+      <a:lightRig rig="threePt" dir="t"/>
+    </dgm:scene3d>
+    <dgm:sp3d/>
+    <dgm:txPr/>
+    <dgm:style>
+      <a:lnRef idx="2">
+        <a:scrgbClr r="0" g="0" b="0"/>
+      </a:lnRef>
+      <a:fillRef idx="1">
+        <a:scrgbClr r="0" g="0" b="0"/>
+      </a:fillRef>
+      <a:effectRef idx="0">
+        <a:scrgbClr r="0" g="0" b="0"/>
+      </a:effectRef>
+      <a:fontRef idx="minor"/>
+    </dgm:style>
+  </dgm:styleLbl>
+  <dgm:styleLbl name="revTx">
+    <dgm:scene3d>
+      <a:camera prst="orthographicFront"/>
+      <a:lightRig rig="threePt" dir="t"/>
+    </dgm:scene3d>
+    <dgm:sp3d/>
+    <dgm:txPr/>
+    <dgm:style>
+      <a:lnRef idx="0">
+        <a:scrgbClr r="0" g="0" b="0"/>
+      </a:lnRef>
+      <a:fillRef idx="0">
+        <a:scrgbClr r="0" g="0" b="0"/>
+      </a:fillRef>
+      <a:effectRef idx="0">
+        <a:scrgbClr r="0" g="0" b="0"/>
+      </a:effectRef>
+      <a:fontRef idx="minor"/>
+    </dgm:style>
+  </dgm:styleLbl>
+</dgm:styleDef>
+</file>
+
+<file path=ppt/diagrams/quickStyle3.xml><?xml version="1.0" encoding="utf-8"?>
 <dgm:styleDef xmlns:dgm="http://schemas.openxmlformats.org/drawingml/2006/diagram" xmlns:a="http://schemas.openxmlformats.org/drawingml/2006/main" uniqueId="urn:microsoft.com/office/officeart/2005/8/quickstyle/simple1">
   <dgm:title val=""/>
   <dgm:desc val=""/>
@@ -6203,7 +9621,7 @@
           <a:p>
             <a:fld id="{6FEFB717-BC87-41D7-8B7A-E83E84006AAC}" type="datetimeFigureOut">
               <a:rPr lang="ko-KR" altLang="en-US" smtClean="0"/>
-              <a:t>2017-10-28</a:t>
+              <a:t>2017-10-30</a:t>
             </a:fld>
             <a:endParaRPr lang="ko-KR" altLang="en-US" dirty="0"/>
           </a:p>
@@ -6373,7 +9791,7 @@
           <a:p>
             <a:fld id="{FCC96FB9-AE3A-49E9-BBEB-ACB7ABCC87C1}" type="datetimeFigureOut">
               <a:rPr lang="ko-KR" altLang="en-US" smtClean="0"/>
-              <a:t>2017-10-28</a:t>
+              <a:t>2017-10-30</a:t>
             </a:fld>
             <a:endParaRPr lang="ko-KR" altLang="en-US" dirty="0"/>
           </a:p>
@@ -11007,24 +14425,7 @@
                 <a:latin typeface="-윤고딕320" panose="02030504000101010101" pitchFamily="18" charset="-127"/>
                 <a:ea typeface="-윤고딕320" panose="02030504000101010101" pitchFamily="18" charset="-127"/>
               </a:rPr>
-              <a:t>게임 </a:t>
-            </a:r>
-            <a:r>
-              <a:rPr lang="ko-KR" altLang="en-US" sz="2800" dirty="0" smtClean="0">
-                <a:solidFill>
-                  <a:schemeClr val="bg1"/>
-                </a:solidFill>
-                <a:effectLst>
-                  <a:outerShdw blurRad="38100" dist="38100" dir="2700000" algn="tl">
-                    <a:srgbClr val="000000">
-                      <a:alpha val="43137"/>
-                    </a:srgbClr>
-                  </a:outerShdw>
-                </a:effectLst>
-                <a:latin typeface="-윤고딕320" panose="02030504000101010101" pitchFamily="18" charset="-127"/>
-                <a:ea typeface="-윤고딕320" panose="02030504000101010101" pitchFamily="18" charset="-127"/>
-              </a:rPr>
-              <a:t>소개 </a:t>
+              <a:t>게임 소개 </a:t>
             </a:r>
             <a:r>
               <a:rPr lang="en-US" altLang="ko-KR" sz="2800" dirty="0" smtClean="0">
@@ -11209,83 +14610,6 @@
       </p:cxnSp>
       <p:sp>
         <p:nvSpPr>
-          <p:cNvPr id="7" name="TextBox 6"/>
-          <p:cNvSpPr txBox="1"/>
-          <p:nvPr/>
-        </p:nvSpPr>
-        <p:spPr>
-          <a:xfrm>
-            <a:off x="117687" y="1363131"/>
-            <a:ext cx="11617113" cy="400110"/>
-          </a:xfrm>
-          <a:prstGeom prst="rect">
-            <a:avLst/>
-          </a:prstGeom>
-          <a:noFill/>
-        </p:spPr>
-        <p:txBody>
-          <a:bodyPr wrap="square" rtlCol="0" anchor="t">
-            <a:spAutoFit/>
-          </a:bodyPr>
-          <a:lstStyle/>
-          <a:p>
-            <a:pPr marL="457200" indent="-457200">
-              <a:buFont typeface="Arial" panose="020B0604020202020204" pitchFamily="34" charset="0"/>
-              <a:buChar char="•"/>
-            </a:pPr>
-            <a:r>
-              <a:rPr lang="ko-KR" altLang="en-US" sz="2000" dirty="0" smtClean="0">
-                <a:solidFill>
-                  <a:schemeClr val="bg1"/>
-                </a:solidFill>
-                <a:effectLst>
-                  <a:outerShdw blurRad="38100" dist="38100" dir="2700000" algn="tl">
-                    <a:srgbClr val="000000">
-                      <a:alpha val="43137"/>
-                    </a:srgbClr>
-                  </a:outerShdw>
-                </a:effectLst>
-                <a:latin typeface="-윤고딕310" panose="02030504000101010101" pitchFamily="18" charset="-127"/>
-                <a:ea typeface="-윤고딕310" panose="02030504000101010101" pitchFamily="18" charset="-127"/>
-              </a:rPr>
-              <a:t>요약하자면 기본적인 기능과 인터페이스는 다음과 같다</a:t>
-            </a:r>
-            <a:r>
-              <a:rPr lang="en-US" altLang="ko-KR" sz="2000" dirty="0" smtClean="0">
-                <a:solidFill>
-                  <a:schemeClr val="bg1"/>
-                </a:solidFill>
-                <a:effectLst>
-                  <a:outerShdw blurRad="38100" dist="38100" dir="2700000" algn="tl">
-                    <a:srgbClr val="000000">
-                      <a:alpha val="43137"/>
-                    </a:srgbClr>
-                  </a:outerShdw>
-                </a:effectLst>
-                <a:latin typeface="-윤고딕310" panose="02030504000101010101" pitchFamily="18" charset="-127"/>
-                <a:ea typeface="-윤고딕310" panose="02030504000101010101" pitchFamily="18" charset="-127"/>
-              </a:rPr>
-              <a:t>:</a:t>
-            </a:r>
-            <a:endParaRPr lang="en-US" altLang="ko-KR" sz="2000" dirty="0">
-              <a:solidFill>
-                <a:schemeClr val="bg1"/>
-              </a:solidFill>
-              <a:effectLst>
-                <a:outerShdw blurRad="38100" dist="38100" dir="2700000" algn="tl">
-                  <a:srgbClr val="000000">
-                    <a:alpha val="43137"/>
-                  </a:srgbClr>
-                </a:outerShdw>
-              </a:effectLst>
-              <a:latin typeface="-윤고딕310" panose="02030504000101010101" pitchFamily="18" charset="-127"/>
-              <a:ea typeface="-윤고딕310" panose="02030504000101010101" pitchFamily="18" charset="-127"/>
-            </a:endParaRPr>
-          </a:p>
-        </p:txBody>
-      </p:sp>
-      <p:sp>
-        <p:nvSpPr>
           <p:cNvPr id="10" name="TextBox 9"/>
           <p:cNvSpPr txBox="1"/>
           <p:nvPr/>
@@ -11473,20 +14797,6 @@
               </a:rPr>
               <a:t>)</a:t>
             </a:r>
-            <a:endParaRPr lang="en-US" altLang="ko-KR" sz="1400" dirty="0" smtClean="0">
-              <a:solidFill>
-                <a:schemeClr val="bg1"/>
-              </a:solidFill>
-              <a:effectLst>
-                <a:outerShdw blurRad="38100" dist="38100" dir="2700000" algn="tl">
-                  <a:srgbClr val="000000">
-                    <a:alpha val="43137"/>
-                  </a:srgbClr>
-                </a:outerShdw>
-              </a:effectLst>
-              <a:latin typeface="-윤고딕310" panose="02030504000101010101" pitchFamily="18" charset="-127"/>
-              <a:ea typeface="-윤고딕310" panose="02030504000101010101" pitchFamily="18" charset="-127"/>
-            </a:endParaRPr>
           </a:p>
           <a:p>
             <a:pPr algn="ctr"/>
@@ -12066,7 +15376,39 @@
                   </a:effectLst>
                   <a:latin typeface="+mn-ea"/>
                 </a:rPr>
-                <a:t>, </a:t>
+                <a:t>(</a:t>
+              </a:r>
+              <a:r>
+                <a:rPr lang="ko-KR" altLang="en-US" sz="1600" dirty="0" smtClean="0">
+                  <a:solidFill>
+                    <a:schemeClr val="bg1"/>
+                  </a:solidFill>
+                  <a:effectLst>
+                    <a:outerShdw blurRad="38100" dist="38100" dir="2700000" algn="tl">
+                      <a:srgbClr val="000000">
+                        <a:alpha val="43137"/>
+                      </a:srgbClr>
+                    </a:outerShdw>
+                  </a:effectLst>
+                  <a:latin typeface="+mn-ea"/>
+                </a:rPr>
+                <a:t>증설</a:t>
+              </a:r>
+              <a:r>
+                <a:rPr lang="en-US" altLang="ko-KR" sz="1600" dirty="0" smtClean="0">
+                  <a:solidFill>
+                    <a:schemeClr val="bg1"/>
+                  </a:solidFill>
+                  <a:effectLst>
+                    <a:outerShdw blurRad="38100" dist="38100" dir="2700000" algn="tl">
+                      <a:srgbClr val="000000">
+                        <a:alpha val="43137"/>
+                      </a:srgbClr>
+                    </a:outerShdw>
+                  </a:effectLst>
+                  <a:latin typeface="+mn-ea"/>
+                </a:rPr>
+                <a:t>), </a:t>
               </a:r>
               <a:r>
                 <a:rPr lang="ko-KR" altLang="en-US" sz="1600" dirty="0" smtClean="0">
@@ -12267,7 +15609,7 @@
                 <a:t>, </a:t>
               </a:r>
               <a:r>
-                <a:rPr lang="ko-KR" altLang="en-US" sz="1600" dirty="0" err="1" smtClean="0">
+                <a:rPr lang="ko-KR" altLang="en-US" sz="1600" dirty="0" smtClean="0">
                   <a:solidFill>
                     <a:schemeClr val="bg1"/>
                   </a:solidFill>
@@ -12280,7 +15622,7 @@
                   </a:effectLst>
                   <a:latin typeface="+mn-ea"/>
                 </a:rPr>
-                <a:t>식량고</a:t>
+                <a:t>식량창고 </a:t>
               </a:r>
               <a:r>
                 <a:rPr lang="ko-KR" altLang="en-US" sz="1600" dirty="0" smtClean="0">
@@ -12296,7 +15638,7 @@
                   </a:effectLst>
                   <a:latin typeface="+mn-ea"/>
                 </a:rPr>
-                <a:t> 등이 있다</a:t>
+                <a:t>등이 있다</a:t>
               </a:r>
               <a:r>
                 <a:rPr lang="en-US" altLang="ko-KR" sz="1600" dirty="0" smtClean="0">
@@ -12861,7 +16203,7 @@
         <p:spPr>
           <a:xfrm>
             <a:off x="6096000" y="2505075"/>
-            <a:ext cx="5644311" cy="3693319"/>
+            <a:ext cx="5644311" cy="3847207"/>
           </a:xfrm>
           <a:prstGeom prst="rect">
             <a:avLst/>
@@ -12924,20 +16266,6 @@
             </a:r>
           </a:p>
           <a:p>
-            <a:endParaRPr lang="en-US" altLang="ko-KR" dirty="0">
-              <a:solidFill>
-                <a:schemeClr val="bg1"/>
-              </a:solidFill>
-              <a:effectLst>
-                <a:outerShdw blurRad="38100" dist="38100" dir="2700000" algn="tl">
-                  <a:srgbClr val="000000">
-                    <a:alpha val="43137"/>
-                  </a:srgbClr>
-                </a:outerShdw>
-              </a:effectLst>
-            </a:endParaRPr>
-          </a:p>
-          <a:p>
             <a:endParaRPr lang="en-US" altLang="ko-KR" dirty="0" smtClean="0">
               <a:solidFill>
                 <a:schemeClr val="bg1"/>
@@ -12952,7 +16280,56 @@
             </a:endParaRPr>
           </a:p>
           <a:p>
-            <a:endParaRPr lang="en-US" altLang="ko-KR" dirty="0">
+            <a:pPr marL="342900" indent="-342900">
+              <a:buFont typeface="+mj-lt"/>
+              <a:buAutoNum type="arabicPeriod"/>
+            </a:pPr>
+            <a:r>
+              <a:rPr lang="ko-KR" altLang="en-US" sz="1600" dirty="0" smtClean="0">
+                <a:solidFill>
+                  <a:schemeClr val="bg1"/>
+                </a:solidFill>
+                <a:effectLst>
+                  <a:outerShdw blurRad="38100" dist="38100" dir="2700000" algn="tl">
+                    <a:srgbClr val="000000">
+                      <a:alpha val="43137"/>
+                    </a:srgbClr>
+                  </a:outerShdw>
+                </a:effectLst>
+              </a:rPr>
+              <a:t>전투</a:t>
+            </a:r>
+            <a:r>
+              <a:rPr lang="en-US" altLang="ko-KR" sz="1600" dirty="0" smtClean="0">
+                <a:solidFill>
+                  <a:schemeClr val="bg1"/>
+                </a:solidFill>
+                <a:effectLst>
+                  <a:outerShdw blurRad="38100" dist="38100" dir="2700000" algn="tl">
+                    <a:srgbClr val="000000">
+                      <a:alpha val="43137"/>
+                    </a:srgbClr>
+                  </a:outerShdw>
+                </a:effectLst>
+              </a:rPr>
+              <a:t>: </a:t>
+            </a:r>
+            <a:r>
+              <a:rPr lang="ko-KR" altLang="en-US" sz="1600" dirty="0" smtClean="0">
+                <a:solidFill>
+                  <a:schemeClr val="bg1"/>
+                </a:solidFill>
+                <a:effectLst>
+                  <a:outerShdw blurRad="38100" dist="38100" dir="2700000" algn="tl">
+                    <a:srgbClr val="000000">
+                      <a:alpha val="43137"/>
+                    </a:srgbClr>
+                  </a:outerShdw>
+                </a:effectLst>
+              </a:rPr>
+              <a:t>적 함선의 정보</a:t>
+            </a:r>
+            <a:endParaRPr lang="en-US" altLang="ko-KR" sz="1600" dirty="0">
               <a:solidFill>
                 <a:schemeClr val="bg1"/>
               </a:solidFill>
@@ -12966,7 +16343,182 @@
             </a:endParaRPr>
           </a:p>
           <a:p>
-            <a:endParaRPr lang="en-US" altLang="ko-KR" dirty="0" smtClean="0">
+            <a:pPr marL="342900" indent="-342900">
+              <a:buFont typeface="+mj-lt"/>
+              <a:buAutoNum type="arabicPeriod"/>
+            </a:pPr>
+            <a:r>
+              <a:rPr lang="ko-KR" altLang="en-US" sz="1600" dirty="0" smtClean="0">
+                <a:solidFill>
+                  <a:schemeClr val="bg1"/>
+                </a:solidFill>
+                <a:effectLst>
+                  <a:outerShdw blurRad="38100" dist="38100" dir="2700000" algn="tl">
+                    <a:srgbClr val="000000">
+                      <a:alpha val="43137"/>
+                    </a:srgbClr>
+                  </a:outerShdw>
+                </a:effectLst>
+              </a:rPr>
+              <a:t>상점</a:t>
+            </a:r>
+            <a:r>
+              <a:rPr lang="en-US" altLang="ko-KR" sz="1600" dirty="0" smtClean="0">
+                <a:solidFill>
+                  <a:schemeClr val="bg1"/>
+                </a:solidFill>
+                <a:effectLst>
+                  <a:outerShdw blurRad="38100" dist="38100" dir="2700000" algn="tl">
+                    <a:srgbClr val="000000">
+                      <a:alpha val="43137"/>
+                    </a:srgbClr>
+                  </a:outerShdw>
+                </a:effectLst>
+              </a:rPr>
+              <a:t>: </a:t>
+            </a:r>
+            <a:r>
+              <a:rPr lang="ko-KR" altLang="en-US" sz="1600" dirty="0" smtClean="0">
+                <a:solidFill>
+                  <a:schemeClr val="bg1"/>
+                </a:solidFill>
+                <a:effectLst>
+                  <a:outerShdw blurRad="38100" dist="38100" dir="2700000" algn="tl">
+                    <a:srgbClr val="000000">
+                      <a:alpha val="43137"/>
+                    </a:srgbClr>
+                  </a:outerShdw>
+                </a:effectLst>
+              </a:rPr>
+              <a:t>판매하는 아이템의 목록</a:t>
+            </a:r>
+            <a:r>
+              <a:rPr lang="en-US" altLang="ko-KR" sz="1600" dirty="0" smtClean="0">
+                <a:solidFill>
+                  <a:schemeClr val="bg1"/>
+                </a:solidFill>
+                <a:effectLst>
+                  <a:outerShdw blurRad="38100" dist="38100" dir="2700000" algn="tl">
+                    <a:srgbClr val="000000">
+                      <a:alpha val="43137"/>
+                    </a:srgbClr>
+                  </a:outerShdw>
+                </a:effectLst>
+              </a:rPr>
+              <a:t>, </a:t>
+            </a:r>
+            <a:r>
+              <a:rPr lang="ko-KR" altLang="en-US" sz="1600" dirty="0" smtClean="0">
+                <a:solidFill>
+                  <a:schemeClr val="bg1"/>
+                </a:solidFill>
+                <a:effectLst>
+                  <a:outerShdw blurRad="38100" dist="38100" dir="2700000" algn="tl">
+                    <a:srgbClr val="000000">
+                      <a:alpha val="43137"/>
+                    </a:srgbClr>
+                  </a:outerShdw>
+                </a:effectLst>
+              </a:rPr>
+              <a:t>상점 </a:t>
+            </a:r>
+            <a:r>
+              <a:rPr lang="en-US" altLang="ko-KR" sz="1600" dirty="0" smtClean="0">
+                <a:solidFill>
+                  <a:schemeClr val="bg1"/>
+                </a:solidFill>
+                <a:effectLst>
+                  <a:outerShdw blurRad="38100" dist="38100" dir="2700000" algn="tl">
+                    <a:srgbClr val="000000">
+                      <a:alpha val="43137"/>
+                    </a:srgbClr>
+                  </a:outerShdw>
+                </a:effectLst>
+              </a:rPr>
+              <a:t>UI</a:t>
+            </a:r>
+          </a:p>
+          <a:p>
+            <a:pPr marL="800100" lvl="1" indent="-342900">
+              <a:buFont typeface="+mj-lt"/>
+              <a:buAutoNum type="arabicPeriod"/>
+            </a:pPr>
+            <a:r>
+              <a:rPr lang="ko-KR" altLang="en-US" sz="1600" dirty="0">
+                <a:solidFill>
+                  <a:schemeClr val="bg1"/>
+                </a:solidFill>
+                <a:effectLst>
+                  <a:outerShdw blurRad="38100" dist="38100" dir="2700000" algn="tl">
+                    <a:srgbClr val="000000">
+                      <a:alpha val="43137"/>
+                    </a:srgbClr>
+                  </a:outerShdw>
+                </a:effectLst>
+              </a:rPr>
+              <a:t>노예상</a:t>
+            </a:r>
+            <a:r>
+              <a:rPr lang="en-US" altLang="ko-KR" sz="1600" dirty="0">
+                <a:solidFill>
+                  <a:schemeClr val="bg1"/>
+                </a:solidFill>
+                <a:effectLst>
+                  <a:outerShdw blurRad="38100" dist="38100" dir="2700000" algn="tl">
+                    <a:srgbClr val="000000">
+                      <a:alpha val="43137"/>
+                    </a:srgbClr>
+                  </a:outerShdw>
+                </a:effectLst>
+              </a:rPr>
+              <a:t>: </a:t>
+            </a:r>
+            <a:r>
+              <a:rPr lang="ko-KR" altLang="en-US" sz="1600" dirty="0">
+                <a:solidFill>
+                  <a:schemeClr val="bg1"/>
+                </a:solidFill>
+                <a:effectLst>
+                  <a:outerShdw blurRad="38100" dist="38100" dir="2700000" algn="tl">
+                    <a:srgbClr val="000000">
+                      <a:alpha val="43137"/>
+                    </a:srgbClr>
+                  </a:outerShdw>
+                </a:effectLst>
+              </a:rPr>
+              <a:t>고용 가능한 선원의 목록</a:t>
+            </a:r>
+            <a:r>
+              <a:rPr lang="en-US" altLang="ko-KR" sz="1600" dirty="0">
+                <a:solidFill>
+                  <a:schemeClr val="bg1"/>
+                </a:solidFill>
+                <a:effectLst>
+                  <a:outerShdw blurRad="38100" dist="38100" dir="2700000" algn="tl">
+                    <a:srgbClr val="000000">
+                      <a:alpha val="43137"/>
+                    </a:srgbClr>
+                  </a:outerShdw>
+                </a:effectLst>
+              </a:rPr>
+              <a:t>, </a:t>
+            </a:r>
+            <a:r>
+              <a:rPr lang="ko-KR" altLang="en-US" sz="1600" dirty="0">
+                <a:solidFill>
+                  <a:schemeClr val="bg1"/>
+                </a:solidFill>
+                <a:effectLst>
+                  <a:outerShdw blurRad="38100" dist="38100" dir="2700000" algn="tl">
+                    <a:srgbClr val="000000">
+                      <a:alpha val="43137"/>
+                    </a:srgbClr>
+                  </a:outerShdw>
+                </a:effectLst>
+              </a:rPr>
+              <a:t>선원 판매 가능</a:t>
+            </a:r>
+            <a:endParaRPr lang="en-US" altLang="ko-KR" sz="1600" dirty="0">
               <a:solidFill>
                 <a:schemeClr val="bg1"/>
               </a:solidFill>
@@ -12980,7 +16532,116 @@
             </a:endParaRPr>
           </a:p>
           <a:p>
-            <a:endParaRPr lang="en-US" altLang="ko-KR" dirty="0">
+            <a:pPr marL="800100" lvl="1" indent="-342900">
+              <a:buFont typeface="+mj-lt"/>
+              <a:buAutoNum type="arabicPeriod"/>
+            </a:pPr>
+            <a:r>
+              <a:rPr lang="ko-KR" altLang="en-US" sz="1600" dirty="0" smtClean="0">
+                <a:solidFill>
+                  <a:schemeClr val="bg1"/>
+                </a:solidFill>
+                <a:effectLst>
+                  <a:outerShdw blurRad="38100" dist="38100" dir="2700000" algn="tl">
+                    <a:srgbClr val="000000">
+                      <a:alpha val="43137"/>
+                    </a:srgbClr>
+                  </a:outerShdw>
+                </a:effectLst>
+              </a:rPr>
+              <a:t>무기 상점</a:t>
+            </a:r>
+            <a:r>
+              <a:rPr lang="en-US" altLang="ko-KR" sz="1600" dirty="0" smtClean="0">
+                <a:solidFill>
+                  <a:schemeClr val="bg1"/>
+                </a:solidFill>
+                <a:effectLst>
+                  <a:outerShdw blurRad="38100" dist="38100" dir="2700000" algn="tl">
+                    <a:srgbClr val="000000">
+                      <a:alpha val="43137"/>
+                    </a:srgbClr>
+                  </a:outerShdw>
+                </a:effectLst>
+              </a:rPr>
+              <a:t>, </a:t>
+            </a:r>
+            <a:r>
+              <a:rPr lang="ko-KR" altLang="en-US" sz="1600" dirty="0" smtClean="0">
+                <a:solidFill>
+                  <a:schemeClr val="bg1"/>
+                </a:solidFill>
+                <a:effectLst>
+                  <a:outerShdw blurRad="38100" dist="38100" dir="2700000" algn="tl">
+                    <a:srgbClr val="000000">
+                      <a:alpha val="43137"/>
+                    </a:srgbClr>
+                  </a:outerShdw>
+                </a:effectLst>
+              </a:rPr>
+              <a:t>시설 설치소</a:t>
+            </a:r>
+            <a:r>
+              <a:rPr lang="en-US" altLang="ko-KR" sz="1600" dirty="0" smtClean="0">
+                <a:solidFill>
+                  <a:schemeClr val="bg1"/>
+                </a:solidFill>
+                <a:effectLst>
+                  <a:outerShdw blurRad="38100" dist="38100" dir="2700000" algn="tl">
+                    <a:srgbClr val="000000">
+                      <a:alpha val="43137"/>
+                    </a:srgbClr>
+                  </a:outerShdw>
+                </a:effectLst>
+              </a:rPr>
+              <a:t>, </a:t>
+            </a:r>
+            <a:r>
+              <a:rPr lang="ko-KR" altLang="en-US" sz="1600" dirty="0" smtClean="0">
+                <a:solidFill>
+                  <a:schemeClr val="bg1"/>
+                </a:solidFill>
+                <a:effectLst>
+                  <a:outerShdw blurRad="38100" dist="38100" dir="2700000" algn="tl">
+                    <a:srgbClr val="000000">
+                      <a:alpha val="43137"/>
+                    </a:srgbClr>
+                  </a:outerShdw>
+                </a:effectLst>
+              </a:rPr>
+              <a:t>드론 상점</a:t>
+            </a:r>
+            <a:r>
+              <a:rPr lang="en-US" altLang="ko-KR" sz="1600" dirty="0">
+                <a:solidFill>
+                  <a:schemeClr val="bg1"/>
+                </a:solidFill>
+                <a:effectLst>
+                  <a:outerShdw blurRad="38100" dist="38100" dir="2700000" algn="tl">
+                    <a:srgbClr val="000000">
+                      <a:alpha val="43137"/>
+                    </a:srgbClr>
+                  </a:outerShdw>
+                </a:effectLst>
+              </a:rPr>
+              <a:t> </a:t>
+            </a:r>
+            <a:r>
+              <a:rPr lang="ko-KR" altLang="en-US" sz="1600" dirty="0" smtClean="0">
+                <a:solidFill>
+                  <a:schemeClr val="bg1"/>
+                </a:solidFill>
+                <a:effectLst>
+                  <a:outerShdw blurRad="38100" dist="38100" dir="2700000" algn="tl">
+                    <a:srgbClr val="000000">
+                      <a:alpha val="43137"/>
+                    </a:srgbClr>
+                  </a:outerShdw>
+                </a:effectLst>
+              </a:rPr>
+              <a:t>등</a:t>
+            </a:r>
+            <a:endParaRPr lang="en-US" altLang="ko-KR" sz="1600" dirty="0" smtClean="0">
               <a:solidFill>
                 <a:schemeClr val="bg1"/>
               </a:solidFill>
@@ -12994,7 +16655,86 @@
             </a:endParaRPr>
           </a:p>
           <a:p>
-            <a:endParaRPr lang="en-US" altLang="ko-KR" dirty="0" smtClean="0">
+            <a:pPr marL="342900" indent="-342900">
+              <a:buFont typeface="+mj-lt"/>
+              <a:buAutoNum type="arabicPeriod"/>
+            </a:pPr>
+            <a:r>
+              <a:rPr lang="ko-KR" altLang="en-US" sz="1600" dirty="0" smtClean="0">
+                <a:solidFill>
+                  <a:schemeClr val="bg1"/>
+                </a:solidFill>
+                <a:effectLst>
+                  <a:outerShdw blurRad="38100" dist="38100" dir="2700000" algn="tl">
+                    <a:srgbClr val="000000">
+                      <a:alpha val="43137"/>
+                    </a:srgbClr>
+                  </a:outerShdw>
+                </a:effectLst>
+              </a:rPr>
+              <a:t>공</a:t>
+            </a:r>
+            <a:r>
+              <a:rPr lang="ko-KR" altLang="en-US" sz="1600" dirty="0">
+                <a:solidFill>
+                  <a:schemeClr val="bg1"/>
+                </a:solidFill>
+                <a:effectLst>
+                  <a:outerShdw blurRad="38100" dist="38100" dir="2700000" algn="tl">
+                    <a:srgbClr val="000000">
+                      <a:alpha val="43137"/>
+                    </a:srgbClr>
+                  </a:outerShdw>
+                </a:effectLst>
+              </a:rPr>
+              <a:t>간</a:t>
+            </a:r>
+            <a:r>
+              <a:rPr lang="ko-KR" altLang="en-US" sz="1600" dirty="0" smtClean="0">
+                <a:solidFill>
+                  <a:schemeClr val="bg1"/>
+                </a:solidFill>
+                <a:effectLst>
+                  <a:outerShdw blurRad="38100" dist="38100" dir="2700000" algn="tl">
+                    <a:srgbClr val="000000">
+                      <a:alpha val="43137"/>
+                    </a:srgbClr>
+                  </a:outerShdw>
+                </a:effectLst>
+              </a:rPr>
+              <a:t> 이동</a:t>
+            </a:r>
+            <a:r>
+              <a:rPr lang="en-US" altLang="ko-KR" sz="1600" dirty="0" smtClean="0">
+                <a:solidFill>
+                  <a:schemeClr val="bg1"/>
+                </a:solidFill>
+                <a:effectLst>
+                  <a:outerShdw blurRad="38100" dist="38100" dir="2700000" algn="tl">
+                    <a:srgbClr val="000000">
+                      <a:alpha val="43137"/>
+                    </a:srgbClr>
+                  </a:outerShdw>
+                </a:effectLst>
+              </a:rPr>
+              <a:t>: </a:t>
+            </a:r>
+            <a:r>
+              <a:rPr lang="ko-KR" altLang="en-US" sz="1600" dirty="0" smtClean="0">
+                <a:solidFill>
+                  <a:schemeClr val="bg1"/>
+                </a:solidFill>
+                <a:effectLst>
+                  <a:outerShdw blurRad="38100" dist="38100" dir="2700000" algn="tl">
+                    <a:srgbClr val="000000">
+                      <a:alpha val="43137"/>
+                    </a:srgbClr>
+                  </a:outerShdw>
+                </a:effectLst>
+              </a:rPr>
+              <a:t>현재 플레이어 함선이 위치한 구역의 지도</a:t>
+            </a:r>
+            <a:endParaRPr lang="en-US" altLang="ko-KR" sz="1600" dirty="0" smtClean="0">
               <a:solidFill>
                 <a:schemeClr val="bg1"/>
               </a:solidFill>
@@ -13008,7 +16748,353 @@
             </a:endParaRPr>
           </a:p>
           <a:p>
-            <a:endParaRPr lang="en-US" altLang="ko-KR" dirty="0">
+            <a:pPr marL="342900" indent="-342900">
+              <a:buFont typeface="+mj-lt"/>
+              <a:buAutoNum type="arabicPeriod"/>
+            </a:pPr>
+            <a:r>
+              <a:rPr lang="ko-KR" altLang="en-US" sz="1600" dirty="0" smtClean="0">
+                <a:solidFill>
+                  <a:schemeClr val="bg1"/>
+                </a:solidFill>
+                <a:effectLst>
+                  <a:outerShdw blurRad="38100" dist="38100" dir="2700000" algn="tl">
+                    <a:srgbClr val="000000">
+                      <a:alpha val="43137"/>
+                    </a:srgbClr>
+                  </a:outerShdw>
+                </a:effectLst>
+              </a:rPr>
+              <a:t>거주</a:t>
+            </a:r>
+            <a:r>
+              <a:rPr lang="ko-KR" altLang="en-US" sz="1600" dirty="0">
+                <a:solidFill>
+                  <a:schemeClr val="bg1"/>
+                </a:solidFill>
+                <a:effectLst>
+                  <a:outerShdw blurRad="38100" dist="38100" dir="2700000" algn="tl">
+                    <a:srgbClr val="000000">
+                      <a:alpha val="43137"/>
+                    </a:srgbClr>
+                  </a:outerShdw>
+                </a:effectLst>
+              </a:rPr>
+              <a:t>민</a:t>
+            </a:r>
+            <a:r>
+              <a:rPr lang="ko-KR" altLang="en-US" sz="1600" dirty="0" smtClean="0">
+                <a:solidFill>
+                  <a:schemeClr val="bg1"/>
+                </a:solidFill>
+                <a:effectLst>
+                  <a:outerShdw blurRad="38100" dist="38100" dir="2700000" algn="tl">
+                    <a:srgbClr val="000000">
+                      <a:alpha val="43137"/>
+                    </a:srgbClr>
+                  </a:outerShdw>
+                </a:effectLst>
+              </a:rPr>
+              <a:t> 인카운터</a:t>
+            </a:r>
+            <a:r>
+              <a:rPr lang="en-US" altLang="ko-KR" sz="1600" dirty="0" smtClean="0">
+                <a:solidFill>
+                  <a:schemeClr val="bg1"/>
+                </a:solidFill>
+                <a:effectLst>
+                  <a:outerShdw blurRad="38100" dist="38100" dir="2700000" algn="tl">
+                    <a:srgbClr val="000000">
+                      <a:alpha val="43137"/>
+                    </a:srgbClr>
+                  </a:outerShdw>
+                </a:effectLst>
+              </a:rPr>
+              <a:t>: </a:t>
+            </a:r>
+            <a:r>
+              <a:rPr lang="ko-KR" altLang="en-US" sz="1600" dirty="0" smtClean="0">
+                <a:solidFill>
+                  <a:schemeClr val="bg1"/>
+                </a:solidFill>
+                <a:effectLst>
+                  <a:outerShdw blurRad="38100" dist="38100" dir="2700000" algn="tl">
+                    <a:srgbClr val="000000">
+                      <a:alpha val="43137"/>
+                    </a:srgbClr>
+                  </a:outerShdw>
+                </a:effectLst>
+              </a:rPr>
+              <a:t>도착한 지역 </a:t>
+            </a:r>
+            <a:r>
+              <a:rPr lang="en-US" altLang="ko-KR" sz="1600" dirty="0" smtClean="0">
+                <a:solidFill>
+                  <a:schemeClr val="bg1"/>
+                </a:solidFill>
+                <a:effectLst>
+                  <a:outerShdw blurRad="38100" dist="38100" dir="2700000" algn="tl">
+                    <a:srgbClr val="000000">
+                      <a:alpha val="43137"/>
+                    </a:srgbClr>
+                  </a:outerShdw>
+                </a:effectLst>
+              </a:rPr>
+              <a:t>(</a:t>
+            </a:r>
+            <a:r>
+              <a:rPr lang="ko-KR" altLang="en-US" sz="1600" dirty="0" smtClean="0">
+                <a:solidFill>
+                  <a:schemeClr val="bg1"/>
+                </a:solidFill>
+                <a:effectLst>
+                  <a:outerShdw blurRad="38100" dist="38100" dir="2700000" algn="tl">
+                    <a:srgbClr val="000000">
+                      <a:alpha val="43137"/>
+                    </a:srgbClr>
+                  </a:outerShdw>
+                </a:effectLst>
+              </a:rPr>
+              <a:t>행성</a:t>
+            </a:r>
+            <a:r>
+              <a:rPr lang="en-US" altLang="ko-KR" sz="1600" dirty="0" smtClean="0">
+                <a:solidFill>
+                  <a:schemeClr val="bg1"/>
+                </a:solidFill>
+                <a:effectLst>
+                  <a:outerShdw blurRad="38100" dist="38100" dir="2700000" algn="tl">
+                    <a:srgbClr val="000000">
+                      <a:alpha val="43137"/>
+                    </a:srgbClr>
+                  </a:outerShdw>
+                </a:effectLst>
+              </a:rPr>
+              <a:t>)</a:t>
+            </a:r>
+            <a:r>
+              <a:rPr lang="ko-KR" altLang="en-US" sz="1600" dirty="0" smtClean="0">
+                <a:solidFill>
+                  <a:schemeClr val="bg1"/>
+                </a:solidFill>
+                <a:effectLst>
+                  <a:outerShdw blurRad="38100" dist="38100" dir="2700000" algn="tl">
+                    <a:srgbClr val="000000">
+                      <a:alpha val="43137"/>
+                    </a:srgbClr>
+                  </a:outerShdw>
+                </a:effectLst>
+              </a:rPr>
+              <a:t>의 주민들과 대화하는 창</a:t>
+            </a:r>
+            <a:r>
+              <a:rPr lang="en-US" altLang="ko-KR" sz="1600" dirty="0" smtClean="0">
+                <a:solidFill>
+                  <a:schemeClr val="bg1"/>
+                </a:solidFill>
+                <a:effectLst>
+                  <a:outerShdw blurRad="38100" dist="38100" dir="2700000" algn="tl">
+                    <a:srgbClr val="000000">
+                      <a:alpha val="43137"/>
+                    </a:srgbClr>
+                  </a:outerShdw>
+                </a:effectLst>
+              </a:rPr>
+              <a:t>, </a:t>
+            </a:r>
+            <a:r>
+              <a:rPr lang="ko-KR" altLang="en-US" sz="1600" dirty="0" smtClean="0">
+                <a:solidFill>
+                  <a:schemeClr val="bg1"/>
+                </a:solidFill>
+                <a:effectLst>
+                  <a:outerShdw blurRad="38100" dist="38100" dir="2700000" algn="tl">
+                    <a:srgbClr val="000000">
+                      <a:alpha val="43137"/>
+                    </a:srgbClr>
+                  </a:outerShdw>
+                </a:effectLst>
+              </a:rPr>
+              <a:t>우호적 </a:t>
+            </a:r>
+            <a:r>
+              <a:rPr lang="en-US" altLang="ko-KR" sz="1600" dirty="0" smtClean="0">
+                <a:solidFill>
+                  <a:schemeClr val="bg1"/>
+                </a:solidFill>
+                <a:effectLst>
+                  <a:outerShdw blurRad="38100" dist="38100" dir="2700000" algn="tl">
+                    <a:srgbClr val="000000">
+                      <a:alpha val="43137"/>
+                    </a:srgbClr>
+                  </a:outerShdw>
+                </a:effectLst>
+              </a:rPr>
+              <a:t>/ </a:t>
+            </a:r>
+            <a:r>
+              <a:rPr lang="ko-KR" altLang="en-US" sz="1600" dirty="0" smtClean="0">
+                <a:solidFill>
+                  <a:schemeClr val="bg1"/>
+                </a:solidFill>
+                <a:effectLst>
+                  <a:outerShdw blurRad="38100" dist="38100" dir="2700000" algn="tl">
+                    <a:srgbClr val="000000">
+                      <a:alpha val="43137"/>
+                    </a:srgbClr>
+                  </a:outerShdw>
+                </a:effectLst>
+              </a:rPr>
+              <a:t>적대적인 상황이 플레이어의 성향과 상황에 따라 무작위로 발생</a:t>
+            </a:r>
+            <a:r>
+              <a:rPr lang="en-US" altLang="ko-KR" sz="1600" dirty="0" smtClean="0">
+                <a:solidFill>
+                  <a:schemeClr val="bg1"/>
+                </a:solidFill>
+                <a:effectLst>
+                  <a:outerShdw blurRad="38100" dist="38100" dir="2700000" algn="tl">
+                    <a:srgbClr val="000000">
+                      <a:alpha val="43137"/>
+                    </a:srgbClr>
+                  </a:outerShdw>
+                </a:effectLst>
+              </a:rPr>
+              <a:t>.</a:t>
+            </a:r>
+          </a:p>
+          <a:p>
+            <a:pPr marL="342900" indent="-342900">
+              <a:buFont typeface="+mj-lt"/>
+              <a:buAutoNum type="arabicPeriod"/>
+            </a:pPr>
+            <a:r>
+              <a:rPr lang="ko-KR" altLang="en-US" sz="1600" dirty="0" smtClean="0">
+                <a:solidFill>
+                  <a:schemeClr val="bg1"/>
+                </a:solidFill>
+                <a:effectLst>
+                  <a:outerShdw blurRad="38100" dist="38100" dir="2700000" algn="tl">
+                    <a:srgbClr val="000000">
+                      <a:alpha val="43137"/>
+                    </a:srgbClr>
+                  </a:outerShdw>
+                </a:effectLst>
+              </a:rPr>
+              <a:t>항해 중 인카운터</a:t>
+            </a:r>
+            <a:r>
+              <a:rPr lang="en-US" altLang="ko-KR" sz="1600" dirty="0" smtClean="0">
+                <a:solidFill>
+                  <a:schemeClr val="bg1"/>
+                </a:solidFill>
+                <a:effectLst>
+                  <a:outerShdw blurRad="38100" dist="38100" dir="2700000" algn="tl">
+                    <a:srgbClr val="000000">
+                      <a:alpha val="43137"/>
+                    </a:srgbClr>
+                  </a:outerShdw>
+                </a:effectLst>
+              </a:rPr>
+              <a:t>: </a:t>
+            </a:r>
+            <a:r>
+              <a:rPr lang="ko-KR" altLang="en-US" sz="1600" dirty="0" smtClean="0">
+                <a:solidFill>
+                  <a:schemeClr val="bg1"/>
+                </a:solidFill>
+                <a:effectLst>
+                  <a:outerShdw blurRad="38100" dist="38100" dir="2700000" algn="tl">
+                    <a:srgbClr val="000000">
+                      <a:alpha val="43137"/>
+                    </a:srgbClr>
+                  </a:outerShdw>
+                </a:effectLst>
+              </a:rPr>
+              <a:t>우주 괴물 침입</a:t>
+            </a:r>
+            <a:r>
+              <a:rPr lang="en-US" altLang="ko-KR" sz="1600" dirty="0" smtClean="0">
+                <a:solidFill>
+                  <a:schemeClr val="bg1"/>
+                </a:solidFill>
+                <a:effectLst>
+                  <a:outerShdw blurRad="38100" dist="38100" dir="2700000" algn="tl">
+                    <a:srgbClr val="000000">
+                      <a:alpha val="43137"/>
+                    </a:srgbClr>
+                  </a:outerShdw>
+                </a:effectLst>
+              </a:rPr>
+              <a:t>, </a:t>
+            </a:r>
+            <a:r>
+              <a:rPr lang="ko-KR" altLang="en-US" sz="1600" dirty="0" smtClean="0">
+                <a:solidFill>
+                  <a:schemeClr val="bg1"/>
+                </a:solidFill>
+                <a:effectLst>
+                  <a:outerShdw blurRad="38100" dist="38100" dir="2700000" algn="tl">
+                    <a:srgbClr val="000000">
+                      <a:alpha val="43137"/>
+                    </a:srgbClr>
+                  </a:outerShdw>
+                </a:effectLst>
+              </a:rPr>
+              <a:t>함선 고장</a:t>
+            </a:r>
+            <a:r>
+              <a:rPr lang="en-US" altLang="ko-KR" sz="1600" dirty="0" smtClean="0">
+                <a:solidFill>
+                  <a:schemeClr val="bg1"/>
+                </a:solidFill>
+                <a:effectLst>
+                  <a:outerShdw blurRad="38100" dist="38100" dir="2700000" algn="tl">
+                    <a:srgbClr val="000000">
+                      <a:alpha val="43137"/>
+                    </a:srgbClr>
+                  </a:outerShdw>
+                </a:effectLst>
+              </a:rPr>
+              <a:t>, </a:t>
+            </a:r>
+            <a:r>
+              <a:rPr lang="ko-KR" altLang="en-US" sz="1600" dirty="0" smtClean="0">
+                <a:solidFill>
+                  <a:schemeClr val="bg1"/>
+                </a:solidFill>
+                <a:effectLst>
+                  <a:outerShdw blurRad="38100" dist="38100" dir="2700000" algn="tl">
+                    <a:srgbClr val="000000">
+                      <a:alpha val="43137"/>
+                    </a:srgbClr>
+                  </a:outerShdw>
+                </a:effectLst>
+              </a:rPr>
+              <a:t>우주 해적 공격 등의 수많은 상황이 존재한다</a:t>
+            </a:r>
+            <a:r>
+              <a:rPr lang="en-US" altLang="ko-KR" sz="1600" dirty="0" smtClean="0">
+                <a:solidFill>
+                  <a:schemeClr val="bg1"/>
+                </a:solidFill>
+                <a:effectLst>
+                  <a:outerShdw blurRad="38100" dist="38100" dir="2700000" algn="tl">
+                    <a:srgbClr val="000000">
+                      <a:alpha val="43137"/>
+                    </a:srgbClr>
+                  </a:outerShdw>
+                </a:effectLst>
+              </a:rPr>
+              <a:t>.</a:t>
+            </a:r>
+          </a:p>
+          <a:p>
+            <a:pPr marL="342900" indent="-342900">
+              <a:buFont typeface="+mj-lt"/>
+              <a:buAutoNum type="arabicPeriod"/>
+            </a:pPr>
+            <a:endParaRPr lang="en-US" altLang="ko-KR" sz="1600" dirty="0">
               <a:solidFill>
                 <a:schemeClr val="bg1"/>
               </a:solidFill>
@@ -13022,63 +17108,71 @@
             </a:endParaRPr>
           </a:p>
           <a:p>
-            <a:endParaRPr lang="en-US" altLang="ko-KR" dirty="0" smtClean="0">
-              <a:solidFill>
-                <a:schemeClr val="bg1"/>
-              </a:solidFill>
-              <a:effectLst>
-                <a:outerShdw blurRad="38100" dist="38100" dir="2700000" algn="tl">
-                  <a:srgbClr val="000000">
-                    <a:alpha val="43137"/>
-                  </a:srgbClr>
-                </a:outerShdw>
-              </a:effectLst>
-            </a:endParaRPr>
-          </a:p>
-          <a:p>
-            <a:endParaRPr lang="en-US" altLang="ko-KR" dirty="0">
-              <a:solidFill>
-                <a:schemeClr val="bg1"/>
-              </a:solidFill>
-              <a:effectLst>
-                <a:outerShdw blurRad="38100" dist="38100" dir="2700000" algn="tl">
-                  <a:srgbClr val="000000">
-                    <a:alpha val="43137"/>
-                  </a:srgbClr>
-                </a:outerShdw>
-              </a:effectLst>
-            </a:endParaRPr>
-          </a:p>
-          <a:p>
-            <a:endParaRPr lang="en-US" altLang="ko-KR" dirty="0" smtClean="0">
-              <a:solidFill>
-                <a:schemeClr val="bg1"/>
-              </a:solidFill>
-              <a:effectLst>
-                <a:outerShdw blurRad="38100" dist="38100" dir="2700000" algn="tl">
-                  <a:srgbClr val="000000">
-                    <a:alpha val="43137"/>
-                  </a:srgbClr>
-                </a:outerShdw>
-              </a:effectLst>
-            </a:endParaRPr>
-          </a:p>
-          <a:p>
-            <a:endParaRPr lang="en-US" altLang="ko-KR" dirty="0">
-              <a:solidFill>
-                <a:schemeClr val="bg1"/>
-              </a:solidFill>
-              <a:effectLst>
-                <a:outerShdw blurRad="38100" dist="38100" dir="2700000" algn="tl">
-                  <a:srgbClr val="000000">
-                    <a:alpha val="43137"/>
-                  </a:srgbClr>
-                </a:outerShdw>
-              </a:effectLst>
-            </a:endParaRPr>
-          </a:p>
-          <a:p>
-            <a:endParaRPr lang="ko-KR" altLang="en-US" dirty="0">
+            <a:pPr marL="342900" indent="-342900">
+              <a:buFont typeface="+mj-lt"/>
+              <a:buAutoNum type="arabicPeriod"/>
+            </a:pPr>
+            <a:r>
+              <a:rPr lang="ko-KR" altLang="en-US" sz="1600" dirty="0" smtClean="0">
+                <a:solidFill>
+                  <a:schemeClr val="bg1"/>
+                </a:solidFill>
+                <a:effectLst>
+                  <a:outerShdw blurRad="38100" dist="38100" dir="2700000" algn="tl">
+                    <a:srgbClr val="000000">
+                      <a:alpha val="43137"/>
+                    </a:srgbClr>
+                  </a:outerShdw>
+                </a:effectLst>
+              </a:rPr>
+              <a:t>우측 </a:t>
+            </a:r>
+            <a:r>
+              <a:rPr lang="en-US" altLang="ko-KR" sz="1600" dirty="0" smtClean="0">
+                <a:solidFill>
+                  <a:schemeClr val="bg1"/>
+                </a:solidFill>
+                <a:effectLst>
+                  <a:outerShdw blurRad="38100" dist="38100" dir="2700000" algn="tl">
+                    <a:srgbClr val="000000">
+                      <a:alpha val="43137"/>
+                    </a:srgbClr>
+                  </a:outerShdw>
+                </a:effectLst>
+              </a:rPr>
+              <a:t>UI </a:t>
+            </a:r>
+            <a:r>
+              <a:rPr lang="ko-KR" altLang="en-US" sz="1600" dirty="0" smtClean="0">
+                <a:solidFill>
+                  <a:schemeClr val="bg1"/>
+                </a:solidFill>
+                <a:effectLst>
+                  <a:outerShdw blurRad="38100" dist="38100" dir="2700000" algn="tl">
+                    <a:srgbClr val="000000">
+                      <a:alpha val="43137"/>
+                    </a:srgbClr>
+                  </a:outerShdw>
+                </a:effectLst>
+              </a:rPr>
+              <a:t>바는 이벤트 상황이 아니면 사라지고 함선이 화면 중앙에 위치하게 된다</a:t>
+            </a:r>
+            <a:r>
+              <a:rPr lang="en-US" altLang="ko-KR" sz="1600" dirty="0" smtClean="0">
+                <a:solidFill>
+                  <a:schemeClr val="bg1"/>
+                </a:solidFill>
+                <a:effectLst>
+                  <a:outerShdw blurRad="38100" dist="38100" dir="2700000" algn="tl">
+                    <a:srgbClr val="000000">
+                      <a:alpha val="43137"/>
+                    </a:srgbClr>
+                  </a:outerShdw>
+                </a:effectLst>
+              </a:rPr>
+              <a:t>.</a:t>
+            </a:r>
+            <a:endParaRPr lang="en-US" altLang="ko-KR" sz="1600" dirty="0" smtClean="0">
               <a:solidFill>
                 <a:schemeClr val="bg1"/>
               </a:solidFill>
@@ -13160,9 +17254,9 @@
         <p:grpSpPr>
           <a:xfrm>
             <a:off x="117685" y="2766746"/>
-            <a:ext cx="1734023" cy="1130097"/>
+            <a:ext cx="1734023" cy="1283985"/>
             <a:chOff x="117685" y="2766746"/>
-            <a:chExt cx="1734023" cy="1130097"/>
+            <a:chExt cx="1734023" cy="1283985"/>
           </a:xfrm>
         </p:grpSpPr>
         <p:grpSp>
@@ -13626,7 +17720,7 @@
           <p:spPr>
             <a:xfrm>
               <a:off x="174836" y="3496733"/>
-              <a:ext cx="1621791" cy="400110"/>
+              <a:ext cx="1621791" cy="553998"/>
             </a:xfrm>
             <a:prstGeom prst="rect">
               <a:avLst/>
@@ -13685,6 +17779,38 @@
                   </a:effectLst>
                 </a:rPr>
                 <a:t>이벤트 시엔 표시되지 않음</a:t>
+              </a:r>
+              <a:r>
+                <a:rPr lang="en-US" altLang="ko-KR" sz="1000" dirty="0" smtClean="0">
+                  <a:solidFill>
+                    <a:schemeClr val="bg1"/>
+                  </a:solidFill>
+                  <a:effectLst>
+                    <a:outerShdw blurRad="38100" dist="38100" dir="2700000" algn="tl">
+                      <a:srgbClr val="000000">
+                        <a:alpha val="43137"/>
+                      </a:srgbClr>
+                    </a:outerShdw>
+                  </a:effectLst>
+                </a:rPr>
+                <a:t>.</a:t>
+              </a:r>
+            </a:p>
+            <a:p>
+              <a:r>
+                <a:rPr lang="ko-KR" altLang="en-US" sz="1000" dirty="0" smtClean="0">
+                  <a:solidFill>
+                    <a:schemeClr val="bg1"/>
+                  </a:solidFill>
+                  <a:effectLst>
+                    <a:outerShdw blurRad="38100" dist="38100" dir="2700000" algn="tl">
+                      <a:srgbClr val="000000">
+                        <a:alpha val="43137"/>
+                      </a:srgbClr>
+                    </a:outerShdw>
+                  </a:effectLst>
+                </a:rPr>
+                <a:t>한번 이동할 때마다 갱신</a:t>
               </a:r>
               <a:r>
                 <a:rPr lang="en-US" altLang="ko-KR" sz="1000" dirty="0" smtClean="0">
@@ -13820,8 +17946,8 @@
         </p:nvSpPr>
         <p:spPr>
           <a:xfrm>
-            <a:off x="174836" y="2488676"/>
-            <a:ext cx="339513" cy="45719"/>
+            <a:off x="174836" y="2445250"/>
+            <a:ext cx="339513" cy="82800"/>
           </a:xfrm>
           <a:prstGeom prst="roundRect">
             <a:avLst/>
@@ -13855,6 +17981,674 @@
           <a:p>
             <a:pPr algn="ctr"/>
             <a:endParaRPr lang="ko-KR" altLang="en-US"/>
+          </a:p>
+        </p:txBody>
+      </p:sp>
+      <p:grpSp>
+        <p:nvGrpSpPr>
+          <p:cNvPr id="12" name="그룹 11"/>
+          <p:cNvGrpSpPr/>
+          <p:nvPr/>
+        </p:nvGrpSpPr>
+        <p:grpSpPr>
+          <a:xfrm>
+            <a:off x="56755" y="4662444"/>
+            <a:ext cx="1621791" cy="1425506"/>
+            <a:chOff x="56755" y="4662444"/>
+            <a:chExt cx="1621791" cy="1425506"/>
+          </a:xfrm>
+        </p:grpSpPr>
+        <p:grpSp>
+          <p:nvGrpSpPr>
+            <p:cNvPr id="8" name="그룹 7"/>
+            <p:cNvGrpSpPr/>
+            <p:nvPr/>
+          </p:nvGrpSpPr>
+          <p:grpSpPr>
+            <a:xfrm>
+              <a:off x="56755" y="5080516"/>
+              <a:ext cx="491322" cy="1007434"/>
+              <a:chOff x="108000" y="5118796"/>
+              <a:chExt cx="491322" cy="1007434"/>
+            </a:xfrm>
+          </p:grpSpPr>
+          <p:sp>
+            <p:nvSpPr>
+              <p:cNvPr id="41" name="직사각형 40"/>
+              <p:cNvSpPr/>
+              <p:nvPr/>
+            </p:nvSpPr>
+            <p:spPr>
+              <a:xfrm>
+                <a:off x="108000" y="6017260"/>
+                <a:ext cx="491322" cy="108970"/>
+              </a:xfrm>
+              <a:prstGeom prst="rect">
+                <a:avLst/>
+              </a:prstGeom>
+              <a:solidFill>
+                <a:schemeClr val="bg1"/>
+              </a:solidFill>
+              <a:ln w="25400">
+                <a:noFill/>
+              </a:ln>
+            </p:spPr>
+            <p:style>
+              <a:lnRef idx="2">
+                <a:schemeClr val="accent1">
+                  <a:shade val="50000"/>
+                </a:schemeClr>
+              </a:lnRef>
+              <a:fillRef idx="1">
+                <a:schemeClr val="accent1"/>
+              </a:fillRef>
+              <a:effectRef idx="0">
+                <a:schemeClr val="accent1"/>
+              </a:effectRef>
+              <a:fontRef idx="minor">
+                <a:schemeClr val="lt1"/>
+              </a:fontRef>
+            </p:style>
+            <p:txBody>
+              <a:bodyPr rtlCol="0" anchor="ctr"/>
+              <a:lstStyle/>
+              <a:p>
+                <a:pPr algn="ctr"/>
+                <a:endParaRPr lang="ko-KR" altLang="en-US"/>
+              </a:p>
+            </p:txBody>
+          </p:sp>
+          <p:sp>
+            <p:nvSpPr>
+              <p:cNvPr id="49" name="직사각형 48"/>
+              <p:cNvSpPr/>
+              <p:nvPr/>
+            </p:nvSpPr>
+            <p:spPr>
+              <a:xfrm>
+                <a:off x="108000" y="5839960"/>
+                <a:ext cx="491322" cy="108970"/>
+              </a:xfrm>
+              <a:prstGeom prst="rect">
+                <a:avLst/>
+              </a:prstGeom>
+              <a:solidFill>
+                <a:schemeClr val="bg1"/>
+              </a:solidFill>
+              <a:ln w="25400">
+                <a:noFill/>
+              </a:ln>
+            </p:spPr>
+            <p:style>
+              <a:lnRef idx="2">
+                <a:schemeClr val="accent1">
+                  <a:shade val="50000"/>
+                </a:schemeClr>
+              </a:lnRef>
+              <a:fillRef idx="1">
+                <a:schemeClr val="accent1"/>
+              </a:fillRef>
+              <a:effectRef idx="0">
+                <a:schemeClr val="accent1"/>
+              </a:effectRef>
+              <a:fontRef idx="minor">
+                <a:schemeClr val="lt1"/>
+              </a:fontRef>
+            </p:style>
+            <p:txBody>
+              <a:bodyPr rtlCol="0" anchor="ctr"/>
+              <a:lstStyle/>
+              <a:p>
+                <a:pPr algn="ctr"/>
+                <a:endParaRPr lang="ko-KR" altLang="en-US"/>
+              </a:p>
+            </p:txBody>
+          </p:sp>
+          <p:sp>
+            <p:nvSpPr>
+              <p:cNvPr id="51" name="직사각형 50"/>
+              <p:cNvSpPr/>
+              <p:nvPr/>
+            </p:nvSpPr>
+            <p:spPr>
+              <a:xfrm>
+                <a:off x="108000" y="5658745"/>
+                <a:ext cx="491322" cy="108970"/>
+              </a:xfrm>
+              <a:prstGeom prst="rect">
+                <a:avLst/>
+              </a:prstGeom>
+              <a:solidFill>
+                <a:schemeClr val="bg1"/>
+              </a:solidFill>
+              <a:ln w="25400">
+                <a:noFill/>
+              </a:ln>
+            </p:spPr>
+            <p:style>
+              <a:lnRef idx="2">
+                <a:schemeClr val="accent1">
+                  <a:shade val="50000"/>
+                </a:schemeClr>
+              </a:lnRef>
+              <a:fillRef idx="1">
+                <a:schemeClr val="accent1"/>
+              </a:fillRef>
+              <a:effectRef idx="0">
+                <a:schemeClr val="accent1"/>
+              </a:effectRef>
+              <a:fontRef idx="minor">
+                <a:schemeClr val="lt1"/>
+              </a:fontRef>
+            </p:style>
+            <p:txBody>
+              <a:bodyPr rtlCol="0" anchor="ctr"/>
+              <a:lstStyle/>
+              <a:p>
+                <a:pPr algn="ctr"/>
+                <a:endParaRPr lang="ko-KR" altLang="en-US"/>
+              </a:p>
+            </p:txBody>
+          </p:sp>
+          <p:sp>
+            <p:nvSpPr>
+              <p:cNvPr id="64" name="직사각형 63"/>
+              <p:cNvSpPr/>
+              <p:nvPr/>
+            </p:nvSpPr>
+            <p:spPr>
+              <a:xfrm>
+                <a:off x="108000" y="5483661"/>
+                <a:ext cx="491322" cy="108970"/>
+              </a:xfrm>
+              <a:prstGeom prst="rect">
+                <a:avLst/>
+              </a:prstGeom>
+              <a:solidFill>
+                <a:schemeClr val="bg1"/>
+              </a:solidFill>
+              <a:ln w="25400">
+                <a:noFill/>
+              </a:ln>
+            </p:spPr>
+            <p:style>
+              <a:lnRef idx="2">
+                <a:schemeClr val="accent1">
+                  <a:shade val="50000"/>
+                </a:schemeClr>
+              </a:lnRef>
+              <a:fillRef idx="1">
+                <a:schemeClr val="accent1"/>
+              </a:fillRef>
+              <a:effectRef idx="0">
+                <a:schemeClr val="accent1"/>
+              </a:effectRef>
+              <a:fontRef idx="minor">
+                <a:schemeClr val="lt1"/>
+              </a:fontRef>
+            </p:style>
+            <p:txBody>
+              <a:bodyPr rtlCol="0" anchor="ctr"/>
+              <a:lstStyle/>
+              <a:p>
+                <a:pPr algn="ctr"/>
+                <a:endParaRPr lang="ko-KR" altLang="en-US"/>
+              </a:p>
+            </p:txBody>
+          </p:sp>
+          <p:sp>
+            <p:nvSpPr>
+              <p:cNvPr id="65" name="직사각형 64"/>
+              <p:cNvSpPr/>
+              <p:nvPr/>
+            </p:nvSpPr>
+            <p:spPr>
+              <a:xfrm>
+                <a:off x="108000" y="5300011"/>
+                <a:ext cx="491322" cy="108970"/>
+              </a:xfrm>
+              <a:prstGeom prst="rect">
+                <a:avLst/>
+              </a:prstGeom>
+              <a:solidFill>
+                <a:schemeClr val="bg1"/>
+              </a:solidFill>
+              <a:ln w="25400">
+                <a:noFill/>
+              </a:ln>
+            </p:spPr>
+            <p:style>
+              <a:lnRef idx="2">
+                <a:schemeClr val="accent1">
+                  <a:shade val="50000"/>
+                </a:schemeClr>
+              </a:lnRef>
+              <a:fillRef idx="1">
+                <a:schemeClr val="accent1"/>
+              </a:fillRef>
+              <a:effectRef idx="0">
+                <a:schemeClr val="accent1"/>
+              </a:effectRef>
+              <a:fontRef idx="minor">
+                <a:schemeClr val="lt1"/>
+              </a:fontRef>
+            </p:style>
+            <p:txBody>
+              <a:bodyPr rtlCol="0" anchor="ctr"/>
+              <a:lstStyle/>
+              <a:p>
+                <a:pPr algn="ctr"/>
+                <a:endParaRPr lang="ko-KR" altLang="en-US"/>
+              </a:p>
+            </p:txBody>
+          </p:sp>
+          <p:sp>
+            <p:nvSpPr>
+              <p:cNvPr id="66" name="직사각형 65"/>
+              <p:cNvSpPr/>
+              <p:nvPr/>
+            </p:nvSpPr>
+            <p:spPr>
+              <a:xfrm>
+                <a:off x="108000" y="5118796"/>
+                <a:ext cx="491322" cy="108970"/>
+              </a:xfrm>
+              <a:prstGeom prst="rect">
+                <a:avLst/>
+              </a:prstGeom>
+              <a:solidFill>
+                <a:schemeClr val="bg1"/>
+              </a:solidFill>
+              <a:ln w="25400">
+                <a:noFill/>
+              </a:ln>
+            </p:spPr>
+            <p:style>
+              <a:lnRef idx="2">
+                <a:schemeClr val="accent1">
+                  <a:shade val="50000"/>
+                </a:schemeClr>
+              </a:lnRef>
+              <a:fillRef idx="1">
+                <a:schemeClr val="accent1"/>
+              </a:fillRef>
+              <a:effectRef idx="0">
+                <a:schemeClr val="accent1"/>
+              </a:effectRef>
+              <a:fontRef idx="minor">
+                <a:schemeClr val="lt1"/>
+              </a:fontRef>
+            </p:style>
+            <p:txBody>
+              <a:bodyPr rtlCol="0" anchor="ctr"/>
+              <a:lstStyle/>
+              <a:p>
+                <a:pPr algn="ctr"/>
+                <a:endParaRPr lang="ko-KR" altLang="en-US"/>
+              </a:p>
+            </p:txBody>
+          </p:sp>
+        </p:grpSp>
+        <p:sp>
+          <p:nvSpPr>
+            <p:cNvPr id="67" name="TextBox 66"/>
+            <p:cNvSpPr txBox="1"/>
+            <p:nvPr/>
+          </p:nvSpPr>
+          <p:spPr>
+            <a:xfrm>
+              <a:off x="56755" y="4662444"/>
+              <a:ext cx="1621791" cy="400110"/>
+            </a:xfrm>
+            <a:prstGeom prst="rect">
+              <a:avLst/>
+            </a:prstGeom>
+            <a:noFill/>
+          </p:spPr>
+          <p:txBody>
+            <a:bodyPr wrap="square" rtlCol="0">
+              <a:spAutoFit/>
+            </a:bodyPr>
+            <a:lstStyle/>
+            <a:p>
+              <a:r>
+                <a:rPr lang="ko-KR" altLang="en-US" sz="1000" dirty="0" smtClean="0">
+                  <a:solidFill>
+                    <a:schemeClr val="bg1"/>
+                  </a:solidFill>
+                  <a:effectLst>
+                    <a:outerShdw blurRad="38100" dist="38100" dir="2700000" algn="tl">
+                      <a:srgbClr val="000000">
+                        <a:alpha val="43137"/>
+                      </a:srgbClr>
+                    </a:outerShdw>
+                  </a:effectLst>
+                </a:rPr>
+                <a:t>함선은 사용 가능한 에너지의 양이 한정돼있다</a:t>
+              </a:r>
+              <a:r>
+                <a:rPr lang="en-US" altLang="ko-KR" sz="1000" dirty="0" smtClean="0">
+                  <a:solidFill>
+                    <a:schemeClr val="bg1"/>
+                  </a:solidFill>
+                  <a:effectLst>
+                    <a:outerShdw blurRad="38100" dist="38100" dir="2700000" algn="tl">
+                      <a:srgbClr val="000000">
+                        <a:alpha val="43137"/>
+                      </a:srgbClr>
+                    </a:outerShdw>
+                  </a:effectLst>
+                </a:rPr>
+                <a:t>.</a:t>
+              </a:r>
+              <a:r>
+                <a:rPr lang="ko-KR" altLang="en-US" sz="1000" dirty="0" smtClean="0">
+                  <a:solidFill>
+                    <a:schemeClr val="bg1"/>
+                  </a:solidFill>
+                  <a:effectLst>
+                    <a:outerShdw blurRad="38100" dist="38100" dir="2700000" algn="tl">
+                      <a:srgbClr val="000000">
+                        <a:alpha val="43137"/>
+                      </a:srgbClr>
+                    </a:outerShdw>
+                  </a:effectLst>
+                </a:rPr>
+                <a:t> </a:t>
+              </a:r>
+              <a:endParaRPr lang="ko-KR" altLang="en-US" sz="1000" dirty="0">
+                <a:solidFill>
+                  <a:schemeClr val="bg1"/>
+                </a:solidFill>
+                <a:effectLst>
+                  <a:outerShdw blurRad="38100" dist="38100" dir="2700000" algn="tl">
+                    <a:srgbClr val="000000">
+                      <a:alpha val="43137"/>
+                    </a:srgbClr>
+                  </a:outerShdw>
+                </a:effectLst>
+              </a:endParaRPr>
+            </a:p>
+          </p:txBody>
+        </p:sp>
+      </p:grpSp>
+      <p:sp>
+        <p:nvSpPr>
+          <p:cNvPr id="68" name="TextBox 67"/>
+          <p:cNvSpPr txBox="1"/>
+          <p:nvPr/>
+        </p:nvSpPr>
+        <p:spPr>
+          <a:xfrm>
+            <a:off x="3328017" y="1295964"/>
+            <a:ext cx="5711207" cy="584775"/>
+          </a:xfrm>
+          <a:prstGeom prst="rect">
+            <a:avLst/>
+          </a:prstGeom>
+          <a:noFill/>
+        </p:spPr>
+        <p:txBody>
+          <a:bodyPr wrap="square" rtlCol="0">
+            <a:spAutoFit/>
+          </a:bodyPr>
+          <a:lstStyle/>
+          <a:p>
+            <a:r>
+              <a:rPr lang="ko-KR" altLang="en-US" sz="1600" dirty="0" smtClean="0">
+                <a:solidFill>
+                  <a:schemeClr val="bg1"/>
+                </a:solidFill>
+                <a:effectLst>
+                  <a:outerShdw blurRad="38100" dist="38100" dir="2700000" algn="tl">
+                    <a:srgbClr val="000000">
+                      <a:alpha val="43137"/>
+                    </a:srgbClr>
+                  </a:outerShdw>
+                </a:effectLst>
+                <a:latin typeface="+mn-ea"/>
+              </a:rPr>
+              <a:t>우주의 구역은 </a:t>
+            </a:r>
+            <a:r>
+              <a:rPr lang="en-US" altLang="ko-KR" sz="1600" dirty="0" smtClean="0">
+                <a:solidFill>
+                  <a:schemeClr val="bg1"/>
+                </a:solidFill>
+                <a:effectLst>
+                  <a:outerShdw blurRad="38100" dist="38100" dir="2700000" algn="tl">
+                    <a:srgbClr val="000000">
+                      <a:alpha val="43137"/>
+                    </a:srgbClr>
+                  </a:outerShdw>
+                </a:effectLst>
+                <a:latin typeface="+mn-ea"/>
+              </a:rPr>
+              <a:t>Beacon (</a:t>
+            </a:r>
+            <a:r>
+              <a:rPr lang="ko-KR" altLang="en-US" sz="1600" dirty="0" smtClean="0">
+                <a:solidFill>
+                  <a:schemeClr val="bg1"/>
+                </a:solidFill>
+                <a:effectLst>
+                  <a:outerShdw blurRad="38100" dist="38100" dir="2700000" algn="tl">
+                    <a:srgbClr val="000000">
+                      <a:alpha val="43137"/>
+                    </a:srgbClr>
+                  </a:outerShdw>
+                </a:effectLst>
+                <a:latin typeface="+mn-ea"/>
+              </a:rPr>
+              <a:t>신호기</a:t>
+            </a:r>
+            <a:r>
+              <a:rPr lang="en-US" altLang="ko-KR" sz="1600" dirty="0" smtClean="0">
+                <a:solidFill>
+                  <a:schemeClr val="bg1"/>
+                </a:solidFill>
+                <a:effectLst>
+                  <a:outerShdw blurRad="38100" dist="38100" dir="2700000" algn="tl">
+                    <a:srgbClr val="000000">
+                      <a:alpha val="43137"/>
+                    </a:srgbClr>
+                  </a:outerShdw>
+                </a:effectLst>
+                <a:latin typeface="+mn-ea"/>
+              </a:rPr>
+              <a:t>) </a:t>
+            </a:r>
+            <a:r>
+              <a:rPr lang="ko-KR" altLang="en-US" sz="1600" dirty="0" smtClean="0">
+                <a:solidFill>
+                  <a:schemeClr val="bg1"/>
+                </a:solidFill>
+                <a:effectLst>
+                  <a:outerShdw blurRad="38100" dist="38100" dir="2700000" algn="tl">
+                    <a:srgbClr val="000000">
+                      <a:alpha val="43137"/>
+                    </a:srgbClr>
+                  </a:outerShdw>
+                </a:effectLst>
+                <a:latin typeface="+mn-ea"/>
+              </a:rPr>
+              <a:t>라는 점 단위로 구분된다</a:t>
+            </a:r>
+            <a:r>
+              <a:rPr lang="en-US" altLang="ko-KR" sz="1600" dirty="0" smtClean="0">
+                <a:solidFill>
+                  <a:schemeClr val="bg1"/>
+                </a:solidFill>
+                <a:effectLst>
+                  <a:outerShdw blurRad="38100" dist="38100" dir="2700000" algn="tl">
+                    <a:srgbClr val="000000">
+                      <a:alpha val="43137"/>
+                    </a:srgbClr>
+                  </a:outerShdw>
+                </a:effectLst>
+                <a:latin typeface="+mn-ea"/>
+              </a:rPr>
+              <a:t>.</a:t>
+            </a:r>
+          </a:p>
+          <a:p>
+            <a:r>
+              <a:rPr lang="ko-KR" altLang="en-US" sz="1600" dirty="0" smtClean="0">
+                <a:solidFill>
+                  <a:schemeClr val="bg1"/>
+                </a:solidFill>
+                <a:effectLst>
+                  <a:outerShdw blurRad="38100" dist="38100" dir="2700000" algn="tl">
+                    <a:srgbClr val="000000">
+                      <a:alpha val="43137"/>
+                    </a:srgbClr>
+                  </a:outerShdw>
+                </a:effectLst>
+                <a:latin typeface="+mn-ea"/>
+              </a:rPr>
+              <a:t>이를 지도로 나타내면 점선 그래프와 같다</a:t>
+            </a:r>
+            <a:r>
+              <a:rPr lang="en-US" altLang="ko-KR" sz="1600" dirty="0" smtClean="0">
+                <a:solidFill>
+                  <a:schemeClr val="bg1"/>
+                </a:solidFill>
+                <a:effectLst>
+                  <a:outerShdw blurRad="38100" dist="38100" dir="2700000" algn="tl">
+                    <a:srgbClr val="000000">
+                      <a:alpha val="43137"/>
+                    </a:srgbClr>
+                  </a:outerShdw>
+                </a:effectLst>
+                <a:latin typeface="+mn-ea"/>
+              </a:rPr>
+              <a:t>.</a:t>
+            </a:r>
+            <a:endParaRPr lang="ko-KR" altLang="en-US" sz="1600" dirty="0">
+              <a:solidFill>
+                <a:schemeClr val="bg1"/>
+              </a:solidFill>
+              <a:effectLst>
+                <a:outerShdw blurRad="38100" dist="38100" dir="2700000" algn="tl">
+                  <a:srgbClr val="000000">
+                    <a:alpha val="43137"/>
+                  </a:srgbClr>
+                </a:outerShdw>
+              </a:effectLst>
+              <a:latin typeface="+mn-ea"/>
+            </a:endParaRPr>
+          </a:p>
+        </p:txBody>
+      </p:sp>
+      <p:sp>
+        <p:nvSpPr>
+          <p:cNvPr id="69" name="TextBox 68"/>
+          <p:cNvSpPr txBox="1"/>
+          <p:nvPr/>
+        </p:nvSpPr>
+        <p:spPr>
+          <a:xfrm>
+            <a:off x="249842" y="1603740"/>
+            <a:ext cx="1621791" cy="276999"/>
+          </a:xfrm>
+          <a:prstGeom prst="rect">
+            <a:avLst/>
+          </a:prstGeom>
+          <a:noFill/>
+        </p:spPr>
+        <p:txBody>
+          <a:bodyPr wrap="square" rtlCol="0">
+            <a:spAutoFit/>
+          </a:bodyPr>
+          <a:lstStyle/>
+          <a:p>
+            <a:r>
+              <a:rPr lang="ko-KR" altLang="en-US" sz="1200" dirty="0" smtClean="0">
+                <a:solidFill>
+                  <a:schemeClr val="bg1"/>
+                </a:solidFill>
+                <a:effectLst>
+                  <a:outerShdw blurRad="38100" dist="38100" dir="2700000" algn="tl">
+                    <a:srgbClr val="000000">
+                      <a:alpha val="43137"/>
+                    </a:srgbClr>
+                  </a:outerShdw>
+                </a:effectLst>
+              </a:rPr>
+              <a:t>체력 </a:t>
+            </a:r>
+            <a:r>
+              <a:rPr lang="en-US" altLang="ko-KR" sz="1200" dirty="0" smtClean="0">
+                <a:solidFill>
+                  <a:schemeClr val="bg1"/>
+                </a:solidFill>
+                <a:effectLst>
+                  <a:outerShdw blurRad="38100" dist="38100" dir="2700000" algn="tl">
+                    <a:srgbClr val="000000">
+                      <a:alpha val="43137"/>
+                    </a:srgbClr>
+                  </a:outerShdw>
+                </a:effectLst>
+              </a:rPr>
+              <a:t>/ </a:t>
+            </a:r>
+            <a:r>
+              <a:rPr lang="ko-KR" altLang="en-US" sz="1200" dirty="0" smtClean="0">
+                <a:solidFill>
+                  <a:schemeClr val="bg1"/>
+                </a:solidFill>
+                <a:effectLst>
+                  <a:outerShdw blurRad="38100" dist="38100" dir="2700000" algn="tl">
+                    <a:srgbClr val="000000">
+                      <a:alpha val="43137"/>
+                    </a:srgbClr>
+                  </a:outerShdw>
+                </a:effectLst>
+              </a:rPr>
+              <a:t>보호</a:t>
+            </a:r>
+            <a:r>
+              <a:rPr lang="ko-KR" altLang="en-US" sz="1200" dirty="0" smtClean="0">
+                <a:solidFill>
+                  <a:schemeClr val="bg1"/>
+                </a:solidFill>
+                <a:effectLst>
+                  <a:outerShdw blurRad="38100" dist="38100" dir="2700000" algn="tl">
+                    <a:srgbClr val="000000">
+                      <a:alpha val="43137"/>
+                    </a:srgbClr>
+                  </a:outerShdw>
+                </a:effectLst>
+              </a:rPr>
+              <a:t>막 </a:t>
+            </a:r>
+            <a:r>
+              <a:rPr lang="ko-KR" altLang="en-US" sz="1200" dirty="0" smtClean="0">
+                <a:solidFill>
+                  <a:schemeClr val="bg1"/>
+                </a:solidFill>
+                <a:effectLst>
+                  <a:outerShdw blurRad="38100" dist="38100" dir="2700000" algn="tl">
+                    <a:srgbClr val="000000">
+                      <a:alpha val="43137"/>
+                    </a:srgbClr>
+                  </a:outerShdw>
+                </a:effectLst>
+              </a:rPr>
+              <a:t>바</a:t>
+            </a:r>
+            <a:endParaRPr lang="ko-KR" altLang="en-US" sz="1200" dirty="0">
+              <a:solidFill>
+                <a:schemeClr val="bg1"/>
+              </a:solidFill>
+              <a:effectLst>
+                <a:outerShdw blurRad="38100" dist="38100" dir="2700000" algn="tl">
+                  <a:srgbClr val="000000">
+                    <a:alpha val="43137"/>
+                  </a:srgbClr>
+                </a:outerShdw>
+              </a:effectLst>
+            </a:endParaRPr>
           </a:p>
         </p:txBody>
       </p:sp>
@@ -13966,24 +18760,7 @@
                 <a:latin typeface="-윤고딕320" panose="02030504000101010101" pitchFamily="18" charset="-127"/>
                 <a:ea typeface="-윤고딕320" panose="02030504000101010101" pitchFamily="18" charset="-127"/>
               </a:rPr>
-              <a:t>게임 </a:t>
-            </a:r>
-            <a:r>
-              <a:rPr lang="ko-KR" altLang="en-US" sz="2800" dirty="0" smtClean="0">
-                <a:solidFill>
-                  <a:schemeClr val="bg1"/>
-                </a:solidFill>
-                <a:effectLst>
-                  <a:outerShdw blurRad="38100" dist="38100" dir="2700000" algn="tl">
-                    <a:srgbClr val="000000">
-                      <a:alpha val="43137"/>
-                    </a:srgbClr>
-                  </a:outerShdw>
-                </a:effectLst>
-                <a:latin typeface="-윤고딕320" panose="02030504000101010101" pitchFamily="18" charset="-127"/>
-                <a:ea typeface="-윤고딕320" panose="02030504000101010101" pitchFamily="18" charset="-127"/>
-              </a:rPr>
-              <a:t>소개 </a:t>
+              <a:t>게임 소개 </a:t>
             </a:r>
             <a:r>
               <a:rPr lang="en-US" altLang="ko-KR" sz="2800" dirty="0" smtClean="0">
@@ -14355,20 +19132,6 @@
               </a:rPr>
               <a:t>)</a:t>
             </a:r>
-            <a:endParaRPr lang="en-US" altLang="ko-KR" sz="1400" dirty="0" smtClean="0">
-              <a:solidFill>
-                <a:schemeClr val="bg1"/>
-              </a:solidFill>
-              <a:effectLst>
-                <a:outerShdw blurRad="38100" dist="38100" dir="2700000" algn="tl">
-                  <a:srgbClr val="000000">
-                    <a:alpha val="43137"/>
-                  </a:srgbClr>
-                </a:outerShdw>
-              </a:effectLst>
-              <a:latin typeface="-윤고딕310" panose="02030504000101010101" pitchFamily="18" charset="-127"/>
-              <a:ea typeface="-윤고딕310" panose="02030504000101010101" pitchFamily="18" charset="-127"/>
-            </a:endParaRPr>
           </a:p>
           <a:p>
             <a:pPr algn="ctr"/>
@@ -14692,6 +19455,486 @@
           </a:p>
         </p:txBody>
       </p:sp>
+      <p:sp>
+        <p:nvSpPr>
+          <p:cNvPr id="7" name="TextBox 6"/>
+          <p:cNvSpPr txBox="1"/>
+          <p:nvPr/>
+        </p:nvSpPr>
+        <p:spPr>
+          <a:xfrm>
+            <a:off x="117687" y="1363131"/>
+            <a:ext cx="11617113" cy="1323439"/>
+          </a:xfrm>
+          <a:prstGeom prst="rect">
+            <a:avLst/>
+          </a:prstGeom>
+          <a:noFill/>
+        </p:spPr>
+        <p:txBody>
+          <a:bodyPr wrap="square" rtlCol="0" anchor="t">
+            <a:spAutoFit/>
+          </a:bodyPr>
+          <a:lstStyle/>
+          <a:p>
+            <a:pPr marL="457200" indent="-457200">
+              <a:buFont typeface="+mj-lt"/>
+              <a:buAutoNum type="arabicPeriod"/>
+            </a:pPr>
+            <a:r>
+              <a:rPr lang="ko-KR" altLang="en-US" sz="2000" dirty="0" smtClean="0">
+                <a:solidFill>
+                  <a:schemeClr val="bg1"/>
+                </a:solidFill>
+                <a:effectLst>
+                  <a:outerShdw blurRad="38100" dist="38100" dir="2700000" algn="tl">
+                    <a:srgbClr val="000000">
+                      <a:alpha val="43137"/>
+                    </a:srgbClr>
+                  </a:outerShdw>
+                </a:effectLst>
+                <a:latin typeface="-윤고딕310" panose="02030504000101010101" pitchFamily="18" charset="-127"/>
+                <a:ea typeface="-윤고딕310" panose="02030504000101010101" pitchFamily="18" charset="-127"/>
+              </a:rPr>
+              <a:t>플레이어는 작은 함선으로 시작한다</a:t>
+            </a:r>
+            <a:r>
+              <a:rPr lang="en-US" altLang="ko-KR" sz="2000" dirty="0" smtClean="0">
+                <a:solidFill>
+                  <a:schemeClr val="bg1"/>
+                </a:solidFill>
+                <a:effectLst>
+                  <a:outerShdw blurRad="38100" dist="38100" dir="2700000" algn="tl">
+                    <a:srgbClr val="000000">
+                      <a:alpha val="43137"/>
+                    </a:srgbClr>
+                  </a:outerShdw>
+                </a:effectLst>
+                <a:latin typeface="-윤고딕310" panose="02030504000101010101" pitchFamily="18" charset="-127"/>
+                <a:ea typeface="-윤고딕310" panose="02030504000101010101" pitchFamily="18" charset="-127"/>
+              </a:rPr>
+              <a:t>. </a:t>
+            </a:r>
+            <a:r>
+              <a:rPr lang="ko-KR" altLang="en-US" sz="2000" dirty="0">
+                <a:solidFill>
+                  <a:schemeClr val="bg1"/>
+                </a:solidFill>
+                <a:effectLst>
+                  <a:outerShdw blurRad="38100" dist="38100" dir="2700000" algn="tl">
+                    <a:srgbClr val="000000">
+                      <a:alpha val="43137"/>
+                    </a:srgbClr>
+                  </a:outerShdw>
+                </a:effectLst>
+                <a:latin typeface="-윤고딕310" panose="02030504000101010101" pitchFamily="18" charset="-127"/>
+                <a:ea typeface="-윤고딕310" panose="02030504000101010101" pitchFamily="18" charset="-127"/>
+              </a:rPr>
+              <a:t>시</a:t>
+            </a:r>
+            <a:r>
+              <a:rPr lang="ko-KR" altLang="en-US" sz="2000" dirty="0" smtClean="0">
+                <a:solidFill>
+                  <a:schemeClr val="bg1"/>
+                </a:solidFill>
+                <a:effectLst>
+                  <a:outerShdw blurRad="38100" dist="38100" dir="2700000" algn="tl">
+                    <a:srgbClr val="000000">
+                      <a:alpha val="43137"/>
+                    </a:srgbClr>
+                  </a:outerShdw>
+                </a:effectLst>
+                <a:latin typeface="-윤고딕310" panose="02030504000101010101" pitchFamily="18" charset="-127"/>
+                <a:ea typeface="-윤고딕310" panose="02030504000101010101" pitchFamily="18" charset="-127"/>
+              </a:rPr>
+              <a:t>작 함선은 </a:t>
+            </a:r>
+            <a:r>
+              <a:rPr lang="en-US" altLang="ko-KR" sz="2000" dirty="0" smtClean="0">
+                <a:solidFill>
+                  <a:schemeClr val="bg1"/>
+                </a:solidFill>
+                <a:effectLst>
+                  <a:outerShdw blurRad="38100" dist="38100" dir="2700000" algn="tl">
+                    <a:srgbClr val="000000">
+                      <a:alpha val="43137"/>
+                    </a:srgbClr>
+                  </a:outerShdw>
+                </a:effectLst>
+                <a:latin typeface="-윤고딕310" panose="02030504000101010101" pitchFamily="18" charset="-127"/>
+                <a:ea typeface="-윤고딕310" panose="02030504000101010101" pitchFamily="18" charset="-127"/>
+              </a:rPr>
+              <a:t>3~4 </a:t>
+            </a:r>
+            <a:r>
+              <a:rPr lang="ko-KR" altLang="en-US" sz="2000" dirty="0" smtClean="0">
+                <a:solidFill>
+                  <a:schemeClr val="bg1"/>
+                </a:solidFill>
+                <a:effectLst>
+                  <a:outerShdw blurRad="38100" dist="38100" dir="2700000" algn="tl">
+                    <a:srgbClr val="000000">
+                      <a:alpha val="43137"/>
+                    </a:srgbClr>
+                  </a:outerShdw>
+                </a:effectLst>
+                <a:latin typeface="-윤고딕310" panose="02030504000101010101" pitchFamily="18" charset="-127"/>
+                <a:ea typeface="-윤고딕310" panose="02030504000101010101" pitchFamily="18" charset="-127"/>
+              </a:rPr>
+              <a:t>종류로 게임 내 등장하는 외계</a:t>
+            </a:r>
+            <a:r>
+              <a:rPr lang="en-US" altLang="ko-KR" sz="2000" dirty="0">
+                <a:solidFill>
+                  <a:schemeClr val="bg1"/>
+                </a:solidFill>
+                <a:effectLst>
+                  <a:outerShdw blurRad="38100" dist="38100" dir="2700000" algn="tl">
+                    <a:srgbClr val="000000">
+                      <a:alpha val="43137"/>
+                    </a:srgbClr>
+                  </a:outerShdw>
+                </a:effectLst>
+                <a:latin typeface="-윤고딕310" panose="02030504000101010101" pitchFamily="18" charset="-127"/>
+                <a:ea typeface="-윤고딕310" panose="02030504000101010101" pitchFamily="18" charset="-127"/>
+              </a:rPr>
+              <a:t/>
+            </a:r>
+            <a:br>
+              <a:rPr lang="en-US" altLang="ko-KR" sz="2000" dirty="0">
+                <a:solidFill>
+                  <a:schemeClr val="bg1"/>
+                </a:solidFill>
+                <a:effectLst>
+                  <a:outerShdw blurRad="38100" dist="38100" dir="2700000" algn="tl">
+                    <a:srgbClr val="000000">
+                      <a:alpha val="43137"/>
+                    </a:srgbClr>
+                  </a:outerShdw>
+                </a:effectLst>
+                <a:latin typeface="-윤고딕310" panose="02030504000101010101" pitchFamily="18" charset="-127"/>
+                <a:ea typeface="-윤고딕310" panose="02030504000101010101" pitchFamily="18" charset="-127"/>
+              </a:rPr>
+            </a:br>
+            <a:r>
+              <a:rPr lang="ko-KR" altLang="en-US" sz="2000" dirty="0" smtClean="0">
+                <a:solidFill>
+                  <a:schemeClr val="bg1"/>
+                </a:solidFill>
+                <a:effectLst>
+                  <a:outerShdw blurRad="38100" dist="38100" dir="2700000" algn="tl">
+                    <a:srgbClr val="000000">
+                      <a:alpha val="43137"/>
+                    </a:srgbClr>
+                  </a:outerShdw>
+                </a:effectLst>
+                <a:latin typeface="-윤고딕310" panose="02030504000101010101" pitchFamily="18" charset="-127"/>
+                <a:ea typeface="-윤고딕310" panose="02030504000101010101" pitchFamily="18" charset="-127"/>
+              </a:rPr>
+              <a:t>종족들의 고물 함선이다</a:t>
+            </a:r>
+            <a:r>
+              <a:rPr lang="en-US" altLang="ko-KR" sz="2000" dirty="0" smtClean="0">
+                <a:solidFill>
+                  <a:schemeClr val="bg1"/>
+                </a:solidFill>
+                <a:effectLst>
+                  <a:outerShdw blurRad="38100" dist="38100" dir="2700000" algn="tl">
+                    <a:srgbClr val="000000">
+                      <a:alpha val="43137"/>
+                    </a:srgbClr>
+                  </a:outerShdw>
+                </a:effectLst>
+                <a:latin typeface="-윤고딕310" panose="02030504000101010101" pitchFamily="18" charset="-127"/>
+                <a:ea typeface="-윤고딕310" panose="02030504000101010101" pitchFamily="18" charset="-127"/>
+              </a:rPr>
+              <a:t>. </a:t>
+            </a:r>
+            <a:r>
+              <a:rPr lang="ko-KR" altLang="en-US" sz="2000" dirty="0" smtClean="0">
+                <a:solidFill>
+                  <a:schemeClr val="bg1"/>
+                </a:solidFill>
+                <a:effectLst>
+                  <a:outerShdw blurRad="38100" dist="38100" dir="2700000" algn="tl">
+                    <a:srgbClr val="000000">
+                      <a:alpha val="43137"/>
+                    </a:srgbClr>
+                  </a:outerShdw>
+                </a:effectLst>
+                <a:latin typeface="-윤고딕310" panose="02030504000101010101" pitchFamily="18" charset="-127"/>
+                <a:ea typeface="-윤고딕310" panose="02030504000101010101" pitchFamily="18" charset="-127"/>
+              </a:rPr>
+              <a:t>선원은 </a:t>
+            </a:r>
+            <a:r>
+              <a:rPr lang="en-US" altLang="ko-KR" sz="2000" dirty="0" smtClean="0">
+                <a:solidFill>
+                  <a:schemeClr val="bg1"/>
+                </a:solidFill>
+                <a:effectLst>
+                  <a:outerShdw blurRad="38100" dist="38100" dir="2700000" algn="tl">
+                    <a:srgbClr val="000000">
+                      <a:alpha val="43137"/>
+                    </a:srgbClr>
+                  </a:outerShdw>
+                </a:effectLst>
+                <a:latin typeface="-윤고딕310" panose="02030504000101010101" pitchFamily="18" charset="-127"/>
+                <a:ea typeface="-윤고딕310" panose="02030504000101010101" pitchFamily="18" charset="-127"/>
+              </a:rPr>
+              <a:t>2~4 </a:t>
+            </a:r>
+            <a:r>
+              <a:rPr lang="ko-KR" altLang="en-US" sz="2000" dirty="0" smtClean="0">
+                <a:solidFill>
+                  <a:schemeClr val="bg1"/>
+                </a:solidFill>
+                <a:effectLst>
+                  <a:outerShdw blurRad="38100" dist="38100" dir="2700000" algn="tl">
+                    <a:srgbClr val="000000">
+                      <a:alpha val="43137"/>
+                    </a:srgbClr>
+                  </a:outerShdw>
+                </a:effectLst>
+                <a:latin typeface="-윤고딕310" panose="02030504000101010101" pitchFamily="18" charset="-127"/>
+                <a:ea typeface="-윤고딕310" panose="02030504000101010101" pitchFamily="18" charset="-127"/>
+              </a:rPr>
+              <a:t>명으로 정해져 있다</a:t>
+            </a:r>
+            <a:r>
+              <a:rPr lang="en-US" altLang="ko-KR" sz="2000" dirty="0" smtClean="0">
+                <a:solidFill>
+                  <a:schemeClr val="bg1"/>
+                </a:solidFill>
+                <a:effectLst>
+                  <a:outerShdw blurRad="38100" dist="38100" dir="2700000" algn="tl">
+                    <a:srgbClr val="000000">
+                      <a:alpha val="43137"/>
+                    </a:srgbClr>
+                  </a:outerShdw>
+                </a:effectLst>
+                <a:latin typeface="-윤고딕310" panose="02030504000101010101" pitchFamily="18" charset="-127"/>
+                <a:ea typeface="-윤고딕310" panose="02030504000101010101" pitchFamily="18" charset="-127"/>
+              </a:rPr>
+              <a:t>.</a:t>
+            </a:r>
+          </a:p>
+          <a:p>
+            <a:pPr marL="457200" indent="-457200">
+              <a:buFont typeface="+mj-lt"/>
+              <a:buAutoNum type="arabicPeriod"/>
+            </a:pPr>
+            <a:r>
+              <a:rPr lang="ko-KR" altLang="en-US" sz="2000" dirty="0" smtClean="0">
+                <a:solidFill>
+                  <a:schemeClr val="bg1"/>
+                </a:solidFill>
+                <a:effectLst>
+                  <a:outerShdw blurRad="38100" dist="38100" dir="2700000" algn="tl">
+                    <a:srgbClr val="000000">
+                      <a:alpha val="43137"/>
+                    </a:srgbClr>
+                  </a:outerShdw>
+                </a:effectLst>
+                <a:latin typeface="-윤고딕310" panose="02030504000101010101" pitchFamily="18" charset="-127"/>
+                <a:ea typeface="-윤고딕310" panose="02030504000101010101" pitchFamily="18" charset="-127"/>
+              </a:rPr>
+              <a:t>보통 게임 내내 아래와 같은 순환이 일어난다</a:t>
+            </a:r>
+            <a:r>
+              <a:rPr lang="en-US" altLang="ko-KR" sz="2000" dirty="0" smtClean="0">
+                <a:solidFill>
+                  <a:schemeClr val="bg1"/>
+                </a:solidFill>
+                <a:effectLst>
+                  <a:outerShdw blurRad="38100" dist="38100" dir="2700000" algn="tl">
+                    <a:srgbClr val="000000">
+                      <a:alpha val="43137"/>
+                    </a:srgbClr>
+                  </a:outerShdw>
+                </a:effectLst>
+                <a:latin typeface="-윤고딕310" panose="02030504000101010101" pitchFamily="18" charset="-127"/>
+                <a:ea typeface="-윤고딕310" panose="02030504000101010101" pitchFamily="18" charset="-127"/>
+              </a:rPr>
+              <a:t>. </a:t>
+            </a:r>
+            <a:r>
+              <a:rPr lang="ko-KR" altLang="en-US" sz="2000" dirty="0" smtClean="0">
+                <a:solidFill>
+                  <a:schemeClr val="bg1"/>
+                </a:solidFill>
+                <a:effectLst>
+                  <a:outerShdw blurRad="38100" dist="38100" dir="2700000" algn="tl">
+                    <a:srgbClr val="000000">
+                      <a:alpha val="43137"/>
+                    </a:srgbClr>
+                  </a:outerShdw>
+                </a:effectLst>
+                <a:latin typeface="-윤고딕310" panose="02030504000101010101" pitchFamily="18" charset="-127"/>
+                <a:ea typeface="-윤고딕310" panose="02030504000101010101" pitchFamily="18" charset="-127"/>
+              </a:rPr>
+              <a:t>자칫 단조로워 보일 수 있지만 모든 상</a:t>
+            </a:r>
+            <a:r>
+              <a:rPr lang="en-US" altLang="ko-KR" sz="2000" dirty="0">
+                <a:solidFill>
+                  <a:schemeClr val="bg1"/>
+                </a:solidFill>
+                <a:effectLst>
+                  <a:outerShdw blurRad="38100" dist="38100" dir="2700000" algn="tl">
+                    <a:srgbClr val="000000">
+                      <a:alpha val="43137"/>
+                    </a:srgbClr>
+                  </a:outerShdw>
+                </a:effectLst>
+                <a:latin typeface="-윤고딕310" panose="02030504000101010101" pitchFamily="18" charset="-127"/>
+                <a:ea typeface="-윤고딕310" panose="02030504000101010101" pitchFamily="18" charset="-127"/>
+              </a:rPr>
+              <a:t/>
+            </a:r>
+            <a:br>
+              <a:rPr lang="en-US" altLang="ko-KR" sz="2000" dirty="0">
+                <a:solidFill>
+                  <a:schemeClr val="bg1"/>
+                </a:solidFill>
+                <a:effectLst>
+                  <a:outerShdw blurRad="38100" dist="38100" dir="2700000" algn="tl">
+                    <a:srgbClr val="000000">
+                      <a:alpha val="43137"/>
+                    </a:srgbClr>
+                  </a:outerShdw>
+                </a:effectLst>
+                <a:latin typeface="-윤고딕310" panose="02030504000101010101" pitchFamily="18" charset="-127"/>
+                <a:ea typeface="-윤고딕310" panose="02030504000101010101" pitchFamily="18" charset="-127"/>
+              </a:rPr>
+            </a:br>
+            <a:r>
+              <a:rPr lang="ko-KR" altLang="en-US" sz="2000" dirty="0" smtClean="0">
+                <a:solidFill>
+                  <a:schemeClr val="bg1"/>
+                </a:solidFill>
+                <a:effectLst>
+                  <a:outerShdw blurRad="38100" dist="38100" dir="2700000" algn="tl">
+                    <a:srgbClr val="000000">
+                      <a:alpha val="43137"/>
+                    </a:srgbClr>
+                  </a:outerShdw>
+                </a:effectLst>
+                <a:latin typeface="-윤고딕310" panose="02030504000101010101" pitchFamily="18" charset="-127"/>
+                <a:ea typeface="-윤고딕310" panose="02030504000101010101" pitchFamily="18" charset="-127"/>
+              </a:rPr>
+              <a:t>황에서 무작위의 </a:t>
+            </a:r>
+            <a:r>
+              <a:rPr lang="en-US" altLang="ko-KR" sz="2000" dirty="0" smtClean="0">
+                <a:solidFill>
+                  <a:schemeClr val="bg1"/>
+                </a:solidFill>
+                <a:effectLst>
+                  <a:outerShdw blurRad="38100" dist="38100" dir="2700000" algn="tl">
+                    <a:srgbClr val="000000">
+                      <a:alpha val="43137"/>
+                    </a:srgbClr>
+                  </a:outerShdw>
+                </a:effectLst>
+                <a:latin typeface="-윤고딕310" panose="02030504000101010101" pitchFamily="18" charset="-127"/>
+                <a:ea typeface="-윤고딕310" panose="02030504000101010101" pitchFamily="18" charset="-127"/>
+              </a:rPr>
+              <a:t>(</a:t>
+            </a:r>
+            <a:r>
+              <a:rPr lang="ko-KR" altLang="en-US" sz="2000" dirty="0" smtClean="0">
+                <a:solidFill>
+                  <a:schemeClr val="bg1"/>
+                </a:solidFill>
+                <a:effectLst>
+                  <a:outerShdw blurRad="38100" dist="38100" dir="2700000" algn="tl">
+                    <a:srgbClr val="000000">
+                      <a:alpha val="43137"/>
+                    </a:srgbClr>
+                  </a:outerShdw>
+                </a:effectLst>
+                <a:latin typeface="-윤고딕310" panose="02030504000101010101" pitchFamily="18" charset="-127"/>
+                <a:ea typeface="-윤고딕310" panose="02030504000101010101" pitchFamily="18" charset="-127"/>
+              </a:rPr>
+              <a:t>하지만 현재 지역 종류에 영향을 받는다</a:t>
+            </a:r>
+            <a:r>
+              <a:rPr lang="en-US" altLang="ko-KR" sz="2000" dirty="0" smtClean="0">
+                <a:solidFill>
+                  <a:schemeClr val="bg1"/>
+                </a:solidFill>
+                <a:effectLst>
+                  <a:outerShdw blurRad="38100" dist="38100" dir="2700000" algn="tl">
+                    <a:srgbClr val="000000">
+                      <a:alpha val="43137"/>
+                    </a:srgbClr>
+                  </a:outerShdw>
+                </a:effectLst>
+                <a:latin typeface="-윤고딕310" panose="02030504000101010101" pitchFamily="18" charset="-127"/>
+                <a:ea typeface="-윤고딕310" panose="02030504000101010101" pitchFamily="18" charset="-127"/>
+              </a:rPr>
+              <a:t>) </a:t>
+            </a:r>
+            <a:r>
+              <a:rPr lang="ko-KR" altLang="en-US" sz="2000" dirty="0" smtClean="0">
+                <a:solidFill>
+                  <a:schemeClr val="bg1"/>
+                </a:solidFill>
+                <a:effectLst>
+                  <a:outerShdw blurRad="38100" dist="38100" dir="2700000" algn="tl">
+                    <a:srgbClr val="000000">
+                      <a:alpha val="43137"/>
+                    </a:srgbClr>
+                  </a:outerShdw>
+                </a:effectLst>
+                <a:latin typeface="-윤고딕310" panose="02030504000101010101" pitchFamily="18" charset="-127"/>
+                <a:ea typeface="-윤고딕310" panose="02030504000101010101" pitchFamily="18" charset="-127"/>
+              </a:rPr>
+              <a:t>이벤트가 발생하기에 같은 느낌은 없다</a:t>
+            </a:r>
+            <a:r>
+              <a:rPr lang="en-US" altLang="ko-KR" sz="2000" dirty="0" smtClean="0">
+                <a:solidFill>
+                  <a:schemeClr val="bg1"/>
+                </a:solidFill>
+                <a:effectLst>
+                  <a:outerShdw blurRad="38100" dist="38100" dir="2700000" algn="tl">
+                    <a:srgbClr val="000000">
+                      <a:alpha val="43137"/>
+                    </a:srgbClr>
+                  </a:outerShdw>
+                </a:effectLst>
+                <a:latin typeface="-윤고딕310" panose="02030504000101010101" pitchFamily="18" charset="-127"/>
+                <a:ea typeface="-윤고딕310" panose="02030504000101010101" pitchFamily="18" charset="-127"/>
+              </a:rPr>
+              <a:t>.</a:t>
+            </a:r>
+          </a:p>
+        </p:txBody>
+      </p:sp>
+      <p:graphicFrame>
+        <p:nvGraphicFramePr>
+          <p:cNvPr id="5" name="다이어그램 4"/>
+          <p:cNvGraphicFramePr/>
+          <p:nvPr>
+            <p:extLst>
+              <p:ext uri="{D42A27DB-BD31-4B8C-83A1-F6EECF244321}">
+                <p14:modId xmlns:p14="http://schemas.microsoft.com/office/powerpoint/2010/main" val="561414701"/>
+              </p:ext>
+            </p:extLst>
+          </p:nvPr>
+        </p:nvGraphicFramePr>
+        <p:xfrm>
+          <a:off x="3239028" y="2629956"/>
+          <a:ext cx="5692775" cy="3833537"/>
+        </p:xfrm>
+        <a:graphic>
+          <a:graphicData uri="http://schemas.openxmlformats.org/drawingml/2006/diagram">
+            <dgm:relIds xmlns:dgm="http://schemas.openxmlformats.org/drawingml/2006/diagram" xmlns:r="http://schemas.openxmlformats.org/officeDocument/2006/relationships" r:dm="rId2" r:lo="rId3" r:qs="rId4" r:cs="rId5"/>
+          </a:graphicData>
+        </a:graphic>
+      </p:graphicFrame>
     </p:spTree>
     <p:extLst>
       <p:ext uri="{BB962C8B-B14F-4D97-AF65-F5344CB8AC3E}">
@@ -14800,24 +20043,7 @@
                 <a:latin typeface="-윤고딕320" panose="02030504000101010101" pitchFamily="18" charset="-127"/>
                 <a:ea typeface="-윤고딕320" panose="02030504000101010101" pitchFamily="18" charset="-127"/>
               </a:rPr>
-              <a:t>게임 </a:t>
-            </a:r>
-            <a:r>
-              <a:rPr lang="ko-KR" altLang="en-US" sz="2800" dirty="0" smtClean="0">
-                <a:solidFill>
-                  <a:schemeClr val="bg1"/>
-                </a:solidFill>
-                <a:effectLst>
-                  <a:outerShdw blurRad="38100" dist="38100" dir="2700000" algn="tl">
-                    <a:srgbClr val="000000">
-                      <a:alpha val="43137"/>
-                    </a:srgbClr>
-                  </a:outerShdw>
-                </a:effectLst>
-                <a:latin typeface="-윤고딕320" panose="02030504000101010101" pitchFamily="18" charset="-127"/>
-                <a:ea typeface="-윤고딕320" panose="02030504000101010101" pitchFamily="18" charset="-127"/>
-              </a:rPr>
-              <a:t>소개 </a:t>
+              <a:t>게임 소개 </a:t>
             </a:r>
             <a:r>
               <a:rPr lang="en-US" altLang="ko-KR" sz="2800" dirty="0" smtClean="0">
@@ -15266,20 +20492,6 @@
               </a:rPr>
               <a:t>)</a:t>
             </a:r>
-            <a:endParaRPr lang="en-US" altLang="ko-KR" sz="1400" dirty="0" smtClean="0">
-              <a:solidFill>
-                <a:schemeClr val="bg1"/>
-              </a:solidFill>
-              <a:effectLst>
-                <a:outerShdw blurRad="38100" dist="38100" dir="2700000" algn="tl">
-                  <a:srgbClr val="000000">
-                    <a:alpha val="43137"/>
-                  </a:srgbClr>
-                </a:outerShdw>
-              </a:effectLst>
-              <a:latin typeface="-윤고딕310" panose="02030504000101010101" pitchFamily="18" charset="-127"/>
-              <a:ea typeface="-윤고딕310" panose="02030504000101010101" pitchFamily="18" charset="-127"/>
-            </a:endParaRPr>
           </a:p>
           <a:p>
             <a:pPr algn="ctr"/>
@@ -15954,6 +21166,96 @@
             </a:p>
             <a:p>
               <a:pPr algn="r"/>
+              <a:r>
+                <a:rPr lang="ko-KR" altLang="en-US" dirty="0" smtClean="0">
+                  <a:solidFill>
+                    <a:schemeClr val="bg1"/>
+                  </a:solidFill>
+                  <a:effectLst>
+                    <a:outerShdw blurRad="38100" dist="38100" dir="2700000" algn="tl">
+                      <a:srgbClr val="000000">
+                        <a:alpha val="43137"/>
+                      </a:srgbClr>
+                    </a:outerShdw>
+                  </a:effectLst>
+                </a:rPr>
+                <a:t>탄착 시간</a:t>
+              </a:r>
+              <a:r>
+                <a:rPr lang="en-US" altLang="ko-KR" dirty="0" smtClean="0">
+                  <a:solidFill>
+                    <a:schemeClr val="bg1"/>
+                  </a:solidFill>
+                  <a:effectLst>
+                    <a:outerShdw blurRad="38100" dist="38100" dir="2700000" algn="tl">
+                      <a:srgbClr val="000000">
+                        <a:alpha val="43137"/>
+                      </a:srgbClr>
+                    </a:outerShdw>
+                  </a:effectLst>
+                </a:rPr>
+                <a:t>, </a:t>
+              </a:r>
+              <a:r>
+                <a:rPr lang="ko-KR" altLang="en-US" dirty="0" smtClean="0">
+                  <a:solidFill>
+                    <a:schemeClr val="bg1"/>
+                  </a:solidFill>
+                  <a:effectLst>
+                    <a:outerShdw blurRad="38100" dist="38100" dir="2700000" algn="tl">
+                      <a:srgbClr val="000000">
+                        <a:alpha val="43137"/>
+                      </a:srgbClr>
+                    </a:outerShdw>
+                  </a:effectLst>
+                </a:rPr>
+                <a:t>소비 에너지</a:t>
+              </a:r>
+              <a:r>
+                <a:rPr lang="en-US" altLang="ko-KR" dirty="0" smtClean="0">
+                  <a:solidFill>
+                    <a:schemeClr val="bg1"/>
+                  </a:solidFill>
+                  <a:effectLst>
+                    <a:outerShdw blurRad="38100" dist="38100" dir="2700000" algn="tl">
+                      <a:srgbClr val="000000">
+                        <a:alpha val="43137"/>
+                      </a:srgbClr>
+                    </a:outerShdw>
+                  </a:effectLst>
+                </a:rPr>
+                <a:t>,  </a:t>
+              </a:r>
+              <a:r>
+                <a:rPr lang="ko-KR" altLang="en-US" dirty="0" smtClean="0">
+                  <a:solidFill>
+                    <a:schemeClr val="bg1"/>
+                  </a:solidFill>
+                  <a:effectLst>
+                    <a:outerShdw blurRad="38100" dist="38100" dir="2700000" algn="tl">
+                      <a:srgbClr val="000000">
+                        <a:alpha val="43137"/>
+                      </a:srgbClr>
+                    </a:outerShdw>
+                  </a:effectLst>
+                </a:rPr>
+                <a:t>장전 시간이 존재</a:t>
+              </a:r>
+              <a:r>
+                <a:rPr lang="en-US" altLang="ko-KR" dirty="0" smtClean="0">
+                  <a:solidFill>
+                    <a:schemeClr val="bg1"/>
+                  </a:solidFill>
+                  <a:effectLst>
+                    <a:outerShdw blurRad="38100" dist="38100" dir="2700000" algn="tl">
+                      <a:srgbClr val="000000">
+                        <a:alpha val="43137"/>
+                      </a:srgbClr>
+                    </a:outerShdw>
+                  </a:effectLst>
+                </a:rPr>
+                <a:t>.</a:t>
+              </a:r>
               <a:endParaRPr lang="en-US" altLang="ko-KR" dirty="0" smtClean="0">
                 <a:solidFill>
                   <a:schemeClr val="bg1"/>
@@ -18118,7 +23420,7 @@
         <p:spPr>
           <a:xfrm>
             <a:off x="117687" y="1363131"/>
-            <a:ext cx="11617113" cy="4339650"/>
+            <a:ext cx="11617113" cy="5016758"/>
           </a:xfrm>
           <a:prstGeom prst="rect">
             <a:avLst/>
@@ -18131,8 +23433,12 @@
           </a:bodyPr>
           <a:lstStyle/>
           <a:p>
-            <a:r>
-              <a:rPr lang="ko-KR" altLang="en-US" sz="3200" dirty="0" smtClean="0">
+            <a:pPr marL="342900" indent="-342900">
+              <a:buFont typeface="Arial" panose="020B0604020202020204" pitchFamily="34" charset="0"/>
+              <a:buChar char="•"/>
+            </a:pPr>
+            <a:r>
+              <a:rPr lang="en-US" altLang="ko-KR" sz="2000" dirty="0">
                 <a:solidFill>
                   <a:schemeClr val="bg1"/>
                 </a:solidFill>
@@ -18146,9 +23452,43 @@
                 <a:latin typeface="-윤고딕310" panose="02030504000101010101" pitchFamily="18" charset="-127"/>
                 <a:ea typeface="-윤고딕310" panose="02030504000101010101" pitchFamily="18" charset="-127"/>
               </a:rPr>
-              <a:t>텍스트</a:t>
-            </a:r>
-            <a:endParaRPr lang="en-US" altLang="ko-KR" sz="3200" dirty="0" smtClean="0">
+              <a:t> </a:t>
+            </a:r>
+            <a:r>
+              <a:rPr lang="ko-KR" altLang="en-US" sz="2000" dirty="0" smtClean="0">
+                <a:solidFill>
+                  <a:schemeClr val="bg1"/>
+                </a:solidFill>
+                <a:effectLst>
+                  <a:outerShdw blurRad="38100" dist="38100" dir="2700000" algn="tl">
+                    <a:srgbClr val="000000">
+                      <a:alpha val="43137"/>
+                    </a:srgbClr>
+                  </a:outerShdw>
+                </a:effectLst>
+                <a:latin typeface="-윤고딕310" panose="02030504000101010101" pitchFamily="18" charset="-127"/>
+                <a:ea typeface="-윤고딕310" panose="02030504000101010101" pitchFamily="18" charset="-127"/>
+              </a:rPr>
+              <a:t>특색이 부족한 느낌</a:t>
+            </a:r>
+            <a:r>
+              <a:rPr lang="en-US" altLang="ko-KR" sz="2000" dirty="0" smtClean="0">
+                <a:solidFill>
+                  <a:schemeClr val="bg1"/>
+                </a:solidFill>
+                <a:effectLst>
+                  <a:outerShdw blurRad="38100" dist="38100" dir="2700000" algn="tl">
+                    <a:srgbClr val="000000">
+                      <a:alpha val="43137"/>
+                    </a:srgbClr>
+                  </a:outerShdw>
+                </a:effectLst>
+                <a:latin typeface="-윤고딕310" panose="02030504000101010101" pitchFamily="18" charset="-127"/>
+                <a:ea typeface="-윤고딕310" panose="02030504000101010101" pitchFamily="18" charset="-127"/>
+              </a:rPr>
+              <a:t>.</a:t>
+            </a:r>
+            <a:endParaRPr lang="en-US" altLang="ko-KR" sz="2000" dirty="0" smtClean="0">
               <a:solidFill>
                 <a:schemeClr val="bg1"/>
               </a:solidFill>
@@ -18164,7 +23504,7 @@
             </a:endParaRPr>
           </a:p>
           <a:p>
-            <a:endParaRPr lang="en-US" altLang="ko-KR" sz="3200" dirty="0">
+            <a:endParaRPr lang="en-US" altLang="ko-KR" sz="2000" dirty="0">
               <a:solidFill>
                 <a:schemeClr val="bg1"/>
               </a:solidFill>
@@ -18180,7 +23520,7 @@
             </a:endParaRPr>
           </a:p>
           <a:p>
-            <a:endParaRPr lang="en-US" altLang="ko-KR" sz="3200" dirty="0" smtClean="0">
+            <a:endParaRPr lang="en-US" altLang="ko-KR" sz="2000" dirty="0" smtClean="0">
               <a:solidFill>
                 <a:schemeClr val="bg1"/>
               </a:solidFill>
@@ -18196,7 +23536,7 @@
             </a:endParaRPr>
           </a:p>
           <a:p>
-            <a:endParaRPr lang="en-US" altLang="ko-KR" sz="3200" dirty="0">
+            <a:endParaRPr lang="en-US" altLang="ko-KR" sz="2000" dirty="0">
               <a:solidFill>
                 <a:schemeClr val="bg1"/>
               </a:solidFill>
@@ -18212,7 +23552,7 @@
             </a:endParaRPr>
           </a:p>
           <a:p>
-            <a:endParaRPr lang="en-US" altLang="ko-KR" sz="3200" dirty="0" smtClean="0">
+            <a:endParaRPr lang="en-US" altLang="ko-KR" sz="2000" dirty="0" smtClean="0">
               <a:solidFill>
                 <a:schemeClr val="bg1"/>
               </a:solidFill>
@@ -18228,7 +23568,7 @@
             </a:endParaRPr>
           </a:p>
           <a:p>
-            <a:endParaRPr lang="en-US" altLang="ko-KR" sz="3200" dirty="0">
+            <a:endParaRPr lang="en-US" altLang="ko-KR" sz="2000" dirty="0">
               <a:solidFill>
                 <a:schemeClr val="bg1"/>
               </a:solidFill>
@@ -18244,7 +23584,7 @@
             </a:endParaRPr>
           </a:p>
           <a:p>
-            <a:endParaRPr lang="en-US" altLang="ko-KR" sz="3200" dirty="0" smtClean="0">
+            <a:endParaRPr lang="en-US" altLang="ko-KR" sz="2000" dirty="0" smtClean="0">
               <a:solidFill>
                 <a:schemeClr val="bg1"/>
               </a:solidFill>
@@ -18260,7 +23600,119 @@
             </a:endParaRPr>
           </a:p>
           <a:p>
-            <a:endParaRPr lang="en-US" altLang="ko-KR" sz="3200" dirty="0" smtClean="0">
+            <a:endParaRPr lang="en-US" altLang="ko-KR" sz="2000" dirty="0" smtClean="0">
+              <a:solidFill>
+                <a:schemeClr val="bg1"/>
+              </a:solidFill>
+              <a:effectLst>
+                <a:outerShdw blurRad="38100" dist="38100" dir="2700000" algn="tl">
+                  <a:srgbClr val="000000">
+                    <a:alpha val="43137"/>
+                  </a:srgbClr>
+                </a:outerShdw>
+              </a:effectLst>
+              <a:latin typeface="-윤고딕310" panose="02030504000101010101" pitchFamily="18" charset="-127"/>
+              <a:ea typeface="-윤고딕310" panose="02030504000101010101" pitchFamily="18" charset="-127"/>
+            </a:endParaRPr>
+          </a:p>
+          <a:p>
+            <a:endParaRPr lang="en-US" altLang="ko-KR" sz="2000" dirty="0" smtClean="0">
+              <a:solidFill>
+                <a:schemeClr val="bg1"/>
+              </a:solidFill>
+              <a:effectLst>
+                <a:outerShdw blurRad="38100" dist="38100" dir="2700000" algn="tl">
+                  <a:srgbClr val="000000">
+                    <a:alpha val="43137"/>
+                  </a:srgbClr>
+                </a:outerShdw>
+              </a:effectLst>
+              <a:latin typeface="-윤고딕310" panose="02030504000101010101" pitchFamily="18" charset="-127"/>
+              <a:ea typeface="-윤고딕310" panose="02030504000101010101" pitchFamily="18" charset="-127"/>
+            </a:endParaRPr>
+          </a:p>
+          <a:p>
+            <a:endParaRPr lang="en-US" altLang="ko-KR" sz="2000" dirty="0">
+              <a:solidFill>
+                <a:schemeClr val="bg1"/>
+              </a:solidFill>
+              <a:effectLst>
+                <a:outerShdw blurRad="38100" dist="38100" dir="2700000" algn="tl">
+                  <a:srgbClr val="000000">
+                    <a:alpha val="43137"/>
+                  </a:srgbClr>
+                </a:outerShdw>
+              </a:effectLst>
+              <a:latin typeface="-윤고딕310" panose="02030504000101010101" pitchFamily="18" charset="-127"/>
+              <a:ea typeface="-윤고딕310" panose="02030504000101010101" pitchFamily="18" charset="-127"/>
+            </a:endParaRPr>
+          </a:p>
+          <a:p>
+            <a:endParaRPr lang="en-US" altLang="ko-KR" sz="2000" dirty="0" smtClean="0">
+              <a:solidFill>
+                <a:schemeClr val="bg1"/>
+              </a:solidFill>
+              <a:effectLst>
+                <a:outerShdw blurRad="38100" dist="38100" dir="2700000" algn="tl">
+                  <a:srgbClr val="000000">
+                    <a:alpha val="43137"/>
+                  </a:srgbClr>
+                </a:outerShdw>
+              </a:effectLst>
+              <a:latin typeface="-윤고딕310" panose="02030504000101010101" pitchFamily="18" charset="-127"/>
+              <a:ea typeface="-윤고딕310" panose="02030504000101010101" pitchFamily="18" charset="-127"/>
+            </a:endParaRPr>
+          </a:p>
+          <a:p>
+            <a:endParaRPr lang="en-US" altLang="ko-KR" sz="2000" dirty="0" smtClean="0">
+              <a:solidFill>
+                <a:schemeClr val="bg1"/>
+              </a:solidFill>
+              <a:effectLst>
+                <a:outerShdw blurRad="38100" dist="38100" dir="2700000" algn="tl">
+                  <a:srgbClr val="000000">
+                    <a:alpha val="43137"/>
+                  </a:srgbClr>
+                </a:outerShdw>
+              </a:effectLst>
+              <a:latin typeface="-윤고딕310" panose="02030504000101010101" pitchFamily="18" charset="-127"/>
+              <a:ea typeface="-윤고딕310" panose="02030504000101010101" pitchFamily="18" charset="-127"/>
+            </a:endParaRPr>
+          </a:p>
+          <a:p>
+            <a:endParaRPr lang="en-US" altLang="ko-KR" sz="2000" dirty="0">
+              <a:solidFill>
+                <a:schemeClr val="bg1"/>
+              </a:solidFill>
+              <a:effectLst>
+                <a:outerShdw blurRad="38100" dist="38100" dir="2700000" algn="tl">
+                  <a:srgbClr val="000000">
+                    <a:alpha val="43137"/>
+                  </a:srgbClr>
+                </a:outerShdw>
+              </a:effectLst>
+              <a:latin typeface="-윤고딕310" panose="02030504000101010101" pitchFamily="18" charset="-127"/>
+              <a:ea typeface="-윤고딕310" panose="02030504000101010101" pitchFamily="18" charset="-127"/>
+            </a:endParaRPr>
+          </a:p>
+          <a:p>
+            <a:endParaRPr lang="en-US" altLang="ko-KR" sz="2000" dirty="0" smtClean="0">
+              <a:solidFill>
+                <a:schemeClr val="bg1"/>
+              </a:solidFill>
+              <a:effectLst>
+                <a:outerShdw blurRad="38100" dist="38100" dir="2700000" algn="tl">
+                  <a:srgbClr val="000000">
+                    <a:alpha val="43137"/>
+                  </a:srgbClr>
+                </a:outerShdw>
+              </a:effectLst>
+              <a:latin typeface="-윤고딕310" panose="02030504000101010101" pitchFamily="18" charset="-127"/>
+              <a:ea typeface="-윤고딕310" panose="02030504000101010101" pitchFamily="18" charset="-127"/>
+            </a:endParaRPr>
+          </a:p>
+          <a:p>
+            <a:endParaRPr lang="en-US" altLang="ko-KR" sz="2000" dirty="0" smtClean="0">
               <a:solidFill>
                 <a:schemeClr val="bg1"/>
               </a:solidFill>
@@ -18548,24 +24000,7 @@
                 <a:latin typeface="-윤고딕310" panose="02030504000101010101" pitchFamily="18" charset="-127"/>
                 <a:ea typeface="-윤고딕310" panose="02030504000101010101" pitchFamily="18" charset="-127"/>
               </a:rPr>
-              <a:t>기말 </a:t>
-            </a:r>
-            <a:r>
-              <a:rPr lang="ko-KR" altLang="en-US" sz="1400" dirty="0" smtClean="0">
-                <a:solidFill>
-                  <a:schemeClr val="bg1"/>
-                </a:solidFill>
-                <a:effectLst>
-                  <a:outerShdw blurRad="38100" dist="38100" dir="2700000" algn="tl">
-                    <a:srgbClr val="000000">
-                      <a:alpha val="43137"/>
-                    </a:srgbClr>
-                  </a:outerShdw>
-                </a:effectLst>
-                <a:latin typeface="-윤고딕310" panose="02030504000101010101" pitchFamily="18" charset="-127"/>
-                <a:ea typeface="-윤고딕310" panose="02030504000101010101" pitchFamily="18" charset="-127"/>
-              </a:rPr>
-              <a:t>기획서 내용</a:t>
+              <a:t>기말 기획서 내용</a:t>
             </a:r>
             <a:endParaRPr lang="en-US" altLang="ko-KR" sz="1400" dirty="0" smtClean="0">
               <a:solidFill>
@@ -18828,6 +24263,404 @@
           </a:fontRef>
         </p:style>
       </p:cxnSp>
+      <p:graphicFrame>
+        <p:nvGraphicFramePr>
+          <p:cNvPr id="2" name="표 1"/>
+          <p:cNvGraphicFramePr>
+            <a:graphicFrameLocks noGrp="1"/>
+          </p:cNvGraphicFramePr>
+          <p:nvPr>
+            <p:extLst>
+              <p:ext uri="{D42A27DB-BD31-4B8C-83A1-F6EECF244321}">
+                <p14:modId xmlns:p14="http://schemas.microsoft.com/office/powerpoint/2010/main" val="2157973426"/>
+              </p:ext>
+            </p:extLst>
+          </p:nvPr>
+        </p:nvGraphicFramePr>
+        <p:xfrm>
+          <a:off x="523875" y="2371723"/>
+          <a:ext cx="11210926" cy="3343276"/>
+        </p:xfrm>
+        <a:graphic>
+          <a:graphicData uri="http://schemas.openxmlformats.org/drawingml/2006/table">
+            <a:tbl>
+              <a:tblPr firstRow="1" bandRow="1">
+                <a:tableStyleId>{073A0DAA-6AF3-43AB-8588-CEC1D06C72B9}</a:tableStyleId>
+              </a:tblPr>
+              <a:tblGrid>
+                <a:gridCol w="3419475"/>
+                <a:gridCol w="7791451"/>
+              </a:tblGrid>
+              <a:tr h="835819">
+                <a:tc>
+                  <a:txBody>
+                    <a:bodyPr/>
+                    <a:lstStyle/>
+                    <a:p>
+                      <a:pPr algn="ctr" latinLnBrk="1"/>
+                      <a:r>
+                        <a:rPr lang="ko-KR" altLang="en-US" dirty="0" smtClean="0">
+                          <a:effectLst>
+                            <a:outerShdw blurRad="38100" dist="38100" dir="2700000" algn="tl">
+                              <a:srgbClr val="000000">
+                                <a:alpha val="43137"/>
+                              </a:srgbClr>
+                            </a:outerShdw>
+                          </a:effectLst>
+                        </a:rPr>
+                        <a:t>제작 상의 난점</a:t>
+                      </a:r>
+                      <a:endParaRPr lang="ko-KR" altLang="en-US" dirty="0">
+                        <a:effectLst>
+                          <a:outerShdw blurRad="38100" dist="38100" dir="2700000" algn="tl">
+                            <a:srgbClr val="000000">
+                              <a:alpha val="43137"/>
+                            </a:srgbClr>
+                          </a:outerShdw>
+                        </a:effectLst>
+                      </a:endParaRPr>
+                    </a:p>
+                  </a:txBody>
+                  <a:tcPr anchor="ctr">
+                    <a:lnL w="12700" cmpd="sng">
+                      <a:noFill/>
+                    </a:lnL>
+                    <a:lnR w="12700" cmpd="sng">
+                      <a:noFill/>
+                    </a:lnR>
+                    <a:lnT w="12700" cmpd="sng">
+                      <a:noFill/>
+                    </a:lnT>
+                    <a:lnB w="38100" cmpd="sng">
+                      <a:noFill/>
+                    </a:lnB>
+                    <a:lnTlToBr w="12700" cmpd="sng">
+                      <a:noFill/>
+                      <a:prstDash val="solid"/>
+                    </a:lnTlToBr>
+                    <a:lnBlToTr w="12700" cmpd="sng">
+                      <a:noFill/>
+                      <a:prstDash val="solid"/>
+                    </a:lnBlToTr>
+                  </a:tcPr>
+                </a:tc>
+                <a:tc>
+                  <a:txBody>
+                    <a:bodyPr/>
+                    <a:lstStyle/>
+                    <a:p>
+                      <a:pPr algn="ctr" latinLnBrk="1"/>
+                      <a:r>
+                        <a:rPr lang="ko-KR" altLang="en-US" dirty="0" smtClean="0">
+                          <a:effectLst>
+                            <a:outerShdw blurRad="38100" dist="38100" dir="2700000" algn="tl">
+                              <a:srgbClr val="000000">
+                                <a:alpha val="43137"/>
+                              </a:srgbClr>
+                            </a:outerShdw>
+                          </a:effectLst>
+                        </a:rPr>
+                        <a:t>설명</a:t>
+                      </a:r>
+                      <a:endParaRPr lang="ko-KR" altLang="en-US" dirty="0">
+                        <a:effectLst>
+                          <a:outerShdw blurRad="38100" dist="38100" dir="2700000" algn="tl">
+                            <a:srgbClr val="000000">
+                              <a:alpha val="43137"/>
+                            </a:srgbClr>
+                          </a:outerShdw>
+                        </a:effectLst>
+                      </a:endParaRPr>
+                    </a:p>
+                  </a:txBody>
+                  <a:tcPr anchor="ctr">
+                    <a:lnL w="12700" cmpd="sng">
+                      <a:noFill/>
+                    </a:lnL>
+                    <a:lnR w="12700" cmpd="sng">
+                      <a:noFill/>
+                    </a:lnR>
+                    <a:lnT w="12700" cmpd="sng">
+                      <a:noFill/>
+                    </a:lnT>
+                    <a:lnB w="38100" cmpd="sng">
+                      <a:noFill/>
+                    </a:lnB>
+                    <a:lnTlToBr w="12700" cmpd="sng">
+                      <a:noFill/>
+                      <a:prstDash val="solid"/>
+                    </a:lnTlToBr>
+                    <a:lnBlToTr w="12700" cmpd="sng">
+                      <a:noFill/>
+                      <a:prstDash val="solid"/>
+                    </a:lnBlToTr>
+                  </a:tcPr>
+                </a:tc>
+              </a:tr>
+              <a:tr h="835819">
+                <a:tc>
+                  <a:txBody>
+                    <a:bodyPr/>
+                    <a:lstStyle/>
+                    <a:p>
+                      <a:pPr latinLnBrk="1"/>
+                      <a:r>
+                        <a:rPr lang="ko-KR" altLang="en-US" sz="1600" dirty="0" smtClean="0">
+                          <a:effectLst>
+                            <a:outerShdw blurRad="38100" dist="38100" dir="2700000" algn="tl">
+                              <a:srgbClr val="000000">
+                                <a:alpha val="43137"/>
+                              </a:srgbClr>
+                            </a:outerShdw>
+                          </a:effectLst>
+                        </a:rPr>
+                        <a:t>예시로 들었던 게임들과의 차별화</a:t>
+                      </a:r>
+                      <a:endParaRPr lang="ko-KR" altLang="en-US" sz="1600" dirty="0">
+                        <a:effectLst>
+                          <a:outerShdw blurRad="38100" dist="38100" dir="2700000" algn="tl">
+                            <a:srgbClr val="000000">
+                              <a:alpha val="43137"/>
+                            </a:srgbClr>
+                          </a:outerShdw>
+                        </a:effectLst>
+                      </a:endParaRPr>
+                    </a:p>
+                  </a:txBody>
+                  <a:tcPr anchor="ctr">
+                    <a:lnT w="38100" cmpd="sng">
+                      <a:noFill/>
+                    </a:lnT>
+                  </a:tcPr>
+                </a:tc>
+                <a:tc>
+                  <a:txBody>
+                    <a:bodyPr/>
+                    <a:lstStyle/>
+                    <a:p>
+                      <a:pPr latinLnBrk="1"/>
+                      <a:r>
+                        <a:rPr lang="en-US" altLang="ko-KR" sz="1600" dirty="0" smtClean="0">
+                          <a:effectLst>
+                            <a:outerShdw blurRad="38100" dist="38100" dir="2700000" algn="tl">
+                              <a:srgbClr val="000000">
+                                <a:alpha val="43137"/>
+                              </a:srgbClr>
+                            </a:outerShdw>
+                          </a:effectLst>
+                        </a:rPr>
+                        <a:t>FTL, </a:t>
+                      </a:r>
+                      <a:r>
+                        <a:rPr lang="ko-KR" altLang="en-US" sz="1600" dirty="0" smtClean="0">
+                          <a:effectLst>
+                            <a:outerShdw blurRad="38100" dist="38100" dir="2700000" algn="tl">
+                              <a:srgbClr val="000000">
+                                <a:alpha val="43137"/>
+                              </a:srgbClr>
+                            </a:outerShdw>
+                          </a:effectLst>
+                        </a:rPr>
+                        <a:t>스타바운드에서 강한 영향을 받았지만 이미 두 게임이 매우 괜찮은 유저 인터페이스를 갖고 있었기에 그대로 인용했습니다</a:t>
+                      </a:r>
+                      <a:r>
+                        <a:rPr lang="en-US" altLang="ko-KR" sz="1600" dirty="0" smtClean="0">
+                          <a:effectLst>
+                            <a:outerShdw blurRad="38100" dist="38100" dir="2700000" algn="tl">
+                              <a:srgbClr val="000000">
+                                <a:alpha val="43137"/>
+                              </a:srgbClr>
+                            </a:outerShdw>
+                          </a:effectLst>
+                        </a:rPr>
+                        <a:t>. </a:t>
+                      </a:r>
+                      <a:r>
+                        <a:rPr lang="ko-KR" altLang="en-US" sz="1600" dirty="0" smtClean="0">
+                          <a:effectLst>
+                            <a:outerShdw blurRad="38100" dist="38100" dir="2700000" algn="tl">
+                              <a:srgbClr val="000000">
+                                <a:alpha val="43137"/>
+                              </a:srgbClr>
+                            </a:outerShdw>
+                          </a:effectLst>
+                        </a:rPr>
+                        <a:t>이 게임이 업그레이드</a:t>
+                      </a:r>
+                      <a:r>
+                        <a:rPr lang="en-US" altLang="ko-KR" sz="1600" dirty="0" smtClean="0">
+                          <a:effectLst>
+                            <a:outerShdw blurRad="38100" dist="38100" dir="2700000" algn="tl">
+                              <a:srgbClr val="000000">
+                                <a:alpha val="43137"/>
+                              </a:srgbClr>
+                            </a:outerShdw>
+                          </a:effectLst>
+                        </a:rPr>
+                        <a:t>, </a:t>
+                      </a:r>
+                      <a:r>
+                        <a:rPr lang="ko-KR" altLang="en-US" sz="1600" dirty="0" smtClean="0">
+                          <a:effectLst>
+                            <a:outerShdw blurRad="38100" dist="38100" dir="2700000" algn="tl">
+                              <a:srgbClr val="000000">
+                                <a:alpha val="43137"/>
+                              </a:srgbClr>
+                            </a:outerShdw>
+                          </a:effectLst>
+                        </a:rPr>
+                        <a:t>함선 시설</a:t>
+                      </a:r>
+                      <a:r>
+                        <a:rPr lang="en-US" altLang="ko-KR" sz="1600" dirty="0" smtClean="0">
+                          <a:effectLst>
+                            <a:outerShdw blurRad="38100" dist="38100" dir="2700000" algn="tl">
+                              <a:srgbClr val="000000">
+                                <a:alpha val="43137"/>
+                              </a:srgbClr>
+                            </a:outerShdw>
+                          </a:effectLst>
+                        </a:rPr>
+                        <a:t>, </a:t>
+                      </a:r>
+                      <a:r>
+                        <a:rPr lang="ko-KR" altLang="en-US" sz="1600" dirty="0" smtClean="0">
+                          <a:effectLst>
+                            <a:outerShdw blurRad="38100" dist="38100" dir="2700000" algn="tl">
+                              <a:srgbClr val="000000">
+                                <a:alpha val="43137"/>
+                              </a:srgbClr>
+                            </a:outerShdw>
+                          </a:effectLst>
+                        </a:rPr>
+                        <a:t>무한 항해</a:t>
+                      </a:r>
+                      <a:endParaRPr lang="ko-KR" altLang="en-US" sz="1600" dirty="0">
+                        <a:effectLst>
+                          <a:outerShdw blurRad="38100" dist="38100" dir="2700000" algn="tl">
+                            <a:srgbClr val="000000">
+                              <a:alpha val="43137"/>
+                            </a:srgbClr>
+                          </a:outerShdw>
+                        </a:effectLst>
+                      </a:endParaRPr>
+                    </a:p>
+                  </a:txBody>
+                  <a:tcPr>
+                    <a:lnT w="38100" cmpd="sng">
+                      <a:noFill/>
+                    </a:lnT>
+                  </a:tcPr>
+                </a:tc>
+              </a:tr>
+              <a:tr h="835819">
+                <a:tc>
+                  <a:txBody>
+                    <a:bodyPr/>
+                    <a:lstStyle/>
+                    <a:p>
+                      <a:pPr latinLnBrk="1"/>
+                      <a:r>
+                        <a:rPr lang="ko-KR" altLang="en-US" sz="1600" dirty="0" smtClean="0">
+                          <a:effectLst>
+                            <a:outerShdw blurRad="38100" dist="38100" dir="2700000" algn="tl">
+                              <a:srgbClr val="000000">
+                                <a:alpha val="43137"/>
+                              </a:srgbClr>
+                            </a:outerShdw>
+                          </a:effectLst>
+                        </a:rPr>
+                        <a:t>함선 내 캐릭터들의 행동 방식</a:t>
+                      </a:r>
+                      <a:r>
+                        <a:rPr lang="ko-KR" altLang="en-US" sz="1600" baseline="0" dirty="0" smtClean="0">
+                          <a:effectLst>
+                            <a:outerShdw blurRad="38100" dist="38100" dir="2700000" algn="tl">
+                              <a:srgbClr val="000000">
+                                <a:alpha val="43137"/>
+                              </a:srgbClr>
+                            </a:outerShdw>
+                          </a:effectLst>
+                        </a:rPr>
+                        <a:t> 구체화</a:t>
+                      </a:r>
+                      <a:endParaRPr lang="ko-KR" altLang="en-US" sz="1600" dirty="0">
+                        <a:effectLst>
+                          <a:outerShdw blurRad="38100" dist="38100" dir="2700000" algn="tl">
+                            <a:srgbClr val="000000">
+                              <a:alpha val="43137"/>
+                            </a:srgbClr>
+                          </a:outerShdw>
+                        </a:effectLst>
+                      </a:endParaRPr>
+                    </a:p>
+                  </a:txBody>
+                  <a:tcPr anchor="ctr"/>
+                </a:tc>
+                <a:tc>
+                  <a:txBody>
+                    <a:bodyPr/>
+                    <a:lstStyle/>
+                    <a:p>
+                      <a:pPr latinLnBrk="1"/>
+                      <a:endParaRPr lang="ko-KR" altLang="en-US" sz="1600" i="0" dirty="0">
+                        <a:effectLst>
+                          <a:outerShdw blurRad="38100" dist="38100" dir="2700000" algn="tl">
+                            <a:srgbClr val="000000">
+                              <a:alpha val="43137"/>
+                            </a:srgbClr>
+                          </a:outerShdw>
+                        </a:effectLst>
+                      </a:endParaRPr>
+                    </a:p>
+                  </a:txBody>
+                  <a:tcPr/>
+                </a:tc>
+              </a:tr>
+              <a:tr h="835819">
+                <a:tc>
+                  <a:txBody>
+                    <a:bodyPr/>
+                    <a:lstStyle/>
+                    <a:p>
+                      <a:pPr latinLnBrk="1"/>
+                      <a:endParaRPr lang="ko-KR" altLang="en-US" sz="1600" dirty="0">
+                        <a:effectLst>
+                          <a:outerShdw blurRad="38100" dist="38100" dir="2700000" algn="tl">
+                            <a:srgbClr val="000000">
+                              <a:alpha val="43137"/>
+                            </a:srgbClr>
+                          </a:outerShdw>
+                        </a:effectLst>
+                      </a:endParaRPr>
+                    </a:p>
+                  </a:txBody>
+                  <a:tcPr anchor="ctr"/>
+                </a:tc>
+                <a:tc>
+                  <a:txBody>
+                    <a:bodyPr/>
+                    <a:lstStyle/>
+                    <a:p>
+                      <a:pPr latinLnBrk="1"/>
+                      <a:endParaRPr lang="ko-KR" altLang="en-US" sz="1600" dirty="0">
+                        <a:effectLst>
+                          <a:outerShdw blurRad="38100" dist="38100" dir="2700000" algn="tl">
+                            <a:srgbClr val="000000">
+                              <a:alpha val="43137"/>
+                            </a:srgbClr>
+                          </a:outerShdw>
+                        </a:effectLst>
+                      </a:endParaRPr>
+                    </a:p>
+                  </a:txBody>
+                  <a:tcPr/>
+                </a:tc>
+              </a:tr>
+            </a:tbl>
+          </a:graphicData>
+        </a:graphic>
+      </p:graphicFrame>
     </p:spTree>
     <p:extLst>
       <p:ext uri="{BB962C8B-B14F-4D97-AF65-F5344CB8AC3E}">
@@ -19130,24 +24963,7 @@
                 <a:latin typeface="-윤고딕310" panose="02030504000101010101" pitchFamily="18" charset="-127"/>
                 <a:ea typeface="-윤고딕310" panose="02030504000101010101" pitchFamily="18" charset="-127"/>
               </a:rPr>
-              <a:t>기말 </a:t>
-            </a:r>
-            <a:r>
-              <a:rPr lang="ko-KR" altLang="en-US" sz="1400" dirty="0" smtClean="0">
-                <a:solidFill>
-                  <a:schemeClr val="bg1"/>
-                </a:solidFill>
-                <a:effectLst>
-                  <a:outerShdw blurRad="38100" dist="38100" dir="2700000" algn="tl">
-                    <a:srgbClr val="000000">
-                      <a:alpha val="43137"/>
-                    </a:srgbClr>
-                  </a:outerShdw>
-                </a:effectLst>
-                <a:latin typeface="-윤고딕310" panose="02030504000101010101" pitchFamily="18" charset="-127"/>
-                <a:ea typeface="-윤고딕310" panose="02030504000101010101" pitchFamily="18" charset="-127"/>
-              </a:rPr>
-              <a:t>기획서 내용</a:t>
+              <a:t>기말 기획서 내용</a:t>
             </a:r>
             <a:endParaRPr lang="en-US" altLang="ko-KR" sz="1400" dirty="0" smtClean="0">
               <a:solidFill>
@@ -19518,24 +25334,7 @@
                 <a:latin typeface="-윤고딕320" panose="02030504000101010101" pitchFamily="18" charset="-127"/>
                 <a:ea typeface="-윤고딕320" panose="02030504000101010101" pitchFamily="18" charset="-127"/>
               </a:rPr>
-              <a:t>자료 </a:t>
-            </a:r>
-            <a:r>
-              <a:rPr lang="ko-KR" altLang="en-US" sz="2800" dirty="0" smtClean="0">
-                <a:solidFill>
-                  <a:schemeClr val="bg1"/>
-                </a:solidFill>
-                <a:effectLst>
-                  <a:outerShdw blurRad="38100" dist="38100" dir="2700000" algn="tl">
-                    <a:srgbClr val="000000">
-                      <a:alpha val="43137"/>
-                    </a:srgbClr>
-                  </a:outerShdw>
-                </a:effectLst>
-                <a:latin typeface="-윤고딕320" panose="02030504000101010101" pitchFamily="18" charset="-127"/>
-                <a:ea typeface="-윤고딕320" panose="02030504000101010101" pitchFamily="18" charset="-127"/>
-              </a:rPr>
-              <a:t>출처</a:t>
+              <a:t>자료 출처</a:t>
             </a:r>
             <a:endParaRPr lang="ko-KR" altLang="en-US" sz="2800" dirty="0">
               <a:solidFill>
@@ -20402,24 +26201,7 @@
                 <a:latin typeface="-윤고딕310" panose="02030504000101010101" pitchFamily="18" charset="-127"/>
                 <a:ea typeface="-윤고딕310" panose="02030504000101010101" pitchFamily="18" charset="-127"/>
               </a:rPr>
-              <a:t>기말 </a:t>
-            </a:r>
-            <a:r>
-              <a:rPr lang="ko-KR" altLang="en-US" sz="1400" dirty="0" smtClean="0">
-                <a:solidFill>
-                  <a:schemeClr val="bg1"/>
-                </a:solidFill>
-                <a:effectLst>
-                  <a:outerShdw blurRad="38100" dist="38100" dir="2700000" algn="tl">
-                    <a:srgbClr val="000000">
-                      <a:alpha val="43137"/>
-                    </a:srgbClr>
-                  </a:outerShdw>
-                </a:effectLst>
-                <a:latin typeface="-윤고딕310" panose="02030504000101010101" pitchFamily="18" charset="-127"/>
-                <a:ea typeface="-윤고딕310" panose="02030504000101010101" pitchFamily="18" charset="-127"/>
-              </a:rPr>
-              <a:t>기획서 내용</a:t>
+              <a:t>기말 기획서 내용</a:t>
             </a:r>
             <a:endParaRPr lang="en-US" altLang="ko-KR" sz="1400" dirty="0" smtClean="0">
               <a:solidFill>
@@ -21477,20 +27259,6 @@
               </a:rPr>
               <a:t>)</a:t>
             </a:r>
-            <a:endParaRPr lang="en-US" altLang="ko-KR" sz="2000" dirty="0" smtClean="0">
-              <a:solidFill>
-                <a:schemeClr val="bg1"/>
-              </a:solidFill>
-              <a:effectLst>
-                <a:outerShdw blurRad="38100" dist="38100" dir="2700000" algn="tl">
-                  <a:srgbClr val="000000">
-                    <a:alpha val="43137"/>
-                  </a:srgbClr>
-                </a:outerShdw>
-              </a:effectLst>
-              <a:latin typeface="-윤고딕310" panose="02030504000101010101" pitchFamily="18" charset="-127"/>
-              <a:ea typeface="-윤고딕310" panose="02030504000101010101" pitchFamily="18" charset="-127"/>
-            </a:endParaRPr>
           </a:p>
           <a:p>
             <a:pPr algn="ctr"/>
@@ -21867,24 +27635,7 @@
                 <a:latin typeface="-윤고딕310" panose="02030504000101010101" pitchFamily="18" charset="-127"/>
                 <a:ea typeface="-윤고딕310" panose="02030504000101010101" pitchFamily="18" charset="-127"/>
               </a:rPr>
-              <a:t>기말 </a:t>
-            </a:r>
-            <a:r>
-              <a:rPr lang="ko-KR" altLang="en-US" sz="2000" dirty="0" smtClean="0">
-                <a:solidFill>
-                  <a:schemeClr val="bg1"/>
-                </a:solidFill>
-                <a:effectLst>
-                  <a:outerShdw blurRad="38100" dist="38100" dir="2700000" algn="tl">
-                    <a:srgbClr val="000000">
-                      <a:alpha val="43137"/>
-                    </a:srgbClr>
-                  </a:outerShdw>
-                </a:effectLst>
-                <a:latin typeface="-윤고딕310" panose="02030504000101010101" pitchFamily="18" charset="-127"/>
-                <a:ea typeface="-윤고딕310" panose="02030504000101010101" pitchFamily="18" charset="-127"/>
-              </a:rPr>
-              <a:t>기획서 내용</a:t>
+              <a:t>기말 기획서 내용</a:t>
             </a:r>
             <a:endParaRPr lang="en-US" altLang="ko-KR" sz="2000" dirty="0" smtClean="0">
               <a:solidFill>
@@ -22470,20 +28221,6 @@
               </a:rPr>
               <a:t>)</a:t>
             </a:r>
-            <a:endParaRPr lang="en-US" altLang="ko-KR" sz="3200" dirty="0" smtClean="0">
-              <a:solidFill>
-                <a:schemeClr val="bg1"/>
-              </a:solidFill>
-              <a:effectLst>
-                <a:outerShdw blurRad="38100" dist="38100" dir="2700000" algn="tl">
-                  <a:srgbClr val="000000">
-                    <a:alpha val="43137"/>
-                  </a:srgbClr>
-                </a:outerShdw>
-              </a:effectLst>
-              <a:latin typeface="-윤고딕310" panose="02030504000101010101" pitchFamily="18" charset="-127"/>
-              <a:ea typeface="-윤고딕310" panose="02030504000101010101" pitchFamily="18" charset="-127"/>
-            </a:endParaRPr>
           </a:p>
           <a:p>
             <a:pPr marL="514350" indent="-514350">
@@ -23057,7 +28794,7 @@
         <p:spPr>
           <a:xfrm>
             <a:off x="117687" y="1363131"/>
-            <a:ext cx="11617113" cy="3323987"/>
+            <a:ext cx="11617113" cy="3785652"/>
           </a:xfrm>
           <a:prstGeom prst="rect">
             <a:avLst/>
@@ -23144,6 +28881,46 @@
                 <a:ea typeface="-윤고딕310" panose="02030504000101010101" pitchFamily="18" charset="-127"/>
               </a:rPr>
               <a:t>보잘것없는 함선으로 시작해서 우주를 탐험하며 성장한다</a:t>
+            </a:r>
+            <a:r>
+              <a:rPr lang="en-US" altLang="ko-KR" sz="3000" dirty="0" smtClean="0">
+                <a:solidFill>
+                  <a:schemeClr val="bg1"/>
+                </a:solidFill>
+                <a:effectLst>
+                  <a:outerShdw blurRad="38100" dist="38100" dir="2700000" algn="tl">
+                    <a:srgbClr val="000000">
+                      <a:alpha val="43137"/>
+                    </a:srgbClr>
+                  </a:outerShdw>
+                </a:effectLst>
+                <a:latin typeface="-윤고딕310" panose="02030504000101010101" pitchFamily="18" charset="-127"/>
+                <a:ea typeface="-윤고딕310" panose="02030504000101010101" pitchFamily="18" charset="-127"/>
+              </a:rPr>
+              <a:t>.</a:t>
+            </a:r>
+          </a:p>
+          <a:p>
+            <a:pPr marL="457200" indent="-457200">
+              <a:buFont typeface="Arial" panose="020B0604020202020204" pitchFamily="34" charset="0"/>
+              <a:buChar char="•"/>
+            </a:pPr>
+            <a:r>
+              <a:rPr lang="ko-KR" altLang="en-US" sz="3000" dirty="0" smtClean="0">
+                <a:solidFill>
+                  <a:schemeClr val="bg1"/>
+                </a:solidFill>
+                <a:effectLst>
+                  <a:outerShdw blurRad="38100" dist="38100" dir="2700000" algn="tl">
+                    <a:srgbClr val="000000">
+                      <a:alpha val="43137"/>
+                    </a:srgbClr>
+                  </a:outerShdw>
+                </a:effectLst>
+                <a:latin typeface="-윤고딕310" panose="02030504000101010101" pitchFamily="18" charset="-127"/>
+                <a:ea typeface="-윤고딕310" panose="02030504000101010101" pitchFamily="18" charset="-127"/>
+              </a:rPr>
+              <a:t>그 어떤 일도 일어날 수 있는 곳이 우주다</a:t>
             </a:r>
             <a:r>
               <a:rPr lang="en-US" altLang="ko-KR" sz="3000" dirty="0" smtClean="0">
@@ -23510,20 +29287,6 @@
               </a:rPr>
               <a:t>)</a:t>
             </a:r>
-            <a:endParaRPr lang="en-US" altLang="ko-KR" sz="1400" dirty="0" smtClean="0">
-              <a:solidFill>
-                <a:schemeClr val="bg1"/>
-              </a:solidFill>
-              <a:effectLst>
-                <a:outerShdw blurRad="38100" dist="38100" dir="2700000" algn="tl">
-                  <a:srgbClr val="000000">
-                    <a:alpha val="43137"/>
-                  </a:srgbClr>
-                </a:outerShdw>
-              </a:effectLst>
-              <a:latin typeface="-윤고딕310" panose="02030504000101010101" pitchFamily="18" charset="-127"/>
-              <a:ea typeface="-윤고딕310" panose="02030504000101010101" pitchFamily="18" charset="-127"/>
-            </a:endParaRPr>
           </a:p>
           <a:p>
             <a:pPr algn="ctr"/>
@@ -24013,7 +29776,7 @@
                 <a:latin typeface="-윤고딕320" panose="02030504000101010101" pitchFamily="18" charset="-127"/>
                 <a:ea typeface="-윤고딕320" panose="02030504000101010101" pitchFamily="18" charset="-127"/>
               </a:rPr>
-              <a:t>- </a:t>
+              <a:t>– </a:t>
             </a:r>
             <a:r>
               <a:rPr lang="ko-KR" altLang="en-US" sz="2800" dirty="0" smtClean="0">
@@ -24030,24 +29793,7 @@
                 <a:latin typeface="-윤고딕320" panose="02030504000101010101" pitchFamily="18" charset="-127"/>
                 <a:ea typeface="-윤고딕320" panose="02030504000101010101" pitchFamily="18" charset="-127"/>
               </a:rPr>
-              <a:t>사</a:t>
-            </a:r>
-            <a:r>
-              <a:rPr lang="ko-KR" altLang="en-US" sz="2800" dirty="0">
-                <a:solidFill>
-                  <a:schemeClr val="bg1"/>
-                </a:solidFill>
-                <a:effectLst>
-                  <a:outerShdw blurRad="38100" dist="38100" dir="2700000" algn="tl">
-                    <a:srgbClr val="000000">
-                      <a:alpha val="43137"/>
-                    </a:srgbClr>
-                  </a:outerShdw>
-                </a:effectLst>
-                <a:latin typeface="-윤고딕320" panose="02030504000101010101" pitchFamily="18" charset="-127"/>
-                <a:ea typeface="-윤고딕320" panose="02030504000101010101" pitchFamily="18" charset="-127"/>
-              </a:rPr>
-              <a:t>양</a:t>
+              <a:t>장르와 사양</a:t>
             </a:r>
             <a:endParaRPr lang="ko-KR" altLang="en-US" sz="2800" dirty="0">
               <a:solidFill>
@@ -24205,7 +29951,7 @@
         <p:spPr>
           <a:xfrm>
             <a:off x="117687" y="1363131"/>
-            <a:ext cx="11617113" cy="3477875"/>
+            <a:ext cx="11617113" cy="4031873"/>
           </a:xfrm>
           <a:prstGeom prst="rect">
             <a:avLst/>
@@ -24233,7 +29979,154 @@
                 <a:latin typeface="+mj-ea"/>
                 <a:ea typeface="+mj-ea"/>
               </a:rPr>
-              <a:t>최소 사양</a:t>
+              <a:t>장르</a:t>
+            </a:r>
+            <a:r>
+              <a:rPr lang="en-US" altLang="ko-KR" cap="all" dirty="0" smtClean="0">
+                <a:solidFill>
+                  <a:schemeClr val="bg1"/>
+                </a:solidFill>
+                <a:effectLst>
+                  <a:outerShdw blurRad="38100" dist="38100" dir="2700000" algn="tl">
+                    <a:srgbClr val="000000">
+                      <a:alpha val="43137"/>
+                    </a:srgbClr>
+                  </a:outerShdw>
+                </a:effectLst>
+                <a:latin typeface="+mj-ea"/>
+                <a:ea typeface="+mj-ea"/>
+              </a:rPr>
+              <a:t>: </a:t>
+            </a:r>
+            <a:r>
+              <a:rPr lang="en-US" altLang="ko-KR" cap="all" dirty="0" smtClean="0">
+                <a:solidFill>
+                  <a:schemeClr val="bg1"/>
+                </a:solidFill>
+                <a:effectLst>
+                  <a:outerShdw blurRad="38100" dist="38100" dir="2700000" algn="tl">
+                    <a:srgbClr val="000000">
+                      <a:alpha val="43137"/>
+                    </a:srgbClr>
+                  </a:outerShdw>
+                </a:effectLst>
+                <a:latin typeface="+mn-ea"/>
+              </a:rPr>
+              <a:t>2D, </a:t>
+            </a:r>
+            <a:r>
+              <a:rPr lang="ko-KR" altLang="en-US" cap="all" dirty="0" smtClean="0">
+                <a:solidFill>
+                  <a:schemeClr val="bg1"/>
+                </a:solidFill>
+                <a:effectLst>
+                  <a:outerShdw blurRad="38100" dist="38100" dir="2700000" algn="tl">
+                    <a:srgbClr val="000000">
+                      <a:alpha val="43137"/>
+                    </a:srgbClr>
+                  </a:outerShdw>
+                </a:effectLst>
+                <a:latin typeface="+mn-ea"/>
+              </a:rPr>
+              <a:t>우주 로그라이크</a:t>
+            </a:r>
+            <a:r>
+              <a:rPr lang="en-US" altLang="ko-KR" cap="all" dirty="0" smtClean="0">
+                <a:solidFill>
+                  <a:schemeClr val="bg1"/>
+                </a:solidFill>
+                <a:effectLst>
+                  <a:outerShdw blurRad="38100" dist="38100" dir="2700000" algn="tl">
+                    <a:srgbClr val="000000">
+                      <a:alpha val="43137"/>
+                    </a:srgbClr>
+                  </a:outerShdw>
+                </a:effectLst>
+                <a:latin typeface="+mn-ea"/>
+              </a:rPr>
+              <a:t>,</a:t>
+            </a:r>
+            <a:r>
+              <a:rPr lang="ko-KR" altLang="en-US" cap="all" dirty="0" smtClean="0">
+                <a:solidFill>
+                  <a:schemeClr val="bg1"/>
+                </a:solidFill>
+                <a:effectLst>
+                  <a:outerShdw blurRad="38100" dist="38100" dir="2700000" algn="tl">
+                    <a:srgbClr val="000000">
+                      <a:alpha val="43137"/>
+                    </a:srgbClr>
+                  </a:outerShdw>
+                </a:effectLst>
+                <a:latin typeface="+mn-ea"/>
+              </a:rPr>
+              <a:t> 전략</a:t>
+            </a:r>
+            <a:endParaRPr lang="en-US" altLang="ko-KR" cap="all" dirty="0" smtClean="0">
+              <a:solidFill>
+                <a:schemeClr val="bg1"/>
+              </a:solidFill>
+              <a:effectLst>
+                <a:outerShdw blurRad="38100" dist="38100" dir="2700000" algn="tl">
+                  <a:srgbClr val="000000">
+                    <a:alpha val="43137"/>
+                  </a:srgbClr>
+                </a:outerShdw>
+              </a:effectLst>
+              <a:latin typeface="+mj-ea"/>
+              <a:ea typeface="+mj-ea"/>
+            </a:endParaRPr>
+          </a:p>
+          <a:p>
+            <a:endParaRPr lang="en-US" altLang="ko-KR" cap="all" dirty="0">
+              <a:solidFill>
+                <a:schemeClr val="bg1"/>
+              </a:solidFill>
+              <a:effectLst>
+                <a:outerShdw blurRad="38100" dist="38100" dir="2700000" algn="tl">
+                  <a:srgbClr val="000000">
+                    <a:alpha val="43137"/>
+                  </a:srgbClr>
+                </a:outerShdw>
+              </a:effectLst>
+              <a:latin typeface="+mj-ea"/>
+              <a:ea typeface="+mj-ea"/>
+            </a:endParaRPr>
+          </a:p>
+          <a:p>
+            <a:r>
+              <a:rPr lang="ko-KR" altLang="en-US" cap="all" dirty="0" smtClean="0">
+                <a:solidFill>
+                  <a:schemeClr val="bg1"/>
+                </a:solidFill>
+                <a:effectLst>
+                  <a:outerShdw blurRad="38100" dist="38100" dir="2700000" algn="tl">
+                    <a:srgbClr val="000000">
+                      <a:alpha val="43137"/>
+                    </a:srgbClr>
+                  </a:outerShdw>
+                </a:effectLst>
+                <a:latin typeface="+mj-ea"/>
+                <a:ea typeface="+mj-ea"/>
+              </a:rPr>
+              <a:t>최소 </a:t>
+            </a:r>
+            <a:r>
+              <a:rPr lang="ko-KR" altLang="en-US" cap="all" dirty="0" smtClean="0">
+                <a:solidFill>
+                  <a:schemeClr val="bg1"/>
+                </a:solidFill>
+                <a:effectLst>
+                  <a:outerShdw blurRad="38100" dist="38100" dir="2700000" algn="tl">
+                    <a:srgbClr val="000000">
+                      <a:alpha val="43137"/>
+                    </a:srgbClr>
+                  </a:outerShdw>
+                </a:effectLst>
+                <a:latin typeface="+mj-ea"/>
+                <a:ea typeface="+mj-ea"/>
+              </a:rPr>
+              <a:t>사양</a:t>
             </a:r>
             <a:r>
               <a:rPr lang="en-US" altLang="ko-KR" cap="all" dirty="0" smtClean="0">
@@ -25111,20 +31004,6 @@
               </a:rPr>
               <a:t>)</a:t>
             </a:r>
-            <a:endParaRPr lang="en-US" altLang="ko-KR" sz="1400" dirty="0" smtClean="0">
-              <a:solidFill>
-                <a:schemeClr val="bg1"/>
-              </a:solidFill>
-              <a:effectLst>
-                <a:outerShdw blurRad="38100" dist="38100" dir="2700000" algn="tl">
-                  <a:srgbClr val="000000">
-                    <a:alpha val="43137"/>
-                  </a:srgbClr>
-                </a:outerShdw>
-              </a:effectLst>
-              <a:latin typeface="-윤고딕310" panose="02030504000101010101" pitchFamily="18" charset="-127"/>
-              <a:ea typeface="-윤고딕310" panose="02030504000101010101" pitchFamily="18" charset="-127"/>
-            </a:endParaRPr>
           </a:p>
           <a:p>
             <a:pPr algn="ctr"/>
@@ -25497,41 +31376,7 @@
                 <a:latin typeface="-윤고딕320" panose="02030504000101010101" pitchFamily="18" charset="-127"/>
                 <a:ea typeface="-윤고딕320" panose="02030504000101010101" pitchFamily="18" charset="-127"/>
               </a:rPr>
-              <a:t> </a:t>
-            </a:r>
-            <a:r>
-              <a:rPr lang="ko-KR" altLang="en-US" sz="2800" dirty="0" smtClean="0">
-                <a:solidFill>
-                  <a:schemeClr val="bg1"/>
-                </a:solidFill>
-                <a:effectLst>
-                  <a:outerShdw blurRad="38100" dist="38100" dir="2700000" algn="tl">
-                    <a:srgbClr val="000000">
-                      <a:alpha val="43137"/>
-                    </a:srgbClr>
-                  </a:outerShdw>
-                </a:effectLst>
-                <a:latin typeface="-윤고딕320" panose="02030504000101010101" pitchFamily="18" charset="-127"/>
-                <a:ea typeface="-윤고딕320" panose="02030504000101010101" pitchFamily="18" charset="-127"/>
-              </a:rPr>
-              <a:t>게임 </a:t>
-            </a:r>
-            <a:r>
-              <a:rPr lang="ko-KR" altLang="en-US" sz="2800" dirty="0" smtClean="0">
-                <a:solidFill>
-                  <a:schemeClr val="bg1"/>
-                </a:solidFill>
-                <a:effectLst>
-                  <a:outerShdw blurRad="38100" dist="38100" dir="2700000" algn="tl">
-                    <a:srgbClr val="000000">
-                      <a:alpha val="43137"/>
-                    </a:srgbClr>
-                  </a:outerShdw>
-                </a:effectLst>
-                <a:latin typeface="-윤고딕320" panose="02030504000101010101" pitchFamily="18" charset="-127"/>
-                <a:ea typeface="-윤고딕320" panose="02030504000101010101" pitchFamily="18" charset="-127"/>
-              </a:rPr>
-              <a:t>소개 </a:t>
+              <a:t> 게임 소개 </a:t>
             </a:r>
             <a:r>
               <a:rPr lang="en-US" altLang="ko-KR" sz="2800" dirty="0" smtClean="0">
@@ -26336,26 +32181,6 @@
               </a:rPr>
               <a:t>)</a:t>
             </a:r>
-            <a:endParaRPr lang="en-US" altLang="ko-KR" sz="1400" dirty="0" smtClean="0">
-              <a:solidFill>
-                <a:schemeClr val="bg1"/>
-              </a:solidFill>
-              <a:effectLst>
-                <a:glow rad="101600">
-                  <a:schemeClr val="accent2">
-                    <a:satMod val="175000"/>
-                    <a:alpha val="40000"/>
-                  </a:schemeClr>
-                </a:glow>
-                <a:outerShdw blurRad="38100" dist="38100" dir="2700000" algn="tl">
-                  <a:srgbClr val="000000">
-                    <a:alpha val="43137"/>
-                  </a:srgbClr>
-                </a:outerShdw>
-              </a:effectLst>
-              <a:latin typeface="-윤고딕310" panose="02030504000101010101" pitchFamily="18" charset="-127"/>
-              <a:ea typeface="-윤고딕310" panose="02030504000101010101" pitchFamily="18" charset="-127"/>
-            </a:endParaRPr>
           </a:p>
           <a:p>
             <a:pPr algn="ctr"/>
@@ -26767,41 +32592,7 @@
                 <a:latin typeface="-윤고딕320" panose="02030504000101010101" pitchFamily="18" charset="-127"/>
                 <a:ea typeface="-윤고딕320" panose="02030504000101010101" pitchFamily="18" charset="-127"/>
               </a:rPr>
-              <a:t> </a:t>
-            </a:r>
-            <a:r>
-              <a:rPr lang="ko-KR" altLang="en-US" sz="2800" dirty="0" smtClean="0">
-                <a:solidFill>
-                  <a:schemeClr val="bg1"/>
-                </a:solidFill>
-                <a:effectLst>
-                  <a:outerShdw blurRad="38100" dist="38100" dir="2700000" algn="tl">
-                    <a:srgbClr val="000000">
-                      <a:alpha val="43137"/>
-                    </a:srgbClr>
-                  </a:outerShdw>
-                </a:effectLst>
-                <a:latin typeface="-윤고딕320" panose="02030504000101010101" pitchFamily="18" charset="-127"/>
-                <a:ea typeface="-윤고딕320" panose="02030504000101010101" pitchFamily="18" charset="-127"/>
-              </a:rPr>
-              <a:t>게임 </a:t>
-            </a:r>
-            <a:r>
-              <a:rPr lang="ko-KR" altLang="en-US" sz="2800" dirty="0" smtClean="0">
-                <a:solidFill>
-                  <a:schemeClr val="bg1"/>
-                </a:solidFill>
-                <a:effectLst>
-                  <a:outerShdw blurRad="38100" dist="38100" dir="2700000" algn="tl">
-                    <a:srgbClr val="000000">
-                      <a:alpha val="43137"/>
-                    </a:srgbClr>
-                  </a:outerShdw>
-                </a:effectLst>
-                <a:latin typeface="-윤고딕320" panose="02030504000101010101" pitchFamily="18" charset="-127"/>
-                <a:ea typeface="-윤고딕320" panose="02030504000101010101" pitchFamily="18" charset="-127"/>
-              </a:rPr>
-              <a:t>소개 </a:t>
+              <a:t> 게임 소개 </a:t>
             </a:r>
             <a:r>
               <a:rPr lang="en-US" altLang="ko-KR" sz="2800" dirty="0" smtClean="0">
@@ -27316,26 +33107,6 @@
               </a:rPr>
               <a:t>)</a:t>
             </a:r>
-            <a:endParaRPr lang="en-US" altLang="ko-KR" sz="1400" dirty="0" smtClean="0">
-              <a:solidFill>
-                <a:schemeClr val="bg1"/>
-              </a:solidFill>
-              <a:effectLst>
-                <a:glow rad="101600">
-                  <a:schemeClr val="accent2">
-                    <a:satMod val="175000"/>
-                    <a:alpha val="40000"/>
-                  </a:schemeClr>
-                </a:glow>
-                <a:outerShdw blurRad="38100" dist="38100" dir="2700000" algn="tl">
-                  <a:srgbClr val="000000">
-                    <a:alpha val="43137"/>
-                  </a:srgbClr>
-                </a:outerShdw>
-              </a:effectLst>
-              <a:latin typeface="-윤고딕310" panose="02030504000101010101" pitchFamily="18" charset="-127"/>
-              <a:ea typeface="-윤고딕310" panose="02030504000101010101" pitchFamily="18" charset="-127"/>
-            </a:endParaRPr>
           </a:p>
           <a:p>
             <a:pPr algn="ctr"/>
@@ -27663,7 +33434,7 @@
           <p:nvPr>
             <p:extLst>
               <p:ext uri="{D42A27DB-BD31-4B8C-83A1-F6EECF244321}">
-                <p14:modId xmlns:p14="http://schemas.microsoft.com/office/powerpoint/2010/main" val="1789184890"/>
+                <p14:modId xmlns:p14="http://schemas.microsoft.com/office/powerpoint/2010/main" val="1470608396"/>
               </p:ext>
             </p:extLst>
           </p:nvPr>
@@ -27829,24 +33600,7 @@
                 <a:latin typeface="-윤고딕320" panose="02030504000101010101" pitchFamily="18" charset="-127"/>
                 <a:ea typeface="-윤고딕320" panose="02030504000101010101" pitchFamily="18" charset="-127"/>
               </a:rPr>
-              <a:t>게임 </a:t>
-            </a:r>
-            <a:r>
-              <a:rPr lang="ko-KR" altLang="en-US" sz="2800" dirty="0" smtClean="0">
-                <a:solidFill>
-                  <a:schemeClr val="bg1"/>
-                </a:solidFill>
-                <a:effectLst>
-                  <a:outerShdw blurRad="38100" dist="38100" dir="2700000" algn="tl">
-                    <a:srgbClr val="000000">
-                      <a:alpha val="43137"/>
-                    </a:srgbClr>
-                  </a:outerShdw>
-                </a:effectLst>
-                <a:latin typeface="-윤고딕320" panose="02030504000101010101" pitchFamily="18" charset="-127"/>
-                <a:ea typeface="-윤고딕320" panose="02030504000101010101" pitchFamily="18" charset="-127"/>
-              </a:rPr>
-              <a:t>소개 </a:t>
+              <a:t>게임 소개 </a:t>
             </a:r>
             <a:r>
               <a:rPr lang="en-US" altLang="ko-KR" sz="2800" dirty="0" smtClean="0">
@@ -28429,20 +34183,6 @@
               </a:rPr>
               <a:t>)</a:t>
             </a:r>
-            <a:endParaRPr lang="en-US" altLang="ko-KR" sz="1400" dirty="0" smtClean="0">
-              <a:solidFill>
-                <a:schemeClr val="bg1"/>
-              </a:solidFill>
-              <a:effectLst>
-                <a:outerShdw blurRad="38100" dist="38100" dir="2700000" algn="tl">
-                  <a:srgbClr val="000000">
-                    <a:alpha val="43137"/>
-                  </a:srgbClr>
-                </a:outerShdw>
-              </a:effectLst>
-              <a:latin typeface="-윤고딕310" panose="02030504000101010101" pitchFamily="18" charset="-127"/>
-              <a:ea typeface="-윤고딕310" panose="02030504000101010101" pitchFamily="18" charset="-127"/>
-            </a:endParaRPr>
           </a:p>
           <a:p>
             <a:pPr algn="ctr"/>
@@ -28923,21 +34663,6 @@
             <a:lstStyle/>
             <a:p>
               <a:r>
-                <a:rPr lang="en-US" altLang="ko-KR" dirty="0" smtClean="0">
-                  <a:solidFill>
-                    <a:schemeClr val="bg1"/>
-                  </a:solidFill>
-                  <a:effectLst>
-                    <a:outerShdw blurRad="38100" dist="38100" dir="2700000" algn="tl">
-                      <a:srgbClr val="000000">
-                        <a:alpha val="43137"/>
-                      </a:srgbClr>
-                    </a:outerShdw>
-                  </a:effectLst>
-                </a:rPr>
-                <a:t>(</a:t>
-              </a:r>
-              <a:r>
                 <a:rPr lang="ko-KR" altLang="en-US" dirty="0" smtClean="0">
                   <a:solidFill>
                     <a:schemeClr val="bg1"/>
@@ -28950,37 +34675,7 @@
                     </a:outerShdw>
                   </a:effectLst>
                 </a:rPr>
-                <a:t>분리된</a:t>
-              </a:r>
-              <a:r>
-                <a:rPr lang="en-US" altLang="ko-KR" dirty="0" smtClean="0">
-                  <a:solidFill>
-                    <a:schemeClr val="bg1"/>
-                  </a:solidFill>
-                  <a:effectLst>
-                    <a:outerShdw blurRad="38100" dist="38100" dir="2700000" algn="tl">
-                      <a:srgbClr val="000000">
-                        <a:alpha val="43137"/>
-                      </a:srgbClr>
-                    </a:outerShdw>
-                  </a:effectLst>
-                </a:rPr>
-                <a:t>) </a:t>
-              </a:r>
-              <a:r>
-                <a:rPr lang="ko-KR" altLang="en-US" dirty="0" smtClean="0">
-                  <a:solidFill>
-                    <a:schemeClr val="bg1"/>
-                  </a:solidFill>
-                  <a:effectLst>
-                    <a:outerShdw blurRad="38100" dist="38100" dir="2700000" algn="tl">
-                      <a:srgbClr val="000000">
-                        <a:alpha val="43137"/>
-                      </a:srgbClr>
-                    </a:outerShdw>
-                  </a:effectLst>
-                </a:rPr>
-                <a:t>전지적 시점에서 게임이 진행</a:t>
+                <a:t>도착 지역의 환경이 각기 다르다</a:t>
               </a:r>
               <a:r>
                 <a:rPr lang="en-US" altLang="ko-KR" dirty="0" smtClean="0">
@@ -29453,24 +35148,7 @@
                 <a:latin typeface="-윤고딕320" panose="02030504000101010101" pitchFamily="18" charset="-127"/>
                 <a:ea typeface="-윤고딕320" panose="02030504000101010101" pitchFamily="18" charset="-127"/>
               </a:rPr>
-              <a:t>게임 </a:t>
-            </a:r>
-            <a:r>
-              <a:rPr lang="ko-KR" altLang="en-US" sz="2800" dirty="0" smtClean="0">
-                <a:solidFill>
-                  <a:schemeClr val="bg1"/>
-                </a:solidFill>
-                <a:effectLst>
-                  <a:outerShdw blurRad="38100" dist="38100" dir="2700000" algn="tl">
-                    <a:srgbClr val="000000">
-                      <a:alpha val="43137"/>
-                    </a:srgbClr>
-                  </a:outerShdw>
-                </a:effectLst>
-                <a:latin typeface="-윤고딕320" panose="02030504000101010101" pitchFamily="18" charset="-127"/>
-                <a:ea typeface="-윤고딕320" panose="02030504000101010101" pitchFamily="18" charset="-127"/>
-              </a:rPr>
-              <a:t>소개 </a:t>
+              <a:t>게임 소개 </a:t>
             </a:r>
             <a:r>
               <a:rPr lang="en-US" altLang="ko-KR" sz="2800" dirty="0" smtClean="0">
@@ -29951,20 +35629,6 @@
               </a:rPr>
               <a:t>)</a:t>
             </a:r>
-            <a:endParaRPr lang="en-US" altLang="ko-KR" sz="1400" dirty="0" smtClean="0">
-              <a:solidFill>
-                <a:schemeClr val="bg1"/>
-              </a:solidFill>
-              <a:effectLst>
-                <a:outerShdw blurRad="38100" dist="38100" dir="2700000" algn="tl">
-                  <a:srgbClr val="000000">
-                    <a:alpha val="43137"/>
-                  </a:srgbClr>
-                </a:outerShdw>
-              </a:effectLst>
-              <a:latin typeface="-윤고딕310" panose="02030504000101010101" pitchFamily="18" charset="-127"/>
-              <a:ea typeface="-윤고딕310" panose="02030504000101010101" pitchFamily="18" charset="-127"/>
-            </a:endParaRPr>
           </a:p>
           <a:p>
             <a:pPr algn="ctr"/>
@@ -30278,10 +35942,10 @@
         </p:nvGrpSpPr>
         <p:grpSpPr>
           <a:xfrm>
-            <a:off x="2561166" y="2141665"/>
-            <a:ext cx="8116359" cy="4153675"/>
-            <a:chOff x="2561166" y="2141665"/>
-            <a:chExt cx="8116359" cy="4153675"/>
+            <a:off x="2561166" y="2140142"/>
+            <a:ext cx="8116359" cy="4148487"/>
+            <a:chOff x="2561166" y="2008353"/>
+            <a:chExt cx="8116359" cy="4148487"/>
           </a:xfrm>
         </p:grpSpPr>
         <p:grpSp>
@@ -30292,10 +35956,10 @@
           </p:nvGrpSpPr>
           <p:grpSpPr>
             <a:xfrm>
-              <a:off x="2561166" y="2141665"/>
-              <a:ext cx="8116359" cy="4153675"/>
-              <a:chOff x="2561166" y="2141665"/>
-              <a:chExt cx="8116359" cy="4153675"/>
+              <a:off x="2580216" y="2008353"/>
+              <a:ext cx="8097309" cy="4148487"/>
+              <a:chOff x="2580216" y="2008353"/>
+              <a:chExt cx="8097309" cy="4148487"/>
             </a:xfrm>
           </p:grpSpPr>
           <p:sp>
@@ -30306,7 +35970,7 @@
             </p:nvSpPr>
             <p:spPr>
               <a:xfrm>
-                <a:off x="4152900" y="6018341"/>
+                <a:off x="4152900" y="5879841"/>
                 <a:ext cx="3886200" cy="276999"/>
               </a:xfrm>
               <a:prstGeom prst="rect">
@@ -30393,10 +36057,10 @@
             </p:nvGrpSpPr>
             <p:grpSpPr>
               <a:xfrm>
-                <a:off x="2561166" y="2141665"/>
-                <a:ext cx="8116359" cy="3876676"/>
-                <a:chOff x="2561166" y="2046642"/>
-                <a:chExt cx="8116359" cy="3876676"/>
+                <a:off x="2580216" y="2008353"/>
+                <a:ext cx="8097309" cy="3876676"/>
+                <a:chOff x="2580216" y="1913330"/>
+                <a:chExt cx="8097309" cy="3876676"/>
               </a:xfrm>
             </p:grpSpPr>
             <p:grpSp>
@@ -30407,9 +36071,9 @@
               </p:nvGrpSpPr>
               <p:grpSpPr>
                 <a:xfrm>
-                  <a:off x="2561166" y="2046642"/>
+                  <a:off x="2580216" y="1913330"/>
                   <a:ext cx="7048500" cy="3876676"/>
-                  <a:chOff x="2561166" y="2046642"/>
+                  <a:chOff x="2580216" y="1913330"/>
                   <a:chExt cx="7048500" cy="3876676"/>
                 </a:xfrm>
               </p:grpSpPr>
@@ -30421,9 +36085,9 @@
                 </p:nvGrpSpPr>
                 <p:grpSpPr>
                   <a:xfrm>
-                    <a:off x="2561166" y="2046642"/>
+                    <a:off x="2580216" y="1913330"/>
                     <a:ext cx="7048500" cy="3876676"/>
-                    <a:chOff x="2561166" y="2046642"/>
+                    <a:chOff x="2580216" y="1913330"/>
                     <a:chExt cx="7048500" cy="3876676"/>
                   </a:xfrm>
                 </p:grpSpPr>
@@ -30435,9 +36099,9 @@
                   </p:nvGrpSpPr>
                   <p:grpSpPr>
                     <a:xfrm>
-                      <a:off x="2561166" y="2046642"/>
+                      <a:off x="2580216" y="1913330"/>
                       <a:ext cx="7048500" cy="3876676"/>
-                      <a:chOff x="2561166" y="2160942"/>
+                      <a:chOff x="2580216" y="2027630"/>
                       <a:chExt cx="7048500" cy="3876676"/>
                     </a:xfrm>
                   </p:grpSpPr>
@@ -30464,7 +36128,7 @@
                     </p:blipFill>
                     <p:spPr bwMode="auto">
                       <a:xfrm>
-                        <a:off x="2561166" y="2160942"/>
+                        <a:off x="2580216" y="2027630"/>
                         <a:ext cx="7048500" cy="3876676"/>
                       </a:xfrm>
                       <a:prstGeom prst="rect">
@@ -31120,7 +36784,7 @@
           </p:nvSpPr>
           <p:spPr>
             <a:xfrm>
-              <a:off x="2561166" y="2393604"/>
+              <a:off x="2561166" y="2362516"/>
               <a:ext cx="6201834" cy="646331"/>
             </a:xfrm>
             <a:prstGeom prst="rect">
@@ -31522,7 +37186,7 @@
   <a:extraClrSchemeLst/>
   <a:extLst>
     <a:ext uri="{05A4C25C-085E-4340-85A3-A5531E510DB2}">
-      <thm15:themeFamily xmlns="" xmlns:thm15="http://schemas.microsoft.com/office/thememl/2012/main" name="Office Theme" id="{62F939B6-93AF-4DB8-9C6B-D6C7DFDC589F}" vid="{4A3C46E8-61CC-4603-A589-7422A47A8E4A}"/>
+      <thm15:themeFamily xmlns:thm15="http://schemas.microsoft.com/office/thememl/2012/main" xmlns="" name="Office Theme" id="{62F939B6-93AF-4DB8-9C6B-D6C7DFDC589F}" vid="{4A3C46E8-61CC-4603-A589-7422A47A8E4A}"/>
     </a:ext>
   </a:extLst>
 </a:theme>
@@ -31783,7 +37447,7 @@
   <a:extraClrSchemeLst/>
   <a:extLst>
     <a:ext uri="{05A4C25C-085E-4340-85A3-A5531E510DB2}">
-      <thm15:themeFamily xmlns="" xmlns:thm15="http://schemas.microsoft.com/office/thememl/2012/main" name="Office Theme" id="{62F939B6-93AF-4DB8-9C6B-D6C7DFDC589F}" vid="{4A3C46E8-61CC-4603-A589-7422A47A8E4A}"/>
+      <thm15:themeFamily xmlns:thm15="http://schemas.microsoft.com/office/thememl/2012/main" xmlns="" name="Office Theme" id="{62F939B6-93AF-4DB8-9C6B-D6C7DFDC589F}" vid="{4A3C46E8-61CC-4603-A589-7422A47A8E4A}"/>
     </a:ext>
   </a:extLst>
 </a:theme>
@@ -31984,7 +37648,7 @@
   <a:extraClrSchemeLst/>
   <a:extLst>
     <a:ext uri="{05A4C25C-085E-4340-85A3-A5531E510DB2}">
-      <thm15:themeFamily xmlns="" xmlns:thm15="http://schemas.microsoft.com/office/thememl/2012/main" name="Office Theme" id="{62F939B6-93AF-4DB8-9C6B-D6C7DFDC589F}" vid="{4A3C46E8-61CC-4603-A589-7422A47A8E4A}"/>
+      <thm15:themeFamily xmlns:thm15="http://schemas.microsoft.com/office/thememl/2012/main" xmlns="" name="Office Theme" id="{62F939B6-93AF-4DB8-9C6B-D6C7DFDC589F}" vid="{4A3C46E8-61CC-4603-A589-7422A47A8E4A}"/>
     </a:ext>
   </a:extLst>
 </a:theme>
@@ -32185,7 +37849,7 @@
   <a:extraClrSchemeLst/>
   <a:extLst>
     <a:ext uri="{05A4C25C-085E-4340-85A3-A5531E510DB2}">
-      <thm15:themeFamily xmlns="" xmlns:thm15="http://schemas.microsoft.com/office/thememl/2012/main" name="Office Theme" id="{62F939B6-93AF-4DB8-9C6B-D6C7DFDC589F}" vid="{4A3C46E8-61CC-4603-A589-7422A47A8E4A}"/>
+      <thm15:themeFamily xmlns:thm15="http://schemas.microsoft.com/office/thememl/2012/main" xmlns="" name="Office Theme" id="{62F939B6-93AF-4DB8-9C6B-D6C7DFDC589F}" vid="{4A3C46E8-61CC-4603-A589-7422A47A8E4A}"/>
     </a:ext>
   </a:extLst>
 </a:theme>
@@ -32446,7 +38110,7 @@
   <a:extraClrSchemeLst/>
   <a:extLst>
     <a:ext uri="{05A4C25C-085E-4340-85A3-A5531E510DB2}">
-      <thm15:themeFamily xmlns="" xmlns:thm15="http://schemas.microsoft.com/office/thememl/2012/main" name="Office Theme" id="{62F939B6-93AF-4DB8-9C6B-D6C7DFDC589F}" vid="{4A3C46E8-61CC-4603-A589-7422A47A8E4A}"/>
+      <thm15:themeFamily xmlns:thm15="http://schemas.microsoft.com/office/thememl/2012/main" xmlns="" name="Office Theme" id="{62F939B6-93AF-4DB8-9C6B-D6C7DFDC589F}" vid="{4A3C46E8-61CC-4603-A589-7422A47A8E4A}"/>
     </a:ext>
   </a:extLst>
 </a:theme>

--- a/slides/Cosmos_20171105.pptx
+++ b/slides/Cosmos_20171105.pptx
@@ -28322,7 +28322,24 @@
                 <a:latin typeface="-윤고딕310" panose="02030504000101010101" pitchFamily="18" charset="-127"/>
                 <a:ea typeface="-윤고딕310" panose="02030504000101010101" pitchFamily="18" charset="-127"/>
               </a:rPr>
-              <a:t>설명</a:t>
+              <a:t>무엇이 필요한가</a:t>
+            </a:r>
+            <a:r>
+              <a:rPr lang="en-US" altLang="ko-KR" sz="3200" smtClean="0">
+                <a:solidFill>
+                  <a:schemeClr val="bg1"/>
+                </a:solidFill>
+                <a:effectLst>
+                  <a:outerShdw blurRad="38100" dist="38100" dir="2700000" algn="tl">
+                    <a:srgbClr val="000000">
+                      <a:alpha val="43137"/>
+                    </a:srgbClr>
+                  </a:outerShdw>
+                </a:effectLst>
+                <a:latin typeface="-윤고딕310" panose="02030504000101010101" pitchFamily="18" charset="-127"/>
+                <a:ea typeface="-윤고딕310" panose="02030504000101010101" pitchFamily="18" charset="-127"/>
+              </a:rPr>
+              <a:t>.</a:t>
             </a:r>
             <a:endParaRPr lang="en-US" altLang="ko-KR" sz="3200" dirty="0">
               <a:solidFill>

--- a/slides/Cosmos_20171105.pptx
+++ b/slides/Cosmos_20171105.pptx
@@ -43,20 +43,20 @@
   <p:notesSz cx="9144000" cy="6858000"/>
   <p:embeddedFontLst>
     <p:embeddedFont>
+      <p:font typeface="-윤고딕320" panose="02030504000101010101" pitchFamily="18" charset="-127"/>
+      <p:regular r:id="rId31"/>
+    </p:embeddedFont>
+    <p:embeddedFont>
       <p:font typeface="맑은 고딕" panose="020B0503020000020004" pitchFamily="50" charset="-127"/>
-      <p:regular r:id="rId31"/>
-      <p:bold r:id="rId32"/>
+      <p:regular r:id="rId32"/>
+      <p:bold r:id="rId33"/>
     </p:embeddedFont>
     <p:embeddedFont>
       <p:font typeface="Continuum Light" panose="00000400000000000000" pitchFamily="2" charset="0"/>
-      <p:regular r:id="rId33"/>
+      <p:regular r:id="rId34"/>
     </p:embeddedFont>
     <p:embeddedFont>
       <p:font typeface="-윤고딕310" panose="02030504000101010101" pitchFamily="18" charset="-127"/>
-      <p:regular r:id="rId34"/>
-    </p:embeddedFont>
-    <p:embeddedFont>
-      <p:font typeface="-윤고딕320" panose="02030504000101010101" pitchFamily="18" charset="-127"/>
       <p:regular r:id="rId35"/>
     </p:embeddedFont>
   </p:embeddedFontLst>
@@ -157,7 +157,7 @@
   </p:defaultTextStyle>
   <p:extLst>
     <p:ext uri="{EFAFB233-063F-42B5-8137-9DF3F51BA10A}">
-      <p15:sldGuideLst xmlns:p15="http://schemas.microsoft.com/office/powerpoint/2012/main" xmlns=""/>
+      <p15:sldGuideLst xmlns="" xmlns:p15="http://schemas.microsoft.com/office/powerpoint/2012/main"/>
     </p:ext>
   </p:extLst>
 </p:presentation>
@@ -2437,23 +2437,7 @@
                 <a:schemeClr val="tx1"/>
               </a:solidFill>
             </a:rPr>
-            <a:t>전략 게임이면서 여러 가지 성장 형 </a:t>
-          </a:r>
-          <a:r>
-            <a:rPr lang="ko-KR" altLang="en-US" sz="2000" dirty="0" smtClean="0">
-              <a:solidFill>
-                <a:schemeClr val="tx1"/>
-              </a:solidFill>
-            </a:rPr>
-            <a:t>콘텐트를 </a:t>
-          </a:r>
-          <a:r>
-            <a:rPr lang="ko-KR" altLang="en-US" sz="2000" dirty="0" smtClean="0">
-              <a:solidFill>
-                <a:schemeClr val="tx1"/>
-              </a:solidFill>
-            </a:rPr>
-            <a:t>포함한다</a:t>
+            <a:t>전략 게임이면서 여러 가지 성장 형 콘텐트를 포함한다</a:t>
           </a:r>
           <a:r>
             <a:rPr lang="en-US" altLang="ko-KR" sz="2000" dirty="0" smtClean="0">
@@ -3067,24 +3051,7 @@
               <a:latin typeface="-윤고딕310" panose="02030504000101010101" pitchFamily="18" charset="-127"/>
               <a:ea typeface="-윤고딕310" panose="02030504000101010101" pitchFamily="18" charset="-127"/>
             </a:rPr>
-            <a:t>엄청 많은 생명체가 </a:t>
-          </a:r>
-          <a:r>
-            <a:rPr lang="ko-KR" altLang="en-US" sz="2100" dirty="0" smtClean="0">
-              <a:solidFill>
-                <a:schemeClr val="tx1"/>
-              </a:solidFill>
-              <a:effectLst>
-                <a:outerShdw blurRad="38100" dist="38100" dir="2700000" algn="tl">
-                  <a:srgbClr val="000000">
-                    <a:alpha val="43137"/>
-                  </a:srgbClr>
-                </a:outerShdw>
-              </a:effectLst>
-              <a:latin typeface="-윤고딕310" panose="02030504000101010101" pitchFamily="18" charset="-127"/>
-              <a:ea typeface="-윤고딕310" panose="02030504000101010101" pitchFamily="18" charset="-127"/>
-            </a:rPr>
-            <a:t>있으며</a:t>
+            <a:t>엄청 많은 생명체가 있으며</a:t>
           </a:r>
           <a:r>
             <a:rPr lang="en-US" altLang="ko-KR" sz="2100" dirty="0" smtClean="0">
@@ -3772,6 +3739,14 @@
         </dgm:presLayoutVars>
       </dgm:prSet>
       <dgm:spPr/>
+      <dgm:t>
+        <a:bodyPr/>
+        <a:lstStyle/>
+        <a:p>
+          <a:pPr latinLnBrk="1"/>
+          <a:endParaRPr lang="ko-KR" altLang="en-US"/>
+        </a:p>
+      </dgm:t>
     </dgm:pt>
     <dgm:pt modelId="{924A6E9F-0A5B-4FC4-8370-B723765D25B0}" type="pres">
       <dgm:prSet presAssocID="{830B3C85-D607-4E64-A7CB-5E5A29456749}" presName="node" presStyleLbl="node1" presStyleIdx="0" presStyleCnt="5">
@@ -3792,10 +3767,26 @@
     <dgm:pt modelId="{9D1F87A7-AB30-49D9-A1D9-8603EC90F44A}" type="pres">
       <dgm:prSet presAssocID="{E5771AC1-49F0-41C8-9A8A-D50E2D04513A}" presName="sibTrans" presStyleLbl="sibTrans2D1" presStyleIdx="0" presStyleCnt="5"/>
       <dgm:spPr/>
+      <dgm:t>
+        <a:bodyPr/>
+        <a:lstStyle/>
+        <a:p>
+          <a:pPr latinLnBrk="1"/>
+          <a:endParaRPr lang="ko-KR" altLang="en-US"/>
+        </a:p>
+      </dgm:t>
     </dgm:pt>
     <dgm:pt modelId="{AFF25E04-D1CF-45E3-84F4-726BEFD3031A}" type="pres">
       <dgm:prSet presAssocID="{E5771AC1-49F0-41C8-9A8A-D50E2D04513A}" presName="connectorText" presStyleLbl="sibTrans2D1" presStyleIdx="0" presStyleCnt="5"/>
       <dgm:spPr/>
+      <dgm:t>
+        <a:bodyPr/>
+        <a:lstStyle/>
+        <a:p>
+          <a:pPr latinLnBrk="1"/>
+          <a:endParaRPr lang="ko-KR" altLang="en-US"/>
+        </a:p>
+      </dgm:t>
     </dgm:pt>
     <dgm:pt modelId="{7B234AC2-AF95-4D76-BD79-4F81E815A0F2}" type="pres">
       <dgm:prSet presAssocID="{85A5CBF4-9201-4690-9774-AC6344A8AC49}" presName="node" presStyleLbl="node1" presStyleIdx="1" presStyleCnt="5">
@@ -3816,10 +3807,26 @@
     <dgm:pt modelId="{6603362B-BDE3-4D72-9F43-8AC23BF06CB5}" type="pres">
       <dgm:prSet presAssocID="{7A6747FD-359E-4829-8783-0F79E5F16435}" presName="sibTrans" presStyleLbl="sibTrans2D1" presStyleIdx="1" presStyleCnt="5"/>
       <dgm:spPr/>
+      <dgm:t>
+        <a:bodyPr/>
+        <a:lstStyle/>
+        <a:p>
+          <a:pPr latinLnBrk="1"/>
+          <a:endParaRPr lang="ko-KR" altLang="en-US"/>
+        </a:p>
+      </dgm:t>
     </dgm:pt>
     <dgm:pt modelId="{C884BED9-1E33-4727-A52D-3769F7A70465}" type="pres">
       <dgm:prSet presAssocID="{7A6747FD-359E-4829-8783-0F79E5F16435}" presName="connectorText" presStyleLbl="sibTrans2D1" presStyleIdx="1" presStyleCnt="5"/>
       <dgm:spPr/>
+      <dgm:t>
+        <a:bodyPr/>
+        <a:lstStyle/>
+        <a:p>
+          <a:pPr latinLnBrk="1"/>
+          <a:endParaRPr lang="ko-KR" altLang="en-US"/>
+        </a:p>
+      </dgm:t>
     </dgm:pt>
     <dgm:pt modelId="{DF8138CB-610B-4B23-A274-E0029084F38A}" type="pres">
       <dgm:prSet presAssocID="{72DA1464-D24F-4640-9C4B-C8CF893A3DF1}" presName="node" presStyleLbl="node1" presStyleIdx="2" presStyleCnt="5">
@@ -3840,10 +3847,26 @@
     <dgm:pt modelId="{9CC71756-28B0-4E8B-9DA8-C3B2D7F9303B}" type="pres">
       <dgm:prSet presAssocID="{66333656-91F6-41AB-97FD-D0AA542A9211}" presName="sibTrans" presStyleLbl="sibTrans2D1" presStyleIdx="2" presStyleCnt="5"/>
       <dgm:spPr/>
+      <dgm:t>
+        <a:bodyPr/>
+        <a:lstStyle/>
+        <a:p>
+          <a:pPr latinLnBrk="1"/>
+          <a:endParaRPr lang="ko-KR" altLang="en-US"/>
+        </a:p>
+      </dgm:t>
     </dgm:pt>
     <dgm:pt modelId="{20264942-478E-4BA6-AE76-5BAE9C208836}" type="pres">
       <dgm:prSet presAssocID="{66333656-91F6-41AB-97FD-D0AA542A9211}" presName="connectorText" presStyleLbl="sibTrans2D1" presStyleIdx="2" presStyleCnt="5"/>
       <dgm:spPr/>
+      <dgm:t>
+        <a:bodyPr/>
+        <a:lstStyle/>
+        <a:p>
+          <a:pPr latinLnBrk="1"/>
+          <a:endParaRPr lang="ko-KR" altLang="en-US"/>
+        </a:p>
+      </dgm:t>
     </dgm:pt>
     <dgm:pt modelId="{F63E6AA8-0F9E-4DA2-A47B-5598781FEC4A}" type="pres">
       <dgm:prSet presAssocID="{F0EFC95B-5BA4-408C-8949-A0E394BA654B}" presName="node" presStyleLbl="node1" presStyleIdx="3" presStyleCnt="5">
@@ -3864,10 +3887,26 @@
     <dgm:pt modelId="{215EB662-AAD1-4B18-9E18-A67EB6786438}" type="pres">
       <dgm:prSet presAssocID="{1F576465-B446-4D5B-AC13-21B254F0ADCA}" presName="sibTrans" presStyleLbl="sibTrans2D1" presStyleIdx="3" presStyleCnt="5"/>
       <dgm:spPr/>
+      <dgm:t>
+        <a:bodyPr/>
+        <a:lstStyle/>
+        <a:p>
+          <a:pPr latinLnBrk="1"/>
+          <a:endParaRPr lang="ko-KR" altLang="en-US"/>
+        </a:p>
+      </dgm:t>
     </dgm:pt>
     <dgm:pt modelId="{73AC8E6B-64F6-4594-BE30-01455FB91F08}" type="pres">
       <dgm:prSet presAssocID="{1F576465-B446-4D5B-AC13-21B254F0ADCA}" presName="connectorText" presStyleLbl="sibTrans2D1" presStyleIdx="3" presStyleCnt="5"/>
       <dgm:spPr/>
+      <dgm:t>
+        <a:bodyPr/>
+        <a:lstStyle/>
+        <a:p>
+          <a:pPr latinLnBrk="1"/>
+          <a:endParaRPr lang="ko-KR" altLang="en-US"/>
+        </a:p>
+      </dgm:t>
     </dgm:pt>
     <dgm:pt modelId="{DDE82D76-42CE-4387-9C86-E10644068192}" type="pres">
       <dgm:prSet presAssocID="{C24A731D-6F4A-4E28-BEAE-0908FB21A6DC}" presName="node" presStyleLbl="node1" presStyleIdx="4" presStyleCnt="5">
@@ -3888,34 +3927,50 @@
     <dgm:pt modelId="{BA7097EA-0F1D-486F-82C8-C6A2EF83F2E4}" type="pres">
       <dgm:prSet presAssocID="{07FB4231-9488-4922-A339-E0CEBBF56F2C}" presName="sibTrans" presStyleLbl="sibTrans2D1" presStyleIdx="4" presStyleCnt="5"/>
       <dgm:spPr/>
+      <dgm:t>
+        <a:bodyPr/>
+        <a:lstStyle/>
+        <a:p>
+          <a:pPr latinLnBrk="1"/>
+          <a:endParaRPr lang="ko-KR" altLang="en-US"/>
+        </a:p>
+      </dgm:t>
     </dgm:pt>
     <dgm:pt modelId="{42F7B4FD-00A3-42D7-9A7F-0C0938E14ADC}" type="pres">
       <dgm:prSet presAssocID="{07FB4231-9488-4922-A339-E0CEBBF56F2C}" presName="connectorText" presStyleLbl="sibTrans2D1" presStyleIdx="4" presStyleCnt="5"/>
       <dgm:spPr/>
+      <dgm:t>
+        <a:bodyPr/>
+        <a:lstStyle/>
+        <a:p>
+          <a:pPr latinLnBrk="1"/>
+          <a:endParaRPr lang="ko-KR" altLang="en-US"/>
+        </a:p>
+      </dgm:t>
     </dgm:pt>
   </dgm:ptLst>
   <dgm:cxnLst>
-    <dgm:cxn modelId="{F1F239FD-EAC7-4855-931C-8FDD24ED6AB7}" type="presOf" srcId="{7A6747FD-359E-4829-8783-0F79E5F16435}" destId="{6603362B-BDE3-4D72-9F43-8AC23BF06CB5}" srcOrd="0" destOrd="0" presId="urn:microsoft.com/office/officeart/2005/8/layout/cycle2"/>
+    <dgm:cxn modelId="{3D81BD6B-79E0-4ABC-8013-28E2AFFCC553}" srcId="{C5E7BBCF-84F3-46E3-A41C-E3B0A36EC42D}" destId="{830B3C85-D607-4E64-A7CB-5E5A29456749}" srcOrd="0" destOrd="0" parTransId="{FAF47EF9-67D9-4DB5-9CCA-D640036D7ED8}" sibTransId="{E5771AC1-49F0-41C8-9A8A-D50E2D04513A}"/>
+    <dgm:cxn modelId="{822457E1-8E42-47DC-A64A-3D247FFF939C}" type="presOf" srcId="{85A5CBF4-9201-4690-9774-AC6344A8AC49}" destId="{7B234AC2-AF95-4D76-BD79-4F81E815A0F2}" srcOrd="0" destOrd="0" presId="urn:microsoft.com/office/officeart/2005/8/layout/cycle2"/>
+    <dgm:cxn modelId="{E1504250-B631-47C3-8BE6-6296783F257F}" type="presOf" srcId="{C5E7BBCF-84F3-46E3-A41C-E3B0A36EC42D}" destId="{C1F2EC43-3EDC-488D-BACD-A1373A34E3A8}" srcOrd="0" destOrd="0" presId="urn:microsoft.com/office/officeart/2005/8/layout/cycle2"/>
+    <dgm:cxn modelId="{E4AFF4D2-55C1-4285-8EED-1B54CED24C19}" type="presOf" srcId="{07FB4231-9488-4922-A339-E0CEBBF56F2C}" destId="{42F7B4FD-00A3-42D7-9A7F-0C0938E14ADC}" srcOrd="1" destOrd="0" presId="urn:microsoft.com/office/officeart/2005/8/layout/cycle2"/>
+    <dgm:cxn modelId="{4B24972D-E68A-4DBB-BC13-7F68CE38B5E2}" type="presOf" srcId="{1F576465-B446-4D5B-AC13-21B254F0ADCA}" destId="{215EB662-AAD1-4B18-9E18-A67EB6786438}" srcOrd="0" destOrd="0" presId="urn:microsoft.com/office/officeart/2005/8/layout/cycle2"/>
     <dgm:cxn modelId="{055737FA-AE9C-4E15-95AD-3C647C90C4CE}" type="presOf" srcId="{7A6747FD-359E-4829-8783-0F79E5F16435}" destId="{C884BED9-1E33-4727-A52D-3769F7A70465}" srcOrd="1" destOrd="0" presId="urn:microsoft.com/office/officeart/2005/8/layout/cycle2"/>
-    <dgm:cxn modelId="{8AD1B05B-BD87-4A9E-8AB7-7E0449F4C71A}" type="presOf" srcId="{F0EFC95B-5BA4-408C-8949-A0E394BA654B}" destId="{F63E6AA8-0F9E-4DA2-A47B-5598781FEC4A}" srcOrd="0" destOrd="0" presId="urn:microsoft.com/office/officeart/2005/8/layout/cycle2"/>
-    <dgm:cxn modelId="{4B24972D-E68A-4DBB-BC13-7F68CE38B5E2}" type="presOf" srcId="{1F576465-B446-4D5B-AC13-21B254F0ADCA}" destId="{215EB662-AAD1-4B18-9E18-A67EB6786438}" srcOrd="0" destOrd="0" presId="urn:microsoft.com/office/officeart/2005/8/layout/cycle2"/>
-    <dgm:cxn modelId="{B0EE153D-E45D-439D-A31E-9965115A5556}" type="presOf" srcId="{66333656-91F6-41AB-97FD-D0AA542A9211}" destId="{20264942-478E-4BA6-AE76-5BAE9C208836}" srcOrd="1" destOrd="0" presId="urn:microsoft.com/office/officeart/2005/8/layout/cycle2"/>
-    <dgm:cxn modelId="{C7273B54-7F0F-4CD9-B301-4A1B8F145A5B}" srcId="{C5E7BBCF-84F3-46E3-A41C-E3B0A36EC42D}" destId="{C24A731D-6F4A-4E28-BEAE-0908FB21A6DC}" srcOrd="4" destOrd="0" parTransId="{F52CFCC5-40C2-4C8B-B167-9D35B5787457}" sibTransId="{07FB4231-9488-4922-A339-E0CEBBF56F2C}"/>
-    <dgm:cxn modelId="{CAE70965-75B6-4E09-8114-9B16174986D9}" srcId="{C5E7BBCF-84F3-46E3-A41C-E3B0A36EC42D}" destId="{72DA1464-D24F-4640-9C4B-C8CF893A3DF1}" srcOrd="2" destOrd="0" parTransId="{5F1962B4-8A92-4204-A4D8-89F511DE899B}" sibTransId="{66333656-91F6-41AB-97FD-D0AA542A9211}"/>
-    <dgm:cxn modelId="{822457E1-8E42-47DC-A64A-3D247FFF939C}" type="presOf" srcId="{85A5CBF4-9201-4690-9774-AC6344A8AC49}" destId="{7B234AC2-AF95-4D76-BD79-4F81E815A0F2}" srcOrd="0" destOrd="0" presId="urn:microsoft.com/office/officeart/2005/8/layout/cycle2"/>
-    <dgm:cxn modelId="{70A599C2-DE9D-4725-99C6-3EBE32864E98}" type="presOf" srcId="{E5771AC1-49F0-41C8-9A8A-D50E2D04513A}" destId="{AFF25E04-D1CF-45E3-84F4-726BEFD3031A}" srcOrd="1" destOrd="0" presId="urn:microsoft.com/office/officeart/2005/8/layout/cycle2"/>
-    <dgm:cxn modelId="{3D81BD6B-79E0-4ABC-8013-28E2AFFCC553}" srcId="{C5E7BBCF-84F3-46E3-A41C-E3B0A36EC42D}" destId="{830B3C85-D607-4E64-A7CB-5E5A29456749}" srcOrd="0" destOrd="0" parTransId="{FAF47EF9-67D9-4DB5-9CCA-D640036D7ED8}" sibTransId="{E5771AC1-49F0-41C8-9A8A-D50E2D04513A}"/>
-    <dgm:cxn modelId="{1EA3950C-9B3F-49D2-BC56-A5F7513E265C}" type="presOf" srcId="{66333656-91F6-41AB-97FD-D0AA542A9211}" destId="{9CC71756-28B0-4E8B-9DA8-C3B2D7F9303B}" srcOrd="0" destOrd="0" presId="urn:microsoft.com/office/officeart/2005/8/layout/cycle2"/>
-    <dgm:cxn modelId="{280C9148-3183-4AE6-B529-98A4009DB105}" type="presOf" srcId="{E5771AC1-49F0-41C8-9A8A-D50E2D04513A}" destId="{9D1F87A7-AB30-49D9-A1D9-8603EC90F44A}" srcOrd="0" destOrd="0" presId="urn:microsoft.com/office/officeart/2005/8/layout/cycle2"/>
+    <dgm:cxn modelId="{EA9CDE4D-A747-4DE4-9FDD-6FD0E45AA5C8}" type="presOf" srcId="{1F576465-B446-4D5B-AC13-21B254F0ADCA}" destId="{73AC8E6B-64F6-4594-BE30-01455FB91F08}" srcOrd="1" destOrd="0" presId="urn:microsoft.com/office/officeart/2005/8/layout/cycle2"/>
+    <dgm:cxn modelId="{14049FDF-0C9A-412A-BC4C-8AF619F50E95}" srcId="{C5E7BBCF-84F3-46E3-A41C-E3B0A36EC42D}" destId="{85A5CBF4-9201-4690-9774-AC6344A8AC49}" srcOrd="1" destOrd="0" parTransId="{6FA2376F-86BE-46BC-8E35-6567B33B97AC}" sibTransId="{7A6747FD-359E-4829-8783-0F79E5F16435}"/>
     <dgm:cxn modelId="{4DCF2D74-DE6E-44CA-B091-BE3EDFFAD75F}" type="presOf" srcId="{07FB4231-9488-4922-A339-E0CEBBF56F2C}" destId="{BA7097EA-0F1D-486F-82C8-C6A2EF83F2E4}" srcOrd="0" destOrd="0" presId="urn:microsoft.com/office/officeart/2005/8/layout/cycle2"/>
     <dgm:cxn modelId="{E206B89B-2C2F-4FC9-B01A-7E925D0B8CBD}" type="presOf" srcId="{C24A731D-6F4A-4E28-BEAE-0908FB21A6DC}" destId="{DDE82D76-42CE-4387-9C86-E10644068192}" srcOrd="0" destOrd="0" presId="urn:microsoft.com/office/officeart/2005/8/layout/cycle2"/>
-    <dgm:cxn modelId="{E1504250-B631-47C3-8BE6-6296783F257F}" type="presOf" srcId="{C5E7BBCF-84F3-46E3-A41C-E3B0A36EC42D}" destId="{C1F2EC43-3EDC-488D-BACD-A1373A34E3A8}" srcOrd="0" destOrd="0" presId="urn:microsoft.com/office/officeart/2005/8/layout/cycle2"/>
-    <dgm:cxn modelId="{E4AFF4D2-55C1-4285-8EED-1B54CED24C19}" type="presOf" srcId="{07FB4231-9488-4922-A339-E0CEBBF56F2C}" destId="{42F7B4FD-00A3-42D7-9A7F-0C0938E14ADC}" srcOrd="1" destOrd="0" presId="urn:microsoft.com/office/officeart/2005/8/layout/cycle2"/>
-    <dgm:cxn modelId="{EA9CDE4D-A747-4DE4-9FDD-6FD0E45AA5C8}" type="presOf" srcId="{1F576465-B446-4D5B-AC13-21B254F0ADCA}" destId="{73AC8E6B-64F6-4594-BE30-01455FB91F08}" srcOrd="1" destOrd="0" presId="urn:microsoft.com/office/officeart/2005/8/layout/cycle2"/>
-    <dgm:cxn modelId="{14049FDF-0C9A-412A-BC4C-8AF619F50E95}" srcId="{C5E7BBCF-84F3-46E3-A41C-E3B0A36EC42D}" destId="{85A5CBF4-9201-4690-9774-AC6344A8AC49}" srcOrd="1" destOrd="0" parTransId="{6FA2376F-86BE-46BC-8E35-6567B33B97AC}" sibTransId="{7A6747FD-359E-4829-8783-0F79E5F16435}"/>
+    <dgm:cxn modelId="{280C9148-3183-4AE6-B529-98A4009DB105}" type="presOf" srcId="{E5771AC1-49F0-41C8-9A8A-D50E2D04513A}" destId="{9D1F87A7-AB30-49D9-A1D9-8603EC90F44A}" srcOrd="0" destOrd="0" presId="urn:microsoft.com/office/officeart/2005/8/layout/cycle2"/>
+    <dgm:cxn modelId="{ADBF323A-B53F-480F-BEE8-91FD0B120568}" type="presOf" srcId="{830B3C85-D607-4E64-A7CB-5E5A29456749}" destId="{924A6E9F-0A5B-4FC4-8370-B723765D25B0}" srcOrd="0" destOrd="0" presId="urn:microsoft.com/office/officeart/2005/8/layout/cycle2"/>
     <dgm:cxn modelId="{E1339CAD-9B8A-45AE-B2EC-2A1FB1C8CA49}" type="presOf" srcId="{72DA1464-D24F-4640-9C4B-C8CF893A3DF1}" destId="{DF8138CB-610B-4B23-A274-E0029084F38A}" srcOrd="0" destOrd="0" presId="urn:microsoft.com/office/officeart/2005/8/layout/cycle2"/>
-    <dgm:cxn modelId="{ADBF323A-B53F-480F-BEE8-91FD0B120568}" type="presOf" srcId="{830B3C85-D607-4E64-A7CB-5E5A29456749}" destId="{924A6E9F-0A5B-4FC4-8370-B723765D25B0}" srcOrd="0" destOrd="0" presId="urn:microsoft.com/office/officeart/2005/8/layout/cycle2"/>
+    <dgm:cxn modelId="{8AD1B05B-BD87-4A9E-8AB7-7E0449F4C71A}" type="presOf" srcId="{F0EFC95B-5BA4-408C-8949-A0E394BA654B}" destId="{F63E6AA8-0F9E-4DA2-A47B-5598781FEC4A}" srcOrd="0" destOrd="0" presId="urn:microsoft.com/office/officeart/2005/8/layout/cycle2"/>
     <dgm:cxn modelId="{B9960DFC-D8B3-48D6-B13B-B2A8299D30E5}" srcId="{C5E7BBCF-84F3-46E3-A41C-E3B0A36EC42D}" destId="{F0EFC95B-5BA4-408C-8949-A0E394BA654B}" srcOrd="3" destOrd="0" parTransId="{661C3D37-DD0E-4219-9E4E-7F09977B59A6}" sibTransId="{1F576465-B446-4D5B-AC13-21B254F0ADCA}"/>
+    <dgm:cxn modelId="{C7273B54-7F0F-4CD9-B301-4A1B8F145A5B}" srcId="{C5E7BBCF-84F3-46E3-A41C-E3B0A36EC42D}" destId="{C24A731D-6F4A-4E28-BEAE-0908FB21A6DC}" srcOrd="4" destOrd="0" parTransId="{F52CFCC5-40C2-4C8B-B167-9D35B5787457}" sibTransId="{07FB4231-9488-4922-A339-E0CEBBF56F2C}"/>
+    <dgm:cxn modelId="{B0EE153D-E45D-439D-A31E-9965115A5556}" type="presOf" srcId="{66333656-91F6-41AB-97FD-D0AA542A9211}" destId="{20264942-478E-4BA6-AE76-5BAE9C208836}" srcOrd="1" destOrd="0" presId="urn:microsoft.com/office/officeart/2005/8/layout/cycle2"/>
+    <dgm:cxn modelId="{CAE70965-75B6-4E09-8114-9B16174986D9}" srcId="{C5E7BBCF-84F3-46E3-A41C-E3B0A36EC42D}" destId="{72DA1464-D24F-4640-9C4B-C8CF893A3DF1}" srcOrd="2" destOrd="0" parTransId="{5F1962B4-8A92-4204-A4D8-89F511DE899B}" sibTransId="{66333656-91F6-41AB-97FD-D0AA542A9211}"/>
+    <dgm:cxn modelId="{F1F239FD-EAC7-4855-931C-8FDD24ED6AB7}" type="presOf" srcId="{7A6747FD-359E-4829-8783-0F79E5F16435}" destId="{6603362B-BDE3-4D72-9F43-8AC23BF06CB5}" srcOrd="0" destOrd="0" presId="urn:microsoft.com/office/officeart/2005/8/layout/cycle2"/>
+    <dgm:cxn modelId="{70A599C2-DE9D-4725-99C6-3EBE32864E98}" type="presOf" srcId="{E5771AC1-49F0-41C8-9A8A-D50E2D04513A}" destId="{AFF25E04-D1CF-45E3-84F4-726BEFD3031A}" srcOrd="1" destOrd="0" presId="urn:microsoft.com/office/officeart/2005/8/layout/cycle2"/>
+    <dgm:cxn modelId="{1EA3950C-9B3F-49D2-BC56-A5F7513E265C}" type="presOf" srcId="{66333656-91F6-41AB-97FD-D0AA542A9211}" destId="{9CC71756-28B0-4E8B-9DA8-C3B2D7F9303B}" srcOrd="0" destOrd="0" presId="urn:microsoft.com/office/officeart/2005/8/layout/cycle2"/>
     <dgm:cxn modelId="{8FF11ABF-D4BC-4193-9500-A55AEA37FEB0}" type="presParOf" srcId="{C1F2EC43-3EDC-488D-BACD-A1373A34E3A8}" destId="{924A6E9F-0A5B-4FC4-8370-B723765D25B0}" srcOrd="0" destOrd="0" presId="urn:microsoft.com/office/officeart/2005/8/layout/cycle2"/>
     <dgm:cxn modelId="{83865769-83BA-493B-A19F-EEF2CED44CC7}" type="presParOf" srcId="{C1F2EC43-3EDC-488D-BACD-A1373A34E3A8}" destId="{9D1F87A7-AB30-49D9-A1D9-8603EC90F44A}" srcOrd="1" destOrd="0" presId="urn:microsoft.com/office/officeart/2005/8/layout/cycle2"/>
     <dgm:cxn modelId="{6F171451-1B42-4762-B79C-CA7BECCD6C70}" type="presParOf" srcId="{9D1F87A7-AB30-49D9-A1D9-8603EC90F44A}" destId="{AFF25E04-D1CF-45E3-84F4-726BEFD3031A}" srcOrd="0" destOrd="0" presId="urn:microsoft.com/office/officeart/2005/8/layout/cycle2"/>
@@ -4055,23 +4110,7 @@
                 <a:schemeClr val="tx1"/>
               </a:solidFill>
             </a:rPr>
-            <a:t>전략 게임이면서 여러 가지 성장 형 </a:t>
-          </a:r>
-          <a:r>
-            <a:rPr lang="ko-KR" altLang="en-US" sz="2000" kern="1200" dirty="0" smtClean="0">
-              <a:solidFill>
-                <a:schemeClr val="tx1"/>
-              </a:solidFill>
-            </a:rPr>
-            <a:t>콘텐트를 </a:t>
-          </a:r>
-          <a:r>
-            <a:rPr lang="ko-KR" altLang="en-US" sz="2000" kern="1200" dirty="0" smtClean="0">
-              <a:solidFill>
-                <a:schemeClr val="tx1"/>
-              </a:solidFill>
-            </a:rPr>
-            <a:t>포함한다</a:t>
+            <a:t>전략 게임이면서 여러 가지 성장 형 콘텐트를 포함한다</a:t>
           </a:r>
           <a:r>
             <a:rPr lang="en-US" altLang="ko-KR" sz="2000" kern="1200" dirty="0" smtClean="0">
@@ -4666,24 +4705,7 @@
               <a:latin typeface="-윤고딕310" panose="02030504000101010101" pitchFamily="18" charset="-127"/>
               <a:ea typeface="-윤고딕310" panose="02030504000101010101" pitchFamily="18" charset="-127"/>
             </a:rPr>
-            <a:t>엄청 많은 생명체가 </a:t>
-          </a:r>
-          <a:r>
-            <a:rPr lang="ko-KR" altLang="en-US" sz="2100" kern="1200" dirty="0" smtClean="0">
-              <a:solidFill>
-                <a:schemeClr val="tx1"/>
-              </a:solidFill>
-              <a:effectLst>
-                <a:outerShdw blurRad="38100" dist="38100" dir="2700000" algn="tl">
-                  <a:srgbClr val="000000">
-                    <a:alpha val="43137"/>
-                  </a:srgbClr>
-                </a:outerShdw>
-              </a:effectLst>
-              <a:latin typeface="-윤고딕310" panose="02030504000101010101" pitchFamily="18" charset="-127"/>
-              <a:ea typeface="-윤고딕310" panose="02030504000101010101" pitchFamily="18" charset="-127"/>
-            </a:rPr>
-            <a:t>있으며</a:t>
+            <a:t>엄청 많은 생명체가 있으며</a:t>
           </a:r>
           <a:r>
             <a:rPr lang="en-US" altLang="ko-KR" sz="2100" kern="1200" dirty="0" smtClean="0">
@@ -15650,23 +15672,7 @@
                   </a:effectLst>
                   <a:latin typeface="+mn-ea"/>
                 </a:rPr>
-                <a:t>식량창고 </a:t>
-              </a:r>
-              <a:r>
-                <a:rPr lang="ko-KR" altLang="en-US" sz="1600" dirty="0" smtClean="0">
-                  <a:solidFill>
-                    <a:schemeClr val="bg1"/>
-                  </a:solidFill>
-                  <a:effectLst>
-                    <a:outerShdw blurRad="38100" dist="38100" dir="2700000" algn="tl">
-                      <a:srgbClr val="000000">
-                        <a:alpha val="43137"/>
-                      </a:srgbClr>
-                    </a:outerShdw>
-                  </a:effectLst>
-                  <a:latin typeface="+mn-ea"/>
-                </a:rPr>
-                <a:t>등이 있다</a:t>
+                <a:t>식량창고 등이 있다</a:t>
               </a:r>
               <a:r>
                 <a:rPr lang="en-US" altLang="ko-KR" sz="1600" dirty="0" smtClean="0">
@@ -17200,18 +17206,6 @@
               </a:rPr>
               <a:t>.</a:t>
             </a:r>
-            <a:endParaRPr lang="en-US" altLang="ko-KR" sz="1600" dirty="0" smtClean="0">
-              <a:solidFill>
-                <a:schemeClr val="bg1"/>
-              </a:solidFill>
-              <a:effectLst>
-                <a:outerShdw blurRad="38100" dist="38100" dir="2700000" algn="tl">
-                  <a:srgbClr val="000000">
-                    <a:alpha val="43137"/>
-                  </a:srgbClr>
-                </a:outerShdw>
-              </a:effectLst>
-            </a:endParaRPr>
           </a:p>
         </p:txBody>
       </p:sp>
@@ -18633,37 +18627,7 @@
                   </a:outerShdw>
                 </a:effectLst>
               </a:rPr>
-              <a:t>보호</a:t>
-            </a:r>
-            <a:r>
-              <a:rPr lang="ko-KR" altLang="en-US" sz="1200" dirty="0" smtClean="0">
-                <a:solidFill>
-                  <a:schemeClr val="bg1"/>
-                </a:solidFill>
-                <a:effectLst>
-                  <a:outerShdw blurRad="38100" dist="38100" dir="2700000" algn="tl">
-                    <a:srgbClr val="000000">
-                      <a:alpha val="43137"/>
-                    </a:srgbClr>
-                  </a:outerShdw>
-                </a:effectLst>
-              </a:rPr>
-              <a:t>막 </a:t>
-            </a:r>
-            <a:r>
-              <a:rPr lang="ko-KR" altLang="en-US" sz="1200" dirty="0" smtClean="0">
-                <a:solidFill>
-                  <a:schemeClr val="bg1"/>
-                </a:solidFill>
-                <a:effectLst>
-                  <a:outerShdw blurRad="38100" dist="38100" dir="2700000" algn="tl">
-                    <a:srgbClr val="000000">
-                      <a:alpha val="43137"/>
-                    </a:srgbClr>
-                  </a:outerShdw>
-                </a:effectLst>
-              </a:rPr>
-              <a:t>바</a:t>
+              <a:t>보호막 바</a:t>
             </a:r>
             <a:endParaRPr lang="ko-KR" altLang="en-US" sz="1200" dirty="0">
               <a:solidFill>
@@ -27357,22 +27321,7 @@
                     </a:outerShdw>
                   </a:effectLst>
                 </a:rPr>
-                <a:t>함선의 무기들은 장착된 </a:t>
-              </a:r>
-              <a:r>
-                <a:rPr lang="ko-KR" altLang="en-US" dirty="0" smtClean="0">
-                  <a:solidFill>
-                    <a:schemeClr val="bg1"/>
-                  </a:solidFill>
-                  <a:effectLst>
-                    <a:outerShdw blurRad="38100" dist="38100" dir="2700000" algn="tl">
-                      <a:srgbClr val="000000">
-                        <a:alpha val="43137"/>
-                      </a:srgbClr>
-                    </a:outerShdw>
-                  </a:effectLst>
-                </a:rPr>
-                <a:t>시</a:t>
+                <a:t>함선의 무기들은 장착된 시</a:t>
               </a:r>
               <a:r>
                 <a:rPr lang="ko-KR" altLang="en-US" dirty="0">
@@ -27402,22 +27351,7 @@
                     </a:outerShdw>
                   </a:effectLst>
                 </a:rPr>
-                <a:t>의 </a:t>
-              </a:r>
-              <a:r>
-                <a:rPr lang="ko-KR" altLang="en-US" dirty="0" smtClean="0">
-                  <a:solidFill>
-                    <a:schemeClr val="bg1"/>
-                  </a:solidFill>
-                  <a:effectLst>
-                    <a:outerShdw blurRad="38100" dist="38100" dir="2700000" algn="tl">
-                      <a:srgbClr val="000000">
-                        <a:alpha val="43137"/>
-                      </a:srgbClr>
-                    </a:outerShdw>
-                  </a:effectLst>
-                </a:rPr>
-                <a:t>개념이다</a:t>
+                <a:t>의 개념이다</a:t>
               </a:r>
               <a:r>
                 <a:rPr lang="en-US" altLang="ko-KR" dirty="0" smtClean="0">
@@ -27527,18 +27461,6 @@
                 </a:rPr>
                 <a:t>.</a:t>
               </a:r>
-              <a:endParaRPr lang="en-US" altLang="ko-KR" dirty="0" smtClean="0">
-                <a:solidFill>
-                  <a:schemeClr val="bg1"/>
-                </a:solidFill>
-                <a:effectLst>
-                  <a:outerShdw blurRad="38100" dist="38100" dir="2700000" algn="tl">
-                    <a:srgbClr val="000000">
-                      <a:alpha val="43137"/>
-                    </a:srgbClr>
-                  </a:outerShdw>
-                </a:effectLst>
-              </a:endParaRPr>
             </a:p>
           </p:txBody>
         </p:sp>
@@ -29129,24 +29051,7 @@
                 <a:latin typeface="-윤고딕320" panose="02030504000101010101" pitchFamily="18" charset="-127"/>
                 <a:ea typeface="-윤고딕320" panose="02030504000101010101" pitchFamily="18" charset="-127"/>
               </a:rPr>
-              <a:t>: </a:t>
-            </a:r>
-            <a:r>
-              <a:rPr lang="en-US" altLang="ko-KR" sz="3000" dirty="0" smtClean="0">
-                <a:solidFill>
-                  <a:schemeClr val="bg1"/>
-                </a:solidFill>
-                <a:effectLst>
-                  <a:outerShdw blurRad="38100" dist="38100" dir="2700000" algn="tl">
-                    <a:srgbClr val="000000">
-                      <a:alpha val="43137"/>
-                    </a:srgbClr>
-                  </a:outerShdw>
-                </a:effectLst>
-                <a:latin typeface="-윤고딕320" panose="02030504000101010101" pitchFamily="18" charset="-127"/>
-                <a:ea typeface="-윤고딕320" panose="02030504000101010101" pitchFamily="18" charset="-127"/>
-              </a:rPr>
-              <a:t>	</a:t>
+              <a:t>: 	</a:t>
             </a:r>
             <a:r>
               <a:rPr lang="ko-KR" altLang="en-US" sz="3000" dirty="0" smtClean="0">
@@ -29163,24 +29068,7 @@
                 <a:latin typeface="-윤고딕310" panose="02030504000101010101" pitchFamily="18" charset="-127"/>
                 <a:ea typeface="-윤고딕310" panose="02030504000101010101" pitchFamily="18" charset="-127"/>
               </a:rPr>
-              <a:t>기획서에는 </a:t>
-            </a:r>
-            <a:r>
-              <a:rPr lang="ko-KR" altLang="en-US" sz="3000" dirty="0" smtClean="0">
-                <a:solidFill>
-                  <a:schemeClr val="bg1"/>
-                </a:solidFill>
-                <a:effectLst>
-                  <a:outerShdw blurRad="38100" dist="38100" dir="2700000" algn="tl">
-                    <a:srgbClr val="000000">
-                      <a:alpha val="43137"/>
-                    </a:srgbClr>
-                  </a:outerShdw>
-                </a:effectLst>
-                <a:latin typeface="-윤고딕310" panose="02030504000101010101" pitchFamily="18" charset="-127"/>
-                <a:ea typeface="-윤고딕310" panose="02030504000101010101" pitchFamily="18" charset="-127"/>
-              </a:rPr>
-              <a:t>본격적인 개발에 관련된 내용이 필요하다</a:t>
+              <a:t>기획서에는 본격적인 개발에 관련된 내용이 필요하다</a:t>
             </a:r>
             <a:r>
               <a:rPr lang="en-US" altLang="ko-KR" sz="3000" dirty="0" smtClean="0">
@@ -29266,20 +29154,6 @@
               </a:rPr>
               <a:t>.</a:t>
             </a:r>
-            <a:endParaRPr lang="en-US" altLang="ko-KR" sz="3000" dirty="0" smtClean="0">
-              <a:solidFill>
-                <a:schemeClr val="bg1"/>
-              </a:solidFill>
-              <a:effectLst>
-                <a:outerShdw blurRad="38100" dist="38100" dir="2700000" algn="tl">
-                  <a:srgbClr val="000000">
-                    <a:alpha val="43137"/>
-                  </a:srgbClr>
-                </a:outerShdw>
-              </a:effectLst>
-              <a:latin typeface="-윤고딕310" panose="02030504000101010101" pitchFamily="18" charset="-127"/>
-              <a:ea typeface="-윤고딕310" panose="02030504000101010101" pitchFamily="18" charset="-127"/>
-            </a:endParaRPr>
           </a:p>
           <a:p>
             <a:pPr marL="457200" indent="-457200">
@@ -29507,41 +29381,7 @@
                 <a:latin typeface="-윤고딕310" panose="02030504000101010101" pitchFamily="18" charset="-127"/>
                 <a:ea typeface="-윤고딕310" panose="02030504000101010101" pitchFamily="18" charset="-127"/>
               </a:rPr>
-              <a:t>나타날 </a:t>
-            </a:r>
-            <a:r>
-              <a:rPr lang="ko-KR" altLang="en-US" sz="3000" dirty="0" smtClean="0">
-                <a:solidFill>
-                  <a:schemeClr val="bg1"/>
-                </a:solidFill>
-                <a:effectLst>
-                  <a:outerShdw blurRad="38100" dist="38100" dir="2700000" algn="tl">
-                    <a:srgbClr val="000000">
-                      <a:alpha val="43137"/>
-                    </a:srgbClr>
-                  </a:outerShdw>
-                </a:effectLst>
-                <a:latin typeface="-윤고딕310" panose="02030504000101010101" pitchFamily="18" charset="-127"/>
-                <a:ea typeface="-윤고딕310" panose="02030504000101010101" pitchFamily="18" charset="-127"/>
-              </a:rPr>
-              <a:t>수 있는 인카운터와 적 종류의 </a:t>
-            </a:r>
-            <a:r>
-              <a:rPr lang="ko-KR" altLang="en-US" sz="3000" dirty="0" smtClean="0">
-                <a:solidFill>
-                  <a:schemeClr val="bg1"/>
-                </a:solidFill>
-                <a:effectLst>
-                  <a:outerShdw blurRad="38100" dist="38100" dir="2700000" algn="tl">
-                    <a:srgbClr val="000000">
-                      <a:alpha val="43137"/>
-                    </a:srgbClr>
-                  </a:outerShdw>
-                </a:effectLst>
-                <a:latin typeface="-윤고딕310" panose="02030504000101010101" pitchFamily="18" charset="-127"/>
-                <a:ea typeface="-윤고딕310" panose="02030504000101010101" pitchFamily="18" charset="-127"/>
-              </a:rPr>
-              <a:t>확정</a:t>
+              <a:t>나타날 수 있는 인카운터와 적 종류의 확정</a:t>
             </a:r>
             <a:r>
               <a:rPr lang="en-US" altLang="ko-KR" sz="3000" dirty="0">
@@ -29918,24 +29758,7 @@
                 <a:latin typeface="-윤고딕310" panose="02030504000101010101" pitchFamily="18" charset="-127"/>
                 <a:ea typeface="-윤고딕310" panose="02030504000101010101" pitchFamily="18" charset="-127"/>
               </a:rPr>
-              <a:t> </a:t>
-            </a:r>
-            <a:r>
-              <a:rPr lang="ko-KR" altLang="en-US" sz="3000" dirty="0" smtClean="0">
-                <a:solidFill>
-                  <a:schemeClr val="bg1"/>
-                </a:solidFill>
-                <a:effectLst>
-                  <a:outerShdw blurRad="38100" dist="38100" dir="2700000" algn="tl">
-                    <a:srgbClr val="000000">
-                      <a:alpha val="43137"/>
-                    </a:srgbClr>
-                  </a:outerShdw>
-                </a:effectLst>
-                <a:latin typeface="-윤고딕310" panose="02030504000101010101" pitchFamily="18" charset="-127"/>
-                <a:ea typeface="-윤고딕310" panose="02030504000101010101" pitchFamily="18" charset="-127"/>
-              </a:rPr>
-              <a:t>제시</a:t>
+              <a:t> 제시</a:t>
             </a:r>
             <a:endParaRPr lang="en-US" altLang="ko-KR" sz="3000" dirty="0">
               <a:solidFill>
@@ -31647,20 +31470,6 @@
               </a:rPr>
               <a:t>.</a:t>
             </a:r>
-            <a:endParaRPr lang="en-US" altLang="ko-KR" sz="2000" dirty="0" smtClean="0">
-              <a:solidFill>
-                <a:schemeClr val="bg1"/>
-              </a:solidFill>
-              <a:effectLst>
-                <a:outerShdw blurRad="38100" dist="38100" dir="2700000" algn="tl">
-                  <a:srgbClr val="000000">
-                    <a:alpha val="43137"/>
-                  </a:srgbClr>
-                </a:outerShdw>
-              </a:effectLst>
-              <a:latin typeface="-윤고딕310" panose="02030504000101010101" pitchFamily="18" charset="-127"/>
-              <a:ea typeface="-윤고딕310" panose="02030504000101010101" pitchFamily="18" charset="-127"/>
-            </a:endParaRPr>
           </a:p>
           <a:p>
             <a:endParaRPr lang="en-US" altLang="ko-KR" sz="2000" dirty="0">
@@ -33963,7 +33772,7 @@
         <p:spPr>
           <a:xfrm>
             <a:off x="117687" y="1363131"/>
-            <a:ext cx="11617113" cy="4031873"/>
+            <a:ext cx="11617113" cy="2800767"/>
           </a:xfrm>
           <a:prstGeom prst="rect">
             <a:avLst/>
@@ -34002,36 +33811,6 @@
             </a:endParaRPr>
           </a:p>
           <a:p>
-            <a:pPr marL="342900" indent="-342900">
-              <a:buFont typeface="+mj-lt"/>
-              <a:buAutoNum type="arabicPeriod"/>
-            </a:pPr>
-            <a:endParaRPr lang="en-US" altLang="ko-KR" sz="1600" dirty="0">
-              <a:ln>
-                <a:solidFill>
-                  <a:schemeClr val="accent1">
-                    <a:alpha val="57000"/>
-                  </a:schemeClr>
-                </a:solidFill>
-              </a:ln>
-              <a:solidFill>
-                <a:schemeClr val="bg1"/>
-              </a:solidFill>
-              <a:effectLst>
-                <a:outerShdw blurRad="38100" dist="38100" dir="2700000" algn="tl">
-                  <a:srgbClr val="000000">
-                    <a:alpha val="43137"/>
-                  </a:srgbClr>
-                </a:outerShdw>
-              </a:effectLst>
-              <a:latin typeface="Continuum Light" panose="00000400000000000000" pitchFamily="2" charset="0"/>
-            </a:endParaRPr>
-          </a:p>
-          <a:p>
-            <a:pPr marL="342900" indent="-342900">
-              <a:buFont typeface="+mj-lt"/>
-              <a:buAutoNum type="arabicPeriod"/>
-            </a:pPr>
             <a:endParaRPr lang="en-US" altLang="ko-KR" sz="1600" dirty="0" smtClean="0">
               <a:ln>
                 <a:solidFill>
@@ -34301,6 +34080,127 @@
               <a:buFont typeface="+mj-lt"/>
               <a:buAutoNum type="arabicPeriod"/>
             </a:pPr>
+            <a:r>
+              <a:rPr lang="en-US" altLang="ko-KR" sz="1600" dirty="0" smtClean="0">
+                <a:solidFill>
+                  <a:schemeClr val="bg1"/>
+                </a:solidFill>
+                <a:effectLst>
+                  <a:outerShdw blurRad="38100" dist="38100" dir="2700000" algn="tl">
+                    <a:srgbClr val="000000">
+                      <a:alpha val="43137"/>
+                    </a:srgbClr>
+                  </a:outerShdw>
+                </a:effectLst>
+                <a:latin typeface="Continuum Light" panose="00000400000000000000" pitchFamily="2" charset="0"/>
+                <a:hlinkClick r:id="rId4"/>
+              </a:rPr>
+              <a:t>http</a:t>
+            </a:r>
+            <a:r>
+              <a:rPr lang="en-US" altLang="ko-KR" sz="1600" dirty="0">
+                <a:solidFill>
+                  <a:schemeClr val="bg1"/>
+                </a:solidFill>
+                <a:effectLst>
+                  <a:outerShdw blurRad="38100" dist="38100" dir="2700000" algn="tl">
+                    <a:srgbClr val="000000">
+                      <a:alpha val="43137"/>
+                    </a:srgbClr>
+                  </a:outerShdw>
+                </a:effectLst>
+                <a:latin typeface="Continuum Light" panose="00000400000000000000" pitchFamily="2" charset="0"/>
+                <a:hlinkClick r:id="rId4"/>
+              </a:rPr>
+              <a:t>://</a:t>
+            </a:r>
+            <a:r>
+              <a:rPr lang="en-US" altLang="ko-KR" sz="1600" dirty="0" smtClean="0">
+                <a:solidFill>
+                  <a:schemeClr val="bg1"/>
+                </a:solidFill>
+                <a:effectLst>
+                  <a:outerShdw blurRad="38100" dist="38100" dir="2700000" algn="tl">
+                    <a:srgbClr val="000000">
+                      <a:alpha val="43137"/>
+                    </a:srgbClr>
+                  </a:outerShdw>
+                </a:effectLst>
+                <a:latin typeface="Continuum Light" panose="00000400000000000000" pitchFamily="2" charset="0"/>
+                <a:hlinkClick r:id="rId4"/>
+              </a:rPr>
+              <a:t>blog.naver.com/hellian/220285366209</a:t>
+            </a:r>
+            <a:r>
+              <a:rPr lang="en-US" altLang="ko-KR" sz="1600" dirty="0" smtClean="0">
+                <a:solidFill>
+                  <a:schemeClr val="bg1"/>
+                </a:solidFill>
+                <a:effectLst>
+                  <a:outerShdw blurRad="38100" dist="38100" dir="2700000" algn="tl">
+                    <a:srgbClr val="000000">
+                      <a:alpha val="43137"/>
+                    </a:srgbClr>
+                  </a:outerShdw>
+                </a:effectLst>
+                <a:latin typeface="Continuum Light" panose="00000400000000000000" pitchFamily="2" charset="0"/>
+              </a:rPr>
+              <a:t> </a:t>
+            </a:r>
+          </a:p>
+          <a:p>
+            <a:pPr marL="342900" indent="-342900">
+              <a:buFont typeface="+mj-lt"/>
+              <a:buAutoNum type="arabicPeriod"/>
+            </a:pPr>
+            <a:r>
+              <a:rPr lang="en-US" altLang="ko-KR" sz="1600" dirty="0">
+                <a:ln>
+                  <a:solidFill>
+                    <a:schemeClr val="accent1">
+                      <a:alpha val="57000"/>
+                    </a:schemeClr>
+                  </a:solidFill>
+                </a:ln>
+                <a:solidFill>
+                  <a:schemeClr val="bg1"/>
+                </a:solidFill>
+                <a:effectLst>
+                  <a:outerShdw blurRad="38100" dist="38100" dir="2700000" algn="tl">
+                    <a:srgbClr val="000000">
+                      <a:alpha val="43137"/>
+                    </a:srgbClr>
+                  </a:outerShdw>
+                </a:effectLst>
+                <a:latin typeface="Continuum Light" panose="00000400000000000000" pitchFamily="2" charset="0"/>
+                <a:hlinkClick r:id="rId5"/>
+              </a:rPr>
+              <a:t>https://www.engadget.com/2014/04/28/transfer-your-pc-mac-saves-to-ftl-ios</a:t>
+            </a:r>
+            <a:r>
+              <a:rPr lang="en-US" altLang="ko-KR" sz="1600" dirty="0" smtClean="0">
+                <a:ln>
+                  <a:solidFill>
+                    <a:schemeClr val="accent1">
+                      <a:alpha val="57000"/>
+                    </a:schemeClr>
+                  </a:solidFill>
+                </a:ln>
+                <a:solidFill>
+                  <a:schemeClr val="bg1"/>
+                </a:solidFill>
+                <a:effectLst>
+                  <a:outerShdw blurRad="38100" dist="38100" dir="2700000" algn="tl">
+                    <a:srgbClr val="000000">
+                      <a:alpha val="43137"/>
+                    </a:srgbClr>
+                  </a:outerShdw>
+                </a:effectLst>
+                <a:latin typeface="Continuum Light" panose="00000400000000000000" pitchFamily="2" charset="0"/>
+                <a:hlinkClick r:id="rId5"/>
+              </a:rPr>
+              <a:t>/</a:t>
+            </a:r>
             <a:endParaRPr lang="en-US" altLang="ko-KR" sz="1600" dirty="0" smtClean="0">
               <a:ln>
                 <a:solidFill>
@@ -34327,88 +34227,6 @@
               <a:buFont typeface="+mj-lt"/>
               <a:buAutoNum type="arabicPeriod"/>
             </a:pPr>
-            <a:endParaRPr lang="en-US" altLang="ko-KR" sz="1600" dirty="0" smtClean="0">
-              <a:ln>
-                <a:solidFill>
-                  <a:schemeClr val="accent1">
-                    <a:alpha val="57000"/>
-                  </a:schemeClr>
-                </a:solidFill>
-              </a:ln>
-              <a:solidFill>
-                <a:schemeClr val="bg1"/>
-              </a:solidFill>
-              <a:effectLst>
-                <a:outerShdw blurRad="38100" dist="38100" dir="2700000" algn="tl">
-                  <a:srgbClr val="000000">
-                    <a:alpha val="43137"/>
-                  </a:srgbClr>
-                </a:outerShdw>
-              </a:effectLst>
-              <a:latin typeface="Continuum Light" panose="00000400000000000000" pitchFamily="2" charset="0"/>
-            </a:endParaRPr>
-          </a:p>
-          <a:p>
-            <a:pPr marL="342900" indent="-342900">
-              <a:buFont typeface="+mj-lt"/>
-              <a:buAutoNum type="arabicPeriod"/>
-            </a:pPr>
-            <a:r>
-              <a:rPr lang="en-US" altLang="ko-KR" sz="1600" dirty="0">
-                <a:solidFill>
-                  <a:schemeClr val="bg1"/>
-                </a:solidFill>
-                <a:effectLst>
-                  <a:outerShdw blurRad="38100" dist="38100" dir="2700000" algn="tl">
-                    <a:srgbClr val="000000">
-                      <a:alpha val="43137"/>
-                    </a:srgbClr>
-                  </a:outerShdw>
-                </a:effectLst>
-                <a:latin typeface="Continuum Light" panose="00000400000000000000" pitchFamily="2" charset="0"/>
-                <a:hlinkClick r:id="rId4"/>
-              </a:rPr>
-              <a:t>http://</a:t>
-            </a:r>
-            <a:r>
-              <a:rPr lang="en-US" altLang="ko-KR" sz="1600" dirty="0" smtClean="0">
-                <a:solidFill>
-                  <a:schemeClr val="bg1"/>
-                </a:solidFill>
-                <a:effectLst>
-                  <a:outerShdw blurRad="38100" dist="38100" dir="2700000" algn="tl">
-                    <a:srgbClr val="000000">
-                      <a:alpha val="43137"/>
-                    </a:srgbClr>
-                  </a:outerShdw>
-                </a:effectLst>
-                <a:latin typeface="Continuum Light" panose="00000400000000000000" pitchFamily="2" charset="0"/>
-                <a:hlinkClick r:id="rId4"/>
-              </a:rPr>
-              <a:t>blog.naver.com/hellian/220285366209</a:t>
-            </a:r>
-            <a:r>
-              <a:rPr lang="en-US" altLang="ko-KR" sz="1600" dirty="0" smtClean="0">
-                <a:solidFill>
-                  <a:schemeClr val="bg1"/>
-                </a:solidFill>
-                <a:effectLst>
-                  <a:outerShdw blurRad="38100" dist="38100" dir="2700000" algn="tl">
-                    <a:srgbClr val="000000">
-                      <a:alpha val="43137"/>
-                    </a:srgbClr>
-                  </a:outerShdw>
-                </a:effectLst>
-                <a:latin typeface="Continuum Light" panose="00000400000000000000" pitchFamily="2" charset="0"/>
-              </a:rPr>
-              <a:t> </a:t>
-            </a:r>
-          </a:p>
-          <a:p>
-            <a:pPr marL="342900" indent="-342900">
-              <a:buFont typeface="+mj-lt"/>
-              <a:buAutoNum type="arabicPeriod"/>
-            </a:pPr>
             <a:r>
               <a:rPr lang="en-US" altLang="ko-KR" sz="1600" dirty="0">
                 <a:ln>
@@ -34429,9 +34247,9 @@
                   </a:outerShdw>
                 </a:effectLst>
                 <a:latin typeface="Continuum Light" panose="00000400000000000000" pitchFamily="2" charset="0"/>
-                <a:hlinkClick r:id="rId5"/>
-              </a:rPr>
-              <a:t>https://www.engadget.com/2014/04/28/transfer-your-pc-mac-saves-to-ftl-ios</a:t>
+                <a:hlinkClick r:id="rId6"/>
+              </a:rPr>
+              <a:t>https://</a:t>
             </a:r>
             <a:r>
               <a:rPr lang="en-US" altLang="ko-KR" sz="1600" dirty="0" smtClean="0">
@@ -34453,111 +34271,10 @@
                   </a:outerShdw>
                 </a:effectLst>
                 <a:latin typeface="Continuum Light" panose="00000400000000000000" pitchFamily="2" charset="0"/>
-                <a:hlinkClick r:id="rId5"/>
-              </a:rPr>
-              <a:t>/</a:t>
-            </a:r>
-            <a:endParaRPr lang="en-US" altLang="ko-KR" sz="1600" dirty="0" smtClean="0">
-              <a:ln>
-                <a:solidFill>
-                  <a:schemeClr val="accent1">
-                    <a:alpha val="57000"/>
-                  </a:schemeClr>
-                </a:solidFill>
-              </a:ln>
-              <a:solidFill>
-                <a:schemeClr val="bg1"/>
-              </a:solidFill>
-              <a:effectLst>
-                <a:outerShdw blurRad="38100" dist="38100" dir="2700000" algn="tl">
-                  <a:srgbClr val="000000">
-                    <a:alpha val="43137"/>
-                  </a:srgbClr>
-                </a:outerShdw>
-              </a:effectLst>
-              <a:latin typeface="Continuum Light" panose="00000400000000000000" pitchFamily="2" charset="0"/>
-            </a:endParaRPr>
-          </a:p>
-          <a:p>
-            <a:pPr marL="342900" indent="-342900">
-              <a:buFont typeface="+mj-lt"/>
-              <a:buAutoNum type="arabicPeriod"/>
-            </a:pPr>
-            <a:r>
-              <a:rPr lang="en-US" altLang="ko-KR" sz="1600" dirty="0">
-                <a:ln>
-                  <a:solidFill>
-                    <a:schemeClr val="accent1">
-                      <a:alpha val="57000"/>
-                    </a:schemeClr>
-                  </a:solidFill>
-                </a:ln>
-                <a:solidFill>
-                  <a:schemeClr val="bg1"/>
-                </a:solidFill>
-                <a:effectLst>
-                  <a:outerShdw blurRad="38100" dist="38100" dir="2700000" algn="tl">
-                    <a:srgbClr val="000000">
-                      <a:alpha val="43137"/>
-                    </a:srgbClr>
-                  </a:outerShdw>
-                </a:effectLst>
-                <a:latin typeface="Continuum Light" panose="00000400000000000000" pitchFamily="2" charset="0"/>
-              </a:rPr>
-              <a:t>https://octopusoverlords.com/forum/viewtopic.php?f=2&amp;t=80866</a:t>
-            </a:r>
-            <a:endParaRPr lang="en-US" altLang="ko-KR" sz="1600" dirty="0" smtClean="0">
-              <a:ln>
-                <a:solidFill>
-                  <a:schemeClr val="accent1">
-                    <a:alpha val="57000"/>
-                  </a:schemeClr>
-                </a:solidFill>
-              </a:ln>
-              <a:solidFill>
-                <a:schemeClr val="bg1"/>
-              </a:solidFill>
-              <a:effectLst>
-                <a:outerShdw blurRad="38100" dist="38100" dir="2700000" algn="tl">
-                  <a:srgbClr val="000000">
-                    <a:alpha val="43137"/>
-                  </a:srgbClr>
-                </a:outerShdw>
-              </a:effectLst>
-              <a:latin typeface="Continuum Light" panose="00000400000000000000" pitchFamily="2" charset="0"/>
-            </a:endParaRPr>
-          </a:p>
-          <a:p>
-            <a:pPr marL="342900" indent="-342900">
-              <a:buFont typeface="+mj-lt"/>
-              <a:buAutoNum type="arabicPeriod"/>
-            </a:pPr>
-            <a:endParaRPr lang="en-US" altLang="ko-KR" sz="1600" dirty="0" smtClean="0">
-              <a:ln>
-                <a:solidFill>
-                  <a:schemeClr val="accent1">
-                    <a:alpha val="57000"/>
-                  </a:schemeClr>
-                </a:solidFill>
-              </a:ln>
-              <a:solidFill>
-                <a:schemeClr val="bg1"/>
-              </a:solidFill>
-              <a:effectLst>
-                <a:outerShdw blurRad="38100" dist="38100" dir="2700000" algn="tl">
-                  <a:srgbClr val="000000">
-                    <a:alpha val="43137"/>
-                  </a:srgbClr>
-                </a:outerShdw>
-              </a:effectLst>
-              <a:latin typeface="Continuum Light" panose="00000400000000000000" pitchFamily="2" charset="0"/>
-            </a:endParaRPr>
-          </a:p>
-          <a:p>
-            <a:pPr marL="342900" indent="-342900">
-              <a:buFont typeface="+mj-lt"/>
-              <a:buAutoNum type="arabicPeriod"/>
-            </a:pPr>
+                <a:hlinkClick r:id="rId6"/>
+              </a:rPr>
+              <a:t>octopusoverlords.com/forum/viewtopic.php?f=2&amp;t=80866</a:t>
+            </a:r>
             <a:endParaRPr lang="en-US" altLang="ko-KR" sz="1600" dirty="0" smtClean="0">
               <a:ln>
                 <a:solidFill>
@@ -37603,24 +37320,7 @@
                 <a:latin typeface="+mj-ea"/>
                 <a:ea typeface="+mj-ea"/>
               </a:rPr>
-              <a:t>최소 </a:t>
-            </a:r>
-            <a:r>
-              <a:rPr lang="ko-KR" altLang="en-US" cap="all" dirty="0" smtClean="0">
-                <a:solidFill>
-                  <a:schemeClr val="bg1"/>
-                </a:solidFill>
-                <a:effectLst>
-                  <a:outerShdw blurRad="38100" dist="38100" dir="2700000" algn="tl">
-                    <a:srgbClr val="000000">
-                      <a:alpha val="43137"/>
-                    </a:srgbClr>
-                  </a:outerShdw>
-                </a:effectLst>
-                <a:latin typeface="+mj-ea"/>
-                <a:ea typeface="+mj-ea"/>
-              </a:rPr>
-              <a:t>사양</a:t>
+              <a:t>최소 사양</a:t>
             </a:r>
             <a:r>
               <a:rPr lang="en-US" altLang="ko-KR" cap="all" dirty="0" smtClean="0">
@@ -44680,7 +44380,7 @@
   <a:extraClrSchemeLst/>
   <a:extLst>
     <a:ext uri="{05A4C25C-085E-4340-85A3-A5531E510DB2}">
-      <thm15:themeFamily xmlns:thm15="http://schemas.microsoft.com/office/thememl/2012/main" xmlns="" name="Office Theme" id="{62F939B6-93AF-4DB8-9C6B-D6C7DFDC589F}" vid="{4A3C46E8-61CC-4603-A589-7422A47A8E4A}"/>
+      <thm15:themeFamily xmlns="" xmlns:thm15="http://schemas.microsoft.com/office/thememl/2012/main" name="Office Theme" id="{62F939B6-93AF-4DB8-9C6B-D6C7DFDC589F}" vid="{4A3C46E8-61CC-4603-A589-7422A47A8E4A}"/>
     </a:ext>
   </a:extLst>
 </a:theme>
@@ -44941,7 +44641,7 @@
   <a:extraClrSchemeLst/>
   <a:extLst>
     <a:ext uri="{05A4C25C-085E-4340-85A3-A5531E510DB2}">
-      <thm15:themeFamily xmlns:thm15="http://schemas.microsoft.com/office/thememl/2012/main" xmlns="" name="Office Theme" id="{62F939B6-93AF-4DB8-9C6B-D6C7DFDC589F}" vid="{4A3C46E8-61CC-4603-A589-7422A47A8E4A}"/>
+      <thm15:themeFamily xmlns="" xmlns:thm15="http://schemas.microsoft.com/office/thememl/2012/main" name="Office Theme" id="{62F939B6-93AF-4DB8-9C6B-D6C7DFDC589F}" vid="{4A3C46E8-61CC-4603-A589-7422A47A8E4A}"/>
     </a:ext>
   </a:extLst>
 </a:theme>
@@ -45142,7 +44842,7 @@
   <a:extraClrSchemeLst/>
   <a:extLst>
     <a:ext uri="{05A4C25C-085E-4340-85A3-A5531E510DB2}">
-      <thm15:themeFamily xmlns:thm15="http://schemas.microsoft.com/office/thememl/2012/main" xmlns="" name="Office Theme" id="{62F939B6-93AF-4DB8-9C6B-D6C7DFDC589F}" vid="{4A3C46E8-61CC-4603-A589-7422A47A8E4A}"/>
+      <thm15:themeFamily xmlns="" xmlns:thm15="http://schemas.microsoft.com/office/thememl/2012/main" name="Office Theme" id="{62F939B6-93AF-4DB8-9C6B-D6C7DFDC589F}" vid="{4A3C46E8-61CC-4603-A589-7422A47A8E4A}"/>
     </a:ext>
   </a:extLst>
 </a:theme>
@@ -45343,7 +45043,7 @@
   <a:extraClrSchemeLst/>
   <a:extLst>
     <a:ext uri="{05A4C25C-085E-4340-85A3-A5531E510DB2}">
-      <thm15:themeFamily xmlns:thm15="http://schemas.microsoft.com/office/thememl/2012/main" xmlns="" name="Office Theme" id="{62F939B6-93AF-4DB8-9C6B-D6C7DFDC589F}" vid="{4A3C46E8-61CC-4603-A589-7422A47A8E4A}"/>
+      <thm15:themeFamily xmlns="" xmlns:thm15="http://schemas.microsoft.com/office/thememl/2012/main" name="Office Theme" id="{62F939B6-93AF-4DB8-9C6B-D6C7DFDC589F}" vid="{4A3C46E8-61CC-4603-A589-7422A47A8E4A}"/>
     </a:ext>
   </a:extLst>
 </a:theme>
@@ -45604,7 +45304,7 @@
   <a:extraClrSchemeLst/>
   <a:extLst>
     <a:ext uri="{05A4C25C-085E-4340-85A3-A5531E510DB2}">
-      <thm15:themeFamily xmlns:thm15="http://schemas.microsoft.com/office/thememl/2012/main" xmlns="" name="Office Theme" id="{62F939B6-93AF-4DB8-9C6B-D6C7DFDC589F}" vid="{4A3C46E8-61CC-4603-A589-7422A47A8E4A}"/>
+      <thm15:themeFamily xmlns="" xmlns:thm15="http://schemas.microsoft.com/office/thememl/2012/main" name="Office Theme" id="{62F939B6-93AF-4DB8-9C6B-D6C7DFDC589F}" vid="{4A3C46E8-61CC-4603-A589-7422A47A8E4A}"/>
     </a:ext>
   </a:extLst>
 </a:theme>

--- a/slides/Cosmos_20171105.pptx
+++ b/slides/Cosmos_20171105.pptx
@@ -43,21 +43,21 @@
   <p:notesSz cx="9144000" cy="6858000"/>
   <p:embeddedFontLst>
     <p:embeddedFont>
-      <p:font typeface="-윤고딕320" panose="02030504000101010101" pitchFamily="18" charset="-127"/>
+      <p:font typeface="-윤고딕310" panose="02030504000101010101" pitchFamily="18" charset="-127"/>
       <p:regular r:id="rId31"/>
     </p:embeddedFont>
     <p:embeddedFont>
-      <p:font typeface="맑은 고딕" panose="020B0503020000020004" pitchFamily="50" charset="-127"/>
+      <p:font typeface="Continuum Light" panose="00000400000000000000" pitchFamily="2" charset="0"/>
       <p:regular r:id="rId32"/>
-      <p:bold r:id="rId33"/>
     </p:embeddedFont>
     <p:embeddedFont>
-      <p:font typeface="Continuum Light" panose="00000400000000000000" pitchFamily="2" charset="0"/>
-      <p:regular r:id="rId34"/>
+      <p:font typeface="-윤고딕320" panose="02030504000101010101" pitchFamily="18" charset="-127"/>
+      <p:regular r:id="rId33"/>
     </p:embeddedFont>
     <p:embeddedFont>
-      <p:font typeface="-윤고딕310" panose="02030504000101010101" pitchFamily="18" charset="-127"/>
-      <p:regular r:id="rId35"/>
+      <p:font typeface="맑은 고딕" panose="020B0503020000020004" pitchFamily="50" charset="-127"/>
+      <p:regular r:id="rId34"/>
+      <p:bold r:id="rId35"/>
     </p:embeddedFont>
   </p:embeddedFontLst>
   <p:defaultTextStyle>
@@ -3960,8 +3960,8 @@
     <dgm:cxn modelId="{14049FDF-0C9A-412A-BC4C-8AF619F50E95}" srcId="{C5E7BBCF-84F3-46E3-A41C-E3B0A36EC42D}" destId="{85A5CBF4-9201-4690-9774-AC6344A8AC49}" srcOrd="1" destOrd="0" parTransId="{6FA2376F-86BE-46BC-8E35-6567B33B97AC}" sibTransId="{7A6747FD-359E-4829-8783-0F79E5F16435}"/>
     <dgm:cxn modelId="{4DCF2D74-DE6E-44CA-B091-BE3EDFFAD75F}" type="presOf" srcId="{07FB4231-9488-4922-A339-E0CEBBF56F2C}" destId="{BA7097EA-0F1D-486F-82C8-C6A2EF83F2E4}" srcOrd="0" destOrd="0" presId="urn:microsoft.com/office/officeart/2005/8/layout/cycle2"/>
     <dgm:cxn modelId="{E206B89B-2C2F-4FC9-B01A-7E925D0B8CBD}" type="presOf" srcId="{C24A731D-6F4A-4E28-BEAE-0908FB21A6DC}" destId="{DDE82D76-42CE-4387-9C86-E10644068192}" srcOrd="0" destOrd="0" presId="urn:microsoft.com/office/officeart/2005/8/layout/cycle2"/>
+    <dgm:cxn modelId="{ADBF323A-B53F-480F-BEE8-91FD0B120568}" type="presOf" srcId="{830B3C85-D607-4E64-A7CB-5E5A29456749}" destId="{924A6E9F-0A5B-4FC4-8370-B723765D25B0}" srcOrd="0" destOrd="0" presId="urn:microsoft.com/office/officeart/2005/8/layout/cycle2"/>
     <dgm:cxn modelId="{280C9148-3183-4AE6-B529-98A4009DB105}" type="presOf" srcId="{E5771AC1-49F0-41C8-9A8A-D50E2D04513A}" destId="{9D1F87A7-AB30-49D9-A1D9-8603EC90F44A}" srcOrd="0" destOrd="0" presId="urn:microsoft.com/office/officeart/2005/8/layout/cycle2"/>
-    <dgm:cxn modelId="{ADBF323A-B53F-480F-BEE8-91FD0B120568}" type="presOf" srcId="{830B3C85-D607-4E64-A7CB-5E5A29456749}" destId="{924A6E9F-0A5B-4FC4-8370-B723765D25B0}" srcOrd="0" destOrd="0" presId="urn:microsoft.com/office/officeart/2005/8/layout/cycle2"/>
     <dgm:cxn modelId="{E1339CAD-9B8A-45AE-B2EC-2A1FB1C8CA49}" type="presOf" srcId="{72DA1464-D24F-4640-9C4B-C8CF893A3DF1}" destId="{DF8138CB-610B-4B23-A274-E0029084F38A}" srcOrd="0" destOrd="0" presId="urn:microsoft.com/office/officeart/2005/8/layout/cycle2"/>
     <dgm:cxn modelId="{8AD1B05B-BD87-4A9E-8AB7-7E0449F4C71A}" type="presOf" srcId="{F0EFC95B-5BA4-408C-8949-A0E394BA654B}" destId="{F63E6AA8-0F9E-4DA2-A47B-5598781FEC4A}" srcOrd="0" destOrd="0" presId="urn:microsoft.com/office/officeart/2005/8/layout/cycle2"/>
     <dgm:cxn modelId="{B9960DFC-D8B3-48D6-B13B-B2A8299D30E5}" srcId="{C5E7BBCF-84F3-46E3-A41C-E3B0A36EC42D}" destId="{F0EFC95B-5BA4-408C-8949-A0E394BA654B}" srcOrd="3" destOrd="0" parTransId="{661C3D37-DD0E-4219-9E4E-7F09977B59A6}" sibTransId="{1F576465-B446-4D5B-AC13-21B254F0ADCA}"/>
@@ -9671,7 +9671,7 @@
           <a:p>
             <a:fld id="{6FEFB717-BC87-41D7-8B7A-E83E84006AAC}" type="datetimeFigureOut">
               <a:rPr lang="ko-KR" altLang="en-US" smtClean="0"/>
-              <a:t>2017-10-30</a:t>
+              <a:t>2017-10-31</a:t>
             </a:fld>
             <a:endParaRPr lang="ko-KR" altLang="en-US" dirty="0"/>
           </a:p>
@@ -9841,7 +9841,7 @@
           <a:p>
             <a:fld id="{FCC96FB9-AE3A-49E9-BBEB-ACB7ABCC87C1}" type="datetimeFigureOut">
               <a:rPr lang="ko-KR" altLang="en-US" smtClean="0"/>
-              <a:t>2017-10-30</a:t>
+              <a:t>2017-10-31</a:t>
             </a:fld>
             <a:endParaRPr lang="ko-KR" altLang="en-US" dirty="0"/>
           </a:p>
@@ -21605,1058 +21605,6 @@
           <a:chExt cx="0" cy="0"/>
         </a:xfrm>
       </p:grpSpPr>
-      <p:sp>
-        <p:nvSpPr>
-          <p:cNvPr id="4" name="TextBox 3"/>
-          <p:cNvSpPr txBox="1"/>
-          <p:nvPr/>
-        </p:nvSpPr>
-        <p:spPr>
-          <a:xfrm>
-            <a:off x="117687" y="446707"/>
-            <a:ext cx="5453380" cy="523220"/>
-          </a:xfrm>
-          <a:prstGeom prst="rect">
-            <a:avLst/>
-          </a:prstGeom>
-          <a:noFill/>
-        </p:spPr>
-        <p:txBody>
-          <a:bodyPr wrap="square" rtlCol="0">
-            <a:spAutoFit/>
-          </a:bodyPr>
-          <a:lstStyle/>
-          <a:p>
-            <a:r>
-              <a:rPr lang="en-US" altLang="ko-KR" sz="2800" dirty="0">
-                <a:solidFill>
-                  <a:schemeClr val="bg1"/>
-                </a:solidFill>
-                <a:effectLst>
-                  <a:outerShdw blurRad="38100" dist="38100" dir="2700000" algn="tl">
-                    <a:srgbClr val="000000">
-                      <a:alpha val="43137"/>
-                    </a:srgbClr>
-                  </a:outerShdw>
-                </a:effectLst>
-                <a:latin typeface="-윤고딕320" panose="02030504000101010101" pitchFamily="18" charset="-127"/>
-                <a:ea typeface="-윤고딕320" panose="02030504000101010101" pitchFamily="18" charset="-127"/>
-              </a:rPr>
-              <a:t> </a:t>
-            </a:r>
-            <a:r>
-              <a:rPr lang="en-US" altLang="ko-KR" sz="2800" dirty="0" smtClean="0">
-                <a:solidFill>
-                  <a:schemeClr val="bg1"/>
-                </a:solidFill>
-                <a:effectLst>
-                  <a:outerShdw blurRad="38100" dist="38100" dir="2700000" algn="tl">
-                    <a:srgbClr val="000000">
-                      <a:alpha val="43137"/>
-                    </a:srgbClr>
-                  </a:outerShdw>
-                </a:effectLst>
-                <a:latin typeface="-윤고딕320" panose="02030504000101010101" pitchFamily="18" charset="-127"/>
-                <a:ea typeface="-윤고딕320" panose="02030504000101010101" pitchFamily="18" charset="-127"/>
-              </a:rPr>
-              <a:t> </a:t>
-            </a:r>
-            <a:r>
-              <a:rPr lang="ko-KR" altLang="en-US" sz="2800" dirty="0" smtClean="0">
-                <a:solidFill>
-                  <a:schemeClr val="bg1"/>
-                </a:solidFill>
-                <a:effectLst>
-                  <a:outerShdw blurRad="38100" dist="38100" dir="2700000" algn="tl">
-                    <a:srgbClr val="000000">
-                      <a:alpha val="43137"/>
-                    </a:srgbClr>
-                  </a:outerShdw>
-                </a:effectLst>
-                <a:latin typeface="-윤고딕320" panose="02030504000101010101" pitchFamily="18" charset="-127"/>
-                <a:ea typeface="-윤고딕320" panose="02030504000101010101" pitchFamily="18" charset="-127"/>
-              </a:rPr>
-              <a:t>게임 소개 </a:t>
-            </a:r>
-            <a:r>
-              <a:rPr lang="en-US" altLang="ko-KR" sz="2800" dirty="0" smtClean="0">
-                <a:solidFill>
-                  <a:schemeClr val="bg1"/>
-                </a:solidFill>
-                <a:effectLst>
-                  <a:outerShdw blurRad="38100" dist="38100" dir="2700000" algn="tl">
-                    <a:srgbClr val="000000">
-                      <a:alpha val="43137"/>
-                    </a:srgbClr>
-                  </a:outerShdw>
-                </a:effectLst>
-                <a:latin typeface="-윤고딕320" panose="02030504000101010101" pitchFamily="18" charset="-127"/>
-                <a:ea typeface="-윤고딕320" panose="02030504000101010101" pitchFamily="18" charset="-127"/>
-              </a:rPr>
-              <a:t>– </a:t>
-            </a:r>
-            <a:r>
-              <a:rPr lang="ko-KR" altLang="en-US" sz="2800" dirty="0" smtClean="0">
-                <a:solidFill>
-                  <a:schemeClr val="bg1"/>
-                </a:solidFill>
-                <a:effectLst>
-                  <a:outerShdw blurRad="38100" dist="38100" dir="2700000" algn="tl">
-                    <a:srgbClr val="000000">
-                      <a:alpha val="43137"/>
-                    </a:srgbClr>
-                  </a:outerShdw>
-                </a:effectLst>
-                <a:latin typeface="-윤고딕320" panose="02030504000101010101" pitchFamily="18" charset="-127"/>
-                <a:ea typeface="-윤고딕320" panose="02030504000101010101" pitchFamily="18" charset="-127"/>
-              </a:rPr>
-              <a:t>진행 및 조작</a:t>
-            </a:r>
-            <a:endParaRPr lang="ko-KR" altLang="en-US" sz="2800" dirty="0">
-              <a:solidFill>
-                <a:schemeClr val="bg1"/>
-              </a:solidFill>
-              <a:effectLst>
-                <a:outerShdw blurRad="38100" dist="38100" dir="2700000" algn="tl">
-                  <a:srgbClr val="000000">
-                    <a:alpha val="43137"/>
-                  </a:srgbClr>
-                </a:outerShdw>
-              </a:effectLst>
-              <a:latin typeface="-윤고딕320" panose="02030504000101010101" pitchFamily="18" charset="-127"/>
-              <a:ea typeface="-윤고딕320" panose="02030504000101010101" pitchFamily="18" charset="-127"/>
-            </a:endParaRPr>
-          </a:p>
-        </p:txBody>
-      </p:sp>
-      <p:cxnSp>
-        <p:nvCxnSpPr>
-          <p:cNvPr id="22" name="직선 연결선 21"/>
-          <p:cNvCxnSpPr/>
-          <p:nvPr/>
-        </p:nvCxnSpPr>
-        <p:spPr>
-          <a:xfrm>
-            <a:off x="5499100" y="6680199"/>
-            <a:ext cx="360000" cy="0"/>
-          </a:xfrm>
-          <a:prstGeom prst="line">
-            <a:avLst/>
-          </a:prstGeom>
-          <a:ln w="44450" cap="rnd">
-            <a:solidFill>
-              <a:schemeClr val="accent1"/>
-            </a:solidFill>
-          </a:ln>
-          <a:effectLst>
-            <a:outerShdw blurRad="50800" dist="38100" dir="2700000" algn="tl" rotWithShape="0">
-              <a:prstClr val="black">
-                <a:alpha val="40000"/>
-              </a:prstClr>
-            </a:outerShdw>
-          </a:effectLst>
-        </p:spPr>
-        <p:style>
-          <a:lnRef idx="1">
-            <a:schemeClr val="accent1"/>
-          </a:lnRef>
-          <a:fillRef idx="0">
-            <a:schemeClr val="accent1"/>
-          </a:fillRef>
-          <a:effectRef idx="0">
-            <a:schemeClr val="accent1"/>
-          </a:effectRef>
-          <a:fontRef idx="minor">
-            <a:schemeClr val="tx1"/>
-          </a:fontRef>
-        </p:style>
-      </p:cxnSp>
-      <p:cxnSp>
-        <p:nvCxnSpPr>
-          <p:cNvPr id="23" name="직선 연결선 22"/>
-          <p:cNvCxnSpPr/>
-          <p:nvPr/>
-        </p:nvCxnSpPr>
-        <p:spPr>
-          <a:xfrm>
-            <a:off x="5905416" y="6680199"/>
-            <a:ext cx="360000" cy="0"/>
-          </a:xfrm>
-          <a:prstGeom prst="line">
-            <a:avLst/>
-          </a:prstGeom>
-          <a:ln w="44450" cap="rnd">
-            <a:solidFill>
-              <a:schemeClr val="accent1">
-                <a:lumMod val="50000"/>
-              </a:schemeClr>
-            </a:solidFill>
-          </a:ln>
-          <a:effectLst>
-            <a:outerShdw blurRad="50800" dist="38100" dir="2700000" algn="tl" rotWithShape="0">
-              <a:prstClr val="black">
-                <a:alpha val="40000"/>
-              </a:prstClr>
-            </a:outerShdw>
-          </a:effectLst>
-        </p:spPr>
-        <p:style>
-          <a:lnRef idx="1">
-            <a:schemeClr val="accent1"/>
-          </a:lnRef>
-          <a:fillRef idx="0">
-            <a:schemeClr val="accent1"/>
-          </a:fillRef>
-          <a:effectRef idx="0">
-            <a:schemeClr val="accent1"/>
-          </a:effectRef>
-          <a:fontRef idx="minor">
-            <a:schemeClr val="tx1"/>
-          </a:fontRef>
-        </p:style>
-      </p:cxnSp>
-      <p:cxnSp>
-        <p:nvCxnSpPr>
-          <p:cNvPr id="24" name="직선 연결선 23"/>
-          <p:cNvCxnSpPr/>
-          <p:nvPr/>
-        </p:nvCxnSpPr>
-        <p:spPr>
-          <a:xfrm>
-            <a:off x="6310622" y="6680199"/>
-            <a:ext cx="360000" cy="0"/>
-          </a:xfrm>
-          <a:prstGeom prst="line">
-            <a:avLst/>
-          </a:prstGeom>
-          <a:ln w="44450" cap="rnd">
-            <a:solidFill>
-              <a:schemeClr val="accent1">
-                <a:lumMod val="50000"/>
-              </a:schemeClr>
-            </a:solidFill>
-          </a:ln>
-          <a:effectLst>
-            <a:outerShdw blurRad="50800" dist="38100" dir="2700000" algn="tl" rotWithShape="0">
-              <a:prstClr val="black">
-                <a:alpha val="40000"/>
-              </a:prstClr>
-            </a:outerShdw>
-          </a:effectLst>
-        </p:spPr>
-        <p:style>
-          <a:lnRef idx="1">
-            <a:schemeClr val="accent1"/>
-          </a:lnRef>
-          <a:fillRef idx="0">
-            <a:schemeClr val="accent1"/>
-          </a:fillRef>
-          <a:effectRef idx="0">
-            <a:schemeClr val="accent1"/>
-          </a:effectRef>
-          <a:fontRef idx="minor">
-            <a:schemeClr val="tx1"/>
-          </a:fontRef>
-        </p:style>
-      </p:cxnSp>
-      <p:sp>
-        <p:nvSpPr>
-          <p:cNvPr id="10" name="TextBox 9"/>
-          <p:cNvSpPr txBox="1"/>
-          <p:nvPr/>
-        </p:nvSpPr>
-        <p:spPr>
-          <a:xfrm>
-            <a:off x="9795933" y="446707"/>
-            <a:ext cx="2159000" cy="1384995"/>
-          </a:xfrm>
-          <a:prstGeom prst="rect">
-            <a:avLst/>
-          </a:prstGeom>
-          <a:solidFill>
-            <a:schemeClr val="accent2">
-              <a:lumMod val="40000"/>
-              <a:lumOff val="60000"/>
-              <a:alpha val="18000"/>
-            </a:schemeClr>
-          </a:solidFill>
-          <a:scene3d>
-            <a:camera prst="orthographicFront"/>
-            <a:lightRig rig="threePt" dir="t"/>
-          </a:scene3d>
-          <a:sp3d extrusionH="31750">
-            <a:bevelT w="25400" h="38100"/>
-          </a:sp3d>
-        </p:spPr>
-        <p:txBody>
-          <a:bodyPr wrap="square" rtlCol="0" anchor="t">
-            <a:spAutoFit/>
-          </a:bodyPr>
-          <a:lstStyle/>
-          <a:p>
-            <a:pPr algn="ctr"/>
-            <a:r>
-              <a:rPr lang="en-US" altLang="ko-KR" sz="1400" dirty="0" smtClean="0">
-                <a:solidFill>
-                  <a:schemeClr val="bg1"/>
-                </a:solidFill>
-                <a:effectLst>
-                  <a:outerShdw blurRad="38100" dist="38100" dir="2700000" algn="tl">
-                    <a:srgbClr val="000000">
-                      <a:alpha val="43137"/>
-                    </a:srgbClr>
-                  </a:outerShdw>
-                </a:effectLst>
-                <a:latin typeface="Continuum Light" panose="00000400000000000000" pitchFamily="2" charset="0"/>
-                <a:ea typeface="-윤고딕320" panose="02030504000101010101" pitchFamily="18" charset="-127"/>
-              </a:rPr>
-              <a:t>01 </a:t>
-            </a:r>
-            <a:r>
-              <a:rPr lang="ko-KR" altLang="en-US" sz="1400" dirty="0" smtClean="0">
-                <a:solidFill>
-                  <a:schemeClr val="bg1"/>
-                </a:solidFill>
-                <a:effectLst>
-                  <a:outerShdw blurRad="38100" dist="38100" dir="2700000" algn="tl">
-                    <a:srgbClr val="000000">
-                      <a:alpha val="43137"/>
-                    </a:srgbClr>
-                  </a:outerShdw>
-                </a:effectLst>
-                <a:latin typeface="Continuum Light" panose="00000400000000000000" pitchFamily="2" charset="0"/>
-                <a:ea typeface="-윤고딕320" panose="02030504000101010101" pitchFamily="18" charset="-127"/>
-              </a:rPr>
-              <a:t>기획</a:t>
-            </a:r>
-            <a:endParaRPr lang="en-US" altLang="ko-KR" sz="1400" dirty="0" smtClean="0">
-              <a:solidFill>
-                <a:schemeClr val="bg1"/>
-              </a:solidFill>
-              <a:effectLst>
-                <a:outerShdw blurRad="38100" dist="38100" dir="2700000" algn="tl">
-                  <a:srgbClr val="000000">
-                    <a:alpha val="43137"/>
-                  </a:srgbClr>
-                </a:outerShdw>
-              </a:effectLst>
-              <a:latin typeface="Continuum Light" panose="00000400000000000000" pitchFamily="2" charset="0"/>
-              <a:ea typeface="-윤고딕320" panose="02030504000101010101" pitchFamily="18" charset="-127"/>
-            </a:endParaRPr>
-          </a:p>
-          <a:p>
-            <a:pPr algn="ctr"/>
-            <a:r>
-              <a:rPr lang="ko-KR" altLang="en-US" sz="1400" dirty="0" smtClean="0">
-                <a:solidFill>
-                  <a:schemeClr val="bg1"/>
-                </a:solidFill>
-                <a:effectLst>
-                  <a:outerShdw blurRad="38100" dist="38100" dir="2700000" algn="tl">
-                    <a:srgbClr val="000000">
-                      <a:alpha val="43137"/>
-                    </a:srgbClr>
-                  </a:outerShdw>
-                </a:effectLst>
-                <a:latin typeface="-윤고딕310" panose="02030504000101010101" pitchFamily="18" charset="-127"/>
-                <a:ea typeface="-윤고딕310" panose="02030504000101010101" pitchFamily="18" charset="-127"/>
-              </a:rPr>
-              <a:t>게임 컨셉트</a:t>
-            </a:r>
-            <a:endParaRPr lang="en-US" altLang="ko-KR" sz="1400" dirty="0" smtClean="0">
-              <a:solidFill>
-                <a:schemeClr val="bg1"/>
-              </a:solidFill>
-              <a:effectLst>
-                <a:outerShdw blurRad="38100" dist="38100" dir="2700000" algn="tl">
-                  <a:srgbClr val="000000">
-                    <a:alpha val="43137"/>
-                  </a:srgbClr>
-                </a:outerShdw>
-              </a:effectLst>
-              <a:latin typeface="-윤고딕310" panose="02030504000101010101" pitchFamily="18" charset="-127"/>
-              <a:ea typeface="-윤고딕310" panose="02030504000101010101" pitchFamily="18" charset="-127"/>
-            </a:endParaRPr>
-          </a:p>
-          <a:p>
-            <a:pPr algn="ctr"/>
-            <a:r>
-              <a:rPr lang="ko-KR" altLang="en-US" sz="1400" dirty="0" smtClean="0">
-                <a:solidFill>
-                  <a:schemeClr val="bg1"/>
-                </a:solidFill>
-                <a:effectLst>
-                  <a:outerShdw blurRad="38100" dist="38100" dir="2700000" algn="tl">
-                    <a:srgbClr val="000000">
-                      <a:alpha val="43137"/>
-                    </a:srgbClr>
-                  </a:outerShdw>
-                </a:effectLst>
-                <a:latin typeface="-윤고딕310" panose="02030504000101010101" pitchFamily="18" charset="-127"/>
-                <a:ea typeface="-윤고딕310" panose="02030504000101010101" pitchFamily="18" charset="-127"/>
-              </a:rPr>
-              <a:t>게임 소개 </a:t>
-            </a:r>
-            <a:r>
-              <a:rPr lang="en-US" altLang="ko-KR" sz="1400" dirty="0" smtClean="0">
-                <a:solidFill>
-                  <a:schemeClr val="bg1"/>
-                </a:solidFill>
-                <a:effectLst>
-                  <a:outerShdw blurRad="38100" dist="38100" dir="2700000" algn="tl">
-                    <a:srgbClr val="000000">
-                      <a:alpha val="43137"/>
-                    </a:srgbClr>
-                  </a:outerShdw>
-                </a:effectLst>
-                <a:latin typeface="-윤고딕310" panose="02030504000101010101" pitchFamily="18" charset="-127"/>
-                <a:ea typeface="-윤고딕310" panose="02030504000101010101" pitchFamily="18" charset="-127"/>
-              </a:rPr>
-              <a:t>(</a:t>
-            </a:r>
-            <a:r>
-              <a:rPr lang="ko-KR" altLang="en-US" sz="1400" dirty="0">
-                <a:solidFill>
-                  <a:schemeClr val="bg1"/>
-                </a:solidFill>
-                <a:effectLst>
-                  <a:outerShdw blurRad="38100" dist="38100" dir="2700000" algn="tl">
-                    <a:srgbClr val="000000">
-                      <a:alpha val="43137"/>
-                    </a:srgbClr>
-                  </a:outerShdw>
-                </a:effectLst>
-                <a:latin typeface="-윤고딕310" panose="02030504000101010101" pitchFamily="18" charset="-127"/>
-                <a:ea typeface="-윤고딕310" panose="02030504000101010101" pitchFamily="18" charset="-127"/>
-              </a:rPr>
-              <a:t>세계관</a:t>
-            </a:r>
-            <a:r>
-              <a:rPr lang="en-US" altLang="ko-KR" sz="1400" dirty="0" smtClean="0">
-                <a:solidFill>
-                  <a:schemeClr val="bg1"/>
-                </a:solidFill>
-                <a:effectLst>
-                  <a:outerShdw blurRad="38100" dist="38100" dir="2700000" algn="tl">
-                    <a:srgbClr val="000000">
-                      <a:alpha val="43137"/>
-                    </a:srgbClr>
-                  </a:outerShdw>
-                </a:effectLst>
-                <a:latin typeface="-윤고딕310" panose="02030504000101010101" pitchFamily="18" charset="-127"/>
-                <a:ea typeface="-윤고딕310" panose="02030504000101010101" pitchFamily="18" charset="-127"/>
-              </a:rPr>
-              <a:t>)</a:t>
-            </a:r>
-          </a:p>
-          <a:p>
-            <a:pPr algn="ctr"/>
-            <a:r>
-              <a:rPr lang="ko-KR" altLang="en-US" sz="1400" dirty="0" smtClean="0">
-                <a:solidFill>
-                  <a:schemeClr val="bg1"/>
-                </a:solidFill>
-                <a:effectLst>
-                  <a:outerShdw blurRad="38100" dist="38100" dir="2700000" algn="tl">
-                    <a:srgbClr val="000000">
-                      <a:alpha val="43137"/>
-                    </a:srgbClr>
-                  </a:outerShdw>
-                </a:effectLst>
-                <a:latin typeface="-윤고딕310" panose="02030504000101010101" pitchFamily="18" charset="-127"/>
-                <a:ea typeface="-윤고딕310" panose="02030504000101010101" pitchFamily="18" charset="-127"/>
-              </a:rPr>
-              <a:t>게임 소개 </a:t>
-            </a:r>
-            <a:r>
-              <a:rPr lang="en-US" altLang="ko-KR" sz="1400" dirty="0" smtClean="0">
-                <a:solidFill>
-                  <a:schemeClr val="bg1"/>
-                </a:solidFill>
-                <a:effectLst>
-                  <a:outerShdw blurRad="38100" dist="38100" dir="2700000" algn="tl">
-                    <a:srgbClr val="000000">
-                      <a:alpha val="43137"/>
-                    </a:srgbClr>
-                  </a:outerShdw>
-                </a:effectLst>
-                <a:latin typeface="-윤고딕310" panose="02030504000101010101" pitchFamily="18" charset="-127"/>
-                <a:ea typeface="-윤고딕310" panose="02030504000101010101" pitchFamily="18" charset="-127"/>
-              </a:rPr>
-              <a:t>(</a:t>
-            </a:r>
-            <a:r>
-              <a:rPr lang="ko-KR" altLang="en-US" sz="1400" dirty="0" smtClean="0">
-                <a:solidFill>
-                  <a:schemeClr val="bg1"/>
-                </a:solidFill>
-                <a:effectLst>
-                  <a:outerShdw blurRad="38100" dist="38100" dir="2700000" algn="tl">
-                    <a:srgbClr val="000000">
-                      <a:alpha val="43137"/>
-                    </a:srgbClr>
-                  </a:outerShdw>
-                </a:effectLst>
-                <a:latin typeface="-윤고딕310" panose="02030504000101010101" pitchFamily="18" charset="-127"/>
-                <a:ea typeface="-윤고딕310" panose="02030504000101010101" pitchFamily="18" charset="-127"/>
-              </a:rPr>
-              <a:t>기본 시스템</a:t>
-            </a:r>
-            <a:r>
-              <a:rPr lang="en-US" altLang="ko-KR" sz="1400" dirty="0" smtClean="0">
-                <a:solidFill>
-                  <a:schemeClr val="bg1"/>
-                </a:solidFill>
-                <a:effectLst>
-                  <a:outerShdw blurRad="38100" dist="38100" dir="2700000" algn="tl">
-                    <a:srgbClr val="000000">
-                      <a:alpha val="43137"/>
-                    </a:srgbClr>
-                  </a:outerShdw>
-                </a:effectLst>
-                <a:latin typeface="-윤고딕310" panose="02030504000101010101" pitchFamily="18" charset="-127"/>
-                <a:ea typeface="-윤고딕310" panose="02030504000101010101" pitchFamily="18" charset="-127"/>
-              </a:rPr>
-              <a:t>)</a:t>
-            </a:r>
-          </a:p>
-          <a:p>
-            <a:pPr algn="ctr"/>
-            <a:r>
-              <a:rPr lang="ko-KR" altLang="en-US" sz="1400" dirty="0">
-                <a:solidFill>
-                  <a:schemeClr val="bg1"/>
-                </a:solidFill>
-                <a:effectLst>
-                  <a:glow rad="101600">
-                    <a:schemeClr val="accent2">
-                      <a:satMod val="175000"/>
-                      <a:alpha val="40000"/>
-                    </a:schemeClr>
-                  </a:glow>
-                  <a:outerShdw blurRad="38100" dist="38100" dir="2700000" algn="tl">
-                    <a:srgbClr val="000000">
-                      <a:alpha val="43137"/>
-                    </a:srgbClr>
-                  </a:outerShdw>
-                </a:effectLst>
-                <a:latin typeface="-윤고딕310" panose="02030504000101010101" pitchFamily="18" charset="-127"/>
-                <a:ea typeface="-윤고딕310" panose="02030504000101010101" pitchFamily="18" charset="-127"/>
-              </a:rPr>
-              <a:t>게임 </a:t>
-            </a:r>
-            <a:r>
-              <a:rPr lang="ko-KR" altLang="en-US" sz="1400" dirty="0" smtClean="0">
-                <a:solidFill>
-                  <a:schemeClr val="bg1"/>
-                </a:solidFill>
-                <a:effectLst>
-                  <a:glow rad="101600">
-                    <a:schemeClr val="accent2">
-                      <a:satMod val="175000"/>
-                      <a:alpha val="40000"/>
-                    </a:schemeClr>
-                  </a:glow>
-                  <a:outerShdw blurRad="38100" dist="38100" dir="2700000" algn="tl">
-                    <a:srgbClr val="000000">
-                      <a:alpha val="43137"/>
-                    </a:srgbClr>
-                  </a:outerShdw>
-                </a:effectLst>
-                <a:latin typeface="-윤고딕310" panose="02030504000101010101" pitchFamily="18" charset="-127"/>
-                <a:ea typeface="-윤고딕310" panose="02030504000101010101" pitchFamily="18" charset="-127"/>
-              </a:rPr>
-              <a:t>소개</a:t>
-            </a:r>
-            <a:r>
-              <a:rPr lang="ko-KR" altLang="en-US" sz="1400" dirty="0">
-                <a:solidFill>
-                  <a:schemeClr val="bg1"/>
-                </a:solidFill>
-                <a:effectLst>
-                  <a:glow rad="101600">
-                    <a:schemeClr val="accent2">
-                      <a:satMod val="175000"/>
-                      <a:alpha val="40000"/>
-                    </a:schemeClr>
-                  </a:glow>
-                  <a:outerShdw blurRad="38100" dist="38100" dir="2700000" algn="tl">
-                    <a:srgbClr val="000000">
-                      <a:alpha val="43137"/>
-                    </a:srgbClr>
-                  </a:outerShdw>
-                </a:effectLst>
-                <a:latin typeface="-윤고딕310" panose="02030504000101010101" pitchFamily="18" charset="-127"/>
-                <a:ea typeface="-윤고딕310" panose="02030504000101010101" pitchFamily="18" charset="-127"/>
-              </a:rPr>
-              <a:t> </a:t>
-            </a:r>
-            <a:r>
-              <a:rPr lang="en-US" altLang="ko-KR" sz="1400" dirty="0" smtClean="0">
-                <a:solidFill>
-                  <a:schemeClr val="bg1"/>
-                </a:solidFill>
-                <a:effectLst>
-                  <a:glow rad="101600">
-                    <a:schemeClr val="accent2">
-                      <a:satMod val="175000"/>
-                      <a:alpha val="40000"/>
-                    </a:schemeClr>
-                  </a:glow>
-                  <a:outerShdw blurRad="38100" dist="38100" dir="2700000" algn="tl">
-                    <a:srgbClr val="000000">
-                      <a:alpha val="43137"/>
-                    </a:srgbClr>
-                  </a:outerShdw>
-                </a:effectLst>
-                <a:latin typeface="-윤고딕310" panose="02030504000101010101" pitchFamily="18" charset="-127"/>
-                <a:ea typeface="-윤고딕310" panose="02030504000101010101" pitchFamily="18" charset="-127"/>
-              </a:rPr>
-              <a:t>(</a:t>
-            </a:r>
-            <a:r>
-              <a:rPr lang="ko-KR" altLang="en-US" sz="1400" dirty="0" smtClean="0">
-                <a:solidFill>
-                  <a:schemeClr val="bg1"/>
-                </a:solidFill>
-                <a:effectLst>
-                  <a:glow rad="101600">
-                    <a:schemeClr val="accent2">
-                      <a:satMod val="175000"/>
-                      <a:alpha val="40000"/>
-                    </a:schemeClr>
-                  </a:glow>
-                  <a:outerShdw blurRad="38100" dist="38100" dir="2700000" algn="tl">
-                    <a:srgbClr val="000000">
-                      <a:alpha val="43137"/>
-                    </a:srgbClr>
-                  </a:outerShdw>
-                </a:effectLst>
-                <a:latin typeface="-윤고딕310" panose="02030504000101010101" pitchFamily="18" charset="-127"/>
-                <a:ea typeface="-윤고딕310" panose="02030504000101010101" pitchFamily="18" charset="-127"/>
-              </a:rPr>
-              <a:t>진행 </a:t>
-            </a:r>
-            <a:r>
-              <a:rPr lang="ko-KR" altLang="en-US" sz="1400" dirty="0">
-                <a:solidFill>
-                  <a:schemeClr val="bg1"/>
-                </a:solidFill>
-                <a:effectLst>
-                  <a:glow rad="101600">
-                    <a:schemeClr val="accent2">
-                      <a:satMod val="175000"/>
-                      <a:alpha val="40000"/>
-                    </a:schemeClr>
-                  </a:glow>
-                  <a:outerShdw blurRad="38100" dist="38100" dir="2700000" algn="tl">
-                    <a:srgbClr val="000000">
-                      <a:alpha val="43137"/>
-                    </a:srgbClr>
-                  </a:outerShdw>
-                </a:effectLst>
-                <a:latin typeface="-윤고딕310" panose="02030504000101010101" pitchFamily="18" charset="-127"/>
-                <a:ea typeface="-윤고딕310" panose="02030504000101010101" pitchFamily="18" charset="-127"/>
-              </a:rPr>
-              <a:t>및 조작</a:t>
-            </a:r>
-            <a:r>
-              <a:rPr lang="en-US" altLang="ko-KR" sz="1400" dirty="0" smtClean="0">
-                <a:solidFill>
-                  <a:schemeClr val="bg1"/>
-                </a:solidFill>
-                <a:effectLst>
-                  <a:glow rad="101600">
-                    <a:schemeClr val="accent2">
-                      <a:satMod val="175000"/>
-                      <a:alpha val="40000"/>
-                    </a:schemeClr>
-                  </a:glow>
-                  <a:outerShdw blurRad="38100" dist="38100" dir="2700000" algn="tl">
-                    <a:srgbClr val="000000">
-                      <a:alpha val="43137"/>
-                    </a:srgbClr>
-                  </a:outerShdw>
-                </a:effectLst>
-                <a:latin typeface="-윤고딕310" panose="02030504000101010101" pitchFamily="18" charset="-127"/>
-                <a:ea typeface="-윤고딕310" panose="02030504000101010101" pitchFamily="18" charset="-127"/>
-              </a:rPr>
-              <a:t>)</a:t>
-            </a:r>
-          </a:p>
-          <a:p>
-            <a:pPr algn="ctr"/>
-            <a:r>
-              <a:rPr lang="ko-KR" altLang="en-US" sz="1400" dirty="0" smtClean="0">
-                <a:solidFill>
-                  <a:schemeClr val="bg1"/>
-                </a:solidFill>
-                <a:effectLst>
-                  <a:outerShdw blurRad="38100" dist="38100" dir="2700000" algn="tl">
-                    <a:srgbClr val="000000">
-                      <a:alpha val="43137"/>
-                    </a:srgbClr>
-                  </a:outerShdw>
-                </a:effectLst>
-                <a:latin typeface="-윤고딕310" panose="02030504000101010101" pitchFamily="18" charset="-127"/>
-                <a:ea typeface="-윤고딕310" panose="02030504000101010101" pitchFamily="18" charset="-127"/>
-              </a:rPr>
-              <a:t>게임 소개 </a:t>
-            </a:r>
-            <a:r>
-              <a:rPr lang="en-US" altLang="ko-KR" sz="1400" dirty="0" smtClean="0">
-                <a:solidFill>
-                  <a:schemeClr val="bg1"/>
-                </a:solidFill>
-                <a:effectLst>
-                  <a:outerShdw blurRad="38100" dist="38100" dir="2700000" algn="tl">
-                    <a:srgbClr val="000000">
-                      <a:alpha val="43137"/>
-                    </a:srgbClr>
-                  </a:outerShdw>
-                </a:effectLst>
-                <a:latin typeface="-윤고딕310" panose="02030504000101010101" pitchFamily="18" charset="-127"/>
-                <a:ea typeface="-윤고딕310" panose="02030504000101010101" pitchFamily="18" charset="-127"/>
-              </a:rPr>
-              <a:t>(</a:t>
-            </a:r>
-            <a:r>
-              <a:rPr lang="ko-KR" altLang="en-US" sz="1400" dirty="0" smtClean="0">
-                <a:solidFill>
-                  <a:schemeClr val="bg1"/>
-                </a:solidFill>
-                <a:effectLst>
-                  <a:outerShdw blurRad="38100" dist="38100" dir="2700000" algn="tl">
-                    <a:srgbClr val="000000">
-                      <a:alpha val="43137"/>
-                    </a:srgbClr>
-                  </a:outerShdw>
-                </a:effectLst>
-                <a:latin typeface="-윤고딕310" panose="02030504000101010101" pitchFamily="18" charset="-127"/>
-                <a:ea typeface="-윤고딕310" panose="02030504000101010101" pitchFamily="18" charset="-127"/>
-              </a:rPr>
-              <a:t>전투</a:t>
-            </a:r>
-            <a:r>
-              <a:rPr lang="en-US" altLang="ko-KR" sz="1400" dirty="0" smtClean="0">
-                <a:solidFill>
-                  <a:schemeClr val="bg1"/>
-                </a:solidFill>
-                <a:effectLst>
-                  <a:outerShdw blurRad="38100" dist="38100" dir="2700000" algn="tl">
-                    <a:srgbClr val="000000">
-                      <a:alpha val="43137"/>
-                    </a:srgbClr>
-                  </a:outerShdw>
-                </a:effectLst>
-                <a:latin typeface="-윤고딕310" panose="02030504000101010101" pitchFamily="18" charset="-127"/>
-                <a:ea typeface="-윤고딕310" panose="02030504000101010101" pitchFamily="18" charset="-127"/>
-              </a:rPr>
-              <a:t>)</a:t>
-            </a:r>
-            <a:endParaRPr lang="en-US" altLang="ko-KR" sz="1400" dirty="0">
-              <a:solidFill>
-                <a:schemeClr val="bg1"/>
-              </a:solidFill>
-              <a:effectLst>
-                <a:outerShdw blurRad="38100" dist="38100" dir="2700000" algn="tl">
-                  <a:srgbClr val="000000">
-                    <a:alpha val="43137"/>
-                  </a:srgbClr>
-                </a:outerShdw>
-              </a:effectLst>
-              <a:latin typeface="-윤고딕310" panose="02030504000101010101" pitchFamily="18" charset="-127"/>
-              <a:ea typeface="-윤고딕310" panose="02030504000101010101" pitchFamily="18" charset="-127"/>
-            </a:endParaRPr>
-          </a:p>
-        </p:txBody>
-      </p:sp>
-      <p:graphicFrame>
-        <p:nvGraphicFramePr>
-          <p:cNvPr id="9" name="표 8"/>
-          <p:cNvGraphicFramePr>
-            <a:graphicFrameLocks noGrp="1"/>
-          </p:cNvGraphicFramePr>
-          <p:nvPr>
-            <p:extLst>
-              <p:ext uri="{D42A27DB-BD31-4B8C-83A1-F6EECF244321}">
-                <p14:modId xmlns:p14="http://schemas.microsoft.com/office/powerpoint/2010/main" val="3294810584"/>
-              </p:ext>
-            </p:extLst>
-          </p:nvPr>
-        </p:nvGraphicFramePr>
-        <p:xfrm>
-          <a:off x="708025" y="4815416"/>
-          <a:ext cx="8128000" cy="741680"/>
-        </p:xfrm>
-        <a:graphic>
-          <a:graphicData uri="http://schemas.openxmlformats.org/drawingml/2006/table">
-            <a:tbl>
-              <a:tblPr firstRow="1" bandRow="1">
-                <a:tableStyleId>{073A0DAA-6AF3-43AB-8588-CEC1D06C72B9}</a:tableStyleId>
-              </a:tblPr>
-              <a:tblGrid>
-                <a:gridCol w="2032000"/>
-                <a:gridCol w="2032000"/>
-                <a:gridCol w="2032000"/>
-                <a:gridCol w="2032000"/>
-              </a:tblGrid>
-              <a:tr h="370840">
-                <a:tc>
-                  <a:txBody>
-                    <a:bodyPr/>
-                    <a:lstStyle/>
-                    <a:p>
-                      <a:pPr algn="ctr" latinLnBrk="1"/>
-                      <a:r>
-                        <a:rPr lang="ko-KR" altLang="en-US" sz="1300" dirty="0" smtClean="0">
-                          <a:effectLst>
-                            <a:outerShdw blurRad="38100" dist="38100" dir="2700000" algn="tl">
-                              <a:srgbClr val="000000">
-                                <a:alpha val="43137"/>
-                              </a:srgbClr>
-                            </a:outerShdw>
-                          </a:effectLst>
-                        </a:rPr>
-                        <a:t>도착 시</a:t>
-                      </a:r>
-                      <a:endParaRPr lang="ko-KR" altLang="en-US" sz="1300" dirty="0">
-                        <a:effectLst>
-                          <a:outerShdw blurRad="38100" dist="38100" dir="2700000" algn="tl">
-                            <a:srgbClr val="000000">
-                              <a:alpha val="43137"/>
-                            </a:srgbClr>
-                          </a:outerShdw>
-                        </a:effectLst>
-                      </a:endParaRPr>
-                    </a:p>
-                  </a:txBody>
-                  <a:tcPr anchor="ctr"/>
-                </a:tc>
-                <a:tc>
-                  <a:txBody>
-                    <a:bodyPr/>
-                    <a:lstStyle/>
-                    <a:p>
-                      <a:pPr algn="ctr" latinLnBrk="1"/>
-                      <a:r>
-                        <a:rPr lang="ko-KR" altLang="en-US" sz="1300" dirty="0" smtClean="0">
-                          <a:effectLst>
-                            <a:outerShdw blurRad="38100" dist="38100" dir="2700000" algn="tl">
-                              <a:srgbClr val="000000">
-                                <a:alpha val="43137"/>
-                              </a:srgbClr>
-                            </a:outerShdw>
-                          </a:effectLst>
-                        </a:rPr>
-                        <a:t>우주 항해</a:t>
-                      </a:r>
-                      <a:endParaRPr lang="ko-KR" altLang="en-US" sz="1300" dirty="0">
-                        <a:effectLst>
-                          <a:outerShdw blurRad="38100" dist="38100" dir="2700000" algn="tl">
-                            <a:srgbClr val="000000">
-                              <a:alpha val="43137"/>
-                            </a:srgbClr>
-                          </a:outerShdw>
-                        </a:effectLst>
-                      </a:endParaRPr>
-                    </a:p>
-                  </a:txBody>
-                  <a:tcPr anchor="ctr"/>
-                </a:tc>
-                <a:tc>
-                  <a:txBody>
-                    <a:bodyPr/>
-                    <a:lstStyle/>
-                    <a:p>
-                      <a:pPr algn="ctr" latinLnBrk="1"/>
-                      <a:r>
-                        <a:rPr lang="ko-KR" altLang="en-US" sz="1300" dirty="0" smtClean="0">
-                          <a:effectLst>
-                            <a:outerShdw blurRad="38100" dist="38100" dir="2700000" algn="tl">
-                              <a:srgbClr val="000000">
-                                <a:alpha val="43137"/>
-                              </a:srgbClr>
-                            </a:outerShdw>
-                          </a:effectLst>
-                        </a:rPr>
-                        <a:t>탐사</a:t>
-                      </a:r>
-                      <a:endParaRPr lang="ko-KR" altLang="en-US" sz="1300" dirty="0">
-                        <a:effectLst>
-                          <a:outerShdw blurRad="38100" dist="38100" dir="2700000" algn="tl">
-                            <a:srgbClr val="000000">
-                              <a:alpha val="43137"/>
-                            </a:srgbClr>
-                          </a:outerShdw>
-                        </a:effectLst>
-                      </a:endParaRPr>
-                    </a:p>
-                  </a:txBody>
-                  <a:tcPr anchor="ctr"/>
-                </a:tc>
-                <a:tc>
-                  <a:txBody>
-                    <a:bodyPr/>
-                    <a:lstStyle/>
-                    <a:p>
-                      <a:pPr algn="ctr" latinLnBrk="1"/>
-                      <a:r>
-                        <a:rPr lang="ko-KR" altLang="en-US" sz="1300" dirty="0" smtClean="0">
-                          <a:effectLst>
-                            <a:outerShdw blurRad="38100" dist="38100" dir="2700000" algn="tl">
-                              <a:srgbClr val="000000">
-                                <a:alpha val="43137"/>
-                              </a:srgbClr>
-                            </a:outerShdw>
-                          </a:effectLst>
-                        </a:rPr>
-                        <a:t>퀘스트</a:t>
-                      </a:r>
-                      <a:endParaRPr lang="ko-KR" altLang="en-US" sz="1300" dirty="0">
-                        <a:effectLst>
-                          <a:outerShdw blurRad="38100" dist="38100" dir="2700000" algn="tl">
-                            <a:srgbClr val="000000">
-                              <a:alpha val="43137"/>
-                            </a:srgbClr>
-                          </a:outerShdw>
-                        </a:effectLst>
-                      </a:endParaRPr>
-                    </a:p>
-                  </a:txBody>
-                  <a:tcPr anchor="ctr"/>
-                </a:tc>
-              </a:tr>
-              <a:tr h="370840">
-                <a:tc>
-                  <a:txBody>
-                    <a:bodyPr/>
-                    <a:lstStyle/>
-                    <a:p>
-                      <a:pPr algn="ctr" latinLnBrk="1"/>
-                      <a:r>
-                        <a:rPr lang="en-US" altLang="ko-KR" sz="1300" dirty="0" smtClean="0">
-                          <a:effectLst>
-                            <a:outerShdw blurRad="38100" dist="38100" dir="2700000" algn="tl">
-                              <a:srgbClr val="000000">
-                                <a:alpha val="43137"/>
-                              </a:srgbClr>
-                            </a:outerShdw>
-                          </a:effectLst>
-                        </a:rPr>
-                        <a:t>5</a:t>
-                      </a:r>
-                      <a:endParaRPr lang="ko-KR" altLang="en-US" sz="1300" dirty="0">
-                        <a:effectLst>
-                          <a:outerShdw blurRad="38100" dist="38100" dir="2700000" algn="tl">
-                            <a:srgbClr val="000000">
-                              <a:alpha val="43137"/>
-                            </a:srgbClr>
-                          </a:outerShdw>
-                        </a:effectLst>
-                      </a:endParaRPr>
-                    </a:p>
-                  </a:txBody>
-                  <a:tcPr anchor="ctr"/>
-                </a:tc>
-                <a:tc>
-                  <a:txBody>
-                    <a:bodyPr/>
-                    <a:lstStyle/>
-                    <a:p>
-                      <a:pPr algn="ctr" latinLnBrk="1"/>
-                      <a:r>
-                        <a:rPr lang="en-US" altLang="ko-KR" sz="1300" dirty="0" smtClean="0">
-                          <a:effectLst>
-                            <a:outerShdw blurRad="38100" dist="38100" dir="2700000" algn="tl">
-                              <a:srgbClr val="000000">
-                                <a:alpha val="43137"/>
-                              </a:srgbClr>
-                            </a:outerShdw>
-                          </a:effectLst>
-                        </a:rPr>
-                        <a:t>5</a:t>
-                      </a:r>
-                      <a:endParaRPr lang="ko-KR" altLang="en-US" sz="1300" dirty="0">
-                        <a:effectLst>
-                          <a:outerShdw blurRad="38100" dist="38100" dir="2700000" algn="tl">
-                            <a:srgbClr val="000000">
-                              <a:alpha val="43137"/>
-                            </a:srgbClr>
-                          </a:outerShdw>
-                        </a:effectLst>
-                      </a:endParaRPr>
-                    </a:p>
-                  </a:txBody>
-                  <a:tcPr anchor="ctr"/>
-                </a:tc>
-                <a:tc>
-                  <a:txBody>
-                    <a:bodyPr/>
-                    <a:lstStyle/>
-                    <a:p>
-                      <a:pPr algn="ctr" latinLnBrk="1"/>
-                      <a:r>
-                        <a:rPr lang="en-US" altLang="ko-KR" sz="1300" dirty="0" smtClean="0">
-                          <a:effectLst>
-                            <a:outerShdw blurRad="38100" dist="38100" dir="2700000" algn="tl">
-                              <a:srgbClr val="000000">
-                                <a:alpha val="43137"/>
-                              </a:srgbClr>
-                            </a:outerShdw>
-                          </a:effectLst>
-                        </a:rPr>
-                        <a:t>20</a:t>
-                      </a:r>
-                      <a:endParaRPr lang="ko-KR" altLang="en-US" sz="1300" dirty="0">
-                        <a:effectLst>
-                          <a:outerShdw blurRad="38100" dist="38100" dir="2700000" algn="tl">
-                            <a:srgbClr val="000000">
-                              <a:alpha val="43137"/>
-                            </a:srgbClr>
-                          </a:outerShdw>
-                        </a:effectLst>
-                      </a:endParaRPr>
-                    </a:p>
-                  </a:txBody>
-                  <a:tcPr anchor="ctr"/>
-                </a:tc>
-                <a:tc>
-                  <a:txBody>
-                    <a:bodyPr/>
-                    <a:lstStyle/>
-                    <a:p>
-                      <a:pPr algn="ctr" latinLnBrk="1"/>
-                      <a:r>
-                        <a:rPr lang="en-US" altLang="ko-KR" sz="1300" dirty="0" smtClean="0">
-                          <a:effectLst>
-                            <a:outerShdw blurRad="38100" dist="38100" dir="2700000" algn="tl">
-                              <a:srgbClr val="000000">
-                                <a:alpha val="43137"/>
-                              </a:srgbClr>
-                            </a:outerShdw>
-                          </a:effectLst>
-                        </a:rPr>
-                        <a:t>4</a:t>
-                      </a:r>
-                      <a:endParaRPr lang="ko-KR" altLang="en-US" sz="1300" dirty="0">
-                        <a:effectLst>
-                          <a:outerShdw blurRad="38100" dist="38100" dir="2700000" algn="tl">
-                            <a:srgbClr val="000000">
-                              <a:alpha val="43137"/>
-                            </a:srgbClr>
-                          </a:outerShdw>
-                        </a:effectLst>
-                      </a:endParaRPr>
-                    </a:p>
-                  </a:txBody>
-                  <a:tcPr anchor="ctr"/>
-                </a:tc>
-              </a:tr>
-            </a:tbl>
-          </a:graphicData>
-        </a:graphic>
-      </p:graphicFrame>
       <p:grpSp>
         <p:nvGrpSpPr>
           <p:cNvPr id="37" name="그룹 36"/>
@@ -24476,43 +23424,6 @@
           </a:p>
         </p:txBody>
       </p:sp>
-    </p:spTree>
-    <p:extLst>
-      <p:ext uri="{BB962C8B-B14F-4D97-AF65-F5344CB8AC3E}">
-        <p14:creationId xmlns:p14="http://schemas.microsoft.com/office/powerpoint/2010/main" val="793293256"/>
-      </p:ext>
-    </p:extLst>
-  </p:cSld>
-  <p:clrMapOvr>
-    <a:masterClrMapping/>
-  </p:clrMapOvr>
-  <p:timing>
-    <p:tnLst>
-      <p:par>
-        <p:cTn id="1" dur="indefinite" restart="never" nodeType="tmRoot"/>
-      </p:par>
-    </p:tnLst>
-  </p:timing>
-</p:sld>
-</file>
-
-<file path=ppt/slides/slide14.xml><?xml version="1.0" encoding="utf-8"?>
-<p:sld xmlns:a="http://schemas.openxmlformats.org/drawingml/2006/main" xmlns:r="http://schemas.openxmlformats.org/officeDocument/2006/relationships" xmlns:p="http://schemas.openxmlformats.org/presentationml/2006/main">
-  <p:cSld>
-    <p:spTree>
-      <p:nvGrpSpPr>
-        <p:cNvPr id="1" name=""/>
-        <p:cNvGrpSpPr/>
-        <p:nvPr/>
-      </p:nvGrpSpPr>
-      <p:grpSpPr>
-        <a:xfrm>
-          <a:off x="0" y="0"/>
-          <a:ext cx="0" cy="0"/>
-          <a:chOff x="0" y="0"/>
-          <a:chExt cx="0" cy="0"/>
-        </a:xfrm>
-      </p:grpSpPr>
       <p:sp>
         <p:nvSpPr>
           <p:cNvPr id="4" name="TextBox 3"/>
@@ -25279,6 +24190,1095 @@
           </a:p>
         </p:txBody>
       </p:sp>
+      <p:graphicFrame>
+        <p:nvGraphicFramePr>
+          <p:cNvPr id="9" name="표 8"/>
+          <p:cNvGraphicFramePr>
+            <a:graphicFrameLocks noGrp="1"/>
+          </p:cNvGraphicFramePr>
+          <p:nvPr>
+            <p:extLst>
+              <p:ext uri="{D42A27DB-BD31-4B8C-83A1-F6EECF244321}">
+                <p14:modId xmlns:p14="http://schemas.microsoft.com/office/powerpoint/2010/main" val="1143431843"/>
+              </p:ext>
+            </p:extLst>
+          </p:nvPr>
+        </p:nvGraphicFramePr>
+        <p:xfrm>
+          <a:off x="708025" y="4815416"/>
+          <a:ext cx="8128000" cy="741680"/>
+        </p:xfrm>
+        <a:graphic>
+          <a:graphicData uri="http://schemas.openxmlformats.org/drawingml/2006/table">
+            <a:tbl>
+              <a:tblPr firstRow="1" bandRow="1">
+                <a:tableStyleId>{073A0DAA-6AF3-43AB-8588-CEC1D06C72B9}</a:tableStyleId>
+              </a:tblPr>
+              <a:tblGrid>
+                <a:gridCol w="2032000"/>
+                <a:gridCol w="2032000"/>
+                <a:gridCol w="2032000"/>
+                <a:gridCol w="2032000"/>
+              </a:tblGrid>
+              <a:tr h="370840">
+                <a:tc>
+                  <a:txBody>
+                    <a:bodyPr/>
+                    <a:lstStyle/>
+                    <a:p>
+                      <a:pPr algn="ctr" latinLnBrk="1"/>
+                      <a:r>
+                        <a:rPr lang="ko-KR" altLang="en-US" sz="1300" dirty="0" smtClean="0">
+                          <a:effectLst>
+                            <a:outerShdw blurRad="38100" dist="38100" dir="2700000" algn="tl">
+                              <a:srgbClr val="000000">
+                                <a:alpha val="43137"/>
+                              </a:srgbClr>
+                            </a:outerShdw>
+                          </a:effectLst>
+                        </a:rPr>
+                        <a:t>도착 시</a:t>
+                      </a:r>
+                      <a:endParaRPr lang="ko-KR" altLang="en-US" sz="1300" dirty="0">
+                        <a:effectLst>
+                          <a:outerShdw blurRad="38100" dist="38100" dir="2700000" algn="tl">
+                            <a:srgbClr val="000000">
+                              <a:alpha val="43137"/>
+                            </a:srgbClr>
+                          </a:outerShdw>
+                        </a:effectLst>
+                      </a:endParaRPr>
+                    </a:p>
+                  </a:txBody>
+                  <a:tcPr anchor="ctr"/>
+                </a:tc>
+                <a:tc>
+                  <a:txBody>
+                    <a:bodyPr/>
+                    <a:lstStyle/>
+                    <a:p>
+                      <a:pPr algn="ctr" latinLnBrk="1"/>
+                      <a:r>
+                        <a:rPr lang="ko-KR" altLang="en-US" sz="1300" dirty="0" smtClean="0">
+                          <a:effectLst>
+                            <a:outerShdw blurRad="38100" dist="38100" dir="2700000" algn="tl">
+                              <a:srgbClr val="000000">
+                                <a:alpha val="43137"/>
+                              </a:srgbClr>
+                            </a:outerShdw>
+                          </a:effectLst>
+                        </a:rPr>
+                        <a:t>우주 항해</a:t>
+                      </a:r>
+                      <a:endParaRPr lang="ko-KR" altLang="en-US" sz="1300" dirty="0">
+                        <a:effectLst>
+                          <a:outerShdw blurRad="38100" dist="38100" dir="2700000" algn="tl">
+                            <a:srgbClr val="000000">
+                              <a:alpha val="43137"/>
+                            </a:srgbClr>
+                          </a:outerShdw>
+                        </a:effectLst>
+                      </a:endParaRPr>
+                    </a:p>
+                  </a:txBody>
+                  <a:tcPr anchor="ctr"/>
+                </a:tc>
+                <a:tc>
+                  <a:txBody>
+                    <a:bodyPr/>
+                    <a:lstStyle/>
+                    <a:p>
+                      <a:pPr algn="ctr" latinLnBrk="1"/>
+                      <a:r>
+                        <a:rPr lang="ko-KR" altLang="en-US" sz="1300" dirty="0" smtClean="0">
+                          <a:effectLst>
+                            <a:outerShdw blurRad="38100" dist="38100" dir="2700000" algn="tl">
+                              <a:srgbClr val="000000">
+                                <a:alpha val="43137"/>
+                              </a:srgbClr>
+                            </a:outerShdw>
+                          </a:effectLst>
+                        </a:rPr>
+                        <a:t>탐사</a:t>
+                      </a:r>
+                      <a:endParaRPr lang="ko-KR" altLang="en-US" sz="1300" dirty="0">
+                        <a:effectLst>
+                          <a:outerShdw blurRad="38100" dist="38100" dir="2700000" algn="tl">
+                            <a:srgbClr val="000000">
+                              <a:alpha val="43137"/>
+                            </a:srgbClr>
+                          </a:outerShdw>
+                        </a:effectLst>
+                      </a:endParaRPr>
+                    </a:p>
+                  </a:txBody>
+                  <a:tcPr anchor="ctr"/>
+                </a:tc>
+                <a:tc>
+                  <a:txBody>
+                    <a:bodyPr/>
+                    <a:lstStyle/>
+                    <a:p>
+                      <a:pPr algn="ctr" latinLnBrk="1"/>
+                      <a:r>
+                        <a:rPr lang="ko-KR" altLang="en-US" sz="1300" dirty="0" smtClean="0">
+                          <a:effectLst>
+                            <a:outerShdw blurRad="38100" dist="38100" dir="2700000" algn="tl">
+                              <a:srgbClr val="000000">
+                                <a:alpha val="43137"/>
+                              </a:srgbClr>
+                            </a:outerShdw>
+                          </a:effectLst>
+                        </a:rPr>
+                        <a:t>퀘스트</a:t>
+                      </a:r>
+                      <a:endParaRPr lang="ko-KR" altLang="en-US" sz="1300" dirty="0">
+                        <a:effectLst>
+                          <a:outerShdw blurRad="38100" dist="38100" dir="2700000" algn="tl">
+                            <a:srgbClr val="000000">
+                              <a:alpha val="43137"/>
+                            </a:srgbClr>
+                          </a:outerShdw>
+                        </a:effectLst>
+                      </a:endParaRPr>
+                    </a:p>
+                  </a:txBody>
+                  <a:tcPr anchor="ctr"/>
+                </a:tc>
+              </a:tr>
+              <a:tr h="370840">
+                <a:tc>
+                  <a:txBody>
+                    <a:bodyPr/>
+                    <a:lstStyle/>
+                    <a:p>
+                      <a:pPr algn="ctr" latinLnBrk="1"/>
+                      <a:r>
+                        <a:rPr lang="en-US" altLang="ko-KR" sz="1300" dirty="0" smtClean="0">
+                          <a:effectLst>
+                            <a:outerShdw blurRad="38100" dist="38100" dir="2700000" algn="tl">
+                              <a:srgbClr val="000000">
+                                <a:alpha val="43137"/>
+                              </a:srgbClr>
+                            </a:outerShdw>
+                          </a:effectLst>
+                        </a:rPr>
+                        <a:t>8</a:t>
+                      </a:r>
+                      <a:endParaRPr lang="ko-KR" altLang="en-US" sz="1300" dirty="0">
+                        <a:effectLst>
+                          <a:outerShdw blurRad="38100" dist="38100" dir="2700000" algn="tl">
+                            <a:srgbClr val="000000">
+                              <a:alpha val="43137"/>
+                            </a:srgbClr>
+                          </a:outerShdw>
+                        </a:effectLst>
+                      </a:endParaRPr>
+                    </a:p>
+                  </a:txBody>
+                  <a:tcPr anchor="ctr"/>
+                </a:tc>
+                <a:tc>
+                  <a:txBody>
+                    <a:bodyPr/>
+                    <a:lstStyle/>
+                    <a:p>
+                      <a:pPr algn="ctr" latinLnBrk="1"/>
+                      <a:r>
+                        <a:rPr lang="en-US" altLang="ko-KR" sz="1300" dirty="0" smtClean="0">
+                          <a:effectLst>
+                            <a:outerShdw blurRad="38100" dist="38100" dir="2700000" algn="tl">
+                              <a:srgbClr val="000000">
+                                <a:alpha val="43137"/>
+                              </a:srgbClr>
+                            </a:outerShdw>
+                          </a:effectLst>
+                        </a:rPr>
+                        <a:t>8</a:t>
+                      </a:r>
+                      <a:endParaRPr lang="ko-KR" altLang="en-US" sz="1300" dirty="0">
+                        <a:effectLst>
+                          <a:outerShdw blurRad="38100" dist="38100" dir="2700000" algn="tl">
+                            <a:srgbClr val="000000">
+                              <a:alpha val="43137"/>
+                            </a:srgbClr>
+                          </a:outerShdw>
+                        </a:effectLst>
+                      </a:endParaRPr>
+                    </a:p>
+                  </a:txBody>
+                  <a:tcPr anchor="ctr"/>
+                </a:tc>
+                <a:tc>
+                  <a:txBody>
+                    <a:bodyPr/>
+                    <a:lstStyle/>
+                    <a:p>
+                      <a:pPr algn="ctr" latinLnBrk="1"/>
+                      <a:r>
+                        <a:rPr lang="en-US" altLang="ko-KR" sz="1300" dirty="0" smtClean="0">
+                          <a:effectLst>
+                            <a:outerShdw blurRad="38100" dist="38100" dir="2700000" algn="tl">
+                              <a:srgbClr val="000000">
+                                <a:alpha val="43137"/>
+                              </a:srgbClr>
+                            </a:outerShdw>
+                          </a:effectLst>
+                        </a:rPr>
+                        <a:t>20</a:t>
+                      </a:r>
+                      <a:endParaRPr lang="ko-KR" altLang="en-US" sz="1300" dirty="0">
+                        <a:effectLst>
+                          <a:outerShdw blurRad="38100" dist="38100" dir="2700000" algn="tl">
+                            <a:srgbClr val="000000">
+                              <a:alpha val="43137"/>
+                            </a:srgbClr>
+                          </a:outerShdw>
+                        </a:effectLst>
+                      </a:endParaRPr>
+                    </a:p>
+                  </a:txBody>
+                  <a:tcPr anchor="ctr"/>
+                </a:tc>
+                <a:tc>
+                  <a:txBody>
+                    <a:bodyPr/>
+                    <a:lstStyle/>
+                    <a:p>
+                      <a:pPr algn="ctr" latinLnBrk="1"/>
+                      <a:r>
+                        <a:rPr lang="en-US" altLang="ko-KR" sz="1300" dirty="0" smtClean="0">
+                          <a:effectLst>
+                            <a:outerShdw blurRad="38100" dist="38100" dir="2700000" algn="tl">
+                              <a:srgbClr val="000000">
+                                <a:alpha val="43137"/>
+                              </a:srgbClr>
+                            </a:outerShdw>
+                          </a:effectLst>
+                        </a:rPr>
+                        <a:t>4</a:t>
+                      </a:r>
+                      <a:endParaRPr lang="ko-KR" altLang="en-US" sz="1300" dirty="0">
+                        <a:effectLst>
+                          <a:outerShdw blurRad="38100" dist="38100" dir="2700000" algn="tl">
+                            <a:srgbClr val="000000">
+                              <a:alpha val="43137"/>
+                            </a:srgbClr>
+                          </a:outerShdw>
+                        </a:effectLst>
+                      </a:endParaRPr>
+                    </a:p>
+                  </a:txBody>
+                  <a:tcPr anchor="ctr"/>
+                </a:tc>
+              </a:tr>
+            </a:tbl>
+          </a:graphicData>
+        </a:graphic>
+      </p:graphicFrame>
+    </p:spTree>
+    <p:extLst>
+      <p:ext uri="{BB962C8B-B14F-4D97-AF65-F5344CB8AC3E}">
+        <p14:creationId xmlns:p14="http://schemas.microsoft.com/office/powerpoint/2010/main" val="793293256"/>
+      </p:ext>
+    </p:extLst>
+  </p:cSld>
+  <p:clrMapOvr>
+    <a:masterClrMapping/>
+  </p:clrMapOvr>
+  <p:timing>
+    <p:tnLst>
+      <p:par>
+        <p:cTn id="1" dur="indefinite" restart="never" nodeType="tmRoot"/>
+      </p:par>
+    </p:tnLst>
+  </p:timing>
+</p:sld>
+</file>
+
+<file path=ppt/slides/slide14.xml><?xml version="1.0" encoding="utf-8"?>
+<p:sld xmlns:a="http://schemas.openxmlformats.org/drawingml/2006/main" xmlns:r="http://schemas.openxmlformats.org/officeDocument/2006/relationships" xmlns:p="http://schemas.openxmlformats.org/presentationml/2006/main">
+  <p:cSld>
+    <p:spTree>
+      <p:nvGrpSpPr>
+        <p:cNvPr id="1" name=""/>
+        <p:cNvGrpSpPr/>
+        <p:nvPr/>
+      </p:nvGrpSpPr>
+      <p:grpSpPr>
+        <a:xfrm>
+          <a:off x="0" y="0"/>
+          <a:ext cx="0" cy="0"/>
+          <a:chOff x="0" y="0"/>
+          <a:chExt cx="0" cy="0"/>
+        </a:xfrm>
+      </p:grpSpPr>
+      <p:sp>
+        <p:nvSpPr>
+          <p:cNvPr id="4" name="TextBox 3"/>
+          <p:cNvSpPr txBox="1"/>
+          <p:nvPr/>
+        </p:nvSpPr>
+        <p:spPr>
+          <a:xfrm>
+            <a:off x="117687" y="446707"/>
+            <a:ext cx="5453380" cy="523220"/>
+          </a:xfrm>
+          <a:prstGeom prst="rect">
+            <a:avLst/>
+          </a:prstGeom>
+          <a:noFill/>
+        </p:spPr>
+        <p:txBody>
+          <a:bodyPr wrap="square" rtlCol="0">
+            <a:spAutoFit/>
+          </a:bodyPr>
+          <a:lstStyle/>
+          <a:p>
+            <a:r>
+              <a:rPr lang="en-US" altLang="ko-KR" sz="2800" dirty="0">
+                <a:solidFill>
+                  <a:schemeClr val="bg1"/>
+                </a:solidFill>
+                <a:effectLst>
+                  <a:outerShdw blurRad="38100" dist="38100" dir="2700000" algn="tl">
+                    <a:srgbClr val="000000">
+                      <a:alpha val="43137"/>
+                    </a:srgbClr>
+                  </a:outerShdw>
+                </a:effectLst>
+                <a:latin typeface="-윤고딕320" panose="02030504000101010101" pitchFamily="18" charset="-127"/>
+                <a:ea typeface="-윤고딕320" panose="02030504000101010101" pitchFamily="18" charset="-127"/>
+              </a:rPr>
+              <a:t> </a:t>
+            </a:r>
+            <a:r>
+              <a:rPr lang="en-US" altLang="ko-KR" sz="2800" dirty="0" smtClean="0">
+                <a:solidFill>
+                  <a:schemeClr val="bg1"/>
+                </a:solidFill>
+                <a:effectLst>
+                  <a:outerShdw blurRad="38100" dist="38100" dir="2700000" algn="tl">
+                    <a:srgbClr val="000000">
+                      <a:alpha val="43137"/>
+                    </a:srgbClr>
+                  </a:outerShdw>
+                </a:effectLst>
+                <a:latin typeface="-윤고딕320" panose="02030504000101010101" pitchFamily="18" charset="-127"/>
+                <a:ea typeface="-윤고딕320" panose="02030504000101010101" pitchFamily="18" charset="-127"/>
+              </a:rPr>
+              <a:t> </a:t>
+            </a:r>
+            <a:r>
+              <a:rPr lang="ko-KR" altLang="en-US" sz="2800" dirty="0" smtClean="0">
+                <a:solidFill>
+                  <a:schemeClr val="bg1"/>
+                </a:solidFill>
+                <a:effectLst>
+                  <a:outerShdw blurRad="38100" dist="38100" dir="2700000" algn="tl">
+                    <a:srgbClr val="000000">
+                      <a:alpha val="43137"/>
+                    </a:srgbClr>
+                  </a:outerShdw>
+                </a:effectLst>
+                <a:latin typeface="-윤고딕320" panose="02030504000101010101" pitchFamily="18" charset="-127"/>
+                <a:ea typeface="-윤고딕320" panose="02030504000101010101" pitchFamily="18" charset="-127"/>
+              </a:rPr>
+              <a:t>게임 소개 </a:t>
+            </a:r>
+            <a:r>
+              <a:rPr lang="en-US" altLang="ko-KR" sz="2800" dirty="0" smtClean="0">
+                <a:solidFill>
+                  <a:schemeClr val="bg1"/>
+                </a:solidFill>
+                <a:effectLst>
+                  <a:outerShdw blurRad="38100" dist="38100" dir="2700000" algn="tl">
+                    <a:srgbClr val="000000">
+                      <a:alpha val="43137"/>
+                    </a:srgbClr>
+                  </a:outerShdw>
+                </a:effectLst>
+                <a:latin typeface="-윤고딕320" panose="02030504000101010101" pitchFamily="18" charset="-127"/>
+                <a:ea typeface="-윤고딕320" panose="02030504000101010101" pitchFamily="18" charset="-127"/>
+              </a:rPr>
+              <a:t>– </a:t>
+            </a:r>
+            <a:r>
+              <a:rPr lang="ko-KR" altLang="en-US" sz="2800" dirty="0" smtClean="0">
+                <a:solidFill>
+                  <a:schemeClr val="bg1"/>
+                </a:solidFill>
+                <a:effectLst>
+                  <a:outerShdw blurRad="38100" dist="38100" dir="2700000" algn="tl">
+                    <a:srgbClr val="000000">
+                      <a:alpha val="43137"/>
+                    </a:srgbClr>
+                  </a:outerShdw>
+                </a:effectLst>
+                <a:latin typeface="-윤고딕320" panose="02030504000101010101" pitchFamily="18" charset="-127"/>
+                <a:ea typeface="-윤고딕320" panose="02030504000101010101" pitchFamily="18" charset="-127"/>
+              </a:rPr>
+              <a:t>진행 및 조작</a:t>
+            </a:r>
+            <a:endParaRPr lang="ko-KR" altLang="en-US" sz="2800" dirty="0">
+              <a:solidFill>
+                <a:schemeClr val="bg1"/>
+              </a:solidFill>
+              <a:effectLst>
+                <a:outerShdw blurRad="38100" dist="38100" dir="2700000" algn="tl">
+                  <a:srgbClr val="000000">
+                    <a:alpha val="43137"/>
+                  </a:srgbClr>
+                </a:outerShdw>
+              </a:effectLst>
+              <a:latin typeface="-윤고딕320" panose="02030504000101010101" pitchFamily="18" charset="-127"/>
+              <a:ea typeface="-윤고딕320" panose="02030504000101010101" pitchFamily="18" charset="-127"/>
+            </a:endParaRPr>
+          </a:p>
+        </p:txBody>
+      </p:sp>
+      <p:cxnSp>
+        <p:nvCxnSpPr>
+          <p:cNvPr id="22" name="직선 연결선 21"/>
+          <p:cNvCxnSpPr/>
+          <p:nvPr/>
+        </p:nvCxnSpPr>
+        <p:spPr>
+          <a:xfrm>
+            <a:off x="5499100" y="6680199"/>
+            <a:ext cx="360000" cy="0"/>
+          </a:xfrm>
+          <a:prstGeom prst="line">
+            <a:avLst/>
+          </a:prstGeom>
+          <a:ln w="44450" cap="rnd">
+            <a:solidFill>
+              <a:schemeClr val="accent1"/>
+            </a:solidFill>
+          </a:ln>
+          <a:effectLst>
+            <a:outerShdw blurRad="50800" dist="38100" dir="2700000" algn="tl" rotWithShape="0">
+              <a:prstClr val="black">
+                <a:alpha val="40000"/>
+              </a:prstClr>
+            </a:outerShdw>
+          </a:effectLst>
+        </p:spPr>
+        <p:style>
+          <a:lnRef idx="1">
+            <a:schemeClr val="accent1"/>
+          </a:lnRef>
+          <a:fillRef idx="0">
+            <a:schemeClr val="accent1"/>
+          </a:fillRef>
+          <a:effectRef idx="0">
+            <a:schemeClr val="accent1"/>
+          </a:effectRef>
+          <a:fontRef idx="minor">
+            <a:schemeClr val="tx1"/>
+          </a:fontRef>
+        </p:style>
+      </p:cxnSp>
+      <p:cxnSp>
+        <p:nvCxnSpPr>
+          <p:cNvPr id="23" name="직선 연결선 22"/>
+          <p:cNvCxnSpPr/>
+          <p:nvPr/>
+        </p:nvCxnSpPr>
+        <p:spPr>
+          <a:xfrm>
+            <a:off x="5905416" y="6680199"/>
+            <a:ext cx="360000" cy="0"/>
+          </a:xfrm>
+          <a:prstGeom prst="line">
+            <a:avLst/>
+          </a:prstGeom>
+          <a:ln w="44450" cap="rnd">
+            <a:solidFill>
+              <a:schemeClr val="accent1">
+                <a:lumMod val="50000"/>
+              </a:schemeClr>
+            </a:solidFill>
+          </a:ln>
+          <a:effectLst>
+            <a:outerShdw blurRad="50800" dist="38100" dir="2700000" algn="tl" rotWithShape="0">
+              <a:prstClr val="black">
+                <a:alpha val="40000"/>
+              </a:prstClr>
+            </a:outerShdw>
+          </a:effectLst>
+        </p:spPr>
+        <p:style>
+          <a:lnRef idx="1">
+            <a:schemeClr val="accent1"/>
+          </a:lnRef>
+          <a:fillRef idx="0">
+            <a:schemeClr val="accent1"/>
+          </a:fillRef>
+          <a:effectRef idx="0">
+            <a:schemeClr val="accent1"/>
+          </a:effectRef>
+          <a:fontRef idx="minor">
+            <a:schemeClr val="tx1"/>
+          </a:fontRef>
+        </p:style>
+      </p:cxnSp>
+      <p:cxnSp>
+        <p:nvCxnSpPr>
+          <p:cNvPr id="24" name="직선 연결선 23"/>
+          <p:cNvCxnSpPr/>
+          <p:nvPr/>
+        </p:nvCxnSpPr>
+        <p:spPr>
+          <a:xfrm>
+            <a:off x="6310622" y="6680199"/>
+            <a:ext cx="360000" cy="0"/>
+          </a:xfrm>
+          <a:prstGeom prst="line">
+            <a:avLst/>
+          </a:prstGeom>
+          <a:ln w="44450" cap="rnd">
+            <a:solidFill>
+              <a:schemeClr val="accent1">
+                <a:lumMod val="50000"/>
+              </a:schemeClr>
+            </a:solidFill>
+          </a:ln>
+          <a:effectLst>
+            <a:outerShdw blurRad="50800" dist="38100" dir="2700000" algn="tl" rotWithShape="0">
+              <a:prstClr val="black">
+                <a:alpha val="40000"/>
+              </a:prstClr>
+            </a:outerShdw>
+          </a:effectLst>
+        </p:spPr>
+        <p:style>
+          <a:lnRef idx="1">
+            <a:schemeClr val="accent1"/>
+          </a:lnRef>
+          <a:fillRef idx="0">
+            <a:schemeClr val="accent1"/>
+          </a:fillRef>
+          <a:effectRef idx="0">
+            <a:schemeClr val="accent1"/>
+          </a:effectRef>
+          <a:fontRef idx="minor">
+            <a:schemeClr val="tx1"/>
+          </a:fontRef>
+        </p:style>
+      </p:cxnSp>
+      <p:sp>
+        <p:nvSpPr>
+          <p:cNvPr id="10" name="TextBox 9"/>
+          <p:cNvSpPr txBox="1"/>
+          <p:nvPr/>
+        </p:nvSpPr>
+        <p:spPr>
+          <a:xfrm>
+            <a:off x="9795933" y="446707"/>
+            <a:ext cx="2159000" cy="1384995"/>
+          </a:xfrm>
+          <a:prstGeom prst="rect">
+            <a:avLst/>
+          </a:prstGeom>
+          <a:solidFill>
+            <a:schemeClr val="accent2">
+              <a:lumMod val="40000"/>
+              <a:lumOff val="60000"/>
+              <a:alpha val="18000"/>
+            </a:schemeClr>
+          </a:solidFill>
+          <a:scene3d>
+            <a:camera prst="orthographicFront"/>
+            <a:lightRig rig="threePt" dir="t"/>
+          </a:scene3d>
+          <a:sp3d extrusionH="31750">
+            <a:bevelT w="25400" h="38100"/>
+          </a:sp3d>
+        </p:spPr>
+        <p:txBody>
+          <a:bodyPr wrap="square" rtlCol="0" anchor="t">
+            <a:spAutoFit/>
+          </a:bodyPr>
+          <a:lstStyle/>
+          <a:p>
+            <a:pPr algn="ctr"/>
+            <a:r>
+              <a:rPr lang="en-US" altLang="ko-KR" sz="1400" dirty="0" smtClean="0">
+                <a:solidFill>
+                  <a:schemeClr val="bg1"/>
+                </a:solidFill>
+                <a:effectLst>
+                  <a:outerShdw blurRad="38100" dist="38100" dir="2700000" algn="tl">
+                    <a:srgbClr val="000000">
+                      <a:alpha val="43137"/>
+                    </a:srgbClr>
+                  </a:outerShdw>
+                </a:effectLst>
+                <a:latin typeface="Continuum Light" panose="00000400000000000000" pitchFamily="2" charset="0"/>
+                <a:ea typeface="-윤고딕320" panose="02030504000101010101" pitchFamily="18" charset="-127"/>
+              </a:rPr>
+              <a:t>01 </a:t>
+            </a:r>
+            <a:r>
+              <a:rPr lang="ko-KR" altLang="en-US" sz="1400" dirty="0" smtClean="0">
+                <a:solidFill>
+                  <a:schemeClr val="bg1"/>
+                </a:solidFill>
+                <a:effectLst>
+                  <a:outerShdw blurRad="38100" dist="38100" dir="2700000" algn="tl">
+                    <a:srgbClr val="000000">
+                      <a:alpha val="43137"/>
+                    </a:srgbClr>
+                  </a:outerShdw>
+                </a:effectLst>
+                <a:latin typeface="Continuum Light" panose="00000400000000000000" pitchFamily="2" charset="0"/>
+                <a:ea typeface="-윤고딕320" panose="02030504000101010101" pitchFamily="18" charset="-127"/>
+              </a:rPr>
+              <a:t>기획</a:t>
+            </a:r>
+            <a:endParaRPr lang="en-US" altLang="ko-KR" sz="1400" dirty="0" smtClean="0">
+              <a:solidFill>
+                <a:schemeClr val="bg1"/>
+              </a:solidFill>
+              <a:effectLst>
+                <a:outerShdw blurRad="38100" dist="38100" dir="2700000" algn="tl">
+                  <a:srgbClr val="000000">
+                    <a:alpha val="43137"/>
+                  </a:srgbClr>
+                </a:outerShdw>
+              </a:effectLst>
+              <a:latin typeface="Continuum Light" panose="00000400000000000000" pitchFamily="2" charset="0"/>
+              <a:ea typeface="-윤고딕320" panose="02030504000101010101" pitchFamily="18" charset="-127"/>
+            </a:endParaRPr>
+          </a:p>
+          <a:p>
+            <a:pPr algn="ctr"/>
+            <a:r>
+              <a:rPr lang="ko-KR" altLang="en-US" sz="1400" dirty="0" smtClean="0">
+                <a:solidFill>
+                  <a:schemeClr val="bg1"/>
+                </a:solidFill>
+                <a:effectLst>
+                  <a:outerShdw blurRad="38100" dist="38100" dir="2700000" algn="tl">
+                    <a:srgbClr val="000000">
+                      <a:alpha val="43137"/>
+                    </a:srgbClr>
+                  </a:outerShdw>
+                </a:effectLst>
+                <a:latin typeface="-윤고딕310" panose="02030504000101010101" pitchFamily="18" charset="-127"/>
+                <a:ea typeface="-윤고딕310" panose="02030504000101010101" pitchFamily="18" charset="-127"/>
+              </a:rPr>
+              <a:t>게임 컨셉트</a:t>
+            </a:r>
+            <a:endParaRPr lang="en-US" altLang="ko-KR" sz="1400" dirty="0" smtClean="0">
+              <a:solidFill>
+                <a:schemeClr val="bg1"/>
+              </a:solidFill>
+              <a:effectLst>
+                <a:outerShdw blurRad="38100" dist="38100" dir="2700000" algn="tl">
+                  <a:srgbClr val="000000">
+                    <a:alpha val="43137"/>
+                  </a:srgbClr>
+                </a:outerShdw>
+              </a:effectLst>
+              <a:latin typeface="-윤고딕310" panose="02030504000101010101" pitchFamily="18" charset="-127"/>
+              <a:ea typeface="-윤고딕310" panose="02030504000101010101" pitchFamily="18" charset="-127"/>
+            </a:endParaRPr>
+          </a:p>
+          <a:p>
+            <a:pPr algn="ctr"/>
+            <a:r>
+              <a:rPr lang="ko-KR" altLang="en-US" sz="1400" dirty="0" smtClean="0">
+                <a:solidFill>
+                  <a:schemeClr val="bg1"/>
+                </a:solidFill>
+                <a:effectLst>
+                  <a:outerShdw blurRad="38100" dist="38100" dir="2700000" algn="tl">
+                    <a:srgbClr val="000000">
+                      <a:alpha val="43137"/>
+                    </a:srgbClr>
+                  </a:outerShdw>
+                </a:effectLst>
+                <a:latin typeface="-윤고딕310" panose="02030504000101010101" pitchFamily="18" charset="-127"/>
+                <a:ea typeface="-윤고딕310" panose="02030504000101010101" pitchFamily="18" charset="-127"/>
+              </a:rPr>
+              <a:t>게임 소개 </a:t>
+            </a:r>
+            <a:r>
+              <a:rPr lang="en-US" altLang="ko-KR" sz="1400" dirty="0" smtClean="0">
+                <a:solidFill>
+                  <a:schemeClr val="bg1"/>
+                </a:solidFill>
+                <a:effectLst>
+                  <a:outerShdw blurRad="38100" dist="38100" dir="2700000" algn="tl">
+                    <a:srgbClr val="000000">
+                      <a:alpha val="43137"/>
+                    </a:srgbClr>
+                  </a:outerShdw>
+                </a:effectLst>
+                <a:latin typeface="-윤고딕310" panose="02030504000101010101" pitchFamily="18" charset="-127"/>
+                <a:ea typeface="-윤고딕310" panose="02030504000101010101" pitchFamily="18" charset="-127"/>
+              </a:rPr>
+              <a:t>(</a:t>
+            </a:r>
+            <a:r>
+              <a:rPr lang="ko-KR" altLang="en-US" sz="1400" dirty="0">
+                <a:solidFill>
+                  <a:schemeClr val="bg1"/>
+                </a:solidFill>
+                <a:effectLst>
+                  <a:outerShdw blurRad="38100" dist="38100" dir="2700000" algn="tl">
+                    <a:srgbClr val="000000">
+                      <a:alpha val="43137"/>
+                    </a:srgbClr>
+                  </a:outerShdw>
+                </a:effectLst>
+                <a:latin typeface="-윤고딕310" panose="02030504000101010101" pitchFamily="18" charset="-127"/>
+                <a:ea typeface="-윤고딕310" panose="02030504000101010101" pitchFamily="18" charset="-127"/>
+              </a:rPr>
+              <a:t>세계관</a:t>
+            </a:r>
+            <a:r>
+              <a:rPr lang="en-US" altLang="ko-KR" sz="1400" dirty="0" smtClean="0">
+                <a:solidFill>
+                  <a:schemeClr val="bg1"/>
+                </a:solidFill>
+                <a:effectLst>
+                  <a:outerShdw blurRad="38100" dist="38100" dir="2700000" algn="tl">
+                    <a:srgbClr val="000000">
+                      <a:alpha val="43137"/>
+                    </a:srgbClr>
+                  </a:outerShdw>
+                </a:effectLst>
+                <a:latin typeface="-윤고딕310" panose="02030504000101010101" pitchFamily="18" charset="-127"/>
+                <a:ea typeface="-윤고딕310" panose="02030504000101010101" pitchFamily="18" charset="-127"/>
+              </a:rPr>
+              <a:t>)</a:t>
+            </a:r>
+          </a:p>
+          <a:p>
+            <a:pPr algn="ctr"/>
+            <a:r>
+              <a:rPr lang="ko-KR" altLang="en-US" sz="1400" dirty="0" smtClean="0">
+                <a:solidFill>
+                  <a:schemeClr val="bg1"/>
+                </a:solidFill>
+                <a:effectLst>
+                  <a:outerShdw blurRad="38100" dist="38100" dir="2700000" algn="tl">
+                    <a:srgbClr val="000000">
+                      <a:alpha val="43137"/>
+                    </a:srgbClr>
+                  </a:outerShdw>
+                </a:effectLst>
+                <a:latin typeface="-윤고딕310" panose="02030504000101010101" pitchFamily="18" charset="-127"/>
+                <a:ea typeface="-윤고딕310" panose="02030504000101010101" pitchFamily="18" charset="-127"/>
+              </a:rPr>
+              <a:t>게임 소개 </a:t>
+            </a:r>
+            <a:r>
+              <a:rPr lang="en-US" altLang="ko-KR" sz="1400" dirty="0" smtClean="0">
+                <a:solidFill>
+                  <a:schemeClr val="bg1"/>
+                </a:solidFill>
+                <a:effectLst>
+                  <a:outerShdw blurRad="38100" dist="38100" dir="2700000" algn="tl">
+                    <a:srgbClr val="000000">
+                      <a:alpha val="43137"/>
+                    </a:srgbClr>
+                  </a:outerShdw>
+                </a:effectLst>
+                <a:latin typeface="-윤고딕310" panose="02030504000101010101" pitchFamily="18" charset="-127"/>
+                <a:ea typeface="-윤고딕310" panose="02030504000101010101" pitchFamily="18" charset="-127"/>
+              </a:rPr>
+              <a:t>(</a:t>
+            </a:r>
+            <a:r>
+              <a:rPr lang="ko-KR" altLang="en-US" sz="1400" dirty="0" smtClean="0">
+                <a:solidFill>
+                  <a:schemeClr val="bg1"/>
+                </a:solidFill>
+                <a:effectLst>
+                  <a:outerShdw blurRad="38100" dist="38100" dir="2700000" algn="tl">
+                    <a:srgbClr val="000000">
+                      <a:alpha val="43137"/>
+                    </a:srgbClr>
+                  </a:outerShdw>
+                </a:effectLst>
+                <a:latin typeface="-윤고딕310" panose="02030504000101010101" pitchFamily="18" charset="-127"/>
+                <a:ea typeface="-윤고딕310" panose="02030504000101010101" pitchFamily="18" charset="-127"/>
+              </a:rPr>
+              <a:t>기본 시스템</a:t>
+            </a:r>
+            <a:r>
+              <a:rPr lang="en-US" altLang="ko-KR" sz="1400" dirty="0" smtClean="0">
+                <a:solidFill>
+                  <a:schemeClr val="bg1"/>
+                </a:solidFill>
+                <a:effectLst>
+                  <a:outerShdw blurRad="38100" dist="38100" dir="2700000" algn="tl">
+                    <a:srgbClr val="000000">
+                      <a:alpha val="43137"/>
+                    </a:srgbClr>
+                  </a:outerShdw>
+                </a:effectLst>
+                <a:latin typeface="-윤고딕310" panose="02030504000101010101" pitchFamily="18" charset="-127"/>
+                <a:ea typeface="-윤고딕310" panose="02030504000101010101" pitchFamily="18" charset="-127"/>
+              </a:rPr>
+              <a:t>)</a:t>
+            </a:r>
+          </a:p>
+          <a:p>
+            <a:pPr algn="ctr"/>
+            <a:r>
+              <a:rPr lang="ko-KR" altLang="en-US" sz="1400" dirty="0">
+                <a:solidFill>
+                  <a:schemeClr val="bg1"/>
+                </a:solidFill>
+                <a:effectLst>
+                  <a:glow rad="101600">
+                    <a:schemeClr val="accent2">
+                      <a:satMod val="175000"/>
+                      <a:alpha val="40000"/>
+                    </a:schemeClr>
+                  </a:glow>
+                  <a:outerShdw blurRad="38100" dist="38100" dir="2700000" algn="tl">
+                    <a:srgbClr val="000000">
+                      <a:alpha val="43137"/>
+                    </a:srgbClr>
+                  </a:outerShdw>
+                </a:effectLst>
+                <a:latin typeface="-윤고딕310" panose="02030504000101010101" pitchFamily="18" charset="-127"/>
+                <a:ea typeface="-윤고딕310" panose="02030504000101010101" pitchFamily="18" charset="-127"/>
+              </a:rPr>
+              <a:t>게임 </a:t>
+            </a:r>
+            <a:r>
+              <a:rPr lang="ko-KR" altLang="en-US" sz="1400" dirty="0" smtClean="0">
+                <a:solidFill>
+                  <a:schemeClr val="bg1"/>
+                </a:solidFill>
+                <a:effectLst>
+                  <a:glow rad="101600">
+                    <a:schemeClr val="accent2">
+                      <a:satMod val="175000"/>
+                      <a:alpha val="40000"/>
+                    </a:schemeClr>
+                  </a:glow>
+                  <a:outerShdw blurRad="38100" dist="38100" dir="2700000" algn="tl">
+                    <a:srgbClr val="000000">
+                      <a:alpha val="43137"/>
+                    </a:srgbClr>
+                  </a:outerShdw>
+                </a:effectLst>
+                <a:latin typeface="-윤고딕310" panose="02030504000101010101" pitchFamily="18" charset="-127"/>
+                <a:ea typeface="-윤고딕310" panose="02030504000101010101" pitchFamily="18" charset="-127"/>
+              </a:rPr>
+              <a:t>소개</a:t>
+            </a:r>
+            <a:r>
+              <a:rPr lang="ko-KR" altLang="en-US" sz="1400" dirty="0">
+                <a:solidFill>
+                  <a:schemeClr val="bg1"/>
+                </a:solidFill>
+                <a:effectLst>
+                  <a:glow rad="101600">
+                    <a:schemeClr val="accent2">
+                      <a:satMod val="175000"/>
+                      <a:alpha val="40000"/>
+                    </a:schemeClr>
+                  </a:glow>
+                  <a:outerShdw blurRad="38100" dist="38100" dir="2700000" algn="tl">
+                    <a:srgbClr val="000000">
+                      <a:alpha val="43137"/>
+                    </a:srgbClr>
+                  </a:outerShdw>
+                </a:effectLst>
+                <a:latin typeface="-윤고딕310" panose="02030504000101010101" pitchFamily="18" charset="-127"/>
+                <a:ea typeface="-윤고딕310" panose="02030504000101010101" pitchFamily="18" charset="-127"/>
+              </a:rPr>
+              <a:t> </a:t>
+            </a:r>
+            <a:r>
+              <a:rPr lang="en-US" altLang="ko-KR" sz="1400" dirty="0" smtClean="0">
+                <a:solidFill>
+                  <a:schemeClr val="bg1"/>
+                </a:solidFill>
+                <a:effectLst>
+                  <a:glow rad="101600">
+                    <a:schemeClr val="accent2">
+                      <a:satMod val="175000"/>
+                      <a:alpha val="40000"/>
+                    </a:schemeClr>
+                  </a:glow>
+                  <a:outerShdw blurRad="38100" dist="38100" dir="2700000" algn="tl">
+                    <a:srgbClr val="000000">
+                      <a:alpha val="43137"/>
+                    </a:srgbClr>
+                  </a:outerShdw>
+                </a:effectLst>
+                <a:latin typeface="-윤고딕310" panose="02030504000101010101" pitchFamily="18" charset="-127"/>
+                <a:ea typeface="-윤고딕310" panose="02030504000101010101" pitchFamily="18" charset="-127"/>
+              </a:rPr>
+              <a:t>(</a:t>
+            </a:r>
+            <a:r>
+              <a:rPr lang="ko-KR" altLang="en-US" sz="1400" dirty="0" smtClean="0">
+                <a:solidFill>
+                  <a:schemeClr val="bg1"/>
+                </a:solidFill>
+                <a:effectLst>
+                  <a:glow rad="101600">
+                    <a:schemeClr val="accent2">
+                      <a:satMod val="175000"/>
+                      <a:alpha val="40000"/>
+                    </a:schemeClr>
+                  </a:glow>
+                  <a:outerShdw blurRad="38100" dist="38100" dir="2700000" algn="tl">
+                    <a:srgbClr val="000000">
+                      <a:alpha val="43137"/>
+                    </a:srgbClr>
+                  </a:outerShdw>
+                </a:effectLst>
+                <a:latin typeface="-윤고딕310" panose="02030504000101010101" pitchFamily="18" charset="-127"/>
+                <a:ea typeface="-윤고딕310" panose="02030504000101010101" pitchFamily="18" charset="-127"/>
+              </a:rPr>
+              <a:t>진행 </a:t>
+            </a:r>
+            <a:r>
+              <a:rPr lang="ko-KR" altLang="en-US" sz="1400" dirty="0">
+                <a:solidFill>
+                  <a:schemeClr val="bg1"/>
+                </a:solidFill>
+                <a:effectLst>
+                  <a:glow rad="101600">
+                    <a:schemeClr val="accent2">
+                      <a:satMod val="175000"/>
+                      <a:alpha val="40000"/>
+                    </a:schemeClr>
+                  </a:glow>
+                  <a:outerShdw blurRad="38100" dist="38100" dir="2700000" algn="tl">
+                    <a:srgbClr val="000000">
+                      <a:alpha val="43137"/>
+                    </a:srgbClr>
+                  </a:outerShdw>
+                </a:effectLst>
+                <a:latin typeface="-윤고딕310" panose="02030504000101010101" pitchFamily="18" charset="-127"/>
+                <a:ea typeface="-윤고딕310" panose="02030504000101010101" pitchFamily="18" charset="-127"/>
+              </a:rPr>
+              <a:t>및 조작</a:t>
+            </a:r>
+            <a:r>
+              <a:rPr lang="en-US" altLang="ko-KR" sz="1400" dirty="0" smtClean="0">
+                <a:solidFill>
+                  <a:schemeClr val="bg1"/>
+                </a:solidFill>
+                <a:effectLst>
+                  <a:glow rad="101600">
+                    <a:schemeClr val="accent2">
+                      <a:satMod val="175000"/>
+                      <a:alpha val="40000"/>
+                    </a:schemeClr>
+                  </a:glow>
+                  <a:outerShdw blurRad="38100" dist="38100" dir="2700000" algn="tl">
+                    <a:srgbClr val="000000">
+                      <a:alpha val="43137"/>
+                    </a:srgbClr>
+                  </a:outerShdw>
+                </a:effectLst>
+                <a:latin typeface="-윤고딕310" panose="02030504000101010101" pitchFamily="18" charset="-127"/>
+                <a:ea typeface="-윤고딕310" panose="02030504000101010101" pitchFamily="18" charset="-127"/>
+              </a:rPr>
+              <a:t>)</a:t>
+            </a:r>
+          </a:p>
+          <a:p>
+            <a:pPr algn="ctr"/>
+            <a:r>
+              <a:rPr lang="ko-KR" altLang="en-US" sz="1400" dirty="0" smtClean="0">
+                <a:solidFill>
+                  <a:schemeClr val="bg1"/>
+                </a:solidFill>
+                <a:effectLst>
+                  <a:outerShdw blurRad="38100" dist="38100" dir="2700000" algn="tl">
+                    <a:srgbClr val="000000">
+                      <a:alpha val="43137"/>
+                    </a:srgbClr>
+                  </a:outerShdw>
+                </a:effectLst>
+                <a:latin typeface="-윤고딕310" panose="02030504000101010101" pitchFamily="18" charset="-127"/>
+                <a:ea typeface="-윤고딕310" panose="02030504000101010101" pitchFamily="18" charset="-127"/>
+              </a:rPr>
+              <a:t>게임 소개 </a:t>
+            </a:r>
+            <a:r>
+              <a:rPr lang="en-US" altLang="ko-KR" sz="1400" dirty="0" smtClean="0">
+                <a:solidFill>
+                  <a:schemeClr val="bg1"/>
+                </a:solidFill>
+                <a:effectLst>
+                  <a:outerShdw blurRad="38100" dist="38100" dir="2700000" algn="tl">
+                    <a:srgbClr val="000000">
+                      <a:alpha val="43137"/>
+                    </a:srgbClr>
+                  </a:outerShdw>
+                </a:effectLst>
+                <a:latin typeface="-윤고딕310" panose="02030504000101010101" pitchFamily="18" charset="-127"/>
+                <a:ea typeface="-윤고딕310" panose="02030504000101010101" pitchFamily="18" charset="-127"/>
+              </a:rPr>
+              <a:t>(</a:t>
+            </a:r>
+            <a:r>
+              <a:rPr lang="ko-KR" altLang="en-US" sz="1400" dirty="0" smtClean="0">
+                <a:solidFill>
+                  <a:schemeClr val="bg1"/>
+                </a:solidFill>
+                <a:effectLst>
+                  <a:outerShdw blurRad="38100" dist="38100" dir="2700000" algn="tl">
+                    <a:srgbClr val="000000">
+                      <a:alpha val="43137"/>
+                    </a:srgbClr>
+                  </a:outerShdw>
+                </a:effectLst>
+                <a:latin typeface="-윤고딕310" panose="02030504000101010101" pitchFamily="18" charset="-127"/>
+                <a:ea typeface="-윤고딕310" panose="02030504000101010101" pitchFamily="18" charset="-127"/>
+              </a:rPr>
+              <a:t>전투</a:t>
+            </a:r>
+            <a:r>
+              <a:rPr lang="en-US" altLang="ko-KR" sz="1400" dirty="0" smtClean="0">
+                <a:solidFill>
+                  <a:schemeClr val="bg1"/>
+                </a:solidFill>
+                <a:effectLst>
+                  <a:outerShdw blurRad="38100" dist="38100" dir="2700000" algn="tl">
+                    <a:srgbClr val="000000">
+                      <a:alpha val="43137"/>
+                    </a:srgbClr>
+                  </a:outerShdw>
+                </a:effectLst>
+                <a:latin typeface="-윤고딕310" panose="02030504000101010101" pitchFamily="18" charset="-127"/>
+                <a:ea typeface="-윤고딕310" panose="02030504000101010101" pitchFamily="18" charset="-127"/>
+              </a:rPr>
+              <a:t>)</a:t>
+            </a:r>
+            <a:endParaRPr lang="en-US" altLang="ko-KR" sz="1400" dirty="0">
+              <a:solidFill>
+                <a:schemeClr val="bg1"/>
+              </a:solidFill>
+              <a:effectLst>
+                <a:outerShdw blurRad="38100" dist="38100" dir="2700000" algn="tl">
+                  <a:srgbClr val="000000">
+                    <a:alpha val="43137"/>
+                  </a:srgbClr>
+                </a:outerShdw>
+              </a:effectLst>
+              <a:latin typeface="-윤고딕310" panose="02030504000101010101" pitchFamily="18" charset="-127"/>
+              <a:ea typeface="-윤고딕310" panose="02030504000101010101" pitchFamily="18" charset="-127"/>
+            </a:endParaRPr>
+          </a:p>
+        </p:txBody>
+      </p:sp>
       <p:sp>
         <p:nvSpPr>
           <p:cNvPr id="7" name="TextBox 6"/>
@@ -25937,6 +25937,22 @@
               <a:t>	2. </a:t>
             </a:r>
             <a:r>
+              <a:rPr lang="ko-KR" altLang="en-US" sz="2300" dirty="0" smtClean="0">
+                <a:solidFill>
+                  <a:schemeClr val="bg1"/>
+                </a:solidFill>
+                <a:effectLst>
+                  <a:outerShdw blurRad="38100" dist="38100" dir="2700000" algn="tl">
+                    <a:srgbClr val="000000">
+                      <a:alpha val="43137"/>
+                    </a:srgbClr>
+                  </a:outerShdw>
+                </a:effectLst>
+                <a:latin typeface="+mn-ea"/>
+              </a:rPr>
+              <a:t>거래 </a:t>
+            </a:r>
+            <a:r>
               <a:rPr lang="ko-KR" altLang="en-US" sz="2300" dirty="0">
                 <a:solidFill>
                   <a:schemeClr val="bg1"/>
@@ -25950,7 +25966,7 @@
                 </a:effectLst>
                 <a:latin typeface="+mn-ea"/>
               </a:rPr>
-              <a:t>파벌 퀘스트</a:t>
+              <a:t>퀘스트</a:t>
             </a:r>
             <a:r>
               <a:rPr lang="en-US" altLang="ko-KR" sz="2300" dirty="0" smtClean="0">
@@ -32240,7 +32256,7 @@
           <p:nvPr>
             <p:extLst>
               <p:ext uri="{D42A27DB-BD31-4B8C-83A1-F6EECF244321}">
-                <p14:modId xmlns:p14="http://schemas.microsoft.com/office/powerpoint/2010/main" val="2771464385"/>
+                <p14:modId xmlns:p14="http://schemas.microsoft.com/office/powerpoint/2010/main" val="443208578"/>
               </p:ext>
             </p:extLst>
           </p:nvPr>
@@ -32780,7 +32796,7 @@
                             </a:outerShdw>
                           </a:effectLst>
                         </a:rPr>
-                        <a:t>일반적인 전략 게임처럼 클릭만으로 이루어지는 점 선 면의 동선을 짜는 것이었습니다</a:t>
+                        <a:t>일반적인 전략 게임처럼 클릭만으로 이루어지는 점과 선의 동선을 짜는 것이었습니다</a:t>
                       </a:r>
                       <a:r>
                         <a:rPr lang="en-US" altLang="ko-KR" sz="1600" i="0" baseline="0" dirty="0" smtClean="0">

--- a/slides/Cosmos_20171105.pptx
+++ b/slides/Cosmos_20171105.pptx
@@ -9,10 +9,10 @@
     <p:sldMasterId id="2147483662" r:id="rId5"/>
   </p:sldMasterIdLst>
   <p:notesMasterIdLst>
-    <p:notesMasterId r:id="rId29"/>
+    <p:notesMasterId r:id="rId30"/>
   </p:notesMasterIdLst>
   <p:handoutMasterIdLst>
-    <p:handoutMasterId r:id="rId30"/>
+    <p:handoutMasterId r:id="rId31"/>
   </p:handoutMasterIdLst>
   <p:sldIdLst>
     <p:sldId id="257" r:id="rId6"/>
@@ -30,34 +30,35 @@
     <p:sldId id="279" r:id="rId18"/>
     <p:sldId id="280" r:id="rId19"/>
     <p:sldId id="268" r:id="rId20"/>
-    <p:sldId id="260" r:id="rId21"/>
-    <p:sldId id="281" r:id="rId22"/>
-    <p:sldId id="261" r:id="rId23"/>
-    <p:sldId id="269" r:id="rId24"/>
-    <p:sldId id="271" r:id="rId25"/>
-    <p:sldId id="272" r:id="rId26"/>
-    <p:sldId id="273" r:id="rId27"/>
-    <p:sldId id="263" r:id="rId28"/>
+    <p:sldId id="282" r:id="rId21"/>
+    <p:sldId id="260" r:id="rId22"/>
+    <p:sldId id="281" r:id="rId23"/>
+    <p:sldId id="261" r:id="rId24"/>
+    <p:sldId id="269" r:id="rId25"/>
+    <p:sldId id="271" r:id="rId26"/>
+    <p:sldId id="272" r:id="rId27"/>
+    <p:sldId id="273" r:id="rId28"/>
+    <p:sldId id="263" r:id="rId29"/>
   </p:sldIdLst>
   <p:sldSz cx="12192000" cy="6858000"/>
   <p:notesSz cx="9144000" cy="6858000"/>
   <p:embeddedFontLst>
     <p:embeddedFont>
-      <p:font typeface="-윤고딕310" panose="02030504000101010101" pitchFamily="18" charset="-127"/>
-      <p:regular r:id="rId31"/>
-    </p:embeddedFont>
-    <p:embeddedFont>
-      <p:font typeface="Continuum Light" panose="00000400000000000000" pitchFamily="2" charset="0"/>
+      <p:font typeface="-윤고딕320" panose="02030504000101010101" pitchFamily="18" charset="-127"/>
       <p:regular r:id="rId32"/>
     </p:embeddedFont>
     <p:embeddedFont>
-      <p:font typeface="-윤고딕320" panose="02030504000101010101" pitchFamily="18" charset="-127"/>
+      <p:font typeface="-윤고딕310" panose="02030504000101010101" pitchFamily="18" charset="-127"/>
       <p:regular r:id="rId33"/>
     </p:embeddedFont>
     <p:embeddedFont>
       <p:font typeface="맑은 고딕" panose="020B0503020000020004" pitchFamily="50" charset="-127"/>
       <p:regular r:id="rId34"/>
       <p:bold r:id="rId35"/>
+    </p:embeddedFont>
+    <p:embeddedFont>
+      <p:font typeface="Continuum Light" panose="00000400000000000000" pitchFamily="2" charset="0"/>
+      <p:regular r:id="rId36"/>
     </p:embeddedFont>
   </p:embeddedFontLst>
   <p:defaultTextStyle>
@@ -157,7 +158,7 @@
   </p:defaultTextStyle>
   <p:extLst>
     <p:ext uri="{EFAFB233-063F-42B5-8137-9DF3F51BA10A}">
-      <p15:sldGuideLst xmlns="" xmlns:p15="http://schemas.microsoft.com/office/powerpoint/2012/main"/>
+      <p15:sldGuideLst xmlns:p15="http://schemas.microsoft.com/office/powerpoint/2012/main" xmlns=""/>
     </p:ext>
   </p:extLst>
 </p:presentation>
@@ -9671,7 +9672,7 @@
           <a:p>
             <a:fld id="{6FEFB717-BC87-41D7-8B7A-E83E84006AAC}" type="datetimeFigureOut">
               <a:rPr lang="ko-KR" altLang="en-US" smtClean="0"/>
-              <a:t>2017-10-31</a:t>
+              <a:t>2017-11-02</a:t>
             </a:fld>
             <a:endParaRPr lang="ko-KR" altLang="en-US" dirty="0"/>
           </a:p>
@@ -9841,7 +9842,7 @@
           <a:p>
             <a:fld id="{FCC96FB9-AE3A-49E9-BBEB-ACB7ABCC87C1}" type="datetimeFigureOut">
               <a:rPr lang="ko-KR" altLang="en-US" smtClean="0"/>
-              <a:t>2017-10-31</a:t>
+              <a:t>2017-11-02</a:t>
             </a:fld>
             <a:endParaRPr lang="ko-KR" altLang="en-US" dirty="0"/>
           </a:p>
@@ -27628,6 +27629,1201 @@
         </p:nvSpPr>
         <p:spPr>
           <a:xfrm>
+            <a:off x="117687" y="446707"/>
+            <a:ext cx="5453380" cy="523220"/>
+          </a:xfrm>
+          <a:prstGeom prst="rect">
+            <a:avLst/>
+          </a:prstGeom>
+          <a:noFill/>
+        </p:spPr>
+        <p:txBody>
+          <a:bodyPr wrap="square" rtlCol="0">
+            <a:spAutoFit/>
+          </a:bodyPr>
+          <a:lstStyle/>
+          <a:p>
+            <a:r>
+              <a:rPr lang="en-US" altLang="ko-KR" sz="2800" dirty="0">
+                <a:solidFill>
+                  <a:schemeClr val="bg1"/>
+                </a:solidFill>
+                <a:effectLst>
+                  <a:outerShdw blurRad="38100" dist="38100" dir="2700000" algn="tl">
+                    <a:srgbClr val="000000">
+                      <a:alpha val="43137"/>
+                    </a:srgbClr>
+                  </a:outerShdw>
+                </a:effectLst>
+                <a:latin typeface="-윤고딕320" panose="02030504000101010101" pitchFamily="18" charset="-127"/>
+                <a:ea typeface="-윤고딕320" panose="02030504000101010101" pitchFamily="18" charset="-127"/>
+              </a:rPr>
+              <a:t> </a:t>
+            </a:r>
+            <a:r>
+              <a:rPr lang="en-US" altLang="ko-KR" sz="2800" dirty="0" smtClean="0">
+                <a:solidFill>
+                  <a:schemeClr val="bg1"/>
+                </a:solidFill>
+                <a:effectLst>
+                  <a:outerShdw blurRad="38100" dist="38100" dir="2700000" algn="tl">
+                    <a:srgbClr val="000000">
+                      <a:alpha val="43137"/>
+                    </a:srgbClr>
+                  </a:outerShdw>
+                </a:effectLst>
+                <a:latin typeface="-윤고딕320" panose="02030504000101010101" pitchFamily="18" charset="-127"/>
+                <a:ea typeface="-윤고딕320" panose="02030504000101010101" pitchFamily="18" charset="-127"/>
+              </a:rPr>
+              <a:t> </a:t>
+            </a:r>
+            <a:r>
+              <a:rPr lang="ko-KR" altLang="en-US" sz="2800" dirty="0" smtClean="0">
+                <a:solidFill>
+                  <a:schemeClr val="bg1"/>
+                </a:solidFill>
+                <a:effectLst>
+                  <a:outerShdw blurRad="38100" dist="38100" dir="2700000" algn="tl">
+                    <a:srgbClr val="000000">
+                      <a:alpha val="43137"/>
+                    </a:srgbClr>
+                  </a:outerShdw>
+                </a:effectLst>
+                <a:latin typeface="-윤고딕320" panose="02030504000101010101" pitchFamily="18" charset="-127"/>
+                <a:ea typeface="-윤고딕320" panose="02030504000101010101" pitchFamily="18" charset="-127"/>
+              </a:rPr>
+              <a:t>게임 소개 </a:t>
+            </a:r>
+            <a:r>
+              <a:rPr lang="en-US" altLang="ko-KR" sz="2800" dirty="0" smtClean="0">
+                <a:solidFill>
+                  <a:schemeClr val="bg1"/>
+                </a:solidFill>
+                <a:effectLst>
+                  <a:outerShdw blurRad="38100" dist="38100" dir="2700000" algn="tl">
+                    <a:srgbClr val="000000">
+                      <a:alpha val="43137"/>
+                    </a:srgbClr>
+                  </a:outerShdw>
+                </a:effectLst>
+                <a:latin typeface="-윤고딕320" panose="02030504000101010101" pitchFamily="18" charset="-127"/>
+                <a:ea typeface="-윤고딕320" panose="02030504000101010101" pitchFamily="18" charset="-127"/>
+              </a:rPr>
+              <a:t>– </a:t>
+            </a:r>
+            <a:r>
+              <a:rPr lang="ko-KR" altLang="en-US" sz="2800" dirty="0" smtClean="0">
+                <a:solidFill>
+                  <a:schemeClr val="bg1"/>
+                </a:solidFill>
+                <a:effectLst>
+                  <a:outerShdw blurRad="38100" dist="38100" dir="2700000" algn="tl">
+                    <a:srgbClr val="000000">
+                      <a:alpha val="43137"/>
+                    </a:srgbClr>
+                  </a:outerShdw>
+                </a:effectLst>
+                <a:latin typeface="-윤고딕320" panose="02030504000101010101" pitchFamily="18" charset="-127"/>
+                <a:ea typeface="-윤고딕320" panose="02030504000101010101" pitchFamily="18" charset="-127"/>
+              </a:rPr>
+              <a:t>전투</a:t>
+            </a:r>
+            <a:endParaRPr lang="ko-KR" altLang="en-US" sz="2800" dirty="0">
+              <a:solidFill>
+                <a:schemeClr val="bg1"/>
+              </a:solidFill>
+              <a:effectLst>
+                <a:outerShdw blurRad="38100" dist="38100" dir="2700000" algn="tl">
+                  <a:srgbClr val="000000">
+                    <a:alpha val="43137"/>
+                  </a:srgbClr>
+                </a:outerShdw>
+              </a:effectLst>
+              <a:latin typeface="-윤고딕320" panose="02030504000101010101" pitchFamily="18" charset="-127"/>
+              <a:ea typeface="-윤고딕320" panose="02030504000101010101" pitchFamily="18" charset="-127"/>
+            </a:endParaRPr>
+          </a:p>
+        </p:txBody>
+      </p:sp>
+      <p:cxnSp>
+        <p:nvCxnSpPr>
+          <p:cNvPr id="22" name="직선 연결선 21"/>
+          <p:cNvCxnSpPr/>
+          <p:nvPr/>
+        </p:nvCxnSpPr>
+        <p:spPr>
+          <a:xfrm>
+            <a:off x="5499100" y="6680199"/>
+            <a:ext cx="360000" cy="0"/>
+          </a:xfrm>
+          <a:prstGeom prst="line">
+            <a:avLst/>
+          </a:prstGeom>
+          <a:ln w="44450" cap="rnd">
+            <a:solidFill>
+              <a:schemeClr val="accent1"/>
+            </a:solidFill>
+          </a:ln>
+          <a:effectLst>
+            <a:outerShdw blurRad="50800" dist="38100" dir="2700000" algn="tl" rotWithShape="0">
+              <a:prstClr val="black">
+                <a:alpha val="40000"/>
+              </a:prstClr>
+            </a:outerShdw>
+          </a:effectLst>
+        </p:spPr>
+        <p:style>
+          <a:lnRef idx="1">
+            <a:schemeClr val="accent1"/>
+          </a:lnRef>
+          <a:fillRef idx="0">
+            <a:schemeClr val="accent1"/>
+          </a:fillRef>
+          <a:effectRef idx="0">
+            <a:schemeClr val="accent1"/>
+          </a:effectRef>
+          <a:fontRef idx="minor">
+            <a:schemeClr val="tx1"/>
+          </a:fontRef>
+        </p:style>
+      </p:cxnSp>
+      <p:cxnSp>
+        <p:nvCxnSpPr>
+          <p:cNvPr id="23" name="직선 연결선 22"/>
+          <p:cNvCxnSpPr/>
+          <p:nvPr/>
+        </p:nvCxnSpPr>
+        <p:spPr>
+          <a:xfrm>
+            <a:off x="5905416" y="6680199"/>
+            <a:ext cx="360000" cy="0"/>
+          </a:xfrm>
+          <a:prstGeom prst="line">
+            <a:avLst/>
+          </a:prstGeom>
+          <a:ln w="44450" cap="rnd">
+            <a:solidFill>
+              <a:schemeClr val="accent1">
+                <a:lumMod val="50000"/>
+              </a:schemeClr>
+            </a:solidFill>
+          </a:ln>
+          <a:effectLst>
+            <a:outerShdw blurRad="50800" dist="38100" dir="2700000" algn="tl" rotWithShape="0">
+              <a:prstClr val="black">
+                <a:alpha val="40000"/>
+              </a:prstClr>
+            </a:outerShdw>
+          </a:effectLst>
+        </p:spPr>
+        <p:style>
+          <a:lnRef idx="1">
+            <a:schemeClr val="accent1"/>
+          </a:lnRef>
+          <a:fillRef idx="0">
+            <a:schemeClr val="accent1"/>
+          </a:fillRef>
+          <a:effectRef idx="0">
+            <a:schemeClr val="accent1"/>
+          </a:effectRef>
+          <a:fontRef idx="minor">
+            <a:schemeClr val="tx1"/>
+          </a:fontRef>
+        </p:style>
+      </p:cxnSp>
+      <p:cxnSp>
+        <p:nvCxnSpPr>
+          <p:cNvPr id="24" name="직선 연결선 23"/>
+          <p:cNvCxnSpPr/>
+          <p:nvPr/>
+        </p:nvCxnSpPr>
+        <p:spPr>
+          <a:xfrm>
+            <a:off x="6310622" y="6680199"/>
+            <a:ext cx="360000" cy="0"/>
+          </a:xfrm>
+          <a:prstGeom prst="line">
+            <a:avLst/>
+          </a:prstGeom>
+          <a:ln w="44450" cap="rnd">
+            <a:solidFill>
+              <a:schemeClr val="accent1">
+                <a:lumMod val="50000"/>
+              </a:schemeClr>
+            </a:solidFill>
+          </a:ln>
+          <a:effectLst>
+            <a:outerShdw blurRad="50800" dist="38100" dir="2700000" algn="tl" rotWithShape="0">
+              <a:prstClr val="black">
+                <a:alpha val="40000"/>
+              </a:prstClr>
+            </a:outerShdw>
+          </a:effectLst>
+        </p:spPr>
+        <p:style>
+          <a:lnRef idx="1">
+            <a:schemeClr val="accent1"/>
+          </a:lnRef>
+          <a:fillRef idx="0">
+            <a:schemeClr val="accent1"/>
+          </a:fillRef>
+          <a:effectRef idx="0">
+            <a:schemeClr val="accent1"/>
+          </a:effectRef>
+          <a:fontRef idx="minor">
+            <a:schemeClr val="tx1"/>
+          </a:fontRef>
+        </p:style>
+      </p:cxnSp>
+      <p:sp>
+        <p:nvSpPr>
+          <p:cNvPr id="7" name="TextBox 6"/>
+          <p:cNvSpPr txBox="1"/>
+          <p:nvPr/>
+        </p:nvSpPr>
+        <p:spPr>
+          <a:xfrm>
+            <a:off x="117687" y="1363131"/>
+            <a:ext cx="11617113" cy="4524315"/>
+          </a:xfrm>
+          <a:prstGeom prst="rect">
+            <a:avLst/>
+          </a:prstGeom>
+          <a:noFill/>
+        </p:spPr>
+        <p:txBody>
+          <a:bodyPr wrap="square" rtlCol="0" anchor="t">
+            <a:spAutoFit/>
+          </a:bodyPr>
+          <a:lstStyle/>
+          <a:p>
+            <a:pPr marL="514350" indent="-514350">
+              <a:buFont typeface="+mj-lt"/>
+              <a:buAutoNum type="arabicPeriod"/>
+            </a:pPr>
+            <a:r>
+              <a:rPr lang="ko-KR" altLang="en-US" sz="3200" dirty="0" smtClean="0">
+                <a:solidFill>
+                  <a:schemeClr val="bg1"/>
+                </a:solidFill>
+                <a:effectLst>
+                  <a:outerShdw blurRad="38100" dist="38100" dir="2700000" algn="tl">
+                    <a:srgbClr val="000000">
+                      <a:alpha val="43137"/>
+                    </a:srgbClr>
+                  </a:outerShdw>
+                </a:effectLst>
+                <a:latin typeface="-윤고딕310" panose="02030504000101010101" pitchFamily="18" charset="-127"/>
+                <a:ea typeface="-윤고딕310" panose="02030504000101010101" pitchFamily="18" charset="-127"/>
+              </a:rPr>
+              <a:t>전투는 실시간으로 진행된다</a:t>
+            </a:r>
+            <a:r>
+              <a:rPr lang="en-US" altLang="ko-KR" sz="3200" dirty="0" smtClean="0">
+                <a:solidFill>
+                  <a:schemeClr val="bg1"/>
+                </a:solidFill>
+                <a:effectLst>
+                  <a:outerShdw blurRad="38100" dist="38100" dir="2700000" algn="tl">
+                    <a:srgbClr val="000000">
+                      <a:alpha val="43137"/>
+                    </a:srgbClr>
+                  </a:outerShdw>
+                </a:effectLst>
+                <a:latin typeface="-윤고딕310" panose="02030504000101010101" pitchFamily="18" charset="-127"/>
+                <a:ea typeface="-윤고딕310" panose="02030504000101010101" pitchFamily="18" charset="-127"/>
+              </a:rPr>
+              <a:t>.</a:t>
+            </a:r>
+            <a:endParaRPr lang="en-US" altLang="ko-KR" sz="3200" dirty="0">
+              <a:solidFill>
+                <a:schemeClr val="bg1"/>
+              </a:solidFill>
+              <a:effectLst>
+                <a:outerShdw blurRad="38100" dist="38100" dir="2700000" algn="tl">
+                  <a:srgbClr val="000000">
+                    <a:alpha val="43137"/>
+                  </a:srgbClr>
+                </a:outerShdw>
+              </a:effectLst>
+              <a:latin typeface="-윤고딕310" panose="02030504000101010101" pitchFamily="18" charset="-127"/>
+              <a:ea typeface="-윤고딕310" panose="02030504000101010101" pitchFamily="18" charset="-127"/>
+            </a:endParaRPr>
+          </a:p>
+          <a:p>
+            <a:pPr marL="514350" indent="-514350">
+              <a:buFont typeface="+mj-lt"/>
+              <a:buAutoNum type="arabicPeriod"/>
+            </a:pPr>
+            <a:r>
+              <a:rPr lang="ko-KR" altLang="en-US" sz="3200" dirty="0" smtClean="0">
+                <a:solidFill>
+                  <a:schemeClr val="bg1"/>
+                </a:solidFill>
+                <a:effectLst>
+                  <a:outerShdw blurRad="38100" dist="38100" dir="2700000" algn="tl">
+                    <a:srgbClr val="000000">
+                      <a:alpha val="43137"/>
+                    </a:srgbClr>
+                  </a:outerShdw>
+                </a:effectLst>
+                <a:latin typeface="-윤고딕310" panose="02030504000101010101" pitchFamily="18" charset="-127"/>
+                <a:ea typeface="-윤고딕310" panose="02030504000101010101" pitchFamily="18" charset="-127"/>
+              </a:rPr>
+              <a:t>플레이어는 언제든지 전투 중에 일시 정지 하여 턴 제 게임처럼 진행할 수도 있다</a:t>
+            </a:r>
+            <a:r>
+              <a:rPr lang="en-US" altLang="ko-KR" sz="3200" dirty="0" smtClean="0">
+                <a:solidFill>
+                  <a:schemeClr val="bg1"/>
+                </a:solidFill>
+                <a:effectLst>
+                  <a:outerShdw blurRad="38100" dist="38100" dir="2700000" algn="tl">
+                    <a:srgbClr val="000000">
+                      <a:alpha val="43137"/>
+                    </a:srgbClr>
+                  </a:outerShdw>
+                </a:effectLst>
+                <a:latin typeface="-윤고딕310" panose="02030504000101010101" pitchFamily="18" charset="-127"/>
+                <a:ea typeface="-윤고딕310" panose="02030504000101010101" pitchFamily="18" charset="-127"/>
+              </a:rPr>
+              <a:t>.</a:t>
+            </a:r>
+          </a:p>
+          <a:p>
+            <a:pPr marL="514350" indent="-514350">
+              <a:buFont typeface="+mj-lt"/>
+              <a:buAutoNum type="arabicPeriod"/>
+            </a:pPr>
+            <a:endParaRPr lang="en-US" altLang="ko-KR" sz="3200" dirty="0">
+              <a:solidFill>
+                <a:schemeClr val="bg1"/>
+              </a:solidFill>
+              <a:effectLst>
+                <a:outerShdw blurRad="38100" dist="38100" dir="2700000" algn="tl">
+                  <a:srgbClr val="000000">
+                    <a:alpha val="43137"/>
+                  </a:srgbClr>
+                </a:outerShdw>
+              </a:effectLst>
+              <a:latin typeface="-윤고딕310" panose="02030504000101010101" pitchFamily="18" charset="-127"/>
+              <a:ea typeface="-윤고딕310" panose="02030504000101010101" pitchFamily="18" charset="-127"/>
+            </a:endParaRPr>
+          </a:p>
+          <a:p>
+            <a:pPr marL="514350" indent="-514350">
+              <a:buFont typeface="+mj-lt"/>
+              <a:buAutoNum type="arabicPeriod"/>
+            </a:pPr>
+            <a:r>
+              <a:rPr lang="ko-KR" altLang="en-US" sz="3200" dirty="0" smtClean="0">
+                <a:solidFill>
+                  <a:schemeClr val="bg1"/>
+                </a:solidFill>
+                <a:effectLst>
+                  <a:outerShdw blurRad="38100" dist="38100" dir="2700000" algn="tl">
+                    <a:srgbClr val="000000">
+                      <a:alpha val="43137"/>
+                    </a:srgbClr>
+                  </a:outerShdw>
+                </a:effectLst>
+                <a:latin typeface="-윤고딕310" panose="02030504000101010101" pitchFamily="18" charset="-127"/>
+                <a:ea typeface="-윤고딕310" panose="02030504000101010101" pitchFamily="18" charset="-127"/>
+              </a:rPr>
+              <a:t>플레이어와 적의 무기는 메커니즘이 동일하다</a:t>
+            </a:r>
+            <a:r>
+              <a:rPr lang="en-US" altLang="ko-KR" sz="3200" dirty="0" smtClean="0">
+                <a:solidFill>
+                  <a:schemeClr val="bg1"/>
+                </a:solidFill>
+                <a:effectLst>
+                  <a:outerShdw blurRad="38100" dist="38100" dir="2700000" algn="tl">
+                    <a:srgbClr val="000000">
+                      <a:alpha val="43137"/>
+                    </a:srgbClr>
+                  </a:outerShdw>
+                </a:effectLst>
+                <a:latin typeface="-윤고딕310" panose="02030504000101010101" pitchFamily="18" charset="-127"/>
+                <a:ea typeface="-윤고딕310" panose="02030504000101010101" pitchFamily="18" charset="-127"/>
+              </a:rPr>
+              <a:t>. </a:t>
+            </a:r>
+            <a:r>
+              <a:rPr lang="ko-KR" altLang="en-US" sz="3200" dirty="0" smtClean="0">
+                <a:solidFill>
+                  <a:schemeClr val="bg1"/>
+                </a:solidFill>
+                <a:effectLst>
+                  <a:outerShdw blurRad="38100" dist="38100" dir="2700000" algn="tl">
+                    <a:srgbClr val="000000">
+                      <a:alpha val="43137"/>
+                    </a:srgbClr>
+                  </a:outerShdw>
+                </a:effectLst>
+                <a:latin typeface="-윤고딕310" panose="02030504000101010101" pitchFamily="18" charset="-127"/>
+                <a:ea typeface="-윤고딕310" panose="02030504000101010101" pitchFamily="18" charset="-127"/>
+              </a:rPr>
+              <a:t>무기의 종류 역시 거의 동일하다</a:t>
+            </a:r>
+            <a:r>
+              <a:rPr lang="en-US" altLang="ko-KR" sz="3200" dirty="0" smtClean="0">
+                <a:solidFill>
+                  <a:schemeClr val="bg1"/>
+                </a:solidFill>
+                <a:effectLst>
+                  <a:outerShdw blurRad="38100" dist="38100" dir="2700000" algn="tl">
+                    <a:srgbClr val="000000">
+                      <a:alpha val="43137"/>
+                    </a:srgbClr>
+                  </a:outerShdw>
+                </a:effectLst>
+                <a:latin typeface="-윤고딕310" panose="02030504000101010101" pitchFamily="18" charset="-127"/>
+                <a:ea typeface="-윤고딕310" panose="02030504000101010101" pitchFamily="18" charset="-127"/>
+              </a:rPr>
+              <a:t>.</a:t>
+            </a:r>
+          </a:p>
+          <a:p>
+            <a:pPr marL="514350" indent="-514350">
+              <a:buFont typeface="+mj-lt"/>
+              <a:buAutoNum type="arabicPeriod"/>
+            </a:pPr>
+            <a:endParaRPr lang="en-US" altLang="ko-KR" sz="3200" dirty="0">
+              <a:solidFill>
+                <a:schemeClr val="bg1"/>
+              </a:solidFill>
+              <a:effectLst>
+                <a:outerShdw blurRad="38100" dist="38100" dir="2700000" algn="tl">
+                  <a:srgbClr val="000000">
+                    <a:alpha val="43137"/>
+                  </a:srgbClr>
+                </a:outerShdw>
+              </a:effectLst>
+              <a:latin typeface="-윤고딕310" panose="02030504000101010101" pitchFamily="18" charset="-127"/>
+              <a:ea typeface="-윤고딕310" panose="02030504000101010101" pitchFamily="18" charset="-127"/>
+            </a:endParaRPr>
+          </a:p>
+          <a:p>
+            <a:pPr marL="514350" indent="-514350">
+              <a:buFont typeface="+mj-lt"/>
+              <a:buAutoNum type="arabicPeriod"/>
+            </a:pPr>
+            <a:r>
+              <a:rPr lang="ko-KR" altLang="en-US" sz="3200" dirty="0" smtClean="0">
+                <a:solidFill>
+                  <a:schemeClr val="bg1"/>
+                </a:solidFill>
+                <a:effectLst>
+                  <a:outerShdw blurRad="38100" dist="38100" dir="2700000" algn="tl">
+                    <a:srgbClr val="000000">
+                      <a:alpha val="43137"/>
+                    </a:srgbClr>
+                  </a:outerShdw>
+                </a:effectLst>
+                <a:latin typeface="-윤고딕310" panose="02030504000101010101" pitchFamily="18" charset="-127"/>
+                <a:ea typeface="-윤고딕310" panose="02030504000101010101" pitchFamily="18" charset="-127"/>
+              </a:rPr>
+              <a:t>적 </a:t>
+            </a:r>
+            <a:r>
+              <a:rPr lang="en-US" altLang="ko-KR" sz="3200" dirty="0" smtClean="0">
+                <a:solidFill>
+                  <a:schemeClr val="bg1"/>
+                </a:solidFill>
+                <a:effectLst>
+                  <a:outerShdw blurRad="38100" dist="38100" dir="2700000" algn="tl">
+                    <a:srgbClr val="000000">
+                      <a:alpha val="43137"/>
+                    </a:srgbClr>
+                  </a:outerShdw>
+                </a:effectLst>
+                <a:latin typeface="-윤고딕310" panose="02030504000101010101" pitchFamily="18" charset="-127"/>
+                <a:ea typeface="-윤고딕310" panose="02030504000101010101" pitchFamily="18" charset="-127"/>
+              </a:rPr>
+              <a:t>NPC </a:t>
+            </a:r>
+            <a:r>
+              <a:rPr lang="ko-KR" altLang="en-US" sz="3200" dirty="0" smtClean="0">
+                <a:solidFill>
+                  <a:schemeClr val="bg1"/>
+                </a:solidFill>
+                <a:effectLst>
+                  <a:outerShdw blurRad="38100" dist="38100" dir="2700000" algn="tl">
+                    <a:srgbClr val="000000">
+                      <a:alpha val="43137"/>
+                    </a:srgbClr>
+                  </a:outerShdw>
+                </a:effectLst>
+                <a:latin typeface="-윤고딕310" panose="02030504000101010101" pitchFamily="18" charset="-127"/>
+                <a:ea typeface="-윤고딕310" panose="02030504000101010101" pitchFamily="18" charset="-127"/>
+              </a:rPr>
+              <a:t>와 플레이어는 함선의 디자인과 종족 별 특수 시설 </a:t>
+            </a:r>
+            <a:r>
+              <a:rPr lang="en-US" altLang="ko-KR" sz="3200" dirty="0" smtClean="0">
+                <a:solidFill>
+                  <a:schemeClr val="bg1"/>
+                </a:solidFill>
+                <a:effectLst>
+                  <a:outerShdw blurRad="38100" dist="38100" dir="2700000" algn="tl">
+                    <a:srgbClr val="000000">
+                      <a:alpha val="43137"/>
+                    </a:srgbClr>
+                  </a:outerShdw>
+                </a:effectLst>
+                <a:latin typeface="-윤고딕310" panose="02030504000101010101" pitchFamily="18" charset="-127"/>
+                <a:ea typeface="-윤고딕310" panose="02030504000101010101" pitchFamily="18" charset="-127"/>
+              </a:rPr>
+              <a:t>/ </a:t>
+            </a:r>
+            <a:r>
+              <a:rPr lang="ko-KR" altLang="en-US" sz="3200" dirty="0" smtClean="0">
+                <a:solidFill>
+                  <a:schemeClr val="bg1"/>
+                </a:solidFill>
+                <a:effectLst>
+                  <a:outerShdw blurRad="38100" dist="38100" dir="2700000" algn="tl">
+                    <a:srgbClr val="000000">
+                      <a:alpha val="43137"/>
+                    </a:srgbClr>
+                  </a:outerShdw>
+                </a:effectLst>
+                <a:latin typeface="-윤고딕310" panose="02030504000101010101" pitchFamily="18" charset="-127"/>
+                <a:ea typeface="-윤고딕310" panose="02030504000101010101" pitchFamily="18" charset="-127"/>
+              </a:rPr>
+              <a:t>장비 </a:t>
+            </a:r>
+            <a:r>
+              <a:rPr lang="en-US" altLang="ko-KR" sz="3200" dirty="0" smtClean="0">
+                <a:solidFill>
+                  <a:schemeClr val="bg1"/>
+                </a:solidFill>
+                <a:effectLst>
+                  <a:outerShdw blurRad="38100" dist="38100" dir="2700000" algn="tl">
+                    <a:srgbClr val="000000">
+                      <a:alpha val="43137"/>
+                    </a:srgbClr>
+                  </a:outerShdw>
+                </a:effectLst>
+                <a:latin typeface="-윤고딕310" panose="02030504000101010101" pitchFamily="18" charset="-127"/>
+                <a:ea typeface="-윤고딕310" panose="02030504000101010101" pitchFamily="18" charset="-127"/>
+              </a:rPr>
+              <a:t>/ </a:t>
+            </a:r>
+            <a:r>
+              <a:rPr lang="ko-KR" altLang="en-US" sz="3200" dirty="0" smtClean="0">
+                <a:solidFill>
+                  <a:schemeClr val="bg1"/>
+                </a:solidFill>
+                <a:effectLst>
+                  <a:outerShdw blurRad="38100" dist="38100" dir="2700000" algn="tl">
+                    <a:srgbClr val="000000">
+                      <a:alpha val="43137"/>
+                    </a:srgbClr>
+                  </a:outerShdw>
+                </a:effectLst>
+                <a:latin typeface="-윤고딕310" panose="02030504000101010101" pitchFamily="18" charset="-127"/>
+                <a:ea typeface="-윤고딕310" panose="02030504000101010101" pitchFamily="18" charset="-127"/>
+              </a:rPr>
+              <a:t>무기를 제외하면 모두 </a:t>
+            </a:r>
+            <a:r>
+              <a:rPr lang="ko-KR" altLang="en-US" sz="3200" dirty="0" smtClean="0">
+                <a:solidFill>
+                  <a:schemeClr val="bg1"/>
+                </a:solidFill>
+                <a:effectLst>
+                  <a:outerShdw blurRad="38100" dist="38100" dir="2700000" algn="tl">
+                    <a:srgbClr val="000000">
+                      <a:alpha val="43137"/>
+                    </a:srgbClr>
+                  </a:outerShdw>
+                </a:effectLst>
+                <a:latin typeface="-윤고딕310" panose="02030504000101010101" pitchFamily="18" charset="-127"/>
+                <a:ea typeface="-윤고딕310" panose="02030504000101010101" pitchFamily="18" charset="-127"/>
+              </a:rPr>
+              <a:t>똑같은 시스템을 사용한다</a:t>
+            </a:r>
+            <a:r>
+              <a:rPr lang="en-US" altLang="ko-KR" sz="3200" dirty="0" smtClean="0">
+                <a:solidFill>
+                  <a:schemeClr val="bg1"/>
+                </a:solidFill>
+                <a:effectLst>
+                  <a:outerShdw blurRad="38100" dist="38100" dir="2700000" algn="tl">
+                    <a:srgbClr val="000000">
+                      <a:alpha val="43137"/>
+                    </a:srgbClr>
+                  </a:outerShdw>
+                </a:effectLst>
+                <a:latin typeface="-윤고딕310" panose="02030504000101010101" pitchFamily="18" charset="-127"/>
+                <a:ea typeface="-윤고딕310" panose="02030504000101010101" pitchFamily="18" charset="-127"/>
+              </a:rPr>
+              <a:t>.</a:t>
+            </a:r>
+            <a:endParaRPr lang="en-US" altLang="ko-KR" sz="3200" dirty="0">
+              <a:solidFill>
+                <a:schemeClr val="bg1"/>
+              </a:solidFill>
+              <a:effectLst>
+                <a:outerShdw blurRad="38100" dist="38100" dir="2700000" algn="tl">
+                  <a:srgbClr val="000000">
+                    <a:alpha val="43137"/>
+                  </a:srgbClr>
+                </a:outerShdw>
+              </a:effectLst>
+              <a:latin typeface="-윤고딕310" panose="02030504000101010101" pitchFamily="18" charset="-127"/>
+              <a:ea typeface="-윤고딕310" panose="02030504000101010101" pitchFamily="18" charset="-127"/>
+            </a:endParaRPr>
+          </a:p>
+        </p:txBody>
+      </p:sp>
+      <p:sp>
+        <p:nvSpPr>
+          <p:cNvPr id="10" name="TextBox 9"/>
+          <p:cNvSpPr txBox="1"/>
+          <p:nvPr/>
+        </p:nvSpPr>
+        <p:spPr>
+          <a:xfrm>
+            <a:off x="9795933" y="446707"/>
+            <a:ext cx="2159000" cy="1384995"/>
+          </a:xfrm>
+          <a:prstGeom prst="rect">
+            <a:avLst/>
+          </a:prstGeom>
+          <a:solidFill>
+            <a:schemeClr val="accent2">
+              <a:lumMod val="40000"/>
+              <a:lumOff val="60000"/>
+              <a:alpha val="18000"/>
+            </a:schemeClr>
+          </a:solidFill>
+          <a:scene3d>
+            <a:camera prst="orthographicFront"/>
+            <a:lightRig rig="threePt" dir="t"/>
+          </a:scene3d>
+          <a:sp3d extrusionH="31750">
+            <a:bevelT w="25400" h="38100"/>
+          </a:sp3d>
+        </p:spPr>
+        <p:txBody>
+          <a:bodyPr wrap="square" rtlCol="0" anchor="t">
+            <a:spAutoFit/>
+          </a:bodyPr>
+          <a:lstStyle/>
+          <a:p>
+            <a:pPr algn="ctr"/>
+            <a:r>
+              <a:rPr lang="en-US" altLang="ko-KR" sz="1400" dirty="0" smtClean="0">
+                <a:solidFill>
+                  <a:schemeClr val="bg1"/>
+                </a:solidFill>
+                <a:effectLst>
+                  <a:outerShdw blurRad="38100" dist="38100" dir="2700000" algn="tl">
+                    <a:srgbClr val="000000">
+                      <a:alpha val="43137"/>
+                    </a:srgbClr>
+                  </a:outerShdw>
+                </a:effectLst>
+                <a:latin typeface="Continuum Light" panose="00000400000000000000" pitchFamily="2" charset="0"/>
+                <a:ea typeface="-윤고딕320" panose="02030504000101010101" pitchFamily="18" charset="-127"/>
+              </a:rPr>
+              <a:t>01 </a:t>
+            </a:r>
+            <a:r>
+              <a:rPr lang="ko-KR" altLang="en-US" sz="1400" dirty="0" smtClean="0">
+                <a:solidFill>
+                  <a:schemeClr val="bg1"/>
+                </a:solidFill>
+                <a:effectLst>
+                  <a:outerShdw blurRad="38100" dist="38100" dir="2700000" algn="tl">
+                    <a:srgbClr val="000000">
+                      <a:alpha val="43137"/>
+                    </a:srgbClr>
+                  </a:outerShdw>
+                </a:effectLst>
+                <a:latin typeface="Continuum Light" panose="00000400000000000000" pitchFamily="2" charset="0"/>
+                <a:ea typeface="-윤고딕320" panose="02030504000101010101" pitchFamily="18" charset="-127"/>
+              </a:rPr>
+              <a:t>기획</a:t>
+            </a:r>
+            <a:endParaRPr lang="en-US" altLang="ko-KR" sz="1400" dirty="0" smtClean="0">
+              <a:solidFill>
+                <a:schemeClr val="bg1"/>
+              </a:solidFill>
+              <a:effectLst>
+                <a:outerShdw blurRad="38100" dist="38100" dir="2700000" algn="tl">
+                  <a:srgbClr val="000000">
+                    <a:alpha val="43137"/>
+                  </a:srgbClr>
+                </a:outerShdw>
+              </a:effectLst>
+              <a:latin typeface="Continuum Light" panose="00000400000000000000" pitchFamily="2" charset="0"/>
+              <a:ea typeface="-윤고딕320" panose="02030504000101010101" pitchFamily="18" charset="-127"/>
+            </a:endParaRPr>
+          </a:p>
+          <a:p>
+            <a:pPr algn="ctr"/>
+            <a:r>
+              <a:rPr lang="ko-KR" altLang="en-US" sz="1400" dirty="0" smtClean="0">
+                <a:solidFill>
+                  <a:schemeClr val="bg1"/>
+                </a:solidFill>
+                <a:effectLst>
+                  <a:outerShdw blurRad="38100" dist="38100" dir="2700000" algn="tl">
+                    <a:srgbClr val="000000">
+                      <a:alpha val="43137"/>
+                    </a:srgbClr>
+                  </a:outerShdw>
+                </a:effectLst>
+                <a:latin typeface="-윤고딕310" panose="02030504000101010101" pitchFamily="18" charset="-127"/>
+                <a:ea typeface="-윤고딕310" panose="02030504000101010101" pitchFamily="18" charset="-127"/>
+              </a:rPr>
+              <a:t>게임 컨셉트</a:t>
+            </a:r>
+            <a:endParaRPr lang="en-US" altLang="ko-KR" sz="1400" dirty="0" smtClean="0">
+              <a:solidFill>
+                <a:schemeClr val="bg1"/>
+              </a:solidFill>
+              <a:effectLst>
+                <a:outerShdw blurRad="38100" dist="38100" dir="2700000" algn="tl">
+                  <a:srgbClr val="000000">
+                    <a:alpha val="43137"/>
+                  </a:srgbClr>
+                </a:outerShdw>
+              </a:effectLst>
+              <a:latin typeface="-윤고딕310" panose="02030504000101010101" pitchFamily="18" charset="-127"/>
+              <a:ea typeface="-윤고딕310" panose="02030504000101010101" pitchFamily="18" charset="-127"/>
+            </a:endParaRPr>
+          </a:p>
+          <a:p>
+            <a:pPr algn="ctr"/>
+            <a:r>
+              <a:rPr lang="ko-KR" altLang="en-US" sz="1400" dirty="0" smtClean="0">
+                <a:solidFill>
+                  <a:schemeClr val="bg1"/>
+                </a:solidFill>
+                <a:effectLst>
+                  <a:outerShdw blurRad="38100" dist="38100" dir="2700000" algn="tl">
+                    <a:srgbClr val="000000">
+                      <a:alpha val="43137"/>
+                    </a:srgbClr>
+                  </a:outerShdw>
+                </a:effectLst>
+                <a:latin typeface="-윤고딕310" panose="02030504000101010101" pitchFamily="18" charset="-127"/>
+                <a:ea typeface="-윤고딕310" panose="02030504000101010101" pitchFamily="18" charset="-127"/>
+              </a:rPr>
+              <a:t>게임 소개 </a:t>
+            </a:r>
+            <a:r>
+              <a:rPr lang="en-US" altLang="ko-KR" sz="1400" dirty="0" smtClean="0">
+                <a:solidFill>
+                  <a:schemeClr val="bg1"/>
+                </a:solidFill>
+                <a:effectLst>
+                  <a:outerShdw blurRad="38100" dist="38100" dir="2700000" algn="tl">
+                    <a:srgbClr val="000000">
+                      <a:alpha val="43137"/>
+                    </a:srgbClr>
+                  </a:outerShdw>
+                </a:effectLst>
+                <a:latin typeface="-윤고딕310" panose="02030504000101010101" pitchFamily="18" charset="-127"/>
+                <a:ea typeface="-윤고딕310" panose="02030504000101010101" pitchFamily="18" charset="-127"/>
+              </a:rPr>
+              <a:t>(</a:t>
+            </a:r>
+            <a:r>
+              <a:rPr lang="ko-KR" altLang="en-US" sz="1400" dirty="0">
+                <a:solidFill>
+                  <a:schemeClr val="bg1"/>
+                </a:solidFill>
+                <a:effectLst>
+                  <a:outerShdw blurRad="38100" dist="38100" dir="2700000" algn="tl">
+                    <a:srgbClr val="000000">
+                      <a:alpha val="43137"/>
+                    </a:srgbClr>
+                  </a:outerShdw>
+                </a:effectLst>
+                <a:latin typeface="-윤고딕310" panose="02030504000101010101" pitchFamily="18" charset="-127"/>
+                <a:ea typeface="-윤고딕310" panose="02030504000101010101" pitchFamily="18" charset="-127"/>
+              </a:rPr>
+              <a:t>세계관</a:t>
+            </a:r>
+            <a:r>
+              <a:rPr lang="en-US" altLang="ko-KR" sz="1400" dirty="0" smtClean="0">
+                <a:solidFill>
+                  <a:schemeClr val="bg1"/>
+                </a:solidFill>
+                <a:effectLst>
+                  <a:outerShdw blurRad="38100" dist="38100" dir="2700000" algn="tl">
+                    <a:srgbClr val="000000">
+                      <a:alpha val="43137"/>
+                    </a:srgbClr>
+                  </a:outerShdw>
+                </a:effectLst>
+                <a:latin typeface="-윤고딕310" panose="02030504000101010101" pitchFamily="18" charset="-127"/>
+                <a:ea typeface="-윤고딕310" panose="02030504000101010101" pitchFamily="18" charset="-127"/>
+              </a:rPr>
+              <a:t>)</a:t>
+            </a:r>
+          </a:p>
+          <a:p>
+            <a:pPr algn="ctr"/>
+            <a:r>
+              <a:rPr lang="ko-KR" altLang="en-US" sz="1400" dirty="0" smtClean="0">
+                <a:solidFill>
+                  <a:schemeClr val="bg1"/>
+                </a:solidFill>
+                <a:effectLst>
+                  <a:outerShdw blurRad="38100" dist="38100" dir="2700000" algn="tl">
+                    <a:srgbClr val="000000">
+                      <a:alpha val="43137"/>
+                    </a:srgbClr>
+                  </a:outerShdw>
+                </a:effectLst>
+                <a:latin typeface="-윤고딕310" panose="02030504000101010101" pitchFamily="18" charset="-127"/>
+                <a:ea typeface="-윤고딕310" panose="02030504000101010101" pitchFamily="18" charset="-127"/>
+              </a:rPr>
+              <a:t>게임 소개 </a:t>
+            </a:r>
+            <a:r>
+              <a:rPr lang="en-US" altLang="ko-KR" sz="1400" dirty="0" smtClean="0">
+                <a:solidFill>
+                  <a:schemeClr val="bg1"/>
+                </a:solidFill>
+                <a:effectLst>
+                  <a:outerShdw blurRad="38100" dist="38100" dir="2700000" algn="tl">
+                    <a:srgbClr val="000000">
+                      <a:alpha val="43137"/>
+                    </a:srgbClr>
+                  </a:outerShdw>
+                </a:effectLst>
+                <a:latin typeface="-윤고딕310" panose="02030504000101010101" pitchFamily="18" charset="-127"/>
+                <a:ea typeface="-윤고딕310" panose="02030504000101010101" pitchFamily="18" charset="-127"/>
+              </a:rPr>
+              <a:t>(</a:t>
+            </a:r>
+            <a:r>
+              <a:rPr lang="ko-KR" altLang="en-US" sz="1400" dirty="0" smtClean="0">
+                <a:solidFill>
+                  <a:schemeClr val="bg1"/>
+                </a:solidFill>
+                <a:effectLst>
+                  <a:outerShdw blurRad="38100" dist="38100" dir="2700000" algn="tl">
+                    <a:srgbClr val="000000">
+                      <a:alpha val="43137"/>
+                    </a:srgbClr>
+                  </a:outerShdw>
+                </a:effectLst>
+                <a:latin typeface="-윤고딕310" panose="02030504000101010101" pitchFamily="18" charset="-127"/>
+                <a:ea typeface="-윤고딕310" panose="02030504000101010101" pitchFamily="18" charset="-127"/>
+              </a:rPr>
+              <a:t>기본 시스템</a:t>
+            </a:r>
+            <a:r>
+              <a:rPr lang="en-US" altLang="ko-KR" sz="1400" dirty="0" smtClean="0">
+                <a:solidFill>
+                  <a:schemeClr val="bg1"/>
+                </a:solidFill>
+                <a:effectLst>
+                  <a:outerShdw blurRad="38100" dist="38100" dir="2700000" algn="tl">
+                    <a:srgbClr val="000000">
+                      <a:alpha val="43137"/>
+                    </a:srgbClr>
+                  </a:outerShdw>
+                </a:effectLst>
+                <a:latin typeface="-윤고딕310" panose="02030504000101010101" pitchFamily="18" charset="-127"/>
+                <a:ea typeface="-윤고딕310" panose="02030504000101010101" pitchFamily="18" charset="-127"/>
+              </a:rPr>
+              <a:t>)</a:t>
+            </a:r>
+          </a:p>
+          <a:p>
+            <a:pPr algn="ctr"/>
+            <a:r>
+              <a:rPr lang="ko-KR" altLang="en-US" sz="1400" dirty="0">
+                <a:solidFill>
+                  <a:schemeClr val="bg1"/>
+                </a:solidFill>
+                <a:effectLst>
+                  <a:outerShdw blurRad="38100" dist="38100" dir="2700000" algn="tl">
+                    <a:srgbClr val="000000">
+                      <a:alpha val="43137"/>
+                    </a:srgbClr>
+                  </a:outerShdw>
+                </a:effectLst>
+                <a:latin typeface="-윤고딕310" panose="02030504000101010101" pitchFamily="18" charset="-127"/>
+                <a:ea typeface="-윤고딕310" panose="02030504000101010101" pitchFamily="18" charset="-127"/>
+              </a:rPr>
+              <a:t>게임 </a:t>
+            </a:r>
+            <a:r>
+              <a:rPr lang="ko-KR" altLang="en-US" sz="1400" dirty="0" smtClean="0">
+                <a:solidFill>
+                  <a:schemeClr val="bg1"/>
+                </a:solidFill>
+                <a:effectLst>
+                  <a:outerShdw blurRad="38100" dist="38100" dir="2700000" algn="tl">
+                    <a:srgbClr val="000000">
+                      <a:alpha val="43137"/>
+                    </a:srgbClr>
+                  </a:outerShdw>
+                </a:effectLst>
+                <a:latin typeface="-윤고딕310" panose="02030504000101010101" pitchFamily="18" charset="-127"/>
+                <a:ea typeface="-윤고딕310" panose="02030504000101010101" pitchFamily="18" charset="-127"/>
+              </a:rPr>
+              <a:t>소개</a:t>
+            </a:r>
+            <a:r>
+              <a:rPr lang="ko-KR" altLang="en-US" sz="1400" dirty="0">
+                <a:solidFill>
+                  <a:schemeClr val="bg1"/>
+                </a:solidFill>
+                <a:effectLst>
+                  <a:outerShdw blurRad="38100" dist="38100" dir="2700000" algn="tl">
+                    <a:srgbClr val="000000">
+                      <a:alpha val="43137"/>
+                    </a:srgbClr>
+                  </a:outerShdw>
+                </a:effectLst>
+                <a:latin typeface="-윤고딕310" panose="02030504000101010101" pitchFamily="18" charset="-127"/>
+                <a:ea typeface="-윤고딕310" panose="02030504000101010101" pitchFamily="18" charset="-127"/>
+              </a:rPr>
+              <a:t> </a:t>
+            </a:r>
+            <a:r>
+              <a:rPr lang="en-US" altLang="ko-KR" sz="1400" dirty="0" smtClean="0">
+                <a:solidFill>
+                  <a:schemeClr val="bg1"/>
+                </a:solidFill>
+                <a:effectLst>
+                  <a:outerShdw blurRad="38100" dist="38100" dir="2700000" algn="tl">
+                    <a:srgbClr val="000000">
+                      <a:alpha val="43137"/>
+                    </a:srgbClr>
+                  </a:outerShdw>
+                </a:effectLst>
+                <a:latin typeface="-윤고딕310" panose="02030504000101010101" pitchFamily="18" charset="-127"/>
+                <a:ea typeface="-윤고딕310" panose="02030504000101010101" pitchFamily="18" charset="-127"/>
+              </a:rPr>
+              <a:t>(</a:t>
+            </a:r>
+            <a:r>
+              <a:rPr lang="ko-KR" altLang="en-US" sz="1400" dirty="0" smtClean="0">
+                <a:solidFill>
+                  <a:schemeClr val="bg1"/>
+                </a:solidFill>
+                <a:effectLst>
+                  <a:outerShdw blurRad="38100" dist="38100" dir="2700000" algn="tl">
+                    <a:srgbClr val="000000">
+                      <a:alpha val="43137"/>
+                    </a:srgbClr>
+                  </a:outerShdw>
+                </a:effectLst>
+                <a:latin typeface="-윤고딕310" panose="02030504000101010101" pitchFamily="18" charset="-127"/>
+                <a:ea typeface="-윤고딕310" panose="02030504000101010101" pitchFamily="18" charset="-127"/>
+              </a:rPr>
+              <a:t>진행 </a:t>
+            </a:r>
+            <a:r>
+              <a:rPr lang="ko-KR" altLang="en-US" sz="1400" dirty="0">
+                <a:solidFill>
+                  <a:schemeClr val="bg1"/>
+                </a:solidFill>
+                <a:effectLst>
+                  <a:outerShdw blurRad="38100" dist="38100" dir="2700000" algn="tl">
+                    <a:srgbClr val="000000">
+                      <a:alpha val="43137"/>
+                    </a:srgbClr>
+                  </a:outerShdw>
+                </a:effectLst>
+                <a:latin typeface="-윤고딕310" panose="02030504000101010101" pitchFamily="18" charset="-127"/>
+                <a:ea typeface="-윤고딕310" panose="02030504000101010101" pitchFamily="18" charset="-127"/>
+              </a:rPr>
+              <a:t>및 조작</a:t>
+            </a:r>
+            <a:r>
+              <a:rPr lang="en-US" altLang="ko-KR" sz="1400" dirty="0" smtClean="0">
+                <a:solidFill>
+                  <a:schemeClr val="bg1"/>
+                </a:solidFill>
+                <a:effectLst>
+                  <a:outerShdw blurRad="38100" dist="38100" dir="2700000" algn="tl">
+                    <a:srgbClr val="000000">
+                      <a:alpha val="43137"/>
+                    </a:srgbClr>
+                  </a:outerShdw>
+                </a:effectLst>
+                <a:latin typeface="-윤고딕310" panose="02030504000101010101" pitchFamily="18" charset="-127"/>
+                <a:ea typeface="-윤고딕310" panose="02030504000101010101" pitchFamily="18" charset="-127"/>
+              </a:rPr>
+              <a:t>)</a:t>
+            </a:r>
+          </a:p>
+          <a:p>
+            <a:pPr algn="ctr"/>
+            <a:r>
+              <a:rPr lang="ko-KR" altLang="en-US" sz="1400" dirty="0" smtClean="0">
+                <a:solidFill>
+                  <a:schemeClr val="bg1"/>
+                </a:solidFill>
+                <a:effectLst>
+                  <a:glow rad="101600">
+                    <a:schemeClr val="accent2">
+                      <a:satMod val="175000"/>
+                      <a:alpha val="40000"/>
+                    </a:schemeClr>
+                  </a:glow>
+                  <a:outerShdw blurRad="38100" dist="38100" dir="2700000" algn="tl">
+                    <a:srgbClr val="000000">
+                      <a:alpha val="43137"/>
+                    </a:srgbClr>
+                  </a:outerShdw>
+                </a:effectLst>
+                <a:latin typeface="-윤고딕310" panose="02030504000101010101" pitchFamily="18" charset="-127"/>
+                <a:ea typeface="-윤고딕310" panose="02030504000101010101" pitchFamily="18" charset="-127"/>
+              </a:rPr>
+              <a:t>게임 소개 </a:t>
+            </a:r>
+            <a:r>
+              <a:rPr lang="en-US" altLang="ko-KR" sz="1400" dirty="0" smtClean="0">
+                <a:solidFill>
+                  <a:schemeClr val="bg1"/>
+                </a:solidFill>
+                <a:effectLst>
+                  <a:glow rad="101600">
+                    <a:schemeClr val="accent2">
+                      <a:satMod val="175000"/>
+                      <a:alpha val="40000"/>
+                    </a:schemeClr>
+                  </a:glow>
+                  <a:outerShdw blurRad="38100" dist="38100" dir="2700000" algn="tl">
+                    <a:srgbClr val="000000">
+                      <a:alpha val="43137"/>
+                    </a:srgbClr>
+                  </a:outerShdw>
+                </a:effectLst>
+                <a:latin typeface="-윤고딕310" panose="02030504000101010101" pitchFamily="18" charset="-127"/>
+                <a:ea typeface="-윤고딕310" panose="02030504000101010101" pitchFamily="18" charset="-127"/>
+              </a:rPr>
+              <a:t>(</a:t>
+            </a:r>
+            <a:r>
+              <a:rPr lang="ko-KR" altLang="en-US" sz="1400" dirty="0" smtClean="0">
+                <a:solidFill>
+                  <a:schemeClr val="bg1"/>
+                </a:solidFill>
+                <a:effectLst>
+                  <a:glow rad="101600">
+                    <a:schemeClr val="accent2">
+                      <a:satMod val="175000"/>
+                      <a:alpha val="40000"/>
+                    </a:schemeClr>
+                  </a:glow>
+                  <a:outerShdw blurRad="38100" dist="38100" dir="2700000" algn="tl">
+                    <a:srgbClr val="000000">
+                      <a:alpha val="43137"/>
+                    </a:srgbClr>
+                  </a:outerShdw>
+                </a:effectLst>
+                <a:latin typeface="-윤고딕310" panose="02030504000101010101" pitchFamily="18" charset="-127"/>
+                <a:ea typeface="-윤고딕310" panose="02030504000101010101" pitchFamily="18" charset="-127"/>
+              </a:rPr>
+              <a:t>전투</a:t>
+            </a:r>
+            <a:r>
+              <a:rPr lang="en-US" altLang="ko-KR" sz="1400" dirty="0" smtClean="0">
+                <a:solidFill>
+                  <a:schemeClr val="bg1"/>
+                </a:solidFill>
+                <a:effectLst>
+                  <a:glow rad="101600">
+                    <a:schemeClr val="accent2">
+                      <a:satMod val="175000"/>
+                      <a:alpha val="40000"/>
+                    </a:schemeClr>
+                  </a:glow>
+                  <a:outerShdw blurRad="38100" dist="38100" dir="2700000" algn="tl">
+                    <a:srgbClr val="000000">
+                      <a:alpha val="43137"/>
+                    </a:srgbClr>
+                  </a:outerShdw>
+                </a:effectLst>
+                <a:latin typeface="-윤고딕310" panose="02030504000101010101" pitchFamily="18" charset="-127"/>
+                <a:ea typeface="-윤고딕310" panose="02030504000101010101" pitchFamily="18" charset="-127"/>
+              </a:rPr>
+              <a:t>)</a:t>
+            </a:r>
+            <a:endParaRPr lang="en-US" altLang="ko-KR" sz="1400" dirty="0">
+              <a:solidFill>
+                <a:schemeClr val="bg1"/>
+              </a:solidFill>
+              <a:effectLst>
+                <a:glow rad="101600">
+                  <a:schemeClr val="accent2">
+                    <a:satMod val="175000"/>
+                    <a:alpha val="40000"/>
+                  </a:schemeClr>
+                </a:glow>
+                <a:outerShdw blurRad="38100" dist="38100" dir="2700000" algn="tl">
+                  <a:srgbClr val="000000">
+                    <a:alpha val="43137"/>
+                  </a:srgbClr>
+                </a:outerShdw>
+              </a:effectLst>
+              <a:latin typeface="-윤고딕310" panose="02030504000101010101" pitchFamily="18" charset="-127"/>
+              <a:ea typeface="-윤고딕310" panose="02030504000101010101" pitchFamily="18" charset="-127"/>
+            </a:endParaRPr>
+          </a:p>
+        </p:txBody>
+      </p:sp>
+    </p:spTree>
+    <p:extLst>
+      <p:ext uri="{BB962C8B-B14F-4D97-AF65-F5344CB8AC3E}">
+        <p14:creationId xmlns:p14="http://schemas.microsoft.com/office/powerpoint/2010/main" val="3640744807"/>
+      </p:ext>
+    </p:extLst>
+  </p:cSld>
+  <p:clrMapOvr>
+    <a:masterClrMapping/>
+  </p:clrMapOvr>
+  <p:timing>
+    <p:tnLst>
+      <p:par>
+        <p:cTn id="1" dur="indefinite" restart="never" nodeType="tmRoot"/>
+      </p:par>
+    </p:tnLst>
+  </p:timing>
+</p:sld>
+</file>
+
+<file path=ppt/slides/slide17.xml><?xml version="1.0" encoding="utf-8"?>
+<p:sld xmlns:a="http://schemas.openxmlformats.org/drawingml/2006/main" xmlns:r="http://schemas.openxmlformats.org/officeDocument/2006/relationships" xmlns:p="http://schemas.openxmlformats.org/presentationml/2006/main">
+  <p:cSld>
+    <p:spTree>
+      <p:nvGrpSpPr>
+        <p:cNvPr id="1" name=""/>
+        <p:cNvGrpSpPr/>
+        <p:nvPr/>
+      </p:nvGrpSpPr>
+      <p:grpSpPr>
+        <a:xfrm>
+          <a:off x="0" y="0"/>
+          <a:ext cx="0" cy="0"/>
+          <a:chOff x="0" y="0"/>
+          <a:chExt cx="0" cy="0"/>
+        </a:xfrm>
+      </p:grpSpPr>
+      <p:sp>
+        <p:nvSpPr>
+          <p:cNvPr id="4" name="TextBox 3"/>
+          <p:cNvSpPr txBox="1"/>
+          <p:nvPr/>
+        </p:nvSpPr>
+        <p:spPr>
+          <a:xfrm>
             <a:off x="829565" y="816039"/>
             <a:ext cx="1181734" cy="1015663"/>
           </a:xfrm>
@@ -27959,6 +29155,20 @@
               </a:rPr>
               <a:t>요소</a:t>
             </a:r>
+            <a:endParaRPr lang="en-US" altLang="ko-KR" sz="3200" dirty="0" smtClean="0">
+              <a:solidFill>
+                <a:schemeClr val="bg1"/>
+              </a:solidFill>
+              <a:effectLst>
+                <a:outerShdw blurRad="38100" dist="38100" dir="2700000" algn="tl">
+                  <a:srgbClr val="000000">
+                    <a:alpha val="43137"/>
+                  </a:srgbClr>
+                </a:outerShdw>
+              </a:effectLst>
+              <a:latin typeface="-윤고딕310" panose="02030504000101010101" pitchFamily="18" charset="-127"/>
+              <a:ea typeface="-윤고딕310" panose="02030504000101010101" pitchFamily="18" charset="-127"/>
+            </a:endParaRPr>
           </a:p>
         </p:txBody>
       </p:sp>
@@ -27982,7 +29192,7 @@
 </p:sld>
 </file>
 
-<file path=ppt/slides/slide17.xml><?xml version="1.0" encoding="utf-8"?>
+<file path=ppt/slides/slide18.xml><?xml version="1.0" encoding="utf-8"?>
 <p:sld xmlns:a="http://schemas.openxmlformats.org/drawingml/2006/main" xmlns:r="http://schemas.openxmlformats.org/officeDocument/2006/relationships" xmlns:p="http://schemas.openxmlformats.org/presentationml/2006/main">
   <p:cSld>
     <p:spTree>
@@ -28241,44 +29451,6 @@
           </a:bodyPr>
           <a:lstStyle/>
           <a:p>
-            <a:pPr marL="457200" indent="-457200">
-              <a:buFont typeface="Arial" panose="020B0604020202020204" pitchFamily="34" charset="0"/>
-              <a:buChar char="•"/>
-            </a:pPr>
-            <a:r>
-              <a:rPr lang="ko-KR" altLang="en-US" sz="3200" dirty="0" smtClean="0">
-                <a:solidFill>
-                  <a:schemeClr val="bg1"/>
-                </a:solidFill>
-                <a:effectLst>
-                  <a:outerShdw blurRad="38100" dist="38100" dir="2700000" algn="tl">
-                    <a:srgbClr val="000000">
-                      <a:alpha val="43137"/>
-                    </a:srgbClr>
-                  </a:outerShdw>
-                </a:effectLst>
-                <a:latin typeface="-윤고딕310" panose="02030504000101010101" pitchFamily="18" charset="-127"/>
-                <a:ea typeface="-윤고딕310" panose="02030504000101010101" pitchFamily="18" charset="-127"/>
-              </a:rPr>
-              <a:t>무엇이 필요한가</a:t>
-            </a:r>
-            <a:r>
-              <a:rPr lang="en-US" altLang="ko-KR" sz="3200" smtClean="0">
-                <a:solidFill>
-                  <a:schemeClr val="bg1"/>
-                </a:solidFill>
-                <a:effectLst>
-                  <a:outerShdw blurRad="38100" dist="38100" dir="2700000" algn="tl">
-                    <a:srgbClr val="000000">
-                      <a:alpha val="43137"/>
-                    </a:srgbClr>
-                  </a:outerShdw>
-                </a:effectLst>
-                <a:latin typeface="-윤고딕310" panose="02030504000101010101" pitchFamily="18" charset="-127"/>
-                <a:ea typeface="-윤고딕310" panose="02030504000101010101" pitchFamily="18" charset="-127"/>
-              </a:rPr>
-              <a:t>.</a:t>
-            </a:r>
             <a:endParaRPr lang="en-US" altLang="ko-KR" sz="3200" dirty="0">
               <a:solidFill>
                 <a:schemeClr val="bg1"/>
@@ -28429,6 +29601,1169 @@
           </a:p>
         </p:txBody>
       </p:sp>
+      <p:graphicFrame>
+        <p:nvGraphicFramePr>
+          <p:cNvPr id="2" name="표 1"/>
+          <p:cNvGraphicFramePr>
+            <a:graphicFrameLocks noGrp="1"/>
+          </p:cNvGraphicFramePr>
+          <p:nvPr>
+            <p:extLst>
+              <p:ext uri="{D42A27DB-BD31-4B8C-83A1-F6EECF244321}">
+                <p14:modId xmlns:p14="http://schemas.microsoft.com/office/powerpoint/2010/main" val="1469648829"/>
+              </p:ext>
+            </p:extLst>
+          </p:nvPr>
+        </p:nvGraphicFramePr>
+        <p:xfrm>
+          <a:off x="438152" y="1209668"/>
+          <a:ext cx="11296647" cy="5013960"/>
+        </p:xfrm>
+        <a:graphic>
+          <a:graphicData uri="http://schemas.openxmlformats.org/drawingml/2006/table">
+            <a:tbl>
+              <a:tblPr firstRow="1" bandRow="1">
+                <a:tableStyleId>{073A0DAA-6AF3-43AB-8588-CEC1D06C72B9}</a:tableStyleId>
+              </a:tblPr>
+              <a:tblGrid>
+                <a:gridCol w="1733548"/>
+                <a:gridCol w="7715250"/>
+                <a:gridCol w="1847849"/>
+              </a:tblGrid>
+              <a:tr h="804864">
+                <a:tc>
+                  <a:txBody>
+                    <a:bodyPr/>
+                    <a:lstStyle/>
+                    <a:p>
+                      <a:pPr algn="ctr" latinLnBrk="1"/>
+                      <a:r>
+                        <a:rPr lang="ko-KR" altLang="en-US" dirty="0" smtClean="0"/>
+                        <a:t>항목</a:t>
+                      </a:r>
+                      <a:endParaRPr lang="ko-KR" altLang="en-US" dirty="0"/>
+                    </a:p>
+                  </a:txBody>
+                  <a:tcPr anchor="ctr">
+                    <a:lnL w="12700" cmpd="sng">
+                      <a:noFill/>
+                    </a:lnL>
+                    <a:lnR w="12700" cmpd="sng">
+                      <a:noFill/>
+                    </a:lnR>
+                    <a:lnT w="12700" cmpd="sng">
+                      <a:noFill/>
+                    </a:lnT>
+                    <a:lnB w="38100" cmpd="sng">
+                      <a:noFill/>
+                    </a:lnB>
+                    <a:lnTlToBr w="12700" cmpd="sng">
+                      <a:noFill/>
+                      <a:prstDash val="solid"/>
+                    </a:lnTlToBr>
+                    <a:lnBlToTr w="12700" cmpd="sng">
+                      <a:noFill/>
+                      <a:prstDash val="solid"/>
+                    </a:lnBlToTr>
+                    <a:solidFill>
+                      <a:schemeClr val="tx1"/>
+                    </a:solidFill>
+                  </a:tcPr>
+                </a:tc>
+                <a:tc>
+                  <a:txBody>
+                    <a:bodyPr/>
+                    <a:lstStyle/>
+                    <a:p>
+                      <a:pPr algn="ctr" latinLnBrk="1"/>
+                      <a:r>
+                        <a:rPr lang="ko-KR" altLang="en-US" dirty="0" smtClean="0"/>
+                        <a:t>설명</a:t>
+                      </a:r>
+                      <a:endParaRPr lang="ko-KR" altLang="en-US" dirty="0"/>
+                    </a:p>
+                  </a:txBody>
+                  <a:tcPr anchor="ctr">
+                    <a:lnL w="12700" cmpd="sng">
+                      <a:noFill/>
+                    </a:lnL>
+                    <a:lnR w="12700" cmpd="sng">
+                      <a:noFill/>
+                    </a:lnR>
+                    <a:lnT w="12700" cmpd="sng">
+                      <a:noFill/>
+                    </a:lnT>
+                    <a:lnB w="38100" cmpd="sng">
+                      <a:noFill/>
+                    </a:lnB>
+                    <a:lnTlToBr w="12700" cmpd="sng">
+                      <a:noFill/>
+                      <a:prstDash val="solid"/>
+                    </a:lnTlToBr>
+                    <a:lnBlToTr w="12700" cmpd="sng">
+                      <a:noFill/>
+                      <a:prstDash val="solid"/>
+                    </a:lnBlToTr>
+                  </a:tcPr>
+                </a:tc>
+                <a:tc>
+                  <a:txBody>
+                    <a:bodyPr/>
+                    <a:lstStyle/>
+                    <a:p>
+                      <a:pPr algn="ctr" latinLnBrk="1"/>
+                      <a:r>
+                        <a:rPr lang="ko-KR" altLang="en-US" dirty="0" smtClean="0"/>
+                        <a:t>비고</a:t>
+                      </a:r>
+                      <a:endParaRPr lang="ko-KR" altLang="en-US" dirty="0"/>
+                    </a:p>
+                  </a:txBody>
+                  <a:tcPr anchor="ctr">
+                    <a:lnL w="12700" cmpd="sng">
+                      <a:noFill/>
+                    </a:lnL>
+                    <a:lnR w="12700" cmpd="sng">
+                      <a:noFill/>
+                    </a:lnR>
+                    <a:lnT w="12700" cmpd="sng">
+                      <a:noFill/>
+                    </a:lnT>
+                    <a:lnB w="38100" cmpd="sng">
+                      <a:noFill/>
+                    </a:lnB>
+                    <a:lnTlToBr w="12700" cmpd="sng">
+                      <a:noFill/>
+                      <a:prstDash val="solid"/>
+                    </a:lnTlToBr>
+                    <a:lnBlToTr w="12700" cmpd="sng">
+                      <a:noFill/>
+                      <a:prstDash val="solid"/>
+                    </a:lnBlToTr>
+                  </a:tcPr>
+                </a:tc>
+              </a:tr>
+              <a:tr h="757243">
+                <a:tc>
+                  <a:txBody>
+                    <a:bodyPr/>
+                    <a:lstStyle/>
+                    <a:p>
+                      <a:pPr algn="ctr" latinLnBrk="1"/>
+                      <a:r>
+                        <a:rPr lang="ko-KR" altLang="en-US" baseline="0" dirty="0" smtClean="0"/>
+                        <a:t>태양계 시스템</a:t>
+                      </a:r>
+                      <a:endParaRPr lang="ko-KR" altLang="en-US" dirty="0"/>
+                    </a:p>
+                  </a:txBody>
+                  <a:tcPr anchor="ctr">
+                    <a:lnL w="12700" cmpd="sng">
+                      <a:noFill/>
+                    </a:lnL>
+                    <a:lnR w="12700" cmpd="sng">
+                      <a:noFill/>
+                    </a:lnR>
+                    <a:lnT w="38100" cmpd="sng">
+                      <a:noFill/>
+                    </a:lnT>
+                    <a:lnB w="12700" cmpd="sng">
+                      <a:noFill/>
+                    </a:lnB>
+                    <a:lnTlToBr w="12700" cmpd="sng">
+                      <a:noFill/>
+                      <a:prstDash val="solid"/>
+                    </a:lnTlToBr>
+                    <a:lnBlToTr w="12700" cmpd="sng">
+                      <a:noFill/>
+                      <a:prstDash val="solid"/>
+                    </a:lnBlToTr>
+                    <a:solidFill>
+                      <a:schemeClr val="bg2">
+                        <a:lumMod val="50000"/>
+                      </a:schemeClr>
+                    </a:solidFill>
+                  </a:tcPr>
+                </a:tc>
+                <a:tc>
+                  <a:txBody>
+                    <a:bodyPr/>
+                    <a:lstStyle/>
+                    <a:p>
+                      <a:pPr latinLnBrk="1"/>
+                      <a:r>
+                        <a:rPr lang="ko-KR" altLang="en-US" sz="1600" dirty="0" smtClean="0"/>
+                        <a:t>하나의 구역은 한 점으로 표현된다</a:t>
+                      </a:r>
+                      <a:r>
+                        <a:rPr lang="en-US" altLang="ko-KR" sz="1600" dirty="0" smtClean="0"/>
+                        <a:t>. </a:t>
+                      </a:r>
+                      <a:r>
+                        <a:rPr lang="ko-KR" altLang="en-US" sz="1600" dirty="0" smtClean="0"/>
+                        <a:t>이 점은 </a:t>
+                      </a:r>
+                      <a:r>
+                        <a:rPr lang="en-US" altLang="ko-KR" sz="1600" dirty="0" smtClean="0"/>
+                        <a:t>Beacon</a:t>
+                      </a:r>
+                      <a:r>
+                        <a:rPr lang="en-US" altLang="ko-KR" sz="1600" baseline="0" dirty="0" smtClean="0"/>
+                        <a:t> </a:t>
+                      </a:r>
+                      <a:r>
+                        <a:rPr lang="ko-KR" altLang="en-US" sz="1600" baseline="0" dirty="0" smtClean="0"/>
+                        <a:t>으로 불린다</a:t>
+                      </a:r>
+                      <a:r>
+                        <a:rPr lang="en-US" altLang="ko-KR" sz="1600" baseline="0" dirty="0" smtClean="0"/>
+                        <a:t>. </a:t>
+                      </a:r>
+                      <a:r>
+                        <a:rPr lang="ko-KR" altLang="en-US" sz="1600" baseline="0" dirty="0" smtClean="0"/>
+                        <a:t>이 점이 모여 하나의 태양계를 나타낸다</a:t>
+                      </a:r>
+                      <a:r>
+                        <a:rPr lang="en-US" altLang="ko-KR" sz="1600" baseline="0" dirty="0" smtClean="0"/>
+                        <a:t>. </a:t>
+                      </a:r>
+                      <a:r>
+                        <a:rPr lang="ko-KR" altLang="en-US" sz="1600" baseline="0" dirty="0" smtClean="0"/>
+                        <a:t>한 태양계를 모두 탐험하면 다음 태양계로 이동할 수 있다</a:t>
+                      </a:r>
+                      <a:r>
+                        <a:rPr lang="en-US" altLang="ko-KR" sz="1600" baseline="0" dirty="0" smtClean="0"/>
+                        <a:t>. </a:t>
+                      </a:r>
+                      <a:r>
+                        <a:rPr lang="ko-KR" altLang="en-US" sz="1600" dirty="0" smtClean="0"/>
+                        <a:t>플레이어는 일종의</a:t>
+                      </a:r>
+                      <a:r>
+                        <a:rPr lang="en-US" altLang="ko-KR" sz="1600" baseline="0" dirty="0" smtClean="0"/>
+                        <a:t>‘</a:t>
+                      </a:r>
+                      <a:r>
+                        <a:rPr lang="ko-KR" altLang="en-US" sz="1600" baseline="0" dirty="0" smtClean="0"/>
+                        <a:t>안전구역</a:t>
+                      </a:r>
+                      <a:r>
+                        <a:rPr lang="en-US" altLang="ko-KR" sz="1600" baseline="0" dirty="0" smtClean="0"/>
+                        <a:t>’</a:t>
+                      </a:r>
+                      <a:r>
+                        <a:rPr lang="ko-KR" altLang="en-US" sz="1600" baseline="0" dirty="0" smtClean="0"/>
+                        <a:t>에서는 언제든지</a:t>
+                      </a:r>
+                      <a:r>
+                        <a:rPr lang="en-US" altLang="ko-KR" sz="1600" baseline="0" dirty="0" smtClean="0"/>
+                        <a:t>, </a:t>
+                      </a:r>
+                      <a:r>
+                        <a:rPr lang="ko-KR" altLang="en-US" sz="1600" baseline="0" dirty="0" smtClean="0"/>
+                        <a:t>적과 같은 위협이 있는</a:t>
+                      </a:r>
+                      <a:r>
+                        <a:rPr lang="en-US" altLang="ko-KR" sz="1600" baseline="0" dirty="0" smtClean="0"/>
+                        <a:t>‘</a:t>
+                      </a:r>
+                      <a:r>
+                        <a:rPr lang="ko-KR" altLang="en-US" sz="1600" baseline="0" dirty="0" smtClean="0"/>
+                        <a:t>위험구역</a:t>
+                      </a:r>
+                      <a:r>
+                        <a:rPr lang="en-US" altLang="ko-KR" sz="1600" baseline="0" dirty="0" smtClean="0"/>
+                        <a:t>’</a:t>
+                      </a:r>
+                      <a:r>
+                        <a:rPr lang="ko-KR" altLang="en-US" sz="1600" baseline="0" dirty="0" smtClean="0"/>
+                        <a:t>에서는 일정 시간의 엔진 설비 충전 이후에 공간 이동을 시도할 수 있다</a:t>
+                      </a:r>
+                      <a:r>
+                        <a:rPr lang="en-US" altLang="ko-KR" sz="1600" baseline="0" dirty="0" smtClean="0"/>
+                        <a:t>.</a:t>
+                      </a:r>
+                      <a:endParaRPr lang="ko-KR" altLang="en-US" sz="1600" dirty="0"/>
+                    </a:p>
+                  </a:txBody>
+                  <a:tcPr>
+                    <a:lnL w="12700" cmpd="sng">
+                      <a:noFill/>
+                    </a:lnL>
+                    <a:lnR w="12700" cmpd="sng">
+                      <a:noFill/>
+                    </a:lnR>
+                    <a:lnT w="38100" cmpd="sng">
+                      <a:noFill/>
+                    </a:lnT>
+                    <a:lnB w="12700" cmpd="sng">
+                      <a:noFill/>
+                    </a:lnB>
+                    <a:lnTlToBr w="12700" cmpd="sng">
+                      <a:noFill/>
+                      <a:prstDash val="solid"/>
+                    </a:lnTlToBr>
+                    <a:lnBlToTr w="12700" cmpd="sng">
+                      <a:noFill/>
+                      <a:prstDash val="solid"/>
+                    </a:lnBlToTr>
+                  </a:tcPr>
+                </a:tc>
+                <a:tc>
+                  <a:txBody>
+                    <a:bodyPr/>
+                    <a:lstStyle/>
+                    <a:p>
+                      <a:pPr latinLnBrk="1"/>
+                      <a:r>
+                        <a:rPr lang="ko-KR" altLang="en-US" sz="1600" dirty="0" smtClean="0"/>
+                        <a:t>공간 이동 시 연료 소모</a:t>
+                      </a:r>
+                      <a:r>
+                        <a:rPr lang="en-US" altLang="ko-KR" sz="1600" dirty="0" smtClean="0"/>
+                        <a:t>. </a:t>
+                      </a:r>
+                      <a:r>
+                        <a:rPr lang="ko-KR" altLang="en-US" sz="1600" dirty="0" smtClean="0"/>
+                        <a:t>한 태양계는 하나의 점</a:t>
+                      </a:r>
+                      <a:r>
+                        <a:rPr lang="en-US" altLang="ko-KR" sz="1600" dirty="0" smtClean="0"/>
+                        <a:t>-</a:t>
+                      </a:r>
+                      <a:r>
+                        <a:rPr lang="ko-KR" altLang="en-US" sz="1600" dirty="0" smtClean="0"/>
+                        <a:t>선 지도로 표현된다</a:t>
+                      </a:r>
+                      <a:r>
+                        <a:rPr lang="en-US" altLang="ko-KR" sz="1600" dirty="0" smtClean="0"/>
+                        <a:t>.</a:t>
+                      </a:r>
+                      <a:endParaRPr lang="ko-KR" altLang="en-US" sz="1600" dirty="0"/>
+                    </a:p>
+                  </a:txBody>
+                  <a:tcPr>
+                    <a:lnL w="12700" cmpd="sng">
+                      <a:noFill/>
+                    </a:lnL>
+                    <a:lnR w="12700" cmpd="sng">
+                      <a:noFill/>
+                    </a:lnR>
+                    <a:lnT w="38100" cmpd="sng">
+                      <a:noFill/>
+                    </a:lnT>
+                    <a:lnB w="12700" cmpd="sng">
+                      <a:noFill/>
+                    </a:lnB>
+                    <a:lnTlToBr w="12700" cmpd="sng">
+                      <a:noFill/>
+                      <a:prstDash val="solid"/>
+                    </a:lnTlToBr>
+                    <a:lnBlToTr w="12700" cmpd="sng">
+                      <a:noFill/>
+                      <a:prstDash val="solid"/>
+                    </a:lnBlToTr>
+                  </a:tcPr>
+                </a:tc>
+              </a:tr>
+              <a:tr h="782008">
+                <a:tc>
+                  <a:txBody>
+                    <a:bodyPr/>
+                    <a:lstStyle/>
+                    <a:p>
+                      <a:pPr algn="ctr" latinLnBrk="1"/>
+                      <a:r>
+                        <a:rPr lang="ko-KR" altLang="en-US" dirty="0" smtClean="0"/>
+                        <a:t>함선</a:t>
+                      </a:r>
+                      <a:r>
+                        <a:rPr lang="en-US" altLang="ko-KR" dirty="0" smtClean="0"/>
+                        <a:t>, </a:t>
+                      </a:r>
+                      <a:r>
+                        <a:rPr lang="ko-KR" altLang="en-US" dirty="0" smtClean="0"/>
+                        <a:t>선원</a:t>
+                      </a:r>
+                      <a:r>
+                        <a:rPr lang="en-US" altLang="ko-KR" dirty="0" smtClean="0"/>
+                        <a:t/>
+                      </a:r>
+                      <a:br>
+                        <a:rPr lang="en-US" altLang="ko-KR" dirty="0" smtClean="0"/>
+                      </a:br>
+                      <a:r>
+                        <a:rPr lang="ko-KR" altLang="en-US" dirty="0" smtClean="0"/>
+                        <a:t>시스템</a:t>
+                      </a:r>
+                      <a:endParaRPr lang="ko-KR" altLang="en-US" dirty="0"/>
+                    </a:p>
+                  </a:txBody>
+                  <a:tcPr anchor="ctr">
+                    <a:lnL w="12700" cmpd="sng">
+                      <a:noFill/>
+                    </a:lnL>
+                    <a:lnR w="12700" cmpd="sng">
+                      <a:noFill/>
+                    </a:lnR>
+                    <a:lnT w="12700" cmpd="sng">
+                      <a:noFill/>
+                    </a:lnT>
+                    <a:lnB w="12700" cmpd="sng">
+                      <a:noFill/>
+                    </a:lnB>
+                    <a:lnTlToBr w="12700" cmpd="sng">
+                      <a:noFill/>
+                      <a:prstDash val="solid"/>
+                    </a:lnTlToBr>
+                    <a:lnBlToTr w="12700" cmpd="sng">
+                      <a:noFill/>
+                      <a:prstDash val="solid"/>
+                    </a:lnBlToTr>
+                    <a:solidFill>
+                      <a:schemeClr val="bg2">
+                        <a:lumMod val="50000"/>
+                      </a:schemeClr>
+                    </a:solidFill>
+                  </a:tcPr>
+                </a:tc>
+                <a:tc>
+                  <a:txBody>
+                    <a:bodyPr/>
+                    <a:lstStyle/>
+                    <a:p>
+                      <a:pPr latinLnBrk="1"/>
+                      <a:r>
+                        <a:rPr lang="ko-KR" altLang="en-US" sz="1600" dirty="0" smtClean="0"/>
+                        <a:t>사용자 정의 함선</a:t>
+                      </a:r>
+                      <a:r>
+                        <a:rPr lang="en-US" altLang="ko-KR" sz="1600" dirty="0" smtClean="0"/>
+                        <a:t>.</a:t>
+                      </a:r>
+                      <a:r>
+                        <a:rPr lang="en-US" altLang="ko-KR" sz="1600" baseline="0" dirty="0" smtClean="0"/>
+                        <a:t> </a:t>
+                      </a:r>
+                      <a:r>
+                        <a:rPr lang="ko-KR" altLang="en-US" sz="1600" baseline="0" dirty="0" smtClean="0"/>
+                        <a:t>함선에는 체력</a:t>
+                      </a:r>
+                      <a:r>
+                        <a:rPr lang="en-US" altLang="ko-KR" sz="1600" baseline="0" dirty="0" smtClean="0"/>
+                        <a:t>, </a:t>
+                      </a:r>
+                      <a:r>
+                        <a:rPr lang="ko-KR" altLang="en-US" sz="1600" baseline="0" dirty="0" smtClean="0"/>
+                        <a:t>보호막</a:t>
+                      </a:r>
+                      <a:r>
+                        <a:rPr lang="en-US" altLang="ko-KR" sz="1600" baseline="0" dirty="0" smtClean="0"/>
+                        <a:t>, </a:t>
+                      </a:r>
+                      <a:r>
+                        <a:rPr lang="ko-KR" altLang="en-US" sz="1600" baseline="0" dirty="0" smtClean="0"/>
+                        <a:t>연료</a:t>
+                      </a:r>
+                      <a:r>
+                        <a:rPr lang="en-US" altLang="ko-KR" sz="1600" baseline="0" dirty="0" smtClean="0"/>
+                        <a:t>, </a:t>
+                      </a:r>
+                      <a:r>
+                        <a:rPr lang="ko-KR" altLang="en-US" sz="1600" baseline="0" dirty="0" smtClean="0"/>
+                        <a:t>가용 에너지가 있다</a:t>
+                      </a:r>
+                      <a:r>
+                        <a:rPr lang="en-US" altLang="ko-KR" sz="1600" baseline="0" dirty="0" smtClean="0"/>
+                        <a:t>.</a:t>
+                      </a:r>
+                      <a:r>
+                        <a:rPr lang="en-US" altLang="ko-KR" sz="1600" dirty="0" smtClean="0"/>
+                        <a:t> </a:t>
+                      </a:r>
+                      <a:r>
+                        <a:rPr lang="ko-KR" altLang="en-US" sz="1600" dirty="0" smtClean="0"/>
+                        <a:t>무기와 장비</a:t>
+                      </a:r>
+                      <a:r>
+                        <a:rPr lang="ko-KR" altLang="en-US" sz="1600" baseline="0" dirty="0" smtClean="0"/>
+                        <a:t> 등 설비를 장착할 수 있다</a:t>
+                      </a:r>
+                      <a:r>
+                        <a:rPr lang="en-US" altLang="ko-KR" sz="1600" baseline="0" dirty="0" smtClean="0"/>
+                        <a:t>. </a:t>
+                      </a:r>
+                      <a:r>
+                        <a:rPr lang="ko-KR" altLang="en-US" sz="1600" baseline="0" dirty="0" smtClean="0"/>
+                        <a:t>각 설비는 사용 에너지가 있다</a:t>
+                      </a:r>
+                      <a:r>
+                        <a:rPr lang="en-US" altLang="ko-KR" sz="1600" baseline="0" dirty="0" smtClean="0"/>
+                        <a:t>.</a:t>
+                      </a:r>
+                      <a:r>
+                        <a:rPr lang="ko-KR" altLang="en-US" sz="1600" baseline="0" dirty="0" smtClean="0"/>
+                        <a:t> 함선의 설비는 물론이고 함선도 사고 팔 수 있다</a:t>
+                      </a:r>
+                      <a:r>
+                        <a:rPr lang="en-US" altLang="ko-KR" sz="1600" baseline="0" dirty="0" smtClean="0"/>
+                        <a:t>. </a:t>
+                      </a:r>
+                      <a:r>
+                        <a:rPr lang="ko-KR" altLang="en-US" sz="1600" baseline="0" dirty="0" smtClean="0"/>
+                        <a:t>연료</a:t>
+                      </a:r>
+                      <a:r>
+                        <a:rPr lang="en-US" altLang="ko-KR" sz="1600" baseline="0" dirty="0" smtClean="0"/>
+                        <a:t>, </a:t>
+                      </a:r>
+                      <a:r>
+                        <a:rPr lang="ko-KR" altLang="en-US" sz="1600" baseline="0" dirty="0" smtClean="0"/>
+                        <a:t>자원</a:t>
+                      </a:r>
+                      <a:r>
+                        <a:rPr lang="en-US" altLang="ko-KR" sz="1600" baseline="0" dirty="0" smtClean="0"/>
+                        <a:t>, </a:t>
+                      </a:r>
+                      <a:r>
+                        <a:rPr lang="ko-KR" altLang="en-US" sz="1600" baseline="0" dirty="0" smtClean="0"/>
+                        <a:t>선원 역시 사고 팔 수 있다</a:t>
+                      </a:r>
+                      <a:r>
+                        <a:rPr lang="en-US" altLang="ko-KR" sz="1600" baseline="0" dirty="0" smtClean="0"/>
+                        <a:t>. </a:t>
+                      </a:r>
+                      <a:r>
+                        <a:rPr lang="ko-KR" altLang="en-US" sz="1600" baseline="0" dirty="0" smtClean="0"/>
+                        <a:t>선원은 체력</a:t>
+                      </a:r>
+                      <a:r>
+                        <a:rPr lang="en-US" altLang="ko-KR" sz="1600" baseline="0" dirty="0" smtClean="0"/>
+                        <a:t>, </a:t>
+                      </a:r>
+                      <a:r>
+                        <a:rPr lang="ko-KR" altLang="en-US" sz="1600" baseline="0" dirty="0" smtClean="0"/>
+                        <a:t>숙련도 </a:t>
+                      </a:r>
+                      <a:r>
+                        <a:rPr lang="en-US" altLang="ko-KR" sz="1600" baseline="0" dirty="0" smtClean="0"/>
+                        <a:t>(</a:t>
+                      </a:r>
+                      <a:r>
+                        <a:rPr lang="ko-KR" altLang="en-US" sz="1600" baseline="0" dirty="0" smtClean="0"/>
+                        <a:t>전투</a:t>
+                      </a:r>
+                      <a:r>
+                        <a:rPr lang="en-US" altLang="ko-KR" sz="1600" baseline="0" dirty="0" smtClean="0"/>
+                        <a:t>, </a:t>
+                      </a:r>
+                      <a:r>
+                        <a:rPr lang="ko-KR" altLang="en-US" sz="1600" baseline="0" dirty="0" smtClean="0"/>
+                        <a:t>수리</a:t>
+                      </a:r>
+                      <a:r>
+                        <a:rPr lang="en-US" altLang="ko-KR" sz="1600" baseline="0" dirty="0" smtClean="0"/>
+                        <a:t>, </a:t>
+                      </a:r>
+                      <a:r>
+                        <a:rPr lang="ko-KR" altLang="en-US" sz="1600" baseline="0" dirty="0" smtClean="0"/>
+                        <a:t>설비 관리 능력 등</a:t>
+                      </a:r>
+                      <a:r>
+                        <a:rPr lang="en-US" altLang="ko-KR" sz="1600" baseline="0" dirty="0" smtClean="0"/>
+                        <a:t>) </a:t>
+                      </a:r>
+                      <a:r>
+                        <a:rPr lang="ko-KR" altLang="en-US" sz="1600" baseline="0" dirty="0" smtClean="0"/>
+                        <a:t>을 갖고 있다</a:t>
+                      </a:r>
+                      <a:r>
+                        <a:rPr lang="en-US" altLang="ko-KR" sz="1600" baseline="0" dirty="0" smtClean="0"/>
+                        <a:t>. </a:t>
+                      </a:r>
+                      <a:r>
+                        <a:rPr lang="ko-KR" altLang="en-US" sz="1600" baseline="0" dirty="0" smtClean="0"/>
+                        <a:t>선원은 설비를 관제하고</a:t>
+                      </a:r>
+                      <a:r>
+                        <a:rPr lang="en-US" altLang="ko-KR" sz="1600" baseline="0" dirty="0" smtClean="0"/>
+                        <a:t> </a:t>
+                      </a:r>
+                      <a:r>
+                        <a:rPr lang="ko-KR" altLang="en-US" sz="1600" baseline="0" dirty="0" smtClean="0"/>
+                        <a:t>수리할 수 있다</a:t>
+                      </a:r>
+                      <a:r>
+                        <a:rPr lang="en-US" altLang="ko-KR" sz="1600" baseline="0" dirty="0" smtClean="0"/>
+                        <a:t>.</a:t>
+                      </a:r>
+                      <a:endParaRPr lang="en-US" altLang="ko-KR" sz="1600" baseline="0" dirty="0" smtClean="0"/>
+                    </a:p>
+                  </a:txBody>
+                  <a:tcPr>
+                    <a:lnL w="12700" cmpd="sng">
+                      <a:noFill/>
+                    </a:lnL>
+                    <a:lnR w="12700" cmpd="sng">
+                      <a:noFill/>
+                    </a:lnR>
+                    <a:lnT w="12700" cmpd="sng">
+                      <a:noFill/>
+                    </a:lnT>
+                    <a:lnB w="12700" cmpd="sng">
+                      <a:noFill/>
+                    </a:lnB>
+                    <a:lnTlToBr w="12700" cmpd="sng">
+                      <a:noFill/>
+                      <a:prstDash val="solid"/>
+                    </a:lnTlToBr>
+                    <a:lnBlToTr w="12700" cmpd="sng">
+                      <a:noFill/>
+                      <a:prstDash val="solid"/>
+                    </a:lnBlToTr>
+                  </a:tcPr>
+                </a:tc>
+                <a:tc>
+                  <a:txBody>
+                    <a:bodyPr/>
+                    <a:lstStyle/>
+                    <a:p>
+                      <a:pPr latinLnBrk="1"/>
+                      <a:r>
+                        <a:rPr lang="ko-KR" altLang="en-US" sz="1600" dirty="0" smtClean="0"/>
+                        <a:t>보호막은 설비 필요</a:t>
+                      </a:r>
+                      <a:r>
+                        <a:rPr lang="en-US" altLang="ko-KR" sz="1600" dirty="0" smtClean="0"/>
+                        <a:t>,</a:t>
+                      </a:r>
+                      <a:r>
+                        <a:rPr lang="ko-KR" altLang="en-US" sz="1600" baseline="0" dirty="0" smtClean="0"/>
+                        <a:t> 무역은 물물교환</a:t>
+                      </a:r>
+                      <a:r>
+                        <a:rPr lang="en-US" altLang="ko-KR" sz="1600" baseline="0" dirty="0" smtClean="0"/>
+                        <a:t>, </a:t>
+                      </a:r>
+                      <a:r>
+                        <a:rPr lang="ko-KR" altLang="en-US" sz="1600" baseline="0" dirty="0" smtClean="0"/>
+                        <a:t>화폐거래 가능</a:t>
+                      </a:r>
+                      <a:endParaRPr lang="en-US" altLang="ko-KR" sz="1600" dirty="0" smtClean="0"/>
+                    </a:p>
+                  </a:txBody>
+                  <a:tcPr>
+                    <a:lnL w="12700" cmpd="sng">
+                      <a:noFill/>
+                    </a:lnL>
+                    <a:lnR w="12700" cmpd="sng">
+                      <a:noFill/>
+                    </a:lnR>
+                    <a:lnT w="12700" cmpd="sng">
+                      <a:noFill/>
+                    </a:lnT>
+                    <a:lnB w="12700" cmpd="sng">
+                      <a:noFill/>
+                    </a:lnB>
+                    <a:lnTlToBr w="12700" cmpd="sng">
+                      <a:noFill/>
+                      <a:prstDash val="solid"/>
+                    </a:lnTlToBr>
+                    <a:lnBlToTr w="12700" cmpd="sng">
+                      <a:noFill/>
+                      <a:prstDash val="solid"/>
+                    </a:lnBlToTr>
+                  </a:tcPr>
+                </a:tc>
+              </a:tr>
+              <a:tr h="409575">
+                <a:tc>
+                  <a:txBody>
+                    <a:bodyPr/>
+                    <a:lstStyle/>
+                    <a:p>
+                      <a:pPr algn="ctr" latinLnBrk="1"/>
+                      <a:r>
+                        <a:rPr lang="ko-KR" altLang="en-US" dirty="0" smtClean="0"/>
+                        <a:t>도전과제</a:t>
+                      </a:r>
+                      <a:r>
+                        <a:rPr lang="en-US" altLang="ko-KR" dirty="0" smtClean="0"/>
+                        <a:t/>
+                      </a:r>
+                      <a:br>
+                        <a:rPr lang="en-US" altLang="ko-KR" dirty="0" smtClean="0"/>
+                      </a:br>
+                      <a:r>
+                        <a:rPr lang="ko-KR" altLang="en-US" dirty="0" smtClean="0"/>
+                        <a:t>퀘스트</a:t>
+                      </a:r>
+                      <a:endParaRPr lang="ko-KR" altLang="en-US" dirty="0"/>
+                    </a:p>
+                  </a:txBody>
+                  <a:tcPr anchor="ctr">
+                    <a:lnL w="12700" cmpd="sng">
+                      <a:noFill/>
+                    </a:lnL>
+                    <a:lnR w="12700" cmpd="sng">
+                      <a:noFill/>
+                    </a:lnR>
+                    <a:lnT w="12700" cmpd="sng">
+                      <a:noFill/>
+                    </a:lnT>
+                    <a:lnB w="12700" cmpd="sng">
+                      <a:noFill/>
+                    </a:lnB>
+                    <a:lnTlToBr w="12700" cmpd="sng">
+                      <a:noFill/>
+                      <a:prstDash val="solid"/>
+                    </a:lnTlToBr>
+                    <a:lnBlToTr w="12700" cmpd="sng">
+                      <a:noFill/>
+                      <a:prstDash val="solid"/>
+                    </a:lnBlToTr>
+                    <a:solidFill>
+                      <a:schemeClr val="bg2">
+                        <a:lumMod val="50000"/>
+                      </a:schemeClr>
+                    </a:solidFill>
+                  </a:tcPr>
+                </a:tc>
+                <a:tc>
+                  <a:txBody>
+                    <a:bodyPr/>
+                    <a:lstStyle/>
+                    <a:p>
+                      <a:pPr latinLnBrk="1"/>
+                      <a:r>
+                        <a:rPr lang="ko-KR" altLang="en-US" sz="1600" dirty="0" smtClean="0"/>
+                        <a:t>게임의 목표 설정</a:t>
+                      </a:r>
+                      <a:r>
+                        <a:rPr lang="en-US" altLang="ko-KR" sz="1600" dirty="0" smtClean="0"/>
+                        <a:t>. </a:t>
+                      </a:r>
+                      <a:r>
+                        <a:rPr lang="ko-KR" altLang="en-US" sz="1600" dirty="0" smtClean="0"/>
+                        <a:t>완료 시 보상 지급</a:t>
+                      </a:r>
+                      <a:r>
+                        <a:rPr lang="en-US" altLang="ko-KR" sz="1600" dirty="0" smtClean="0"/>
+                        <a:t>.</a:t>
+                      </a:r>
+                      <a:r>
+                        <a:rPr lang="en-US" altLang="ko-KR" sz="1600" baseline="0" dirty="0" smtClean="0"/>
+                        <a:t> </a:t>
+                      </a:r>
+                      <a:r>
+                        <a:rPr lang="ko-KR" altLang="en-US" sz="1600" dirty="0" smtClean="0"/>
+                        <a:t>도전 과제에는 단순 수치 달성 뿐만 아니라 수집</a:t>
+                      </a:r>
+                      <a:r>
+                        <a:rPr lang="en-US" altLang="ko-KR" sz="1600" dirty="0" smtClean="0"/>
+                        <a:t>, </a:t>
+                      </a:r>
+                      <a:r>
+                        <a:rPr lang="ko-KR" altLang="en-US" sz="1600" dirty="0" smtClean="0"/>
+                        <a:t>상황 조성 같은 종류도 존재한다</a:t>
+                      </a:r>
+                      <a:r>
+                        <a:rPr lang="en-US" altLang="ko-KR" sz="1600" dirty="0" smtClean="0"/>
+                        <a:t>.</a:t>
+                      </a:r>
+                      <a:endParaRPr lang="ko-KR" altLang="en-US" sz="1600" dirty="0"/>
+                    </a:p>
+                  </a:txBody>
+                  <a:tcPr>
+                    <a:lnL w="12700" cmpd="sng">
+                      <a:noFill/>
+                    </a:lnL>
+                    <a:lnR w="12700" cmpd="sng">
+                      <a:noFill/>
+                    </a:lnR>
+                    <a:lnT w="12700" cmpd="sng">
+                      <a:noFill/>
+                    </a:lnT>
+                    <a:lnB w="12700" cmpd="sng">
+                      <a:noFill/>
+                    </a:lnB>
+                    <a:lnTlToBr w="12700" cmpd="sng">
+                      <a:noFill/>
+                      <a:prstDash val="solid"/>
+                    </a:lnTlToBr>
+                    <a:lnBlToTr w="12700" cmpd="sng">
+                      <a:noFill/>
+                      <a:prstDash val="solid"/>
+                    </a:lnBlToTr>
+                  </a:tcPr>
+                </a:tc>
+                <a:tc>
+                  <a:txBody>
+                    <a:bodyPr/>
+                    <a:lstStyle/>
+                    <a:p>
+                      <a:pPr latinLnBrk="1"/>
+                      <a:r>
+                        <a:rPr lang="ko-KR" altLang="en-US" sz="1600" dirty="0" smtClean="0"/>
+                        <a:t>완료 시 팝업</a:t>
+                      </a:r>
+                      <a:endParaRPr lang="ko-KR" altLang="en-US" sz="1600" dirty="0"/>
+                    </a:p>
+                  </a:txBody>
+                  <a:tcPr>
+                    <a:lnL w="12700" cmpd="sng">
+                      <a:noFill/>
+                    </a:lnL>
+                    <a:lnR w="12700" cmpd="sng">
+                      <a:noFill/>
+                    </a:lnR>
+                    <a:lnT w="12700" cmpd="sng">
+                      <a:noFill/>
+                    </a:lnT>
+                    <a:lnB w="12700" cmpd="sng">
+                      <a:noFill/>
+                    </a:lnB>
+                    <a:lnTlToBr w="12700" cmpd="sng">
+                      <a:noFill/>
+                      <a:prstDash val="solid"/>
+                    </a:lnTlToBr>
+                    <a:lnBlToTr w="12700" cmpd="sng">
+                      <a:noFill/>
+                      <a:prstDash val="solid"/>
+                    </a:lnBlToTr>
+                  </a:tcPr>
+                </a:tc>
+              </a:tr>
+              <a:tr h="804864">
+                <a:tc>
+                  <a:txBody>
+                    <a:bodyPr/>
+                    <a:lstStyle/>
+                    <a:p>
+                      <a:pPr algn="ctr" latinLnBrk="1"/>
+                      <a:r>
+                        <a:rPr lang="ko-KR" altLang="en-US" dirty="0" smtClean="0"/>
+                        <a:t>전투</a:t>
+                      </a:r>
+                      <a:endParaRPr lang="ko-KR" altLang="en-US" dirty="0"/>
+                    </a:p>
+                  </a:txBody>
+                  <a:tcPr anchor="ctr">
+                    <a:lnL w="12700" cmpd="sng">
+                      <a:noFill/>
+                    </a:lnL>
+                    <a:lnR w="12700" cmpd="sng">
+                      <a:noFill/>
+                    </a:lnR>
+                    <a:lnT w="12700" cmpd="sng">
+                      <a:noFill/>
+                    </a:lnT>
+                    <a:lnB w="12700" cmpd="sng">
+                      <a:noFill/>
+                    </a:lnB>
+                    <a:lnTlToBr w="12700" cmpd="sng">
+                      <a:noFill/>
+                      <a:prstDash val="solid"/>
+                    </a:lnTlToBr>
+                    <a:lnBlToTr w="12700" cmpd="sng">
+                      <a:noFill/>
+                      <a:prstDash val="solid"/>
+                    </a:lnBlToTr>
+                    <a:solidFill>
+                      <a:schemeClr val="bg2">
+                        <a:lumMod val="50000"/>
+                      </a:schemeClr>
+                    </a:solidFill>
+                  </a:tcPr>
+                </a:tc>
+                <a:tc>
+                  <a:txBody>
+                    <a:bodyPr/>
+                    <a:lstStyle/>
+                    <a:p>
+                      <a:pPr latinLnBrk="1"/>
+                      <a:r>
+                        <a:rPr lang="ko-KR" altLang="en-US" sz="1600" baseline="0" dirty="0" smtClean="0"/>
+                        <a:t>무기는 함선 설비의 일종이다</a:t>
+                      </a:r>
+                      <a:r>
+                        <a:rPr lang="en-US" altLang="ko-KR" sz="1600" baseline="0" dirty="0" smtClean="0"/>
+                        <a:t>. </a:t>
+                      </a:r>
+                      <a:r>
+                        <a:rPr lang="ko-KR" altLang="en-US" sz="1600" baseline="0" dirty="0" smtClean="0"/>
+                        <a:t>공격 기능을 제외하면 함선의 설비와 같은 취급이다</a:t>
+                      </a:r>
+                      <a:r>
+                        <a:rPr lang="en-US" altLang="ko-KR" sz="1600" baseline="0" dirty="0" smtClean="0"/>
+                        <a:t>. </a:t>
+                      </a:r>
+                      <a:r>
+                        <a:rPr lang="ko-KR" altLang="en-US" sz="1600" baseline="0" dirty="0" smtClean="0"/>
+                        <a:t>적선 내 순간이동 설비가 있어</a:t>
+                      </a:r>
+                      <a:r>
+                        <a:rPr lang="en-US" altLang="ko-KR" sz="1600" baseline="0" dirty="0" smtClean="0"/>
+                        <a:t> </a:t>
+                      </a:r>
+                      <a:r>
+                        <a:rPr lang="ko-KR" altLang="en-US" sz="1600" baseline="0" dirty="0" smtClean="0"/>
+                        <a:t>침입자와 싸우거나 역으로 침입할 수 있다</a:t>
+                      </a:r>
+                      <a:r>
+                        <a:rPr lang="en-US" altLang="ko-KR" sz="1600" baseline="0" dirty="0" smtClean="0"/>
+                        <a:t>. </a:t>
+                      </a:r>
+                      <a:r>
+                        <a:rPr lang="ko-KR" altLang="en-US" sz="1600" baseline="0" dirty="0" smtClean="0"/>
+                        <a:t>외계인 마다 약간 다른 무기를 들고 온다</a:t>
+                      </a:r>
+                      <a:r>
+                        <a:rPr lang="en-US" altLang="ko-KR" sz="1600" baseline="0" dirty="0" smtClean="0"/>
+                        <a:t>.</a:t>
+                      </a:r>
+                      <a:endParaRPr lang="ko-KR" altLang="en-US" sz="1600" dirty="0"/>
+                    </a:p>
+                  </a:txBody>
+                  <a:tcPr>
+                    <a:lnL w="12700" cmpd="sng">
+                      <a:noFill/>
+                    </a:lnL>
+                    <a:lnR w="12700" cmpd="sng">
+                      <a:noFill/>
+                    </a:lnR>
+                    <a:lnT w="12700" cmpd="sng">
+                      <a:noFill/>
+                    </a:lnT>
+                    <a:lnB w="12700" cmpd="sng">
+                      <a:noFill/>
+                    </a:lnB>
+                    <a:lnTlToBr w="12700" cmpd="sng">
+                      <a:noFill/>
+                      <a:prstDash val="solid"/>
+                    </a:lnTlToBr>
+                    <a:lnBlToTr w="12700" cmpd="sng">
+                      <a:noFill/>
+                      <a:prstDash val="solid"/>
+                    </a:lnBlToTr>
+                  </a:tcPr>
+                </a:tc>
+                <a:tc>
+                  <a:txBody>
+                    <a:bodyPr/>
+                    <a:lstStyle/>
+                    <a:p>
+                      <a:pPr latinLnBrk="1"/>
+                      <a:r>
+                        <a:rPr lang="ko-KR" altLang="en-US" sz="1600" dirty="0" smtClean="0"/>
+                        <a:t>함선의 내구도가 </a:t>
+                      </a:r>
+                      <a:r>
+                        <a:rPr lang="en-US" altLang="ko-KR" sz="1600" dirty="0" smtClean="0"/>
+                        <a:t>0</a:t>
+                      </a:r>
+                      <a:r>
+                        <a:rPr lang="ko-KR" altLang="en-US" sz="1600" dirty="0" smtClean="0"/>
+                        <a:t>이 되면 파괴됨</a:t>
+                      </a:r>
+                      <a:r>
+                        <a:rPr lang="en-US" altLang="ko-KR" sz="1600" smtClean="0"/>
+                        <a:t>.</a:t>
+                      </a:r>
+                      <a:endParaRPr lang="ko-KR" altLang="en-US" sz="1600" dirty="0"/>
+                    </a:p>
+                  </a:txBody>
+                  <a:tcPr>
+                    <a:lnL w="12700" cmpd="sng">
+                      <a:noFill/>
+                    </a:lnL>
+                    <a:lnR w="12700" cmpd="sng">
+                      <a:noFill/>
+                    </a:lnR>
+                    <a:lnT w="12700" cmpd="sng">
+                      <a:noFill/>
+                    </a:lnT>
+                    <a:lnB w="12700" cmpd="sng">
+                      <a:noFill/>
+                    </a:lnB>
+                    <a:lnTlToBr w="12700" cmpd="sng">
+                      <a:noFill/>
+                      <a:prstDash val="solid"/>
+                    </a:lnTlToBr>
+                    <a:lnBlToTr w="12700" cmpd="sng">
+                      <a:noFill/>
+                      <a:prstDash val="solid"/>
+                    </a:lnBlToTr>
+                  </a:tcPr>
+                </a:tc>
+              </a:tr>
+              <a:tr h="612456">
+                <a:tc>
+                  <a:txBody>
+                    <a:bodyPr/>
+                    <a:lstStyle/>
+                    <a:p>
+                      <a:pPr algn="ctr" latinLnBrk="1"/>
+                      <a:r>
+                        <a:rPr lang="en-US" altLang="ko-KR" dirty="0" smtClean="0"/>
+                        <a:t>NPC</a:t>
+                      </a:r>
+                      <a:r>
+                        <a:rPr lang="ko-KR" altLang="en-US" dirty="0" smtClean="0"/>
+                        <a:t> 상호작용</a:t>
+                      </a:r>
+                      <a:endParaRPr lang="ko-KR" altLang="en-US" dirty="0"/>
+                    </a:p>
+                  </a:txBody>
+                  <a:tcPr anchor="ctr">
+                    <a:lnL w="12700" cmpd="sng">
+                      <a:noFill/>
+                    </a:lnL>
+                    <a:lnR w="12700" cmpd="sng">
+                      <a:noFill/>
+                    </a:lnR>
+                    <a:lnT w="12700" cmpd="sng">
+                      <a:noFill/>
+                    </a:lnT>
+                    <a:lnB w="12700" cmpd="sng">
+                      <a:noFill/>
+                    </a:lnB>
+                    <a:lnTlToBr w="12700" cmpd="sng">
+                      <a:noFill/>
+                      <a:prstDash val="solid"/>
+                    </a:lnTlToBr>
+                    <a:lnBlToTr w="12700" cmpd="sng">
+                      <a:noFill/>
+                      <a:prstDash val="solid"/>
+                    </a:lnBlToTr>
+                    <a:solidFill>
+                      <a:schemeClr val="bg2">
+                        <a:lumMod val="50000"/>
+                      </a:schemeClr>
+                    </a:solidFill>
+                  </a:tcPr>
+                </a:tc>
+                <a:tc>
+                  <a:txBody>
+                    <a:bodyPr/>
+                    <a:lstStyle/>
+                    <a:p>
+                      <a:pPr latinLnBrk="1"/>
+                      <a:r>
+                        <a:rPr lang="en-US" altLang="ko-KR" sz="1600" dirty="0" smtClean="0"/>
+                        <a:t>NPC </a:t>
+                      </a:r>
+                      <a:r>
+                        <a:rPr lang="ko-KR" altLang="en-US" sz="1600" dirty="0" smtClean="0"/>
+                        <a:t>와 </a:t>
+                      </a:r>
+                      <a:r>
+                        <a:rPr lang="en-US" altLang="ko-KR" sz="1600" dirty="0" smtClean="0"/>
+                        <a:t>NPC, </a:t>
+                      </a:r>
+                      <a:r>
+                        <a:rPr lang="ko-KR" altLang="en-US" sz="1600" dirty="0" smtClean="0"/>
+                        <a:t>플레이어와 </a:t>
+                      </a:r>
+                      <a:r>
+                        <a:rPr lang="en-US" altLang="ko-KR" sz="1600" dirty="0" smtClean="0"/>
+                        <a:t>NPC</a:t>
+                      </a:r>
+                      <a:r>
+                        <a:rPr lang="en-US" altLang="ko-KR" sz="1600" baseline="0" dirty="0" smtClean="0"/>
+                        <a:t> </a:t>
+                      </a:r>
+                      <a:r>
+                        <a:rPr lang="ko-KR" altLang="en-US" sz="1600" baseline="0" dirty="0" smtClean="0"/>
+                        <a:t>가 서로 상호작용한다</a:t>
+                      </a:r>
+                      <a:r>
+                        <a:rPr lang="en-US" altLang="ko-KR" sz="1600" baseline="0" dirty="0" smtClean="0"/>
+                        <a:t>. </a:t>
+                      </a:r>
+                      <a:r>
+                        <a:rPr lang="ko-KR" altLang="en-US" sz="1600" baseline="0" dirty="0" smtClean="0"/>
+                        <a:t>플레이어가 한번 공간 이동 할 때마다</a:t>
+                      </a:r>
+                      <a:r>
+                        <a:rPr lang="en-US" altLang="ko-KR" sz="1600" baseline="0" dirty="0" smtClean="0"/>
+                        <a:t>, </a:t>
+                      </a:r>
+                      <a:r>
+                        <a:rPr lang="ko-KR" altLang="en-US" sz="1600" baseline="0" dirty="0" smtClean="0"/>
+                        <a:t>그리고 퀘스트와 이벤트 완료 이후에 세계관에 영향을 준다</a:t>
+                      </a:r>
+                      <a:r>
+                        <a:rPr lang="en-US" altLang="ko-KR" sz="1600" baseline="0" dirty="0" smtClean="0"/>
+                        <a:t>.</a:t>
+                      </a:r>
+                      <a:endParaRPr lang="ko-KR" altLang="en-US" sz="1600" dirty="0"/>
+                    </a:p>
+                  </a:txBody>
+                  <a:tcPr>
+                    <a:lnL w="12700" cmpd="sng">
+                      <a:noFill/>
+                    </a:lnL>
+                    <a:lnR w="12700" cmpd="sng">
+                      <a:noFill/>
+                    </a:lnR>
+                    <a:lnT w="12700" cmpd="sng">
+                      <a:noFill/>
+                    </a:lnT>
+                    <a:lnB w="12700" cmpd="sng">
+                      <a:noFill/>
+                    </a:lnB>
+                    <a:lnTlToBr w="12700" cmpd="sng">
+                      <a:noFill/>
+                      <a:prstDash val="solid"/>
+                    </a:lnTlToBr>
+                    <a:lnBlToTr w="12700" cmpd="sng">
+                      <a:noFill/>
+                      <a:prstDash val="solid"/>
+                    </a:lnBlToTr>
+                  </a:tcPr>
+                </a:tc>
+                <a:tc>
+                  <a:txBody>
+                    <a:bodyPr/>
+                    <a:lstStyle/>
+                    <a:p>
+                      <a:pPr latinLnBrk="1"/>
+                      <a:r>
+                        <a:rPr lang="ko-KR" altLang="en-US" sz="1600" dirty="0" smtClean="0"/>
+                        <a:t>이벤트 후 변동하는 숨겨진 수치 존재</a:t>
+                      </a:r>
+                      <a:endParaRPr lang="ko-KR" altLang="en-US" sz="1600" dirty="0"/>
+                    </a:p>
+                  </a:txBody>
+                  <a:tcPr>
+                    <a:lnL w="12700" cmpd="sng">
+                      <a:noFill/>
+                    </a:lnL>
+                    <a:lnR w="12700" cmpd="sng">
+                      <a:noFill/>
+                    </a:lnR>
+                    <a:lnT w="12700" cmpd="sng">
+                      <a:noFill/>
+                    </a:lnT>
+                    <a:lnB w="12700" cmpd="sng">
+                      <a:noFill/>
+                    </a:lnB>
+                    <a:lnTlToBr w="12700" cmpd="sng">
+                      <a:noFill/>
+                      <a:prstDash val="solid"/>
+                    </a:lnTlToBr>
+                    <a:lnBlToTr w="12700" cmpd="sng">
+                      <a:noFill/>
+                      <a:prstDash val="solid"/>
+                    </a:lnBlToTr>
+                  </a:tcPr>
+                </a:tc>
+              </a:tr>
+            </a:tbl>
+          </a:graphicData>
+        </a:graphic>
+      </p:graphicFrame>
     </p:spTree>
     <p:extLst>
       <p:ext uri="{BB962C8B-B14F-4D97-AF65-F5344CB8AC3E}">
@@ -28449,7 +30784,7 @@
 </p:sld>
 </file>
 
-<file path=ppt/slides/slide18.xml><?xml version="1.0" encoding="utf-8"?>
+<file path=ppt/slides/slide19.xml><?xml version="1.0" encoding="utf-8"?>
 <p:sld xmlns:a="http://schemas.openxmlformats.org/drawingml/2006/main" xmlns:r="http://schemas.openxmlformats.org/officeDocument/2006/relationships" xmlns:p="http://schemas.openxmlformats.org/presentationml/2006/main">
   <p:cSld>
     <p:spTree>
@@ -28902,7 +31237,1114 @@
 </p:sld>
 </file>
 
-<file path=ppt/slides/slide19.xml><?xml version="1.0" encoding="utf-8"?>
+<file path=ppt/slides/slide2.xml><?xml version="1.0" encoding="utf-8"?>
+<p:sld xmlns:a="http://schemas.openxmlformats.org/drawingml/2006/main" xmlns:r="http://schemas.openxmlformats.org/officeDocument/2006/relationships" xmlns:p="http://schemas.openxmlformats.org/presentationml/2006/main">
+  <p:cSld>
+    <p:spTree>
+      <p:nvGrpSpPr>
+        <p:cNvPr id="1" name=""/>
+        <p:cNvGrpSpPr/>
+        <p:nvPr/>
+      </p:nvGrpSpPr>
+      <p:grpSpPr>
+        <a:xfrm>
+          <a:off x="0" y="0"/>
+          <a:ext cx="0" cy="0"/>
+          <a:chOff x="0" y="0"/>
+          <a:chExt cx="0" cy="0"/>
+        </a:xfrm>
+      </p:grpSpPr>
+      <p:sp>
+        <p:nvSpPr>
+          <p:cNvPr id="4" name="TextBox 3"/>
+          <p:cNvSpPr txBox="1"/>
+          <p:nvPr/>
+        </p:nvSpPr>
+        <p:spPr>
+          <a:xfrm>
+            <a:off x="1381918" y="2255520"/>
+            <a:ext cx="1181734" cy="1015663"/>
+          </a:xfrm>
+          <a:prstGeom prst="rect">
+            <a:avLst/>
+          </a:prstGeom>
+          <a:noFill/>
+        </p:spPr>
+        <p:txBody>
+          <a:bodyPr wrap="none" rtlCol="0" anchor="ctr">
+            <a:spAutoFit/>
+          </a:bodyPr>
+          <a:lstStyle/>
+          <a:p>
+            <a:pPr algn="ctr"/>
+            <a:r>
+              <a:rPr lang="en-US" altLang="ko-KR" sz="6000" dirty="0" smtClean="0">
+                <a:solidFill>
+                  <a:schemeClr val="bg1"/>
+                </a:solidFill>
+                <a:effectLst>
+                  <a:outerShdw blurRad="38100" dist="38100" dir="2700000" algn="tl">
+                    <a:srgbClr val="000000">
+                      <a:alpha val="43137"/>
+                    </a:srgbClr>
+                  </a:outerShdw>
+                </a:effectLst>
+                <a:latin typeface="Continuum Light" panose="00000400000000000000" pitchFamily="2" charset="0"/>
+                <a:ea typeface="-윤고딕310" panose="02030504000101010101" pitchFamily="18" charset="-127"/>
+              </a:rPr>
+              <a:t>01</a:t>
+            </a:r>
+            <a:endParaRPr lang="ko-KR" altLang="en-US" sz="6000" dirty="0">
+              <a:solidFill>
+                <a:schemeClr val="bg1"/>
+              </a:solidFill>
+              <a:effectLst>
+                <a:outerShdw blurRad="38100" dist="38100" dir="2700000" algn="tl">
+                  <a:srgbClr val="000000">
+                    <a:alpha val="43137"/>
+                  </a:srgbClr>
+                </a:outerShdw>
+              </a:effectLst>
+              <a:latin typeface="Continuum Light" panose="00000400000000000000" pitchFamily="2" charset="0"/>
+              <a:ea typeface="-윤고딕310" panose="02030504000101010101" pitchFamily="18" charset="-127"/>
+            </a:endParaRPr>
+          </a:p>
+        </p:txBody>
+      </p:sp>
+      <p:sp>
+        <p:nvSpPr>
+          <p:cNvPr id="5" name="TextBox 4"/>
+          <p:cNvSpPr txBox="1"/>
+          <p:nvPr/>
+        </p:nvSpPr>
+        <p:spPr>
+          <a:xfrm>
+            <a:off x="1473289" y="3167390"/>
+            <a:ext cx="998992" cy="523220"/>
+          </a:xfrm>
+          <a:prstGeom prst="rect">
+            <a:avLst/>
+          </a:prstGeom>
+          <a:noFill/>
+        </p:spPr>
+        <p:txBody>
+          <a:bodyPr wrap="none" rtlCol="0" anchor="ctr">
+            <a:spAutoFit/>
+          </a:bodyPr>
+          <a:lstStyle/>
+          <a:p>
+            <a:pPr algn="ctr"/>
+            <a:r>
+              <a:rPr lang="ko-KR" altLang="en-US" sz="2800" spc="600" dirty="0" smtClean="0">
+                <a:solidFill>
+                  <a:schemeClr val="bg1"/>
+                </a:solidFill>
+                <a:effectLst>
+                  <a:outerShdw blurRad="38100" dist="38100" dir="2700000" algn="tl">
+                    <a:srgbClr val="000000">
+                      <a:alpha val="43137"/>
+                    </a:srgbClr>
+                  </a:outerShdw>
+                </a:effectLst>
+                <a:latin typeface="-윤고딕320" panose="02030504000101010101" pitchFamily="18" charset="-127"/>
+                <a:ea typeface="-윤고딕320" panose="02030504000101010101" pitchFamily="18" charset="-127"/>
+              </a:rPr>
+              <a:t>기획</a:t>
+            </a:r>
+            <a:endParaRPr lang="ko-KR" altLang="en-US" sz="2800" spc="600" dirty="0">
+              <a:solidFill>
+                <a:schemeClr val="bg1"/>
+              </a:solidFill>
+              <a:effectLst>
+                <a:outerShdw blurRad="38100" dist="38100" dir="2700000" algn="tl">
+                  <a:srgbClr val="000000">
+                    <a:alpha val="43137"/>
+                  </a:srgbClr>
+                </a:outerShdw>
+              </a:effectLst>
+              <a:latin typeface="-윤고딕320" panose="02030504000101010101" pitchFamily="18" charset="-127"/>
+              <a:ea typeface="-윤고딕320" panose="02030504000101010101" pitchFamily="18" charset="-127"/>
+            </a:endParaRPr>
+          </a:p>
+        </p:txBody>
+      </p:sp>
+      <p:sp>
+        <p:nvSpPr>
+          <p:cNvPr id="6" name="TextBox 5"/>
+          <p:cNvSpPr txBox="1"/>
+          <p:nvPr/>
+        </p:nvSpPr>
+        <p:spPr>
+          <a:xfrm>
+            <a:off x="5596504" y="3167390"/>
+            <a:ext cx="998992" cy="523220"/>
+          </a:xfrm>
+          <a:prstGeom prst="rect">
+            <a:avLst/>
+          </a:prstGeom>
+          <a:noFill/>
+        </p:spPr>
+        <p:txBody>
+          <a:bodyPr wrap="none" rtlCol="0" anchor="ctr">
+            <a:spAutoFit/>
+          </a:bodyPr>
+          <a:lstStyle/>
+          <a:p>
+            <a:pPr algn="ctr"/>
+            <a:r>
+              <a:rPr lang="ko-KR" altLang="en-US" sz="2800" spc="600" dirty="0" smtClean="0">
+                <a:solidFill>
+                  <a:schemeClr val="bg1"/>
+                </a:solidFill>
+                <a:effectLst>
+                  <a:outerShdw blurRad="38100" dist="38100" dir="2700000" algn="tl">
+                    <a:srgbClr val="000000">
+                      <a:alpha val="43137"/>
+                    </a:srgbClr>
+                  </a:outerShdw>
+                </a:effectLst>
+                <a:latin typeface="-윤고딕320" panose="02030504000101010101" pitchFamily="18" charset="-127"/>
+                <a:ea typeface="-윤고딕320" panose="02030504000101010101" pitchFamily="18" charset="-127"/>
+              </a:rPr>
+              <a:t>개발</a:t>
+            </a:r>
+            <a:endParaRPr lang="ko-KR" altLang="en-US" sz="2800" spc="600" dirty="0">
+              <a:solidFill>
+                <a:schemeClr val="bg1"/>
+              </a:solidFill>
+              <a:effectLst>
+                <a:outerShdw blurRad="38100" dist="38100" dir="2700000" algn="tl">
+                  <a:srgbClr val="000000">
+                    <a:alpha val="43137"/>
+                  </a:srgbClr>
+                </a:outerShdw>
+              </a:effectLst>
+              <a:latin typeface="-윤고딕320" panose="02030504000101010101" pitchFamily="18" charset="-127"/>
+              <a:ea typeface="-윤고딕320" panose="02030504000101010101" pitchFamily="18" charset="-127"/>
+            </a:endParaRPr>
+          </a:p>
+        </p:txBody>
+      </p:sp>
+      <p:sp>
+        <p:nvSpPr>
+          <p:cNvPr id="7" name="TextBox 6"/>
+          <p:cNvSpPr txBox="1"/>
+          <p:nvPr/>
+        </p:nvSpPr>
+        <p:spPr>
+          <a:xfrm>
+            <a:off x="9479191" y="3167390"/>
+            <a:ext cx="1406154" cy="523220"/>
+          </a:xfrm>
+          <a:prstGeom prst="rect">
+            <a:avLst/>
+          </a:prstGeom>
+          <a:noFill/>
+        </p:spPr>
+        <p:txBody>
+          <a:bodyPr wrap="none" rtlCol="0" anchor="ctr">
+            <a:spAutoFit/>
+          </a:bodyPr>
+          <a:lstStyle/>
+          <a:p>
+            <a:pPr algn="ctr"/>
+            <a:r>
+              <a:rPr lang="ko-KR" altLang="en-US" sz="2800" spc="600" dirty="0" smtClean="0">
+                <a:solidFill>
+                  <a:schemeClr val="bg1"/>
+                </a:solidFill>
+                <a:effectLst>
+                  <a:outerShdw blurRad="38100" dist="38100" dir="2700000" algn="tl">
+                    <a:srgbClr val="000000">
+                      <a:alpha val="43137"/>
+                    </a:srgbClr>
+                  </a:outerShdw>
+                </a:effectLst>
+                <a:latin typeface="-윤고딕320" panose="02030504000101010101" pitchFamily="18" charset="-127"/>
+                <a:ea typeface="-윤고딕320" panose="02030504000101010101" pitchFamily="18" charset="-127"/>
+              </a:rPr>
+              <a:t>마무리</a:t>
+            </a:r>
+            <a:endParaRPr lang="ko-KR" altLang="en-US" sz="2800" spc="600" dirty="0">
+              <a:solidFill>
+                <a:schemeClr val="bg1"/>
+              </a:solidFill>
+              <a:effectLst>
+                <a:outerShdw blurRad="38100" dist="38100" dir="2700000" algn="tl">
+                  <a:srgbClr val="000000">
+                    <a:alpha val="43137"/>
+                  </a:srgbClr>
+                </a:outerShdw>
+              </a:effectLst>
+              <a:latin typeface="-윤고딕320" panose="02030504000101010101" pitchFamily="18" charset="-127"/>
+              <a:ea typeface="-윤고딕320" panose="02030504000101010101" pitchFamily="18" charset="-127"/>
+            </a:endParaRPr>
+          </a:p>
+        </p:txBody>
+      </p:sp>
+      <p:sp>
+        <p:nvSpPr>
+          <p:cNvPr id="9" name="TextBox 8"/>
+          <p:cNvSpPr txBox="1"/>
+          <p:nvPr/>
+        </p:nvSpPr>
+        <p:spPr>
+          <a:xfrm>
+            <a:off x="5505133" y="2255520"/>
+            <a:ext cx="1181734" cy="1015663"/>
+          </a:xfrm>
+          <a:prstGeom prst="rect">
+            <a:avLst/>
+          </a:prstGeom>
+          <a:noFill/>
+        </p:spPr>
+        <p:txBody>
+          <a:bodyPr wrap="none" rtlCol="0" anchor="ctr">
+            <a:spAutoFit/>
+          </a:bodyPr>
+          <a:lstStyle/>
+          <a:p>
+            <a:pPr algn="ctr"/>
+            <a:r>
+              <a:rPr lang="en-US" altLang="ko-KR" sz="6000" dirty="0" smtClean="0">
+                <a:solidFill>
+                  <a:schemeClr val="bg1"/>
+                </a:solidFill>
+                <a:effectLst>
+                  <a:outerShdw blurRad="38100" dist="38100" dir="2700000" algn="tl">
+                    <a:srgbClr val="000000">
+                      <a:alpha val="43137"/>
+                    </a:srgbClr>
+                  </a:outerShdw>
+                </a:effectLst>
+                <a:latin typeface="Continuum Light" panose="00000400000000000000" pitchFamily="2" charset="0"/>
+                <a:ea typeface="-윤고딕310" panose="02030504000101010101" pitchFamily="18" charset="-127"/>
+              </a:rPr>
+              <a:t>02</a:t>
+            </a:r>
+            <a:endParaRPr lang="ko-KR" altLang="en-US" sz="6000" dirty="0">
+              <a:solidFill>
+                <a:schemeClr val="bg1"/>
+              </a:solidFill>
+              <a:effectLst>
+                <a:outerShdw blurRad="38100" dist="38100" dir="2700000" algn="tl">
+                  <a:srgbClr val="000000">
+                    <a:alpha val="43137"/>
+                  </a:srgbClr>
+                </a:outerShdw>
+              </a:effectLst>
+              <a:latin typeface="Continuum Light" panose="00000400000000000000" pitchFamily="2" charset="0"/>
+              <a:ea typeface="-윤고딕310" panose="02030504000101010101" pitchFamily="18" charset="-127"/>
+            </a:endParaRPr>
+          </a:p>
+        </p:txBody>
+      </p:sp>
+      <p:sp>
+        <p:nvSpPr>
+          <p:cNvPr id="10" name="TextBox 9"/>
+          <p:cNvSpPr txBox="1"/>
+          <p:nvPr/>
+        </p:nvSpPr>
+        <p:spPr>
+          <a:xfrm>
+            <a:off x="9591401" y="2255520"/>
+            <a:ext cx="1181734" cy="1015663"/>
+          </a:xfrm>
+          <a:prstGeom prst="rect">
+            <a:avLst/>
+          </a:prstGeom>
+          <a:noFill/>
+        </p:spPr>
+        <p:txBody>
+          <a:bodyPr wrap="none" rtlCol="0" anchor="ctr">
+            <a:spAutoFit/>
+          </a:bodyPr>
+          <a:lstStyle/>
+          <a:p>
+            <a:pPr algn="ctr"/>
+            <a:r>
+              <a:rPr lang="en-US" altLang="ko-KR" sz="6000" dirty="0" smtClean="0">
+                <a:solidFill>
+                  <a:schemeClr val="bg1"/>
+                </a:solidFill>
+                <a:effectLst>
+                  <a:outerShdw blurRad="38100" dist="38100" dir="2700000" algn="tl">
+                    <a:srgbClr val="000000">
+                      <a:alpha val="43137"/>
+                    </a:srgbClr>
+                  </a:outerShdw>
+                </a:effectLst>
+                <a:latin typeface="Continuum Light" panose="00000400000000000000" pitchFamily="2" charset="0"/>
+                <a:ea typeface="-윤고딕310" panose="02030504000101010101" pitchFamily="18" charset="-127"/>
+              </a:rPr>
+              <a:t>03</a:t>
+            </a:r>
+            <a:endParaRPr lang="ko-KR" altLang="en-US" sz="6000" dirty="0">
+              <a:solidFill>
+                <a:schemeClr val="bg1"/>
+              </a:solidFill>
+              <a:effectLst>
+                <a:outerShdw blurRad="38100" dist="38100" dir="2700000" algn="tl">
+                  <a:srgbClr val="000000">
+                    <a:alpha val="43137"/>
+                  </a:srgbClr>
+                </a:outerShdw>
+              </a:effectLst>
+              <a:latin typeface="Continuum Light" panose="00000400000000000000" pitchFamily="2" charset="0"/>
+              <a:ea typeface="-윤고딕310" panose="02030504000101010101" pitchFamily="18" charset="-127"/>
+            </a:endParaRPr>
+          </a:p>
+        </p:txBody>
+      </p:sp>
+      <p:cxnSp>
+        <p:nvCxnSpPr>
+          <p:cNvPr id="13" name="직선 연결선 12"/>
+          <p:cNvCxnSpPr/>
+          <p:nvPr/>
+        </p:nvCxnSpPr>
+        <p:spPr>
+          <a:xfrm>
+            <a:off x="1792785" y="2255520"/>
+            <a:ext cx="360000" cy="0"/>
+          </a:xfrm>
+          <a:prstGeom prst="line">
+            <a:avLst/>
+          </a:prstGeom>
+          <a:ln w="19050">
+            <a:solidFill>
+              <a:schemeClr val="bg1"/>
+            </a:solidFill>
+          </a:ln>
+        </p:spPr>
+        <p:style>
+          <a:lnRef idx="1">
+            <a:schemeClr val="accent1"/>
+          </a:lnRef>
+          <a:fillRef idx="0">
+            <a:schemeClr val="accent1"/>
+          </a:fillRef>
+          <a:effectRef idx="0">
+            <a:schemeClr val="accent1"/>
+          </a:effectRef>
+          <a:fontRef idx="minor">
+            <a:schemeClr val="tx1"/>
+          </a:fontRef>
+        </p:style>
+      </p:cxnSp>
+      <p:cxnSp>
+        <p:nvCxnSpPr>
+          <p:cNvPr id="14" name="직선 연결선 13"/>
+          <p:cNvCxnSpPr/>
+          <p:nvPr/>
+        </p:nvCxnSpPr>
+        <p:spPr>
+          <a:xfrm>
+            <a:off x="5916000" y="2255520"/>
+            <a:ext cx="360000" cy="0"/>
+          </a:xfrm>
+          <a:prstGeom prst="line">
+            <a:avLst/>
+          </a:prstGeom>
+          <a:ln w="19050">
+            <a:solidFill>
+              <a:schemeClr val="bg1"/>
+            </a:solidFill>
+          </a:ln>
+        </p:spPr>
+        <p:style>
+          <a:lnRef idx="1">
+            <a:schemeClr val="accent1"/>
+          </a:lnRef>
+          <a:fillRef idx="0">
+            <a:schemeClr val="accent1"/>
+          </a:fillRef>
+          <a:effectRef idx="0">
+            <a:schemeClr val="accent1"/>
+          </a:effectRef>
+          <a:fontRef idx="minor">
+            <a:schemeClr val="tx1"/>
+          </a:fontRef>
+        </p:style>
+      </p:cxnSp>
+      <p:cxnSp>
+        <p:nvCxnSpPr>
+          <p:cNvPr id="15" name="직선 연결선 14"/>
+          <p:cNvCxnSpPr/>
+          <p:nvPr/>
+        </p:nvCxnSpPr>
+        <p:spPr>
+          <a:xfrm>
+            <a:off x="10002268" y="2255520"/>
+            <a:ext cx="360000" cy="0"/>
+          </a:xfrm>
+          <a:prstGeom prst="line">
+            <a:avLst/>
+          </a:prstGeom>
+          <a:ln w="19050">
+            <a:solidFill>
+              <a:schemeClr val="bg1"/>
+            </a:solidFill>
+          </a:ln>
+        </p:spPr>
+        <p:style>
+          <a:lnRef idx="1">
+            <a:schemeClr val="accent1"/>
+          </a:lnRef>
+          <a:fillRef idx="0">
+            <a:schemeClr val="accent1"/>
+          </a:fillRef>
+          <a:effectRef idx="0">
+            <a:schemeClr val="accent1"/>
+          </a:effectRef>
+          <a:fontRef idx="minor">
+            <a:schemeClr val="tx1"/>
+          </a:fontRef>
+        </p:style>
+      </p:cxnSp>
+      <p:sp>
+        <p:nvSpPr>
+          <p:cNvPr id="17" name="TextBox 16"/>
+          <p:cNvSpPr txBox="1"/>
+          <p:nvPr/>
+        </p:nvSpPr>
+        <p:spPr>
+          <a:xfrm>
+            <a:off x="572399" y="3879398"/>
+            <a:ext cx="2800767" cy="1631216"/>
+          </a:xfrm>
+          <a:prstGeom prst="rect">
+            <a:avLst/>
+          </a:prstGeom>
+          <a:noFill/>
+        </p:spPr>
+        <p:txBody>
+          <a:bodyPr wrap="none" rtlCol="0" anchor="t">
+            <a:spAutoFit/>
+          </a:bodyPr>
+          <a:lstStyle/>
+          <a:p>
+            <a:pPr algn="ctr"/>
+            <a:r>
+              <a:rPr lang="ko-KR" altLang="en-US" sz="2000" dirty="0" smtClean="0">
+                <a:solidFill>
+                  <a:schemeClr val="bg1"/>
+                </a:solidFill>
+                <a:effectLst>
+                  <a:outerShdw blurRad="38100" dist="38100" dir="2700000" algn="tl">
+                    <a:srgbClr val="000000">
+                      <a:alpha val="43137"/>
+                    </a:srgbClr>
+                  </a:outerShdw>
+                </a:effectLst>
+                <a:latin typeface="-윤고딕310" panose="02030504000101010101" pitchFamily="18" charset="-127"/>
+                <a:ea typeface="-윤고딕310" panose="02030504000101010101" pitchFamily="18" charset="-127"/>
+              </a:rPr>
+              <a:t>게임 컨셉트</a:t>
+            </a:r>
+            <a:endParaRPr lang="en-US" altLang="ko-KR" sz="2000" dirty="0" smtClean="0">
+              <a:solidFill>
+                <a:schemeClr val="bg1"/>
+              </a:solidFill>
+              <a:effectLst>
+                <a:outerShdw blurRad="38100" dist="38100" dir="2700000" algn="tl">
+                  <a:srgbClr val="000000">
+                    <a:alpha val="43137"/>
+                  </a:srgbClr>
+                </a:outerShdw>
+              </a:effectLst>
+              <a:latin typeface="-윤고딕310" panose="02030504000101010101" pitchFamily="18" charset="-127"/>
+              <a:ea typeface="-윤고딕310" panose="02030504000101010101" pitchFamily="18" charset="-127"/>
+            </a:endParaRPr>
+          </a:p>
+          <a:p>
+            <a:pPr algn="ctr"/>
+            <a:r>
+              <a:rPr lang="ko-KR" altLang="en-US" sz="2000" dirty="0" smtClean="0">
+                <a:solidFill>
+                  <a:schemeClr val="bg1"/>
+                </a:solidFill>
+                <a:effectLst>
+                  <a:outerShdw blurRad="38100" dist="38100" dir="2700000" algn="tl">
+                    <a:srgbClr val="000000">
+                      <a:alpha val="43137"/>
+                    </a:srgbClr>
+                  </a:outerShdw>
+                </a:effectLst>
+                <a:latin typeface="-윤고딕310" panose="02030504000101010101" pitchFamily="18" charset="-127"/>
+                <a:ea typeface="-윤고딕310" panose="02030504000101010101" pitchFamily="18" charset="-127"/>
+              </a:rPr>
+              <a:t>게임 소개 </a:t>
+            </a:r>
+            <a:r>
+              <a:rPr lang="en-US" altLang="ko-KR" sz="2000" dirty="0" smtClean="0">
+                <a:solidFill>
+                  <a:schemeClr val="bg1"/>
+                </a:solidFill>
+                <a:effectLst>
+                  <a:outerShdw blurRad="38100" dist="38100" dir="2700000" algn="tl">
+                    <a:srgbClr val="000000">
+                      <a:alpha val="43137"/>
+                    </a:srgbClr>
+                  </a:outerShdw>
+                </a:effectLst>
+                <a:latin typeface="-윤고딕310" panose="02030504000101010101" pitchFamily="18" charset="-127"/>
+                <a:ea typeface="-윤고딕310" panose="02030504000101010101" pitchFamily="18" charset="-127"/>
+              </a:rPr>
+              <a:t>(</a:t>
+            </a:r>
+            <a:r>
+              <a:rPr lang="ko-KR" altLang="en-US" sz="2000" dirty="0">
+                <a:solidFill>
+                  <a:schemeClr val="bg1"/>
+                </a:solidFill>
+                <a:effectLst>
+                  <a:outerShdw blurRad="38100" dist="38100" dir="2700000" algn="tl">
+                    <a:srgbClr val="000000">
+                      <a:alpha val="43137"/>
+                    </a:srgbClr>
+                  </a:outerShdw>
+                </a:effectLst>
+                <a:latin typeface="-윤고딕310" panose="02030504000101010101" pitchFamily="18" charset="-127"/>
+                <a:ea typeface="-윤고딕310" panose="02030504000101010101" pitchFamily="18" charset="-127"/>
+              </a:rPr>
+              <a:t>세계관</a:t>
+            </a:r>
+            <a:r>
+              <a:rPr lang="en-US" altLang="ko-KR" sz="2000" dirty="0" smtClean="0">
+                <a:solidFill>
+                  <a:schemeClr val="bg1"/>
+                </a:solidFill>
+                <a:effectLst>
+                  <a:outerShdw blurRad="38100" dist="38100" dir="2700000" algn="tl">
+                    <a:srgbClr val="000000">
+                      <a:alpha val="43137"/>
+                    </a:srgbClr>
+                  </a:outerShdw>
+                </a:effectLst>
+                <a:latin typeface="-윤고딕310" panose="02030504000101010101" pitchFamily="18" charset="-127"/>
+                <a:ea typeface="-윤고딕310" panose="02030504000101010101" pitchFamily="18" charset="-127"/>
+              </a:rPr>
+              <a:t>)</a:t>
+            </a:r>
+          </a:p>
+          <a:p>
+            <a:pPr algn="ctr"/>
+            <a:r>
+              <a:rPr lang="ko-KR" altLang="en-US" sz="2000" dirty="0" smtClean="0">
+                <a:solidFill>
+                  <a:schemeClr val="bg1"/>
+                </a:solidFill>
+                <a:effectLst>
+                  <a:outerShdw blurRad="38100" dist="38100" dir="2700000" algn="tl">
+                    <a:srgbClr val="000000">
+                      <a:alpha val="43137"/>
+                    </a:srgbClr>
+                  </a:outerShdw>
+                </a:effectLst>
+                <a:latin typeface="-윤고딕310" panose="02030504000101010101" pitchFamily="18" charset="-127"/>
+                <a:ea typeface="-윤고딕310" panose="02030504000101010101" pitchFamily="18" charset="-127"/>
+              </a:rPr>
+              <a:t>게임 소개 </a:t>
+            </a:r>
+            <a:r>
+              <a:rPr lang="en-US" altLang="ko-KR" sz="2000" dirty="0" smtClean="0">
+                <a:solidFill>
+                  <a:schemeClr val="bg1"/>
+                </a:solidFill>
+                <a:effectLst>
+                  <a:outerShdw blurRad="38100" dist="38100" dir="2700000" algn="tl">
+                    <a:srgbClr val="000000">
+                      <a:alpha val="43137"/>
+                    </a:srgbClr>
+                  </a:outerShdw>
+                </a:effectLst>
+                <a:latin typeface="-윤고딕310" panose="02030504000101010101" pitchFamily="18" charset="-127"/>
+                <a:ea typeface="-윤고딕310" panose="02030504000101010101" pitchFamily="18" charset="-127"/>
+              </a:rPr>
+              <a:t>(</a:t>
+            </a:r>
+            <a:r>
+              <a:rPr lang="ko-KR" altLang="en-US" sz="2000" dirty="0" smtClean="0">
+                <a:solidFill>
+                  <a:schemeClr val="bg1"/>
+                </a:solidFill>
+                <a:effectLst>
+                  <a:outerShdw blurRad="38100" dist="38100" dir="2700000" algn="tl">
+                    <a:srgbClr val="000000">
+                      <a:alpha val="43137"/>
+                    </a:srgbClr>
+                  </a:outerShdw>
+                </a:effectLst>
+                <a:latin typeface="-윤고딕310" panose="02030504000101010101" pitchFamily="18" charset="-127"/>
+                <a:ea typeface="-윤고딕310" panose="02030504000101010101" pitchFamily="18" charset="-127"/>
+              </a:rPr>
+              <a:t>기본 시스템</a:t>
+            </a:r>
+            <a:r>
+              <a:rPr lang="en-US" altLang="ko-KR" sz="2000" dirty="0" smtClean="0">
+                <a:solidFill>
+                  <a:schemeClr val="bg1"/>
+                </a:solidFill>
+                <a:effectLst>
+                  <a:outerShdw blurRad="38100" dist="38100" dir="2700000" algn="tl">
+                    <a:srgbClr val="000000">
+                      <a:alpha val="43137"/>
+                    </a:srgbClr>
+                  </a:outerShdw>
+                </a:effectLst>
+                <a:latin typeface="-윤고딕310" panose="02030504000101010101" pitchFamily="18" charset="-127"/>
+                <a:ea typeface="-윤고딕310" panose="02030504000101010101" pitchFamily="18" charset="-127"/>
+              </a:rPr>
+              <a:t>)</a:t>
+            </a:r>
+          </a:p>
+          <a:p>
+            <a:pPr algn="ctr"/>
+            <a:r>
+              <a:rPr lang="ko-KR" altLang="en-US" sz="2000" dirty="0">
+                <a:solidFill>
+                  <a:schemeClr val="bg1"/>
+                </a:solidFill>
+                <a:effectLst>
+                  <a:outerShdw blurRad="38100" dist="38100" dir="2700000" algn="tl">
+                    <a:srgbClr val="000000">
+                      <a:alpha val="43137"/>
+                    </a:srgbClr>
+                  </a:outerShdw>
+                </a:effectLst>
+                <a:latin typeface="-윤고딕310" panose="02030504000101010101" pitchFamily="18" charset="-127"/>
+                <a:ea typeface="-윤고딕310" panose="02030504000101010101" pitchFamily="18" charset="-127"/>
+              </a:rPr>
+              <a:t>게임 </a:t>
+            </a:r>
+            <a:r>
+              <a:rPr lang="ko-KR" altLang="en-US" sz="2000" dirty="0" smtClean="0">
+                <a:solidFill>
+                  <a:schemeClr val="bg1"/>
+                </a:solidFill>
+                <a:effectLst>
+                  <a:outerShdw blurRad="38100" dist="38100" dir="2700000" algn="tl">
+                    <a:srgbClr val="000000">
+                      <a:alpha val="43137"/>
+                    </a:srgbClr>
+                  </a:outerShdw>
+                </a:effectLst>
+                <a:latin typeface="-윤고딕310" panose="02030504000101010101" pitchFamily="18" charset="-127"/>
+                <a:ea typeface="-윤고딕310" panose="02030504000101010101" pitchFamily="18" charset="-127"/>
+              </a:rPr>
+              <a:t>소개</a:t>
+            </a:r>
+            <a:r>
+              <a:rPr lang="ko-KR" altLang="en-US" sz="2000" dirty="0">
+                <a:solidFill>
+                  <a:schemeClr val="bg1"/>
+                </a:solidFill>
+                <a:effectLst>
+                  <a:outerShdw blurRad="38100" dist="38100" dir="2700000" algn="tl">
+                    <a:srgbClr val="000000">
+                      <a:alpha val="43137"/>
+                    </a:srgbClr>
+                  </a:outerShdw>
+                </a:effectLst>
+                <a:latin typeface="-윤고딕310" panose="02030504000101010101" pitchFamily="18" charset="-127"/>
+                <a:ea typeface="-윤고딕310" panose="02030504000101010101" pitchFamily="18" charset="-127"/>
+              </a:rPr>
+              <a:t> </a:t>
+            </a:r>
+            <a:r>
+              <a:rPr lang="en-US" altLang="ko-KR" sz="2000" dirty="0" smtClean="0">
+                <a:solidFill>
+                  <a:schemeClr val="bg1"/>
+                </a:solidFill>
+                <a:effectLst>
+                  <a:outerShdw blurRad="38100" dist="38100" dir="2700000" algn="tl">
+                    <a:srgbClr val="000000">
+                      <a:alpha val="43137"/>
+                    </a:srgbClr>
+                  </a:outerShdw>
+                </a:effectLst>
+                <a:latin typeface="-윤고딕310" panose="02030504000101010101" pitchFamily="18" charset="-127"/>
+                <a:ea typeface="-윤고딕310" panose="02030504000101010101" pitchFamily="18" charset="-127"/>
+              </a:rPr>
+              <a:t>(</a:t>
+            </a:r>
+            <a:r>
+              <a:rPr lang="ko-KR" altLang="en-US" sz="2000" dirty="0" smtClean="0">
+                <a:solidFill>
+                  <a:schemeClr val="bg1"/>
+                </a:solidFill>
+                <a:effectLst>
+                  <a:outerShdw blurRad="38100" dist="38100" dir="2700000" algn="tl">
+                    <a:srgbClr val="000000">
+                      <a:alpha val="43137"/>
+                    </a:srgbClr>
+                  </a:outerShdw>
+                </a:effectLst>
+                <a:latin typeface="-윤고딕310" panose="02030504000101010101" pitchFamily="18" charset="-127"/>
+                <a:ea typeface="-윤고딕310" panose="02030504000101010101" pitchFamily="18" charset="-127"/>
+              </a:rPr>
+              <a:t>진행 </a:t>
+            </a:r>
+            <a:r>
+              <a:rPr lang="ko-KR" altLang="en-US" sz="2000" dirty="0">
+                <a:solidFill>
+                  <a:schemeClr val="bg1"/>
+                </a:solidFill>
+                <a:effectLst>
+                  <a:outerShdw blurRad="38100" dist="38100" dir="2700000" algn="tl">
+                    <a:srgbClr val="000000">
+                      <a:alpha val="43137"/>
+                    </a:srgbClr>
+                  </a:outerShdw>
+                </a:effectLst>
+                <a:latin typeface="-윤고딕310" panose="02030504000101010101" pitchFamily="18" charset="-127"/>
+                <a:ea typeface="-윤고딕310" panose="02030504000101010101" pitchFamily="18" charset="-127"/>
+              </a:rPr>
+              <a:t>및 조작</a:t>
+            </a:r>
+            <a:r>
+              <a:rPr lang="en-US" altLang="ko-KR" sz="2000" dirty="0" smtClean="0">
+                <a:solidFill>
+                  <a:schemeClr val="bg1"/>
+                </a:solidFill>
+                <a:effectLst>
+                  <a:outerShdw blurRad="38100" dist="38100" dir="2700000" algn="tl">
+                    <a:srgbClr val="000000">
+                      <a:alpha val="43137"/>
+                    </a:srgbClr>
+                  </a:outerShdw>
+                </a:effectLst>
+                <a:latin typeface="-윤고딕310" panose="02030504000101010101" pitchFamily="18" charset="-127"/>
+                <a:ea typeface="-윤고딕310" panose="02030504000101010101" pitchFamily="18" charset="-127"/>
+              </a:rPr>
+              <a:t>)</a:t>
+            </a:r>
+          </a:p>
+          <a:p>
+            <a:pPr algn="ctr"/>
+            <a:r>
+              <a:rPr lang="ko-KR" altLang="en-US" sz="2000" dirty="0" smtClean="0">
+                <a:solidFill>
+                  <a:schemeClr val="bg1"/>
+                </a:solidFill>
+                <a:effectLst>
+                  <a:outerShdw blurRad="38100" dist="38100" dir="2700000" algn="tl">
+                    <a:srgbClr val="000000">
+                      <a:alpha val="43137"/>
+                    </a:srgbClr>
+                  </a:outerShdw>
+                </a:effectLst>
+                <a:latin typeface="-윤고딕310" panose="02030504000101010101" pitchFamily="18" charset="-127"/>
+                <a:ea typeface="-윤고딕310" panose="02030504000101010101" pitchFamily="18" charset="-127"/>
+              </a:rPr>
+              <a:t>게임 소개 </a:t>
+            </a:r>
+            <a:r>
+              <a:rPr lang="en-US" altLang="ko-KR" sz="2000" dirty="0" smtClean="0">
+                <a:solidFill>
+                  <a:schemeClr val="bg1"/>
+                </a:solidFill>
+                <a:effectLst>
+                  <a:outerShdw blurRad="38100" dist="38100" dir="2700000" algn="tl">
+                    <a:srgbClr val="000000">
+                      <a:alpha val="43137"/>
+                    </a:srgbClr>
+                  </a:outerShdw>
+                </a:effectLst>
+                <a:latin typeface="-윤고딕310" panose="02030504000101010101" pitchFamily="18" charset="-127"/>
+                <a:ea typeface="-윤고딕310" panose="02030504000101010101" pitchFamily="18" charset="-127"/>
+              </a:rPr>
+              <a:t>(</a:t>
+            </a:r>
+            <a:r>
+              <a:rPr lang="ko-KR" altLang="en-US" sz="2000" dirty="0" smtClean="0">
+                <a:solidFill>
+                  <a:schemeClr val="bg1"/>
+                </a:solidFill>
+                <a:effectLst>
+                  <a:outerShdw blurRad="38100" dist="38100" dir="2700000" algn="tl">
+                    <a:srgbClr val="000000">
+                      <a:alpha val="43137"/>
+                    </a:srgbClr>
+                  </a:outerShdw>
+                </a:effectLst>
+                <a:latin typeface="-윤고딕310" panose="02030504000101010101" pitchFamily="18" charset="-127"/>
+                <a:ea typeface="-윤고딕310" panose="02030504000101010101" pitchFamily="18" charset="-127"/>
+              </a:rPr>
+              <a:t>전투</a:t>
+            </a:r>
+            <a:r>
+              <a:rPr lang="en-US" altLang="ko-KR" sz="2000" dirty="0" smtClean="0">
+                <a:solidFill>
+                  <a:schemeClr val="bg1"/>
+                </a:solidFill>
+                <a:effectLst>
+                  <a:outerShdw blurRad="38100" dist="38100" dir="2700000" algn="tl">
+                    <a:srgbClr val="000000">
+                      <a:alpha val="43137"/>
+                    </a:srgbClr>
+                  </a:outerShdw>
+                </a:effectLst>
+                <a:latin typeface="-윤고딕310" panose="02030504000101010101" pitchFamily="18" charset="-127"/>
+                <a:ea typeface="-윤고딕310" panose="02030504000101010101" pitchFamily="18" charset="-127"/>
+              </a:rPr>
+              <a:t>)</a:t>
+            </a:r>
+            <a:endParaRPr lang="en-US" altLang="ko-KR" sz="2000" dirty="0">
+              <a:solidFill>
+                <a:schemeClr val="bg1"/>
+              </a:solidFill>
+              <a:effectLst>
+                <a:outerShdw blurRad="38100" dist="38100" dir="2700000" algn="tl">
+                  <a:srgbClr val="000000">
+                    <a:alpha val="43137"/>
+                  </a:srgbClr>
+                </a:outerShdw>
+              </a:effectLst>
+              <a:latin typeface="-윤고딕310" panose="02030504000101010101" pitchFamily="18" charset="-127"/>
+              <a:ea typeface="-윤고딕310" panose="02030504000101010101" pitchFamily="18" charset="-127"/>
+            </a:endParaRPr>
+          </a:p>
+        </p:txBody>
+      </p:sp>
+      <p:sp>
+        <p:nvSpPr>
+          <p:cNvPr id="18" name="TextBox 17"/>
+          <p:cNvSpPr txBox="1"/>
+          <p:nvPr/>
+        </p:nvSpPr>
+        <p:spPr>
+          <a:xfrm>
+            <a:off x="5487499" y="3868131"/>
+            <a:ext cx="1217000" cy="400110"/>
+          </a:xfrm>
+          <a:prstGeom prst="rect">
+            <a:avLst/>
+          </a:prstGeom>
+          <a:noFill/>
+        </p:spPr>
+        <p:txBody>
+          <a:bodyPr wrap="none" rtlCol="0" anchor="t">
+            <a:spAutoFit/>
+          </a:bodyPr>
+          <a:lstStyle/>
+          <a:p>
+            <a:pPr algn="ctr"/>
+            <a:r>
+              <a:rPr lang="ko-KR" altLang="en-US" sz="2000" dirty="0" smtClean="0">
+                <a:solidFill>
+                  <a:schemeClr val="bg1"/>
+                </a:solidFill>
+                <a:effectLst>
+                  <a:outerShdw blurRad="38100" dist="38100" dir="2700000" algn="tl">
+                    <a:srgbClr val="000000">
+                      <a:alpha val="43137"/>
+                    </a:srgbClr>
+                  </a:outerShdw>
+                </a:effectLst>
+                <a:latin typeface="-윤고딕310" panose="02030504000101010101" pitchFamily="18" charset="-127"/>
+                <a:ea typeface="-윤고딕310" panose="02030504000101010101" pitchFamily="18" charset="-127"/>
+              </a:rPr>
+              <a:t>개발 요소</a:t>
+            </a:r>
+            <a:endParaRPr lang="en-US" altLang="ko-KR" sz="2000" dirty="0" smtClean="0">
+              <a:solidFill>
+                <a:schemeClr val="bg1"/>
+              </a:solidFill>
+              <a:effectLst>
+                <a:outerShdw blurRad="38100" dist="38100" dir="2700000" algn="tl">
+                  <a:srgbClr val="000000">
+                    <a:alpha val="43137"/>
+                  </a:srgbClr>
+                </a:outerShdw>
+              </a:effectLst>
+              <a:latin typeface="-윤고딕310" panose="02030504000101010101" pitchFamily="18" charset="-127"/>
+              <a:ea typeface="-윤고딕310" panose="02030504000101010101" pitchFamily="18" charset="-127"/>
+            </a:endParaRPr>
+          </a:p>
+        </p:txBody>
+      </p:sp>
+      <p:sp>
+        <p:nvSpPr>
+          <p:cNvPr id="19" name="TextBox 18"/>
+          <p:cNvSpPr txBox="1"/>
+          <p:nvPr/>
+        </p:nvSpPr>
+        <p:spPr>
+          <a:xfrm>
+            <a:off x="9175424" y="3879395"/>
+            <a:ext cx="2013693" cy="1015663"/>
+          </a:xfrm>
+          <a:prstGeom prst="rect">
+            <a:avLst/>
+          </a:prstGeom>
+          <a:noFill/>
+        </p:spPr>
+        <p:txBody>
+          <a:bodyPr wrap="none" rtlCol="0" anchor="t">
+            <a:spAutoFit/>
+          </a:bodyPr>
+          <a:lstStyle/>
+          <a:p>
+            <a:pPr algn="ctr"/>
+            <a:r>
+              <a:rPr lang="ko-KR" altLang="en-US" sz="2000" dirty="0" smtClean="0">
+                <a:solidFill>
+                  <a:schemeClr val="bg1"/>
+                </a:solidFill>
+                <a:effectLst>
+                  <a:outerShdw blurRad="38100" dist="38100" dir="2700000" algn="tl">
+                    <a:srgbClr val="000000">
+                      <a:alpha val="43137"/>
+                    </a:srgbClr>
+                  </a:outerShdw>
+                </a:effectLst>
+                <a:latin typeface="-윤고딕310" panose="02030504000101010101" pitchFamily="18" charset="-127"/>
+                <a:ea typeface="-윤고딕310" panose="02030504000101010101" pitchFamily="18" charset="-127"/>
+              </a:rPr>
+              <a:t>기말 기획서 내용</a:t>
+            </a:r>
+            <a:endParaRPr lang="en-US" altLang="ko-KR" sz="2000" dirty="0" smtClean="0">
+              <a:solidFill>
+                <a:schemeClr val="bg1"/>
+              </a:solidFill>
+              <a:effectLst>
+                <a:outerShdw blurRad="38100" dist="38100" dir="2700000" algn="tl">
+                  <a:srgbClr val="000000">
+                    <a:alpha val="43137"/>
+                  </a:srgbClr>
+                </a:outerShdw>
+              </a:effectLst>
+              <a:latin typeface="-윤고딕310" panose="02030504000101010101" pitchFamily="18" charset="-127"/>
+              <a:ea typeface="-윤고딕310" panose="02030504000101010101" pitchFamily="18" charset="-127"/>
+            </a:endParaRPr>
+          </a:p>
+          <a:p>
+            <a:pPr algn="ctr"/>
+            <a:r>
+              <a:rPr lang="ko-KR" altLang="en-US" sz="2000" dirty="0" smtClean="0">
+                <a:solidFill>
+                  <a:schemeClr val="bg1"/>
+                </a:solidFill>
+                <a:effectLst>
+                  <a:outerShdw blurRad="38100" dist="38100" dir="2700000" algn="tl">
+                    <a:srgbClr val="000000">
+                      <a:alpha val="43137"/>
+                    </a:srgbClr>
+                  </a:outerShdw>
+                </a:effectLst>
+                <a:latin typeface="-윤고딕310" panose="02030504000101010101" pitchFamily="18" charset="-127"/>
+                <a:ea typeface="-윤고딕310" panose="02030504000101010101" pitchFamily="18" charset="-127"/>
+              </a:rPr>
+              <a:t>코멘트와 후기</a:t>
+            </a:r>
+            <a:endParaRPr lang="en-US" altLang="ko-KR" sz="2000" dirty="0" smtClean="0">
+              <a:solidFill>
+                <a:schemeClr val="bg1"/>
+              </a:solidFill>
+              <a:effectLst>
+                <a:outerShdw blurRad="38100" dist="38100" dir="2700000" algn="tl">
+                  <a:srgbClr val="000000">
+                    <a:alpha val="43137"/>
+                  </a:srgbClr>
+                </a:outerShdw>
+              </a:effectLst>
+              <a:latin typeface="-윤고딕310" panose="02030504000101010101" pitchFamily="18" charset="-127"/>
+              <a:ea typeface="-윤고딕310" panose="02030504000101010101" pitchFamily="18" charset="-127"/>
+            </a:endParaRPr>
+          </a:p>
+          <a:p>
+            <a:pPr algn="ctr"/>
+            <a:r>
+              <a:rPr lang="ko-KR" altLang="en-US" sz="2000" dirty="0" smtClean="0">
+                <a:solidFill>
+                  <a:schemeClr val="bg1"/>
+                </a:solidFill>
+                <a:effectLst>
+                  <a:outerShdw blurRad="38100" dist="38100" dir="2700000" algn="tl">
+                    <a:srgbClr val="000000">
+                      <a:alpha val="43137"/>
+                    </a:srgbClr>
+                  </a:outerShdw>
+                </a:effectLst>
+                <a:latin typeface="-윤고딕310" panose="02030504000101010101" pitchFamily="18" charset="-127"/>
+                <a:ea typeface="-윤고딕310" panose="02030504000101010101" pitchFamily="18" charset="-127"/>
+              </a:rPr>
+              <a:t>자료 출처</a:t>
+            </a:r>
+            <a:endParaRPr lang="ko-KR" altLang="en-US" sz="2000" dirty="0">
+              <a:solidFill>
+                <a:schemeClr val="bg1"/>
+              </a:solidFill>
+              <a:effectLst>
+                <a:outerShdw blurRad="38100" dist="38100" dir="2700000" algn="tl">
+                  <a:srgbClr val="000000">
+                    <a:alpha val="43137"/>
+                  </a:srgbClr>
+                </a:outerShdw>
+              </a:effectLst>
+              <a:latin typeface="-윤고딕310" panose="02030504000101010101" pitchFamily="18" charset="-127"/>
+              <a:ea typeface="-윤고딕310" panose="02030504000101010101" pitchFamily="18" charset="-127"/>
+            </a:endParaRPr>
+          </a:p>
+        </p:txBody>
+      </p:sp>
+      <p:cxnSp>
+        <p:nvCxnSpPr>
+          <p:cNvPr id="21" name="직선 연결선 20"/>
+          <p:cNvCxnSpPr/>
+          <p:nvPr/>
+        </p:nvCxnSpPr>
+        <p:spPr>
+          <a:xfrm>
+            <a:off x="262467" y="3718560"/>
+            <a:ext cx="11430000" cy="0"/>
+          </a:xfrm>
+          <a:prstGeom prst="line">
+            <a:avLst/>
+          </a:prstGeom>
+          <a:ln w="9525">
+            <a:solidFill>
+              <a:schemeClr val="bg1"/>
+            </a:solidFill>
+          </a:ln>
+        </p:spPr>
+        <p:style>
+          <a:lnRef idx="1">
+            <a:schemeClr val="accent1"/>
+          </a:lnRef>
+          <a:fillRef idx="0">
+            <a:schemeClr val="accent1"/>
+          </a:fillRef>
+          <a:effectRef idx="0">
+            <a:schemeClr val="accent1"/>
+          </a:effectRef>
+          <a:fontRef idx="minor">
+            <a:schemeClr val="tx1"/>
+          </a:fontRef>
+        </p:style>
+      </p:cxnSp>
+    </p:spTree>
+    <p:extLst>
+      <p:ext uri="{BB962C8B-B14F-4D97-AF65-F5344CB8AC3E}">
+        <p14:creationId xmlns:p14="http://schemas.microsoft.com/office/powerpoint/2010/main" val="421804534"/>
+      </p:ext>
+    </p:extLst>
+  </p:cSld>
+  <p:clrMapOvr>
+    <a:masterClrMapping/>
+  </p:clrMapOvr>
+  <p:timing>
+    <p:tnLst>
+      <p:par>
+        <p:cTn id="1" dur="indefinite" restart="never" nodeType="tmRoot"/>
+      </p:par>
+    </p:tnLst>
+  </p:timing>
+</p:sld>
+</file>
+
+<file path=ppt/slides/slide20.xml><?xml version="1.0" encoding="utf-8"?>
 <p:sld xmlns:a="http://schemas.openxmlformats.org/drawingml/2006/main" xmlns:r="http://schemas.openxmlformats.org/officeDocument/2006/relationships" xmlns:p="http://schemas.openxmlformats.org/presentationml/2006/main">
   <p:cSld>
     <p:spTree>
@@ -30195,1114 +33637,7 @@
 </p:sld>
 </file>
 
-<file path=ppt/slides/slide2.xml><?xml version="1.0" encoding="utf-8"?>
-<p:sld xmlns:a="http://schemas.openxmlformats.org/drawingml/2006/main" xmlns:r="http://schemas.openxmlformats.org/officeDocument/2006/relationships" xmlns:p="http://schemas.openxmlformats.org/presentationml/2006/main">
-  <p:cSld>
-    <p:spTree>
-      <p:nvGrpSpPr>
-        <p:cNvPr id="1" name=""/>
-        <p:cNvGrpSpPr/>
-        <p:nvPr/>
-      </p:nvGrpSpPr>
-      <p:grpSpPr>
-        <a:xfrm>
-          <a:off x="0" y="0"/>
-          <a:ext cx="0" cy="0"/>
-          <a:chOff x="0" y="0"/>
-          <a:chExt cx="0" cy="0"/>
-        </a:xfrm>
-      </p:grpSpPr>
-      <p:sp>
-        <p:nvSpPr>
-          <p:cNvPr id="4" name="TextBox 3"/>
-          <p:cNvSpPr txBox="1"/>
-          <p:nvPr/>
-        </p:nvSpPr>
-        <p:spPr>
-          <a:xfrm>
-            <a:off x="1381918" y="2255520"/>
-            <a:ext cx="1181734" cy="1015663"/>
-          </a:xfrm>
-          <a:prstGeom prst="rect">
-            <a:avLst/>
-          </a:prstGeom>
-          <a:noFill/>
-        </p:spPr>
-        <p:txBody>
-          <a:bodyPr wrap="none" rtlCol="0" anchor="ctr">
-            <a:spAutoFit/>
-          </a:bodyPr>
-          <a:lstStyle/>
-          <a:p>
-            <a:pPr algn="ctr"/>
-            <a:r>
-              <a:rPr lang="en-US" altLang="ko-KR" sz="6000" dirty="0" smtClean="0">
-                <a:solidFill>
-                  <a:schemeClr val="bg1"/>
-                </a:solidFill>
-                <a:effectLst>
-                  <a:outerShdw blurRad="38100" dist="38100" dir="2700000" algn="tl">
-                    <a:srgbClr val="000000">
-                      <a:alpha val="43137"/>
-                    </a:srgbClr>
-                  </a:outerShdw>
-                </a:effectLst>
-                <a:latin typeface="Continuum Light" panose="00000400000000000000" pitchFamily="2" charset="0"/>
-                <a:ea typeface="-윤고딕310" panose="02030504000101010101" pitchFamily="18" charset="-127"/>
-              </a:rPr>
-              <a:t>01</a:t>
-            </a:r>
-            <a:endParaRPr lang="ko-KR" altLang="en-US" sz="6000" dirty="0">
-              <a:solidFill>
-                <a:schemeClr val="bg1"/>
-              </a:solidFill>
-              <a:effectLst>
-                <a:outerShdw blurRad="38100" dist="38100" dir="2700000" algn="tl">
-                  <a:srgbClr val="000000">
-                    <a:alpha val="43137"/>
-                  </a:srgbClr>
-                </a:outerShdw>
-              </a:effectLst>
-              <a:latin typeface="Continuum Light" panose="00000400000000000000" pitchFamily="2" charset="0"/>
-              <a:ea typeface="-윤고딕310" panose="02030504000101010101" pitchFamily="18" charset="-127"/>
-            </a:endParaRPr>
-          </a:p>
-        </p:txBody>
-      </p:sp>
-      <p:sp>
-        <p:nvSpPr>
-          <p:cNvPr id="5" name="TextBox 4"/>
-          <p:cNvSpPr txBox="1"/>
-          <p:nvPr/>
-        </p:nvSpPr>
-        <p:spPr>
-          <a:xfrm>
-            <a:off x="1473289" y="3167390"/>
-            <a:ext cx="998992" cy="523220"/>
-          </a:xfrm>
-          <a:prstGeom prst="rect">
-            <a:avLst/>
-          </a:prstGeom>
-          <a:noFill/>
-        </p:spPr>
-        <p:txBody>
-          <a:bodyPr wrap="none" rtlCol="0" anchor="ctr">
-            <a:spAutoFit/>
-          </a:bodyPr>
-          <a:lstStyle/>
-          <a:p>
-            <a:pPr algn="ctr"/>
-            <a:r>
-              <a:rPr lang="ko-KR" altLang="en-US" sz="2800" spc="600" dirty="0" smtClean="0">
-                <a:solidFill>
-                  <a:schemeClr val="bg1"/>
-                </a:solidFill>
-                <a:effectLst>
-                  <a:outerShdw blurRad="38100" dist="38100" dir="2700000" algn="tl">
-                    <a:srgbClr val="000000">
-                      <a:alpha val="43137"/>
-                    </a:srgbClr>
-                  </a:outerShdw>
-                </a:effectLst>
-                <a:latin typeface="-윤고딕320" panose="02030504000101010101" pitchFamily="18" charset="-127"/>
-                <a:ea typeface="-윤고딕320" panose="02030504000101010101" pitchFamily="18" charset="-127"/>
-              </a:rPr>
-              <a:t>기획</a:t>
-            </a:r>
-            <a:endParaRPr lang="ko-KR" altLang="en-US" sz="2800" spc="600" dirty="0">
-              <a:solidFill>
-                <a:schemeClr val="bg1"/>
-              </a:solidFill>
-              <a:effectLst>
-                <a:outerShdw blurRad="38100" dist="38100" dir="2700000" algn="tl">
-                  <a:srgbClr val="000000">
-                    <a:alpha val="43137"/>
-                  </a:srgbClr>
-                </a:outerShdw>
-              </a:effectLst>
-              <a:latin typeface="-윤고딕320" panose="02030504000101010101" pitchFamily="18" charset="-127"/>
-              <a:ea typeface="-윤고딕320" panose="02030504000101010101" pitchFamily="18" charset="-127"/>
-            </a:endParaRPr>
-          </a:p>
-        </p:txBody>
-      </p:sp>
-      <p:sp>
-        <p:nvSpPr>
-          <p:cNvPr id="6" name="TextBox 5"/>
-          <p:cNvSpPr txBox="1"/>
-          <p:nvPr/>
-        </p:nvSpPr>
-        <p:spPr>
-          <a:xfrm>
-            <a:off x="5596504" y="3167390"/>
-            <a:ext cx="998992" cy="523220"/>
-          </a:xfrm>
-          <a:prstGeom prst="rect">
-            <a:avLst/>
-          </a:prstGeom>
-          <a:noFill/>
-        </p:spPr>
-        <p:txBody>
-          <a:bodyPr wrap="none" rtlCol="0" anchor="ctr">
-            <a:spAutoFit/>
-          </a:bodyPr>
-          <a:lstStyle/>
-          <a:p>
-            <a:pPr algn="ctr"/>
-            <a:r>
-              <a:rPr lang="ko-KR" altLang="en-US" sz="2800" spc="600" dirty="0" smtClean="0">
-                <a:solidFill>
-                  <a:schemeClr val="bg1"/>
-                </a:solidFill>
-                <a:effectLst>
-                  <a:outerShdw blurRad="38100" dist="38100" dir="2700000" algn="tl">
-                    <a:srgbClr val="000000">
-                      <a:alpha val="43137"/>
-                    </a:srgbClr>
-                  </a:outerShdw>
-                </a:effectLst>
-                <a:latin typeface="-윤고딕320" panose="02030504000101010101" pitchFamily="18" charset="-127"/>
-                <a:ea typeface="-윤고딕320" panose="02030504000101010101" pitchFamily="18" charset="-127"/>
-              </a:rPr>
-              <a:t>개발</a:t>
-            </a:r>
-            <a:endParaRPr lang="ko-KR" altLang="en-US" sz="2800" spc="600" dirty="0">
-              <a:solidFill>
-                <a:schemeClr val="bg1"/>
-              </a:solidFill>
-              <a:effectLst>
-                <a:outerShdw blurRad="38100" dist="38100" dir="2700000" algn="tl">
-                  <a:srgbClr val="000000">
-                    <a:alpha val="43137"/>
-                  </a:srgbClr>
-                </a:outerShdw>
-              </a:effectLst>
-              <a:latin typeface="-윤고딕320" panose="02030504000101010101" pitchFamily="18" charset="-127"/>
-              <a:ea typeface="-윤고딕320" panose="02030504000101010101" pitchFamily="18" charset="-127"/>
-            </a:endParaRPr>
-          </a:p>
-        </p:txBody>
-      </p:sp>
-      <p:sp>
-        <p:nvSpPr>
-          <p:cNvPr id="7" name="TextBox 6"/>
-          <p:cNvSpPr txBox="1"/>
-          <p:nvPr/>
-        </p:nvSpPr>
-        <p:spPr>
-          <a:xfrm>
-            <a:off x="9479191" y="3167390"/>
-            <a:ext cx="1406154" cy="523220"/>
-          </a:xfrm>
-          <a:prstGeom prst="rect">
-            <a:avLst/>
-          </a:prstGeom>
-          <a:noFill/>
-        </p:spPr>
-        <p:txBody>
-          <a:bodyPr wrap="none" rtlCol="0" anchor="ctr">
-            <a:spAutoFit/>
-          </a:bodyPr>
-          <a:lstStyle/>
-          <a:p>
-            <a:pPr algn="ctr"/>
-            <a:r>
-              <a:rPr lang="ko-KR" altLang="en-US" sz="2800" spc="600" dirty="0" smtClean="0">
-                <a:solidFill>
-                  <a:schemeClr val="bg1"/>
-                </a:solidFill>
-                <a:effectLst>
-                  <a:outerShdw blurRad="38100" dist="38100" dir="2700000" algn="tl">
-                    <a:srgbClr val="000000">
-                      <a:alpha val="43137"/>
-                    </a:srgbClr>
-                  </a:outerShdw>
-                </a:effectLst>
-                <a:latin typeface="-윤고딕320" panose="02030504000101010101" pitchFamily="18" charset="-127"/>
-                <a:ea typeface="-윤고딕320" panose="02030504000101010101" pitchFamily="18" charset="-127"/>
-              </a:rPr>
-              <a:t>마무리</a:t>
-            </a:r>
-            <a:endParaRPr lang="ko-KR" altLang="en-US" sz="2800" spc="600" dirty="0">
-              <a:solidFill>
-                <a:schemeClr val="bg1"/>
-              </a:solidFill>
-              <a:effectLst>
-                <a:outerShdw blurRad="38100" dist="38100" dir="2700000" algn="tl">
-                  <a:srgbClr val="000000">
-                    <a:alpha val="43137"/>
-                  </a:srgbClr>
-                </a:outerShdw>
-              </a:effectLst>
-              <a:latin typeface="-윤고딕320" panose="02030504000101010101" pitchFamily="18" charset="-127"/>
-              <a:ea typeface="-윤고딕320" panose="02030504000101010101" pitchFamily="18" charset="-127"/>
-            </a:endParaRPr>
-          </a:p>
-        </p:txBody>
-      </p:sp>
-      <p:sp>
-        <p:nvSpPr>
-          <p:cNvPr id="9" name="TextBox 8"/>
-          <p:cNvSpPr txBox="1"/>
-          <p:nvPr/>
-        </p:nvSpPr>
-        <p:spPr>
-          <a:xfrm>
-            <a:off x="5505133" y="2255520"/>
-            <a:ext cx="1181734" cy="1015663"/>
-          </a:xfrm>
-          <a:prstGeom prst="rect">
-            <a:avLst/>
-          </a:prstGeom>
-          <a:noFill/>
-        </p:spPr>
-        <p:txBody>
-          <a:bodyPr wrap="none" rtlCol="0" anchor="ctr">
-            <a:spAutoFit/>
-          </a:bodyPr>
-          <a:lstStyle/>
-          <a:p>
-            <a:pPr algn="ctr"/>
-            <a:r>
-              <a:rPr lang="en-US" altLang="ko-KR" sz="6000" dirty="0" smtClean="0">
-                <a:solidFill>
-                  <a:schemeClr val="bg1"/>
-                </a:solidFill>
-                <a:effectLst>
-                  <a:outerShdw blurRad="38100" dist="38100" dir="2700000" algn="tl">
-                    <a:srgbClr val="000000">
-                      <a:alpha val="43137"/>
-                    </a:srgbClr>
-                  </a:outerShdw>
-                </a:effectLst>
-                <a:latin typeface="Continuum Light" panose="00000400000000000000" pitchFamily="2" charset="0"/>
-                <a:ea typeface="-윤고딕310" panose="02030504000101010101" pitchFamily="18" charset="-127"/>
-              </a:rPr>
-              <a:t>02</a:t>
-            </a:r>
-            <a:endParaRPr lang="ko-KR" altLang="en-US" sz="6000" dirty="0">
-              <a:solidFill>
-                <a:schemeClr val="bg1"/>
-              </a:solidFill>
-              <a:effectLst>
-                <a:outerShdw blurRad="38100" dist="38100" dir="2700000" algn="tl">
-                  <a:srgbClr val="000000">
-                    <a:alpha val="43137"/>
-                  </a:srgbClr>
-                </a:outerShdw>
-              </a:effectLst>
-              <a:latin typeface="Continuum Light" panose="00000400000000000000" pitchFamily="2" charset="0"/>
-              <a:ea typeface="-윤고딕310" panose="02030504000101010101" pitchFamily="18" charset="-127"/>
-            </a:endParaRPr>
-          </a:p>
-        </p:txBody>
-      </p:sp>
-      <p:sp>
-        <p:nvSpPr>
-          <p:cNvPr id="10" name="TextBox 9"/>
-          <p:cNvSpPr txBox="1"/>
-          <p:nvPr/>
-        </p:nvSpPr>
-        <p:spPr>
-          <a:xfrm>
-            <a:off x="9591401" y="2255520"/>
-            <a:ext cx="1181734" cy="1015663"/>
-          </a:xfrm>
-          <a:prstGeom prst="rect">
-            <a:avLst/>
-          </a:prstGeom>
-          <a:noFill/>
-        </p:spPr>
-        <p:txBody>
-          <a:bodyPr wrap="none" rtlCol="0" anchor="ctr">
-            <a:spAutoFit/>
-          </a:bodyPr>
-          <a:lstStyle/>
-          <a:p>
-            <a:pPr algn="ctr"/>
-            <a:r>
-              <a:rPr lang="en-US" altLang="ko-KR" sz="6000" dirty="0" smtClean="0">
-                <a:solidFill>
-                  <a:schemeClr val="bg1"/>
-                </a:solidFill>
-                <a:effectLst>
-                  <a:outerShdw blurRad="38100" dist="38100" dir="2700000" algn="tl">
-                    <a:srgbClr val="000000">
-                      <a:alpha val="43137"/>
-                    </a:srgbClr>
-                  </a:outerShdw>
-                </a:effectLst>
-                <a:latin typeface="Continuum Light" panose="00000400000000000000" pitchFamily="2" charset="0"/>
-                <a:ea typeface="-윤고딕310" panose="02030504000101010101" pitchFamily="18" charset="-127"/>
-              </a:rPr>
-              <a:t>03</a:t>
-            </a:r>
-            <a:endParaRPr lang="ko-KR" altLang="en-US" sz="6000" dirty="0">
-              <a:solidFill>
-                <a:schemeClr val="bg1"/>
-              </a:solidFill>
-              <a:effectLst>
-                <a:outerShdw blurRad="38100" dist="38100" dir="2700000" algn="tl">
-                  <a:srgbClr val="000000">
-                    <a:alpha val="43137"/>
-                  </a:srgbClr>
-                </a:outerShdw>
-              </a:effectLst>
-              <a:latin typeface="Continuum Light" panose="00000400000000000000" pitchFamily="2" charset="0"/>
-              <a:ea typeface="-윤고딕310" panose="02030504000101010101" pitchFamily="18" charset="-127"/>
-            </a:endParaRPr>
-          </a:p>
-        </p:txBody>
-      </p:sp>
-      <p:cxnSp>
-        <p:nvCxnSpPr>
-          <p:cNvPr id="13" name="직선 연결선 12"/>
-          <p:cNvCxnSpPr/>
-          <p:nvPr/>
-        </p:nvCxnSpPr>
-        <p:spPr>
-          <a:xfrm>
-            <a:off x="1792785" y="2255520"/>
-            <a:ext cx="360000" cy="0"/>
-          </a:xfrm>
-          <a:prstGeom prst="line">
-            <a:avLst/>
-          </a:prstGeom>
-          <a:ln w="19050">
-            <a:solidFill>
-              <a:schemeClr val="bg1"/>
-            </a:solidFill>
-          </a:ln>
-        </p:spPr>
-        <p:style>
-          <a:lnRef idx="1">
-            <a:schemeClr val="accent1"/>
-          </a:lnRef>
-          <a:fillRef idx="0">
-            <a:schemeClr val="accent1"/>
-          </a:fillRef>
-          <a:effectRef idx="0">
-            <a:schemeClr val="accent1"/>
-          </a:effectRef>
-          <a:fontRef idx="minor">
-            <a:schemeClr val="tx1"/>
-          </a:fontRef>
-        </p:style>
-      </p:cxnSp>
-      <p:cxnSp>
-        <p:nvCxnSpPr>
-          <p:cNvPr id="14" name="직선 연결선 13"/>
-          <p:cNvCxnSpPr/>
-          <p:nvPr/>
-        </p:nvCxnSpPr>
-        <p:spPr>
-          <a:xfrm>
-            <a:off x="5916000" y="2255520"/>
-            <a:ext cx="360000" cy="0"/>
-          </a:xfrm>
-          <a:prstGeom prst="line">
-            <a:avLst/>
-          </a:prstGeom>
-          <a:ln w="19050">
-            <a:solidFill>
-              <a:schemeClr val="bg1"/>
-            </a:solidFill>
-          </a:ln>
-        </p:spPr>
-        <p:style>
-          <a:lnRef idx="1">
-            <a:schemeClr val="accent1"/>
-          </a:lnRef>
-          <a:fillRef idx="0">
-            <a:schemeClr val="accent1"/>
-          </a:fillRef>
-          <a:effectRef idx="0">
-            <a:schemeClr val="accent1"/>
-          </a:effectRef>
-          <a:fontRef idx="minor">
-            <a:schemeClr val="tx1"/>
-          </a:fontRef>
-        </p:style>
-      </p:cxnSp>
-      <p:cxnSp>
-        <p:nvCxnSpPr>
-          <p:cNvPr id="15" name="직선 연결선 14"/>
-          <p:cNvCxnSpPr/>
-          <p:nvPr/>
-        </p:nvCxnSpPr>
-        <p:spPr>
-          <a:xfrm>
-            <a:off x="10002268" y="2255520"/>
-            <a:ext cx="360000" cy="0"/>
-          </a:xfrm>
-          <a:prstGeom prst="line">
-            <a:avLst/>
-          </a:prstGeom>
-          <a:ln w="19050">
-            <a:solidFill>
-              <a:schemeClr val="bg1"/>
-            </a:solidFill>
-          </a:ln>
-        </p:spPr>
-        <p:style>
-          <a:lnRef idx="1">
-            <a:schemeClr val="accent1"/>
-          </a:lnRef>
-          <a:fillRef idx="0">
-            <a:schemeClr val="accent1"/>
-          </a:fillRef>
-          <a:effectRef idx="0">
-            <a:schemeClr val="accent1"/>
-          </a:effectRef>
-          <a:fontRef idx="minor">
-            <a:schemeClr val="tx1"/>
-          </a:fontRef>
-        </p:style>
-      </p:cxnSp>
-      <p:sp>
-        <p:nvSpPr>
-          <p:cNvPr id="17" name="TextBox 16"/>
-          <p:cNvSpPr txBox="1"/>
-          <p:nvPr/>
-        </p:nvSpPr>
-        <p:spPr>
-          <a:xfrm>
-            <a:off x="572399" y="3879398"/>
-            <a:ext cx="2800767" cy="1631216"/>
-          </a:xfrm>
-          <a:prstGeom prst="rect">
-            <a:avLst/>
-          </a:prstGeom>
-          <a:noFill/>
-        </p:spPr>
-        <p:txBody>
-          <a:bodyPr wrap="none" rtlCol="0" anchor="t">
-            <a:spAutoFit/>
-          </a:bodyPr>
-          <a:lstStyle/>
-          <a:p>
-            <a:pPr algn="ctr"/>
-            <a:r>
-              <a:rPr lang="ko-KR" altLang="en-US" sz="2000" dirty="0" smtClean="0">
-                <a:solidFill>
-                  <a:schemeClr val="bg1"/>
-                </a:solidFill>
-                <a:effectLst>
-                  <a:outerShdw blurRad="38100" dist="38100" dir="2700000" algn="tl">
-                    <a:srgbClr val="000000">
-                      <a:alpha val="43137"/>
-                    </a:srgbClr>
-                  </a:outerShdw>
-                </a:effectLst>
-                <a:latin typeface="-윤고딕310" panose="02030504000101010101" pitchFamily="18" charset="-127"/>
-                <a:ea typeface="-윤고딕310" panose="02030504000101010101" pitchFamily="18" charset="-127"/>
-              </a:rPr>
-              <a:t>게임 컨셉트</a:t>
-            </a:r>
-            <a:endParaRPr lang="en-US" altLang="ko-KR" sz="2000" dirty="0" smtClean="0">
-              <a:solidFill>
-                <a:schemeClr val="bg1"/>
-              </a:solidFill>
-              <a:effectLst>
-                <a:outerShdw blurRad="38100" dist="38100" dir="2700000" algn="tl">
-                  <a:srgbClr val="000000">
-                    <a:alpha val="43137"/>
-                  </a:srgbClr>
-                </a:outerShdw>
-              </a:effectLst>
-              <a:latin typeface="-윤고딕310" panose="02030504000101010101" pitchFamily="18" charset="-127"/>
-              <a:ea typeface="-윤고딕310" panose="02030504000101010101" pitchFamily="18" charset="-127"/>
-            </a:endParaRPr>
-          </a:p>
-          <a:p>
-            <a:pPr algn="ctr"/>
-            <a:r>
-              <a:rPr lang="ko-KR" altLang="en-US" sz="2000" dirty="0" smtClean="0">
-                <a:solidFill>
-                  <a:schemeClr val="bg1"/>
-                </a:solidFill>
-                <a:effectLst>
-                  <a:outerShdw blurRad="38100" dist="38100" dir="2700000" algn="tl">
-                    <a:srgbClr val="000000">
-                      <a:alpha val="43137"/>
-                    </a:srgbClr>
-                  </a:outerShdw>
-                </a:effectLst>
-                <a:latin typeface="-윤고딕310" panose="02030504000101010101" pitchFamily="18" charset="-127"/>
-                <a:ea typeface="-윤고딕310" panose="02030504000101010101" pitchFamily="18" charset="-127"/>
-              </a:rPr>
-              <a:t>게임 소개 </a:t>
-            </a:r>
-            <a:r>
-              <a:rPr lang="en-US" altLang="ko-KR" sz="2000" dirty="0" smtClean="0">
-                <a:solidFill>
-                  <a:schemeClr val="bg1"/>
-                </a:solidFill>
-                <a:effectLst>
-                  <a:outerShdw blurRad="38100" dist="38100" dir="2700000" algn="tl">
-                    <a:srgbClr val="000000">
-                      <a:alpha val="43137"/>
-                    </a:srgbClr>
-                  </a:outerShdw>
-                </a:effectLst>
-                <a:latin typeface="-윤고딕310" panose="02030504000101010101" pitchFamily="18" charset="-127"/>
-                <a:ea typeface="-윤고딕310" panose="02030504000101010101" pitchFamily="18" charset="-127"/>
-              </a:rPr>
-              <a:t>(</a:t>
-            </a:r>
-            <a:r>
-              <a:rPr lang="ko-KR" altLang="en-US" sz="2000" dirty="0">
-                <a:solidFill>
-                  <a:schemeClr val="bg1"/>
-                </a:solidFill>
-                <a:effectLst>
-                  <a:outerShdw blurRad="38100" dist="38100" dir="2700000" algn="tl">
-                    <a:srgbClr val="000000">
-                      <a:alpha val="43137"/>
-                    </a:srgbClr>
-                  </a:outerShdw>
-                </a:effectLst>
-                <a:latin typeface="-윤고딕310" panose="02030504000101010101" pitchFamily="18" charset="-127"/>
-                <a:ea typeface="-윤고딕310" panose="02030504000101010101" pitchFamily="18" charset="-127"/>
-              </a:rPr>
-              <a:t>세계관</a:t>
-            </a:r>
-            <a:r>
-              <a:rPr lang="en-US" altLang="ko-KR" sz="2000" dirty="0" smtClean="0">
-                <a:solidFill>
-                  <a:schemeClr val="bg1"/>
-                </a:solidFill>
-                <a:effectLst>
-                  <a:outerShdw blurRad="38100" dist="38100" dir="2700000" algn="tl">
-                    <a:srgbClr val="000000">
-                      <a:alpha val="43137"/>
-                    </a:srgbClr>
-                  </a:outerShdw>
-                </a:effectLst>
-                <a:latin typeface="-윤고딕310" panose="02030504000101010101" pitchFamily="18" charset="-127"/>
-                <a:ea typeface="-윤고딕310" panose="02030504000101010101" pitchFamily="18" charset="-127"/>
-              </a:rPr>
-              <a:t>)</a:t>
-            </a:r>
-          </a:p>
-          <a:p>
-            <a:pPr algn="ctr"/>
-            <a:r>
-              <a:rPr lang="ko-KR" altLang="en-US" sz="2000" dirty="0" smtClean="0">
-                <a:solidFill>
-                  <a:schemeClr val="bg1"/>
-                </a:solidFill>
-                <a:effectLst>
-                  <a:outerShdw blurRad="38100" dist="38100" dir="2700000" algn="tl">
-                    <a:srgbClr val="000000">
-                      <a:alpha val="43137"/>
-                    </a:srgbClr>
-                  </a:outerShdw>
-                </a:effectLst>
-                <a:latin typeface="-윤고딕310" panose="02030504000101010101" pitchFamily="18" charset="-127"/>
-                <a:ea typeface="-윤고딕310" panose="02030504000101010101" pitchFamily="18" charset="-127"/>
-              </a:rPr>
-              <a:t>게임 소개 </a:t>
-            </a:r>
-            <a:r>
-              <a:rPr lang="en-US" altLang="ko-KR" sz="2000" dirty="0" smtClean="0">
-                <a:solidFill>
-                  <a:schemeClr val="bg1"/>
-                </a:solidFill>
-                <a:effectLst>
-                  <a:outerShdw blurRad="38100" dist="38100" dir="2700000" algn="tl">
-                    <a:srgbClr val="000000">
-                      <a:alpha val="43137"/>
-                    </a:srgbClr>
-                  </a:outerShdw>
-                </a:effectLst>
-                <a:latin typeface="-윤고딕310" panose="02030504000101010101" pitchFamily="18" charset="-127"/>
-                <a:ea typeface="-윤고딕310" panose="02030504000101010101" pitchFamily="18" charset="-127"/>
-              </a:rPr>
-              <a:t>(</a:t>
-            </a:r>
-            <a:r>
-              <a:rPr lang="ko-KR" altLang="en-US" sz="2000" dirty="0" smtClean="0">
-                <a:solidFill>
-                  <a:schemeClr val="bg1"/>
-                </a:solidFill>
-                <a:effectLst>
-                  <a:outerShdw blurRad="38100" dist="38100" dir="2700000" algn="tl">
-                    <a:srgbClr val="000000">
-                      <a:alpha val="43137"/>
-                    </a:srgbClr>
-                  </a:outerShdw>
-                </a:effectLst>
-                <a:latin typeface="-윤고딕310" panose="02030504000101010101" pitchFamily="18" charset="-127"/>
-                <a:ea typeface="-윤고딕310" panose="02030504000101010101" pitchFamily="18" charset="-127"/>
-              </a:rPr>
-              <a:t>기본 시스템</a:t>
-            </a:r>
-            <a:r>
-              <a:rPr lang="en-US" altLang="ko-KR" sz="2000" dirty="0" smtClean="0">
-                <a:solidFill>
-                  <a:schemeClr val="bg1"/>
-                </a:solidFill>
-                <a:effectLst>
-                  <a:outerShdw blurRad="38100" dist="38100" dir="2700000" algn="tl">
-                    <a:srgbClr val="000000">
-                      <a:alpha val="43137"/>
-                    </a:srgbClr>
-                  </a:outerShdw>
-                </a:effectLst>
-                <a:latin typeface="-윤고딕310" panose="02030504000101010101" pitchFamily="18" charset="-127"/>
-                <a:ea typeface="-윤고딕310" panose="02030504000101010101" pitchFamily="18" charset="-127"/>
-              </a:rPr>
-              <a:t>)</a:t>
-            </a:r>
-          </a:p>
-          <a:p>
-            <a:pPr algn="ctr"/>
-            <a:r>
-              <a:rPr lang="ko-KR" altLang="en-US" sz="2000" dirty="0">
-                <a:solidFill>
-                  <a:schemeClr val="bg1"/>
-                </a:solidFill>
-                <a:effectLst>
-                  <a:outerShdw blurRad="38100" dist="38100" dir="2700000" algn="tl">
-                    <a:srgbClr val="000000">
-                      <a:alpha val="43137"/>
-                    </a:srgbClr>
-                  </a:outerShdw>
-                </a:effectLst>
-                <a:latin typeface="-윤고딕310" panose="02030504000101010101" pitchFamily="18" charset="-127"/>
-                <a:ea typeface="-윤고딕310" panose="02030504000101010101" pitchFamily="18" charset="-127"/>
-              </a:rPr>
-              <a:t>게임 </a:t>
-            </a:r>
-            <a:r>
-              <a:rPr lang="ko-KR" altLang="en-US" sz="2000" dirty="0" smtClean="0">
-                <a:solidFill>
-                  <a:schemeClr val="bg1"/>
-                </a:solidFill>
-                <a:effectLst>
-                  <a:outerShdw blurRad="38100" dist="38100" dir="2700000" algn="tl">
-                    <a:srgbClr val="000000">
-                      <a:alpha val="43137"/>
-                    </a:srgbClr>
-                  </a:outerShdw>
-                </a:effectLst>
-                <a:latin typeface="-윤고딕310" panose="02030504000101010101" pitchFamily="18" charset="-127"/>
-                <a:ea typeface="-윤고딕310" panose="02030504000101010101" pitchFamily="18" charset="-127"/>
-              </a:rPr>
-              <a:t>소개</a:t>
-            </a:r>
-            <a:r>
-              <a:rPr lang="ko-KR" altLang="en-US" sz="2000" dirty="0">
-                <a:solidFill>
-                  <a:schemeClr val="bg1"/>
-                </a:solidFill>
-                <a:effectLst>
-                  <a:outerShdw blurRad="38100" dist="38100" dir="2700000" algn="tl">
-                    <a:srgbClr val="000000">
-                      <a:alpha val="43137"/>
-                    </a:srgbClr>
-                  </a:outerShdw>
-                </a:effectLst>
-                <a:latin typeface="-윤고딕310" panose="02030504000101010101" pitchFamily="18" charset="-127"/>
-                <a:ea typeface="-윤고딕310" panose="02030504000101010101" pitchFamily="18" charset="-127"/>
-              </a:rPr>
-              <a:t> </a:t>
-            </a:r>
-            <a:r>
-              <a:rPr lang="en-US" altLang="ko-KR" sz="2000" dirty="0" smtClean="0">
-                <a:solidFill>
-                  <a:schemeClr val="bg1"/>
-                </a:solidFill>
-                <a:effectLst>
-                  <a:outerShdw blurRad="38100" dist="38100" dir="2700000" algn="tl">
-                    <a:srgbClr val="000000">
-                      <a:alpha val="43137"/>
-                    </a:srgbClr>
-                  </a:outerShdw>
-                </a:effectLst>
-                <a:latin typeface="-윤고딕310" panose="02030504000101010101" pitchFamily="18" charset="-127"/>
-                <a:ea typeface="-윤고딕310" panose="02030504000101010101" pitchFamily="18" charset="-127"/>
-              </a:rPr>
-              <a:t>(</a:t>
-            </a:r>
-            <a:r>
-              <a:rPr lang="ko-KR" altLang="en-US" sz="2000" dirty="0" smtClean="0">
-                <a:solidFill>
-                  <a:schemeClr val="bg1"/>
-                </a:solidFill>
-                <a:effectLst>
-                  <a:outerShdw blurRad="38100" dist="38100" dir="2700000" algn="tl">
-                    <a:srgbClr val="000000">
-                      <a:alpha val="43137"/>
-                    </a:srgbClr>
-                  </a:outerShdw>
-                </a:effectLst>
-                <a:latin typeface="-윤고딕310" panose="02030504000101010101" pitchFamily="18" charset="-127"/>
-                <a:ea typeface="-윤고딕310" panose="02030504000101010101" pitchFamily="18" charset="-127"/>
-              </a:rPr>
-              <a:t>진행 </a:t>
-            </a:r>
-            <a:r>
-              <a:rPr lang="ko-KR" altLang="en-US" sz="2000" dirty="0">
-                <a:solidFill>
-                  <a:schemeClr val="bg1"/>
-                </a:solidFill>
-                <a:effectLst>
-                  <a:outerShdw blurRad="38100" dist="38100" dir="2700000" algn="tl">
-                    <a:srgbClr val="000000">
-                      <a:alpha val="43137"/>
-                    </a:srgbClr>
-                  </a:outerShdw>
-                </a:effectLst>
-                <a:latin typeface="-윤고딕310" panose="02030504000101010101" pitchFamily="18" charset="-127"/>
-                <a:ea typeface="-윤고딕310" panose="02030504000101010101" pitchFamily="18" charset="-127"/>
-              </a:rPr>
-              <a:t>및 조작</a:t>
-            </a:r>
-            <a:r>
-              <a:rPr lang="en-US" altLang="ko-KR" sz="2000" dirty="0" smtClean="0">
-                <a:solidFill>
-                  <a:schemeClr val="bg1"/>
-                </a:solidFill>
-                <a:effectLst>
-                  <a:outerShdw blurRad="38100" dist="38100" dir="2700000" algn="tl">
-                    <a:srgbClr val="000000">
-                      <a:alpha val="43137"/>
-                    </a:srgbClr>
-                  </a:outerShdw>
-                </a:effectLst>
-                <a:latin typeface="-윤고딕310" panose="02030504000101010101" pitchFamily="18" charset="-127"/>
-                <a:ea typeface="-윤고딕310" panose="02030504000101010101" pitchFamily="18" charset="-127"/>
-              </a:rPr>
-              <a:t>)</a:t>
-            </a:r>
-          </a:p>
-          <a:p>
-            <a:pPr algn="ctr"/>
-            <a:r>
-              <a:rPr lang="ko-KR" altLang="en-US" sz="2000" dirty="0" smtClean="0">
-                <a:solidFill>
-                  <a:schemeClr val="bg1"/>
-                </a:solidFill>
-                <a:effectLst>
-                  <a:outerShdw blurRad="38100" dist="38100" dir="2700000" algn="tl">
-                    <a:srgbClr val="000000">
-                      <a:alpha val="43137"/>
-                    </a:srgbClr>
-                  </a:outerShdw>
-                </a:effectLst>
-                <a:latin typeface="-윤고딕310" panose="02030504000101010101" pitchFamily="18" charset="-127"/>
-                <a:ea typeface="-윤고딕310" panose="02030504000101010101" pitchFamily="18" charset="-127"/>
-              </a:rPr>
-              <a:t>게임 소개 </a:t>
-            </a:r>
-            <a:r>
-              <a:rPr lang="en-US" altLang="ko-KR" sz="2000" dirty="0" smtClean="0">
-                <a:solidFill>
-                  <a:schemeClr val="bg1"/>
-                </a:solidFill>
-                <a:effectLst>
-                  <a:outerShdw blurRad="38100" dist="38100" dir="2700000" algn="tl">
-                    <a:srgbClr val="000000">
-                      <a:alpha val="43137"/>
-                    </a:srgbClr>
-                  </a:outerShdw>
-                </a:effectLst>
-                <a:latin typeface="-윤고딕310" panose="02030504000101010101" pitchFamily="18" charset="-127"/>
-                <a:ea typeface="-윤고딕310" panose="02030504000101010101" pitchFamily="18" charset="-127"/>
-              </a:rPr>
-              <a:t>(</a:t>
-            </a:r>
-            <a:r>
-              <a:rPr lang="ko-KR" altLang="en-US" sz="2000" dirty="0" smtClean="0">
-                <a:solidFill>
-                  <a:schemeClr val="bg1"/>
-                </a:solidFill>
-                <a:effectLst>
-                  <a:outerShdw blurRad="38100" dist="38100" dir="2700000" algn="tl">
-                    <a:srgbClr val="000000">
-                      <a:alpha val="43137"/>
-                    </a:srgbClr>
-                  </a:outerShdw>
-                </a:effectLst>
-                <a:latin typeface="-윤고딕310" panose="02030504000101010101" pitchFamily="18" charset="-127"/>
-                <a:ea typeface="-윤고딕310" panose="02030504000101010101" pitchFamily="18" charset="-127"/>
-              </a:rPr>
-              <a:t>전투</a:t>
-            </a:r>
-            <a:r>
-              <a:rPr lang="en-US" altLang="ko-KR" sz="2000" dirty="0" smtClean="0">
-                <a:solidFill>
-                  <a:schemeClr val="bg1"/>
-                </a:solidFill>
-                <a:effectLst>
-                  <a:outerShdw blurRad="38100" dist="38100" dir="2700000" algn="tl">
-                    <a:srgbClr val="000000">
-                      <a:alpha val="43137"/>
-                    </a:srgbClr>
-                  </a:outerShdw>
-                </a:effectLst>
-                <a:latin typeface="-윤고딕310" panose="02030504000101010101" pitchFamily="18" charset="-127"/>
-                <a:ea typeface="-윤고딕310" panose="02030504000101010101" pitchFamily="18" charset="-127"/>
-              </a:rPr>
-              <a:t>)</a:t>
-            </a:r>
-            <a:endParaRPr lang="en-US" altLang="ko-KR" sz="2000" dirty="0">
-              <a:solidFill>
-                <a:schemeClr val="bg1"/>
-              </a:solidFill>
-              <a:effectLst>
-                <a:outerShdw blurRad="38100" dist="38100" dir="2700000" algn="tl">
-                  <a:srgbClr val="000000">
-                    <a:alpha val="43137"/>
-                  </a:srgbClr>
-                </a:outerShdw>
-              </a:effectLst>
-              <a:latin typeface="-윤고딕310" panose="02030504000101010101" pitchFamily="18" charset="-127"/>
-              <a:ea typeface="-윤고딕310" panose="02030504000101010101" pitchFamily="18" charset="-127"/>
-            </a:endParaRPr>
-          </a:p>
-        </p:txBody>
-      </p:sp>
-      <p:sp>
-        <p:nvSpPr>
-          <p:cNvPr id="18" name="TextBox 17"/>
-          <p:cNvSpPr txBox="1"/>
-          <p:nvPr/>
-        </p:nvSpPr>
-        <p:spPr>
-          <a:xfrm>
-            <a:off x="5487499" y="3868131"/>
-            <a:ext cx="1217000" cy="400110"/>
-          </a:xfrm>
-          <a:prstGeom prst="rect">
-            <a:avLst/>
-          </a:prstGeom>
-          <a:noFill/>
-        </p:spPr>
-        <p:txBody>
-          <a:bodyPr wrap="none" rtlCol="0" anchor="t">
-            <a:spAutoFit/>
-          </a:bodyPr>
-          <a:lstStyle/>
-          <a:p>
-            <a:pPr algn="ctr"/>
-            <a:r>
-              <a:rPr lang="ko-KR" altLang="en-US" sz="2000" dirty="0" smtClean="0">
-                <a:solidFill>
-                  <a:schemeClr val="bg1"/>
-                </a:solidFill>
-                <a:effectLst>
-                  <a:outerShdw blurRad="38100" dist="38100" dir="2700000" algn="tl">
-                    <a:srgbClr val="000000">
-                      <a:alpha val="43137"/>
-                    </a:srgbClr>
-                  </a:outerShdw>
-                </a:effectLst>
-                <a:latin typeface="-윤고딕310" panose="02030504000101010101" pitchFamily="18" charset="-127"/>
-                <a:ea typeface="-윤고딕310" panose="02030504000101010101" pitchFamily="18" charset="-127"/>
-              </a:rPr>
-              <a:t>개발 요소</a:t>
-            </a:r>
-            <a:endParaRPr lang="en-US" altLang="ko-KR" sz="2000" dirty="0" smtClean="0">
-              <a:solidFill>
-                <a:schemeClr val="bg1"/>
-              </a:solidFill>
-              <a:effectLst>
-                <a:outerShdw blurRad="38100" dist="38100" dir="2700000" algn="tl">
-                  <a:srgbClr val="000000">
-                    <a:alpha val="43137"/>
-                  </a:srgbClr>
-                </a:outerShdw>
-              </a:effectLst>
-              <a:latin typeface="-윤고딕310" panose="02030504000101010101" pitchFamily="18" charset="-127"/>
-              <a:ea typeface="-윤고딕310" panose="02030504000101010101" pitchFamily="18" charset="-127"/>
-            </a:endParaRPr>
-          </a:p>
-        </p:txBody>
-      </p:sp>
-      <p:sp>
-        <p:nvSpPr>
-          <p:cNvPr id="19" name="TextBox 18"/>
-          <p:cNvSpPr txBox="1"/>
-          <p:nvPr/>
-        </p:nvSpPr>
-        <p:spPr>
-          <a:xfrm>
-            <a:off x="9175424" y="3879395"/>
-            <a:ext cx="2013693" cy="1015663"/>
-          </a:xfrm>
-          <a:prstGeom prst="rect">
-            <a:avLst/>
-          </a:prstGeom>
-          <a:noFill/>
-        </p:spPr>
-        <p:txBody>
-          <a:bodyPr wrap="none" rtlCol="0" anchor="t">
-            <a:spAutoFit/>
-          </a:bodyPr>
-          <a:lstStyle/>
-          <a:p>
-            <a:pPr algn="ctr"/>
-            <a:r>
-              <a:rPr lang="ko-KR" altLang="en-US" sz="2000" dirty="0" smtClean="0">
-                <a:solidFill>
-                  <a:schemeClr val="bg1"/>
-                </a:solidFill>
-                <a:effectLst>
-                  <a:outerShdw blurRad="38100" dist="38100" dir="2700000" algn="tl">
-                    <a:srgbClr val="000000">
-                      <a:alpha val="43137"/>
-                    </a:srgbClr>
-                  </a:outerShdw>
-                </a:effectLst>
-                <a:latin typeface="-윤고딕310" panose="02030504000101010101" pitchFamily="18" charset="-127"/>
-                <a:ea typeface="-윤고딕310" panose="02030504000101010101" pitchFamily="18" charset="-127"/>
-              </a:rPr>
-              <a:t>기말 기획서 내용</a:t>
-            </a:r>
-            <a:endParaRPr lang="en-US" altLang="ko-KR" sz="2000" dirty="0" smtClean="0">
-              <a:solidFill>
-                <a:schemeClr val="bg1"/>
-              </a:solidFill>
-              <a:effectLst>
-                <a:outerShdw blurRad="38100" dist="38100" dir="2700000" algn="tl">
-                  <a:srgbClr val="000000">
-                    <a:alpha val="43137"/>
-                  </a:srgbClr>
-                </a:outerShdw>
-              </a:effectLst>
-              <a:latin typeface="-윤고딕310" panose="02030504000101010101" pitchFamily="18" charset="-127"/>
-              <a:ea typeface="-윤고딕310" panose="02030504000101010101" pitchFamily="18" charset="-127"/>
-            </a:endParaRPr>
-          </a:p>
-          <a:p>
-            <a:pPr algn="ctr"/>
-            <a:r>
-              <a:rPr lang="ko-KR" altLang="en-US" sz="2000" dirty="0" smtClean="0">
-                <a:solidFill>
-                  <a:schemeClr val="bg1"/>
-                </a:solidFill>
-                <a:effectLst>
-                  <a:outerShdw blurRad="38100" dist="38100" dir="2700000" algn="tl">
-                    <a:srgbClr val="000000">
-                      <a:alpha val="43137"/>
-                    </a:srgbClr>
-                  </a:outerShdw>
-                </a:effectLst>
-                <a:latin typeface="-윤고딕310" panose="02030504000101010101" pitchFamily="18" charset="-127"/>
-                <a:ea typeface="-윤고딕310" panose="02030504000101010101" pitchFamily="18" charset="-127"/>
-              </a:rPr>
-              <a:t>코멘트와 후기</a:t>
-            </a:r>
-            <a:endParaRPr lang="en-US" altLang="ko-KR" sz="2000" dirty="0" smtClean="0">
-              <a:solidFill>
-                <a:schemeClr val="bg1"/>
-              </a:solidFill>
-              <a:effectLst>
-                <a:outerShdw blurRad="38100" dist="38100" dir="2700000" algn="tl">
-                  <a:srgbClr val="000000">
-                    <a:alpha val="43137"/>
-                  </a:srgbClr>
-                </a:outerShdw>
-              </a:effectLst>
-              <a:latin typeface="-윤고딕310" panose="02030504000101010101" pitchFamily="18" charset="-127"/>
-              <a:ea typeface="-윤고딕310" panose="02030504000101010101" pitchFamily="18" charset="-127"/>
-            </a:endParaRPr>
-          </a:p>
-          <a:p>
-            <a:pPr algn="ctr"/>
-            <a:r>
-              <a:rPr lang="ko-KR" altLang="en-US" sz="2000" dirty="0" smtClean="0">
-                <a:solidFill>
-                  <a:schemeClr val="bg1"/>
-                </a:solidFill>
-                <a:effectLst>
-                  <a:outerShdw blurRad="38100" dist="38100" dir="2700000" algn="tl">
-                    <a:srgbClr val="000000">
-                      <a:alpha val="43137"/>
-                    </a:srgbClr>
-                  </a:outerShdw>
-                </a:effectLst>
-                <a:latin typeface="-윤고딕310" panose="02030504000101010101" pitchFamily="18" charset="-127"/>
-                <a:ea typeface="-윤고딕310" panose="02030504000101010101" pitchFamily="18" charset="-127"/>
-              </a:rPr>
-              <a:t>자료 출처</a:t>
-            </a:r>
-            <a:endParaRPr lang="ko-KR" altLang="en-US" sz="2000" dirty="0">
-              <a:solidFill>
-                <a:schemeClr val="bg1"/>
-              </a:solidFill>
-              <a:effectLst>
-                <a:outerShdw blurRad="38100" dist="38100" dir="2700000" algn="tl">
-                  <a:srgbClr val="000000">
-                    <a:alpha val="43137"/>
-                  </a:srgbClr>
-                </a:outerShdw>
-              </a:effectLst>
-              <a:latin typeface="-윤고딕310" panose="02030504000101010101" pitchFamily="18" charset="-127"/>
-              <a:ea typeface="-윤고딕310" panose="02030504000101010101" pitchFamily="18" charset="-127"/>
-            </a:endParaRPr>
-          </a:p>
-        </p:txBody>
-      </p:sp>
-      <p:cxnSp>
-        <p:nvCxnSpPr>
-          <p:cNvPr id="21" name="직선 연결선 20"/>
-          <p:cNvCxnSpPr/>
-          <p:nvPr/>
-        </p:nvCxnSpPr>
-        <p:spPr>
-          <a:xfrm>
-            <a:off x="262467" y="3718560"/>
-            <a:ext cx="11430000" cy="0"/>
-          </a:xfrm>
-          <a:prstGeom prst="line">
-            <a:avLst/>
-          </a:prstGeom>
-          <a:ln w="9525">
-            <a:solidFill>
-              <a:schemeClr val="bg1"/>
-            </a:solidFill>
-          </a:ln>
-        </p:spPr>
-        <p:style>
-          <a:lnRef idx="1">
-            <a:schemeClr val="accent1"/>
-          </a:lnRef>
-          <a:fillRef idx="0">
-            <a:schemeClr val="accent1"/>
-          </a:fillRef>
-          <a:effectRef idx="0">
-            <a:schemeClr val="accent1"/>
-          </a:effectRef>
-          <a:fontRef idx="minor">
-            <a:schemeClr val="tx1"/>
-          </a:fontRef>
-        </p:style>
-      </p:cxnSp>
-    </p:spTree>
-    <p:extLst>
-      <p:ext uri="{BB962C8B-B14F-4D97-AF65-F5344CB8AC3E}">
-        <p14:creationId xmlns:p14="http://schemas.microsoft.com/office/powerpoint/2010/main" val="421804534"/>
-      </p:ext>
-    </p:extLst>
-  </p:cSld>
-  <p:clrMapOvr>
-    <a:masterClrMapping/>
-  </p:clrMapOvr>
-  <p:timing>
-    <p:tnLst>
-      <p:par>
-        <p:cTn id="1" dur="indefinite" restart="never" nodeType="tmRoot"/>
-      </p:par>
-    </p:tnLst>
-  </p:timing>
-</p:sld>
-</file>
-
-<file path=ppt/slides/slide20.xml><?xml version="1.0" encoding="utf-8"?>
+<file path=ppt/slides/slide21.xml><?xml version="1.0" encoding="utf-8"?>
 <p:sld xmlns:a="http://schemas.openxmlformats.org/drawingml/2006/main" xmlns:r="http://schemas.openxmlformats.org/officeDocument/2006/relationships" xmlns:p="http://schemas.openxmlformats.org/presentationml/2006/main">
   <p:cSld>
     <p:spTree>
@@ -32256,7 +34591,7 @@
           <p:nvPr>
             <p:extLst>
               <p:ext uri="{D42A27DB-BD31-4B8C-83A1-F6EECF244321}">
-                <p14:modId xmlns:p14="http://schemas.microsoft.com/office/powerpoint/2010/main" val="443208578"/>
+                <p14:modId xmlns:p14="http://schemas.microsoft.com/office/powerpoint/2010/main" val="4278747263"/>
               </p:ext>
             </p:extLst>
           </p:nvPr>
@@ -32272,8 +34607,8 @@
                 <a:tableStyleId>{073A0DAA-6AF3-43AB-8588-CEC1D06C72B9}</a:tableStyleId>
               </a:tblPr>
               <a:tblGrid>
-                <a:gridCol w="3419475"/>
-                <a:gridCol w="7791451"/>
+                <a:gridCol w="1933575"/>
+                <a:gridCol w="9277351"/>
               </a:tblGrid>
               <a:tr h="835819">
                 <a:tc>
@@ -33107,7 +35442,7 @@
 </p:sld>
 </file>
 
-<file path=ppt/slides/slide21.xml><?xml version="1.0" encoding="utf-8"?>
+<file path=ppt/slides/slide22.xml><?xml version="1.0" encoding="utf-8"?>
 <p:sld xmlns:a="http://schemas.openxmlformats.org/drawingml/2006/main" xmlns:r="http://schemas.openxmlformats.org/officeDocument/2006/relationships" xmlns:p="http://schemas.openxmlformats.org/presentationml/2006/main">
   <p:cSld>
     <p:spTree>
@@ -33672,7 +36007,7 @@
 </p:sld>
 </file>
 
-<file path=ppt/slides/slide22.xml><?xml version="1.0" encoding="utf-8"?>
+<file path=ppt/slides/slide23.xml><?xml version="1.0" encoding="utf-8"?>
 <p:sld xmlns:a="http://schemas.openxmlformats.org/drawingml/2006/main" xmlns:r="http://schemas.openxmlformats.org/officeDocument/2006/relationships" xmlns:p="http://schemas.openxmlformats.org/presentationml/2006/main">
   <p:cSld>
     <p:spTree>
@@ -34818,7 +37153,7 @@
 </p:sld>
 </file>
 
-<file path=ppt/slides/slide23.xml><?xml version="1.0" encoding="utf-8"?>
+<file path=ppt/slides/slide24.xml><?xml version="1.0" encoding="utf-8"?>
 <p:sld xmlns:a="http://schemas.openxmlformats.org/drawingml/2006/main" xmlns:r="http://schemas.openxmlformats.org/officeDocument/2006/relationships" xmlns:p="http://schemas.openxmlformats.org/presentationml/2006/main">
   <p:cSld>
     <p:spTree>
@@ -44396,7 +46731,7 @@
   <a:extraClrSchemeLst/>
   <a:extLst>
     <a:ext uri="{05A4C25C-085E-4340-85A3-A5531E510DB2}">
-      <thm15:themeFamily xmlns="" xmlns:thm15="http://schemas.microsoft.com/office/thememl/2012/main" name="Office Theme" id="{62F939B6-93AF-4DB8-9C6B-D6C7DFDC589F}" vid="{4A3C46E8-61CC-4603-A589-7422A47A8E4A}"/>
+      <thm15:themeFamily xmlns:thm15="http://schemas.microsoft.com/office/thememl/2012/main" xmlns="" name="Office Theme" id="{62F939B6-93AF-4DB8-9C6B-D6C7DFDC589F}" vid="{4A3C46E8-61CC-4603-A589-7422A47A8E4A}"/>
     </a:ext>
   </a:extLst>
 </a:theme>
@@ -44657,7 +46992,7 @@
   <a:extraClrSchemeLst/>
   <a:extLst>
     <a:ext uri="{05A4C25C-085E-4340-85A3-A5531E510DB2}">
-      <thm15:themeFamily xmlns="" xmlns:thm15="http://schemas.microsoft.com/office/thememl/2012/main" name="Office Theme" id="{62F939B6-93AF-4DB8-9C6B-D6C7DFDC589F}" vid="{4A3C46E8-61CC-4603-A589-7422A47A8E4A}"/>
+      <thm15:themeFamily xmlns:thm15="http://schemas.microsoft.com/office/thememl/2012/main" xmlns="" name="Office Theme" id="{62F939B6-93AF-4DB8-9C6B-D6C7DFDC589F}" vid="{4A3C46E8-61CC-4603-A589-7422A47A8E4A}"/>
     </a:ext>
   </a:extLst>
 </a:theme>
@@ -44858,7 +47193,7 @@
   <a:extraClrSchemeLst/>
   <a:extLst>
     <a:ext uri="{05A4C25C-085E-4340-85A3-A5531E510DB2}">
-      <thm15:themeFamily xmlns="" xmlns:thm15="http://schemas.microsoft.com/office/thememl/2012/main" name="Office Theme" id="{62F939B6-93AF-4DB8-9C6B-D6C7DFDC589F}" vid="{4A3C46E8-61CC-4603-A589-7422A47A8E4A}"/>
+      <thm15:themeFamily xmlns:thm15="http://schemas.microsoft.com/office/thememl/2012/main" xmlns="" name="Office Theme" id="{62F939B6-93AF-4DB8-9C6B-D6C7DFDC589F}" vid="{4A3C46E8-61CC-4603-A589-7422A47A8E4A}"/>
     </a:ext>
   </a:extLst>
 </a:theme>
@@ -45059,7 +47394,7 @@
   <a:extraClrSchemeLst/>
   <a:extLst>
     <a:ext uri="{05A4C25C-085E-4340-85A3-A5531E510DB2}">
-      <thm15:themeFamily xmlns="" xmlns:thm15="http://schemas.microsoft.com/office/thememl/2012/main" name="Office Theme" id="{62F939B6-93AF-4DB8-9C6B-D6C7DFDC589F}" vid="{4A3C46E8-61CC-4603-A589-7422A47A8E4A}"/>
+      <thm15:themeFamily xmlns:thm15="http://schemas.microsoft.com/office/thememl/2012/main" xmlns="" name="Office Theme" id="{62F939B6-93AF-4DB8-9C6B-D6C7DFDC589F}" vid="{4A3C46E8-61CC-4603-A589-7422A47A8E4A}"/>
     </a:ext>
   </a:extLst>
 </a:theme>
@@ -45320,7 +47655,7 @@
   <a:extraClrSchemeLst/>
   <a:extLst>
     <a:ext uri="{05A4C25C-085E-4340-85A3-A5531E510DB2}">
-      <thm15:themeFamily xmlns="" xmlns:thm15="http://schemas.microsoft.com/office/thememl/2012/main" name="Office Theme" id="{62F939B6-93AF-4DB8-9C6B-D6C7DFDC589F}" vid="{4A3C46E8-61CC-4603-A589-7422A47A8E4A}"/>
+      <thm15:themeFamily xmlns:thm15="http://schemas.microsoft.com/office/thememl/2012/main" xmlns="" name="Office Theme" id="{62F939B6-93AF-4DB8-9C6B-D6C7DFDC589F}" vid="{4A3C46E8-61CC-4603-A589-7422A47A8E4A}"/>
     </a:ext>
   </a:extLst>
 </a:theme>

--- a/slides/Cosmos_20171105.pptx
+++ b/slides/Cosmos_20171105.pptx
@@ -30567,7 +30567,7 @@
                         <a:t>이 되면 파괴됨</a:t>
                       </a:r>
                       <a:r>
-                        <a:rPr lang="en-US" altLang="ko-KR" sz="1600" smtClean="0"/>
+                        <a:rPr lang="en-US" altLang="ko-KR" sz="1600" dirty="0" smtClean="0"/>
                         <a:t>.</a:t>
                       </a:r>
                       <a:endParaRPr lang="ko-KR" altLang="en-US" sz="1600" dirty="0"/>

--- a/slides/Cosmos_20171105.pptx
+++ b/slides/Cosmos_20171105.pptx
@@ -52,13 +52,13 @@
       <p:regular r:id="rId33"/>
     </p:embeddedFont>
     <p:embeddedFont>
-      <p:font typeface="맑은 고딕" panose="020B0503020000020004" pitchFamily="50" charset="-127"/>
+      <p:font typeface="Continuum Light" panose="00000400000000000000" pitchFamily="2" charset="0"/>
       <p:regular r:id="rId34"/>
-      <p:bold r:id="rId35"/>
     </p:embeddedFont>
     <p:embeddedFont>
-      <p:font typeface="Continuum Light" panose="00000400000000000000" pitchFamily="2" charset="0"/>
-      <p:regular r:id="rId36"/>
+      <p:font typeface="맑은 고딕" panose="020B0503020000020004" pitchFamily="50" charset="-127"/>
+      <p:regular r:id="rId35"/>
+      <p:bold r:id="rId36"/>
     </p:embeddedFont>
   </p:embeddedFontLst>
   <p:defaultTextStyle>
@@ -158,7 +158,7 @@
   </p:defaultTextStyle>
   <p:extLst>
     <p:ext uri="{EFAFB233-063F-42B5-8137-9DF3F51BA10A}">
-      <p15:sldGuideLst xmlns:p15="http://schemas.microsoft.com/office/powerpoint/2012/main" xmlns=""/>
+      <p15:sldGuideLst xmlns="" xmlns:p15="http://schemas.microsoft.com/office/powerpoint/2012/main"/>
     </p:ext>
   </p:extLst>
 </p:presentation>
@@ -9672,7 +9672,7 @@
           <a:p>
             <a:fld id="{6FEFB717-BC87-41D7-8B7A-E83E84006AAC}" type="datetimeFigureOut">
               <a:rPr lang="ko-KR" altLang="en-US" smtClean="0"/>
-              <a:t>2017-11-02</a:t>
+              <a:t>2017-11-04</a:t>
             </a:fld>
             <a:endParaRPr lang="ko-KR" altLang="en-US" dirty="0"/>
           </a:p>
@@ -9842,7 +9842,7 @@
           <a:p>
             <a:fld id="{FCC96FB9-AE3A-49E9-BBEB-ACB7ABCC87C1}" type="datetimeFigureOut">
               <a:rPr lang="ko-KR" altLang="en-US" smtClean="0"/>
-              <a:t>2017-11-02</a:t>
+              <a:t>2017-11-04</a:t>
             </a:fld>
             <a:endParaRPr lang="ko-KR" altLang="en-US" dirty="0"/>
           </a:p>
@@ -10949,7 +10949,7 @@
   <p:sldLayoutIdLst>
     <p:sldLayoutId id="2147483659" r:id="rId1"/>
   </p:sldLayoutIdLst>
-  <p:hf hdr="0" dt="0"/>
+  <p:hf hdr="0" ftr="0" dt="0"/>
   <p:txStyles>
     <p:titleStyle>
       <a:lvl1pPr algn="l" defTabSz="914400" rtl="0" eaLnBrk="1" latinLnBrk="1" hangingPunct="1">
@@ -11371,7 +11371,7 @@
   <p:sldLayoutIdLst>
     <p:sldLayoutId id="2147483655" r:id="rId1"/>
   </p:sldLayoutIdLst>
-  <p:hf hdr="0" dt="0"/>
+  <p:hf hdr="0" ftr="0" dt="0"/>
   <p:txStyles>
     <p:titleStyle>
       <a:lvl1pPr algn="l" defTabSz="914400" rtl="0" eaLnBrk="1" latinLnBrk="1" hangingPunct="1">
@@ -11793,7 +11793,7 @@
   <p:sldLayoutIdLst>
     <p:sldLayoutId id="2147483657" r:id="rId1"/>
   </p:sldLayoutIdLst>
-  <p:hf hdr="0" dt="0"/>
+  <p:hf hdr="0" ftr="0" dt="0"/>
   <p:txStyles>
     <p:titleStyle>
       <a:lvl1pPr algn="l" defTabSz="914400" rtl="0" eaLnBrk="1" latinLnBrk="1" hangingPunct="1">
@@ -12215,7 +12215,7 @@
   <p:sldLayoutIdLst>
     <p:sldLayoutId id="2147483661" r:id="rId1"/>
   </p:sldLayoutIdLst>
-  <p:hf hdr="0" dt="0"/>
+  <p:hf hdr="0" ftr="0" dt="0"/>
   <p:txStyles>
     <p:titleStyle>
       <a:lvl1pPr algn="l" defTabSz="914400" rtl="0" eaLnBrk="1" latinLnBrk="1" hangingPunct="1">
@@ -12685,7 +12685,7 @@
   <p:sldLayoutIdLst>
     <p:sldLayoutId id="2147483663" r:id="rId1"/>
   </p:sldLayoutIdLst>
-  <p:hf hdr="0" dt="0"/>
+  <p:hf hdr="0" ftr="0" dt="0"/>
   <p:txStyles>
     <p:titleStyle>
       <a:lvl1pPr algn="l" defTabSz="914400" rtl="0" eaLnBrk="1" latinLnBrk="1" hangingPunct="1">
@@ -28226,24 +28226,7 @@
                 <a:latin typeface="-윤고딕310" panose="02030504000101010101" pitchFamily="18" charset="-127"/>
                 <a:ea typeface="-윤고딕310" panose="02030504000101010101" pitchFamily="18" charset="-127"/>
               </a:rPr>
-              <a:t>무기를 제외하면 모두 </a:t>
-            </a:r>
-            <a:r>
-              <a:rPr lang="ko-KR" altLang="en-US" sz="3200" dirty="0" smtClean="0">
-                <a:solidFill>
-                  <a:schemeClr val="bg1"/>
-                </a:solidFill>
-                <a:effectLst>
-                  <a:outerShdw blurRad="38100" dist="38100" dir="2700000" algn="tl">
-                    <a:srgbClr val="000000">
-                      <a:alpha val="43137"/>
-                    </a:srgbClr>
-                  </a:outerShdw>
-                </a:effectLst>
-                <a:latin typeface="-윤고딕310" panose="02030504000101010101" pitchFamily="18" charset="-127"/>
-                <a:ea typeface="-윤고딕310" panose="02030504000101010101" pitchFamily="18" charset="-127"/>
-              </a:rPr>
-              <a:t>똑같은 시스템을 사용한다</a:t>
+              <a:t>무기를 제외하면 모두 똑같은 시스템을 사용한다</a:t>
             </a:r>
             <a:r>
               <a:rPr lang="en-US" altLang="ko-KR" sz="3200" dirty="0" smtClean="0">
@@ -30197,7 +30180,6 @@
                         <a:rPr lang="en-US" altLang="ko-KR" sz="1600" baseline="0" dirty="0" smtClean="0"/>
                         <a:t>.</a:t>
                       </a:r>
-                      <a:endParaRPr lang="en-US" altLang="ko-KR" sz="1600" baseline="0" dirty="0" smtClean="0"/>
                     </a:p>
                   </a:txBody>
                   <a:tcPr>
@@ -32324,6 +32306,47 @@
           </a:fontRef>
         </p:style>
       </p:cxnSp>
+      <p:sp>
+        <p:nvSpPr>
+          <p:cNvPr id="2" name="TextBox 1"/>
+          <p:cNvSpPr txBox="1"/>
+          <p:nvPr/>
+        </p:nvSpPr>
+        <p:spPr>
+          <a:xfrm>
+            <a:off x="11329652" y="6362700"/>
+            <a:ext cx="725630" cy="369332"/>
+          </a:xfrm>
+          <a:prstGeom prst="rect">
+            <a:avLst/>
+          </a:prstGeom>
+          <a:noFill/>
+        </p:spPr>
+        <p:txBody>
+          <a:bodyPr wrap="square" rtlCol="0" anchor="ctr">
+            <a:spAutoFit/>
+          </a:bodyPr>
+          <a:lstStyle/>
+          <a:p>
+            <a:pPr algn="ctr"/>
+            <a:r>
+              <a:rPr lang="en-US" altLang="ko-KR" dirty="0" smtClean="0">
+                <a:solidFill>
+                  <a:schemeClr val="bg1"/>
+                </a:solidFill>
+                <a:latin typeface="Continuum Light" panose="00000400000000000000" pitchFamily="2" charset="0"/>
+              </a:rPr>
+              <a:t>1</a:t>
+            </a:r>
+            <a:endParaRPr lang="ko-KR" altLang="en-US" dirty="0">
+              <a:solidFill>
+                <a:schemeClr val="bg1"/>
+              </a:solidFill>
+              <a:latin typeface="Continuum Light" panose="00000400000000000000" pitchFamily="2" charset="0"/>
+            </a:endParaRPr>
+          </a:p>
+        </p:txBody>
+      </p:sp>
     </p:spTree>
     <p:extLst>
       <p:ext uri="{BB962C8B-B14F-4D97-AF65-F5344CB8AC3E}">
@@ -35551,62 +35574,6 @@
       </p:sp>
       <p:sp>
         <p:nvSpPr>
-          <p:cNvPr id="7" name="TextBox 6"/>
-          <p:cNvSpPr txBox="1"/>
-          <p:nvPr/>
-        </p:nvSpPr>
-        <p:spPr>
-          <a:xfrm>
-            <a:off x="117687" y="1363131"/>
-            <a:ext cx="11617113" cy="584775"/>
-          </a:xfrm>
-          <a:prstGeom prst="rect">
-            <a:avLst/>
-          </a:prstGeom>
-          <a:noFill/>
-        </p:spPr>
-        <p:txBody>
-          <a:bodyPr wrap="square" rtlCol="0" anchor="t">
-            <a:spAutoFit/>
-          </a:bodyPr>
-          <a:lstStyle/>
-          <a:p>
-            <a:r>
-              <a:rPr lang="ko-KR" altLang="en-US" sz="3200" dirty="0" smtClean="0">
-                <a:solidFill>
-                  <a:schemeClr val="bg1"/>
-                </a:solidFill>
-                <a:effectLst>
-                  <a:outerShdw blurRad="38100" dist="38100" dir="2700000" algn="tl">
-                    <a:srgbClr val="000000">
-                      <a:alpha val="43137"/>
-                    </a:srgbClr>
-                  </a:outerShdw>
-                </a:effectLst>
-                <a:latin typeface="-윤고딕310" panose="02030504000101010101" pitchFamily="18" charset="-127"/>
-                <a:ea typeface="-윤고딕310" panose="02030504000101010101" pitchFamily="18" charset="-127"/>
-              </a:rPr>
-              <a:t>텍스트</a:t>
-            </a:r>
-            <a:endParaRPr lang="en-US" altLang="ko-KR" sz="3200" dirty="0">
-              <a:solidFill>
-                <a:schemeClr val="bg1"/>
-              </a:solidFill>
-              <a:effectLst>
-                <a:outerShdw blurRad="38100" dist="38100" dir="2700000" algn="tl">
-                  <a:srgbClr val="000000">
-                    <a:alpha val="43137"/>
-                  </a:srgbClr>
-                </a:outerShdw>
-              </a:effectLst>
-              <a:latin typeface="-윤고딕310" panose="02030504000101010101" pitchFamily="18" charset="-127"/>
-              <a:ea typeface="-윤고딕310" panose="02030504000101010101" pitchFamily="18" charset="-127"/>
-            </a:endParaRPr>
-          </a:p>
-        </p:txBody>
-      </p:sp>
-      <p:sp>
-        <p:nvSpPr>
           <p:cNvPr id="10" name="TextBox 9"/>
           <p:cNvSpPr txBox="1"/>
           <p:nvPr/>
@@ -35987,6 +35954,83 @@
           </a:fontRef>
         </p:style>
       </p:cxnSp>
+      <p:sp>
+        <p:nvSpPr>
+          <p:cNvPr id="8" name="TextBox 7"/>
+          <p:cNvSpPr txBox="1"/>
+          <p:nvPr/>
+        </p:nvSpPr>
+        <p:spPr>
+          <a:xfrm>
+            <a:off x="117687" y="1363131"/>
+            <a:ext cx="11617113" cy="553998"/>
+          </a:xfrm>
+          <a:prstGeom prst="rect">
+            <a:avLst/>
+          </a:prstGeom>
+          <a:noFill/>
+        </p:spPr>
+        <p:txBody>
+          <a:bodyPr wrap="square" rtlCol="0" anchor="t">
+            <a:spAutoFit/>
+          </a:bodyPr>
+          <a:lstStyle/>
+          <a:p>
+            <a:pPr marL="457200" indent="-457200">
+              <a:buFont typeface="Arial" panose="020B0604020202020204" pitchFamily="34" charset="0"/>
+              <a:buChar char="•"/>
+            </a:pPr>
+            <a:r>
+              <a:rPr lang="ko-KR" altLang="en-US" sz="3000" dirty="0" smtClean="0">
+                <a:solidFill>
+                  <a:schemeClr val="bg1"/>
+                </a:solidFill>
+                <a:effectLst>
+                  <a:outerShdw blurRad="38100" dist="38100" dir="2700000" algn="tl">
+                    <a:srgbClr val="000000">
+                      <a:alpha val="43137"/>
+                    </a:srgbClr>
+                  </a:outerShdw>
+                </a:effectLst>
+                <a:latin typeface="-윤고딕310" panose="02030504000101010101" pitchFamily="18" charset="-127"/>
+                <a:ea typeface="-윤고딕310" panose="02030504000101010101" pitchFamily="18" charset="-127"/>
+              </a:rPr>
+              <a:t>텍스</a:t>
+            </a:r>
+            <a:r>
+              <a:rPr lang="ko-KR" altLang="en-US" sz="3000" dirty="0">
+                <a:solidFill>
+                  <a:schemeClr val="bg1"/>
+                </a:solidFill>
+                <a:effectLst>
+                  <a:outerShdw blurRad="38100" dist="38100" dir="2700000" algn="tl">
+                    <a:srgbClr val="000000">
+                      <a:alpha val="43137"/>
+                    </a:srgbClr>
+                  </a:outerShdw>
+                </a:effectLst>
+                <a:latin typeface="-윤고딕310" panose="02030504000101010101" pitchFamily="18" charset="-127"/>
+                <a:ea typeface="-윤고딕310" panose="02030504000101010101" pitchFamily="18" charset="-127"/>
+              </a:rPr>
+              <a:t>트</a:t>
+            </a:r>
+            <a:endParaRPr lang="en-US" altLang="ko-KR" sz="3000" dirty="0">
+              <a:solidFill>
+                <a:schemeClr val="bg1"/>
+              </a:solidFill>
+              <a:effectLst>
+                <a:outerShdw blurRad="38100" dist="38100" dir="2700000" algn="tl">
+                  <a:srgbClr val="000000">
+                    <a:alpha val="43137"/>
+                  </a:srgbClr>
+                </a:outerShdw>
+              </a:effectLst>
+              <a:latin typeface="-윤고딕310" panose="02030504000101010101" pitchFamily="18" charset="-127"/>
+              <a:ea typeface="-윤고딕310" panose="02030504000101010101" pitchFamily="18" charset="-127"/>
+            </a:endParaRPr>
+          </a:p>
+        </p:txBody>
+      </p:sp>
     </p:spTree>
     <p:extLst>
       <p:ext uri="{BB962C8B-B14F-4D97-AF65-F5344CB8AC3E}">
@@ -46731,7 +46775,7 @@
   <a:extraClrSchemeLst/>
   <a:extLst>
     <a:ext uri="{05A4C25C-085E-4340-85A3-A5531E510DB2}">
-      <thm15:themeFamily xmlns:thm15="http://schemas.microsoft.com/office/thememl/2012/main" xmlns="" name="Office Theme" id="{62F939B6-93AF-4DB8-9C6B-D6C7DFDC589F}" vid="{4A3C46E8-61CC-4603-A589-7422A47A8E4A}"/>
+      <thm15:themeFamily xmlns="" xmlns:thm15="http://schemas.microsoft.com/office/thememl/2012/main" name="Office Theme" id="{62F939B6-93AF-4DB8-9C6B-D6C7DFDC589F}" vid="{4A3C46E8-61CC-4603-A589-7422A47A8E4A}"/>
     </a:ext>
   </a:extLst>
 </a:theme>
@@ -46992,7 +47036,7 @@
   <a:extraClrSchemeLst/>
   <a:extLst>
     <a:ext uri="{05A4C25C-085E-4340-85A3-A5531E510DB2}">
-      <thm15:themeFamily xmlns:thm15="http://schemas.microsoft.com/office/thememl/2012/main" xmlns="" name="Office Theme" id="{62F939B6-93AF-4DB8-9C6B-D6C7DFDC589F}" vid="{4A3C46E8-61CC-4603-A589-7422A47A8E4A}"/>
+      <thm15:themeFamily xmlns="" xmlns:thm15="http://schemas.microsoft.com/office/thememl/2012/main" name="Office Theme" id="{62F939B6-93AF-4DB8-9C6B-D6C7DFDC589F}" vid="{4A3C46E8-61CC-4603-A589-7422A47A8E4A}"/>
     </a:ext>
   </a:extLst>
 </a:theme>
@@ -47193,7 +47237,7 @@
   <a:extraClrSchemeLst/>
   <a:extLst>
     <a:ext uri="{05A4C25C-085E-4340-85A3-A5531E510DB2}">
-      <thm15:themeFamily xmlns:thm15="http://schemas.microsoft.com/office/thememl/2012/main" xmlns="" name="Office Theme" id="{62F939B6-93AF-4DB8-9C6B-D6C7DFDC589F}" vid="{4A3C46E8-61CC-4603-A589-7422A47A8E4A}"/>
+      <thm15:themeFamily xmlns="" xmlns:thm15="http://schemas.microsoft.com/office/thememl/2012/main" name="Office Theme" id="{62F939B6-93AF-4DB8-9C6B-D6C7DFDC589F}" vid="{4A3C46E8-61CC-4603-A589-7422A47A8E4A}"/>
     </a:ext>
   </a:extLst>
 </a:theme>
@@ -47394,7 +47438,7 @@
   <a:extraClrSchemeLst/>
   <a:extLst>
     <a:ext uri="{05A4C25C-085E-4340-85A3-A5531E510DB2}">
-      <thm15:themeFamily xmlns:thm15="http://schemas.microsoft.com/office/thememl/2012/main" xmlns="" name="Office Theme" id="{62F939B6-93AF-4DB8-9C6B-D6C7DFDC589F}" vid="{4A3C46E8-61CC-4603-A589-7422A47A8E4A}"/>
+      <thm15:themeFamily xmlns="" xmlns:thm15="http://schemas.microsoft.com/office/thememl/2012/main" name="Office Theme" id="{62F939B6-93AF-4DB8-9C6B-D6C7DFDC589F}" vid="{4A3C46E8-61CC-4603-A589-7422A47A8E4A}"/>
     </a:ext>
   </a:extLst>
 </a:theme>
@@ -47655,7 +47699,7 @@
   <a:extraClrSchemeLst/>
   <a:extLst>
     <a:ext uri="{05A4C25C-085E-4340-85A3-A5531E510DB2}">
-      <thm15:themeFamily xmlns:thm15="http://schemas.microsoft.com/office/thememl/2012/main" xmlns="" name="Office Theme" id="{62F939B6-93AF-4DB8-9C6B-D6C7DFDC589F}" vid="{4A3C46E8-61CC-4603-A589-7422A47A8E4A}"/>
+      <thm15:themeFamily xmlns="" xmlns:thm15="http://schemas.microsoft.com/office/thememl/2012/main" name="Office Theme" id="{62F939B6-93AF-4DB8-9C6B-D6C7DFDC589F}" vid="{4A3C46E8-61CC-4603-A589-7422A47A8E4A}"/>
     </a:ext>
   </a:extLst>
 </a:theme>

--- a/slides/Cosmos_20171105.pptx
+++ b/slides/Cosmos_20171105.pptx
@@ -44,21 +44,21 @@
   <p:notesSz cx="9144000" cy="6858000"/>
   <p:embeddedFontLst>
     <p:embeddedFont>
-      <p:font typeface="-윤고딕320" panose="02030504000101010101" pitchFamily="18" charset="-127"/>
+      <p:font typeface="맑은 고딕" panose="020B0503020000020004" pitchFamily="50" charset="-127"/>
       <p:regular r:id="rId32"/>
-    </p:embeddedFont>
-    <p:embeddedFont>
-      <p:font typeface="-윤고딕310" panose="02030504000101010101" pitchFamily="18" charset="-127"/>
-      <p:regular r:id="rId33"/>
+      <p:bold r:id="rId33"/>
     </p:embeddedFont>
     <p:embeddedFont>
       <p:font typeface="Continuum Light" panose="00000400000000000000" pitchFamily="2" charset="0"/>
       <p:regular r:id="rId34"/>
     </p:embeddedFont>
     <p:embeddedFont>
-      <p:font typeface="맑은 고딕" panose="020B0503020000020004" pitchFamily="50" charset="-127"/>
+      <p:font typeface="-윤고딕320" panose="02030504000101010101" pitchFamily="18" charset="-127"/>
       <p:regular r:id="rId35"/>
-      <p:bold r:id="rId36"/>
+    </p:embeddedFont>
+    <p:embeddedFont>
+      <p:font typeface="-윤고딕310" panose="02030504000101010101" pitchFamily="18" charset="-127"/>
+      <p:regular r:id="rId36"/>
     </p:embeddedFont>
   </p:embeddedFontLst>
   <p:defaultTextStyle>
@@ -158,7 +158,7 @@
   </p:defaultTextStyle>
   <p:extLst>
     <p:ext uri="{EFAFB233-063F-42B5-8137-9DF3F51BA10A}">
-      <p15:sldGuideLst xmlns="" xmlns:p15="http://schemas.microsoft.com/office/powerpoint/2012/main"/>
+      <p15:sldGuideLst xmlns:p15="http://schemas.microsoft.com/office/powerpoint/2012/main" xmlns=""/>
     </p:ext>
   </p:extLst>
 </p:presentation>
@@ -9672,7 +9672,7 @@
           <a:p>
             <a:fld id="{6FEFB717-BC87-41D7-8B7A-E83E84006AAC}" type="datetimeFigureOut">
               <a:rPr lang="ko-KR" altLang="en-US" smtClean="0"/>
-              <a:t>2017-11-04</a:t>
+              <a:t>2017-11-05</a:t>
             </a:fld>
             <a:endParaRPr lang="ko-KR" altLang="en-US" dirty="0"/>
           </a:p>
@@ -9842,7 +9842,7 @@
           <a:p>
             <a:fld id="{FCC96FB9-AE3A-49E9-BBEB-ACB7ABCC87C1}" type="datetimeFigureOut">
               <a:rPr lang="ko-KR" altLang="en-US" smtClean="0"/>
-              <a:t>2017-11-04</a:t>
+              <a:t>2017-11-05</a:t>
             </a:fld>
             <a:endParaRPr lang="ko-KR" altLang="en-US" dirty="0"/>
           </a:p>
@@ -35962,8 +35962,8 @@
         </p:nvSpPr>
         <p:spPr>
           <a:xfrm>
-            <a:off x="117687" y="1363131"/>
-            <a:ext cx="11617113" cy="553998"/>
+            <a:off x="117687" y="1696506"/>
+            <a:ext cx="11617113" cy="3785652"/>
           </a:xfrm>
           <a:prstGeom prst="rect">
             <a:avLst/>
@@ -35995,26 +35995,256 @@
                 <a:latin typeface="-윤고딕310" panose="02030504000101010101" pitchFamily="18" charset="-127"/>
                 <a:ea typeface="-윤고딕310" panose="02030504000101010101" pitchFamily="18" charset="-127"/>
               </a:rPr>
-              <a:t>텍스</a:t>
-            </a:r>
-            <a:r>
-              <a:rPr lang="ko-KR" altLang="en-US" sz="3000" dirty="0">
-                <a:solidFill>
-                  <a:schemeClr val="bg1"/>
-                </a:solidFill>
-                <a:effectLst>
-                  <a:outerShdw blurRad="38100" dist="38100" dir="2700000" algn="tl">
-                    <a:srgbClr val="000000">
-                      <a:alpha val="43137"/>
-                    </a:srgbClr>
-                  </a:outerShdw>
-                </a:effectLst>
-                <a:latin typeface="-윤고딕310" panose="02030504000101010101" pitchFamily="18" charset="-127"/>
-                <a:ea typeface="-윤고딕310" panose="02030504000101010101" pitchFamily="18" charset="-127"/>
-              </a:rPr>
-              <a:t>트</a:t>
-            </a:r>
+              <a:t>본격적으로 쓰는 건 처음인</a:t>
+            </a:r>
+            <a:r>
+              <a:rPr lang="ko-KR" altLang="en-US" sz="3000" dirty="0" smtClean="0">
+                <a:solidFill>
+                  <a:schemeClr val="bg1"/>
+                </a:solidFill>
+                <a:effectLst>
+                  <a:outerShdw blurRad="38100" dist="38100" dir="2700000" algn="tl">
+                    <a:srgbClr val="000000">
+                      <a:alpha val="43137"/>
+                    </a:srgbClr>
+                  </a:outerShdw>
+                </a:effectLst>
+                <a:latin typeface="-윤고딕310" panose="02030504000101010101" pitchFamily="18" charset="-127"/>
+                <a:ea typeface="-윤고딕310" panose="02030504000101010101" pitchFamily="18" charset="-127"/>
+              </a:rPr>
+              <a:t> 기획서라 질적인 면에서 많이 부족한 듯 싶습니다</a:t>
+            </a:r>
+            <a:r>
+              <a:rPr lang="en-US" altLang="ko-KR" sz="3000" dirty="0" smtClean="0">
+                <a:solidFill>
+                  <a:schemeClr val="bg1"/>
+                </a:solidFill>
+                <a:effectLst>
+                  <a:outerShdw blurRad="38100" dist="38100" dir="2700000" algn="tl">
+                    <a:srgbClr val="000000">
+                      <a:alpha val="43137"/>
+                    </a:srgbClr>
+                  </a:outerShdw>
+                </a:effectLst>
+                <a:latin typeface="-윤고딕310" panose="02030504000101010101" pitchFamily="18" charset="-127"/>
+                <a:ea typeface="-윤고딕310" panose="02030504000101010101" pitchFamily="18" charset="-127"/>
+              </a:rPr>
+              <a:t>. </a:t>
+            </a:r>
+            <a:r>
+              <a:rPr lang="ko-KR" altLang="en-US" sz="3000" dirty="0" smtClean="0">
+                <a:solidFill>
+                  <a:schemeClr val="bg1"/>
+                </a:solidFill>
+                <a:effectLst>
+                  <a:outerShdw blurRad="38100" dist="38100" dir="2700000" algn="tl">
+                    <a:srgbClr val="000000">
+                      <a:alpha val="43137"/>
+                    </a:srgbClr>
+                  </a:outerShdw>
+                </a:effectLst>
+                <a:latin typeface="-윤고딕310" panose="02030504000101010101" pitchFamily="18" charset="-127"/>
+                <a:ea typeface="-윤고딕310" panose="02030504000101010101" pitchFamily="18" charset="-127"/>
+              </a:rPr>
+              <a:t>괜히 쓸데없는 내용을 이것 저것 집어 넣은 것 같아서 프린트 값만 많이 든 것 같습니다</a:t>
+            </a:r>
+            <a:r>
+              <a:rPr lang="en-US" altLang="ko-KR" sz="3000" dirty="0" smtClean="0">
+                <a:solidFill>
+                  <a:schemeClr val="bg1"/>
+                </a:solidFill>
+                <a:effectLst>
+                  <a:outerShdw blurRad="38100" dist="38100" dir="2700000" algn="tl">
+                    <a:srgbClr val="000000">
+                      <a:alpha val="43137"/>
+                    </a:srgbClr>
+                  </a:outerShdw>
+                </a:effectLst>
+                <a:latin typeface="-윤고딕310" panose="02030504000101010101" pitchFamily="18" charset="-127"/>
+                <a:ea typeface="-윤고딕310" panose="02030504000101010101" pitchFamily="18" charset="-127"/>
+              </a:rPr>
+              <a:t>.</a:t>
+            </a:r>
+          </a:p>
+          <a:p>
+            <a:pPr marL="457200" indent="-457200">
+              <a:buFont typeface="Arial" panose="020B0604020202020204" pitchFamily="34" charset="0"/>
+              <a:buChar char="•"/>
+            </a:pPr>
             <a:endParaRPr lang="en-US" altLang="ko-KR" sz="3000" dirty="0">
+              <a:solidFill>
+                <a:schemeClr val="bg1"/>
+              </a:solidFill>
+              <a:effectLst>
+                <a:outerShdw blurRad="38100" dist="38100" dir="2700000" algn="tl">
+                  <a:srgbClr val="000000">
+                    <a:alpha val="43137"/>
+                  </a:srgbClr>
+                </a:outerShdw>
+              </a:effectLst>
+              <a:latin typeface="-윤고딕310" panose="02030504000101010101" pitchFamily="18" charset="-127"/>
+              <a:ea typeface="-윤고딕310" panose="02030504000101010101" pitchFamily="18" charset="-127"/>
+            </a:endParaRPr>
+          </a:p>
+          <a:p>
+            <a:pPr marL="457200" indent="-457200">
+              <a:buFont typeface="Arial" panose="020B0604020202020204" pitchFamily="34" charset="0"/>
+              <a:buChar char="•"/>
+            </a:pPr>
+            <a:r>
+              <a:rPr lang="ko-KR" altLang="en-US" sz="3000" dirty="0" smtClean="0">
+                <a:solidFill>
+                  <a:schemeClr val="bg1"/>
+                </a:solidFill>
+                <a:effectLst>
+                  <a:outerShdw blurRad="38100" dist="38100" dir="2700000" algn="tl">
+                    <a:srgbClr val="000000">
+                      <a:alpha val="43137"/>
+                    </a:srgbClr>
+                  </a:outerShdw>
+                </a:effectLst>
+                <a:latin typeface="-윤고딕310" panose="02030504000101010101" pitchFamily="18" charset="-127"/>
+                <a:ea typeface="-윤고딕310" panose="02030504000101010101" pitchFamily="18" charset="-127"/>
+              </a:rPr>
+              <a:t>그래도 쓰는 게 재미있는 과제는 처음이었습니다</a:t>
+            </a:r>
+            <a:r>
+              <a:rPr lang="en-US" altLang="ko-KR" sz="3000" dirty="0" smtClean="0">
+                <a:solidFill>
+                  <a:schemeClr val="bg1"/>
+                </a:solidFill>
+                <a:effectLst>
+                  <a:outerShdw blurRad="38100" dist="38100" dir="2700000" algn="tl">
+                    <a:srgbClr val="000000">
+                      <a:alpha val="43137"/>
+                    </a:srgbClr>
+                  </a:outerShdw>
+                </a:effectLst>
+                <a:latin typeface="-윤고딕310" panose="02030504000101010101" pitchFamily="18" charset="-127"/>
+                <a:ea typeface="-윤고딕310" panose="02030504000101010101" pitchFamily="18" charset="-127"/>
+              </a:rPr>
+              <a:t>. </a:t>
+            </a:r>
+            <a:r>
+              <a:rPr lang="ko-KR" altLang="en-US" sz="3000" dirty="0" smtClean="0">
+                <a:solidFill>
+                  <a:schemeClr val="bg1"/>
+                </a:solidFill>
+                <a:effectLst>
+                  <a:outerShdw blurRad="38100" dist="38100" dir="2700000" algn="tl">
+                    <a:srgbClr val="000000">
+                      <a:alpha val="43137"/>
+                    </a:srgbClr>
+                  </a:outerShdw>
+                </a:effectLst>
+                <a:latin typeface="-윤고딕310" panose="02030504000101010101" pitchFamily="18" charset="-127"/>
+                <a:ea typeface="-윤고딕310" panose="02030504000101010101" pitchFamily="18" charset="-127"/>
+              </a:rPr>
+              <a:t>윈도우 프로그래밍</a:t>
+            </a:r>
+            <a:r>
+              <a:rPr lang="ko-KR" altLang="en-US" sz="3000" dirty="0" smtClean="0">
+                <a:solidFill>
+                  <a:schemeClr val="bg1"/>
+                </a:solidFill>
+                <a:effectLst>
+                  <a:outerShdw blurRad="38100" dist="38100" dir="2700000" algn="tl">
+                    <a:srgbClr val="000000">
+                      <a:alpha val="43137"/>
+                    </a:srgbClr>
+                  </a:outerShdw>
+                </a:effectLst>
+                <a:latin typeface="-윤고딕310" panose="02030504000101010101" pitchFamily="18" charset="-127"/>
+                <a:ea typeface="-윤고딕310" panose="02030504000101010101" pitchFamily="18" charset="-127"/>
+              </a:rPr>
+              <a:t> 기획서나 </a:t>
+            </a:r>
+            <a:r>
+              <a:rPr lang="en-US" altLang="ko-KR" sz="3000" dirty="0" smtClean="0">
+                <a:solidFill>
+                  <a:schemeClr val="bg1"/>
+                </a:solidFill>
+                <a:effectLst>
+                  <a:outerShdw blurRad="38100" dist="38100" dir="2700000" algn="tl">
+                    <a:srgbClr val="000000">
+                      <a:alpha val="43137"/>
+                    </a:srgbClr>
+                  </a:outerShdw>
+                </a:effectLst>
+                <a:latin typeface="-윤고딕310" panose="02030504000101010101" pitchFamily="18" charset="-127"/>
+                <a:ea typeface="-윤고딕310" panose="02030504000101010101" pitchFamily="18" charset="-127"/>
+              </a:rPr>
+              <a:t>2D </a:t>
+            </a:r>
+            <a:r>
+              <a:rPr lang="ko-KR" altLang="en-US" sz="3000" dirty="0" smtClean="0">
+                <a:solidFill>
+                  <a:schemeClr val="bg1"/>
+                </a:solidFill>
+                <a:effectLst>
+                  <a:outerShdw blurRad="38100" dist="38100" dir="2700000" algn="tl">
+                    <a:srgbClr val="000000">
+                      <a:alpha val="43137"/>
+                    </a:srgbClr>
+                  </a:outerShdw>
+                </a:effectLst>
+                <a:latin typeface="-윤고딕310" panose="02030504000101010101" pitchFamily="18" charset="-127"/>
+                <a:ea typeface="-윤고딕310" panose="02030504000101010101" pitchFamily="18" charset="-127"/>
+              </a:rPr>
+              <a:t>프로그래밍 기획서는 칙칙하고 별로였는데</a:t>
+            </a:r>
+            <a:r>
+              <a:rPr lang="en-US" altLang="ko-KR" sz="3000" dirty="0" smtClean="0">
+                <a:solidFill>
+                  <a:schemeClr val="bg1"/>
+                </a:solidFill>
+                <a:effectLst>
+                  <a:outerShdw blurRad="38100" dist="38100" dir="2700000" algn="tl">
+                    <a:srgbClr val="000000">
+                      <a:alpha val="43137"/>
+                    </a:srgbClr>
+                  </a:outerShdw>
+                </a:effectLst>
+                <a:latin typeface="-윤고딕310" panose="02030504000101010101" pitchFamily="18" charset="-127"/>
+                <a:ea typeface="-윤고딕310" panose="02030504000101010101" pitchFamily="18" charset="-127"/>
+              </a:rPr>
+              <a:t>, </a:t>
+            </a:r>
+            <a:r>
+              <a:rPr lang="ko-KR" altLang="en-US" sz="3000" dirty="0" smtClean="0">
+                <a:solidFill>
+                  <a:schemeClr val="bg1"/>
+                </a:solidFill>
+                <a:effectLst>
+                  <a:outerShdw blurRad="38100" dist="38100" dir="2700000" algn="tl">
+                    <a:srgbClr val="000000">
+                      <a:alpha val="43137"/>
+                    </a:srgbClr>
+                  </a:outerShdw>
+                </a:effectLst>
+                <a:latin typeface="-윤고딕310" panose="02030504000101010101" pitchFamily="18" charset="-127"/>
+                <a:ea typeface="-윤고딕310" panose="02030504000101010101" pitchFamily="18" charset="-127"/>
+              </a:rPr>
+              <a:t>아무래도 노하우를 익히니까 나름 보기에도 좋고 발전된 결과가 나온 것 같습니다</a:t>
+            </a:r>
+            <a:r>
+              <a:rPr lang="en-US" altLang="ko-KR" sz="3000" smtClean="0">
+                <a:solidFill>
+                  <a:schemeClr val="bg1"/>
+                </a:solidFill>
+                <a:effectLst>
+                  <a:outerShdw blurRad="38100" dist="38100" dir="2700000" algn="tl">
+                    <a:srgbClr val="000000">
+                      <a:alpha val="43137"/>
+                    </a:srgbClr>
+                  </a:outerShdw>
+                </a:effectLst>
+                <a:latin typeface="-윤고딕310" panose="02030504000101010101" pitchFamily="18" charset="-127"/>
+                <a:ea typeface="-윤고딕310" panose="02030504000101010101" pitchFamily="18" charset="-127"/>
+              </a:rPr>
+              <a:t>.</a:t>
+            </a:r>
+            <a:endParaRPr lang="en-US" altLang="ko-KR" sz="3000" dirty="0" smtClean="0">
               <a:solidFill>
                 <a:schemeClr val="bg1"/>
               </a:solidFill>
@@ -46775,7 +47005,7 @@
   <a:extraClrSchemeLst/>
   <a:extLst>
     <a:ext uri="{05A4C25C-085E-4340-85A3-A5531E510DB2}">
-      <thm15:themeFamily xmlns="" xmlns:thm15="http://schemas.microsoft.com/office/thememl/2012/main" name="Office Theme" id="{62F939B6-93AF-4DB8-9C6B-D6C7DFDC589F}" vid="{4A3C46E8-61CC-4603-A589-7422A47A8E4A}"/>
+      <thm15:themeFamily xmlns:thm15="http://schemas.microsoft.com/office/thememl/2012/main" xmlns="" name="Office Theme" id="{62F939B6-93AF-4DB8-9C6B-D6C7DFDC589F}" vid="{4A3C46E8-61CC-4603-A589-7422A47A8E4A}"/>
     </a:ext>
   </a:extLst>
 </a:theme>
@@ -47036,7 +47266,7 @@
   <a:extraClrSchemeLst/>
   <a:extLst>
     <a:ext uri="{05A4C25C-085E-4340-85A3-A5531E510DB2}">
-      <thm15:themeFamily xmlns="" xmlns:thm15="http://schemas.microsoft.com/office/thememl/2012/main" name="Office Theme" id="{62F939B6-93AF-4DB8-9C6B-D6C7DFDC589F}" vid="{4A3C46E8-61CC-4603-A589-7422A47A8E4A}"/>
+      <thm15:themeFamily xmlns:thm15="http://schemas.microsoft.com/office/thememl/2012/main" xmlns="" name="Office Theme" id="{62F939B6-93AF-4DB8-9C6B-D6C7DFDC589F}" vid="{4A3C46E8-61CC-4603-A589-7422A47A8E4A}"/>
     </a:ext>
   </a:extLst>
 </a:theme>
@@ -47237,7 +47467,7 @@
   <a:extraClrSchemeLst/>
   <a:extLst>
     <a:ext uri="{05A4C25C-085E-4340-85A3-A5531E510DB2}">
-      <thm15:themeFamily xmlns="" xmlns:thm15="http://schemas.microsoft.com/office/thememl/2012/main" name="Office Theme" id="{62F939B6-93AF-4DB8-9C6B-D6C7DFDC589F}" vid="{4A3C46E8-61CC-4603-A589-7422A47A8E4A}"/>
+      <thm15:themeFamily xmlns:thm15="http://schemas.microsoft.com/office/thememl/2012/main" xmlns="" name="Office Theme" id="{62F939B6-93AF-4DB8-9C6B-D6C7DFDC589F}" vid="{4A3C46E8-61CC-4603-A589-7422A47A8E4A}"/>
     </a:ext>
   </a:extLst>
 </a:theme>
@@ -47438,7 +47668,7 @@
   <a:extraClrSchemeLst/>
   <a:extLst>
     <a:ext uri="{05A4C25C-085E-4340-85A3-A5531E510DB2}">
-      <thm15:themeFamily xmlns="" xmlns:thm15="http://schemas.microsoft.com/office/thememl/2012/main" name="Office Theme" id="{62F939B6-93AF-4DB8-9C6B-D6C7DFDC589F}" vid="{4A3C46E8-61CC-4603-A589-7422A47A8E4A}"/>
+      <thm15:themeFamily xmlns:thm15="http://schemas.microsoft.com/office/thememl/2012/main" xmlns="" name="Office Theme" id="{62F939B6-93AF-4DB8-9C6B-D6C7DFDC589F}" vid="{4A3C46E8-61CC-4603-A589-7422A47A8E4A}"/>
     </a:ext>
   </a:extLst>
 </a:theme>
@@ -47699,7 +47929,7 @@
   <a:extraClrSchemeLst/>
   <a:extLst>
     <a:ext uri="{05A4C25C-085E-4340-85A3-A5531E510DB2}">
-      <thm15:themeFamily xmlns="" xmlns:thm15="http://schemas.microsoft.com/office/thememl/2012/main" name="Office Theme" id="{62F939B6-93AF-4DB8-9C6B-D6C7DFDC589F}" vid="{4A3C46E8-61CC-4603-A589-7422A47A8E4A}"/>
+      <thm15:themeFamily xmlns:thm15="http://schemas.microsoft.com/office/thememl/2012/main" xmlns="" name="Office Theme" id="{62F939B6-93AF-4DB8-9C6B-D6C7DFDC589F}" vid="{4A3C46E8-61CC-4603-A589-7422A47A8E4A}"/>
     </a:ext>
   </a:extLst>
 </a:theme>

--- a/slides/Cosmos_20171105.pptx
+++ b/slides/Cosmos_20171105.pptx
@@ -3045,7 +3045,7 @@
               <a:latin typeface="-윤고딕310" panose="02030504000101010101" pitchFamily="18" charset="-127"/>
               <a:ea typeface="-윤고딕310" panose="02030504000101010101" pitchFamily="18" charset="-127"/>
             </a:rPr>
-            <a:t> 서로 다른 외계인들끼리의 대화는 제한적으로 이루어진다</a:t>
+            <a:t> 서로 다른 외계인들끼리 의 대화는 제한적으로 이루어진다</a:t>
           </a:r>
           <a:r>
             <a:rPr lang="en-US" altLang="ko-KR" sz="2100" dirty="0">
@@ -4476,7 +4476,7 @@
               <a:latin typeface="-윤고딕310" panose="02030504000101010101" pitchFamily="18" charset="-127"/>
               <a:ea typeface="-윤고딕310" panose="02030504000101010101" pitchFamily="18" charset="-127"/>
             </a:rPr>
-            <a:t> 서로 다른 외계인들끼리의 대화는 제한적으로 이루어진다</a:t>
+            <a:t> 서로 다른 외계인들끼리 의 대화는 제한적으로 이루어진다</a:t>
           </a:r>
           <a:r>
             <a:rPr lang="en-US" altLang="ko-KR" sz="2100" kern="1200" dirty="0">
@@ -10650,7 +10650,7 @@
   <p:sldLayoutIdLst>
     <p:sldLayoutId id="2147483659" r:id="rId1"/>
   </p:sldLayoutIdLst>
-  <p:hf hdr="0" ftr="0" dt="0"/>
+  <p:hf hdr="0" dt="0"/>
   <p:txStyles>
     <p:titleStyle>
       <a:lvl1pPr algn="l" defTabSz="914400" rtl="0" eaLnBrk="1" latinLnBrk="1" hangingPunct="1">
@@ -11072,7 +11072,7 @@
   <p:sldLayoutIdLst>
     <p:sldLayoutId id="2147483655" r:id="rId1"/>
   </p:sldLayoutIdLst>
-  <p:hf hdr="0" ftr="0" dt="0"/>
+  <p:hf hdr="0" dt="0"/>
   <p:txStyles>
     <p:titleStyle>
       <a:lvl1pPr algn="l" defTabSz="914400" rtl="0" eaLnBrk="1" latinLnBrk="1" hangingPunct="1">
@@ -11494,7 +11494,7 @@
   <p:sldLayoutIdLst>
     <p:sldLayoutId id="2147483657" r:id="rId1"/>
   </p:sldLayoutIdLst>
-  <p:hf hdr="0" ftr="0" dt="0"/>
+  <p:hf hdr="0" dt="0"/>
   <p:txStyles>
     <p:titleStyle>
       <a:lvl1pPr algn="l" defTabSz="914400" rtl="0" eaLnBrk="1" latinLnBrk="1" hangingPunct="1">
@@ -11916,7 +11916,7 @@
   <p:sldLayoutIdLst>
     <p:sldLayoutId id="2147483661" r:id="rId1"/>
   </p:sldLayoutIdLst>
-  <p:hf hdr="0" ftr="0" dt="0"/>
+  <p:hf hdr="0" dt="0"/>
   <p:txStyles>
     <p:titleStyle>
       <a:lvl1pPr algn="l" defTabSz="914400" rtl="0" eaLnBrk="1" latinLnBrk="1" hangingPunct="1">
@@ -12386,7 +12386,7 @@
   <p:sldLayoutIdLst>
     <p:sldLayoutId id="2147483663" r:id="rId1"/>
   </p:sldLayoutIdLst>
-  <p:hf hdr="0" ftr="0" dt="0"/>
+  <p:hf hdr="0" dt="0"/>
   <p:txStyles>
     <p:titleStyle>
       <a:lvl1pPr algn="l" defTabSz="914400" rtl="0" eaLnBrk="1" latinLnBrk="1" hangingPunct="1">
@@ -15200,7 +15200,7 @@
                   </a:effectLst>
                   <a:latin typeface="+mn-ea"/>
                 </a:rPr>
-                <a:t>무기실</a:t>
+                <a:t>무기 실</a:t>
               </a:r>
               <a:r>
                 <a:rPr lang="en-US" altLang="ko-KR" sz="1600" dirty="0">
@@ -16114,7 +16114,7 @@
                   </a:outerShdw>
                 </a:effectLst>
               </a:rPr>
-              <a:t>노예상</a:t>
+              <a:t>노예 상</a:t>
             </a:r>
             <a:r>
               <a:rPr lang="en-US" altLang="ko-KR" sz="1600" dirty="0">
@@ -16237,7 +16237,7 @@
                   </a:outerShdw>
                 </a:effectLst>
               </a:rPr>
-              <a:t>시설 설치소</a:t>
+              <a:t>시설 설치고</a:t>
             </a:r>
             <a:r>
               <a:rPr lang="en-US" altLang="ko-KR" sz="1600" dirty="0">
@@ -17886,7 +17886,7 @@
                     </a:outerShdw>
                   </a:effectLst>
                 </a:rPr>
-                <a:t>함선은 사용 가능한 에너지의 양이 한정돼있다</a:t>
+                <a:t>함선은 사용 가능한 에너지의 양이 한정 돼있다</a:t>
               </a:r>
               <a:r>
                 <a:rPr lang="en-US" altLang="ko-KR" sz="1000" dirty="0">
@@ -18157,6 +18157,53 @@
               </a:rPr>
               <a:t>보호막 바</a:t>
             </a:r>
+          </a:p>
+        </p:txBody>
+      </p:sp>
+      <p:sp>
+        <p:nvSpPr>
+          <p:cNvPr id="70" name="TextBox 69">
+            <a:extLst>
+              <a:ext uri="{FF2B5EF4-FFF2-40B4-BE49-F238E27FC236}">
+                <a16:creationId xmlns:a16="http://schemas.microsoft.com/office/drawing/2014/main" id="{CD8B6F1E-FB5B-4C24-B406-359FE6CA5350}"/>
+              </a:ext>
+            </a:extLst>
+          </p:cNvPr>
+          <p:cNvSpPr txBox="1"/>
+          <p:nvPr/>
+        </p:nvSpPr>
+        <p:spPr>
+          <a:xfrm>
+            <a:off x="11329652" y="6362700"/>
+            <a:ext cx="725630" cy="369332"/>
+          </a:xfrm>
+          <a:prstGeom prst="rect">
+            <a:avLst/>
+          </a:prstGeom>
+          <a:noFill/>
+        </p:spPr>
+        <p:txBody>
+          <a:bodyPr wrap="square" rtlCol="0" anchor="ctr">
+            <a:spAutoFit/>
+          </a:bodyPr>
+          <a:lstStyle/>
+          <a:p>
+            <a:pPr algn="ctr"/>
+            <a:r>
+              <a:rPr lang="en-US" altLang="ko-KR" dirty="0">
+                <a:solidFill>
+                  <a:schemeClr val="bg1"/>
+                </a:solidFill>
+                <a:latin typeface="Continuum Light" panose="00000400000000000000" pitchFamily="2" charset="0"/>
+              </a:rPr>
+              <a:t>9</a:t>
+            </a:r>
+            <a:endParaRPr lang="ko-KR" altLang="en-US" dirty="0">
+              <a:solidFill>
+                <a:schemeClr val="bg1"/>
+              </a:solidFill>
+              <a:latin typeface="Continuum Light" panose="00000400000000000000" pitchFamily="2" charset="0"/>
+            </a:endParaRPr>
           </a:p>
         </p:txBody>
       </p:sp>
@@ -19370,6 +19417,53 @@
                 </a:outerShdw>
               </a:effectLst>
               <a:latin typeface="+mn-ea"/>
+            </a:endParaRPr>
+          </a:p>
+        </p:txBody>
+      </p:sp>
+      <p:sp>
+        <p:nvSpPr>
+          <p:cNvPr id="11" name="TextBox 10">
+            <a:extLst>
+              <a:ext uri="{FF2B5EF4-FFF2-40B4-BE49-F238E27FC236}">
+                <a16:creationId xmlns:a16="http://schemas.microsoft.com/office/drawing/2014/main" id="{52E62B01-68F9-4808-8058-7D1B7256054C}"/>
+              </a:ext>
+            </a:extLst>
+          </p:cNvPr>
+          <p:cNvSpPr txBox="1"/>
+          <p:nvPr/>
+        </p:nvSpPr>
+        <p:spPr>
+          <a:xfrm>
+            <a:off x="11329652" y="6362700"/>
+            <a:ext cx="725630" cy="369332"/>
+          </a:xfrm>
+          <a:prstGeom prst="rect">
+            <a:avLst/>
+          </a:prstGeom>
+          <a:noFill/>
+        </p:spPr>
+        <p:txBody>
+          <a:bodyPr wrap="square" rtlCol="0" anchor="ctr">
+            <a:spAutoFit/>
+          </a:bodyPr>
+          <a:lstStyle/>
+          <a:p>
+            <a:pPr algn="ctr"/>
+            <a:r>
+              <a:rPr lang="en-US" altLang="ko-KR" dirty="0">
+                <a:solidFill>
+                  <a:schemeClr val="bg1"/>
+                </a:solidFill>
+                <a:latin typeface="Continuum Light" panose="00000400000000000000" pitchFamily="2" charset="0"/>
+              </a:rPr>
+              <a:t>10</a:t>
+            </a:r>
+            <a:endParaRPr lang="ko-KR" altLang="en-US" dirty="0">
+              <a:solidFill>
+                <a:schemeClr val="bg1"/>
+              </a:solidFill>
+              <a:latin typeface="Continuum Light" panose="00000400000000000000" pitchFamily="2" charset="0"/>
             </a:endParaRPr>
           </a:p>
         </p:txBody>
@@ -20774,6 +20868,53 @@
           </p:pic>
         </p:grpSp>
       </p:grpSp>
+      <p:sp>
+        <p:nvSpPr>
+          <p:cNvPr id="13" name="TextBox 12">
+            <a:extLst>
+              <a:ext uri="{FF2B5EF4-FFF2-40B4-BE49-F238E27FC236}">
+                <a16:creationId xmlns:a16="http://schemas.microsoft.com/office/drawing/2014/main" id="{D7B229FF-57A0-4A17-8416-F88719ABD20D}"/>
+              </a:ext>
+            </a:extLst>
+          </p:cNvPr>
+          <p:cNvSpPr txBox="1"/>
+          <p:nvPr/>
+        </p:nvSpPr>
+        <p:spPr>
+          <a:xfrm>
+            <a:off x="11329652" y="6362700"/>
+            <a:ext cx="725630" cy="369332"/>
+          </a:xfrm>
+          <a:prstGeom prst="rect">
+            <a:avLst/>
+          </a:prstGeom>
+          <a:noFill/>
+        </p:spPr>
+        <p:txBody>
+          <a:bodyPr wrap="square" rtlCol="0" anchor="ctr">
+            <a:spAutoFit/>
+          </a:bodyPr>
+          <a:lstStyle/>
+          <a:p>
+            <a:pPr algn="ctr"/>
+            <a:r>
+              <a:rPr lang="en-US" altLang="ko-KR" dirty="0">
+                <a:solidFill>
+                  <a:schemeClr val="bg1"/>
+                </a:solidFill>
+                <a:latin typeface="Continuum Light" panose="00000400000000000000" pitchFamily="2" charset="0"/>
+              </a:rPr>
+              <a:t>11</a:t>
+            </a:r>
+            <a:endParaRPr lang="ko-KR" altLang="en-US" dirty="0">
+              <a:solidFill>
+                <a:schemeClr val="bg1"/>
+              </a:solidFill>
+              <a:latin typeface="Continuum Light" panose="00000400000000000000" pitchFamily="2" charset="0"/>
+            </a:endParaRPr>
+          </a:p>
+        </p:txBody>
+      </p:sp>
     </p:spTree>
     <p:extLst>
       <p:ext uri="{BB962C8B-B14F-4D97-AF65-F5344CB8AC3E}">
@@ -21047,7 +21188,7 @@
             <a:lstStyle/>
             <a:p>
               <a:pPr algn="ctr"/>
-              <a:endParaRPr lang="ko-KR" altLang="en-US"/>
+              <a:endParaRPr lang="ko-KR" altLang="en-US" dirty="0"/>
             </a:p>
           </p:txBody>
         </p:sp>
@@ -21095,7 +21236,7 @@
             <a:lstStyle/>
             <a:p>
               <a:pPr algn="ctr"/>
-              <a:endParaRPr lang="ko-KR" altLang="en-US"/>
+              <a:endParaRPr lang="ko-KR" altLang="en-US" dirty="0"/>
             </a:p>
           </p:txBody>
         </p:sp>
@@ -21143,7 +21284,7 @@
             <a:lstStyle/>
             <a:p>
               <a:pPr algn="ctr"/>
-              <a:endParaRPr lang="ko-KR" altLang="en-US"/>
+              <a:endParaRPr lang="ko-KR" altLang="en-US" dirty="0"/>
             </a:p>
           </p:txBody>
         </p:sp>
@@ -21191,7 +21332,7 @@
             <a:lstStyle/>
             <a:p>
               <a:pPr algn="ctr"/>
-              <a:endParaRPr lang="ko-KR" altLang="en-US"/>
+              <a:endParaRPr lang="ko-KR" altLang="en-US" dirty="0"/>
             </a:p>
           </p:txBody>
         </p:sp>
@@ -21239,7 +21380,7 @@
             <a:lstStyle/>
             <a:p>
               <a:pPr algn="ctr"/>
-              <a:endParaRPr lang="ko-KR" altLang="en-US"/>
+              <a:endParaRPr lang="ko-KR" altLang="en-US" dirty="0"/>
             </a:p>
           </p:txBody>
         </p:sp>
@@ -21287,7 +21428,7 @@
             <a:lstStyle/>
             <a:p>
               <a:pPr algn="ctr"/>
-              <a:endParaRPr lang="ko-KR" altLang="en-US"/>
+              <a:endParaRPr lang="ko-KR" altLang="en-US" dirty="0"/>
             </a:p>
           </p:txBody>
         </p:sp>
@@ -21335,7 +21476,7 @@
             <a:lstStyle/>
             <a:p>
               <a:pPr algn="ctr"/>
-              <a:endParaRPr lang="ko-KR" altLang="en-US"/>
+              <a:endParaRPr lang="ko-KR" altLang="en-US" dirty="0"/>
             </a:p>
           </p:txBody>
         </p:sp>
@@ -21567,7 +21708,7 @@
                 <a:latin typeface="-윤고딕310" panose="02030504000101010101" pitchFamily="18" charset="-127"/>
                 <a:ea typeface="-윤고딕310" panose="02030504000101010101" pitchFamily="18" charset="-127"/>
               </a:rPr>
-              <a:t>혹은 세계관에서 임의로 정해놓은 점 단위 행정 구역이다</a:t>
+              <a:t>혹은 세계관에서 임의로 정해 놓은 점 단위 행정 구역이다</a:t>
             </a:r>
             <a:r>
               <a:rPr lang="en-US" altLang="ko-KR" sz="2000" dirty="0">
@@ -23508,6 +23649,53 @@
           </a:graphicData>
         </a:graphic>
       </p:graphicFrame>
+      <p:sp>
+        <p:nvSpPr>
+          <p:cNvPr id="25" name="TextBox 24">
+            <a:extLst>
+              <a:ext uri="{FF2B5EF4-FFF2-40B4-BE49-F238E27FC236}">
+                <a16:creationId xmlns:a16="http://schemas.microsoft.com/office/drawing/2014/main" id="{68D087D2-1EFE-4EAF-9DAC-DB279EF675FB}"/>
+              </a:ext>
+            </a:extLst>
+          </p:cNvPr>
+          <p:cNvSpPr txBox="1"/>
+          <p:nvPr/>
+        </p:nvSpPr>
+        <p:spPr>
+          <a:xfrm>
+            <a:off x="11329652" y="6362700"/>
+            <a:ext cx="725630" cy="369332"/>
+          </a:xfrm>
+          <a:prstGeom prst="rect">
+            <a:avLst/>
+          </a:prstGeom>
+          <a:noFill/>
+        </p:spPr>
+        <p:txBody>
+          <a:bodyPr wrap="square" rtlCol="0" anchor="ctr">
+            <a:spAutoFit/>
+          </a:bodyPr>
+          <a:lstStyle/>
+          <a:p>
+            <a:pPr algn="ctr"/>
+            <a:r>
+              <a:rPr lang="en-US" altLang="ko-KR" dirty="0">
+                <a:solidFill>
+                  <a:schemeClr val="bg1"/>
+                </a:solidFill>
+                <a:latin typeface="Continuum Light" panose="00000400000000000000" pitchFamily="2" charset="0"/>
+              </a:rPr>
+              <a:t>12</a:t>
+            </a:r>
+            <a:endParaRPr lang="ko-KR" altLang="en-US" dirty="0">
+              <a:solidFill>
+                <a:schemeClr val="bg1"/>
+              </a:solidFill>
+              <a:latin typeface="Continuum Light" panose="00000400000000000000" pitchFamily="2" charset="0"/>
+            </a:endParaRPr>
+          </a:p>
+        </p:txBody>
+      </p:sp>
     </p:spTree>
     <p:extLst>
       <p:ext uri="{BB962C8B-B14F-4D97-AF65-F5344CB8AC3E}">
@@ -24919,6 +25107,53 @@
                 </a:outerShdw>
               </a:effectLst>
               <a:latin typeface="+mn-ea"/>
+            </a:endParaRPr>
+          </a:p>
+        </p:txBody>
+      </p:sp>
+      <p:sp>
+        <p:nvSpPr>
+          <p:cNvPr id="8" name="TextBox 7">
+            <a:extLst>
+              <a:ext uri="{FF2B5EF4-FFF2-40B4-BE49-F238E27FC236}">
+                <a16:creationId xmlns:a16="http://schemas.microsoft.com/office/drawing/2014/main" id="{6DCD8E04-565B-418C-ABB1-4079AED63675}"/>
+              </a:ext>
+            </a:extLst>
+          </p:cNvPr>
+          <p:cNvSpPr txBox="1"/>
+          <p:nvPr/>
+        </p:nvSpPr>
+        <p:spPr>
+          <a:xfrm>
+            <a:off x="11329652" y="6362700"/>
+            <a:ext cx="725630" cy="369332"/>
+          </a:xfrm>
+          <a:prstGeom prst="rect">
+            <a:avLst/>
+          </a:prstGeom>
+          <a:noFill/>
+        </p:spPr>
+        <p:txBody>
+          <a:bodyPr wrap="square" rtlCol="0" anchor="ctr">
+            <a:spAutoFit/>
+          </a:bodyPr>
+          <a:lstStyle/>
+          <a:p>
+            <a:pPr algn="ctr"/>
+            <a:r>
+              <a:rPr lang="en-US" altLang="ko-KR" dirty="0">
+                <a:solidFill>
+                  <a:schemeClr val="bg1"/>
+                </a:solidFill>
+                <a:latin typeface="Continuum Light" panose="00000400000000000000" pitchFamily="2" charset="0"/>
+              </a:rPr>
+              <a:t>13</a:t>
+            </a:r>
+            <a:endParaRPr lang="ko-KR" altLang="en-US" dirty="0">
+              <a:solidFill>
+                <a:schemeClr val="bg1"/>
+              </a:solidFill>
+              <a:latin typeface="Continuum Light" panose="00000400000000000000" pitchFamily="2" charset="0"/>
             </a:endParaRPr>
           </a:p>
         </p:txBody>
@@ -26214,6 +26449,53 @@
           </p:txBody>
         </p:sp>
       </p:grpSp>
+      <p:sp>
+        <p:nvSpPr>
+          <p:cNvPr id="16" name="TextBox 15">
+            <a:extLst>
+              <a:ext uri="{FF2B5EF4-FFF2-40B4-BE49-F238E27FC236}">
+                <a16:creationId xmlns:a16="http://schemas.microsoft.com/office/drawing/2014/main" id="{CEFC99C9-FFA0-4465-B0B0-E07DC8D30BFB}"/>
+              </a:ext>
+            </a:extLst>
+          </p:cNvPr>
+          <p:cNvSpPr txBox="1"/>
+          <p:nvPr/>
+        </p:nvSpPr>
+        <p:spPr>
+          <a:xfrm>
+            <a:off x="11329652" y="6362700"/>
+            <a:ext cx="725630" cy="369332"/>
+          </a:xfrm>
+          <a:prstGeom prst="rect">
+            <a:avLst/>
+          </a:prstGeom>
+          <a:noFill/>
+        </p:spPr>
+        <p:txBody>
+          <a:bodyPr wrap="square" rtlCol="0" anchor="ctr">
+            <a:spAutoFit/>
+          </a:bodyPr>
+          <a:lstStyle/>
+          <a:p>
+            <a:pPr algn="ctr"/>
+            <a:r>
+              <a:rPr lang="en-US" altLang="ko-KR" dirty="0">
+                <a:solidFill>
+                  <a:schemeClr val="bg1"/>
+                </a:solidFill>
+                <a:latin typeface="Continuum Light" panose="00000400000000000000" pitchFamily="2" charset="0"/>
+              </a:rPr>
+              <a:t>14</a:t>
+            </a:r>
+            <a:endParaRPr lang="ko-KR" altLang="en-US" dirty="0">
+              <a:solidFill>
+                <a:schemeClr val="bg1"/>
+              </a:solidFill>
+              <a:latin typeface="Continuum Light" panose="00000400000000000000" pitchFamily="2" charset="0"/>
+            </a:endParaRPr>
+          </a:p>
+        </p:txBody>
+      </p:sp>
     </p:spTree>
     <p:extLst>
       <p:ext uri="{BB962C8B-B14F-4D97-AF65-F5344CB8AC3E}">
@@ -27252,6 +27534,53 @@
               </a:rPr>
               <a:t>)</a:t>
             </a:r>
+          </a:p>
+        </p:txBody>
+      </p:sp>
+      <p:sp>
+        <p:nvSpPr>
+          <p:cNvPr id="8" name="TextBox 7">
+            <a:extLst>
+              <a:ext uri="{FF2B5EF4-FFF2-40B4-BE49-F238E27FC236}">
+                <a16:creationId xmlns:a16="http://schemas.microsoft.com/office/drawing/2014/main" id="{B54C25E1-B50B-4359-8454-F7A39AE35B4A}"/>
+              </a:ext>
+            </a:extLst>
+          </p:cNvPr>
+          <p:cNvSpPr txBox="1"/>
+          <p:nvPr/>
+        </p:nvSpPr>
+        <p:spPr>
+          <a:xfrm>
+            <a:off x="11329652" y="6362700"/>
+            <a:ext cx="725630" cy="369332"/>
+          </a:xfrm>
+          <a:prstGeom prst="rect">
+            <a:avLst/>
+          </a:prstGeom>
+          <a:noFill/>
+        </p:spPr>
+        <p:txBody>
+          <a:bodyPr wrap="square" rtlCol="0" anchor="ctr">
+            <a:spAutoFit/>
+          </a:bodyPr>
+          <a:lstStyle/>
+          <a:p>
+            <a:pPr algn="ctr"/>
+            <a:r>
+              <a:rPr lang="en-US" altLang="ko-KR" dirty="0">
+                <a:solidFill>
+                  <a:schemeClr val="bg1"/>
+                </a:solidFill>
+                <a:latin typeface="Continuum Light" panose="00000400000000000000" pitchFamily="2" charset="0"/>
+              </a:rPr>
+              <a:t>15</a:t>
+            </a:r>
+            <a:endParaRPr lang="ko-KR" altLang="en-US" dirty="0">
+              <a:solidFill>
+                <a:schemeClr val="bg1"/>
+              </a:solidFill>
+              <a:latin typeface="Continuum Light" panose="00000400000000000000" pitchFamily="2" charset="0"/>
+            </a:endParaRPr>
           </a:p>
         </p:txBody>
       </p:sp>
@@ -27606,6 +27935,53 @@
               </a:effectLst>
               <a:latin typeface="-윤고딕310" panose="02030504000101010101" pitchFamily="18" charset="-127"/>
               <a:ea typeface="-윤고딕310" panose="02030504000101010101" pitchFamily="18" charset="-127"/>
+            </a:endParaRPr>
+          </a:p>
+        </p:txBody>
+      </p:sp>
+      <p:sp>
+        <p:nvSpPr>
+          <p:cNvPr id="9" name="TextBox 8">
+            <a:extLst>
+              <a:ext uri="{FF2B5EF4-FFF2-40B4-BE49-F238E27FC236}">
+                <a16:creationId xmlns:a16="http://schemas.microsoft.com/office/drawing/2014/main" id="{4840E5E9-4966-41B0-8A65-9C0AC7310BF6}"/>
+              </a:ext>
+            </a:extLst>
+          </p:cNvPr>
+          <p:cNvSpPr txBox="1"/>
+          <p:nvPr/>
+        </p:nvSpPr>
+        <p:spPr>
+          <a:xfrm>
+            <a:off x="11329652" y="6362700"/>
+            <a:ext cx="725630" cy="369332"/>
+          </a:xfrm>
+          <a:prstGeom prst="rect">
+            <a:avLst/>
+          </a:prstGeom>
+          <a:noFill/>
+        </p:spPr>
+        <p:txBody>
+          <a:bodyPr wrap="square" rtlCol="0" anchor="ctr">
+            <a:spAutoFit/>
+          </a:bodyPr>
+          <a:lstStyle/>
+          <a:p>
+            <a:pPr algn="ctr"/>
+            <a:r>
+              <a:rPr lang="en-US" altLang="ko-KR" dirty="0">
+                <a:solidFill>
+                  <a:schemeClr val="bg1"/>
+                </a:solidFill>
+                <a:latin typeface="Continuum Light" panose="00000400000000000000" pitchFamily="2" charset="0"/>
+              </a:rPr>
+              <a:t>16</a:t>
+            </a:r>
+            <a:endParaRPr lang="ko-KR" altLang="en-US" dirty="0">
+              <a:solidFill>
+                <a:schemeClr val="bg1"/>
+              </a:solidFill>
+              <a:latin typeface="Continuum Light" panose="00000400000000000000" pitchFamily="2" charset="0"/>
             </a:endParaRPr>
           </a:p>
         </p:txBody>
@@ -29194,6 +29570,53 @@
           </a:graphicData>
         </a:graphic>
       </p:graphicFrame>
+      <p:sp>
+        <p:nvSpPr>
+          <p:cNvPr id="9" name="TextBox 8">
+            <a:extLst>
+              <a:ext uri="{FF2B5EF4-FFF2-40B4-BE49-F238E27FC236}">
+                <a16:creationId xmlns:a16="http://schemas.microsoft.com/office/drawing/2014/main" id="{1C065CD5-B688-4844-8BC6-278A61D60263}"/>
+              </a:ext>
+            </a:extLst>
+          </p:cNvPr>
+          <p:cNvSpPr txBox="1"/>
+          <p:nvPr/>
+        </p:nvSpPr>
+        <p:spPr>
+          <a:xfrm>
+            <a:off x="11329652" y="6362700"/>
+            <a:ext cx="725630" cy="369332"/>
+          </a:xfrm>
+          <a:prstGeom prst="rect">
+            <a:avLst/>
+          </a:prstGeom>
+          <a:noFill/>
+        </p:spPr>
+        <p:txBody>
+          <a:bodyPr wrap="square" rtlCol="0" anchor="ctr">
+            <a:spAutoFit/>
+          </a:bodyPr>
+          <a:lstStyle/>
+          <a:p>
+            <a:pPr algn="ctr"/>
+            <a:r>
+              <a:rPr lang="en-US" altLang="ko-KR" dirty="0">
+                <a:solidFill>
+                  <a:schemeClr val="bg1"/>
+                </a:solidFill>
+                <a:latin typeface="Continuum Light" panose="00000400000000000000" pitchFamily="2" charset="0"/>
+              </a:rPr>
+              <a:t>17</a:t>
+            </a:r>
+            <a:endParaRPr lang="ko-KR" altLang="en-US" dirty="0">
+              <a:solidFill>
+                <a:schemeClr val="bg1"/>
+              </a:solidFill>
+              <a:latin typeface="Continuum Light" panose="00000400000000000000" pitchFamily="2" charset="0"/>
+            </a:endParaRPr>
+          </a:p>
+        </p:txBody>
+      </p:sp>
     </p:spTree>
     <p:extLst>
       <p:ext uri="{BB962C8B-B14F-4D97-AF65-F5344CB8AC3E}">
@@ -29609,6 +30032,53 @@
           </a:fontRef>
         </p:style>
       </p:cxnSp>
+      <p:sp>
+        <p:nvSpPr>
+          <p:cNvPr id="9" name="TextBox 8">
+            <a:extLst>
+              <a:ext uri="{FF2B5EF4-FFF2-40B4-BE49-F238E27FC236}">
+                <a16:creationId xmlns:a16="http://schemas.microsoft.com/office/drawing/2014/main" id="{F3578687-F6D4-4601-B06F-2E341939A317}"/>
+              </a:ext>
+            </a:extLst>
+          </p:cNvPr>
+          <p:cNvSpPr txBox="1"/>
+          <p:nvPr/>
+        </p:nvSpPr>
+        <p:spPr>
+          <a:xfrm>
+            <a:off x="11329652" y="6362700"/>
+            <a:ext cx="725630" cy="369332"/>
+          </a:xfrm>
+          <a:prstGeom prst="rect">
+            <a:avLst/>
+          </a:prstGeom>
+          <a:noFill/>
+        </p:spPr>
+        <p:txBody>
+          <a:bodyPr wrap="square" rtlCol="0" anchor="ctr">
+            <a:spAutoFit/>
+          </a:bodyPr>
+          <a:lstStyle/>
+          <a:p>
+            <a:pPr algn="ctr"/>
+            <a:r>
+              <a:rPr lang="en-US" altLang="ko-KR" dirty="0">
+                <a:solidFill>
+                  <a:schemeClr val="bg1"/>
+                </a:solidFill>
+                <a:latin typeface="Continuum Light" panose="00000400000000000000" pitchFamily="2" charset="0"/>
+              </a:rPr>
+              <a:t>18</a:t>
+            </a:r>
+            <a:endParaRPr lang="ko-KR" altLang="en-US" dirty="0">
+              <a:solidFill>
+                <a:schemeClr val="bg1"/>
+              </a:solidFill>
+              <a:latin typeface="Continuum Light" panose="00000400000000000000" pitchFamily="2" charset="0"/>
+            </a:endParaRPr>
+          </a:p>
+        </p:txBody>
+      </p:sp>
     </p:spTree>
     <p:extLst>
       <p:ext uri="{BB962C8B-B14F-4D97-AF65-F5344CB8AC3E}">
@@ -31731,6 +32201,53 @@
           </a:fontRef>
         </p:style>
       </p:cxnSp>
+      <p:sp>
+        <p:nvSpPr>
+          <p:cNvPr id="8" name="TextBox 7">
+            <a:extLst>
+              <a:ext uri="{FF2B5EF4-FFF2-40B4-BE49-F238E27FC236}">
+                <a16:creationId xmlns:a16="http://schemas.microsoft.com/office/drawing/2014/main" id="{765111E3-5D31-424B-91E3-C0FE4717EDA0}"/>
+              </a:ext>
+            </a:extLst>
+          </p:cNvPr>
+          <p:cNvSpPr txBox="1"/>
+          <p:nvPr/>
+        </p:nvSpPr>
+        <p:spPr>
+          <a:xfrm>
+            <a:off x="11329652" y="6362700"/>
+            <a:ext cx="725630" cy="369332"/>
+          </a:xfrm>
+          <a:prstGeom prst="rect">
+            <a:avLst/>
+          </a:prstGeom>
+          <a:noFill/>
+        </p:spPr>
+        <p:txBody>
+          <a:bodyPr wrap="square" rtlCol="0" anchor="ctr">
+            <a:spAutoFit/>
+          </a:bodyPr>
+          <a:lstStyle/>
+          <a:p>
+            <a:pPr algn="ctr"/>
+            <a:r>
+              <a:rPr lang="en-US" altLang="ko-KR" dirty="0">
+                <a:solidFill>
+                  <a:schemeClr val="bg1"/>
+                </a:solidFill>
+                <a:latin typeface="Continuum Light" panose="00000400000000000000" pitchFamily="2" charset="0"/>
+              </a:rPr>
+              <a:t>19</a:t>
+            </a:r>
+            <a:endParaRPr lang="ko-KR" altLang="en-US" dirty="0">
+              <a:solidFill>
+                <a:schemeClr val="bg1"/>
+              </a:solidFill>
+              <a:latin typeface="Continuum Light" panose="00000400000000000000" pitchFamily="2" charset="0"/>
+            </a:endParaRPr>
+          </a:p>
+        </p:txBody>
+      </p:sp>
     </p:spTree>
     <p:extLst>
       <p:ext uri="{BB962C8B-B14F-4D97-AF65-F5344CB8AC3E}">
@@ -32650,7 +33167,7 @@
           <p:nvPr>
             <p:extLst>
               <p:ext uri="{D42A27DB-BD31-4B8C-83A1-F6EECF244321}">
-                <p14:modId xmlns:p14="http://schemas.microsoft.com/office/powerpoint/2010/main" val="4278747263"/>
+                <p14:modId xmlns:p14="http://schemas.microsoft.com/office/powerpoint/2010/main" val="1933505790"/>
               </p:ext>
             </p:extLst>
           </p:nvPr>
@@ -32846,7 +33363,7 @@
                             </a:outerShdw>
                           </a:effectLst>
                         </a:rPr>
-                        <a:t>스타바운드에서 강한 영향을 받았지만 이미 두 게임이 매우 괜찮은 유저 인터페이스를 갖고 있었기에 그대로 인용했습니다</a:t>
+                        <a:t>스타 바운드에서 강한 영향을 받았지만 이미 두 게임이 매우 괜찮은 유저 인터페이스를 갖고 있었기에 그대로 인용했습니다</a:t>
                       </a:r>
                       <a:r>
                         <a:rPr lang="en-US" altLang="ko-KR" sz="1600" dirty="0">
@@ -33077,7 +33594,7 @@
                             </a:outerShdw>
                           </a:effectLst>
                         </a:rPr>
-                        <a:t>스타바운드의 시점을 따르면서도 </a:t>
+                        <a:t>스타 바운드의 시점을 따르면서도 </a:t>
                       </a:r>
                       <a:r>
                         <a:rPr lang="en-US" altLang="ko-KR" sz="1600" i="0" dirty="0">
@@ -33125,7 +33642,7 @@
                             </a:outerShdw>
                           </a:effectLst>
                         </a:rPr>
-                        <a:t>스타바운드는 사실상 플랫폼 게임이지만</a:t>
+                        <a:t>스타 바운드는 사실상 플랫폼 게임이지만</a:t>
                       </a:r>
                       <a:r>
                         <a:rPr lang="ko-KR" altLang="en-US" sz="1600" i="0" baseline="0" dirty="0">
@@ -33311,7 +33828,7 @@
                             </a:outerShdw>
                           </a:effectLst>
                         </a:rPr>
-                        <a:t>과 스타바운드</a:t>
+                        <a:t>과 스타 바운드는</a:t>
                       </a:r>
                       <a:r>
                         <a:rPr lang="ko-KR" altLang="en-US" sz="1600" baseline="0" dirty="0">
@@ -33323,7 +33840,7 @@
                             </a:outerShdw>
                           </a:effectLst>
                         </a:rPr>
-                        <a:t>는 킥스타터로 시작해 성공 사례를 남긴 것 중엔 열 손가락에 꼽히는 게임들입니다</a:t>
+                        <a:t> 킥스타터로 시작해 성공 사례를 남긴 것 중엔 열 손가락에 꼽히는 게임들입니다</a:t>
                       </a:r>
                       <a:r>
                         <a:rPr lang="en-US" altLang="ko-KR" sz="1600" baseline="0" dirty="0">
@@ -33371,7 +33888,7 @@
                             </a:outerShdw>
                           </a:effectLst>
                         </a:rPr>
-                        <a:t>도 아닌 스타바운드는 </a:t>
+                        <a:t>도 아닌 스타 바운드는 </a:t>
                       </a:r>
                       <a:r>
                         <a:rPr lang="en-US" altLang="ko-KR" sz="1600" baseline="0" dirty="0">
@@ -33477,6 +33994,53 @@
           </a:graphicData>
         </a:graphic>
       </p:graphicFrame>
+      <p:sp>
+        <p:nvSpPr>
+          <p:cNvPr id="11" name="TextBox 10">
+            <a:extLst>
+              <a:ext uri="{FF2B5EF4-FFF2-40B4-BE49-F238E27FC236}">
+                <a16:creationId xmlns:a16="http://schemas.microsoft.com/office/drawing/2014/main" id="{C2A61A61-E417-4AB5-8FAD-F638097AEF80}"/>
+              </a:ext>
+            </a:extLst>
+          </p:cNvPr>
+          <p:cNvSpPr txBox="1"/>
+          <p:nvPr/>
+        </p:nvSpPr>
+        <p:spPr>
+          <a:xfrm>
+            <a:off x="11329652" y="6362700"/>
+            <a:ext cx="725630" cy="369332"/>
+          </a:xfrm>
+          <a:prstGeom prst="rect">
+            <a:avLst/>
+          </a:prstGeom>
+          <a:noFill/>
+        </p:spPr>
+        <p:txBody>
+          <a:bodyPr wrap="square" rtlCol="0" anchor="ctr">
+            <a:spAutoFit/>
+          </a:bodyPr>
+          <a:lstStyle/>
+          <a:p>
+            <a:pPr algn="ctr"/>
+            <a:r>
+              <a:rPr lang="en-US" altLang="ko-KR" dirty="0">
+                <a:solidFill>
+                  <a:schemeClr val="bg1"/>
+                </a:solidFill>
+                <a:latin typeface="Continuum Light" panose="00000400000000000000" pitchFamily="2" charset="0"/>
+              </a:rPr>
+              <a:t>20</a:t>
+            </a:r>
+            <a:endParaRPr lang="ko-KR" altLang="en-US" dirty="0">
+              <a:solidFill>
+                <a:schemeClr val="bg1"/>
+              </a:solidFill>
+              <a:latin typeface="Continuum Light" panose="00000400000000000000" pitchFamily="2" charset="0"/>
+            </a:endParaRPr>
+          </a:p>
+        </p:txBody>
+      </p:sp>
     </p:spTree>
     <p:extLst>
       <p:ext uri="{BB962C8B-B14F-4D97-AF65-F5344CB8AC3E}">
@@ -34134,7 +34698,7 @@
                 <a:latin typeface="-윤고딕310" panose="02030504000101010101" pitchFamily="18" charset="-127"/>
                 <a:ea typeface="-윤고딕310" panose="02030504000101010101" pitchFamily="18" charset="-127"/>
               </a:rPr>
-              <a:t>프로그래밍 기획서는 칙칙하고 별로였는데</a:t>
+              <a:t>프로그래밍 기획서는 칙칙하고 별로 였는데</a:t>
             </a:r>
             <a:r>
               <a:rPr lang="en-US" altLang="ko-KR" sz="3000" dirty="0">
@@ -34171,7 +34735,7 @@
               <a:t>아무래도 노하우를 익히니까 나름 보기에도 좋고 발전된 결과가 나온 것 같습니다</a:t>
             </a:r>
             <a:r>
-              <a:rPr lang="en-US" altLang="ko-KR" sz="3000">
+              <a:rPr lang="en-US" altLang="ko-KR" sz="3000" dirty="0">
                 <a:solidFill>
                   <a:schemeClr val="bg1"/>
                 </a:solidFill>
@@ -34187,19 +34751,52 @@
               </a:rPr>
               <a:t>.</a:t>
             </a:r>
-            <a:endParaRPr lang="en-US" altLang="ko-KR" sz="3000" dirty="0">
+          </a:p>
+        </p:txBody>
+      </p:sp>
+      <p:sp>
+        <p:nvSpPr>
+          <p:cNvPr id="11" name="TextBox 10">
+            <a:extLst>
+              <a:ext uri="{FF2B5EF4-FFF2-40B4-BE49-F238E27FC236}">
+                <a16:creationId xmlns:a16="http://schemas.microsoft.com/office/drawing/2014/main" id="{3A8D9E03-EC92-4B68-B9C0-24E1FAE3511F}"/>
+              </a:ext>
+            </a:extLst>
+          </p:cNvPr>
+          <p:cNvSpPr txBox="1"/>
+          <p:nvPr/>
+        </p:nvSpPr>
+        <p:spPr>
+          <a:xfrm>
+            <a:off x="11329652" y="6362700"/>
+            <a:ext cx="725630" cy="369332"/>
+          </a:xfrm>
+          <a:prstGeom prst="rect">
+            <a:avLst/>
+          </a:prstGeom>
+          <a:noFill/>
+        </p:spPr>
+        <p:txBody>
+          <a:bodyPr wrap="square" rtlCol="0" anchor="ctr">
+            <a:spAutoFit/>
+          </a:bodyPr>
+          <a:lstStyle/>
+          <a:p>
+            <a:pPr algn="ctr"/>
+            <a:r>
+              <a:rPr lang="en-US" altLang="ko-KR" dirty="0">
+                <a:solidFill>
+                  <a:schemeClr val="bg1"/>
+                </a:solidFill>
+                <a:latin typeface="Continuum Light" panose="00000400000000000000" pitchFamily="2" charset="0"/>
+              </a:rPr>
+              <a:t>21</a:t>
+            </a:r>
+            <a:endParaRPr lang="ko-KR" altLang="en-US" dirty="0">
               <a:solidFill>
                 <a:schemeClr val="bg1"/>
               </a:solidFill>
-              <a:effectLst>
-                <a:outerShdw blurRad="38100" dist="38100" dir="2700000" algn="tl">
-                  <a:srgbClr val="000000">
-                    <a:alpha val="43137"/>
-                  </a:srgbClr>
-                </a:outerShdw>
-              </a:effectLst>
-              <a:latin typeface="-윤고딕310" panose="02030504000101010101" pitchFamily="18" charset="-127"/>
-              <a:ea typeface="-윤고딕310" panose="02030504000101010101" pitchFamily="18" charset="-127"/>
+              <a:latin typeface="Continuum Light" panose="00000400000000000000" pitchFamily="2" charset="0"/>
             </a:endParaRPr>
           </a:p>
         </p:txBody>
@@ -35142,6 +35739,53 @@
           </a:fontRef>
         </p:style>
       </p:cxnSp>
+      <p:sp>
+        <p:nvSpPr>
+          <p:cNvPr id="12" name="TextBox 11">
+            <a:extLst>
+              <a:ext uri="{FF2B5EF4-FFF2-40B4-BE49-F238E27FC236}">
+                <a16:creationId xmlns:a16="http://schemas.microsoft.com/office/drawing/2014/main" id="{3E9C285E-D8C6-4021-AE28-4A4E76141C1F}"/>
+              </a:ext>
+            </a:extLst>
+          </p:cNvPr>
+          <p:cNvSpPr txBox="1"/>
+          <p:nvPr/>
+        </p:nvSpPr>
+        <p:spPr>
+          <a:xfrm>
+            <a:off x="11329652" y="6362700"/>
+            <a:ext cx="725630" cy="369332"/>
+          </a:xfrm>
+          <a:prstGeom prst="rect">
+            <a:avLst/>
+          </a:prstGeom>
+          <a:noFill/>
+        </p:spPr>
+        <p:txBody>
+          <a:bodyPr wrap="square" rtlCol="0" anchor="ctr">
+            <a:spAutoFit/>
+          </a:bodyPr>
+          <a:lstStyle/>
+          <a:p>
+            <a:pPr algn="ctr"/>
+            <a:r>
+              <a:rPr lang="en-US" altLang="ko-KR" dirty="0">
+                <a:solidFill>
+                  <a:schemeClr val="bg1"/>
+                </a:solidFill>
+                <a:latin typeface="Continuum Light" panose="00000400000000000000" pitchFamily="2" charset="0"/>
+              </a:rPr>
+              <a:t>22</a:t>
+            </a:r>
+            <a:endParaRPr lang="ko-KR" altLang="en-US" dirty="0">
+              <a:solidFill>
+                <a:schemeClr val="bg1"/>
+              </a:solidFill>
+              <a:latin typeface="Continuum Light" panose="00000400000000000000" pitchFamily="2" charset="0"/>
+            </a:endParaRPr>
+          </a:p>
+        </p:txBody>
+      </p:sp>
     </p:spTree>
     <p:extLst>
       <p:ext uri="{BB962C8B-B14F-4D97-AF65-F5344CB8AC3E}">
@@ -35972,6 +36616,53 @@
           </a:p>
         </p:txBody>
       </p:sp>
+      <p:sp>
+        <p:nvSpPr>
+          <p:cNvPr id="10" name="TextBox 9">
+            <a:extLst>
+              <a:ext uri="{FF2B5EF4-FFF2-40B4-BE49-F238E27FC236}">
+                <a16:creationId xmlns:a16="http://schemas.microsoft.com/office/drawing/2014/main" id="{8D13F9C6-2DD6-4B58-A411-A974DA8610D7}"/>
+              </a:ext>
+            </a:extLst>
+          </p:cNvPr>
+          <p:cNvSpPr txBox="1"/>
+          <p:nvPr/>
+        </p:nvSpPr>
+        <p:spPr>
+          <a:xfrm>
+            <a:off x="11329652" y="6362700"/>
+            <a:ext cx="725630" cy="369332"/>
+          </a:xfrm>
+          <a:prstGeom prst="rect">
+            <a:avLst/>
+          </a:prstGeom>
+          <a:noFill/>
+        </p:spPr>
+        <p:txBody>
+          <a:bodyPr wrap="square" rtlCol="0" anchor="ctr">
+            <a:spAutoFit/>
+          </a:bodyPr>
+          <a:lstStyle/>
+          <a:p>
+            <a:pPr algn="ctr"/>
+            <a:r>
+              <a:rPr lang="en-US" altLang="ko-KR" dirty="0">
+                <a:solidFill>
+                  <a:schemeClr val="bg1"/>
+                </a:solidFill>
+                <a:latin typeface="Continuum Light" panose="00000400000000000000" pitchFamily="2" charset="0"/>
+              </a:rPr>
+              <a:t>2</a:t>
+            </a:r>
+            <a:endParaRPr lang="ko-KR" altLang="en-US" dirty="0">
+              <a:solidFill>
+                <a:schemeClr val="bg1"/>
+              </a:solidFill>
+              <a:latin typeface="Continuum Light" panose="00000400000000000000" pitchFamily="2" charset="0"/>
+            </a:endParaRPr>
+          </a:p>
+        </p:txBody>
+      </p:sp>
     </p:spTree>
     <p:extLst>
       <p:ext uri="{BB962C8B-B14F-4D97-AF65-F5344CB8AC3E}">
@@ -36984,6 +37675,53 @@
           </a:graphicData>
         </a:graphic>
       </p:graphicFrame>
+      <p:sp>
+        <p:nvSpPr>
+          <p:cNvPr id="11" name="TextBox 10">
+            <a:extLst>
+              <a:ext uri="{FF2B5EF4-FFF2-40B4-BE49-F238E27FC236}">
+                <a16:creationId xmlns:a16="http://schemas.microsoft.com/office/drawing/2014/main" id="{1DDCC969-7A6C-4C69-A1AD-4B04CA21C70F}"/>
+              </a:ext>
+            </a:extLst>
+          </p:cNvPr>
+          <p:cNvSpPr txBox="1"/>
+          <p:nvPr/>
+        </p:nvSpPr>
+        <p:spPr>
+          <a:xfrm>
+            <a:off x="11329652" y="6362700"/>
+            <a:ext cx="725630" cy="369332"/>
+          </a:xfrm>
+          <a:prstGeom prst="rect">
+            <a:avLst/>
+          </a:prstGeom>
+          <a:noFill/>
+        </p:spPr>
+        <p:txBody>
+          <a:bodyPr wrap="square" rtlCol="0" anchor="ctr">
+            <a:spAutoFit/>
+          </a:bodyPr>
+          <a:lstStyle/>
+          <a:p>
+            <a:pPr algn="ctr"/>
+            <a:r>
+              <a:rPr lang="en-US" altLang="ko-KR" dirty="0">
+                <a:solidFill>
+                  <a:schemeClr val="bg1"/>
+                </a:solidFill>
+                <a:latin typeface="Continuum Light" panose="00000400000000000000" pitchFamily="2" charset="0"/>
+              </a:rPr>
+              <a:t>3</a:t>
+            </a:r>
+            <a:endParaRPr lang="ko-KR" altLang="en-US" dirty="0">
+              <a:solidFill>
+                <a:schemeClr val="bg1"/>
+              </a:solidFill>
+              <a:latin typeface="Continuum Light" panose="00000400000000000000" pitchFamily="2" charset="0"/>
+            </a:endParaRPr>
+          </a:p>
+        </p:txBody>
+      </p:sp>
     </p:spTree>
     <p:extLst>
       <p:ext uri="{BB962C8B-B14F-4D97-AF65-F5344CB8AC3E}">
@@ -38257,6 +38995,53 @@
               </a:rPr>
               <a:t>)</a:t>
             </a:r>
+          </a:p>
+        </p:txBody>
+      </p:sp>
+      <p:sp>
+        <p:nvSpPr>
+          <p:cNvPr id="8" name="TextBox 7">
+            <a:extLst>
+              <a:ext uri="{FF2B5EF4-FFF2-40B4-BE49-F238E27FC236}">
+                <a16:creationId xmlns:a16="http://schemas.microsoft.com/office/drawing/2014/main" id="{9FF13814-EC20-4135-95D5-F33551896530}"/>
+              </a:ext>
+            </a:extLst>
+          </p:cNvPr>
+          <p:cNvSpPr txBox="1"/>
+          <p:nvPr/>
+        </p:nvSpPr>
+        <p:spPr>
+          <a:xfrm>
+            <a:off x="11329652" y="6362700"/>
+            <a:ext cx="725630" cy="369332"/>
+          </a:xfrm>
+          <a:prstGeom prst="rect">
+            <a:avLst/>
+          </a:prstGeom>
+          <a:noFill/>
+        </p:spPr>
+        <p:txBody>
+          <a:bodyPr wrap="square" rtlCol="0" anchor="ctr">
+            <a:spAutoFit/>
+          </a:bodyPr>
+          <a:lstStyle/>
+          <a:p>
+            <a:pPr algn="ctr"/>
+            <a:r>
+              <a:rPr lang="en-US" altLang="ko-KR" dirty="0">
+                <a:solidFill>
+                  <a:schemeClr val="bg1"/>
+                </a:solidFill>
+                <a:latin typeface="Continuum Light" panose="00000400000000000000" pitchFamily="2" charset="0"/>
+              </a:rPr>
+              <a:t>4</a:t>
+            </a:r>
+            <a:endParaRPr lang="ko-KR" altLang="en-US" dirty="0">
+              <a:solidFill>
+                <a:schemeClr val="bg1"/>
+              </a:solidFill>
+              <a:latin typeface="Continuum Light" panose="00000400000000000000" pitchFamily="2" charset="0"/>
+            </a:endParaRPr>
           </a:p>
         </p:txBody>
       </p:sp>
@@ -39336,6 +40121,53 @@
           <a:lstStyle/>
           <a:p>
             <a:endParaRPr lang="ko-KR" altLang="en-US" dirty="0"/>
+          </a:p>
+        </p:txBody>
+      </p:sp>
+      <p:sp>
+        <p:nvSpPr>
+          <p:cNvPr id="9" name="TextBox 8">
+            <a:extLst>
+              <a:ext uri="{FF2B5EF4-FFF2-40B4-BE49-F238E27FC236}">
+                <a16:creationId xmlns:a16="http://schemas.microsoft.com/office/drawing/2014/main" id="{FE752195-320F-496E-B124-C0A8892C1BBB}"/>
+              </a:ext>
+            </a:extLst>
+          </p:cNvPr>
+          <p:cNvSpPr txBox="1"/>
+          <p:nvPr/>
+        </p:nvSpPr>
+        <p:spPr>
+          <a:xfrm>
+            <a:off x="11329652" y="6362700"/>
+            <a:ext cx="725630" cy="369332"/>
+          </a:xfrm>
+          <a:prstGeom prst="rect">
+            <a:avLst/>
+          </a:prstGeom>
+          <a:noFill/>
+        </p:spPr>
+        <p:txBody>
+          <a:bodyPr wrap="square" rtlCol="0" anchor="ctr">
+            <a:spAutoFit/>
+          </a:bodyPr>
+          <a:lstStyle/>
+          <a:p>
+            <a:pPr algn="ctr"/>
+            <a:r>
+              <a:rPr lang="en-US" altLang="ko-KR" dirty="0">
+                <a:solidFill>
+                  <a:schemeClr val="bg1"/>
+                </a:solidFill>
+                <a:latin typeface="Continuum Light" panose="00000400000000000000" pitchFamily="2" charset="0"/>
+              </a:rPr>
+              <a:t>5</a:t>
+            </a:r>
+            <a:endParaRPr lang="ko-KR" altLang="en-US" dirty="0">
+              <a:solidFill>
+                <a:schemeClr val="bg1"/>
+              </a:solidFill>
+              <a:latin typeface="Continuum Light" panose="00000400000000000000" pitchFamily="2" charset="0"/>
+            </a:endParaRPr>
           </a:p>
         </p:txBody>
       </p:sp>
@@ -40169,7 +41001,7 @@
           <p:nvPr>
             <p:extLst>
               <p:ext uri="{D42A27DB-BD31-4B8C-83A1-F6EECF244321}">
-                <p14:modId xmlns:p14="http://schemas.microsoft.com/office/powerpoint/2010/main" val="1470608396"/>
+                <p14:modId xmlns:p14="http://schemas.microsoft.com/office/powerpoint/2010/main" val="3722745788"/>
               </p:ext>
             </p:extLst>
           </p:nvPr>
@@ -40244,6 +41076,53 @@
           </a:prstGeom>
         </p:spPr>
       </p:pic>
+      <p:sp>
+        <p:nvSpPr>
+          <p:cNvPr id="12" name="TextBox 11">
+            <a:extLst>
+              <a:ext uri="{FF2B5EF4-FFF2-40B4-BE49-F238E27FC236}">
+                <a16:creationId xmlns:a16="http://schemas.microsoft.com/office/drawing/2014/main" id="{E8E8656E-3C1C-470C-B245-546693133544}"/>
+              </a:ext>
+            </a:extLst>
+          </p:cNvPr>
+          <p:cNvSpPr txBox="1"/>
+          <p:nvPr/>
+        </p:nvSpPr>
+        <p:spPr>
+          <a:xfrm>
+            <a:off x="11329652" y="6362700"/>
+            <a:ext cx="725630" cy="369332"/>
+          </a:xfrm>
+          <a:prstGeom prst="rect">
+            <a:avLst/>
+          </a:prstGeom>
+          <a:noFill/>
+        </p:spPr>
+        <p:txBody>
+          <a:bodyPr wrap="square" rtlCol="0" anchor="ctr">
+            <a:spAutoFit/>
+          </a:bodyPr>
+          <a:lstStyle/>
+          <a:p>
+            <a:pPr algn="ctr"/>
+            <a:r>
+              <a:rPr lang="en-US" altLang="ko-KR" dirty="0">
+                <a:solidFill>
+                  <a:schemeClr val="bg1"/>
+                </a:solidFill>
+                <a:latin typeface="Continuum Light" panose="00000400000000000000" pitchFamily="2" charset="0"/>
+              </a:rPr>
+              <a:t>6</a:t>
+            </a:r>
+            <a:endParaRPr lang="ko-KR" altLang="en-US" dirty="0">
+              <a:solidFill>
+                <a:schemeClr val="bg1"/>
+              </a:solidFill>
+              <a:latin typeface="Continuum Light" panose="00000400000000000000" pitchFamily="2" charset="0"/>
+            </a:endParaRPr>
+          </a:p>
+        </p:txBody>
+      </p:sp>
     </p:spTree>
     <p:extLst>
       <p:ext uri="{BB962C8B-B14F-4D97-AF65-F5344CB8AC3E}">
@@ -40585,7 +41464,7 @@
                 <a:latin typeface="-윤고딕310" panose="02030504000101010101" pitchFamily="18" charset="-127"/>
                 <a:ea typeface="-윤고딕310" panose="02030504000101010101" pitchFamily="18" charset="-127"/>
               </a:rPr>
-              <a:t>스타바운드에서 많은 영향</a:t>
+              <a:t>스타 바운드에서 많은 영향</a:t>
             </a:r>
             <a:r>
               <a:rPr lang="en-US" altLang="ko-KR" sz="2000" dirty="0">
@@ -41662,6 +42541,53 @@
           </p:txBody>
         </p:sp>
       </p:grpSp>
+      <p:sp>
+        <p:nvSpPr>
+          <p:cNvPr id="17" name="TextBox 16">
+            <a:extLst>
+              <a:ext uri="{FF2B5EF4-FFF2-40B4-BE49-F238E27FC236}">
+                <a16:creationId xmlns:a16="http://schemas.microsoft.com/office/drawing/2014/main" id="{7172CD56-0EC9-4DED-94F8-6CB57159995B}"/>
+              </a:ext>
+            </a:extLst>
+          </p:cNvPr>
+          <p:cNvSpPr txBox="1"/>
+          <p:nvPr/>
+        </p:nvSpPr>
+        <p:spPr>
+          <a:xfrm>
+            <a:off x="11329652" y="6362700"/>
+            <a:ext cx="725630" cy="369332"/>
+          </a:xfrm>
+          <a:prstGeom prst="rect">
+            <a:avLst/>
+          </a:prstGeom>
+          <a:noFill/>
+        </p:spPr>
+        <p:txBody>
+          <a:bodyPr wrap="square" rtlCol="0" anchor="ctr">
+            <a:spAutoFit/>
+          </a:bodyPr>
+          <a:lstStyle/>
+          <a:p>
+            <a:pPr algn="ctr"/>
+            <a:r>
+              <a:rPr lang="en-US" altLang="ko-KR" dirty="0">
+                <a:solidFill>
+                  <a:schemeClr val="bg1"/>
+                </a:solidFill>
+                <a:latin typeface="Continuum Light" panose="00000400000000000000" pitchFamily="2" charset="0"/>
+              </a:rPr>
+              <a:t>7</a:t>
+            </a:r>
+            <a:endParaRPr lang="ko-KR" altLang="en-US" dirty="0">
+              <a:solidFill>
+                <a:schemeClr val="bg1"/>
+              </a:solidFill>
+              <a:latin typeface="Continuum Light" panose="00000400000000000000" pitchFamily="2" charset="0"/>
+            </a:endParaRPr>
+          </a:p>
+        </p:txBody>
+      </p:sp>
     </p:spTree>
     <p:extLst>
       <p:ext uri="{BB962C8B-B14F-4D97-AF65-F5344CB8AC3E}">
@@ -41952,7 +42878,7 @@
                 <a:latin typeface="-윤고딕310" panose="02030504000101010101" pitchFamily="18" charset="-127"/>
                 <a:ea typeface="-윤고딕310" panose="02030504000101010101" pitchFamily="18" charset="-127"/>
               </a:rPr>
-              <a:t>그러나 시점에서는 스타바운드를 닮았으며 전투 의외의 시스템은 둘 다와 판이하다 </a:t>
+              <a:t>그러나 시점에서는 스타 바운드를 닮았으며 전투 의외의 시스템은 둘 다와 판이하다 </a:t>
             </a:r>
             <a:r>
               <a:rPr lang="en-US" altLang="ko-KR" sz="2000" dirty="0">
@@ -42536,7 +43462,7 @@
                     </a:effectLst>
                     <a:latin typeface="+mn-ea"/>
                   </a:rPr>
-                  <a:t>스타바운드의 우주선 사진</a:t>
+                  <a:t>스타 바운드의 우주선 사진</a:t>
                 </a:r>
               </a:p>
             </p:txBody>
@@ -43391,6 +44317,53 @@
           </p:txBody>
         </p:sp>
       </p:grpSp>
+      <p:sp>
+        <p:nvSpPr>
+          <p:cNvPr id="39" name="TextBox 38">
+            <a:extLst>
+              <a:ext uri="{FF2B5EF4-FFF2-40B4-BE49-F238E27FC236}">
+                <a16:creationId xmlns:a16="http://schemas.microsoft.com/office/drawing/2014/main" id="{7762766F-A57F-4FA6-888A-87AA42B984D5}"/>
+              </a:ext>
+            </a:extLst>
+          </p:cNvPr>
+          <p:cNvSpPr txBox="1"/>
+          <p:nvPr/>
+        </p:nvSpPr>
+        <p:spPr>
+          <a:xfrm>
+            <a:off x="11329652" y="6362700"/>
+            <a:ext cx="725630" cy="369332"/>
+          </a:xfrm>
+          <a:prstGeom prst="rect">
+            <a:avLst/>
+          </a:prstGeom>
+          <a:noFill/>
+        </p:spPr>
+        <p:txBody>
+          <a:bodyPr wrap="square" rtlCol="0" anchor="ctr">
+            <a:spAutoFit/>
+          </a:bodyPr>
+          <a:lstStyle/>
+          <a:p>
+            <a:pPr algn="ctr"/>
+            <a:r>
+              <a:rPr lang="en-US" altLang="ko-KR" dirty="0">
+                <a:solidFill>
+                  <a:schemeClr val="bg1"/>
+                </a:solidFill>
+                <a:latin typeface="Continuum Light" panose="00000400000000000000" pitchFamily="2" charset="0"/>
+              </a:rPr>
+              <a:t>8</a:t>
+            </a:r>
+            <a:endParaRPr lang="ko-KR" altLang="en-US" dirty="0">
+              <a:solidFill>
+                <a:schemeClr val="bg1"/>
+              </a:solidFill>
+              <a:latin typeface="Continuum Light" panose="00000400000000000000" pitchFamily="2" charset="0"/>
+            </a:endParaRPr>
+          </a:p>
+        </p:txBody>
+      </p:sp>
     </p:spTree>
     <p:extLst>
       <p:ext uri="{BB962C8B-B14F-4D97-AF65-F5344CB8AC3E}">
